--- a/ES data project presentation_salmon diet.pptx
+++ b/ES data project presentation_salmon diet.pptx
@@ -5,15 +5,19 @@
     <p:sldMasterId id="2147483648" r:id="rId1"/>
   </p:sldMasterIdLst>
   <p:notesMasterIdLst>
-    <p:notesMasterId r:id="rId8"/>
+    <p:notesMasterId r:id="rId12"/>
   </p:notesMasterIdLst>
   <p:sldIdLst>
     <p:sldId id="256" r:id="rId2"/>
     <p:sldId id="257" r:id="rId3"/>
     <p:sldId id="258" r:id="rId4"/>
-    <p:sldId id="259" r:id="rId5"/>
-    <p:sldId id="260" r:id="rId6"/>
-    <p:sldId id="261" r:id="rId7"/>
+    <p:sldId id="263" r:id="rId5"/>
+    <p:sldId id="259" r:id="rId6"/>
+    <p:sldId id="265" r:id="rId7"/>
+    <p:sldId id="260" r:id="rId8"/>
+    <p:sldId id="266" r:id="rId9"/>
+    <p:sldId id="261" r:id="rId10"/>
+    <p:sldId id="264" r:id="rId11"/>
   </p:sldIdLst>
   <p:sldSz cx="12192000" cy="6858000"/>
   <p:notesSz cx="6858000" cy="9144000"/>
@@ -120,9 +124,13 @@
             <p14:sldId id="256"/>
             <p14:sldId id="257"/>
             <p14:sldId id="258"/>
+            <p14:sldId id="263"/>
             <p14:sldId id="259"/>
+            <p14:sldId id="265"/>
             <p14:sldId id="260"/>
+            <p14:sldId id="266"/>
             <p14:sldId id="261"/>
+            <p14:sldId id="264"/>
           </p14:sldIdLst>
         </p14:section>
       </p14:sectionLst>
@@ -227,7 +235,7 @@
           <a:p>
             <a:fld id="{EE49B232-0CCD-EA45-8373-748F71E32B73}" type="datetimeFigureOut">
               <a:rPr lang="en-US" smtClean="0"/>
-              <a:t>4/1/20</a:t>
+              <a:t>4/5/2020</a:t>
             </a:fld>
             <a:endParaRPr lang="en-US"/>
           </a:p>
@@ -805,7 +813,7 @@
           <a:p>
             <a:fld id="{3E52D604-0742-9243-810E-1096192DBA15}" type="datetimeFigureOut">
               <a:rPr lang="en-US" smtClean="0"/>
-              <a:t>4/1/20</a:t>
+              <a:t>4/5/2020</a:t>
             </a:fld>
             <a:endParaRPr lang="en-US"/>
           </a:p>
@@ -1003,7 +1011,7 @@
           <a:p>
             <a:fld id="{3E52D604-0742-9243-810E-1096192DBA15}" type="datetimeFigureOut">
               <a:rPr lang="en-US" smtClean="0"/>
-              <a:t>4/1/20</a:t>
+              <a:t>4/5/2020</a:t>
             </a:fld>
             <a:endParaRPr lang="en-US"/>
           </a:p>
@@ -1211,7 +1219,7 @@
           <a:p>
             <a:fld id="{3E52D604-0742-9243-810E-1096192DBA15}" type="datetimeFigureOut">
               <a:rPr lang="en-US" smtClean="0"/>
-              <a:t>4/1/20</a:t>
+              <a:t>4/5/2020</a:t>
             </a:fld>
             <a:endParaRPr lang="en-US"/>
           </a:p>
@@ -1409,7 +1417,7 @@
           <a:p>
             <a:fld id="{3E52D604-0742-9243-810E-1096192DBA15}" type="datetimeFigureOut">
               <a:rPr lang="en-US" smtClean="0"/>
-              <a:t>4/1/20</a:t>
+              <a:t>4/5/2020</a:t>
             </a:fld>
             <a:endParaRPr lang="en-US"/>
           </a:p>
@@ -1684,7 +1692,7 @@
           <a:p>
             <a:fld id="{3E52D604-0742-9243-810E-1096192DBA15}" type="datetimeFigureOut">
               <a:rPr lang="en-US" smtClean="0"/>
-              <a:t>4/1/20</a:t>
+              <a:t>4/5/2020</a:t>
             </a:fld>
             <a:endParaRPr lang="en-US"/>
           </a:p>
@@ -1949,7 +1957,7 @@
           <a:p>
             <a:fld id="{3E52D604-0742-9243-810E-1096192DBA15}" type="datetimeFigureOut">
               <a:rPr lang="en-US" smtClean="0"/>
-              <a:t>4/1/20</a:t>
+              <a:t>4/5/2020</a:t>
             </a:fld>
             <a:endParaRPr lang="en-US"/>
           </a:p>
@@ -2361,7 +2369,7 @@
           <a:p>
             <a:fld id="{3E52D604-0742-9243-810E-1096192DBA15}" type="datetimeFigureOut">
               <a:rPr lang="en-US" smtClean="0"/>
-              <a:t>4/1/20</a:t>
+              <a:t>4/5/2020</a:t>
             </a:fld>
             <a:endParaRPr lang="en-US"/>
           </a:p>
@@ -2502,7 +2510,7 @@
           <a:p>
             <a:fld id="{3E52D604-0742-9243-810E-1096192DBA15}" type="datetimeFigureOut">
               <a:rPr lang="en-US" smtClean="0"/>
-              <a:t>4/1/20</a:t>
+              <a:t>4/5/2020</a:t>
             </a:fld>
             <a:endParaRPr lang="en-US"/>
           </a:p>
@@ -2615,7 +2623,7 @@
           <a:p>
             <a:fld id="{3E52D604-0742-9243-810E-1096192DBA15}" type="datetimeFigureOut">
               <a:rPr lang="en-US" smtClean="0"/>
-              <a:t>4/1/20</a:t>
+              <a:t>4/5/2020</a:t>
             </a:fld>
             <a:endParaRPr lang="en-US"/>
           </a:p>
@@ -2926,7 +2934,7 @@
           <a:p>
             <a:fld id="{3E52D604-0742-9243-810E-1096192DBA15}" type="datetimeFigureOut">
               <a:rPr lang="en-US" smtClean="0"/>
-              <a:t>4/1/20</a:t>
+              <a:t>4/5/2020</a:t>
             </a:fld>
             <a:endParaRPr lang="en-US"/>
           </a:p>
@@ -3214,7 +3222,7 @@
           <a:p>
             <a:fld id="{3E52D604-0742-9243-810E-1096192DBA15}" type="datetimeFigureOut">
               <a:rPr lang="en-US" smtClean="0"/>
-              <a:t>4/1/20</a:t>
+              <a:t>4/5/2020</a:t>
             </a:fld>
             <a:endParaRPr lang="en-US"/>
           </a:p>
@@ -3455,7 +3463,7 @@
           <a:p>
             <a:fld id="{3E52D604-0742-9243-810E-1096192DBA15}" type="datetimeFigureOut">
               <a:rPr lang="en-US" smtClean="0"/>
-              <a:t>4/1/20</a:t>
+              <a:t>4/5/2020</a:t>
             </a:fld>
             <a:endParaRPr lang="en-US"/>
           </a:p>
@@ -4089,6 +4097,110 @@
 </p:sld>
 </file>
 
+<file path=ppt/slides/slide10.xml><?xml version="1.0" encoding="utf-8"?>
+<p:sld xmlns:a="http://schemas.openxmlformats.org/drawingml/2006/main" xmlns:r="http://schemas.openxmlformats.org/officeDocument/2006/relationships" xmlns:p="http://schemas.openxmlformats.org/presentationml/2006/main">
+  <p:cSld>
+    <p:spTree>
+      <p:nvGrpSpPr>
+        <p:cNvPr id="1" name=""/>
+        <p:cNvGrpSpPr/>
+        <p:nvPr/>
+      </p:nvGrpSpPr>
+      <p:grpSpPr>
+        <a:xfrm>
+          <a:off x="0" y="0"/>
+          <a:ext cx="0" cy="0"/>
+          <a:chOff x="0" y="0"/>
+          <a:chExt cx="0" cy="0"/>
+        </a:xfrm>
+      </p:grpSpPr>
+      <p:sp>
+        <p:nvSpPr>
+          <p:cNvPr id="2" name="Title 1">
+            <a:extLst>
+              <a:ext uri="{FF2B5EF4-FFF2-40B4-BE49-F238E27FC236}">
+                <a16:creationId xmlns:a16="http://schemas.microsoft.com/office/drawing/2014/main" id="{32F013EC-885D-48FC-97AF-EA861EA43DDB}"/>
+              </a:ext>
+            </a:extLst>
+          </p:cNvPr>
+          <p:cNvSpPr>
+            <a:spLocks noGrp="1"/>
+          </p:cNvSpPr>
+          <p:nvPr>
+            <p:ph type="title"/>
+          </p:nvPr>
+        </p:nvSpPr>
+        <p:spPr/>
+        <p:txBody>
+          <a:bodyPr/>
+          <a:lstStyle/>
+          <a:p>
+            <a:r>
+              <a:rPr lang="en-CA" dirty="0"/>
+              <a:t>Checklist</a:t>
+            </a:r>
+          </a:p>
+        </p:txBody>
+      </p:sp>
+      <p:sp>
+        <p:nvSpPr>
+          <p:cNvPr id="3" name="Content Placeholder 2">
+            <a:extLst>
+              <a:ext uri="{FF2B5EF4-FFF2-40B4-BE49-F238E27FC236}">
+                <a16:creationId xmlns:a16="http://schemas.microsoft.com/office/drawing/2014/main" id="{83895A00-7982-4E95-82C2-C49F273FBD45}"/>
+              </a:ext>
+            </a:extLst>
+          </p:cNvPr>
+          <p:cNvSpPr>
+            <a:spLocks noGrp="1"/>
+          </p:cNvSpPr>
+          <p:nvPr>
+            <p:ph idx="1"/>
+          </p:nvPr>
+        </p:nvSpPr>
+        <p:spPr/>
+        <p:txBody>
+          <a:bodyPr/>
+          <a:lstStyle/>
+          <a:p>
+            <a:r>
+              <a:rPr lang="en-CA" dirty="0"/>
+              <a:t>PDF file</a:t>
+            </a:r>
+          </a:p>
+          <a:p>
+            <a:r>
+              <a:rPr lang="en-CA" dirty="0"/>
+              <a:t>10 slides max</a:t>
+            </a:r>
+          </a:p>
+          <a:p>
+            <a:r>
+              <a:rPr lang="en-CA" dirty="0"/>
+              <a:t>2 slides of plots min</a:t>
+            </a:r>
+          </a:p>
+          <a:p>
+            <a:r>
+              <a:rPr lang="en-CA" dirty="0"/>
+              <a:t>Complete sentences</a:t>
+            </a:r>
+          </a:p>
+        </p:txBody>
+      </p:sp>
+    </p:spTree>
+    <p:extLst>
+      <p:ext uri="{BB962C8B-B14F-4D97-AF65-F5344CB8AC3E}">
+        <p14:creationId xmlns:p14="http://schemas.microsoft.com/office/powerpoint/2010/main" val="1894726509"/>
+      </p:ext>
+    </p:extLst>
+  </p:cSld>
+  <p:clrMapOvr>
+    <a:masterClrMapping/>
+  </p:clrMapOvr>
+</p:sld>
+</file>
+
 <file path=ppt/slides/slide2.xml><?xml version="1.0" encoding="utf-8"?>
 <p:sld xmlns:a="http://schemas.openxmlformats.org/drawingml/2006/main" xmlns:r="http://schemas.openxmlformats.org/officeDocument/2006/relationships" xmlns:p="http://schemas.openxmlformats.org/presentationml/2006/main">
   <p:cSld>
@@ -4155,7 +4267,16 @@
           <a:bodyPr/>
           <a:lstStyle/>
           <a:p>
-            <a:endParaRPr lang="en-US"/>
+            <a:r>
+              <a:rPr lang="en-US" dirty="0"/>
+              <a:t>Research question</a:t>
+            </a:r>
+          </a:p>
+          <a:p>
+            <a:r>
+              <a:rPr lang="en-US" dirty="0"/>
+              <a:t>Hypotheses</a:t>
+            </a:r>
           </a:p>
         </p:txBody>
       </p:sp>
@@ -4238,7 +4359,25 @@
           <a:bodyPr/>
           <a:lstStyle/>
           <a:p>
-            <a:endParaRPr lang="en-US"/>
+            <a:r>
+              <a:rPr lang="en-US" dirty="0"/>
+              <a:t>Data collection</a:t>
+            </a:r>
+          </a:p>
+          <a:p>
+            <a:r>
+              <a:rPr lang="en-US" dirty="0"/>
+              <a:t>Response variable</a:t>
+            </a:r>
+          </a:p>
+          <a:p>
+            <a:r>
+              <a:rPr lang="en-US" dirty="0"/>
+              <a:t>Explanatory variables</a:t>
+            </a:r>
+          </a:p>
+          <a:p>
+            <a:endParaRPr lang="en-US" dirty="0"/>
           </a:p>
         </p:txBody>
       </p:sp>
@@ -4277,7 +4416,7 @@
           <p:cNvPr id="2" name="Title 1">
             <a:extLst>
               <a:ext uri="{FF2B5EF4-FFF2-40B4-BE49-F238E27FC236}">
-                <a16:creationId xmlns:a16="http://schemas.microsoft.com/office/drawing/2014/main" id="{EEC0E0E7-F8E7-9B44-94E4-CF9B05CC2C9C}"/>
+                <a16:creationId xmlns:a16="http://schemas.microsoft.com/office/drawing/2014/main" id="{009AAB2C-76D9-5E41-96F9-AD241258A499}"/>
               </a:ext>
             </a:extLst>
           </p:cNvPr>
@@ -4295,7 +4434,7 @@
           <a:p>
             <a:r>
               <a:rPr lang="en-US" dirty="0"/>
-              <a:t>Statistical Methods</a:t>
+              <a:t>Description of Data</a:t>
             </a:r>
           </a:p>
         </p:txBody>
@@ -4305,7 +4444,7 @@
           <p:cNvPr id="3" name="Content Placeholder 2">
             <a:extLst>
               <a:ext uri="{FF2B5EF4-FFF2-40B4-BE49-F238E27FC236}">
-                <a16:creationId xmlns:a16="http://schemas.microsoft.com/office/drawing/2014/main" id="{90558E49-E018-6C42-863E-8CEB33A15802}"/>
+                <a16:creationId xmlns:a16="http://schemas.microsoft.com/office/drawing/2014/main" id="{ADAB7883-B5EF-3148-B8CF-B82BB0A4E499}"/>
               </a:ext>
             </a:extLst>
           </p:cNvPr>
@@ -4321,14 +4460,17 @@
           <a:bodyPr/>
           <a:lstStyle/>
           <a:p>
-            <a:endParaRPr lang="en-US"/>
+            <a:r>
+              <a:rPr lang="en-US" dirty="0"/>
+              <a:t>Plot “key features of dataset” using all data or a subset</a:t>
+            </a:r>
           </a:p>
         </p:txBody>
       </p:sp>
     </p:spTree>
     <p:extLst>
       <p:ext uri="{BB962C8B-B14F-4D97-AF65-F5344CB8AC3E}">
-        <p14:creationId xmlns:p14="http://schemas.microsoft.com/office/powerpoint/2010/main" val="4234275737"/>
+        <p14:creationId xmlns:p14="http://schemas.microsoft.com/office/powerpoint/2010/main" val="3857065462"/>
       </p:ext>
     </p:extLst>
   </p:cSld>
@@ -4360,7 +4502,7 @@
           <p:cNvPr id="2" name="Title 1">
             <a:extLst>
               <a:ext uri="{FF2B5EF4-FFF2-40B4-BE49-F238E27FC236}">
-                <a16:creationId xmlns:a16="http://schemas.microsoft.com/office/drawing/2014/main" id="{3AAFA8B7-F65A-4144-B8CA-2814837B984F}"/>
+                <a16:creationId xmlns:a16="http://schemas.microsoft.com/office/drawing/2014/main" id="{EEC0E0E7-F8E7-9B44-94E4-CF9B05CC2C9C}"/>
               </a:ext>
             </a:extLst>
           </p:cNvPr>
@@ -4378,7 +4520,7 @@
           <a:p>
             <a:r>
               <a:rPr lang="en-US" dirty="0"/>
-              <a:t>Results</a:t>
+              <a:t>Statistical Methods</a:t>
             </a:r>
           </a:p>
         </p:txBody>
@@ -4388,7 +4530,7 @@
           <p:cNvPr id="3" name="Content Placeholder 2">
             <a:extLst>
               <a:ext uri="{FF2B5EF4-FFF2-40B4-BE49-F238E27FC236}">
-                <a16:creationId xmlns:a16="http://schemas.microsoft.com/office/drawing/2014/main" id="{EF9DCC9C-FAF5-CB4C-830C-27537C7ECA6F}"/>
+                <a16:creationId xmlns:a16="http://schemas.microsoft.com/office/drawing/2014/main" id="{90558E49-E018-6C42-863E-8CEB33A15802}"/>
               </a:ext>
             </a:extLst>
           </p:cNvPr>
@@ -4404,14 +4546,35 @@
           <a:bodyPr/>
           <a:lstStyle/>
           <a:p>
-            <a:endParaRPr lang="en-US"/>
+            <a:r>
+              <a:rPr lang="en-US" dirty="0"/>
+              <a:t>What kind of model</a:t>
+            </a:r>
+          </a:p>
+          <a:p>
+            <a:r>
+              <a:rPr lang="en-US" dirty="0"/>
+              <a:t>Why</a:t>
+            </a:r>
+          </a:p>
+          <a:p>
+            <a:r>
+              <a:rPr lang="en-US" dirty="0"/>
+              <a:t>Probability distribution for response</a:t>
+            </a:r>
+          </a:p>
+          <a:p>
+            <a:r>
+              <a:rPr lang="en-US" dirty="0"/>
+              <a:t>Random effects and non-independence</a:t>
+            </a:r>
           </a:p>
         </p:txBody>
       </p:sp>
     </p:spTree>
     <p:extLst>
       <p:ext uri="{BB962C8B-B14F-4D97-AF65-F5344CB8AC3E}">
-        <p14:creationId xmlns:p14="http://schemas.microsoft.com/office/powerpoint/2010/main" val="1633210933"/>
+        <p14:creationId xmlns:p14="http://schemas.microsoft.com/office/powerpoint/2010/main" val="4234275737"/>
       </p:ext>
     </p:extLst>
   </p:cSld>
@@ -4443,6 +4606,178 @@
           <p:cNvPr id="2" name="Title 1">
             <a:extLst>
               <a:ext uri="{FF2B5EF4-FFF2-40B4-BE49-F238E27FC236}">
+                <a16:creationId xmlns:a16="http://schemas.microsoft.com/office/drawing/2014/main" id="{3AAFA8B7-F65A-4144-B8CA-2814837B984F}"/>
+              </a:ext>
+            </a:extLst>
+          </p:cNvPr>
+          <p:cNvSpPr>
+            <a:spLocks noGrp="1"/>
+          </p:cNvSpPr>
+          <p:nvPr>
+            <p:ph type="title"/>
+          </p:nvPr>
+        </p:nvSpPr>
+        <p:spPr/>
+        <p:txBody>
+          <a:bodyPr/>
+          <a:lstStyle/>
+          <a:p>
+            <a:r>
+              <a:rPr lang="en-US" dirty="0"/>
+              <a:t>Results</a:t>
+            </a:r>
+          </a:p>
+        </p:txBody>
+      </p:sp>
+      <p:sp>
+        <p:nvSpPr>
+          <p:cNvPr id="3" name="Content Placeholder 2">
+            <a:extLst>
+              <a:ext uri="{FF2B5EF4-FFF2-40B4-BE49-F238E27FC236}">
+                <a16:creationId xmlns:a16="http://schemas.microsoft.com/office/drawing/2014/main" id="{EF9DCC9C-FAF5-CB4C-830C-27537C7ECA6F}"/>
+              </a:ext>
+            </a:extLst>
+          </p:cNvPr>
+          <p:cNvSpPr>
+            <a:spLocks noGrp="1"/>
+          </p:cNvSpPr>
+          <p:nvPr>
+            <p:ph idx="1"/>
+          </p:nvPr>
+        </p:nvSpPr>
+        <p:spPr/>
+        <p:txBody>
+          <a:bodyPr/>
+          <a:lstStyle/>
+          <a:p>
+            <a:r>
+              <a:rPr lang="en-US" dirty="0"/>
+              <a:t>Plot “response relative to explanatory with model”</a:t>
+            </a:r>
+          </a:p>
+        </p:txBody>
+      </p:sp>
+    </p:spTree>
+    <p:extLst>
+      <p:ext uri="{BB962C8B-B14F-4D97-AF65-F5344CB8AC3E}">
+        <p14:creationId xmlns:p14="http://schemas.microsoft.com/office/powerpoint/2010/main" val="2154362521"/>
+      </p:ext>
+    </p:extLst>
+  </p:cSld>
+  <p:clrMapOvr>
+    <a:masterClrMapping/>
+  </p:clrMapOvr>
+</p:sld>
+</file>
+
+<file path=ppt/slides/slide7.xml><?xml version="1.0" encoding="utf-8"?>
+<p:sld xmlns:a="http://schemas.openxmlformats.org/drawingml/2006/main" xmlns:r="http://schemas.openxmlformats.org/officeDocument/2006/relationships" xmlns:p="http://schemas.openxmlformats.org/presentationml/2006/main">
+  <p:cSld>
+    <p:spTree>
+      <p:nvGrpSpPr>
+        <p:cNvPr id="1" name=""/>
+        <p:cNvGrpSpPr/>
+        <p:nvPr/>
+      </p:nvGrpSpPr>
+      <p:grpSpPr>
+        <a:xfrm>
+          <a:off x="0" y="0"/>
+          <a:ext cx="0" cy="0"/>
+          <a:chOff x="0" y="0"/>
+          <a:chExt cx="0" cy="0"/>
+        </a:xfrm>
+      </p:grpSpPr>
+      <p:sp>
+        <p:nvSpPr>
+          <p:cNvPr id="2" name="Title 1">
+            <a:extLst>
+              <a:ext uri="{FF2B5EF4-FFF2-40B4-BE49-F238E27FC236}">
+                <a16:creationId xmlns:a16="http://schemas.microsoft.com/office/drawing/2014/main" id="{3AAFA8B7-F65A-4144-B8CA-2814837B984F}"/>
+              </a:ext>
+            </a:extLst>
+          </p:cNvPr>
+          <p:cNvSpPr>
+            <a:spLocks noGrp="1"/>
+          </p:cNvSpPr>
+          <p:nvPr>
+            <p:ph type="title"/>
+          </p:nvPr>
+        </p:nvSpPr>
+        <p:spPr/>
+        <p:txBody>
+          <a:bodyPr/>
+          <a:lstStyle/>
+          <a:p>
+            <a:r>
+              <a:rPr lang="en-US" dirty="0"/>
+              <a:t>Results</a:t>
+            </a:r>
+          </a:p>
+        </p:txBody>
+      </p:sp>
+      <p:sp>
+        <p:nvSpPr>
+          <p:cNvPr id="3" name="Content Placeholder 2">
+            <a:extLst>
+              <a:ext uri="{FF2B5EF4-FFF2-40B4-BE49-F238E27FC236}">
+                <a16:creationId xmlns:a16="http://schemas.microsoft.com/office/drawing/2014/main" id="{EF9DCC9C-FAF5-CB4C-830C-27537C7ECA6F}"/>
+              </a:ext>
+            </a:extLst>
+          </p:cNvPr>
+          <p:cNvSpPr>
+            <a:spLocks noGrp="1"/>
+          </p:cNvSpPr>
+          <p:nvPr>
+            <p:ph idx="1"/>
+          </p:nvPr>
+        </p:nvSpPr>
+        <p:spPr/>
+        <p:txBody>
+          <a:bodyPr/>
+          <a:lstStyle/>
+          <a:p>
+            <a:r>
+              <a:rPr lang="en-US" dirty="0"/>
+              <a:t>In the context of results and hypotheses</a:t>
+            </a:r>
+          </a:p>
+        </p:txBody>
+      </p:sp>
+    </p:spTree>
+    <p:extLst>
+      <p:ext uri="{BB962C8B-B14F-4D97-AF65-F5344CB8AC3E}">
+        <p14:creationId xmlns:p14="http://schemas.microsoft.com/office/powerpoint/2010/main" val="1633210933"/>
+      </p:ext>
+    </p:extLst>
+  </p:cSld>
+  <p:clrMapOvr>
+    <a:masterClrMapping/>
+  </p:clrMapOvr>
+</p:sld>
+</file>
+
+<file path=ppt/slides/slide8.xml><?xml version="1.0" encoding="utf-8"?>
+<p:sld xmlns:a="http://schemas.openxmlformats.org/drawingml/2006/main" xmlns:r="http://schemas.openxmlformats.org/officeDocument/2006/relationships" xmlns:p="http://schemas.openxmlformats.org/presentationml/2006/main">
+  <p:cSld>
+    <p:spTree>
+      <p:nvGrpSpPr>
+        <p:cNvPr id="1" name=""/>
+        <p:cNvGrpSpPr/>
+        <p:nvPr/>
+      </p:nvGrpSpPr>
+      <p:grpSpPr>
+        <a:xfrm>
+          <a:off x="0" y="0"/>
+          <a:ext cx="0" cy="0"/>
+          <a:chOff x="0" y="0"/>
+          <a:chExt cx="0" cy="0"/>
+        </a:xfrm>
+      </p:grpSpPr>
+      <p:sp>
+        <p:nvSpPr>
+          <p:cNvPr id="2" name="Title 1">
+            <a:extLst>
+              <a:ext uri="{FF2B5EF4-FFF2-40B4-BE49-F238E27FC236}">
                 <a16:creationId xmlns:a16="http://schemas.microsoft.com/office/drawing/2014/main" id="{5486FC29-4DE0-2945-8D76-00CE391102A3}"/>
               </a:ext>
             </a:extLst>
@@ -4487,7 +4822,102 @@
           <a:bodyPr/>
           <a:lstStyle/>
           <a:p>
-            <a:endParaRPr lang="en-US"/>
+            <a:r>
+              <a:rPr lang="en-US" dirty="0"/>
+              <a:t>Limitations to data analysis approach</a:t>
+            </a:r>
+          </a:p>
+        </p:txBody>
+      </p:sp>
+    </p:spTree>
+    <p:extLst>
+      <p:ext uri="{BB962C8B-B14F-4D97-AF65-F5344CB8AC3E}">
+        <p14:creationId xmlns:p14="http://schemas.microsoft.com/office/powerpoint/2010/main" val="2666073596"/>
+      </p:ext>
+    </p:extLst>
+  </p:cSld>
+  <p:clrMapOvr>
+    <a:masterClrMapping/>
+  </p:clrMapOvr>
+</p:sld>
+</file>
+
+<file path=ppt/slides/slide9.xml><?xml version="1.0" encoding="utf-8"?>
+<p:sld xmlns:a="http://schemas.openxmlformats.org/drawingml/2006/main" xmlns:r="http://schemas.openxmlformats.org/officeDocument/2006/relationships" xmlns:p="http://schemas.openxmlformats.org/presentationml/2006/main">
+  <p:cSld>
+    <p:spTree>
+      <p:nvGrpSpPr>
+        <p:cNvPr id="1" name=""/>
+        <p:cNvGrpSpPr/>
+        <p:nvPr/>
+      </p:nvGrpSpPr>
+      <p:grpSpPr>
+        <a:xfrm>
+          <a:off x="0" y="0"/>
+          <a:ext cx="0" cy="0"/>
+          <a:chOff x="0" y="0"/>
+          <a:chExt cx="0" cy="0"/>
+        </a:xfrm>
+      </p:grpSpPr>
+      <p:sp>
+        <p:nvSpPr>
+          <p:cNvPr id="2" name="Title 1">
+            <a:extLst>
+              <a:ext uri="{FF2B5EF4-FFF2-40B4-BE49-F238E27FC236}">
+                <a16:creationId xmlns:a16="http://schemas.microsoft.com/office/drawing/2014/main" id="{5486FC29-4DE0-2945-8D76-00CE391102A3}"/>
+              </a:ext>
+            </a:extLst>
+          </p:cNvPr>
+          <p:cNvSpPr>
+            <a:spLocks noGrp="1"/>
+          </p:cNvSpPr>
+          <p:nvPr>
+            <p:ph type="title"/>
+          </p:nvPr>
+        </p:nvSpPr>
+        <p:spPr/>
+        <p:txBody>
+          <a:bodyPr/>
+          <a:lstStyle/>
+          <a:p>
+            <a:r>
+              <a:rPr lang="en-US" dirty="0"/>
+              <a:t>Discussion</a:t>
+            </a:r>
+          </a:p>
+        </p:txBody>
+      </p:sp>
+      <p:sp>
+        <p:nvSpPr>
+          <p:cNvPr id="3" name="Content Placeholder 2">
+            <a:extLst>
+              <a:ext uri="{FF2B5EF4-FFF2-40B4-BE49-F238E27FC236}">
+                <a16:creationId xmlns:a16="http://schemas.microsoft.com/office/drawing/2014/main" id="{E5C8EA41-AC53-CD4C-9EA9-0760B2BBB009}"/>
+              </a:ext>
+            </a:extLst>
+          </p:cNvPr>
+          <p:cNvSpPr>
+            <a:spLocks noGrp="1"/>
+          </p:cNvSpPr>
+          <p:nvPr>
+            <p:ph idx="1"/>
+          </p:nvPr>
+        </p:nvSpPr>
+        <p:spPr/>
+        <p:txBody>
+          <a:bodyPr/>
+          <a:lstStyle/>
+          <a:p>
+            <a:r>
+              <a:rPr lang="en-US" dirty="0"/>
+              <a:t>Results in context of existing knowledge</a:t>
+            </a:r>
+          </a:p>
+          <a:p>
+            <a:r>
+              <a:rPr lang="en-US" dirty="0"/>
+              <a:t>Future research questions</a:t>
+            </a:r>
           </a:p>
         </p:txBody>
       </p:sp>

--- a/ES data project presentation_salmon diet.pptx
+++ b/ES data project presentation_salmon diet.pptx
@@ -5,19 +5,18 @@
     <p:sldMasterId id="2147483648" r:id="rId1"/>
   </p:sldMasterIdLst>
   <p:notesMasterIdLst>
-    <p:notesMasterId r:id="rId12"/>
+    <p:notesMasterId r:id="rId11"/>
   </p:notesMasterIdLst>
   <p:sldIdLst>
     <p:sldId id="256" r:id="rId2"/>
     <p:sldId id="257" r:id="rId3"/>
     <p:sldId id="258" r:id="rId4"/>
-    <p:sldId id="263" r:id="rId5"/>
-    <p:sldId id="259" r:id="rId6"/>
-    <p:sldId id="265" r:id="rId7"/>
-    <p:sldId id="260" r:id="rId8"/>
-    <p:sldId id="266" r:id="rId9"/>
-    <p:sldId id="261" r:id="rId10"/>
-    <p:sldId id="264" r:id="rId11"/>
+    <p:sldId id="259" r:id="rId5"/>
+    <p:sldId id="265" r:id="rId6"/>
+    <p:sldId id="260" r:id="rId7"/>
+    <p:sldId id="266" r:id="rId8"/>
+    <p:sldId id="261" r:id="rId9"/>
+    <p:sldId id="264" r:id="rId10"/>
   </p:sldIdLst>
   <p:sldSz cx="12192000" cy="6858000"/>
   <p:notesSz cx="6858000" cy="9144000"/>
@@ -124,7 +123,6 @@
             <p14:sldId id="256"/>
             <p14:sldId id="257"/>
             <p14:sldId id="258"/>
-            <p14:sldId id="263"/>
             <p14:sldId id="259"/>
             <p14:sldId id="265"/>
             <p14:sldId id="260"/>
@@ -235,7 +233,7 @@
           <a:p>
             <a:fld id="{EE49B232-0CCD-EA45-8373-748F71E32B73}" type="datetimeFigureOut">
               <a:rPr lang="en-US" smtClean="0"/>
-              <a:t>4/5/2020</a:t>
+              <a:t>4/6/20</a:t>
             </a:fld>
             <a:endParaRPr lang="en-US"/>
           </a:p>
@@ -565,7 +563,7 @@
             </a:pPr>
             <a:r>
               <a:rPr lang="en-US" dirty="0"/>
-              <a:t>We would like to acknowledge </a:t>
+              <a:t>First, we would like to acknowledge </a:t>
             </a:r>
             <a:r>
               <a:rPr lang="en-CA" dirty="0">
@@ -610,22 +608,176 @@
               <a:t>Juanes</a:t>
             </a:r>
             <a:r>
-              <a:rPr lang="en-US" dirty="0">
+              <a:rPr lang="en-CA" dirty="0">
                 <a:latin typeface="Calibri Light" panose="020F0302020204030204" pitchFamily="34" charset="0"/>
                 <a:cs typeface="Calibri Light" panose="020F0302020204030204" pitchFamily="34" charset="0"/>
               </a:rPr>
-              <a:t> for </a:t>
-            </a:r>
-            <a:r>
-              <a:rPr lang="en-US" dirty="0" err="1">
-                <a:latin typeface="Calibri Light" panose="020F0302020204030204" pitchFamily="34" charset="0"/>
-                <a:cs typeface="Calibri Light" panose="020F0302020204030204" pitchFamily="34" charset="0"/>
-              </a:rPr>
-              <a:t>oper</a:t>
-            </a:r>
+              <a:t> for spearheading and supporting the Adult Salmon Diet Program.</a:t>
+            </a:r>
+          </a:p>
+          <a:p>
+            <a:pPr marL="0" marR="0" lvl="0" indent="0" algn="l" defTabSz="914400" rtl="0" eaLnBrk="1" fontAlgn="auto" latinLnBrk="0" hangingPunct="1">
+              <a:lnSpc>
+                <a:spcPct val="100000"/>
+              </a:lnSpc>
+              <a:spcBef>
+                <a:spcPts val="0"/>
+              </a:spcBef>
+              <a:spcAft>
+                <a:spcPts val="0"/>
+              </a:spcAft>
+              <a:buClrTx/>
+              <a:buSzTx/>
+              <a:buFontTx/>
+              <a:buNone/>
+              <a:tabLst/>
+              <a:defRPr/>
+            </a:pPr>
             <a:endParaRPr lang="en-CA" dirty="0">
               <a:latin typeface="Calibri Light" panose="020F0302020204030204" pitchFamily="34" charset="0"/>
               <a:cs typeface="Calibri Light" panose="020F0302020204030204" pitchFamily="34" charset="0"/>
+            </a:endParaRPr>
+          </a:p>
+          <a:p>
+            <a:pPr marL="0" marR="0" lvl="0" indent="0" algn="l" defTabSz="914400" rtl="0" eaLnBrk="1" fontAlgn="auto" latinLnBrk="0" hangingPunct="1">
+              <a:lnSpc>
+                <a:spcPct val="100000"/>
+              </a:lnSpc>
+              <a:spcBef>
+                <a:spcPts val="0"/>
+              </a:spcBef>
+              <a:spcAft>
+                <a:spcPts val="0"/>
+              </a:spcAft>
+              <a:buClrTx/>
+              <a:buSzTx/>
+              <a:buFontTx/>
+              <a:buNone/>
+              <a:tabLst/>
+              <a:defRPr/>
+            </a:pPr>
+            <a:r>
+              <a:rPr lang="en-CA" sz="1200" kern="1200" dirty="0">
+                <a:solidFill>
+                  <a:schemeClr val="tx1"/>
+                </a:solidFill>
+                <a:effectLst/>
+                <a:latin typeface="+mn-lt"/>
+                <a:ea typeface="+mn-ea"/>
+                <a:cs typeface="+mn-cs"/>
+              </a:rPr>
+              <a:t>The adult Chinook and Coho Salmon Diet Program (</a:t>
+            </a:r>
+            <a:r>
+              <a:rPr lang="en-CA" sz="1200" kern="1200" dirty="0" err="1">
+                <a:solidFill>
+                  <a:schemeClr val="tx1"/>
+                </a:solidFill>
+                <a:effectLst/>
+                <a:latin typeface="+mn-lt"/>
+                <a:ea typeface="+mn-ea"/>
+                <a:cs typeface="+mn-cs"/>
+              </a:rPr>
+              <a:t>Juanes</a:t>
+            </a:r>
+            <a:r>
+              <a:rPr lang="en-CA" sz="1200" kern="1200" dirty="0">
+                <a:solidFill>
+                  <a:schemeClr val="tx1"/>
+                </a:solidFill>
+                <a:effectLst/>
+                <a:latin typeface="+mn-lt"/>
+                <a:ea typeface="+mn-ea"/>
+                <a:cs typeface="+mn-cs"/>
+              </a:rPr>
+              <a:t> Lab) seeks to address basic knowledge gaps in our understanding of what salmon eat in this region by sourcing stomach samples collected by the recreational fishing community.</a:t>
+            </a:r>
+          </a:p>
+          <a:p>
+            <a:pPr marL="0" marR="0" lvl="0" indent="0" algn="l" defTabSz="914400" rtl="0" eaLnBrk="1" fontAlgn="auto" latinLnBrk="0" hangingPunct="1">
+              <a:lnSpc>
+                <a:spcPct val="100000"/>
+              </a:lnSpc>
+              <a:spcBef>
+                <a:spcPts val="0"/>
+              </a:spcBef>
+              <a:spcAft>
+                <a:spcPts val="0"/>
+              </a:spcAft>
+              <a:buClrTx/>
+              <a:buSzTx/>
+              <a:buFontTx/>
+              <a:buNone/>
+              <a:tabLst/>
+              <a:defRPr/>
+            </a:pPr>
+            <a:endParaRPr lang="en-CA" sz="1200" kern="1200" dirty="0">
+              <a:solidFill>
+                <a:schemeClr val="tx1"/>
+              </a:solidFill>
+              <a:effectLst/>
+              <a:latin typeface="+mn-lt"/>
+              <a:ea typeface="+mn-ea"/>
+              <a:cs typeface="+mn-cs"/>
+            </a:endParaRPr>
+          </a:p>
+          <a:p>
+            <a:pPr marL="0" marR="0" lvl="0" indent="0" algn="l" defTabSz="914400" rtl="0" eaLnBrk="1" fontAlgn="auto" latinLnBrk="0" hangingPunct="1">
+              <a:lnSpc>
+                <a:spcPct val="100000"/>
+              </a:lnSpc>
+              <a:spcBef>
+                <a:spcPts val="0"/>
+              </a:spcBef>
+              <a:spcAft>
+                <a:spcPts val="0"/>
+              </a:spcAft>
+              <a:buClrTx/>
+              <a:buSzTx/>
+              <a:buFontTx/>
+              <a:buNone/>
+              <a:tabLst/>
+              <a:defRPr/>
+            </a:pPr>
+            <a:r>
+              <a:rPr lang="en-CA" sz="1200" kern="1200" dirty="0">
+                <a:solidFill>
+                  <a:schemeClr val="tx1"/>
+                </a:solidFill>
+                <a:effectLst/>
+                <a:latin typeface="+mn-lt"/>
+                <a:ea typeface="+mn-ea"/>
+                <a:cs typeface="+mn-cs"/>
+              </a:rPr>
+              <a:t>The goal is to gather regional, seasonal and interannual diet data to monitor ecosystem response to environmental change.</a:t>
+            </a:r>
+          </a:p>
+          <a:p>
+            <a:pPr marL="0" marR="0" lvl="0" indent="0" algn="l" defTabSz="914400" rtl="0" eaLnBrk="1" fontAlgn="auto" latinLnBrk="0" hangingPunct="1">
+              <a:lnSpc>
+                <a:spcPct val="100000"/>
+              </a:lnSpc>
+              <a:spcBef>
+                <a:spcPts val="0"/>
+              </a:spcBef>
+              <a:spcAft>
+                <a:spcPts val="0"/>
+              </a:spcAft>
+              <a:buClrTx/>
+              <a:buSzTx/>
+              <a:buFontTx/>
+              <a:buNone/>
+              <a:tabLst/>
+              <a:defRPr/>
+            </a:pPr>
+            <a:endParaRPr lang="en-CA" sz="1200" kern="1200" dirty="0">
+              <a:solidFill>
+                <a:schemeClr val="tx1"/>
+              </a:solidFill>
+              <a:effectLst/>
+              <a:latin typeface="+mn-lt"/>
+              <a:ea typeface="+mn-ea"/>
+              <a:cs typeface="+mn-cs"/>
             </a:endParaRPr>
           </a:p>
         </p:txBody>
@@ -657,6 +809,760 @@
     <p:extLst>
       <p:ext uri="{BB962C8B-B14F-4D97-AF65-F5344CB8AC3E}">
         <p14:creationId xmlns:p14="http://schemas.microsoft.com/office/powerpoint/2010/main" val="1869013899"/>
+      </p:ext>
+    </p:extLst>
+  </p:cSld>
+  <p:clrMapOvr>
+    <a:masterClrMapping/>
+  </p:clrMapOvr>
+</p:notes>
+</file>
+
+<file path=ppt/notesSlides/notesSlide2.xml><?xml version="1.0" encoding="utf-8"?>
+<p:notes xmlns:a="http://schemas.openxmlformats.org/drawingml/2006/main" xmlns:r="http://schemas.openxmlformats.org/officeDocument/2006/relationships" xmlns:p="http://schemas.openxmlformats.org/presentationml/2006/main">
+  <p:cSld>
+    <p:spTree>
+      <p:nvGrpSpPr>
+        <p:cNvPr id="1" name=""/>
+        <p:cNvGrpSpPr/>
+        <p:nvPr/>
+      </p:nvGrpSpPr>
+      <p:grpSpPr>
+        <a:xfrm>
+          <a:off x="0" y="0"/>
+          <a:ext cx="0" cy="0"/>
+          <a:chOff x="0" y="0"/>
+          <a:chExt cx="0" cy="0"/>
+        </a:xfrm>
+      </p:grpSpPr>
+      <p:sp>
+        <p:nvSpPr>
+          <p:cNvPr id="2" name="Slide Image Placeholder 1"/>
+          <p:cNvSpPr>
+            <a:spLocks noGrp="1" noRot="1" noChangeAspect="1"/>
+          </p:cNvSpPr>
+          <p:nvPr>
+            <p:ph type="sldImg"/>
+          </p:nvPr>
+        </p:nvSpPr>
+        <p:spPr/>
+      </p:sp>
+      <p:sp>
+        <p:nvSpPr>
+          <p:cNvPr id="3" name="Notes Placeholder 2"/>
+          <p:cNvSpPr>
+            <a:spLocks noGrp="1"/>
+          </p:cNvSpPr>
+          <p:nvPr>
+            <p:ph type="body" idx="1"/>
+          </p:nvPr>
+        </p:nvSpPr>
+        <p:spPr/>
+        <p:txBody>
+          <a:bodyPr/>
+          <a:lstStyle/>
+          <a:p>
+            <a:pPr marL="0" marR="0" lvl="0" indent="0" algn="l" defTabSz="914400" rtl="0" eaLnBrk="1" fontAlgn="auto" latinLnBrk="0" hangingPunct="1">
+              <a:lnSpc>
+                <a:spcPct val="100000"/>
+              </a:lnSpc>
+              <a:spcBef>
+                <a:spcPts val="0"/>
+              </a:spcBef>
+              <a:spcAft>
+                <a:spcPts val="0"/>
+              </a:spcAft>
+              <a:buClrTx/>
+              <a:buSzTx/>
+              <a:buFontTx/>
+              <a:buNone/>
+              <a:tabLst/>
+              <a:defRPr/>
+            </a:pPr>
+            <a:r>
+              <a:rPr lang="en-CA" dirty="0">
+                <a:latin typeface="Calibri Light" panose="020F0302020204030204" pitchFamily="34" charset="0"/>
+                <a:cs typeface="Calibri Light" panose="020F0302020204030204" pitchFamily="34" charset="0"/>
+              </a:rPr>
+              <a:t>Pacific Herring have been found to be the </a:t>
+            </a:r>
+            <a:r>
+              <a:rPr lang="en-CA" sz="1200" kern="1200" dirty="0">
+                <a:solidFill>
+                  <a:schemeClr val="tx1"/>
+                </a:solidFill>
+                <a:effectLst/>
+                <a:latin typeface="+mn-lt"/>
+                <a:ea typeface="+mn-ea"/>
+                <a:cs typeface="+mn-cs"/>
+              </a:rPr>
+              <a:t>dominant fish consumed by Chinook Salmon throughout regions of the Salish Sea, throughout the year.</a:t>
+            </a:r>
+          </a:p>
+          <a:p>
+            <a:pPr marL="0" marR="0" lvl="0" indent="0" algn="l" defTabSz="914400" rtl="0" eaLnBrk="1" fontAlgn="auto" latinLnBrk="0" hangingPunct="1">
+              <a:lnSpc>
+                <a:spcPct val="100000"/>
+              </a:lnSpc>
+              <a:spcBef>
+                <a:spcPts val="0"/>
+              </a:spcBef>
+              <a:spcAft>
+                <a:spcPts val="0"/>
+              </a:spcAft>
+              <a:buClrTx/>
+              <a:buSzTx/>
+              <a:buFontTx/>
+              <a:buNone/>
+              <a:tabLst/>
+              <a:defRPr/>
+            </a:pPr>
+            <a:endParaRPr lang="en-CA" sz="1200" kern="1200" dirty="0">
+              <a:solidFill>
+                <a:schemeClr val="tx1"/>
+              </a:solidFill>
+              <a:effectLst/>
+              <a:latin typeface="+mn-lt"/>
+              <a:ea typeface="+mn-ea"/>
+              <a:cs typeface="+mn-cs"/>
+            </a:endParaRPr>
+          </a:p>
+          <a:p>
+            <a:pPr marL="0" marR="0" lvl="0" indent="0" algn="l" defTabSz="914400" rtl="0" eaLnBrk="1" fontAlgn="auto" latinLnBrk="0" hangingPunct="1">
+              <a:lnSpc>
+                <a:spcPct val="100000"/>
+              </a:lnSpc>
+              <a:spcBef>
+                <a:spcPts val="0"/>
+              </a:spcBef>
+              <a:spcAft>
+                <a:spcPts val="0"/>
+              </a:spcAft>
+              <a:buClrTx/>
+              <a:buSzTx/>
+              <a:buFontTx/>
+              <a:buNone/>
+              <a:tabLst/>
+              <a:defRPr/>
+            </a:pPr>
+            <a:r>
+              <a:rPr lang="en-CA" sz="1200" kern="1200" dirty="0">
+                <a:solidFill>
+                  <a:schemeClr val="tx1"/>
+                </a:solidFill>
+                <a:effectLst/>
+                <a:latin typeface="+mn-lt"/>
+                <a:ea typeface="+mn-ea"/>
+                <a:cs typeface="+mn-cs"/>
+              </a:rPr>
+              <a:t>For this project we will investigate factors that may be important to the size of herring consumed by Chinook Salmon.</a:t>
+            </a:r>
+          </a:p>
+          <a:p>
+            <a:pPr marL="0" marR="0" lvl="0" indent="0" algn="l" defTabSz="914400" rtl="0" eaLnBrk="1" fontAlgn="auto" latinLnBrk="0" hangingPunct="1">
+              <a:lnSpc>
+                <a:spcPct val="100000"/>
+              </a:lnSpc>
+              <a:spcBef>
+                <a:spcPts val="0"/>
+              </a:spcBef>
+              <a:spcAft>
+                <a:spcPts val="0"/>
+              </a:spcAft>
+              <a:buClrTx/>
+              <a:buSzTx/>
+              <a:buFontTx/>
+              <a:buNone/>
+              <a:tabLst/>
+              <a:defRPr/>
+            </a:pPr>
+            <a:endParaRPr lang="en-CA" sz="1200" kern="1200" dirty="0">
+              <a:solidFill>
+                <a:schemeClr val="tx1"/>
+              </a:solidFill>
+              <a:effectLst/>
+              <a:latin typeface="+mn-lt"/>
+              <a:ea typeface="+mn-ea"/>
+              <a:cs typeface="+mn-cs"/>
+            </a:endParaRPr>
+          </a:p>
+          <a:p>
+            <a:pPr marL="0" marR="0" lvl="0" indent="0" algn="l" defTabSz="914400" rtl="0" eaLnBrk="1" fontAlgn="auto" latinLnBrk="0" hangingPunct="1">
+              <a:lnSpc>
+                <a:spcPct val="100000"/>
+              </a:lnSpc>
+              <a:spcBef>
+                <a:spcPts val="0"/>
+              </a:spcBef>
+              <a:spcAft>
+                <a:spcPts val="0"/>
+              </a:spcAft>
+              <a:buClrTx/>
+              <a:buSzTx/>
+              <a:buFontTx/>
+              <a:buNone/>
+              <a:tabLst/>
+              <a:defRPr/>
+            </a:pPr>
+            <a:r>
+              <a:rPr lang="en-CA" sz="1200" kern="1200" dirty="0">
+                <a:solidFill>
+                  <a:schemeClr val="tx1"/>
+                </a:solidFill>
+                <a:effectLst/>
+                <a:latin typeface="+mn-lt"/>
+                <a:ea typeface="+mn-ea"/>
+                <a:cs typeface="+mn-cs"/>
+              </a:rPr>
+              <a:t>We want to know how Chinook size, catch location and time of year in the Salish Sea affect the size of herring prey consumed by Chinook salmon.</a:t>
+            </a:r>
+          </a:p>
+          <a:p>
+            <a:pPr marL="0" marR="0" lvl="0" indent="0" algn="l" defTabSz="914400" rtl="0" eaLnBrk="1" fontAlgn="auto" latinLnBrk="0" hangingPunct="1">
+              <a:lnSpc>
+                <a:spcPct val="100000"/>
+              </a:lnSpc>
+              <a:spcBef>
+                <a:spcPts val="0"/>
+              </a:spcBef>
+              <a:spcAft>
+                <a:spcPts val="0"/>
+              </a:spcAft>
+              <a:buClrTx/>
+              <a:buSzTx/>
+              <a:buFontTx/>
+              <a:buNone/>
+              <a:tabLst/>
+              <a:defRPr/>
+            </a:pPr>
+            <a:endParaRPr lang="en-CA" sz="1200" kern="1200" dirty="0">
+              <a:solidFill>
+                <a:schemeClr val="tx1"/>
+              </a:solidFill>
+              <a:effectLst/>
+              <a:latin typeface="+mn-lt"/>
+              <a:ea typeface="+mn-ea"/>
+              <a:cs typeface="+mn-cs"/>
+            </a:endParaRPr>
+          </a:p>
+          <a:p>
+            <a:pPr marL="0" marR="0" lvl="0" indent="0" algn="l" defTabSz="914400" rtl="0" eaLnBrk="1" fontAlgn="auto" latinLnBrk="0" hangingPunct="1">
+              <a:lnSpc>
+                <a:spcPct val="100000"/>
+              </a:lnSpc>
+              <a:spcBef>
+                <a:spcPts val="0"/>
+              </a:spcBef>
+              <a:spcAft>
+                <a:spcPts val="0"/>
+              </a:spcAft>
+              <a:buClrTx/>
+              <a:buSzTx/>
+              <a:buFontTx/>
+              <a:buNone/>
+              <a:tabLst/>
+              <a:defRPr/>
+            </a:pPr>
+            <a:r>
+              <a:rPr lang="en-CA" sz="1200" kern="1200" dirty="0">
+                <a:solidFill>
+                  <a:schemeClr val="tx1"/>
+                </a:solidFill>
+                <a:effectLst/>
+                <a:latin typeface="+mn-lt"/>
+                <a:ea typeface="+mn-ea"/>
+                <a:cs typeface="+mn-cs"/>
+              </a:rPr>
+              <a:t>We hypothesize that herring size will be positively linear with salmon length, collection day of year and latitude. However, a negative linear relationship with longitude may occur because more herring are known to distribute along western Strait of Georgia. Alternatively, a non-linear relationship with longitude is possible if maximum herring size occurs in mid-channel waters.</a:t>
+            </a:r>
+          </a:p>
+          <a:p>
+            <a:pPr marL="0" marR="0" lvl="0" indent="0" algn="l" defTabSz="914400" rtl="0" eaLnBrk="1" fontAlgn="auto" latinLnBrk="0" hangingPunct="1">
+              <a:lnSpc>
+                <a:spcPct val="100000"/>
+              </a:lnSpc>
+              <a:spcBef>
+                <a:spcPts val="0"/>
+              </a:spcBef>
+              <a:spcAft>
+                <a:spcPts val="0"/>
+              </a:spcAft>
+              <a:buClrTx/>
+              <a:buSzTx/>
+              <a:buFontTx/>
+              <a:buNone/>
+              <a:tabLst/>
+              <a:defRPr/>
+            </a:pPr>
+            <a:endParaRPr lang="en-CA" sz="1200" kern="1200" dirty="0">
+              <a:solidFill>
+                <a:schemeClr val="tx1"/>
+              </a:solidFill>
+              <a:effectLst/>
+              <a:latin typeface="+mn-lt"/>
+              <a:ea typeface="+mn-ea"/>
+              <a:cs typeface="+mn-cs"/>
+            </a:endParaRPr>
+          </a:p>
+          <a:p>
+            <a:endParaRPr lang="en-CA" sz="1200" kern="1200" dirty="0">
+              <a:solidFill>
+                <a:schemeClr val="tx1"/>
+              </a:solidFill>
+              <a:effectLst/>
+              <a:latin typeface="+mn-lt"/>
+              <a:ea typeface="+mn-ea"/>
+              <a:cs typeface="+mn-cs"/>
+            </a:endParaRPr>
+          </a:p>
+        </p:txBody>
+      </p:sp>
+      <p:sp>
+        <p:nvSpPr>
+          <p:cNvPr id="4" name="Slide Number Placeholder 3"/>
+          <p:cNvSpPr>
+            <a:spLocks noGrp="1"/>
+          </p:cNvSpPr>
+          <p:nvPr>
+            <p:ph type="sldNum" sz="quarter" idx="5"/>
+          </p:nvPr>
+        </p:nvSpPr>
+        <p:spPr/>
+        <p:txBody>
+          <a:bodyPr/>
+          <a:lstStyle/>
+          <a:p>
+            <a:fld id="{0B1207EC-944A-E74D-8503-F6C3FC26F6F0}" type="slidenum">
+              <a:rPr lang="en-US" smtClean="0"/>
+              <a:t>2</a:t>
+            </a:fld>
+            <a:endParaRPr lang="en-US"/>
+          </a:p>
+        </p:txBody>
+      </p:sp>
+    </p:spTree>
+    <p:extLst>
+      <p:ext uri="{BB962C8B-B14F-4D97-AF65-F5344CB8AC3E}">
+        <p14:creationId xmlns:p14="http://schemas.microsoft.com/office/powerpoint/2010/main" val="811748277"/>
+      </p:ext>
+    </p:extLst>
+  </p:cSld>
+  <p:clrMapOvr>
+    <a:masterClrMapping/>
+  </p:clrMapOvr>
+</p:notes>
+</file>
+
+<file path=ppt/notesSlides/notesSlide3.xml><?xml version="1.0" encoding="utf-8"?>
+<p:notes xmlns:a="http://schemas.openxmlformats.org/drawingml/2006/main" xmlns:r="http://schemas.openxmlformats.org/officeDocument/2006/relationships" xmlns:p="http://schemas.openxmlformats.org/presentationml/2006/main">
+  <p:cSld>
+    <p:spTree>
+      <p:nvGrpSpPr>
+        <p:cNvPr id="1" name=""/>
+        <p:cNvGrpSpPr/>
+        <p:nvPr/>
+      </p:nvGrpSpPr>
+      <p:grpSpPr>
+        <a:xfrm>
+          <a:off x="0" y="0"/>
+          <a:ext cx="0" cy="0"/>
+          <a:chOff x="0" y="0"/>
+          <a:chExt cx="0" cy="0"/>
+        </a:xfrm>
+      </p:grpSpPr>
+      <p:sp>
+        <p:nvSpPr>
+          <p:cNvPr id="2" name="Slide Image Placeholder 1"/>
+          <p:cNvSpPr>
+            <a:spLocks noGrp="1" noRot="1" noChangeAspect="1"/>
+          </p:cNvSpPr>
+          <p:nvPr>
+            <p:ph type="sldImg"/>
+          </p:nvPr>
+        </p:nvSpPr>
+        <p:spPr/>
+      </p:sp>
+      <p:sp>
+        <p:nvSpPr>
+          <p:cNvPr id="3" name="Notes Placeholder 2"/>
+          <p:cNvSpPr>
+            <a:spLocks noGrp="1"/>
+          </p:cNvSpPr>
+          <p:nvPr>
+            <p:ph type="body" idx="1"/>
+          </p:nvPr>
+        </p:nvSpPr>
+        <p:spPr/>
+        <p:txBody>
+          <a:bodyPr/>
+          <a:lstStyle/>
+          <a:p>
+            <a:pPr marL="0" marR="0" lvl="0" indent="0" algn="l" defTabSz="914400" rtl="0" eaLnBrk="1" fontAlgn="auto" latinLnBrk="0" hangingPunct="1">
+              <a:lnSpc>
+                <a:spcPct val="100000"/>
+              </a:lnSpc>
+              <a:spcBef>
+                <a:spcPts val="0"/>
+              </a:spcBef>
+              <a:spcAft>
+                <a:spcPts val="0"/>
+              </a:spcAft>
+              <a:buClrTx/>
+              <a:buSzTx/>
+              <a:buFontTx/>
+              <a:buNone/>
+              <a:tabLst/>
+              <a:defRPr/>
+            </a:pPr>
+            <a:r>
+              <a:rPr lang="en-CA" sz="1200" kern="1200" dirty="0">
+                <a:solidFill>
+                  <a:schemeClr val="tx1"/>
+                </a:solidFill>
+                <a:effectLst/>
+                <a:latin typeface="+mn-lt"/>
+                <a:ea typeface="+mn-ea"/>
+                <a:cs typeface="+mn-cs"/>
+              </a:rPr>
+              <a:t>We will be assessing the relationship between herring size consumed by Chinook Salmon in the Salish Sea over the 2018 year.</a:t>
+            </a:r>
+          </a:p>
+          <a:p>
+            <a:pPr marL="0" marR="0" lvl="0" indent="0" algn="l" defTabSz="914400" rtl="0" eaLnBrk="1" fontAlgn="auto" latinLnBrk="0" hangingPunct="1">
+              <a:lnSpc>
+                <a:spcPct val="100000"/>
+              </a:lnSpc>
+              <a:spcBef>
+                <a:spcPts val="0"/>
+              </a:spcBef>
+              <a:spcAft>
+                <a:spcPts val="0"/>
+              </a:spcAft>
+              <a:buClrTx/>
+              <a:buSzTx/>
+              <a:buFontTx/>
+              <a:buNone/>
+              <a:tabLst/>
+              <a:defRPr/>
+            </a:pPr>
+            <a:endParaRPr lang="en-CA" sz="1200" kern="1200" dirty="0">
+              <a:solidFill>
+                <a:schemeClr val="tx1"/>
+              </a:solidFill>
+              <a:effectLst/>
+              <a:latin typeface="+mn-lt"/>
+              <a:ea typeface="+mn-ea"/>
+              <a:cs typeface="+mn-cs"/>
+            </a:endParaRPr>
+          </a:p>
+          <a:p>
+            <a:pPr marL="0" marR="0" lvl="0" indent="0" algn="l" defTabSz="914400" rtl="0" eaLnBrk="1" fontAlgn="auto" latinLnBrk="0" hangingPunct="1">
+              <a:lnSpc>
+                <a:spcPct val="100000"/>
+              </a:lnSpc>
+              <a:spcBef>
+                <a:spcPts val="0"/>
+              </a:spcBef>
+              <a:spcAft>
+                <a:spcPts val="0"/>
+              </a:spcAft>
+              <a:buClrTx/>
+              <a:buSzTx/>
+              <a:buFontTx/>
+              <a:buNone/>
+              <a:tabLst/>
+              <a:defRPr/>
+            </a:pPr>
+            <a:r>
+              <a:rPr lang="en-CA" sz="1200" kern="1200" dirty="0">
+                <a:solidFill>
+                  <a:schemeClr val="tx1"/>
+                </a:solidFill>
+                <a:effectLst/>
+                <a:latin typeface="+mn-lt"/>
+                <a:ea typeface="+mn-ea"/>
+                <a:cs typeface="+mn-cs"/>
+              </a:rPr>
+              <a:t>The size of herring is estimated using otolith width (mm) measurements. Otoliths are paired aragonitic structures that grow inside the cranium of most teleost fishes like the rings of a tree. They are commonly used by fisheries scientists to assess growth trajectories, age and even migration patterns of individual fish. Previous work in our lab has found a positive, linear relationship between otolith width (mm) and length (mm) of herring from this dataset, and therefore we will use averaged left and right otolith width (mm) measurements from individual herring as a proxy for herring size in this analysis.</a:t>
+            </a:r>
+          </a:p>
+          <a:p>
+            <a:pPr marL="0" marR="0" lvl="0" indent="0" algn="l" defTabSz="914400" rtl="0" eaLnBrk="1" fontAlgn="auto" latinLnBrk="0" hangingPunct="1">
+              <a:lnSpc>
+                <a:spcPct val="100000"/>
+              </a:lnSpc>
+              <a:spcBef>
+                <a:spcPts val="0"/>
+              </a:spcBef>
+              <a:spcAft>
+                <a:spcPts val="0"/>
+              </a:spcAft>
+              <a:buClrTx/>
+              <a:buSzTx/>
+              <a:buFontTx/>
+              <a:buNone/>
+              <a:tabLst/>
+              <a:defRPr/>
+            </a:pPr>
+            <a:endParaRPr lang="en-CA" sz="1200" kern="1200" dirty="0">
+              <a:solidFill>
+                <a:schemeClr val="tx1"/>
+              </a:solidFill>
+              <a:effectLst/>
+              <a:latin typeface="+mn-lt"/>
+              <a:ea typeface="+mn-ea"/>
+              <a:cs typeface="+mn-cs"/>
+            </a:endParaRPr>
+          </a:p>
+          <a:p>
+            <a:pPr marL="0" marR="0" lvl="0" indent="0" algn="l" defTabSz="914400" rtl="0" eaLnBrk="1" fontAlgn="auto" latinLnBrk="0" hangingPunct="1">
+              <a:lnSpc>
+                <a:spcPct val="100000"/>
+              </a:lnSpc>
+              <a:spcBef>
+                <a:spcPts val="0"/>
+              </a:spcBef>
+              <a:spcAft>
+                <a:spcPts val="0"/>
+              </a:spcAft>
+              <a:buClrTx/>
+              <a:buSzTx/>
+              <a:buFontTx/>
+              <a:buNone/>
+              <a:tabLst/>
+              <a:defRPr/>
+            </a:pPr>
+            <a:r>
+              <a:rPr lang="en-CA" sz="1200" kern="1200" dirty="0">
+                <a:solidFill>
+                  <a:schemeClr val="tx1"/>
+                </a:solidFill>
+                <a:effectLst/>
+                <a:latin typeface="+mn-lt"/>
+                <a:ea typeface="+mn-ea"/>
+                <a:cs typeface="+mn-cs"/>
+              </a:rPr>
+              <a:t>We will model the response of otolith width to associated salmon catch data recorded by each angler and linked to each stomach sample. These variables include salmon catch day in the 2018 year, salmon length, longitude and latitude.</a:t>
+            </a:r>
+          </a:p>
+          <a:p>
+            <a:endParaRPr lang="en-US" dirty="0"/>
+          </a:p>
+          <a:p>
+            <a:r>
+              <a:rPr lang="en-US" dirty="0"/>
+              <a:t>We will only look at Chinook Salmon collected in the Canadian Salish Sea during the 2018 year.</a:t>
+            </a:r>
+          </a:p>
+        </p:txBody>
+      </p:sp>
+      <p:sp>
+        <p:nvSpPr>
+          <p:cNvPr id="4" name="Slide Number Placeholder 3"/>
+          <p:cNvSpPr>
+            <a:spLocks noGrp="1"/>
+          </p:cNvSpPr>
+          <p:nvPr>
+            <p:ph type="sldNum" sz="quarter" idx="5"/>
+          </p:nvPr>
+        </p:nvSpPr>
+        <p:spPr/>
+        <p:txBody>
+          <a:bodyPr/>
+          <a:lstStyle/>
+          <a:p>
+            <a:fld id="{0B1207EC-944A-E74D-8503-F6C3FC26F6F0}" type="slidenum">
+              <a:rPr lang="en-US" smtClean="0"/>
+              <a:t>3</a:t>
+            </a:fld>
+            <a:endParaRPr lang="en-US"/>
+          </a:p>
+        </p:txBody>
+      </p:sp>
+    </p:spTree>
+    <p:extLst>
+      <p:ext uri="{BB962C8B-B14F-4D97-AF65-F5344CB8AC3E}">
+        <p14:creationId xmlns:p14="http://schemas.microsoft.com/office/powerpoint/2010/main" val="2441402378"/>
+      </p:ext>
+    </p:extLst>
+  </p:cSld>
+  <p:clrMapOvr>
+    <a:masterClrMapping/>
+  </p:clrMapOvr>
+</p:notes>
+</file>
+
+<file path=ppt/notesSlides/notesSlide4.xml><?xml version="1.0" encoding="utf-8"?>
+<p:notes xmlns:a="http://schemas.openxmlformats.org/drawingml/2006/main" xmlns:r="http://schemas.openxmlformats.org/officeDocument/2006/relationships" xmlns:p="http://schemas.openxmlformats.org/presentationml/2006/main">
+  <p:cSld>
+    <p:spTree>
+      <p:nvGrpSpPr>
+        <p:cNvPr id="1" name=""/>
+        <p:cNvGrpSpPr/>
+        <p:nvPr/>
+      </p:nvGrpSpPr>
+      <p:grpSpPr>
+        <a:xfrm>
+          <a:off x="0" y="0"/>
+          <a:ext cx="0" cy="0"/>
+          <a:chOff x="0" y="0"/>
+          <a:chExt cx="0" cy="0"/>
+        </a:xfrm>
+      </p:grpSpPr>
+      <p:sp>
+        <p:nvSpPr>
+          <p:cNvPr id="2" name="Slide Image Placeholder 1"/>
+          <p:cNvSpPr>
+            <a:spLocks noGrp="1" noRot="1" noChangeAspect="1"/>
+          </p:cNvSpPr>
+          <p:nvPr>
+            <p:ph type="sldImg"/>
+          </p:nvPr>
+        </p:nvSpPr>
+        <p:spPr/>
+      </p:sp>
+      <p:sp>
+        <p:nvSpPr>
+          <p:cNvPr id="3" name="Notes Placeholder 2"/>
+          <p:cNvSpPr>
+            <a:spLocks noGrp="1"/>
+          </p:cNvSpPr>
+          <p:nvPr>
+            <p:ph type="body" idx="1"/>
+          </p:nvPr>
+        </p:nvSpPr>
+        <p:spPr/>
+        <p:txBody>
+          <a:bodyPr/>
+          <a:lstStyle/>
+          <a:p>
+            <a:r>
+              <a:rPr lang="en-US" dirty="0"/>
+              <a:t>We used AIC to compare candidate linear mixed-effects models fit with maximum likelihood estimation.</a:t>
+            </a:r>
+          </a:p>
+          <a:p>
+            <a:endParaRPr lang="en-US" dirty="0"/>
+          </a:p>
+          <a:p>
+            <a:pPr marL="0" marR="0" lvl="0" indent="0" algn="l" defTabSz="914400" rtl="0" eaLnBrk="1" fontAlgn="auto" latinLnBrk="0" hangingPunct="1">
+              <a:lnSpc>
+                <a:spcPct val="100000"/>
+              </a:lnSpc>
+              <a:spcBef>
+                <a:spcPts val="0"/>
+              </a:spcBef>
+              <a:spcAft>
+                <a:spcPts val="0"/>
+              </a:spcAft>
+              <a:buClrTx/>
+              <a:buSzTx/>
+              <a:buFontTx/>
+              <a:buNone/>
+              <a:tabLst/>
+              <a:defRPr/>
+            </a:pPr>
+            <a:r>
+              <a:rPr lang="en-CA" dirty="0"/>
+              <a:t>We </a:t>
+            </a:r>
+            <a:r>
+              <a:rPr lang="en-CA" sz="1200" kern="1200" dirty="0">
+                <a:solidFill>
+                  <a:schemeClr val="tx1"/>
+                </a:solidFill>
+                <a:effectLst/>
+                <a:latin typeface="+mn-lt"/>
+                <a:ea typeface="+mn-ea"/>
+                <a:cs typeface="+mn-cs"/>
+              </a:rPr>
+              <a:t>included a random intercept corresponding to individual salmon (salmon id) to avoid autocorrelation from non-independence of multiple herring that may occur in a single salmon or experimental unit. It is likely that multiple herring in one stomach have similar sizes if they travel in the same school targeted by an individual salmon. Also, salmon id had greater than 10 levels suggested by </a:t>
+            </a:r>
+            <a:r>
+              <a:rPr lang="en-CA" sz="1200" kern="1200" dirty="0" err="1">
+                <a:solidFill>
+                  <a:schemeClr val="tx1"/>
+                </a:solidFill>
+                <a:effectLst/>
+                <a:latin typeface="+mn-lt"/>
+                <a:ea typeface="+mn-ea"/>
+                <a:cs typeface="+mn-cs"/>
+              </a:rPr>
+              <a:t>Zuur</a:t>
+            </a:r>
+            <a:r>
+              <a:rPr lang="en-CA" sz="1200" kern="1200" dirty="0">
+                <a:solidFill>
+                  <a:schemeClr val="tx1"/>
+                </a:solidFill>
+                <a:effectLst/>
+                <a:latin typeface="+mn-lt"/>
+                <a:ea typeface="+mn-ea"/>
+                <a:cs typeface="+mn-cs"/>
+              </a:rPr>
+              <a:t> et al. (2007) to be suitable characteristics of a random intercept.</a:t>
+            </a:r>
+          </a:p>
+          <a:p>
+            <a:endParaRPr lang="en-US" dirty="0"/>
+          </a:p>
+          <a:p>
+            <a:r>
+              <a:rPr lang="en-US" dirty="0"/>
+              <a:t>We used a linear mixed-effects model as our response variable, otolith width (mm), was normally distributed and explanatory variables show few missing values or outliers.</a:t>
+            </a:r>
+          </a:p>
+          <a:p>
+            <a:endParaRPr lang="en-US" dirty="0"/>
+          </a:p>
+          <a:p>
+            <a:r>
+              <a:rPr lang="en-US" dirty="0"/>
+              <a:t>We chose AIC </a:t>
+            </a:r>
+            <a:r>
+              <a:rPr lang="en-CA" sz="1200" kern="1200" dirty="0">
+                <a:solidFill>
+                  <a:schemeClr val="tx1"/>
+                </a:solidFill>
+                <a:effectLst/>
+                <a:latin typeface="+mn-lt"/>
+                <a:ea typeface="+mn-ea"/>
+                <a:cs typeface="+mn-cs"/>
+              </a:rPr>
+              <a:t>because it is flexible when comparing complex, non-nested models with parameters estimated from ecological field studies. AIC is also commonly used in ecosystem studies where parameter estimates are relatively imprecise. We accept that the optimal AIC model may be selected over the true model, given the current sample size and our ecological understanding of the system.</a:t>
+            </a:r>
+            <a:endParaRPr lang="en-US" dirty="0"/>
+          </a:p>
+        </p:txBody>
+      </p:sp>
+      <p:sp>
+        <p:nvSpPr>
+          <p:cNvPr id="4" name="Slide Number Placeholder 3"/>
+          <p:cNvSpPr>
+            <a:spLocks noGrp="1"/>
+          </p:cNvSpPr>
+          <p:nvPr>
+            <p:ph type="sldNum" sz="quarter" idx="5"/>
+          </p:nvPr>
+        </p:nvSpPr>
+        <p:spPr/>
+        <p:txBody>
+          <a:bodyPr/>
+          <a:lstStyle/>
+          <a:p>
+            <a:fld id="{0B1207EC-944A-E74D-8503-F6C3FC26F6F0}" type="slidenum">
+              <a:rPr lang="en-US" smtClean="0"/>
+              <a:t>4</a:t>
+            </a:fld>
+            <a:endParaRPr lang="en-US"/>
+          </a:p>
+        </p:txBody>
+      </p:sp>
+    </p:spTree>
+    <p:extLst>
+      <p:ext uri="{BB962C8B-B14F-4D97-AF65-F5344CB8AC3E}">
+        <p14:creationId xmlns:p14="http://schemas.microsoft.com/office/powerpoint/2010/main" val="340181587"/>
       </p:ext>
     </p:extLst>
   </p:cSld>
@@ -813,7 +1719,7 @@
           <a:p>
             <a:fld id="{3E52D604-0742-9243-810E-1096192DBA15}" type="datetimeFigureOut">
               <a:rPr lang="en-US" smtClean="0"/>
-              <a:t>4/5/2020</a:t>
+              <a:t>4/6/20</a:t>
             </a:fld>
             <a:endParaRPr lang="en-US"/>
           </a:p>
@@ -1011,7 +1917,7 @@
           <a:p>
             <a:fld id="{3E52D604-0742-9243-810E-1096192DBA15}" type="datetimeFigureOut">
               <a:rPr lang="en-US" smtClean="0"/>
-              <a:t>4/5/2020</a:t>
+              <a:t>4/6/20</a:t>
             </a:fld>
             <a:endParaRPr lang="en-US"/>
           </a:p>
@@ -1219,7 +2125,7 @@
           <a:p>
             <a:fld id="{3E52D604-0742-9243-810E-1096192DBA15}" type="datetimeFigureOut">
               <a:rPr lang="en-US" smtClean="0"/>
-              <a:t>4/5/2020</a:t>
+              <a:t>4/6/20</a:t>
             </a:fld>
             <a:endParaRPr lang="en-US"/>
           </a:p>
@@ -1417,7 +2323,7 @@
           <a:p>
             <a:fld id="{3E52D604-0742-9243-810E-1096192DBA15}" type="datetimeFigureOut">
               <a:rPr lang="en-US" smtClean="0"/>
-              <a:t>4/5/2020</a:t>
+              <a:t>4/6/20</a:t>
             </a:fld>
             <a:endParaRPr lang="en-US"/>
           </a:p>
@@ -1692,7 +2598,7 @@
           <a:p>
             <a:fld id="{3E52D604-0742-9243-810E-1096192DBA15}" type="datetimeFigureOut">
               <a:rPr lang="en-US" smtClean="0"/>
-              <a:t>4/5/2020</a:t>
+              <a:t>4/6/20</a:t>
             </a:fld>
             <a:endParaRPr lang="en-US"/>
           </a:p>
@@ -1957,7 +2863,7 @@
           <a:p>
             <a:fld id="{3E52D604-0742-9243-810E-1096192DBA15}" type="datetimeFigureOut">
               <a:rPr lang="en-US" smtClean="0"/>
-              <a:t>4/5/2020</a:t>
+              <a:t>4/6/20</a:t>
             </a:fld>
             <a:endParaRPr lang="en-US"/>
           </a:p>
@@ -2369,7 +3275,7 @@
           <a:p>
             <a:fld id="{3E52D604-0742-9243-810E-1096192DBA15}" type="datetimeFigureOut">
               <a:rPr lang="en-US" smtClean="0"/>
-              <a:t>4/5/2020</a:t>
+              <a:t>4/6/20</a:t>
             </a:fld>
             <a:endParaRPr lang="en-US"/>
           </a:p>
@@ -2510,7 +3416,7 @@
           <a:p>
             <a:fld id="{3E52D604-0742-9243-810E-1096192DBA15}" type="datetimeFigureOut">
               <a:rPr lang="en-US" smtClean="0"/>
-              <a:t>4/5/2020</a:t>
+              <a:t>4/6/20</a:t>
             </a:fld>
             <a:endParaRPr lang="en-US"/>
           </a:p>
@@ -2623,7 +3529,7 @@
           <a:p>
             <a:fld id="{3E52D604-0742-9243-810E-1096192DBA15}" type="datetimeFigureOut">
               <a:rPr lang="en-US" smtClean="0"/>
-              <a:t>4/5/2020</a:t>
+              <a:t>4/6/20</a:t>
             </a:fld>
             <a:endParaRPr lang="en-US"/>
           </a:p>
@@ -2934,7 +3840,7 @@
           <a:p>
             <a:fld id="{3E52D604-0742-9243-810E-1096192DBA15}" type="datetimeFigureOut">
               <a:rPr lang="en-US" smtClean="0"/>
-              <a:t>4/5/2020</a:t>
+              <a:t>4/6/20</a:t>
             </a:fld>
             <a:endParaRPr lang="en-US"/>
           </a:p>
@@ -3222,7 +4128,7 @@
           <a:p>
             <a:fld id="{3E52D604-0742-9243-810E-1096192DBA15}" type="datetimeFigureOut">
               <a:rPr lang="en-US" smtClean="0"/>
-              <a:t>4/5/2020</a:t>
+              <a:t>4/6/20</a:t>
             </a:fld>
             <a:endParaRPr lang="en-US"/>
           </a:p>
@@ -3463,7 +4369,7 @@
           <a:p>
             <a:fld id="{3E52D604-0742-9243-810E-1096192DBA15}" type="datetimeFigureOut">
               <a:rPr lang="en-US" smtClean="0"/>
-              <a:t>4/5/2020</a:t>
+              <a:t>4/6/20</a:t>
             </a:fld>
             <a:endParaRPr lang="en-US"/>
           </a:p>
@@ -4097,110 +5003,6 @@
 </p:sld>
 </file>
 
-<file path=ppt/slides/slide10.xml><?xml version="1.0" encoding="utf-8"?>
-<p:sld xmlns:a="http://schemas.openxmlformats.org/drawingml/2006/main" xmlns:r="http://schemas.openxmlformats.org/officeDocument/2006/relationships" xmlns:p="http://schemas.openxmlformats.org/presentationml/2006/main">
-  <p:cSld>
-    <p:spTree>
-      <p:nvGrpSpPr>
-        <p:cNvPr id="1" name=""/>
-        <p:cNvGrpSpPr/>
-        <p:nvPr/>
-      </p:nvGrpSpPr>
-      <p:grpSpPr>
-        <a:xfrm>
-          <a:off x="0" y="0"/>
-          <a:ext cx="0" cy="0"/>
-          <a:chOff x="0" y="0"/>
-          <a:chExt cx="0" cy="0"/>
-        </a:xfrm>
-      </p:grpSpPr>
-      <p:sp>
-        <p:nvSpPr>
-          <p:cNvPr id="2" name="Title 1">
-            <a:extLst>
-              <a:ext uri="{FF2B5EF4-FFF2-40B4-BE49-F238E27FC236}">
-                <a16:creationId xmlns:a16="http://schemas.microsoft.com/office/drawing/2014/main" id="{32F013EC-885D-48FC-97AF-EA861EA43DDB}"/>
-              </a:ext>
-            </a:extLst>
-          </p:cNvPr>
-          <p:cNvSpPr>
-            <a:spLocks noGrp="1"/>
-          </p:cNvSpPr>
-          <p:nvPr>
-            <p:ph type="title"/>
-          </p:nvPr>
-        </p:nvSpPr>
-        <p:spPr/>
-        <p:txBody>
-          <a:bodyPr/>
-          <a:lstStyle/>
-          <a:p>
-            <a:r>
-              <a:rPr lang="en-CA" dirty="0"/>
-              <a:t>Checklist</a:t>
-            </a:r>
-          </a:p>
-        </p:txBody>
-      </p:sp>
-      <p:sp>
-        <p:nvSpPr>
-          <p:cNvPr id="3" name="Content Placeholder 2">
-            <a:extLst>
-              <a:ext uri="{FF2B5EF4-FFF2-40B4-BE49-F238E27FC236}">
-                <a16:creationId xmlns:a16="http://schemas.microsoft.com/office/drawing/2014/main" id="{83895A00-7982-4E95-82C2-C49F273FBD45}"/>
-              </a:ext>
-            </a:extLst>
-          </p:cNvPr>
-          <p:cNvSpPr>
-            <a:spLocks noGrp="1"/>
-          </p:cNvSpPr>
-          <p:nvPr>
-            <p:ph idx="1"/>
-          </p:nvPr>
-        </p:nvSpPr>
-        <p:spPr/>
-        <p:txBody>
-          <a:bodyPr/>
-          <a:lstStyle/>
-          <a:p>
-            <a:r>
-              <a:rPr lang="en-CA" dirty="0"/>
-              <a:t>PDF file</a:t>
-            </a:r>
-          </a:p>
-          <a:p>
-            <a:r>
-              <a:rPr lang="en-CA" dirty="0"/>
-              <a:t>10 slides max</a:t>
-            </a:r>
-          </a:p>
-          <a:p>
-            <a:r>
-              <a:rPr lang="en-CA" dirty="0"/>
-              <a:t>2 slides of plots min</a:t>
-            </a:r>
-          </a:p>
-          <a:p>
-            <a:r>
-              <a:rPr lang="en-CA" dirty="0"/>
-              <a:t>Complete sentences</a:t>
-            </a:r>
-          </a:p>
-        </p:txBody>
-      </p:sp>
-    </p:spTree>
-    <p:extLst>
-      <p:ext uri="{BB962C8B-B14F-4D97-AF65-F5344CB8AC3E}">
-        <p14:creationId xmlns:p14="http://schemas.microsoft.com/office/powerpoint/2010/main" val="1894726509"/>
-      </p:ext>
-    </p:extLst>
-  </p:cSld>
-  <p:clrMapOvr>
-    <a:masterClrMapping/>
-  </p:clrMapOvr>
-</p:sld>
-</file>
-
 <file path=ppt/slides/slide2.xml><?xml version="1.0" encoding="utf-8"?>
 <p:sld xmlns:a="http://schemas.openxmlformats.org/drawingml/2006/main" xmlns:r="http://schemas.openxmlformats.org/officeDocument/2006/relationships" xmlns:p="http://schemas.openxmlformats.org/presentationml/2006/main">
   <p:cSld>
@@ -4416,7 +5218,7 @@
           <p:cNvPr id="2" name="Title 1">
             <a:extLst>
               <a:ext uri="{FF2B5EF4-FFF2-40B4-BE49-F238E27FC236}">
-                <a16:creationId xmlns:a16="http://schemas.microsoft.com/office/drawing/2014/main" id="{009AAB2C-76D9-5E41-96F9-AD241258A499}"/>
+                <a16:creationId xmlns:a16="http://schemas.microsoft.com/office/drawing/2014/main" id="{EEC0E0E7-F8E7-9B44-94E4-CF9B05CC2C9C}"/>
               </a:ext>
             </a:extLst>
           </p:cNvPr>
@@ -4434,7 +5236,7 @@
           <a:p>
             <a:r>
               <a:rPr lang="en-US" dirty="0"/>
-              <a:t>Description of Data</a:t>
+              <a:t>Statistical Methods</a:t>
             </a:r>
           </a:p>
         </p:txBody>
@@ -4444,7 +5246,7 @@
           <p:cNvPr id="3" name="Content Placeholder 2">
             <a:extLst>
               <a:ext uri="{FF2B5EF4-FFF2-40B4-BE49-F238E27FC236}">
-                <a16:creationId xmlns:a16="http://schemas.microsoft.com/office/drawing/2014/main" id="{ADAB7883-B5EF-3148-B8CF-B82BB0A4E499}"/>
+                <a16:creationId xmlns:a16="http://schemas.microsoft.com/office/drawing/2014/main" id="{90558E49-E018-6C42-863E-8CEB33A15802}"/>
               </a:ext>
             </a:extLst>
           </p:cNvPr>
@@ -4462,7 +5264,25 @@
           <a:p>
             <a:r>
               <a:rPr lang="en-US" dirty="0"/>
-              <a:t>Plot “key features of dataset” using all data or a subset</a:t>
+              <a:t>What kind of model</a:t>
+            </a:r>
+          </a:p>
+          <a:p>
+            <a:r>
+              <a:rPr lang="en-US" dirty="0"/>
+              <a:t>Why</a:t>
+            </a:r>
+          </a:p>
+          <a:p>
+            <a:r>
+              <a:rPr lang="en-US" dirty="0"/>
+              <a:t>Probability distribution for response</a:t>
+            </a:r>
+          </a:p>
+          <a:p>
+            <a:r>
+              <a:rPr lang="en-US" dirty="0"/>
+              <a:t>Random effects and non-independence</a:t>
             </a:r>
           </a:p>
         </p:txBody>
@@ -4470,7 +5290,7 @@
     </p:spTree>
     <p:extLst>
       <p:ext uri="{BB962C8B-B14F-4D97-AF65-F5344CB8AC3E}">
-        <p14:creationId xmlns:p14="http://schemas.microsoft.com/office/powerpoint/2010/main" val="3857065462"/>
+        <p14:creationId xmlns:p14="http://schemas.microsoft.com/office/powerpoint/2010/main" val="4234275737"/>
       </p:ext>
     </p:extLst>
   </p:cSld>
@@ -4502,7 +5322,7 @@
           <p:cNvPr id="2" name="Title 1">
             <a:extLst>
               <a:ext uri="{FF2B5EF4-FFF2-40B4-BE49-F238E27FC236}">
-                <a16:creationId xmlns:a16="http://schemas.microsoft.com/office/drawing/2014/main" id="{EEC0E0E7-F8E7-9B44-94E4-CF9B05CC2C9C}"/>
+                <a16:creationId xmlns:a16="http://schemas.microsoft.com/office/drawing/2014/main" id="{3AAFA8B7-F65A-4144-B8CA-2814837B984F}"/>
               </a:ext>
             </a:extLst>
           </p:cNvPr>
@@ -4520,7 +5340,7 @@
           <a:p>
             <a:r>
               <a:rPr lang="en-US" dirty="0"/>
-              <a:t>Statistical Methods</a:t>
+              <a:t>Results</a:t>
             </a:r>
           </a:p>
         </p:txBody>
@@ -4530,7 +5350,7 @@
           <p:cNvPr id="3" name="Content Placeholder 2">
             <a:extLst>
               <a:ext uri="{FF2B5EF4-FFF2-40B4-BE49-F238E27FC236}">
-                <a16:creationId xmlns:a16="http://schemas.microsoft.com/office/drawing/2014/main" id="{90558E49-E018-6C42-863E-8CEB33A15802}"/>
+                <a16:creationId xmlns:a16="http://schemas.microsoft.com/office/drawing/2014/main" id="{EF9DCC9C-FAF5-CB4C-830C-27537C7ECA6F}"/>
               </a:ext>
             </a:extLst>
           </p:cNvPr>
@@ -4548,25 +5368,7 @@
           <a:p>
             <a:r>
               <a:rPr lang="en-US" dirty="0"/>
-              <a:t>What kind of model</a:t>
-            </a:r>
-          </a:p>
-          <a:p>
-            <a:r>
-              <a:rPr lang="en-US" dirty="0"/>
-              <a:t>Why</a:t>
-            </a:r>
-          </a:p>
-          <a:p>
-            <a:r>
-              <a:rPr lang="en-US" dirty="0"/>
-              <a:t>Probability distribution for response</a:t>
-            </a:r>
-          </a:p>
-          <a:p>
-            <a:r>
-              <a:rPr lang="en-US" dirty="0"/>
-              <a:t>Random effects and non-independence</a:t>
+              <a:t>Plot “response relative to explanatory with model”</a:t>
             </a:r>
           </a:p>
         </p:txBody>
@@ -4574,7 +5376,7 @@
     </p:spTree>
     <p:extLst>
       <p:ext uri="{BB962C8B-B14F-4D97-AF65-F5344CB8AC3E}">
-        <p14:creationId xmlns:p14="http://schemas.microsoft.com/office/powerpoint/2010/main" val="4234275737"/>
+        <p14:creationId xmlns:p14="http://schemas.microsoft.com/office/powerpoint/2010/main" val="2154362521"/>
       </p:ext>
     </p:extLst>
   </p:cSld>
@@ -4652,7 +5454,7 @@
           <a:p>
             <a:r>
               <a:rPr lang="en-US" dirty="0"/>
-              <a:t>Plot “response relative to explanatory with model”</a:t>
+              <a:t>In the context of results and hypotheses</a:t>
             </a:r>
           </a:p>
         </p:txBody>
@@ -4660,7 +5462,7 @@
     </p:spTree>
     <p:extLst>
       <p:ext uri="{BB962C8B-B14F-4D97-AF65-F5344CB8AC3E}">
-        <p14:creationId xmlns:p14="http://schemas.microsoft.com/office/powerpoint/2010/main" val="2154362521"/>
+        <p14:creationId xmlns:p14="http://schemas.microsoft.com/office/powerpoint/2010/main" val="1633210933"/>
       </p:ext>
     </p:extLst>
   </p:cSld>
@@ -4692,7 +5494,7 @@
           <p:cNvPr id="2" name="Title 1">
             <a:extLst>
               <a:ext uri="{FF2B5EF4-FFF2-40B4-BE49-F238E27FC236}">
-                <a16:creationId xmlns:a16="http://schemas.microsoft.com/office/drawing/2014/main" id="{3AAFA8B7-F65A-4144-B8CA-2814837B984F}"/>
+                <a16:creationId xmlns:a16="http://schemas.microsoft.com/office/drawing/2014/main" id="{5486FC29-4DE0-2945-8D76-00CE391102A3}"/>
               </a:ext>
             </a:extLst>
           </p:cNvPr>
@@ -4710,7 +5512,7 @@
           <a:p>
             <a:r>
               <a:rPr lang="en-US" dirty="0"/>
-              <a:t>Results</a:t>
+              <a:t>Discussion</a:t>
             </a:r>
           </a:p>
         </p:txBody>
@@ -4720,7 +5522,7 @@
           <p:cNvPr id="3" name="Content Placeholder 2">
             <a:extLst>
               <a:ext uri="{FF2B5EF4-FFF2-40B4-BE49-F238E27FC236}">
-                <a16:creationId xmlns:a16="http://schemas.microsoft.com/office/drawing/2014/main" id="{EF9DCC9C-FAF5-CB4C-830C-27537C7ECA6F}"/>
+                <a16:creationId xmlns:a16="http://schemas.microsoft.com/office/drawing/2014/main" id="{E5C8EA41-AC53-CD4C-9EA9-0760B2BBB009}"/>
               </a:ext>
             </a:extLst>
           </p:cNvPr>
@@ -4738,7 +5540,7 @@
           <a:p>
             <a:r>
               <a:rPr lang="en-US" dirty="0"/>
-              <a:t>In the context of results and hypotheses</a:t>
+              <a:t>Limitations to data analysis approach</a:t>
             </a:r>
           </a:p>
         </p:txBody>
@@ -4746,7 +5548,7 @@
     </p:spTree>
     <p:extLst>
       <p:ext uri="{BB962C8B-B14F-4D97-AF65-F5344CB8AC3E}">
-        <p14:creationId xmlns:p14="http://schemas.microsoft.com/office/powerpoint/2010/main" val="1633210933"/>
+        <p14:creationId xmlns:p14="http://schemas.microsoft.com/office/powerpoint/2010/main" val="2666073596"/>
       </p:ext>
     </p:extLst>
   </p:cSld>
@@ -4824,7 +5626,13 @@
           <a:p>
             <a:r>
               <a:rPr lang="en-US" dirty="0"/>
-              <a:t>Limitations to data analysis approach</a:t>
+              <a:t>Results in context of existing knowledge</a:t>
+            </a:r>
+          </a:p>
+          <a:p>
+            <a:r>
+              <a:rPr lang="en-US" dirty="0"/>
+              <a:t>Future research questions</a:t>
             </a:r>
           </a:p>
         </p:txBody>
@@ -4832,7 +5640,7 @@
     </p:spTree>
     <p:extLst>
       <p:ext uri="{BB962C8B-B14F-4D97-AF65-F5344CB8AC3E}">
-        <p14:creationId xmlns:p14="http://schemas.microsoft.com/office/powerpoint/2010/main" val="2666073596"/>
+        <p14:creationId xmlns:p14="http://schemas.microsoft.com/office/powerpoint/2010/main" val="3638490725"/>
       </p:ext>
     </p:extLst>
   </p:cSld>
@@ -4864,7 +5672,7 @@
           <p:cNvPr id="2" name="Title 1">
             <a:extLst>
               <a:ext uri="{FF2B5EF4-FFF2-40B4-BE49-F238E27FC236}">
-                <a16:creationId xmlns:a16="http://schemas.microsoft.com/office/drawing/2014/main" id="{5486FC29-4DE0-2945-8D76-00CE391102A3}"/>
+                <a16:creationId xmlns:a16="http://schemas.microsoft.com/office/drawing/2014/main" id="{32F013EC-885D-48FC-97AF-EA861EA43DDB}"/>
               </a:ext>
             </a:extLst>
           </p:cNvPr>
@@ -4881,8 +5689,8 @@
           <a:lstStyle/>
           <a:p>
             <a:r>
-              <a:rPr lang="en-US" dirty="0"/>
-              <a:t>Discussion</a:t>
+              <a:rPr lang="en-CA" dirty="0"/>
+              <a:t>Checklist</a:t>
             </a:r>
           </a:p>
         </p:txBody>
@@ -4892,7 +5700,7 @@
           <p:cNvPr id="3" name="Content Placeholder 2">
             <a:extLst>
               <a:ext uri="{FF2B5EF4-FFF2-40B4-BE49-F238E27FC236}">
-                <a16:creationId xmlns:a16="http://schemas.microsoft.com/office/drawing/2014/main" id="{E5C8EA41-AC53-CD4C-9EA9-0760B2BBB009}"/>
+                <a16:creationId xmlns:a16="http://schemas.microsoft.com/office/drawing/2014/main" id="{83895A00-7982-4E95-82C2-C49F273FBD45}"/>
               </a:ext>
             </a:extLst>
           </p:cNvPr>
@@ -4909,14 +5717,26 @@
           <a:lstStyle/>
           <a:p>
             <a:r>
-              <a:rPr lang="en-US" dirty="0"/>
-              <a:t>Results in context of existing knowledge</a:t>
-            </a:r>
-          </a:p>
-          <a:p>
-            <a:r>
-              <a:rPr lang="en-US" dirty="0"/>
-              <a:t>Future research questions</a:t>
+              <a:rPr lang="en-CA" dirty="0"/>
+              <a:t>PDF file</a:t>
+            </a:r>
+          </a:p>
+          <a:p>
+            <a:r>
+              <a:rPr lang="en-CA" dirty="0"/>
+              <a:t>10 slides max</a:t>
+            </a:r>
+          </a:p>
+          <a:p>
+            <a:r>
+              <a:rPr lang="en-CA" dirty="0"/>
+              <a:t>2 slides of plots min</a:t>
+            </a:r>
+          </a:p>
+          <a:p>
+            <a:r>
+              <a:rPr lang="en-CA" dirty="0"/>
+              <a:t>Complete sentences</a:t>
             </a:r>
           </a:p>
         </p:txBody>
@@ -4924,7 +5744,7 @@
     </p:spTree>
     <p:extLst>
       <p:ext uri="{BB962C8B-B14F-4D97-AF65-F5344CB8AC3E}">
-        <p14:creationId xmlns:p14="http://schemas.microsoft.com/office/powerpoint/2010/main" val="3638490725"/>
+        <p14:creationId xmlns:p14="http://schemas.microsoft.com/office/powerpoint/2010/main" val="1894726509"/>
       </p:ext>
     </p:extLst>
   </p:cSld>

--- a/ES data project presentation_salmon diet.pptx
+++ b/ES data project presentation_salmon diet.pptx
@@ -5,18 +5,20 @@
     <p:sldMasterId id="2147483648" r:id="rId1"/>
   </p:sldMasterIdLst>
   <p:notesMasterIdLst>
-    <p:notesMasterId r:id="rId11"/>
+    <p:notesMasterId r:id="rId13"/>
   </p:notesMasterIdLst>
   <p:sldIdLst>
     <p:sldId id="256" r:id="rId2"/>
     <p:sldId id="257" r:id="rId3"/>
     <p:sldId id="258" r:id="rId4"/>
     <p:sldId id="259" r:id="rId5"/>
-    <p:sldId id="265" r:id="rId6"/>
-    <p:sldId id="260" r:id="rId7"/>
-    <p:sldId id="266" r:id="rId8"/>
-    <p:sldId id="261" r:id="rId9"/>
-    <p:sldId id="264" r:id="rId10"/>
+    <p:sldId id="268" r:id="rId6"/>
+    <p:sldId id="265" r:id="rId7"/>
+    <p:sldId id="260" r:id="rId8"/>
+    <p:sldId id="267" r:id="rId9"/>
+    <p:sldId id="266" r:id="rId10"/>
+    <p:sldId id="261" r:id="rId11"/>
+    <p:sldId id="264" r:id="rId12"/>
   </p:sldIdLst>
   <p:sldSz cx="12192000" cy="6858000"/>
   <p:notesSz cx="6858000" cy="9144000"/>
@@ -124,8 +126,10 @@
             <p14:sldId id="257"/>
             <p14:sldId id="258"/>
             <p14:sldId id="259"/>
+            <p14:sldId id="268"/>
             <p14:sldId id="265"/>
             <p14:sldId id="260"/>
+            <p14:sldId id="267"/>
             <p14:sldId id="266"/>
             <p14:sldId id="261"/>
             <p14:sldId id="264"/>
@@ -818,6 +822,326 @@
 </p:notes>
 </file>
 
+<file path=ppt/notesSlides/notesSlide10.xml><?xml version="1.0" encoding="utf-8"?>
+<p:notes xmlns:a="http://schemas.openxmlformats.org/drawingml/2006/main" xmlns:r="http://schemas.openxmlformats.org/officeDocument/2006/relationships" xmlns:p="http://schemas.openxmlformats.org/presentationml/2006/main">
+  <p:cSld>
+    <p:spTree>
+      <p:nvGrpSpPr>
+        <p:cNvPr id="1" name=""/>
+        <p:cNvGrpSpPr/>
+        <p:nvPr/>
+      </p:nvGrpSpPr>
+      <p:grpSpPr>
+        <a:xfrm>
+          <a:off x="0" y="0"/>
+          <a:ext cx="0" cy="0"/>
+          <a:chOff x="0" y="0"/>
+          <a:chExt cx="0" cy="0"/>
+        </a:xfrm>
+      </p:grpSpPr>
+      <p:sp>
+        <p:nvSpPr>
+          <p:cNvPr id="2" name="Slide Image Placeholder 1"/>
+          <p:cNvSpPr>
+            <a:spLocks noGrp="1" noRot="1" noChangeAspect="1"/>
+          </p:cNvSpPr>
+          <p:nvPr>
+            <p:ph type="sldImg"/>
+          </p:nvPr>
+        </p:nvSpPr>
+        <p:spPr/>
+      </p:sp>
+      <p:sp>
+        <p:nvSpPr>
+          <p:cNvPr id="3" name="Notes Placeholder 2"/>
+          <p:cNvSpPr>
+            <a:spLocks noGrp="1"/>
+          </p:cNvSpPr>
+          <p:nvPr>
+            <p:ph type="body" idx="1"/>
+          </p:nvPr>
+        </p:nvSpPr>
+        <p:spPr/>
+        <p:txBody>
+          <a:bodyPr/>
+          <a:lstStyle/>
+          <a:p>
+            <a:pPr marL="0" marR="0" lvl="0" indent="0" algn="l" defTabSz="914400" rtl="0" eaLnBrk="1" fontAlgn="auto" latinLnBrk="0" hangingPunct="1">
+              <a:lnSpc>
+                <a:spcPct val="100000"/>
+              </a:lnSpc>
+              <a:spcBef>
+                <a:spcPts val="0"/>
+              </a:spcBef>
+              <a:spcAft>
+                <a:spcPts val="0"/>
+              </a:spcAft>
+              <a:buClrTx/>
+              <a:buSzTx/>
+              <a:buFontTx/>
+              <a:buNone/>
+              <a:tabLst/>
+              <a:defRPr/>
+            </a:pPr>
+            <a:r>
+              <a:rPr lang="en-CA" sz="1200" kern="1200" dirty="0">
+                <a:solidFill>
+                  <a:schemeClr val="tx1"/>
+                </a:solidFill>
+                <a:effectLst/>
+                <a:latin typeface="+mn-lt"/>
+                <a:ea typeface="+mn-ea"/>
+                <a:cs typeface="+mn-cs"/>
+              </a:rPr>
+              <a:t>The importance and relationship between otolith width/herring size and longitudinal and otolith width/herring size and day of year could be reflecting real ecological patterns related to herring in the Salish Sea.</a:t>
+            </a:r>
+          </a:p>
+          <a:p>
+            <a:pPr marL="0" marR="0" lvl="0" indent="0" algn="l" defTabSz="914400" rtl="0" eaLnBrk="1" fontAlgn="auto" latinLnBrk="0" hangingPunct="1">
+              <a:lnSpc>
+                <a:spcPct val="100000"/>
+              </a:lnSpc>
+              <a:spcBef>
+                <a:spcPts val="0"/>
+              </a:spcBef>
+              <a:spcAft>
+                <a:spcPts val="0"/>
+              </a:spcAft>
+              <a:buClrTx/>
+              <a:buSzTx/>
+              <a:buFontTx/>
+              <a:buNone/>
+              <a:tabLst/>
+              <a:defRPr/>
+            </a:pPr>
+            <a:endParaRPr lang="en-CA" sz="1200" kern="1200" dirty="0">
+              <a:solidFill>
+                <a:schemeClr val="tx1"/>
+              </a:solidFill>
+              <a:effectLst/>
+              <a:latin typeface="+mn-lt"/>
+              <a:ea typeface="+mn-ea"/>
+              <a:cs typeface="+mn-cs"/>
+            </a:endParaRPr>
+          </a:p>
+          <a:p>
+            <a:pPr marL="0" marR="0" lvl="0" indent="0" algn="l" defTabSz="914400" rtl="0" eaLnBrk="1" fontAlgn="auto" latinLnBrk="0" hangingPunct="1">
+              <a:lnSpc>
+                <a:spcPct val="100000"/>
+              </a:lnSpc>
+              <a:spcBef>
+                <a:spcPts val="0"/>
+              </a:spcBef>
+              <a:spcAft>
+                <a:spcPts val="0"/>
+              </a:spcAft>
+              <a:buClrTx/>
+              <a:buSzTx/>
+              <a:buFontTx/>
+              <a:buNone/>
+              <a:tabLst/>
+              <a:defRPr/>
+            </a:pPr>
+            <a:r>
+              <a:rPr lang="en-CA" sz="1200" kern="1200" dirty="0">
+                <a:solidFill>
+                  <a:schemeClr val="tx1"/>
+                </a:solidFill>
+                <a:effectLst/>
+                <a:latin typeface="+mn-lt"/>
+                <a:ea typeface="+mn-ea"/>
+                <a:cs typeface="+mn-cs"/>
+              </a:rPr>
+              <a:t>Herring abundance is reported to be highest along east coast Vancouver Island with large, mature herring concentrated near Hornby/Denman Island during peak spawning in mid-March (</a:t>
+            </a:r>
+            <a:r>
+              <a:rPr lang="en-CA" sz="1200" kern="1200" dirty="0" err="1">
+                <a:solidFill>
+                  <a:schemeClr val="tx1"/>
+                </a:solidFill>
+                <a:effectLst/>
+                <a:latin typeface="+mn-lt"/>
+                <a:ea typeface="+mn-ea"/>
+                <a:cs typeface="+mn-cs"/>
+              </a:rPr>
+              <a:t>Therriault</a:t>
+            </a:r>
+            <a:r>
+              <a:rPr lang="en-CA" sz="1200" kern="1200" dirty="0">
+                <a:solidFill>
+                  <a:schemeClr val="tx1"/>
+                </a:solidFill>
+                <a:effectLst/>
+                <a:latin typeface="+mn-lt"/>
+                <a:ea typeface="+mn-ea"/>
+                <a:cs typeface="+mn-cs"/>
+              </a:rPr>
+              <a:t> et al. 2009).</a:t>
+            </a:r>
+          </a:p>
+          <a:p>
+            <a:pPr marL="0" marR="0" lvl="0" indent="0" algn="l" defTabSz="914400" rtl="0" eaLnBrk="1" fontAlgn="auto" latinLnBrk="0" hangingPunct="1">
+              <a:lnSpc>
+                <a:spcPct val="100000"/>
+              </a:lnSpc>
+              <a:spcBef>
+                <a:spcPts val="0"/>
+              </a:spcBef>
+              <a:spcAft>
+                <a:spcPts val="0"/>
+              </a:spcAft>
+              <a:buClrTx/>
+              <a:buSzTx/>
+              <a:buFontTx/>
+              <a:buNone/>
+              <a:tabLst/>
+              <a:defRPr/>
+            </a:pPr>
+            <a:endParaRPr lang="en-CA" sz="1200" kern="1200" dirty="0">
+              <a:solidFill>
+                <a:schemeClr val="tx1"/>
+              </a:solidFill>
+              <a:effectLst/>
+              <a:latin typeface="+mn-lt"/>
+              <a:ea typeface="+mn-ea"/>
+              <a:cs typeface="+mn-cs"/>
+            </a:endParaRPr>
+          </a:p>
+          <a:p>
+            <a:pPr marL="0" marR="0" lvl="0" indent="0" algn="l" defTabSz="914400" rtl="0" eaLnBrk="1" fontAlgn="auto" latinLnBrk="0" hangingPunct="1">
+              <a:lnSpc>
+                <a:spcPct val="100000"/>
+              </a:lnSpc>
+              <a:spcBef>
+                <a:spcPts val="0"/>
+              </a:spcBef>
+              <a:spcAft>
+                <a:spcPts val="0"/>
+              </a:spcAft>
+              <a:buClrTx/>
+              <a:buSzTx/>
+              <a:buFontTx/>
+              <a:buNone/>
+              <a:tabLst/>
+              <a:defRPr/>
+            </a:pPr>
+            <a:r>
+              <a:rPr lang="en-CA" sz="1200" kern="1200" dirty="0">
+                <a:solidFill>
+                  <a:schemeClr val="tx1"/>
+                </a:solidFill>
+                <a:effectLst/>
+                <a:latin typeface="+mn-lt"/>
+                <a:ea typeface="+mn-ea"/>
+                <a:cs typeface="+mn-cs"/>
+              </a:rPr>
+              <a:t>Furthermore, a greater contribution of large herring consumed in western regions followed by the appearance of small herring larvae entering diets, post-hatching in June may be driving the observed trends with longitude and day of year.</a:t>
+            </a:r>
+          </a:p>
+          <a:p>
+            <a:pPr marL="0" marR="0" lvl="0" indent="0" algn="l" defTabSz="914400" rtl="0" eaLnBrk="1" fontAlgn="auto" latinLnBrk="0" hangingPunct="1">
+              <a:lnSpc>
+                <a:spcPct val="100000"/>
+              </a:lnSpc>
+              <a:spcBef>
+                <a:spcPts val="0"/>
+              </a:spcBef>
+              <a:spcAft>
+                <a:spcPts val="0"/>
+              </a:spcAft>
+              <a:buClrTx/>
+              <a:buSzTx/>
+              <a:buFontTx/>
+              <a:buNone/>
+              <a:tabLst/>
+              <a:defRPr/>
+            </a:pPr>
+            <a:endParaRPr lang="en-CA" sz="1200" kern="1200" dirty="0">
+              <a:solidFill>
+                <a:schemeClr val="tx1"/>
+              </a:solidFill>
+              <a:effectLst/>
+              <a:latin typeface="+mn-lt"/>
+              <a:ea typeface="+mn-ea"/>
+              <a:cs typeface="+mn-cs"/>
+            </a:endParaRPr>
+          </a:p>
+          <a:p>
+            <a:pPr marL="0" marR="0" lvl="0" indent="0" algn="l" defTabSz="914400" rtl="0" eaLnBrk="1" fontAlgn="auto" latinLnBrk="0" hangingPunct="1">
+              <a:lnSpc>
+                <a:spcPct val="100000"/>
+              </a:lnSpc>
+              <a:spcBef>
+                <a:spcPts val="0"/>
+              </a:spcBef>
+              <a:spcAft>
+                <a:spcPts val="0"/>
+              </a:spcAft>
+              <a:buClrTx/>
+              <a:buSzTx/>
+              <a:buFontTx/>
+              <a:buNone/>
+              <a:tabLst/>
+              <a:defRPr/>
+            </a:pPr>
+            <a:r>
+              <a:rPr lang="en-CA" sz="1200" kern="1200" dirty="0">
+                <a:solidFill>
+                  <a:schemeClr val="tx1"/>
+                </a:solidFill>
+                <a:effectLst/>
+                <a:latin typeface="+mn-lt"/>
+                <a:ea typeface="+mn-ea"/>
+                <a:cs typeface="+mn-cs"/>
+              </a:rPr>
+              <a:t>Although salmon length is a poor predictor of herring size consumed, the overall trend suggests prey size range increases with salmon size which is consistent with findings in other marine predators (Scharf et al. 2000).</a:t>
+            </a:r>
+            <a:endParaRPr lang="en-US" dirty="0"/>
+          </a:p>
+          <a:p>
+            <a:endParaRPr lang="en-US" dirty="0"/>
+          </a:p>
+          <a:p>
+            <a:endParaRPr lang="en-US" dirty="0"/>
+          </a:p>
+        </p:txBody>
+      </p:sp>
+      <p:sp>
+        <p:nvSpPr>
+          <p:cNvPr id="4" name="Slide Number Placeholder 3"/>
+          <p:cNvSpPr>
+            <a:spLocks noGrp="1"/>
+          </p:cNvSpPr>
+          <p:nvPr>
+            <p:ph type="sldNum" sz="quarter" idx="5"/>
+          </p:nvPr>
+        </p:nvSpPr>
+        <p:spPr/>
+        <p:txBody>
+          <a:bodyPr/>
+          <a:lstStyle/>
+          <a:p>
+            <a:fld id="{0B1207EC-944A-E74D-8503-F6C3FC26F6F0}" type="slidenum">
+              <a:rPr lang="en-US" smtClean="0"/>
+              <a:t>10</a:t>
+            </a:fld>
+            <a:endParaRPr lang="en-US"/>
+          </a:p>
+        </p:txBody>
+      </p:sp>
+    </p:spTree>
+    <p:extLst>
+      <p:ext uri="{BB962C8B-B14F-4D97-AF65-F5344CB8AC3E}">
+        <p14:creationId xmlns:p14="http://schemas.microsoft.com/office/powerpoint/2010/main" val="2714380906"/>
+      </p:ext>
+    </p:extLst>
+  </p:cSld>
+  <p:clrMapOvr>
+    <a:masterClrMapping/>
+  </p:clrMapOvr>
+</p:notes>
+</file>
+
 <file path=ppt/notesSlides/notesSlide2.xml><?xml version="1.0" encoding="utf-8"?>
 <p:notes xmlns:a="http://schemas.openxmlformats.org/drawingml/2006/main" xmlns:r="http://schemas.openxmlformats.org/officeDocument/2006/relationships" xmlns:p="http://schemas.openxmlformats.org/presentationml/2006/main">
   <p:cSld>
@@ -1075,6 +1399,80 @@
               </a:rPr>
               <a:t>We hypothesize that herring size will be positively linear with salmon length, collection day of year and latitude. However, a negative linear relationship with longitude may occur because more herring are known to distribute along western Strait of Georgia. Alternatively, a non-linear relationship with longitude is possible if maximum herring size occurs in mid-channel waters.</a:t>
             </a:r>
+          </a:p>
+          <a:p>
+            <a:pPr marL="0" marR="0" lvl="0" indent="0" algn="l" defTabSz="914400" rtl="0" eaLnBrk="1" fontAlgn="auto" latinLnBrk="0" hangingPunct="1">
+              <a:lnSpc>
+                <a:spcPct val="100000"/>
+              </a:lnSpc>
+              <a:spcBef>
+                <a:spcPts val="0"/>
+              </a:spcBef>
+              <a:spcAft>
+                <a:spcPts val="0"/>
+              </a:spcAft>
+              <a:buClrTx/>
+              <a:buSzTx/>
+              <a:buFontTx/>
+              <a:buNone/>
+              <a:tabLst/>
+              <a:defRPr/>
+            </a:pPr>
+            <a:endParaRPr lang="en-CA" sz="1200" kern="1200" dirty="0">
+              <a:solidFill>
+                <a:schemeClr val="tx1"/>
+              </a:solidFill>
+              <a:effectLst/>
+              <a:latin typeface="+mn-lt"/>
+              <a:ea typeface="+mn-ea"/>
+              <a:cs typeface="+mn-cs"/>
+            </a:endParaRPr>
+          </a:p>
+          <a:p>
+            <a:pPr marL="0" marR="0" lvl="0" indent="0" algn="l" defTabSz="914400" rtl="0" eaLnBrk="1" fontAlgn="auto" latinLnBrk="0" hangingPunct="1">
+              <a:lnSpc>
+                <a:spcPct val="100000"/>
+              </a:lnSpc>
+              <a:spcBef>
+                <a:spcPts val="0"/>
+              </a:spcBef>
+              <a:spcAft>
+                <a:spcPts val="0"/>
+              </a:spcAft>
+              <a:buClrTx/>
+              <a:buSzTx/>
+              <a:buFontTx/>
+              <a:buNone/>
+              <a:tabLst/>
+              <a:defRPr/>
+            </a:pPr>
+            <a:r>
+              <a:rPr lang="en-CA" sz="1200" kern="1200" dirty="0">
+                <a:solidFill>
+                  <a:schemeClr val="tx1"/>
+                </a:solidFill>
+                <a:effectLst/>
+                <a:latin typeface="+mn-lt"/>
+                <a:ea typeface="+mn-ea"/>
+                <a:cs typeface="+mn-cs"/>
+              </a:rPr>
+              <a:t>We also expect an interaction between salmon length and latitude, because of higher productivity in northern regions. An interaction between salmon length and longitude is possible if mainland and Vancouver Island stocks differ in size. We expect an interaction between salmon length and day of year as each age class grows.</a:t>
+            </a:r>
+            <a:r>
+              <a:rPr lang="en-CA" dirty="0">
+                <a:effectLst/>
+              </a:rPr>
+              <a:t> </a:t>
+            </a:r>
+            <a:endParaRPr lang="en-CA" sz="1200" kern="1200" dirty="0">
+              <a:solidFill>
+                <a:schemeClr val="tx1"/>
+              </a:solidFill>
+              <a:effectLst/>
+              <a:latin typeface="+mn-lt"/>
+              <a:ea typeface="+mn-ea"/>
+              <a:cs typeface="+mn-cs"/>
+            </a:endParaRPr>
           </a:p>
           <a:p>
             <a:pPr marL="0" marR="0" lvl="0" indent="0" algn="l" defTabSz="914400" rtl="0" eaLnBrk="1" fontAlgn="auto" latinLnBrk="0" hangingPunct="1">
@@ -1342,7 +1740,7 @@
                 <a:ea typeface="+mn-ea"/>
                 <a:cs typeface="+mn-cs"/>
               </a:rPr>
-              <a:t>We will model the response of otolith width to associated salmon catch data recorded by each angler and linked to each stomach sample. These variables include salmon catch day in the 2018 year, salmon length, longitude and latitude.</a:t>
+              <a:t>We will model the response of otolith width to associated salmon catch data recorded by each angler and linked to each stomach sample. Explanatory variables include salmon catch day in the 2018 year, salmon length, longitude and latitude.</a:t>
             </a:r>
           </a:p>
           <a:p>
@@ -1563,6 +1961,1346 @@
     <p:extLst>
       <p:ext uri="{BB962C8B-B14F-4D97-AF65-F5344CB8AC3E}">
         <p14:creationId xmlns:p14="http://schemas.microsoft.com/office/powerpoint/2010/main" val="340181587"/>
+      </p:ext>
+    </p:extLst>
+  </p:cSld>
+  <p:clrMapOvr>
+    <a:masterClrMapping/>
+  </p:clrMapOvr>
+</p:notes>
+</file>
+
+<file path=ppt/notesSlides/notesSlide5.xml><?xml version="1.0" encoding="utf-8"?>
+<p:notes xmlns:a="http://schemas.openxmlformats.org/drawingml/2006/main" xmlns:r="http://schemas.openxmlformats.org/officeDocument/2006/relationships" xmlns:p="http://schemas.openxmlformats.org/presentationml/2006/main">
+  <p:cSld>
+    <p:spTree>
+      <p:nvGrpSpPr>
+        <p:cNvPr id="1" name=""/>
+        <p:cNvGrpSpPr/>
+        <p:nvPr/>
+      </p:nvGrpSpPr>
+      <p:grpSpPr>
+        <a:xfrm>
+          <a:off x="0" y="0"/>
+          <a:ext cx="0" cy="0"/>
+          <a:chOff x="0" y="0"/>
+          <a:chExt cx="0" cy="0"/>
+        </a:xfrm>
+      </p:grpSpPr>
+      <p:sp>
+        <p:nvSpPr>
+          <p:cNvPr id="2" name="Slide Image Placeholder 1"/>
+          <p:cNvSpPr>
+            <a:spLocks noGrp="1" noRot="1" noChangeAspect="1"/>
+          </p:cNvSpPr>
+          <p:nvPr>
+            <p:ph type="sldImg"/>
+          </p:nvPr>
+        </p:nvSpPr>
+        <p:spPr/>
+      </p:sp>
+      <p:sp>
+        <p:nvSpPr>
+          <p:cNvPr id="3" name="Notes Placeholder 2"/>
+          <p:cNvSpPr>
+            <a:spLocks noGrp="1"/>
+          </p:cNvSpPr>
+          <p:nvPr>
+            <p:ph type="body" idx="1"/>
+          </p:nvPr>
+        </p:nvSpPr>
+        <p:spPr/>
+        <p:txBody>
+          <a:bodyPr/>
+          <a:lstStyle/>
+          <a:p>
+            <a:pPr marL="0" marR="0" lvl="0" indent="0" algn="l" defTabSz="914400" rtl="0" eaLnBrk="1" fontAlgn="auto" latinLnBrk="0" hangingPunct="1">
+              <a:lnSpc>
+                <a:spcPct val="100000"/>
+              </a:lnSpc>
+              <a:spcBef>
+                <a:spcPts val="0"/>
+              </a:spcBef>
+              <a:spcAft>
+                <a:spcPts val="0"/>
+              </a:spcAft>
+              <a:buClrTx/>
+              <a:buSzTx/>
+              <a:buFontTx/>
+              <a:buNone/>
+              <a:tabLst/>
+              <a:defRPr/>
+            </a:pPr>
+            <a:r>
+              <a:rPr lang="en-CA" sz="1200" kern="1200" dirty="0">
+                <a:solidFill>
+                  <a:schemeClr val="tx1"/>
+                </a:solidFill>
+                <a:effectLst/>
+                <a:latin typeface="+mn-lt"/>
+                <a:ea typeface="+mn-ea"/>
+                <a:cs typeface="+mn-cs"/>
+              </a:rPr>
+              <a:t>AIC shows that model 11 and 6 are close and only differ in salmon length.</a:t>
+            </a:r>
+          </a:p>
+          <a:p>
+            <a:pPr marL="0" marR="0" lvl="0" indent="0" algn="l" defTabSz="914400" rtl="0" eaLnBrk="1" fontAlgn="auto" latinLnBrk="0" hangingPunct="1">
+              <a:lnSpc>
+                <a:spcPct val="100000"/>
+              </a:lnSpc>
+              <a:spcBef>
+                <a:spcPts val="0"/>
+              </a:spcBef>
+              <a:spcAft>
+                <a:spcPts val="0"/>
+              </a:spcAft>
+              <a:buClrTx/>
+              <a:buSzTx/>
+              <a:buFontTx/>
+              <a:buNone/>
+              <a:tabLst/>
+              <a:defRPr/>
+            </a:pPr>
+            <a:endParaRPr lang="en-CA" sz="1200" kern="1200">
+              <a:solidFill>
+                <a:schemeClr val="tx1"/>
+              </a:solidFill>
+              <a:effectLst/>
+              <a:latin typeface="+mn-lt"/>
+              <a:ea typeface="+mn-ea"/>
+              <a:cs typeface="+mn-cs"/>
+            </a:endParaRPr>
+          </a:p>
+          <a:p>
+            <a:pPr marL="0" marR="0" lvl="0" indent="0" algn="l" defTabSz="914400" rtl="0" eaLnBrk="1" fontAlgn="auto" latinLnBrk="0" hangingPunct="1">
+              <a:lnSpc>
+                <a:spcPct val="100000"/>
+              </a:lnSpc>
+              <a:spcBef>
+                <a:spcPts val="0"/>
+              </a:spcBef>
+              <a:spcAft>
+                <a:spcPts val="0"/>
+              </a:spcAft>
+              <a:buClrTx/>
+              <a:buSzTx/>
+              <a:buFontTx/>
+              <a:buNone/>
+              <a:tabLst/>
+              <a:defRPr/>
+            </a:pPr>
+            <a:endParaRPr lang="en-CA" sz="1200" kern="1200" dirty="0">
+              <a:solidFill>
+                <a:schemeClr val="tx1"/>
+              </a:solidFill>
+              <a:effectLst/>
+              <a:latin typeface="+mn-lt"/>
+              <a:ea typeface="+mn-ea"/>
+              <a:cs typeface="+mn-cs"/>
+            </a:endParaRPr>
+          </a:p>
+          <a:p>
+            <a:endParaRPr lang="en-US" dirty="0"/>
+          </a:p>
+        </p:txBody>
+      </p:sp>
+      <p:sp>
+        <p:nvSpPr>
+          <p:cNvPr id="4" name="Slide Number Placeholder 3"/>
+          <p:cNvSpPr>
+            <a:spLocks noGrp="1"/>
+          </p:cNvSpPr>
+          <p:nvPr>
+            <p:ph type="sldNum" sz="quarter" idx="5"/>
+          </p:nvPr>
+        </p:nvSpPr>
+        <p:spPr/>
+        <p:txBody>
+          <a:bodyPr/>
+          <a:lstStyle/>
+          <a:p>
+            <a:fld id="{0B1207EC-944A-E74D-8503-F6C3FC26F6F0}" type="slidenum">
+              <a:rPr lang="en-US" smtClean="0"/>
+              <a:t>5</a:t>
+            </a:fld>
+            <a:endParaRPr lang="en-US"/>
+          </a:p>
+        </p:txBody>
+      </p:sp>
+    </p:spTree>
+    <p:extLst>
+      <p:ext uri="{BB962C8B-B14F-4D97-AF65-F5344CB8AC3E}">
+        <p14:creationId xmlns:p14="http://schemas.microsoft.com/office/powerpoint/2010/main" val="3860927967"/>
+      </p:ext>
+    </p:extLst>
+  </p:cSld>
+  <p:clrMapOvr>
+    <a:masterClrMapping/>
+  </p:clrMapOvr>
+</p:notes>
+</file>
+
+<file path=ppt/notesSlides/notesSlide6.xml><?xml version="1.0" encoding="utf-8"?>
+<p:notes xmlns:a="http://schemas.openxmlformats.org/drawingml/2006/main" xmlns:r="http://schemas.openxmlformats.org/officeDocument/2006/relationships" xmlns:p="http://schemas.openxmlformats.org/presentationml/2006/main">
+  <p:cSld>
+    <p:spTree>
+      <p:nvGrpSpPr>
+        <p:cNvPr id="1" name=""/>
+        <p:cNvGrpSpPr/>
+        <p:nvPr/>
+      </p:nvGrpSpPr>
+      <p:grpSpPr>
+        <a:xfrm>
+          <a:off x="0" y="0"/>
+          <a:ext cx="0" cy="0"/>
+          <a:chOff x="0" y="0"/>
+          <a:chExt cx="0" cy="0"/>
+        </a:xfrm>
+      </p:grpSpPr>
+      <p:sp>
+        <p:nvSpPr>
+          <p:cNvPr id="2" name="Slide Image Placeholder 1"/>
+          <p:cNvSpPr>
+            <a:spLocks noGrp="1" noRot="1" noChangeAspect="1"/>
+          </p:cNvSpPr>
+          <p:nvPr>
+            <p:ph type="sldImg"/>
+          </p:nvPr>
+        </p:nvSpPr>
+        <p:spPr/>
+      </p:sp>
+      <p:sp>
+        <p:nvSpPr>
+          <p:cNvPr id="3" name="Notes Placeholder 2"/>
+          <p:cNvSpPr>
+            <a:spLocks noGrp="1"/>
+          </p:cNvSpPr>
+          <p:nvPr>
+            <p:ph type="body" idx="1"/>
+          </p:nvPr>
+        </p:nvSpPr>
+        <p:spPr/>
+        <p:txBody>
+          <a:bodyPr/>
+          <a:lstStyle/>
+          <a:p>
+            <a:pPr marL="0" marR="0" lvl="0" indent="0" algn="l" defTabSz="914400" rtl="0" eaLnBrk="1" fontAlgn="auto" latinLnBrk="0" hangingPunct="1">
+              <a:lnSpc>
+                <a:spcPct val="100000"/>
+              </a:lnSpc>
+              <a:spcBef>
+                <a:spcPts val="0"/>
+              </a:spcBef>
+              <a:spcAft>
+                <a:spcPts val="0"/>
+              </a:spcAft>
+              <a:buClrTx/>
+              <a:buSzTx/>
+              <a:buFontTx/>
+              <a:buNone/>
+              <a:tabLst/>
+              <a:defRPr/>
+            </a:pPr>
+            <a:r>
+              <a:rPr lang="en-CA" sz="1200" kern="1200" dirty="0">
+                <a:solidFill>
+                  <a:schemeClr val="tx1"/>
+                </a:solidFill>
+                <a:effectLst/>
+                <a:latin typeface="+mn-lt"/>
+                <a:ea typeface="+mn-ea"/>
+                <a:cs typeface="+mn-cs"/>
+              </a:rPr>
+              <a:t>Model 11 and 6 coefficient plots show that longitude and day of year have a small, negative relationship with otolith and they are useful predictors because the confidence intervals do not overlap with zero.</a:t>
+            </a:r>
+          </a:p>
+          <a:p>
+            <a:pPr marL="0" marR="0" lvl="0" indent="0" algn="l" defTabSz="914400" rtl="0" eaLnBrk="1" fontAlgn="auto" latinLnBrk="0" hangingPunct="1">
+              <a:lnSpc>
+                <a:spcPct val="100000"/>
+              </a:lnSpc>
+              <a:spcBef>
+                <a:spcPts val="0"/>
+              </a:spcBef>
+              <a:spcAft>
+                <a:spcPts val="0"/>
+              </a:spcAft>
+              <a:buClrTx/>
+              <a:buSzTx/>
+              <a:buFontTx/>
+              <a:buNone/>
+              <a:tabLst/>
+              <a:defRPr/>
+            </a:pPr>
+            <a:endParaRPr lang="en-CA" sz="1200" kern="1200" dirty="0">
+              <a:solidFill>
+                <a:schemeClr val="tx1"/>
+              </a:solidFill>
+              <a:effectLst/>
+              <a:latin typeface="+mn-lt"/>
+              <a:ea typeface="+mn-ea"/>
+              <a:cs typeface="+mn-cs"/>
+            </a:endParaRPr>
+          </a:p>
+          <a:p>
+            <a:pPr marL="0" marR="0" lvl="0" indent="0" algn="l" defTabSz="914400" rtl="0" eaLnBrk="1" fontAlgn="auto" latinLnBrk="0" hangingPunct="1">
+              <a:lnSpc>
+                <a:spcPct val="100000"/>
+              </a:lnSpc>
+              <a:spcBef>
+                <a:spcPts val="0"/>
+              </a:spcBef>
+              <a:spcAft>
+                <a:spcPts val="0"/>
+              </a:spcAft>
+              <a:buClrTx/>
+              <a:buSzTx/>
+              <a:buFontTx/>
+              <a:buNone/>
+              <a:tabLst/>
+              <a:defRPr/>
+            </a:pPr>
+            <a:r>
+              <a:rPr lang="en-CA" sz="1200" kern="1200" dirty="0">
+                <a:solidFill>
+                  <a:schemeClr val="tx1"/>
+                </a:solidFill>
+                <a:effectLst/>
+                <a:latin typeface="+mn-lt"/>
+                <a:ea typeface="+mn-ea"/>
+                <a:cs typeface="+mn-cs"/>
+              </a:rPr>
+              <a:t>However, salmon length is not a useful predictor as the confidence interval overlaps with zero. Although, salmon length has a small positive relationship with otolith width.</a:t>
+            </a:r>
+          </a:p>
+          <a:p>
+            <a:pPr marL="0" marR="0" lvl="0" indent="0" algn="l" defTabSz="914400" rtl="0" eaLnBrk="1" fontAlgn="auto" latinLnBrk="0" hangingPunct="1">
+              <a:lnSpc>
+                <a:spcPct val="100000"/>
+              </a:lnSpc>
+              <a:spcBef>
+                <a:spcPts val="0"/>
+              </a:spcBef>
+              <a:spcAft>
+                <a:spcPts val="0"/>
+              </a:spcAft>
+              <a:buClrTx/>
+              <a:buSzTx/>
+              <a:buFontTx/>
+              <a:buNone/>
+              <a:tabLst/>
+              <a:defRPr/>
+            </a:pPr>
+            <a:endParaRPr lang="en-CA" sz="1200" kern="1200" dirty="0">
+              <a:solidFill>
+                <a:schemeClr val="tx1"/>
+              </a:solidFill>
+              <a:effectLst/>
+              <a:latin typeface="+mn-lt"/>
+              <a:ea typeface="+mn-ea"/>
+              <a:cs typeface="+mn-cs"/>
+            </a:endParaRPr>
+          </a:p>
+        </p:txBody>
+      </p:sp>
+      <p:sp>
+        <p:nvSpPr>
+          <p:cNvPr id="4" name="Slide Number Placeholder 3"/>
+          <p:cNvSpPr>
+            <a:spLocks noGrp="1"/>
+          </p:cNvSpPr>
+          <p:nvPr>
+            <p:ph type="sldNum" sz="quarter" idx="5"/>
+          </p:nvPr>
+        </p:nvSpPr>
+        <p:spPr/>
+        <p:txBody>
+          <a:bodyPr/>
+          <a:lstStyle/>
+          <a:p>
+            <a:fld id="{0B1207EC-944A-E74D-8503-F6C3FC26F6F0}" type="slidenum">
+              <a:rPr lang="en-US" smtClean="0"/>
+              <a:t>6</a:t>
+            </a:fld>
+            <a:endParaRPr lang="en-US"/>
+          </a:p>
+        </p:txBody>
+      </p:sp>
+    </p:spTree>
+    <p:extLst>
+      <p:ext uri="{BB962C8B-B14F-4D97-AF65-F5344CB8AC3E}">
+        <p14:creationId xmlns:p14="http://schemas.microsoft.com/office/powerpoint/2010/main" val="3738067965"/>
+      </p:ext>
+    </p:extLst>
+  </p:cSld>
+  <p:clrMapOvr>
+    <a:masterClrMapping/>
+  </p:clrMapOvr>
+</p:notes>
+</file>
+
+<file path=ppt/notesSlides/notesSlide7.xml><?xml version="1.0" encoding="utf-8"?>
+<p:notes xmlns:a="http://schemas.openxmlformats.org/drawingml/2006/main" xmlns:r="http://schemas.openxmlformats.org/officeDocument/2006/relationships" xmlns:p="http://schemas.openxmlformats.org/presentationml/2006/main">
+  <p:cSld>
+    <p:spTree>
+      <p:nvGrpSpPr>
+        <p:cNvPr id="1" name=""/>
+        <p:cNvGrpSpPr/>
+        <p:nvPr/>
+      </p:nvGrpSpPr>
+      <p:grpSpPr>
+        <a:xfrm>
+          <a:off x="0" y="0"/>
+          <a:ext cx="0" cy="0"/>
+          <a:chOff x="0" y="0"/>
+          <a:chExt cx="0" cy="0"/>
+        </a:xfrm>
+      </p:grpSpPr>
+      <p:sp>
+        <p:nvSpPr>
+          <p:cNvPr id="2" name="Slide Image Placeholder 1"/>
+          <p:cNvSpPr>
+            <a:spLocks noGrp="1" noRot="1" noChangeAspect="1"/>
+          </p:cNvSpPr>
+          <p:nvPr>
+            <p:ph type="sldImg"/>
+          </p:nvPr>
+        </p:nvSpPr>
+        <p:spPr/>
+      </p:sp>
+      <p:sp>
+        <p:nvSpPr>
+          <p:cNvPr id="3" name="Notes Placeholder 2"/>
+          <p:cNvSpPr>
+            <a:spLocks noGrp="1"/>
+          </p:cNvSpPr>
+          <p:nvPr>
+            <p:ph type="body" idx="1"/>
+          </p:nvPr>
+        </p:nvSpPr>
+        <p:spPr/>
+        <p:txBody>
+          <a:bodyPr/>
+          <a:lstStyle/>
+          <a:p>
+            <a:pPr marL="0" marR="0" lvl="0" indent="0" algn="l" defTabSz="914400" rtl="0" eaLnBrk="1" fontAlgn="auto" latinLnBrk="0" hangingPunct="1">
+              <a:lnSpc>
+                <a:spcPct val="100000"/>
+              </a:lnSpc>
+              <a:spcBef>
+                <a:spcPts val="0"/>
+              </a:spcBef>
+              <a:spcAft>
+                <a:spcPts val="0"/>
+              </a:spcAft>
+              <a:buClrTx/>
+              <a:buSzTx/>
+              <a:buFontTx/>
+              <a:buNone/>
+              <a:tabLst/>
+              <a:defRPr/>
+            </a:pPr>
+            <a:r>
+              <a:rPr lang="en-CA" sz="1200" kern="1200" dirty="0">
+                <a:solidFill>
+                  <a:schemeClr val="tx1"/>
+                </a:solidFill>
+                <a:effectLst/>
+                <a:latin typeface="+mn-lt"/>
+                <a:ea typeface="+mn-ea"/>
+                <a:cs typeface="+mn-cs"/>
+              </a:rPr>
+              <a:t>The results generally support our hypothesis for a positive relationship between otolith width versus salmon length and longitude.</a:t>
+            </a:r>
+          </a:p>
+          <a:p>
+            <a:pPr marL="0" marR="0" lvl="0" indent="0" algn="l" defTabSz="914400" rtl="0" eaLnBrk="1" fontAlgn="auto" latinLnBrk="0" hangingPunct="1">
+              <a:lnSpc>
+                <a:spcPct val="100000"/>
+              </a:lnSpc>
+              <a:spcBef>
+                <a:spcPts val="0"/>
+              </a:spcBef>
+              <a:spcAft>
+                <a:spcPts val="0"/>
+              </a:spcAft>
+              <a:buClrTx/>
+              <a:buSzTx/>
+              <a:buFontTx/>
+              <a:buNone/>
+              <a:tabLst/>
+              <a:defRPr/>
+            </a:pPr>
+            <a:endParaRPr lang="en-CA" sz="1200" kern="1200" dirty="0">
+              <a:solidFill>
+                <a:schemeClr val="tx1"/>
+              </a:solidFill>
+              <a:effectLst/>
+              <a:latin typeface="+mn-lt"/>
+              <a:ea typeface="+mn-ea"/>
+              <a:cs typeface="+mn-cs"/>
+            </a:endParaRPr>
+          </a:p>
+          <a:p>
+            <a:pPr marL="0" marR="0" lvl="0" indent="0" algn="l" defTabSz="914400" rtl="0" eaLnBrk="1" fontAlgn="auto" latinLnBrk="0" hangingPunct="1">
+              <a:lnSpc>
+                <a:spcPct val="100000"/>
+              </a:lnSpc>
+              <a:spcBef>
+                <a:spcPts val="0"/>
+              </a:spcBef>
+              <a:spcAft>
+                <a:spcPts val="0"/>
+              </a:spcAft>
+              <a:buClrTx/>
+              <a:buSzTx/>
+              <a:buFontTx/>
+              <a:buNone/>
+              <a:tabLst/>
+              <a:defRPr/>
+            </a:pPr>
+            <a:r>
+              <a:rPr lang="en-CA" sz="1200" kern="1200" dirty="0">
+                <a:solidFill>
+                  <a:schemeClr val="tx1"/>
+                </a:solidFill>
+                <a:effectLst/>
+                <a:latin typeface="+mn-lt"/>
+                <a:ea typeface="+mn-ea"/>
+                <a:cs typeface="+mn-cs"/>
+              </a:rPr>
+              <a:t>However, the negative relationship between otolith width and collection day contradict our hypothesis of a positive relationship between these variables.</a:t>
+            </a:r>
+          </a:p>
+          <a:p>
+            <a:pPr marL="0" marR="0" lvl="0" indent="0" algn="l" defTabSz="914400" rtl="0" eaLnBrk="1" fontAlgn="auto" latinLnBrk="0" hangingPunct="1">
+              <a:lnSpc>
+                <a:spcPct val="100000"/>
+              </a:lnSpc>
+              <a:spcBef>
+                <a:spcPts val="0"/>
+              </a:spcBef>
+              <a:spcAft>
+                <a:spcPts val="0"/>
+              </a:spcAft>
+              <a:buClrTx/>
+              <a:buSzTx/>
+              <a:buFontTx/>
+              <a:buNone/>
+              <a:tabLst/>
+              <a:defRPr/>
+            </a:pPr>
+            <a:endParaRPr lang="en-CA" sz="1200" kern="1200" dirty="0">
+              <a:solidFill>
+                <a:schemeClr val="tx1"/>
+              </a:solidFill>
+              <a:effectLst/>
+              <a:latin typeface="+mn-lt"/>
+              <a:ea typeface="+mn-ea"/>
+              <a:cs typeface="+mn-cs"/>
+            </a:endParaRPr>
+          </a:p>
+          <a:p>
+            <a:pPr marL="0" marR="0" lvl="0" indent="0" algn="l" defTabSz="914400" rtl="0" eaLnBrk="1" fontAlgn="auto" latinLnBrk="0" hangingPunct="1">
+              <a:lnSpc>
+                <a:spcPct val="100000"/>
+              </a:lnSpc>
+              <a:spcBef>
+                <a:spcPts val="0"/>
+              </a:spcBef>
+              <a:spcAft>
+                <a:spcPts val="0"/>
+              </a:spcAft>
+              <a:buClrTx/>
+              <a:buSzTx/>
+              <a:buFontTx/>
+              <a:buNone/>
+              <a:tabLst/>
+              <a:defRPr/>
+            </a:pPr>
+            <a:r>
+              <a:rPr lang="en-CA" sz="1200" kern="1200" dirty="0">
+                <a:solidFill>
+                  <a:schemeClr val="tx1"/>
+                </a:solidFill>
+                <a:effectLst/>
+                <a:latin typeface="+mn-lt"/>
+                <a:ea typeface="+mn-ea"/>
+                <a:cs typeface="+mn-cs"/>
+              </a:rPr>
+              <a:t>Interestingly, longitude better describes otolith width compared to latitude.</a:t>
+            </a:r>
+          </a:p>
+          <a:p>
+            <a:pPr marL="0" marR="0" lvl="0" indent="0" algn="l" defTabSz="914400" rtl="0" eaLnBrk="1" fontAlgn="auto" latinLnBrk="0" hangingPunct="1">
+              <a:lnSpc>
+                <a:spcPct val="100000"/>
+              </a:lnSpc>
+              <a:spcBef>
+                <a:spcPts val="0"/>
+              </a:spcBef>
+              <a:spcAft>
+                <a:spcPts val="0"/>
+              </a:spcAft>
+              <a:buClrTx/>
+              <a:buSzTx/>
+              <a:buFontTx/>
+              <a:buNone/>
+              <a:tabLst/>
+              <a:defRPr/>
+            </a:pPr>
+            <a:endParaRPr lang="en-CA" sz="1200" kern="1200" dirty="0">
+              <a:solidFill>
+                <a:schemeClr val="tx1"/>
+              </a:solidFill>
+              <a:effectLst/>
+              <a:latin typeface="+mn-lt"/>
+              <a:ea typeface="+mn-ea"/>
+              <a:cs typeface="+mn-cs"/>
+            </a:endParaRPr>
+          </a:p>
+          <a:p>
+            <a:pPr marL="0" marR="0" lvl="0" indent="0" algn="l" defTabSz="914400" rtl="0" eaLnBrk="1" fontAlgn="auto" latinLnBrk="0" hangingPunct="1">
+              <a:lnSpc>
+                <a:spcPct val="100000"/>
+              </a:lnSpc>
+              <a:spcBef>
+                <a:spcPts val="0"/>
+              </a:spcBef>
+              <a:spcAft>
+                <a:spcPts val="0"/>
+              </a:spcAft>
+              <a:buClrTx/>
+              <a:buSzTx/>
+              <a:buFontTx/>
+              <a:buNone/>
+              <a:tabLst/>
+              <a:defRPr/>
+            </a:pPr>
+            <a:r>
+              <a:rPr lang="en-CA" sz="1200" kern="1200" dirty="0">
+                <a:solidFill>
+                  <a:schemeClr val="tx1"/>
+                </a:solidFill>
+                <a:effectLst/>
+                <a:latin typeface="+mn-lt"/>
+                <a:ea typeface="+mn-ea"/>
+                <a:cs typeface="+mn-cs"/>
+              </a:rPr>
+              <a:t>Therefore, we conclude that longitude and collection day of year are the best explanatory variables (tested in this statistical exercise) that describe the variation in herring size consumed by Chinook Salmon in the Salish Sea in 2018.</a:t>
+            </a:r>
+          </a:p>
+          <a:p>
+            <a:endParaRPr lang="en-US" dirty="0"/>
+          </a:p>
+        </p:txBody>
+      </p:sp>
+      <p:sp>
+        <p:nvSpPr>
+          <p:cNvPr id="4" name="Slide Number Placeholder 3"/>
+          <p:cNvSpPr>
+            <a:spLocks noGrp="1"/>
+          </p:cNvSpPr>
+          <p:nvPr>
+            <p:ph type="sldNum" sz="quarter" idx="5"/>
+          </p:nvPr>
+        </p:nvSpPr>
+        <p:spPr/>
+        <p:txBody>
+          <a:bodyPr/>
+          <a:lstStyle/>
+          <a:p>
+            <a:fld id="{0B1207EC-944A-E74D-8503-F6C3FC26F6F0}" type="slidenum">
+              <a:rPr lang="en-US" smtClean="0"/>
+              <a:t>7</a:t>
+            </a:fld>
+            <a:endParaRPr lang="en-US"/>
+          </a:p>
+        </p:txBody>
+      </p:sp>
+    </p:spTree>
+    <p:extLst>
+      <p:ext uri="{BB962C8B-B14F-4D97-AF65-F5344CB8AC3E}">
+        <p14:creationId xmlns:p14="http://schemas.microsoft.com/office/powerpoint/2010/main" val="509343708"/>
+      </p:ext>
+    </p:extLst>
+  </p:cSld>
+  <p:clrMapOvr>
+    <a:masterClrMapping/>
+  </p:clrMapOvr>
+</p:notes>
+</file>
+
+<file path=ppt/notesSlides/notesSlide8.xml><?xml version="1.0" encoding="utf-8"?>
+<p:notes xmlns:a="http://schemas.openxmlformats.org/drawingml/2006/main" xmlns:r="http://schemas.openxmlformats.org/officeDocument/2006/relationships" xmlns:p="http://schemas.openxmlformats.org/presentationml/2006/main">
+  <p:cSld>
+    <p:spTree>
+      <p:nvGrpSpPr>
+        <p:cNvPr id="1" name=""/>
+        <p:cNvGrpSpPr/>
+        <p:nvPr/>
+      </p:nvGrpSpPr>
+      <p:grpSpPr>
+        <a:xfrm>
+          <a:off x="0" y="0"/>
+          <a:ext cx="0" cy="0"/>
+          <a:chOff x="0" y="0"/>
+          <a:chExt cx="0" cy="0"/>
+        </a:xfrm>
+      </p:grpSpPr>
+      <p:sp>
+        <p:nvSpPr>
+          <p:cNvPr id="2" name="Slide Image Placeholder 1"/>
+          <p:cNvSpPr>
+            <a:spLocks noGrp="1" noRot="1" noChangeAspect="1"/>
+          </p:cNvSpPr>
+          <p:nvPr>
+            <p:ph type="sldImg"/>
+          </p:nvPr>
+        </p:nvSpPr>
+        <p:spPr/>
+      </p:sp>
+      <p:sp>
+        <p:nvSpPr>
+          <p:cNvPr id="3" name="Notes Placeholder 2"/>
+          <p:cNvSpPr>
+            <a:spLocks noGrp="1"/>
+          </p:cNvSpPr>
+          <p:nvPr>
+            <p:ph type="body" idx="1"/>
+          </p:nvPr>
+        </p:nvSpPr>
+        <p:spPr/>
+        <p:txBody>
+          <a:bodyPr/>
+          <a:lstStyle/>
+          <a:p>
+            <a:pPr marL="0" marR="0" lvl="0" indent="0" algn="l" defTabSz="914400" rtl="0" eaLnBrk="1" fontAlgn="auto" latinLnBrk="0" hangingPunct="1">
+              <a:lnSpc>
+                <a:spcPct val="100000"/>
+              </a:lnSpc>
+              <a:spcBef>
+                <a:spcPts val="0"/>
+              </a:spcBef>
+              <a:spcAft>
+                <a:spcPts val="0"/>
+              </a:spcAft>
+              <a:buClrTx/>
+              <a:buSzTx/>
+              <a:buFontTx/>
+              <a:buNone/>
+              <a:tabLst/>
+              <a:defRPr/>
+            </a:pPr>
+            <a:r>
+              <a:rPr lang="en-CA" sz="1200" kern="1200" dirty="0">
+                <a:solidFill>
+                  <a:schemeClr val="tx1"/>
+                </a:solidFill>
+                <a:effectLst/>
+                <a:latin typeface="+mn-lt"/>
+                <a:ea typeface="+mn-ea"/>
+                <a:cs typeface="+mn-cs"/>
+              </a:rPr>
+              <a:t>Both models overpredict otolith width between longitude -124.0 to -125.0.</a:t>
+            </a:r>
+          </a:p>
+          <a:p>
+            <a:pPr marL="0" marR="0" lvl="0" indent="0" algn="l" defTabSz="914400" rtl="0" eaLnBrk="1" fontAlgn="auto" latinLnBrk="0" hangingPunct="1">
+              <a:lnSpc>
+                <a:spcPct val="100000"/>
+              </a:lnSpc>
+              <a:spcBef>
+                <a:spcPts val="0"/>
+              </a:spcBef>
+              <a:spcAft>
+                <a:spcPts val="0"/>
+              </a:spcAft>
+              <a:buClrTx/>
+              <a:buSzTx/>
+              <a:buFontTx/>
+              <a:buNone/>
+              <a:tabLst/>
+              <a:defRPr/>
+            </a:pPr>
+            <a:endParaRPr lang="en-CA" sz="1200" kern="1200" dirty="0">
+              <a:solidFill>
+                <a:schemeClr val="tx1"/>
+              </a:solidFill>
+              <a:effectLst/>
+              <a:latin typeface="+mn-lt"/>
+              <a:ea typeface="+mn-ea"/>
+              <a:cs typeface="+mn-cs"/>
+            </a:endParaRPr>
+          </a:p>
+          <a:p>
+            <a:pPr marL="0" marR="0" lvl="0" indent="0" algn="l" defTabSz="914400" rtl="0" eaLnBrk="1" fontAlgn="auto" latinLnBrk="0" hangingPunct="1">
+              <a:lnSpc>
+                <a:spcPct val="100000"/>
+              </a:lnSpc>
+              <a:spcBef>
+                <a:spcPts val="0"/>
+              </a:spcBef>
+              <a:spcAft>
+                <a:spcPts val="0"/>
+              </a:spcAft>
+              <a:buClrTx/>
+              <a:buSzTx/>
+              <a:buFontTx/>
+              <a:buNone/>
+              <a:tabLst/>
+              <a:defRPr/>
+            </a:pPr>
+            <a:r>
+              <a:rPr lang="en-CA" sz="1200" kern="1200" dirty="0">
+                <a:solidFill>
+                  <a:schemeClr val="tx1"/>
+                </a:solidFill>
+                <a:effectLst/>
+                <a:latin typeface="+mn-lt"/>
+                <a:ea typeface="+mn-ea"/>
+                <a:cs typeface="+mn-cs"/>
+              </a:rPr>
+              <a:t>Both model overpredict otolith width between 0 to 50 days and underpredict otolith width between 125 to 175 days.</a:t>
+            </a:r>
+          </a:p>
+          <a:p>
+            <a:pPr marL="0" marR="0" lvl="0" indent="0" algn="l" defTabSz="914400" rtl="0" eaLnBrk="1" fontAlgn="auto" latinLnBrk="0" hangingPunct="1">
+              <a:lnSpc>
+                <a:spcPct val="100000"/>
+              </a:lnSpc>
+              <a:spcBef>
+                <a:spcPts val="0"/>
+              </a:spcBef>
+              <a:spcAft>
+                <a:spcPts val="0"/>
+              </a:spcAft>
+              <a:buClrTx/>
+              <a:buSzTx/>
+              <a:buFontTx/>
+              <a:buNone/>
+              <a:tabLst/>
+              <a:defRPr/>
+            </a:pPr>
+            <a:endParaRPr lang="en-CA" sz="1200" kern="1200" dirty="0">
+              <a:solidFill>
+                <a:schemeClr val="tx1"/>
+              </a:solidFill>
+              <a:effectLst/>
+              <a:latin typeface="+mn-lt"/>
+              <a:ea typeface="+mn-ea"/>
+              <a:cs typeface="+mn-cs"/>
+            </a:endParaRPr>
+          </a:p>
+          <a:p>
+            <a:pPr marL="0" marR="0" lvl="0" indent="0" algn="l" defTabSz="914400" rtl="0" eaLnBrk="1" fontAlgn="auto" latinLnBrk="0" hangingPunct="1">
+              <a:lnSpc>
+                <a:spcPct val="100000"/>
+              </a:lnSpc>
+              <a:spcBef>
+                <a:spcPts val="0"/>
+              </a:spcBef>
+              <a:spcAft>
+                <a:spcPts val="0"/>
+              </a:spcAft>
+              <a:buClrTx/>
+              <a:buSzTx/>
+              <a:buFontTx/>
+              <a:buNone/>
+              <a:tabLst/>
+              <a:defRPr/>
+            </a:pPr>
+            <a:r>
+              <a:rPr lang="en-CA" sz="1200" kern="1200" dirty="0">
+                <a:solidFill>
+                  <a:schemeClr val="tx1"/>
+                </a:solidFill>
+                <a:effectLst/>
+                <a:latin typeface="+mn-lt"/>
+                <a:ea typeface="+mn-ea"/>
+                <a:cs typeface="+mn-cs"/>
+              </a:rPr>
+              <a:t>Model 11 overpredicts for salmon between 40 cm to 60 cm.</a:t>
+            </a:r>
+          </a:p>
+          <a:p>
+            <a:pPr marL="0" marR="0" lvl="0" indent="0" algn="l" defTabSz="914400" rtl="0" eaLnBrk="1" fontAlgn="auto" latinLnBrk="0" hangingPunct="1">
+              <a:lnSpc>
+                <a:spcPct val="100000"/>
+              </a:lnSpc>
+              <a:spcBef>
+                <a:spcPts val="0"/>
+              </a:spcBef>
+              <a:spcAft>
+                <a:spcPts val="0"/>
+              </a:spcAft>
+              <a:buClrTx/>
+              <a:buSzTx/>
+              <a:buFontTx/>
+              <a:buNone/>
+              <a:tabLst/>
+              <a:defRPr/>
+            </a:pPr>
+            <a:endParaRPr lang="en-CA" sz="1200" kern="1200" dirty="0">
+              <a:solidFill>
+                <a:schemeClr val="tx1"/>
+              </a:solidFill>
+              <a:effectLst/>
+              <a:latin typeface="+mn-lt"/>
+              <a:ea typeface="+mn-ea"/>
+              <a:cs typeface="+mn-cs"/>
+            </a:endParaRPr>
+          </a:p>
+          <a:p>
+            <a:pPr marL="0" marR="0" lvl="0" indent="0" algn="l" defTabSz="914400" rtl="0" eaLnBrk="1" fontAlgn="auto" latinLnBrk="0" hangingPunct="1">
+              <a:lnSpc>
+                <a:spcPct val="100000"/>
+              </a:lnSpc>
+              <a:spcBef>
+                <a:spcPts val="0"/>
+              </a:spcBef>
+              <a:spcAft>
+                <a:spcPts val="0"/>
+              </a:spcAft>
+              <a:buClrTx/>
+              <a:buSzTx/>
+              <a:buFontTx/>
+              <a:buNone/>
+              <a:tabLst/>
+              <a:defRPr/>
+            </a:pPr>
+            <a:r>
+              <a:rPr lang="en-CA" sz="1200" kern="1200" dirty="0">
+                <a:solidFill>
+                  <a:schemeClr val="tx1"/>
+                </a:solidFill>
+                <a:effectLst/>
+                <a:latin typeface="+mn-lt"/>
+                <a:ea typeface="+mn-ea"/>
+                <a:cs typeface="+mn-cs"/>
+              </a:rPr>
+              <a:t>Overall, Model 11 and 6 does not fit the data well and residual plots suggest that there are violations of linear model assumptions.</a:t>
+            </a:r>
+            <a:endParaRPr lang="en-US" dirty="0"/>
+          </a:p>
+          <a:p>
+            <a:pPr marL="0" marR="0" lvl="0" indent="0" algn="l" defTabSz="914400" rtl="0" eaLnBrk="1" fontAlgn="auto" latinLnBrk="0" hangingPunct="1">
+              <a:lnSpc>
+                <a:spcPct val="100000"/>
+              </a:lnSpc>
+              <a:spcBef>
+                <a:spcPts val="0"/>
+              </a:spcBef>
+              <a:spcAft>
+                <a:spcPts val="0"/>
+              </a:spcAft>
+              <a:buClrTx/>
+              <a:buSzTx/>
+              <a:buFontTx/>
+              <a:buNone/>
+              <a:tabLst/>
+              <a:defRPr/>
+            </a:pPr>
+            <a:endParaRPr lang="en-CA" sz="1200" kern="1200" dirty="0">
+              <a:solidFill>
+                <a:schemeClr val="tx1"/>
+              </a:solidFill>
+              <a:effectLst/>
+              <a:latin typeface="+mn-lt"/>
+              <a:ea typeface="+mn-ea"/>
+              <a:cs typeface="+mn-cs"/>
+            </a:endParaRPr>
+          </a:p>
+          <a:p>
+            <a:endParaRPr lang="en-US" dirty="0"/>
+          </a:p>
+        </p:txBody>
+      </p:sp>
+      <p:sp>
+        <p:nvSpPr>
+          <p:cNvPr id="4" name="Slide Number Placeholder 3"/>
+          <p:cNvSpPr>
+            <a:spLocks noGrp="1"/>
+          </p:cNvSpPr>
+          <p:nvPr>
+            <p:ph type="sldNum" sz="quarter" idx="5"/>
+          </p:nvPr>
+        </p:nvSpPr>
+        <p:spPr/>
+        <p:txBody>
+          <a:bodyPr/>
+          <a:lstStyle/>
+          <a:p>
+            <a:fld id="{0B1207EC-944A-E74D-8503-F6C3FC26F6F0}" type="slidenum">
+              <a:rPr lang="en-US" smtClean="0"/>
+              <a:t>8</a:t>
+            </a:fld>
+            <a:endParaRPr lang="en-US"/>
+          </a:p>
+        </p:txBody>
+      </p:sp>
+    </p:spTree>
+    <p:extLst>
+      <p:ext uri="{BB962C8B-B14F-4D97-AF65-F5344CB8AC3E}">
+        <p14:creationId xmlns:p14="http://schemas.microsoft.com/office/powerpoint/2010/main" val="602934730"/>
+      </p:ext>
+    </p:extLst>
+  </p:cSld>
+  <p:clrMapOvr>
+    <a:masterClrMapping/>
+  </p:clrMapOvr>
+</p:notes>
+</file>
+
+<file path=ppt/notesSlides/notesSlide9.xml><?xml version="1.0" encoding="utf-8"?>
+<p:notes xmlns:a="http://schemas.openxmlformats.org/drawingml/2006/main" xmlns:r="http://schemas.openxmlformats.org/officeDocument/2006/relationships" xmlns:p="http://schemas.openxmlformats.org/presentationml/2006/main">
+  <p:cSld>
+    <p:spTree>
+      <p:nvGrpSpPr>
+        <p:cNvPr id="1" name=""/>
+        <p:cNvGrpSpPr/>
+        <p:nvPr/>
+      </p:nvGrpSpPr>
+      <p:grpSpPr>
+        <a:xfrm>
+          <a:off x="0" y="0"/>
+          <a:ext cx="0" cy="0"/>
+          <a:chOff x="0" y="0"/>
+          <a:chExt cx="0" cy="0"/>
+        </a:xfrm>
+      </p:grpSpPr>
+      <p:sp>
+        <p:nvSpPr>
+          <p:cNvPr id="2" name="Slide Image Placeholder 1"/>
+          <p:cNvSpPr>
+            <a:spLocks noGrp="1" noRot="1" noChangeAspect="1"/>
+          </p:cNvSpPr>
+          <p:nvPr>
+            <p:ph type="sldImg"/>
+          </p:nvPr>
+        </p:nvSpPr>
+        <p:spPr/>
+      </p:sp>
+      <p:sp>
+        <p:nvSpPr>
+          <p:cNvPr id="3" name="Notes Placeholder 2"/>
+          <p:cNvSpPr>
+            <a:spLocks noGrp="1"/>
+          </p:cNvSpPr>
+          <p:nvPr>
+            <p:ph type="body" idx="1"/>
+          </p:nvPr>
+        </p:nvSpPr>
+        <p:spPr/>
+        <p:txBody>
+          <a:bodyPr/>
+          <a:lstStyle/>
+          <a:p>
+            <a:pPr marL="0" marR="0" lvl="0" indent="0" algn="l" defTabSz="914400" rtl="0" eaLnBrk="1" fontAlgn="auto" latinLnBrk="0" hangingPunct="1">
+              <a:lnSpc>
+                <a:spcPct val="100000"/>
+              </a:lnSpc>
+              <a:spcBef>
+                <a:spcPts val="0"/>
+              </a:spcBef>
+              <a:spcAft>
+                <a:spcPts val="0"/>
+              </a:spcAft>
+              <a:buClrTx/>
+              <a:buSzTx/>
+              <a:buFontTx/>
+              <a:buNone/>
+              <a:tabLst/>
+              <a:defRPr/>
+            </a:pPr>
+            <a:r>
+              <a:rPr lang="en-CA" sz="1200" kern="1200" dirty="0">
+                <a:solidFill>
+                  <a:schemeClr val="tx1"/>
+                </a:solidFill>
+                <a:effectLst/>
+                <a:latin typeface="+mn-lt"/>
+                <a:ea typeface="+mn-ea"/>
+                <a:cs typeface="+mn-cs"/>
+              </a:rPr>
+              <a:t>The limitations of these models are that longitude is not necessarily capturing east-west patterns from shallow to deep water, but rather the spatial size distribution of herring in westerly regions near Comox Valley and easterly regions near San Juan Islands.</a:t>
+            </a:r>
+          </a:p>
+          <a:p>
+            <a:pPr marL="0" marR="0" lvl="0" indent="0" algn="l" defTabSz="914400" rtl="0" eaLnBrk="1" fontAlgn="auto" latinLnBrk="0" hangingPunct="1">
+              <a:lnSpc>
+                <a:spcPct val="100000"/>
+              </a:lnSpc>
+              <a:spcBef>
+                <a:spcPts val="0"/>
+              </a:spcBef>
+              <a:spcAft>
+                <a:spcPts val="0"/>
+              </a:spcAft>
+              <a:buClrTx/>
+              <a:buSzTx/>
+              <a:buFontTx/>
+              <a:buNone/>
+              <a:tabLst/>
+              <a:defRPr/>
+            </a:pPr>
+            <a:r>
+              <a:rPr lang="en-CA" sz="1200" kern="1200" dirty="0">
+                <a:solidFill>
+                  <a:schemeClr val="tx1"/>
+                </a:solidFill>
+                <a:effectLst/>
+                <a:latin typeface="+mn-lt"/>
+                <a:ea typeface="+mn-ea"/>
+                <a:cs typeface="+mn-cs"/>
+              </a:rPr>
+              <a:t>If we model capture location as a categorical variable instead of a continuous longitude, this will allow us to interpret regional patterns better.</a:t>
+            </a:r>
+          </a:p>
+          <a:p>
+            <a:pPr marL="0" marR="0" lvl="0" indent="0" algn="l" defTabSz="914400" rtl="0" eaLnBrk="1" fontAlgn="auto" latinLnBrk="0" hangingPunct="1">
+              <a:lnSpc>
+                <a:spcPct val="100000"/>
+              </a:lnSpc>
+              <a:spcBef>
+                <a:spcPts val="0"/>
+              </a:spcBef>
+              <a:spcAft>
+                <a:spcPts val="0"/>
+              </a:spcAft>
+              <a:buClrTx/>
+              <a:buSzTx/>
+              <a:buFontTx/>
+              <a:buNone/>
+              <a:tabLst/>
+              <a:defRPr/>
+            </a:pPr>
+            <a:endParaRPr lang="en-CA" sz="1200" kern="1200" dirty="0">
+              <a:solidFill>
+                <a:schemeClr val="tx1"/>
+              </a:solidFill>
+              <a:effectLst/>
+              <a:latin typeface="+mn-lt"/>
+              <a:ea typeface="+mn-ea"/>
+              <a:cs typeface="+mn-cs"/>
+            </a:endParaRPr>
+          </a:p>
+          <a:p>
+            <a:pPr marL="0" marR="0" lvl="0" indent="0" algn="l" defTabSz="914400" rtl="0" eaLnBrk="1" fontAlgn="auto" latinLnBrk="0" hangingPunct="1">
+              <a:lnSpc>
+                <a:spcPct val="100000"/>
+              </a:lnSpc>
+              <a:spcBef>
+                <a:spcPts val="0"/>
+              </a:spcBef>
+              <a:spcAft>
+                <a:spcPts val="0"/>
+              </a:spcAft>
+              <a:buClrTx/>
+              <a:buSzTx/>
+              <a:buFontTx/>
+              <a:buNone/>
+              <a:tabLst/>
+              <a:defRPr/>
+            </a:pPr>
+            <a:r>
+              <a:rPr lang="en-CA" sz="1200" kern="1200" dirty="0">
+                <a:solidFill>
+                  <a:schemeClr val="tx1"/>
+                </a:solidFill>
+                <a:effectLst/>
+                <a:latin typeface="+mn-lt"/>
+                <a:ea typeface="+mn-ea"/>
+                <a:cs typeface="+mn-cs"/>
+              </a:rPr>
+              <a:t>Another limitation is that otolith width versus collection day may represent two or more herring age classes that are available to salmon.</a:t>
+            </a:r>
+          </a:p>
+          <a:p>
+            <a:pPr marL="0" marR="0" lvl="0" indent="0" algn="l" defTabSz="914400" rtl="0" eaLnBrk="1" fontAlgn="auto" latinLnBrk="0" hangingPunct="1">
+              <a:lnSpc>
+                <a:spcPct val="100000"/>
+              </a:lnSpc>
+              <a:spcBef>
+                <a:spcPts val="0"/>
+              </a:spcBef>
+              <a:spcAft>
+                <a:spcPts val="0"/>
+              </a:spcAft>
+              <a:buClrTx/>
+              <a:buSzTx/>
+              <a:buFontTx/>
+              <a:buNone/>
+              <a:tabLst/>
+              <a:defRPr/>
+            </a:pPr>
+            <a:r>
+              <a:rPr lang="en-CA" sz="1200" kern="1200" dirty="0">
+                <a:solidFill>
+                  <a:schemeClr val="tx1"/>
+                </a:solidFill>
+                <a:effectLst/>
+                <a:latin typeface="+mn-lt"/>
+                <a:ea typeface="+mn-ea"/>
+                <a:cs typeface="+mn-cs"/>
+              </a:rPr>
+              <a:t>If we model these age classes separately, we may see that a different set of factors are better for explaining variation in otolith width/herring size.</a:t>
+            </a:r>
+          </a:p>
+          <a:p>
+            <a:pPr marL="0" marR="0" lvl="0" indent="0" algn="l" defTabSz="914400" rtl="0" eaLnBrk="1" fontAlgn="auto" latinLnBrk="0" hangingPunct="1">
+              <a:lnSpc>
+                <a:spcPct val="100000"/>
+              </a:lnSpc>
+              <a:spcBef>
+                <a:spcPts val="0"/>
+              </a:spcBef>
+              <a:spcAft>
+                <a:spcPts val="0"/>
+              </a:spcAft>
+              <a:buClrTx/>
+              <a:buSzTx/>
+              <a:buFontTx/>
+              <a:buNone/>
+              <a:tabLst/>
+              <a:defRPr/>
+            </a:pPr>
+            <a:r>
+              <a:rPr lang="en-CA" sz="1200" kern="1200" dirty="0">
+                <a:solidFill>
+                  <a:schemeClr val="tx1"/>
+                </a:solidFill>
+                <a:effectLst/>
+                <a:latin typeface="+mn-lt"/>
+                <a:ea typeface="+mn-ea"/>
+                <a:cs typeface="+mn-cs"/>
+              </a:rPr>
+              <a:t>Alternatively, we could model herring size as a quadratic relationship.</a:t>
+            </a:r>
+          </a:p>
+          <a:p>
+            <a:pPr marL="0" marR="0" lvl="0" indent="0" algn="l" defTabSz="914400" rtl="0" eaLnBrk="1" fontAlgn="auto" latinLnBrk="0" hangingPunct="1">
+              <a:lnSpc>
+                <a:spcPct val="100000"/>
+              </a:lnSpc>
+              <a:spcBef>
+                <a:spcPts val="0"/>
+              </a:spcBef>
+              <a:spcAft>
+                <a:spcPts val="0"/>
+              </a:spcAft>
+              <a:buClrTx/>
+              <a:buSzTx/>
+              <a:buFontTx/>
+              <a:buNone/>
+              <a:tabLst/>
+              <a:defRPr/>
+            </a:pPr>
+            <a:endParaRPr lang="en-CA" sz="1200" kern="1200" dirty="0">
+              <a:solidFill>
+                <a:schemeClr val="tx1"/>
+              </a:solidFill>
+              <a:effectLst/>
+              <a:latin typeface="+mn-lt"/>
+              <a:ea typeface="+mn-ea"/>
+              <a:cs typeface="+mn-cs"/>
+            </a:endParaRPr>
+          </a:p>
+          <a:p>
+            <a:pPr marL="0" marR="0" lvl="0" indent="0" algn="l" defTabSz="914400" rtl="0" eaLnBrk="1" fontAlgn="auto" latinLnBrk="0" hangingPunct="1">
+              <a:lnSpc>
+                <a:spcPct val="100000"/>
+              </a:lnSpc>
+              <a:spcBef>
+                <a:spcPts val="0"/>
+              </a:spcBef>
+              <a:spcAft>
+                <a:spcPts val="0"/>
+              </a:spcAft>
+              <a:buClrTx/>
+              <a:buSzTx/>
+              <a:buFontTx/>
+              <a:buNone/>
+              <a:tabLst/>
+              <a:defRPr/>
+            </a:pPr>
+            <a:r>
+              <a:rPr lang="en-CA" sz="1200" kern="1200" dirty="0">
+                <a:solidFill>
+                  <a:schemeClr val="tx1"/>
+                </a:solidFill>
+                <a:effectLst/>
+                <a:latin typeface="+mn-lt"/>
+                <a:ea typeface="+mn-ea"/>
+                <a:cs typeface="+mn-cs"/>
+              </a:rPr>
+              <a:t>A third limitation is that otolith width versus salmon length shows few salmon below 62cm in addition to  model overprediction in this range. This could be due to gape limitation or size restrictions &gt;62cm for recreational catch.</a:t>
+            </a:r>
+          </a:p>
+          <a:p>
+            <a:pPr marL="0" marR="0" lvl="0" indent="0" algn="l" defTabSz="914400" rtl="0" eaLnBrk="1" fontAlgn="auto" latinLnBrk="0" hangingPunct="1">
+              <a:lnSpc>
+                <a:spcPct val="100000"/>
+              </a:lnSpc>
+              <a:spcBef>
+                <a:spcPts val="0"/>
+              </a:spcBef>
+              <a:spcAft>
+                <a:spcPts val="0"/>
+              </a:spcAft>
+              <a:buClrTx/>
+              <a:buSzTx/>
+              <a:buFontTx/>
+              <a:buNone/>
+              <a:tabLst/>
+              <a:defRPr/>
+            </a:pPr>
+            <a:r>
+              <a:rPr lang="en-CA" sz="1200" kern="1200" dirty="0">
+                <a:solidFill>
+                  <a:schemeClr val="tx1"/>
+                </a:solidFill>
+                <a:effectLst/>
+                <a:latin typeface="+mn-lt"/>
+                <a:ea typeface="+mn-ea"/>
+                <a:cs typeface="+mn-cs"/>
+              </a:rPr>
+              <a:t>We may want to generate models with and without fish &lt;62cm to determine whether omitting this subset is justified and changes our result.</a:t>
+            </a:r>
+          </a:p>
+          <a:p>
+            <a:endParaRPr lang="en-US" dirty="0"/>
+          </a:p>
+        </p:txBody>
+      </p:sp>
+      <p:sp>
+        <p:nvSpPr>
+          <p:cNvPr id="4" name="Slide Number Placeholder 3"/>
+          <p:cNvSpPr>
+            <a:spLocks noGrp="1"/>
+          </p:cNvSpPr>
+          <p:nvPr>
+            <p:ph type="sldNum" sz="quarter" idx="5"/>
+          </p:nvPr>
+        </p:nvSpPr>
+        <p:spPr/>
+        <p:txBody>
+          <a:bodyPr/>
+          <a:lstStyle/>
+          <a:p>
+            <a:fld id="{0B1207EC-944A-E74D-8503-F6C3FC26F6F0}" type="slidenum">
+              <a:rPr lang="en-US" smtClean="0"/>
+              <a:t>9</a:t>
+            </a:fld>
+            <a:endParaRPr lang="en-US"/>
+          </a:p>
+        </p:txBody>
+      </p:sp>
+    </p:spTree>
+    <p:extLst>
+      <p:ext uri="{BB962C8B-B14F-4D97-AF65-F5344CB8AC3E}">
+        <p14:creationId xmlns:p14="http://schemas.microsoft.com/office/powerpoint/2010/main" val="4046118853"/>
       </p:ext>
     </p:extLst>
   </p:cSld>
@@ -5003,6 +6741,202 @@
 </p:sld>
 </file>
 
+<file path=ppt/slides/slide10.xml><?xml version="1.0" encoding="utf-8"?>
+<p:sld xmlns:a="http://schemas.openxmlformats.org/drawingml/2006/main" xmlns:r="http://schemas.openxmlformats.org/officeDocument/2006/relationships" xmlns:p="http://schemas.openxmlformats.org/presentationml/2006/main">
+  <p:cSld>
+    <p:spTree>
+      <p:nvGrpSpPr>
+        <p:cNvPr id="1" name=""/>
+        <p:cNvGrpSpPr/>
+        <p:nvPr/>
+      </p:nvGrpSpPr>
+      <p:grpSpPr>
+        <a:xfrm>
+          <a:off x="0" y="0"/>
+          <a:ext cx="0" cy="0"/>
+          <a:chOff x="0" y="0"/>
+          <a:chExt cx="0" cy="0"/>
+        </a:xfrm>
+      </p:grpSpPr>
+      <p:sp>
+        <p:nvSpPr>
+          <p:cNvPr id="2" name="Title 1">
+            <a:extLst>
+              <a:ext uri="{FF2B5EF4-FFF2-40B4-BE49-F238E27FC236}">
+                <a16:creationId xmlns:a16="http://schemas.microsoft.com/office/drawing/2014/main" id="{5486FC29-4DE0-2945-8D76-00CE391102A3}"/>
+              </a:ext>
+            </a:extLst>
+          </p:cNvPr>
+          <p:cNvSpPr>
+            <a:spLocks noGrp="1"/>
+          </p:cNvSpPr>
+          <p:nvPr>
+            <p:ph type="title"/>
+          </p:nvPr>
+        </p:nvSpPr>
+        <p:spPr/>
+        <p:txBody>
+          <a:bodyPr/>
+          <a:lstStyle/>
+          <a:p>
+            <a:r>
+              <a:rPr lang="en-US" dirty="0"/>
+              <a:t>Discussion</a:t>
+            </a:r>
+          </a:p>
+        </p:txBody>
+      </p:sp>
+      <p:sp>
+        <p:nvSpPr>
+          <p:cNvPr id="3" name="Content Placeholder 2">
+            <a:extLst>
+              <a:ext uri="{FF2B5EF4-FFF2-40B4-BE49-F238E27FC236}">
+                <a16:creationId xmlns:a16="http://schemas.microsoft.com/office/drawing/2014/main" id="{E5C8EA41-AC53-CD4C-9EA9-0760B2BBB009}"/>
+              </a:ext>
+            </a:extLst>
+          </p:cNvPr>
+          <p:cNvSpPr>
+            <a:spLocks noGrp="1"/>
+          </p:cNvSpPr>
+          <p:nvPr>
+            <p:ph idx="1"/>
+          </p:nvPr>
+        </p:nvSpPr>
+        <p:spPr/>
+        <p:txBody>
+          <a:bodyPr/>
+          <a:lstStyle/>
+          <a:p>
+            <a:r>
+              <a:rPr lang="en-US" dirty="0"/>
+              <a:t>Results in context of existing knowledge</a:t>
+            </a:r>
+          </a:p>
+          <a:p>
+            <a:r>
+              <a:rPr lang="en-US" dirty="0"/>
+              <a:t>Future research questions</a:t>
+            </a:r>
+          </a:p>
+        </p:txBody>
+      </p:sp>
+    </p:spTree>
+    <p:extLst>
+      <p:ext uri="{BB962C8B-B14F-4D97-AF65-F5344CB8AC3E}">
+        <p14:creationId xmlns:p14="http://schemas.microsoft.com/office/powerpoint/2010/main" val="3638490725"/>
+      </p:ext>
+    </p:extLst>
+  </p:cSld>
+  <p:clrMapOvr>
+    <a:masterClrMapping/>
+  </p:clrMapOvr>
+</p:sld>
+</file>
+
+<file path=ppt/slides/slide11.xml><?xml version="1.0" encoding="utf-8"?>
+<p:sld xmlns:a="http://schemas.openxmlformats.org/drawingml/2006/main" xmlns:r="http://schemas.openxmlformats.org/officeDocument/2006/relationships" xmlns:p="http://schemas.openxmlformats.org/presentationml/2006/main">
+  <p:cSld>
+    <p:spTree>
+      <p:nvGrpSpPr>
+        <p:cNvPr id="1" name=""/>
+        <p:cNvGrpSpPr/>
+        <p:nvPr/>
+      </p:nvGrpSpPr>
+      <p:grpSpPr>
+        <a:xfrm>
+          <a:off x="0" y="0"/>
+          <a:ext cx="0" cy="0"/>
+          <a:chOff x="0" y="0"/>
+          <a:chExt cx="0" cy="0"/>
+        </a:xfrm>
+      </p:grpSpPr>
+      <p:sp>
+        <p:nvSpPr>
+          <p:cNvPr id="2" name="Title 1">
+            <a:extLst>
+              <a:ext uri="{FF2B5EF4-FFF2-40B4-BE49-F238E27FC236}">
+                <a16:creationId xmlns:a16="http://schemas.microsoft.com/office/drawing/2014/main" id="{32F013EC-885D-48FC-97AF-EA861EA43DDB}"/>
+              </a:ext>
+            </a:extLst>
+          </p:cNvPr>
+          <p:cNvSpPr>
+            <a:spLocks noGrp="1"/>
+          </p:cNvSpPr>
+          <p:nvPr>
+            <p:ph type="title"/>
+          </p:nvPr>
+        </p:nvSpPr>
+        <p:spPr/>
+        <p:txBody>
+          <a:bodyPr/>
+          <a:lstStyle/>
+          <a:p>
+            <a:r>
+              <a:rPr lang="en-CA" dirty="0"/>
+              <a:t>Checklist</a:t>
+            </a:r>
+          </a:p>
+        </p:txBody>
+      </p:sp>
+      <p:sp>
+        <p:nvSpPr>
+          <p:cNvPr id="3" name="Content Placeholder 2">
+            <a:extLst>
+              <a:ext uri="{FF2B5EF4-FFF2-40B4-BE49-F238E27FC236}">
+                <a16:creationId xmlns:a16="http://schemas.microsoft.com/office/drawing/2014/main" id="{83895A00-7982-4E95-82C2-C49F273FBD45}"/>
+              </a:ext>
+            </a:extLst>
+          </p:cNvPr>
+          <p:cNvSpPr>
+            <a:spLocks noGrp="1"/>
+          </p:cNvSpPr>
+          <p:nvPr>
+            <p:ph idx="1"/>
+          </p:nvPr>
+        </p:nvSpPr>
+        <p:spPr/>
+        <p:txBody>
+          <a:bodyPr/>
+          <a:lstStyle/>
+          <a:p>
+            <a:r>
+              <a:rPr lang="en-CA" dirty="0"/>
+              <a:t>PDF file</a:t>
+            </a:r>
+          </a:p>
+          <a:p>
+            <a:r>
+              <a:rPr lang="en-CA" dirty="0"/>
+              <a:t>10 slides max</a:t>
+            </a:r>
+          </a:p>
+          <a:p>
+            <a:r>
+              <a:rPr lang="en-CA" dirty="0"/>
+              <a:t>2 slides of plots min</a:t>
+            </a:r>
+          </a:p>
+          <a:p>
+            <a:r>
+              <a:rPr lang="en-CA" dirty="0"/>
+              <a:t>Complete sentences</a:t>
+            </a:r>
+          </a:p>
+        </p:txBody>
+      </p:sp>
+    </p:spTree>
+    <p:extLst>
+      <p:ext uri="{BB962C8B-B14F-4D97-AF65-F5344CB8AC3E}">
+        <p14:creationId xmlns:p14="http://schemas.microsoft.com/office/powerpoint/2010/main" val="1894726509"/>
+      </p:ext>
+    </p:extLst>
+  </p:cSld>
+  <p:clrMapOvr>
+    <a:masterClrMapping/>
+  </p:clrMapOvr>
+</p:sld>
+</file>
+
 <file path=ppt/slides/slide2.xml><?xml version="1.0" encoding="utf-8"?>
 <p:sld xmlns:a="http://schemas.openxmlformats.org/drawingml/2006/main" xmlns:r="http://schemas.openxmlformats.org/officeDocument/2006/relationships" xmlns:p="http://schemas.openxmlformats.org/presentationml/2006/main">
   <p:cSld>
@@ -5066,19 +7000,221 @@
         </p:nvSpPr>
         <p:spPr/>
         <p:txBody>
-          <a:bodyPr/>
-          <a:lstStyle/>
-          <a:p>
-            <a:r>
-              <a:rPr lang="en-US" dirty="0"/>
-              <a:t>Research question</a:t>
-            </a:r>
-          </a:p>
-          <a:p>
+          <a:bodyPr>
+            <a:normAutofit fontScale="85000" lnSpcReduction="20000"/>
+          </a:bodyPr>
+          <a:lstStyle/>
+          <a:p>
+            <a:pPr marL="0" lvl="0" indent="0">
+              <a:lnSpc>
+                <a:spcPct val="100000"/>
+              </a:lnSpc>
+              <a:spcBef>
+                <a:spcPts val="0"/>
+              </a:spcBef>
+              <a:buNone/>
+              <a:defRPr/>
+            </a:pPr>
+            <a:r>
+              <a:rPr lang="en-CA" dirty="0"/>
+              <a:t>Research Question</a:t>
+            </a:r>
+          </a:p>
+          <a:p>
+            <a:pPr marL="0" lvl="0" indent="0">
+              <a:lnSpc>
+                <a:spcPct val="100000"/>
+              </a:lnSpc>
+              <a:spcBef>
+                <a:spcPts val="0"/>
+              </a:spcBef>
+              <a:buNone/>
+              <a:defRPr/>
+            </a:pPr>
+            <a:endParaRPr lang="en-CA" dirty="0"/>
+          </a:p>
+          <a:p>
+            <a:pPr marL="0" lvl="0" indent="0">
+              <a:lnSpc>
+                <a:spcPct val="100000"/>
+              </a:lnSpc>
+              <a:spcBef>
+                <a:spcPts val="0"/>
+              </a:spcBef>
+              <a:buNone/>
+              <a:defRPr/>
+            </a:pPr>
+            <a:r>
+              <a:rPr lang="en-CA" dirty="0"/>
+              <a:t>How Chinook size, catch location and time of year in the Salish Sea affect the size of herring prey consumed by Chinook salmon?</a:t>
+            </a:r>
+          </a:p>
+          <a:p>
+            <a:pPr marL="0" lvl="0" indent="0">
+              <a:lnSpc>
+                <a:spcPct val="100000"/>
+              </a:lnSpc>
+              <a:spcBef>
+                <a:spcPts val="0"/>
+              </a:spcBef>
+              <a:buNone/>
+              <a:defRPr/>
+            </a:pPr>
+            <a:endParaRPr lang="en-CA" dirty="0"/>
+          </a:p>
+          <a:p>
+            <a:pPr marL="0" lvl="0" indent="0">
+              <a:lnSpc>
+                <a:spcPct val="100000"/>
+              </a:lnSpc>
+              <a:spcBef>
+                <a:spcPts val="0"/>
+              </a:spcBef>
+              <a:buNone/>
+              <a:defRPr/>
+            </a:pPr>
             <a:r>
               <a:rPr lang="en-US" dirty="0"/>
               <a:t>Hypotheses</a:t>
             </a:r>
+          </a:p>
+          <a:p>
+            <a:pPr marL="0" lvl="0" indent="0">
+              <a:lnSpc>
+                <a:spcPct val="100000"/>
+              </a:lnSpc>
+              <a:spcBef>
+                <a:spcPts val="0"/>
+              </a:spcBef>
+              <a:buNone/>
+              <a:defRPr/>
+            </a:pPr>
+            <a:r>
+              <a:rPr lang="en-US" dirty="0"/>
+              <a:t>Herring size vs. salmon length – positive, linear</a:t>
+            </a:r>
+          </a:p>
+          <a:p>
+            <a:pPr marL="0" lvl="0" indent="0">
+              <a:lnSpc>
+                <a:spcPct val="100000"/>
+              </a:lnSpc>
+              <a:spcBef>
+                <a:spcPts val="0"/>
+              </a:spcBef>
+              <a:buNone/>
+              <a:defRPr/>
+            </a:pPr>
+            <a:r>
+              <a:rPr lang="en-US" dirty="0"/>
+              <a:t>Herring size vs. collection day of year – positive, linear</a:t>
+            </a:r>
+          </a:p>
+          <a:p>
+            <a:pPr marL="0" lvl="0" indent="0">
+              <a:lnSpc>
+                <a:spcPct val="100000"/>
+              </a:lnSpc>
+              <a:spcBef>
+                <a:spcPts val="0"/>
+              </a:spcBef>
+              <a:buNone/>
+              <a:defRPr/>
+            </a:pPr>
+            <a:r>
+              <a:rPr lang="en-US" dirty="0"/>
+              <a:t>Herring size vs. longitude – negative, linear relationship (or nonlinear)</a:t>
+            </a:r>
+          </a:p>
+          <a:p>
+            <a:pPr marL="0" lvl="0" indent="0">
+              <a:lnSpc>
+                <a:spcPct val="100000"/>
+              </a:lnSpc>
+              <a:spcBef>
+                <a:spcPts val="0"/>
+              </a:spcBef>
+              <a:buNone/>
+              <a:defRPr/>
+            </a:pPr>
+            <a:endParaRPr lang="en-US" dirty="0"/>
+          </a:p>
+          <a:p>
+            <a:pPr marL="0" lvl="0" indent="0">
+              <a:lnSpc>
+                <a:spcPct val="100000"/>
+              </a:lnSpc>
+              <a:spcBef>
+                <a:spcPts val="0"/>
+              </a:spcBef>
+              <a:buNone/>
+              <a:defRPr/>
+            </a:pPr>
+            <a:r>
+              <a:rPr lang="en-US" dirty="0"/>
+              <a:t>Interactions</a:t>
+            </a:r>
+          </a:p>
+          <a:p>
+            <a:pPr marL="0" lvl="0" indent="0">
+              <a:lnSpc>
+                <a:spcPct val="100000"/>
+              </a:lnSpc>
+              <a:spcBef>
+                <a:spcPts val="0"/>
+              </a:spcBef>
+              <a:buNone/>
+              <a:defRPr/>
+            </a:pPr>
+            <a:r>
+              <a:rPr lang="en-US" dirty="0"/>
+              <a:t>Salmon length : latitude</a:t>
+            </a:r>
+          </a:p>
+          <a:p>
+            <a:pPr marL="0" lvl="0" indent="0">
+              <a:lnSpc>
+                <a:spcPct val="100000"/>
+              </a:lnSpc>
+              <a:spcBef>
+                <a:spcPts val="0"/>
+              </a:spcBef>
+              <a:buNone/>
+              <a:defRPr/>
+            </a:pPr>
+            <a:r>
+              <a:rPr lang="en-US" dirty="0"/>
+              <a:t>Salmon length : longitude</a:t>
+            </a:r>
+          </a:p>
+          <a:p>
+            <a:pPr marL="0" lvl="0" indent="0">
+              <a:lnSpc>
+                <a:spcPct val="100000"/>
+              </a:lnSpc>
+              <a:spcBef>
+                <a:spcPts val="0"/>
+              </a:spcBef>
+              <a:buNone/>
+              <a:defRPr/>
+            </a:pPr>
+            <a:r>
+              <a:rPr lang="en-US" dirty="0"/>
+              <a:t>Salmon length : collection day of year</a:t>
+            </a:r>
+          </a:p>
+          <a:p>
+            <a:pPr marL="0" lvl="0" indent="0">
+              <a:lnSpc>
+                <a:spcPct val="100000"/>
+              </a:lnSpc>
+              <a:spcBef>
+                <a:spcPts val="0"/>
+              </a:spcBef>
+              <a:buNone/>
+              <a:defRPr/>
+            </a:pPr>
+            <a:endParaRPr lang="en-US" dirty="0"/>
           </a:p>
         </p:txBody>
       </p:sp>
@@ -5167,15 +7303,64 @@
             </a:r>
           </a:p>
           <a:p>
+            <a:pPr lvl="1"/>
+            <a:r>
+              <a:rPr lang="en-US" dirty="0"/>
+              <a:t>Herring otoliths</a:t>
+            </a:r>
+          </a:p>
+          <a:p>
+            <a:pPr lvl="1"/>
+            <a:r>
+              <a:rPr lang="en-US" dirty="0"/>
+              <a:t>Recreationally-caught salmon catch data</a:t>
+            </a:r>
+          </a:p>
+          <a:p>
             <a:r>
               <a:rPr lang="en-US" dirty="0"/>
               <a:t>Response variable</a:t>
             </a:r>
           </a:p>
           <a:p>
+            <a:pPr lvl="1"/>
+            <a:r>
+              <a:rPr lang="en-US" dirty="0"/>
+              <a:t>Otolith width (mm) ~ proxy for herring size</a:t>
+            </a:r>
+          </a:p>
+          <a:p>
             <a:r>
               <a:rPr lang="en-US" dirty="0"/>
               <a:t>Explanatory variables</a:t>
+            </a:r>
+          </a:p>
+          <a:p>
+            <a:pPr lvl="1"/>
+            <a:r>
+              <a:rPr lang="en-US" dirty="0"/>
+              <a:t>Collection day in 2018</a:t>
+            </a:r>
+          </a:p>
+          <a:p>
+            <a:pPr lvl="1"/>
+            <a:r>
+              <a:rPr lang="en-US" dirty="0"/>
+              <a:t>Salmon length (cm)</a:t>
+            </a:r>
+          </a:p>
+          <a:p>
+            <a:pPr lvl="1"/>
+            <a:r>
+              <a:rPr lang="en-US" dirty="0"/>
+              <a:t>Latitude</a:t>
+            </a:r>
+          </a:p>
+          <a:p>
+            <a:pPr lvl="1"/>
+            <a:r>
+              <a:rPr lang="en-US" dirty="0"/>
+              <a:t>Longitude</a:t>
             </a:r>
           </a:p>
           <a:p>
@@ -5259,30 +7444,66 @@
         </p:nvSpPr>
         <p:spPr/>
         <p:txBody>
-          <a:bodyPr/>
-          <a:lstStyle/>
-          <a:p>
+          <a:bodyPr>
+            <a:normAutofit/>
+          </a:bodyPr>
+          <a:lstStyle/>
+          <a:p>
+            <a:pPr marL="0" indent="0">
+              <a:buNone/>
+            </a:pPr>
             <a:r>
               <a:rPr lang="en-US" dirty="0"/>
-              <a:t>What kind of model</a:t>
-            </a:r>
-          </a:p>
-          <a:p>
+              <a:t>1. Linear mixed-effects models fit with maximum likelihood estimation</a:t>
+            </a:r>
+          </a:p>
+          <a:p>
+            <a:pPr lvl="1"/>
             <a:r>
               <a:rPr lang="en-US" dirty="0"/>
-              <a:t>Why</a:t>
-            </a:r>
-          </a:p>
-          <a:p>
+              <a:t>Random intercept corresponding to salmon ID</a:t>
+            </a:r>
+          </a:p>
+          <a:p>
+            <a:pPr marL="0" indent="0">
+              <a:buNone/>
+            </a:pPr>
             <a:r>
               <a:rPr lang="en-US" dirty="0"/>
-              <a:t>Probability distribution for response</a:t>
-            </a:r>
+              <a:t>2. Akaike Information Criterion (AIC)</a:t>
+            </a:r>
+          </a:p>
+          <a:p>
+            <a:pPr marL="0" indent="0">
+              <a:buNone/>
+            </a:pPr>
+            <a:endParaRPr lang="en-US" dirty="0"/>
           </a:p>
           <a:p>
             <a:r>
               <a:rPr lang="en-US" dirty="0"/>
-              <a:t>Random effects and non-independence</a:t>
+              <a:t>Advantages of LME followed by AIC?</a:t>
+            </a:r>
+          </a:p>
+          <a:p>
+            <a:pPr lvl="1"/>
+            <a:r>
+              <a:rPr lang="en-US" dirty="0"/>
+              <a:t>Response normally distributed</a:t>
+            </a:r>
+          </a:p>
+          <a:p>
+            <a:pPr lvl="1"/>
+            <a:r>
+              <a:rPr lang="en-US" dirty="0"/>
+              <a:t>Compare complex, non-nested models</a:t>
+            </a:r>
+          </a:p>
+          <a:p>
+            <a:pPr lvl="1"/>
+            <a:r>
+              <a:rPr lang="en-US" dirty="0"/>
+              <a:t>Common in ecosystem studies where parameter estimates imprecise</a:t>
             </a:r>
           </a:p>
         </p:txBody>
@@ -5322,7 +7543,7 @@
           <p:cNvPr id="2" name="Title 1">
             <a:extLst>
               <a:ext uri="{FF2B5EF4-FFF2-40B4-BE49-F238E27FC236}">
-                <a16:creationId xmlns:a16="http://schemas.microsoft.com/office/drawing/2014/main" id="{3AAFA8B7-F65A-4144-B8CA-2814837B984F}"/>
+                <a16:creationId xmlns:a16="http://schemas.microsoft.com/office/drawing/2014/main" id="{EF9D9C9C-61A5-0B40-9553-BFB149B7ABC2}"/>
               </a:ext>
             </a:extLst>
           </p:cNvPr>
@@ -5340,7 +7561,7 @@
           <a:p>
             <a:r>
               <a:rPr lang="en-US" dirty="0"/>
-              <a:t>Results</a:t>
+              <a:t>AIC results</a:t>
             </a:r>
           </a:p>
         </p:txBody>
@@ -5350,7 +7571,7 @@
           <p:cNvPr id="3" name="Content Placeholder 2">
             <a:extLst>
               <a:ext uri="{FF2B5EF4-FFF2-40B4-BE49-F238E27FC236}">
-                <a16:creationId xmlns:a16="http://schemas.microsoft.com/office/drawing/2014/main" id="{EF9DCC9C-FAF5-CB4C-830C-27537C7ECA6F}"/>
+                <a16:creationId xmlns:a16="http://schemas.microsoft.com/office/drawing/2014/main" id="{4B5E2422-6BD1-E844-82B3-39DAACD2E1B2}"/>
               </a:ext>
             </a:extLst>
           </p:cNvPr>
@@ -5366,9 +7587,12 @@
           <a:bodyPr/>
           <a:lstStyle/>
           <a:p>
+            <a:pPr marL="0" indent="0">
+              <a:buNone/>
+            </a:pPr>
             <a:r>
               <a:rPr lang="en-US" dirty="0"/>
-              <a:t>Plot “response relative to explanatory with model”</a:t>
+              <a:t>Model 11 - </a:t>
             </a:r>
           </a:p>
         </p:txBody>
@@ -5376,7 +7600,7 @@
     </p:spTree>
     <p:extLst>
       <p:ext uri="{BB962C8B-B14F-4D97-AF65-F5344CB8AC3E}">
-        <p14:creationId xmlns:p14="http://schemas.microsoft.com/office/powerpoint/2010/main" val="2154362521"/>
+        <p14:creationId xmlns:p14="http://schemas.microsoft.com/office/powerpoint/2010/main" val="1698314766"/>
       </p:ext>
     </p:extLst>
   </p:cSld>
@@ -5426,7 +7650,7 @@
           <a:p>
             <a:r>
               <a:rPr lang="en-US" dirty="0"/>
-              <a:t>Results</a:t>
+              <a:t>Coefficients plot</a:t>
             </a:r>
           </a:p>
         </p:txBody>
@@ -5454,7 +7678,13 @@
           <a:p>
             <a:r>
               <a:rPr lang="en-US" dirty="0"/>
-              <a:t>In the context of results and hypotheses</a:t>
+              <a:t>Model 11</a:t>
+            </a:r>
+          </a:p>
+          <a:p>
+            <a:r>
+              <a:rPr lang="en-US" dirty="0"/>
+              <a:t>Model 6</a:t>
             </a:r>
           </a:p>
         </p:txBody>
@@ -5462,7 +7692,7 @@
     </p:spTree>
     <p:extLst>
       <p:ext uri="{BB962C8B-B14F-4D97-AF65-F5344CB8AC3E}">
-        <p14:creationId xmlns:p14="http://schemas.microsoft.com/office/powerpoint/2010/main" val="1633210933"/>
+        <p14:creationId xmlns:p14="http://schemas.microsoft.com/office/powerpoint/2010/main" val="2154362521"/>
       </p:ext>
     </p:extLst>
   </p:cSld>
@@ -5494,7 +7724,7 @@
           <p:cNvPr id="2" name="Title 1">
             <a:extLst>
               <a:ext uri="{FF2B5EF4-FFF2-40B4-BE49-F238E27FC236}">
-                <a16:creationId xmlns:a16="http://schemas.microsoft.com/office/drawing/2014/main" id="{5486FC29-4DE0-2945-8D76-00CE391102A3}"/>
+                <a16:creationId xmlns:a16="http://schemas.microsoft.com/office/drawing/2014/main" id="{3AAFA8B7-F65A-4144-B8CA-2814837B984F}"/>
               </a:ext>
             </a:extLst>
           </p:cNvPr>
@@ -5512,7 +7742,7 @@
           <a:p>
             <a:r>
               <a:rPr lang="en-US" dirty="0"/>
-              <a:t>Discussion</a:t>
+              <a:t>Results</a:t>
             </a:r>
           </a:p>
         </p:txBody>
@@ -5522,7 +7752,7 @@
           <p:cNvPr id="3" name="Content Placeholder 2">
             <a:extLst>
               <a:ext uri="{FF2B5EF4-FFF2-40B4-BE49-F238E27FC236}">
-                <a16:creationId xmlns:a16="http://schemas.microsoft.com/office/drawing/2014/main" id="{E5C8EA41-AC53-CD4C-9EA9-0760B2BBB009}"/>
+                <a16:creationId xmlns:a16="http://schemas.microsoft.com/office/drawing/2014/main" id="{EF9DCC9C-FAF5-CB4C-830C-27537C7ECA6F}"/>
               </a:ext>
             </a:extLst>
           </p:cNvPr>
@@ -5540,7 +7770,7 @@
           <a:p>
             <a:r>
               <a:rPr lang="en-US" dirty="0"/>
-              <a:t>Limitations to data analysis approach</a:t>
+              <a:t>In the context of results and hypotheses</a:t>
             </a:r>
           </a:p>
         </p:txBody>
@@ -5548,7 +7778,7 @@
     </p:spTree>
     <p:extLst>
       <p:ext uri="{BB962C8B-B14F-4D97-AF65-F5344CB8AC3E}">
-        <p14:creationId xmlns:p14="http://schemas.microsoft.com/office/powerpoint/2010/main" val="2666073596"/>
+        <p14:creationId xmlns:p14="http://schemas.microsoft.com/office/powerpoint/2010/main" val="1633210933"/>
       </p:ext>
     </p:extLst>
   </p:cSld>
@@ -5580,7 +7810,7 @@
           <p:cNvPr id="2" name="Title 1">
             <a:extLst>
               <a:ext uri="{FF2B5EF4-FFF2-40B4-BE49-F238E27FC236}">
-                <a16:creationId xmlns:a16="http://schemas.microsoft.com/office/drawing/2014/main" id="{5486FC29-4DE0-2945-8D76-00CE391102A3}"/>
+                <a16:creationId xmlns:a16="http://schemas.microsoft.com/office/drawing/2014/main" id="{E23728B6-9FF2-E144-9A3C-7A6938AF403D}"/>
               </a:ext>
             </a:extLst>
           </p:cNvPr>
@@ -5598,7 +7828,7 @@
           <a:p>
             <a:r>
               <a:rPr lang="en-US" dirty="0"/>
-              <a:t>Discussion</a:t>
+              <a:t>Model vs. data</a:t>
             </a:r>
           </a:p>
         </p:txBody>
@@ -5608,7 +7838,7 @@
           <p:cNvPr id="3" name="Content Placeholder 2">
             <a:extLst>
               <a:ext uri="{FF2B5EF4-FFF2-40B4-BE49-F238E27FC236}">
-                <a16:creationId xmlns:a16="http://schemas.microsoft.com/office/drawing/2014/main" id="{E5C8EA41-AC53-CD4C-9EA9-0760B2BBB009}"/>
+                <a16:creationId xmlns:a16="http://schemas.microsoft.com/office/drawing/2014/main" id="{D033DE1A-8062-0643-90AB-0BD81CBFD405}"/>
               </a:ext>
             </a:extLst>
           </p:cNvPr>
@@ -5624,23 +7854,14 @@
           <a:bodyPr/>
           <a:lstStyle/>
           <a:p>
-            <a:r>
-              <a:rPr lang="en-US" dirty="0"/>
-              <a:t>Results in context of existing knowledge</a:t>
-            </a:r>
-          </a:p>
-          <a:p>
-            <a:r>
-              <a:rPr lang="en-US" dirty="0"/>
-              <a:t>Future research questions</a:t>
-            </a:r>
+            <a:endParaRPr lang="en-US"/>
           </a:p>
         </p:txBody>
       </p:sp>
     </p:spTree>
     <p:extLst>
       <p:ext uri="{BB962C8B-B14F-4D97-AF65-F5344CB8AC3E}">
-        <p14:creationId xmlns:p14="http://schemas.microsoft.com/office/powerpoint/2010/main" val="3638490725"/>
+        <p14:creationId xmlns:p14="http://schemas.microsoft.com/office/powerpoint/2010/main" val="2414392206"/>
       </p:ext>
     </p:extLst>
   </p:cSld>
@@ -5672,7 +7893,7 @@
           <p:cNvPr id="2" name="Title 1">
             <a:extLst>
               <a:ext uri="{FF2B5EF4-FFF2-40B4-BE49-F238E27FC236}">
-                <a16:creationId xmlns:a16="http://schemas.microsoft.com/office/drawing/2014/main" id="{32F013EC-885D-48FC-97AF-EA861EA43DDB}"/>
+                <a16:creationId xmlns:a16="http://schemas.microsoft.com/office/drawing/2014/main" id="{5486FC29-4DE0-2945-8D76-00CE391102A3}"/>
               </a:ext>
             </a:extLst>
           </p:cNvPr>
@@ -5689,8 +7910,8 @@
           <a:lstStyle/>
           <a:p>
             <a:r>
-              <a:rPr lang="en-CA" dirty="0"/>
-              <a:t>Checklist</a:t>
+              <a:rPr lang="en-US" dirty="0"/>
+              <a:t>Discussion</a:t>
             </a:r>
           </a:p>
         </p:txBody>
@@ -5700,7 +7921,7 @@
           <p:cNvPr id="3" name="Content Placeholder 2">
             <a:extLst>
               <a:ext uri="{FF2B5EF4-FFF2-40B4-BE49-F238E27FC236}">
-                <a16:creationId xmlns:a16="http://schemas.microsoft.com/office/drawing/2014/main" id="{83895A00-7982-4E95-82C2-C49F273FBD45}"/>
+                <a16:creationId xmlns:a16="http://schemas.microsoft.com/office/drawing/2014/main" id="{E5C8EA41-AC53-CD4C-9EA9-0760B2BBB009}"/>
               </a:ext>
             </a:extLst>
           </p:cNvPr>
@@ -5717,26 +7938,8 @@
           <a:lstStyle/>
           <a:p>
             <a:r>
-              <a:rPr lang="en-CA" dirty="0"/>
-              <a:t>PDF file</a:t>
-            </a:r>
-          </a:p>
-          <a:p>
-            <a:r>
-              <a:rPr lang="en-CA" dirty="0"/>
-              <a:t>10 slides max</a:t>
-            </a:r>
-          </a:p>
-          <a:p>
-            <a:r>
-              <a:rPr lang="en-CA" dirty="0"/>
-              <a:t>2 slides of plots min</a:t>
-            </a:r>
-          </a:p>
-          <a:p>
-            <a:r>
-              <a:rPr lang="en-CA" dirty="0"/>
-              <a:t>Complete sentences</a:t>
+              <a:rPr lang="en-US" dirty="0"/>
+              <a:t>Limitations to data analysis approach</a:t>
             </a:r>
           </a:p>
         </p:txBody>
@@ -5744,7 +7947,7 @@
     </p:spTree>
     <p:extLst>
       <p:ext uri="{BB962C8B-B14F-4D97-AF65-F5344CB8AC3E}">
-        <p14:creationId xmlns:p14="http://schemas.microsoft.com/office/powerpoint/2010/main" val="1894726509"/>
+        <p14:creationId xmlns:p14="http://schemas.microsoft.com/office/powerpoint/2010/main" val="2666073596"/>
       </p:ext>
     </p:extLst>
   </p:cSld>

--- a/ES data project presentation_salmon diet.pptx
+++ b/ES data project presentation_salmon diet.pptx
@@ -952,7 +952,7 @@
                 <a:ea typeface="+mn-ea"/>
                 <a:cs typeface="+mn-cs"/>
               </a:rPr>
-              <a:t>Herring abundance is reported to be highest along east coast Vancouver Island with large, mature herring concentrated near Hornby/Denman Island during peak spawning in mid-March (</a:t>
+              <a:t>Herring abundance is reported to be highest along east coast Vancouver Island and near Hornby/Denman Island during peak spawning in mid-March (</a:t>
             </a:r>
             <a:r>
               <a:rPr lang="en-CA" sz="1200" kern="1200" dirty="0" err="1">
@@ -1035,7 +1035,7 @@
                 <a:ea typeface="+mn-ea"/>
                 <a:cs typeface="+mn-cs"/>
               </a:rPr>
-              <a:t>Furthermore, a greater contribution of large herring consumed in western regions followed by the appearance of small herring larvae entering diets, post-hatching in June may be driving the observed trends with longitude and day of year.</a:t>
+              <a:t>Furthermore, a greater contribution of large herring consumed in western regions followed by the appearance of small juvenile herring entering diets, post-hatching in June may be driving the observed trends with longitude and day of year.</a:t>
             </a:r>
           </a:p>
           <a:p>
@@ -2041,7 +2041,7 @@
                 <a:ea typeface="+mn-ea"/>
                 <a:cs typeface="+mn-cs"/>
               </a:rPr>
-              <a:t>AIC shows that model 11 and 6 are close and only differ in salmon length.</a:t>
+              <a:t>AIC shows that model 11 and 6 best explain variation in otolith width/herring size. Although, the first X models have similar delta AIC values and weights.</a:t>
             </a:r>
           </a:p>
           <a:p>
@@ -2062,7 +2062,7 @@
               <a:tabLst/>
               <a:defRPr/>
             </a:pPr>
-            <a:endParaRPr lang="en-CA" sz="1200" kern="1200">
+            <a:endParaRPr lang="en-CA" sz="1200" kern="1200" dirty="0">
               <a:solidFill>
                 <a:schemeClr val="tx1"/>
               </a:solidFill>
@@ -2071,6 +2071,96 @@
               <a:ea typeface="+mn-ea"/>
               <a:cs typeface="+mn-cs"/>
             </a:endParaRPr>
+          </a:p>
+          <a:p>
+            <a:pPr marL="0" marR="0" lvl="0" indent="0" algn="l" defTabSz="914400" rtl="0" eaLnBrk="1" fontAlgn="auto" latinLnBrk="0" hangingPunct="1">
+              <a:lnSpc>
+                <a:spcPct val="100000"/>
+              </a:lnSpc>
+              <a:spcBef>
+                <a:spcPts val="0"/>
+              </a:spcBef>
+              <a:spcAft>
+                <a:spcPts val="0"/>
+              </a:spcAft>
+              <a:buClrTx/>
+              <a:buSzTx/>
+              <a:buFontTx/>
+              <a:buNone/>
+              <a:tabLst/>
+              <a:defRPr/>
+            </a:pPr>
+            <a:r>
+              <a:rPr lang="en-CA" sz="1200" kern="1200" dirty="0">
+                <a:solidFill>
+                  <a:schemeClr val="tx1"/>
+                </a:solidFill>
+                <a:effectLst/>
+                <a:latin typeface="+mn-lt"/>
+                <a:ea typeface="+mn-ea"/>
+                <a:cs typeface="+mn-cs"/>
+              </a:rPr>
+              <a:t>One thing to note is that model 11 and 6 are very similar in structure and include collection day of year and longitude. The only difference being that model 11 also includes salmon length.</a:t>
+            </a:r>
+          </a:p>
+          <a:p>
+            <a:pPr marL="0" marR="0" lvl="0" indent="0" algn="l" defTabSz="914400" rtl="0" eaLnBrk="1" fontAlgn="auto" latinLnBrk="0" hangingPunct="1">
+              <a:lnSpc>
+                <a:spcPct val="100000"/>
+              </a:lnSpc>
+              <a:spcBef>
+                <a:spcPts val="0"/>
+              </a:spcBef>
+              <a:spcAft>
+                <a:spcPts val="0"/>
+              </a:spcAft>
+              <a:buClrTx/>
+              <a:buSzTx/>
+              <a:buFontTx/>
+              <a:buNone/>
+              <a:tabLst/>
+              <a:defRPr/>
+            </a:pPr>
+            <a:endParaRPr lang="en-CA" sz="1200" kern="1200" dirty="0">
+              <a:solidFill>
+                <a:schemeClr val="tx1"/>
+              </a:solidFill>
+              <a:effectLst/>
+              <a:latin typeface="+mn-lt"/>
+              <a:ea typeface="+mn-ea"/>
+              <a:cs typeface="+mn-cs"/>
+            </a:endParaRPr>
+          </a:p>
+          <a:p>
+            <a:pPr marL="0" marR="0" lvl="0" indent="0" algn="l" defTabSz="914400" rtl="0" eaLnBrk="1" fontAlgn="auto" latinLnBrk="0" hangingPunct="1">
+              <a:lnSpc>
+                <a:spcPct val="100000"/>
+              </a:lnSpc>
+              <a:spcBef>
+                <a:spcPts val="0"/>
+              </a:spcBef>
+              <a:spcAft>
+                <a:spcPts val="0"/>
+              </a:spcAft>
+              <a:buClrTx/>
+              <a:buSzTx/>
+              <a:buFontTx/>
+              <a:buNone/>
+              <a:tabLst/>
+              <a:defRPr/>
+            </a:pPr>
+            <a:r>
+              <a:rPr lang="en-CA" sz="1200" kern="1200" dirty="0">
+                <a:solidFill>
+                  <a:schemeClr val="tx1"/>
+                </a:solidFill>
+                <a:effectLst/>
+                <a:latin typeface="+mn-lt"/>
+                <a:ea typeface="+mn-ea"/>
+                <a:cs typeface="+mn-cs"/>
+              </a:rPr>
+              <a:t>One thing to consider is that these AIC results only pick the simplest model out of the set of candidate models that we decided to compare based on our understanding of the ecosystem.</a:t>
+            </a:r>
           </a:p>
           <a:p>
             <a:pPr marL="0" marR="0" lvl="0" indent="0" algn="l" defTabSz="914400" rtl="0" eaLnBrk="1" fontAlgn="auto" latinLnBrk="0" hangingPunct="1">
@@ -2212,7 +2302,7 @@
                 <a:ea typeface="+mn-ea"/>
                 <a:cs typeface="+mn-cs"/>
               </a:rPr>
-              <a:t>Model 11 and 6 coefficient plots show that longitude and day of year have a small, negative relationship with otolith and they are useful predictors because the confidence intervals do not overlap with zero.</a:t>
+              <a:t>Model 11 and 6 coefficient plots show that longitude and day of year have a small, negative relationship with otolith and therefore are useful predictors since the confidence intervals do not overlap with zero.</a:t>
             </a:r>
           </a:p>
           <a:p>
@@ -2271,7 +2361,7 @@
                 <a:ea typeface="+mn-ea"/>
                 <a:cs typeface="+mn-cs"/>
               </a:rPr>
-              <a:t>However, salmon length is not a useful predictor as the confidence interval overlaps with zero. Although, salmon length has a small positive relationship with otolith width.</a:t>
+              <a:t>However, salmon length is not a useful predictor as the confidence interval overlaps with zero. Although, salmon length does have a small positive relationship with otolith width.</a:t>
             </a:r>
           </a:p>
           <a:p>
@@ -3235,7 +3325,7 @@
                 <a:ea typeface="+mn-ea"/>
                 <a:cs typeface="+mn-cs"/>
               </a:rPr>
-              <a:t>A third limitation is that otolith width versus salmon length shows few salmon below 62cm in addition to  model overprediction in this range. This could be due to gape limitation or size restrictions &gt;62cm for recreational catch.</a:t>
+              <a:t>A third limitation is that otolith width versus salmon length shows few salmon below 62cm in addition to model overprediction in this range. This could be due to gape limitation or size restrictions &gt;62cm for recreational catch.</a:t>
             </a:r>
           </a:p>
           <a:p>
@@ -6804,19 +6894,93 @@
         </p:nvSpPr>
         <p:spPr/>
         <p:txBody>
-          <a:bodyPr/>
-          <a:lstStyle/>
-          <a:p>
+          <a:bodyPr>
+            <a:normAutofit fontScale="85000" lnSpcReduction="10000"/>
+          </a:bodyPr>
+          <a:lstStyle/>
+          <a:p>
+            <a:pPr marL="0" indent="0">
+              <a:buNone/>
+            </a:pPr>
             <a:r>
               <a:rPr lang="en-US" dirty="0"/>
-              <a:t>Results in context of existing knowledge</a:t>
-            </a:r>
-          </a:p>
-          <a:p>
+              <a:t>The importance longitude and day of year for explaining variation in herring size may reflect:</a:t>
+            </a:r>
+          </a:p>
+          <a:p>
+            <a:endParaRPr lang="en-US" dirty="0"/>
+          </a:p>
+          <a:p>
+            <a:pPr marL="514350" indent="-514350">
+              <a:buAutoNum type="arabicPeriod"/>
+            </a:pPr>
             <a:r>
               <a:rPr lang="en-US" dirty="0"/>
-              <a:t>Future research questions</a:t>
-            </a:r>
+              <a:t>High herring abundance observed along east coast Vancouver Island</a:t>
+            </a:r>
+          </a:p>
+          <a:p>
+            <a:pPr marL="514350" indent="-514350">
+              <a:buAutoNum type="arabicPeriod"/>
+            </a:pPr>
+            <a:r>
+              <a:rPr lang="en-US" dirty="0"/>
+              <a:t>High abundance of large herring near Hornby/Denman Island during spring spawning</a:t>
+            </a:r>
+          </a:p>
+          <a:p>
+            <a:pPr marL="514350" indent="-514350">
+              <a:buAutoNum type="arabicPeriod"/>
+            </a:pPr>
+            <a:r>
+              <a:rPr lang="en-US" dirty="0"/>
+              <a:t>Small, young-of-the-year juvenile herring in June diets</a:t>
+            </a:r>
+          </a:p>
+          <a:p>
+            <a:pPr marL="514350" indent="-514350">
+              <a:buAutoNum type="arabicPeriod"/>
+            </a:pPr>
+            <a:endParaRPr lang="en-US" dirty="0"/>
+          </a:p>
+          <a:p>
+            <a:pPr marL="0" indent="0">
+              <a:buNone/>
+            </a:pPr>
+            <a:r>
+              <a:rPr lang="en-US" dirty="0"/>
+              <a:t>Salmon length?</a:t>
+            </a:r>
+          </a:p>
+          <a:p>
+            <a:pPr marL="0" indent="0">
+              <a:buNone/>
+            </a:pPr>
+            <a:r>
+              <a:rPr lang="en-US" dirty="0"/>
+              <a:t>Not important predictor but…</a:t>
+            </a:r>
+          </a:p>
+          <a:p>
+            <a:pPr marL="0" indent="0">
+              <a:buNone/>
+            </a:pPr>
+            <a:r>
+              <a:rPr lang="en-US" dirty="0"/>
+              <a:t>Increasing prey size with increasing predator size consistent with other studies</a:t>
+            </a:r>
+          </a:p>
+          <a:p>
+            <a:pPr marL="514350" indent="-514350">
+              <a:buAutoNum type="arabicPeriod"/>
+            </a:pPr>
+            <a:endParaRPr lang="en-US" dirty="0"/>
+          </a:p>
+          <a:p>
+            <a:pPr marL="514350" indent="-514350">
+              <a:buAutoNum type="arabicPeriod"/>
+            </a:pPr>
+            <a:endParaRPr lang="en-US" dirty="0"/>
           </a:p>
         </p:txBody>
       </p:sp>
@@ -7592,8 +7756,39 @@
             </a:pPr>
             <a:r>
               <a:rPr lang="en-US" dirty="0"/>
-              <a:t>Model 11 - </a:t>
-            </a:r>
+              <a:t>Model 11 &lt;- </a:t>
+            </a:r>
+            <a:r>
+              <a:rPr lang="en-US" dirty="0" err="1"/>
+              <a:t>oto.width</a:t>
+            </a:r>
+            <a:r>
+              <a:rPr lang="en-US" dirty="0"/>
+              <a:t> ~ day of year + longitude + salmon length + random effect (salmon ID)</a:t>
+            </a:r>
+          </a:p>
+          <a:p>
+            <a:pPr marL="0" indent="0">
+              <a:buNone/>
+            </a:pPr>
+            <a:r>
+              <a:rPr lang="en-US" dirty="0"/>
+              <a:t>Model 6 &lt;- </a:t>
+            </a:r>
+            <a:r>
+              <a:rPr lang="en-US" dirty="0" err="1"/>
+              <a:t>oto.width</a:t>
+            </a:r>
+            <a:r>
+              <a:rPr lang="en-US" dirty="0"/>
+              <a:t> ~ day of year + longitude + random effect (salmon ID)</a:t>
+            </a:r>
+          </a:p>
+          <a:p>
+            <a:pPr marL="0" indent="0">
+              <a:buNone/>
+            </a:pPr>
+            <a:endParaRPr lang="en-US" dirty="0"/>
           </a:p>
         </p:txBody>
       </p:sp>
@@ -7768,10 +7963,110 @@
           <a:bodyPr/>
           <a:lstStyle/>
           <a:p>
+            <a:pPr marL="0" lvl="0" indent="0">
+              <a:lnSpc>
+                <a:spcPct val="100000"/>
+              </a:lnSpc>
+              <a:spcBef>
+                <a:spcPts val="0"/>
+              </a:spcBef>
+              <a:buNone/>
+              <a:defRPr/>
+            </a:pPr>
             <a:r>
               <a:rPr lang="en-US" dirty="0"/>
-              <a:t>In the context of results and hypotheses</a:t>
-            </a:r>
+              <a:t>Herring size vs. salmon length – positive, linear (yes)</a:t>
+            </a:r>
+          </a:p>
+          <a:p>
+            <a:pPr marL="0" lvl="0" indent="0">
+              <a:lnSpc>
+                <a:spcPct val="100000"/>
+              </a:lnSpc>
+              <a:spcBef>
+                <a:spcPts val="0"/>
+              </a:spcBef>
+              <a:buNone/>
+              <a:defRPr/>
+            </a:pPr>
+            <a:r>
+              <a:rPr lang="en-US" dirty="0"/>
+              <a:t>Herring size vs. longitude – negative, linear relationship (or nonlinear) (yes)</a:t>
+            </a:r>
+          </a:p>
+          <a:p>
+            <a:pPr marL="0" indent="0">
+              <a:lnSpc>
+                <a:spcPct val="100000"/>
+              </a:lnSpc>
+              <a:spcBef>
+                <a:spcPts val="0"/>
+              </a:spcBef>
+              <a:buNone/>
+              <a:defRPr/>
+            </a:pPr>
+            <a:r>
+              <a:rPr lang="en-US" dirty="0"/>
+              <a:t>Herring size vs. collection day of year – positive, linear (no)</a:t>
+            </a:r>
+          </a:p>
+          <a:p>
+            <a:pPr marL="0" indent="0">
+              <a:lnSpc>
+                <a:spcPct val="100000"/>
+              </a:lnSpc>
+              <a:spcBef>
+                <a:spcPts val="0"/>
+              </a:spcBef>
+              <a:buNone/>
+              <a:defRPr/>
+            </a:pPr>
+            <a:endParaRPr lang="en-US" dirty="0"/>
+          </a:p>
+          <a:p>
+            <a:pPr marL="0" indent="0">
+              <a:lnSpc>
+                <a:spcPct val="100000"/>
+              </a:lnSpc>
+              <a:spcBef>
+                <a:spcPts val="0"/>
+              </a:spcBef>
+              <a:buNone/>
+              <a:defRPr/>
+            </a:pPr>
+            <a:r>
+              <a:rPr lang="en-US" dirty="0"/>
+              <a:t>Longitude</a:t>
+            </a:r>
+          </a:p>
+          <a:p>
+            <a:pPr marL="0" indent="0">
+              <a:lnSpc>
+                <a:spcPct val="100000"/>
+              </a:lnSpc>
+              <a:spcBef>
+                <a:spcPts val="0"/>
+              </a:spcBef>
+              <a:buNone/>
+              <a:defRPr/>
+            </a:pPr>
+            <a:r>
+              <a:rPr lang="en-US" dirty="0"/>
+              <a:t>Collection day of year</a:t>
+            </a:r>
+          </a:p>
+          <a:p>
+            <a:pPr marL="0" lvl="0" indent="0">
+              <a:lnSpc>
+                <a:spcPct val="100000"/>
+              </a:lnSpc>
+              <a:spcBef>
+                <a:spcPts val="0"/>
+              </a:spcBef>
+              <a:buNone/>
+              <a:defRPr/>
+            </a:pPr>
+            <a:endParaRPr lang="en-US" dirty="0"/>
           </a:p>
         </p:txBody>
       </p:sp>
@@ -7854,7 +8149,7 @@
           <a:bodyPr/>
           <a:lstStyle/>
           <a:p>
-            <a:endParaRPr lang="en-US"/>
+            <a:endParaRPr lang="en-US" dirty="0"/>
           </a:p>
         </p:txBody>
       </p:sp>
@@ -7911,7 +8206,7 @@
           <a:p>
             <a:r>
               <a:rPr lang="en-US" dirty="0"/>
-              <a:t>Discussion</a:t>
+              <a:t>Limitations</a:t>
             </a:r>
           </a:p>
         </p:txBody>
@@ -7934,13 +8229,67 @@
         </p:nvSpPr>
         <p:spPr/>
         <p:txBody>
-          <a:bodyPr/>
-          <a:lstStyle/>
-          <a:p>
+          <a:bodyPr>
+            <a:normAutofit/>
+          </a:bodyPr>
+          <a:lstStyle/>
+          <a:p>
+            <a:pPr marL="0" indent="0">
+              <a:buNone/>
+            </a:pPr>
             <a:r>
               <a:rPr lang="en-US" dirty="0"/>
-              <a:t>Limitations to data analysis approach</a:t>
-            </a:r>
+              <a:t>1. Longitude – reflects spatial size distribution of herring in Salish Sea</a:t>
+            </a:r>
+          </a:p>
+          <a:p>
+            <a:pPr marL="0" indent="0">
+              <a:buNone/>
+            </a:pPr>
+            <a:r>
+              <a:rPr lang="en-US" dirty="0"/>
+              <a:t>	Solution: model capture location as a categorical variable</a:t>
+            </a:r>
+          </a:p>
+          <a:p>
+            <a:pPr marL="0" indent="0">
+              <a:buNone/>
+            </a:pPr>
+            <a:r>
+              <a:rPr lang="en-US" dirty="0"/>
+              <a:t>2. Day of Year – reflects two or more herring age classes</a:t>
+            </a:r>
+          </a:p>
+          <a:p>
+            <a:pPr marL="0" indent="0">
+              <a:buNone/>
+            </a:pPr>
+            <a:r>
+              <a:rPr lang="en-US" dirty="0"/>
+              <a:t>	Solution : model age classes separately</a:t>
+            </a:r>
+          </a:p>
+          <a:p>
+            <a:pPr marL="0" indent="0">
+              <a:buNone/>
+            </a:pPr>
+            <a:r>
+              <a:rPr lang="en-US" dirty="0"/>
+              <a:t>3. Salmon length – few salmon below &lt;62cm + overprediction due to size restrictions or gap limitation</a:t>
+            </a:r>
+          </a:p>
+          <a:p>
+            <a:pPr marL="0" indent="0">
+              <a:buNone/>
+            </a:pPr>
+            <a:r>
+              <a:rPr lang="en-US" dirty="0"/>
+              <a:t>	Solution : model with and without fish &lt; 62cm</a:t>
+            </a:r>
+          </a:p>
+          <a:p>
+            <a:pPr lvl="1"/>
+            <a:endParaRPr lang="en-US" dirty="0"/>
           </a:p>
         </p:txBody>
       </p:sp>

--- a/ES data project presentation_salmon diet.pptx
+++ b/ES data project presentation_salmon diet.pptx
@@ -2,7 +2,7 @@
 <file path=ppt/presentation.xml><?xml version="1.0" encoding="utf-8"?>
 <p:presentation xmlns:a="http://schemas.openxmlformats.org/drawingml/2006/main" xmlns:r="http://schemas.openxmlformats.org/officeDocument/2006/relationships" xmlns:p="http://schemas.openxmlformats.org/presentationml/2006/main" saveSubsetFonts="1" autoCompressPictures="0">
   <p:sldMasterIdLst>
-    <p:sldMasterId id="2147483648" r:id="rId1"/>
+    <p:sldMasterId id="2147483924" r:id="rId1"/>
   </p:sldMasterIdLst>
   <p:notesMasterIdLst>
     <p:notesMasterId r:id="rId13"/>
@@ -139,7 +139,7 @@
     </p:ext>
     <p:ext uri="{EFAFB233-063F-42B5-8137-9DF3F51BA10A}">
       <p15:sldGuideLst xmlns:p15="http://schemas.microsoft.com/office/powerpoint/2012/main">
-        <p15:guide id="1" orient="horz" pos="2160" userDrawn="1">
+        <p15:guide id="1" orient="horz" pos="2137" userDrawn="1">
           <p15:clr>
             <a:srgbClr val="A4A3A4"/>
           </p15:clr>
@@ -153,6 +153,6766 @@
     </p:ext>
   </p:extLst>
 </p:presentation>
+</file>
+
+<file path=ppt/diagrams/colors1.xml><?xml version="1.0" encoding="utf-8"?>
+<dgm:colorsDef xmlns:dgm="http://schemas.openxmlformats.org/drawingml/2006/diagram" xmlns:a="http://schemas.openxmlformats.org/drawingml/2006/main" uniqueId="urn:microsoft.com/office/officeart/2005/8/colors/colorful1">
+  <dgm:title val=""/>
+  <dgm:desc val=""/>
+  <dgm:catLst>
+    <dgm:cat type="colorful" pri="10100"/>
+  </dgm:catLst>
+  <dgm:styleLbl name="node0">
+    <dgm:fillClrLst meth="repeat">
+      <a:schemeClr val="accent1"/>
+    </dgm:fillClrLst>
+    <dgm:linClrLst meth="repeat">
+      <a:schemeClr val="lt1"/>
+    </dgm:linClrLst>
+    <dgm:effectClrLst/>
+    <dgm:txLinClrLst/>
+    <dgm:txFillClrLst/>
+    <dgm:txEffectClrLst/>
+  </dgm:styleLbl>
+  <dgm:styleLbl name="node1">
+    <dgm:fillClrLst meth="repeat">
+      <a:schemeClr val="accent2"/>
+      <a:schemeClr val="accent3"/>
+      <a:schemeClr val="accent4"/>
+      <a:schemeClr val="accent5"/>
+      <a:schemeClr val="accent6"/>
+    </dgm:fillClrLst>
+    <dgm:linClrLst meth="repeat">
+      <a:schemeClr val="lt1"/>
+    </dgm:linClrLst>
+    <dgm:effectClrLst/>
+    <dgm:txLinClrLst/>
+    <dgm:txFillClrLst/>
+    <dgm:txEffectClrLst/>
+  </dgm:styleLbl>
+  <dgm:styleLbl name="alignNode1">
+    <dgm:fillClrLst meth="repeat">
+      <a:schemeClr val="accent2"/>
+      <a:schemeClr val="accent3"/>
+      <a:schemeClr val="accent4"/>
+      <a:schemeClr val="accent5"/>
+      <a:schemeClr val="accent6"/>
+    </dgm:fillClrLst>
+    <dgm:linClrLst meth="repeat">
+      <a:schemeClr val="accent2"/>
+      <a:schemeClr val="accent3"/>
+      <a:schemeClr val="accent4"/>
+      <a:schemeClr val="accent5"/>
+      <a:schemeClr val="accent6"/>
+    </dgm:linClrLst>
+    <dgm:effectClrLst/>
+    <dgm:txLinClrLst/>
+    <dgm:txFillClrLst/>
+    <dgm:txEffectClrLst/>
+  </dgm:styleLbl>
+  <dgm:styleLbl name="lnNode1">
+    <dgm:fillClrLst meth="repeat">
+      <a:schemeClr val="accent2"/>
+      <a:schemeClr val="accent3"/>
+      <a:schemeClr val="accent4"/>
+      <a:schemeClr val="accent5"/>
+      <a:schemeClr val="accent6"/>
+    </dgm:fillClrLst>
+    <dgm:linClrLst meth="repeat">
+      <a:schemeClr val="lt1"/>
+    </dgm:linClrLst>
+    <dgm:effectClrLst/>
+    <dgm:txLinClrLst/>
+    <dgm:txFillClrLst/>
+    <dgm:txEffectClrLst/>
+  </dgm:styleLbl>
+  <dgm:styleLbl name="vennNode1">
+    <dgm:fillClrLst meth="repeat">
+      <a:schemeClr val="accent2">
+        <a:alpha val="50000"/>
+      </a:schemeClr>
+      <a:schemeClr val="accent3">
+        <a:alpha val="50000"/>
+      </a:schemeClr>
+      <a:schemeClr val="accent4">
+        <a:alpha val="50000"/>
+      </a:schemeClr>
+      <a:schemeClr val="accent5">
+        <a:alpha val="50000"/>
+      </a:schemeClr>
+      <a:schemeClr val="accent6">
+        <a:alpha val="50000"/>
+      </a:schemeClr>
+    </dgm:fillClrLst>
+    <dgm:linClrLst meth="repeat">
+      <a:schemeClr val="lt1"/>
+    </dgm:linClrLst>
+    <dgm:effectClrLst/>
+    <dgm:txLinClrLst/>
+    <dgm:txFillClrLst/>
+    <dgm:txEffectClrLst/>
+  </dgm:styleLbl>
+  <dgm:styleLbl name="node2">
+    <dgm:fillClrLst>
+      <a:schemeClr val="accent2"/>
+    </dgm:fillClrLst>
+    <dgm:linClrLst meth="repeat">
+      <a:schemeClr val="lt1"/>
+    </dgm:linClrLst>
+    <dgm:effectClrLst/>
+    <dgm:txLinClrLst/>
+    <dgm:txFillClrLst/>
+    <dgm:txEffectClrLst/>
+  </dgm:styleLbl>
+  <dgm:styleLbl name="node3">
+    <dgm:fillClrLst>
+      <a:schemeClr val="accent3"/>
+    </dgm:fillClrLst>
+    <dgm:linClrLst meth="repeat">
+      <a:schemeClr val="lt1"/>
+    </dgm:linClrLst>
+    <dgm:effectClrLst/>
+    <dgm:txLinClrLst/>
+    <dgm:txFillClrLst/>
+    <dgm:txEffectClrLst/>
+  </dgm:styleLbl>
+  <dgm:styleLbl name="node4">
+    <dgm:fillClrLst>
+      <a:schemeClr val="accent4"/>
+    </dgm:fillClrLst>
+    <dgm:linClrLst meth="repeat">
+      <a:schemeClr val="lt1"/>
+    </dgm:linClrLst>
+    <dgm:effectClrLst/>
+    <dgm:txLinClrLst/>
+    <dgm:txFillClrLst/>
+    <dgm:txEffectClrLst/>
+  </dgm:styleLbl>
+  <dgm:styleLbl name="fgImgPlace1">
+    <dgm:fillClrLst meth="repeat">
+      <a:schemeClr val="accent2">
+        <a:tint val="50000"/>
+      </a:schemeClr>
+      <a:schemeClr val="accent3">
+        <a:tint val="50000"/>
+      </a:schemeClr>
+      <a:schemeClr val="accent4">
+        <a:tint val="50000"/>
+      </a:schemeClr>
+      <a:schemeClr val="accent5">
+        <a:tint val="50000"/>
+      </a:schemeClr>
+      <a:schemeClr val="accent6">
+        <a:tint val="50000"/>
+      </a:schemeClr>
+    </dgm:fillClrLst>
+    <dgm:linClrLst meth="repeat">
+      <a:schemeClr val="lt1"/>
+    </dgm:linClrLst>
+    <dgm:effectClrLst/>
+    <dgm:txLinClrLst/>
+    <dgm:txFillClrLst meth="repeat">
+      <a:schemeClr val="lt1"/>
+    </dgm:txFillClrLst>
+    <dgm:txEffectClrLst/>
+  </dgm:styleLbl>
+  <dgm:styleLbl name="alignImgPlace1">
+    <dgm:fillClrLst>
+      <a:schemeClr val="accent1">
+        <a:tint val="50000"/>
+      </a:schemeClr>
+      <a:schemeClr val="accent2">
+        <a:tint val="20000"/>
+      </a:schemeClr>
+    </dgm:fillClrLst>
+    <dgm:linClrLst meth="repeat">
+      <a:schemeClr val="lt1"/>
+    </dgm:linClrLst>
+    <dgm:effectClrLst/>
+    <dgm:txLinClrLst/>
+    <dgm:txFillClrLst meth="repeat">
+      <a:schemeClr val="lt1"/>
+    </dgm:txFillClrLst>
+    <dgm:txEffectClrLst/>
+  </dgm:styleLbl>
+  <dgm:styleLbl name="bgImgPlace1">
+    <dgm:fillClrLst>
+      <a:schemeClr val="accent1">
+        <a:tint val="50000"/>
+      </a:schemeClr>
+      <a:schemeClr val="accent2">
+        <a:tint val="20000"/>
+      </a:schemeClr>
+    </dgm:fillClrLst>
+    <dgm:linClrLst meth="repeat">
+      <a:schemeClr val="lt1"/>
+    </dgm:linClrLst>
+    <dgm:effectClrLst/>
+    <dgm:txLinClrLst/>
+    <dgm:txFillClrLst meth="repeat">
+      <a:schemeClr val="lt1"/>
+    </dgm:txFillClrLst>
+    <dgm:txEffectClrLst/>
+  </dgm:styleLbl>
+  <dgm:styleLbl name="sibTrans2D1">
+    <dgm:fillClrLst meth="repeat">
+      <a:schemeClr val="accent2"/>
+      <a:schemeClr val="accent3"/>
+      <a:schemeClr val="accent4"/>
+      <a:schemeClr val="accent5"/>
+      <a:schemeClr val="accent6"/>
+    </dgm:fillClrLst>
+    <dgm:linClrLst meth="cycle">
+      <a:schemeClr val="lt1"/>
+    </dgm:linClrLst>
+    <dgm:effectClrLst/>
+    <dgm:txLinClrLst/>
+    <dgm:txFillClrLst/>
+    <dgm:txEffectClrLst/>
+  </dgm:styleLbl>
+  <dgm:styleLbl name="fgSibTrans2D1">
+    <dgm:fillClrLst meth="repeat">
+      <a:schemeClr val="accent2"/>
+      <a:schemeClr val="accent3"/>
+      <a:schemeClr val="accent4"/>
+      <a:schemeClr val="accent5"/>
+      <a:schemeClr val="accent6"/>
+    </dgm:fillClrLst>
+    <dgm:linClrLst meth="cycle">
+      <a:schemeClr val="lt1"/>
+    </dgm:linClrLst>
+    <dgm:effectClrLst/>
+    <dgm:txLinClrLst/>
+    <dgm:txFillClrLst meth="repeat">
+      <a:schemeClr val="lt1"/>
+    </dgm:txFillClrLst>
+    <dgm:txEffectClrLst/>
+  </dgm:styleLbl>
+  <dgm:styleLbl name="bgSibTrans2D1">
+    <dgm:fillClrLst meth="repeat">
+      <a:schemeClr val="accent2"/>
+      <a:schemeClr val="accent3"/>
+      <a:schemeClr val="accent4"/>
+      <a:schemeClr val="accent5"/>
+      <a:schemeClr val="accent6"/>
+    </dgm:fillClrLst>
+    <dgm:linClrLst meth="cycle">
+      <a:schemeClr val="lt1"/>
+    </dgm:linClrLst>
+    <dgm:effectClrLst/>
+    <dgm:txLinClrLst/>
+    <dgm:txFillClrLst meth="repeat">
+      <a:schemeClr val="lt1"/>
+    </dgm:txFillClrLst>
+    <dgm:txEffectClrLst/>
+  </dgm:styleLbl>
+  <dgm:styleLbl name="sibTrans1D1">
+    <dgm:fillClrLst meth="repeat">
+      <a:schemeClr val="accent2"/>
+      <a:schemeClr val="accent3"/>
+      <a:schemeClr val="accent4"/>
+      <a:schemeClr val="accent5"/>
+      <a:schemeClr val="accent6"/>
+    </dgm:fillClrLst>
+    <dgm:linClrLst meth="repeat">
+      <a:schemeClr val="accent2"/>
+      <a:schemeClr val="accent3"/>
+      <a:schemeClr val="accent4"/>
+      <a:schemeClr val="accent5"/>
+      <a:schemeClr val="accent6"/>
+    </dgm:linClrLst>
+    <dgm:effectClrLst/>
+    <dgm:txLinClrLst/>
+    <dgm:txFillClrLst meth="repeat">
+      <a:schemeClr val="tx1"/>
+    </dgm:txFillClrLst>
+    <dgm:txEffectClrLst/>
+  </dgm:styleLbl>
+  <dgm:styleLbl name="callout">
+    <dgm:fillClrLst meth="repeat">
+      <a:schemeClr val="accent2"/>
+    </dgm:fillClrLst>
+    <dgm:linClrLst meth="repeat">
+      <a:schemeClr val="accent2">
+        <a:tint val="50000"/>
+      </a:schemeClr>
+    </dgm:linClrLst>
+    <dgm:effectClrLst/>
+    <dgm:txLinClrLst/>
+    <dgm:txFillClrLst meth="repeat">
+      <a:schemeClr val="tx1"/>
+    </dgm:txFillClrLst>
+    <dgm:txEffectClrLst/>
+  </dgm:styleLbl>
+  <dgm:styleLbl name="asst0">
+    <dgm:fillClrLst meth="repeat">
+      <a:schemeClr val="accent1"/>
+    </dgm:fillClrLst>
+    <dgm:linClrLst meth="repeat">
+      <a:schemeClr val="lt1"/>
+    </dgm:linClrLst>
+    <dgm:effectClrLst/>
+    <dgm:txLinClrLst/>
+    <dgm:txFillClrLst/>
+    <dgm:txEffectClrLst/>
+  </dgm:styleLbl>
+  <dgm:styleLbl name="asst1">
+    <dgm:fillClrLst meth="repeat">
+      <a:schemeClr val="accent2"/>
+    </dgm:fillClrLst>
+    <dgm:linClrLst meth="repeat">
+      <a:schemeClr val="lt1"/>
+    </dgm:linClrLst>
+    <dgm:effectClrLst/>
+    <dgm:txLinClrLst/>
+    <dgm:txFillClrLst/>
+    <dgm:txEffectClrLst/>
+  </dgm:styleLbl>
+  <dgm:styleLbl name="asst2">
+    <dgm:fillClrLst>
+      <a:schemeClr val="accent3"/>
+    </dgm:fillClrLst>
+    <dgm:linClrLst meth="repeat">
+      <a:schemeClr val="lt1"/>
+    </dgm:linClrLst>
+    <dgm:effectClrLst/>
+    <dgm:txLinClrLst/>
+    <dgm:txFillClrLst/>
+    <dgm:txEffectClrLst/>
+  </dgm:styleLbl>
+  <dgm:styleLbl name="asst3">
+    <dgm:fillClrLst>
+      <a:schemeClr val="accent4"/>
+    </dgm:fillClrLst>
+    <dgm:linClrLst meth="repeat">
+      <a:schemeClr val="lt1"/>
+    </dgm:linClrLst>
+    <dgm:effectClrLst/>
+    <dgm:txLinClrLst/>
+    <dgm:txFillClrLst/>
+    <dgm:txEffectClrLst/>
+  </dgm:styleLbl>
+  <dgm:styleLbl name="asst4">
+    <dgm:fillClrLst>
+      <a:schemeClr val="accent5"/>
+    </dgm:fillClrLst>
+    <dgm:linClrLst meth="repeat">
+      <a:schemeClr val="lt1"/>
+    </dgm:linClrLst>
+    <dgm:effectClrLst/>
+    <dgm:txLinClrLst/>
+    <dgm:txFillClrLst/>
+    <dgm:txEffectClrLst/>
+  </dgm:styleLbl>
+  <dgm:styleLbl name="parChTrans2D1">
+    <dgm:fillClrLst meth="repeat">
+      <a:schemeClr val="accent2"/>
+    </dgm:fillClrLst>
+    <dgm:linClrLst meth="repeat">
+      <a:schemeClr val="lt1"/>
+    </dgm:linClrLst>
+    <dgm:effectClrLst/>
+    <dgm:txLinClrLst/>
+    <dgm:txFillClrLst meth="repeat">
+      <a:schemeClr val="lt1"/>
+    </dgm:txFillClrLst>
+    <dgm:txEffectClrLst/>
+  </dgm:styleLbl>
+  <dgm:styleLbl name="parChTrans2D2">
+    <dgm:fillClrLst meth="repeat">
+      <a:schemeClr val="accent3"/>
+    </dgm:fillClrLst>
+    <dgm:linClrLst meth="repeat">
+      <a:schemeClr val="lt1"/>
+    </dgm:linClrLst>
+    <dgm:effectClrLst/>
+    <dgm:txLinClrLst/>
+    <dgm:txFillClrLst/>
+    <dgm:txEffectClrLst/>
+  </dgm:styleLbl>
+  <dgm:styleLbl name="parChTrans2D3">
+    <dgm:fillClrLst meth="repeat">
+      <a:schemeClr val="accent4"/>
+    </dgm:fillClrLst>
+    <dgm:linClrLst meth="repeat">
+      <a:schemeClr val="lt1"/>
+    </dgm:linClrLst>
+    <dgm:effectClrLst/>
+    <dgm:txLinClrLst/>
+    <dgm:txFillClrLst/>
+    <dgm:txEffectClrLst/>
+  </dgm:styleLbl>
+  <dgm:styleLbl name="parChTrans2D4">
+    <dgm:fillClrLst meth="repeat">
+      <a:schemeClr val="accent5"/>
+    </dgm:fillClrLst>
+    <dgm:linClrLst meth="repeat">
+      <a:schemeClr val="lt1"/>
+    </dgm:linClrLst>
+    <dgm:effectClrLst/>
+    <dgm:txLinClrLst/>
+    <dgm:txFillClrLst meth="repeat">
+      <a:schemeClr val="lt1"/>
+    </dgm:txFillClrLst>
+    <dgm:txEffectClrLst/>
+  </dgm:styleLbl>
+  <dgm:styleLbl name="parChTrans1D1">
+    <dgm:fillClrLst meth="repeat">
+      <a:schemeClr val="accent2"/>
+    </dgm:fillClrLst>
+    <dgm:linClrLst meth="repeat">
+      <a:schemeClr val="accent1"/>
+    </dgm:linClrLst>
+    <dgm:effectClrLst/>
+    <dgm:txLinClrLst/>
+    <dgm:txFillClrLst meth="repeat">
+      <a:schemeClr val="tx1"/>
+    </dgm:txFillClrLst>
+    <dgm:txEffectClrLst/>
+  </dgm:styleLbl>
+  <dgm:styleLbl name="parChTrans1D2">
+    <dgm:fillClrLst meth="repeat">
+      <a:schemeClr val="accent3">
+        <a:tint val="90000"/>
+      </a:schemeClr>
+    </dgm:fillClrLst>
+    <dgm:linClrLst meth="repeat">
+      <a:schemeClr val="accent2"/>
+    </dgm:linClrLst>
+    <dgm:effectClrLst/>
+    <dgm:txLinClrLst/>
+    <dgm:txFillClrLst meth="repeat">
+      <a:schemeClr val="tx1"/>
+    </dgm:txFillClrLst>
+    <dgm:txEffectClrLst/>
+  </dgm:styleLbl>
+  <dgm:styleLbl name="parChTrans1D3">
+    <dgm:fillClrLst meth="repeat">
+      <a:schemeClr val="accent4">
+        <a:tint val="70000"/>
+      </a:schemeClr>
+    </dgm:fillClrLst>
+    <dgm:linClrLst meth="repeat">
+      <a:schemeClr val="accent3"/>
+    </dgm:linClrLst>
+    <dgm:effectClrLst/>
+    <dgm:txLinClrLst/>
+    <dgm:txFillClrLst meth="repeat">
+      <a:schemeClr val="tx1"/>
+    </dgm:txFillClrLst>
+    <dgm:txEffectClrLst/>
+  </dgm:styleLbl>
+  <dgm:styleLbl name="parChTrans1D4">
+    <dgm:fillClrLst meth="repeat">
+      <a:schemeClr val="accent5">
+        <a:tint val="50000"/>
+      </a:schemeClr>
+    </dgm:fillClrLst>
+    <dgm:linClrLst meth="repeat">
+      <a:schemeClr val="accent4"/>
+    </dgm:linClrLst>
+    <dgm:effectClrLst/>
+    <dgm:txLinClrLst/>
+    <dgm:txFillClrLst meth="repeat">
+      <a:schemeClr val="tx1"/>
+    </dgm:txFillClrLst>
+    <dgm:txEffectClrLst/>
+  </dgm:styleLbl>
+  <dgm:styleLbl name="fgAcc1">
+    <dgm:fillClrLst meth="repeat">
+      <a:schemeClr val="lt1">
+        <a:alpha val="90000"/>
+      </a:schemeClr>
+    </dgm:fillClrLst>
+    <dgm:linClrLst meth="repeat">
+      <a:schemeClr val="accent2"/>
+      <a:schemeClr val="accent3"/>
+      <a:schemeClr val="accent4"/>
+      <a:schemeClr val="accent5"/>
+      <a:schemeClr val="accent6"/>
+    </dgm:linClrLst>
+    <dgm:effectClrLst/>
+    <dgm:txLinClrLst/>
+    <dgm:txFillClrLst meth="repeat">
+      <a:schemeClr val="dk1"/>
+    </dgm:txFillClrLst>
+    <dgm:txEffectClrLst/>
+  </dgm:styleLbl>
+  <dgm:styleLbl name="conFgAcc1">
+    <dgm:fillClrLst meth="repeat">
+      <a:schemeClr val="lt1">
+        <a:alpha val="90000"/>
+      </a:schemeClr>
+    </dgm:fillClrLst>
+    <dgm:linClrLst meth="repeat">
+      <a:schemeClr val="accent2"/>
+      <a:schemeClr val="accent3"/>
+      <a:schemeClr val="accent4"/>
+      <a:schemeClr val="accent5"/>
+      <a:schemeClr val="accent6"/>
+    </dgm:linClrLst>
+    <dgm:effectClrLst/>
+    <dgm:txLinClrLst/>
+    <dgm:txFillClrLst meth="repeat">
+      <a:schemeClr val="dk1"/>
+    </dgm:txFillClrLst>
+    <dgm:txEffectClrLst/>
+  </dgm:styleLbl>
+  <dgm:styleLbl name="alignAcc1">
+    <dgm:fillClrLst meth="repeat">
+      <a:schemeClr val="lt1">
+        <a:alpha val="90000"/>
+      </a:schemeClr>
+    </dgm:fillClrLst>
+    <dgm:linClrLst meth="repeat">
+      <a:schemeClr val="accent2"/>
+      <a:schemeClr val="accent3"/>
+      <a:schemeClr val="accent4"/>
+      <a:schemeClr val="accent5"/>
+      <a:schemeClr val="accent6"/>
+    </dgm:linClrLst>
+    <dgm:effectClrLst/>
+    <dgm:txLinClrLst/>
+    <dgm:txFillClrLst meth="repeat">
+      <a:schemeClr val="dk1"/>
+    </dgm:txFillClrLst>
+    <dgm:txEffectClrLst/>
+  </dgm:styleLbl>
+  <dgm:styleLbl name="trAlignAcc1">
+    <dgm:fillClrLst meth="repeat">
+      <a:schemeClr val="lt1">
+        <a:alpha val="40000"/>
+      </a:schemeClr>
+    </dgm:fillClrLst>
+    <dgm:linClrLst meth="repeat">
+      <a:schemeClr val="accent1"/>
+    </dgm:linClrLst>
+    <dgm:effectClrLst/>
+    <dgm:txLinClrLst/>
+    <dgm:txFillClrLst meth="repeat">
+      <a:schemeClr val="dk1"/>
+    </dgm:txFillClrLst>
+    <dgm:txEffectClrLst/>
+  </dgm:styleLbl>
+  <dgm:styleLbl name="bgAcc1">
+    <dgm:fillClrLst meth="repeat">
+      <a:schemeClr val="lt1">
+        <a:alpha val="90000"/>
+      </a:schemeClr>
+    </dgm:fillClrLst>
+    <dgm:linClrLst meth="repeat">
+      <a:schemeClr val="accent2"/>
+      <a:schemeClr val="accent3"/>
+      <a:schemeClr val="accent4"/>
+      <a:schemeClr val="accent5"/>
+      <a:schemeClr val="accent6"/>
+    </dgm:linClrLst>
+    <dgm:effectClrLst/>
+    <dgm:txLinClrLst/>
+    <dgm:txFillClrLst meth="repeat">
+      <a:schemeClr val="dk1"/>
+    </dgm:txFillClrLst>
+    <dgm:txEffectClrLst/>
+  </dgm:styleLbl>
+  <dgm:styleLbl name="solidFgAcc1">
+    <dgm:fillClrLst meth="repeat">
+      <a:schemeClr val="lt1"/>
+    </dgm:fillClrLst>
+    <dgm:linClrLst meth="repeat">
+      <a:schemeClr val="accent2"/>
+      <a:schemeClr val="accent3"/>
+      <a:schemeClr val="accent4"/>
+      <a:schemeClr val="accent5"/>
+      <a:schemeClr val="accent6"/>
+    </dgm:linClrLst>
+    <dgm:effectClrLst/>
+    <dgm:txLinClrLst/>
+    <dgm:txFillClrLst meth="repeat">
+      <a:schemeClr val="dk1"/>
+    </dgm:txFillClrLst>
+    <dgm:txEffectClrLst/>
+  </dgm:styleLbl>
+  <dgm:styleLbl name="solidAlignAcc1">
+    <dgm:fillClrLst meth="repeat">
+      <a:schemeClr val="lt1"/>
+    </dgm:fillClrLst>
+    <dgm:linClrLst meth="repeat">
+      <a:schemeClr val="accent2"/>
+      <a:schemeClr val="accent3"/>
+      <a:schemeClr val="accent4"/>
+      <a:schemeClr val="accent5"/>
+      <a:schemeClr val="accent6"/>
+    </dgm:linClrLst>
+    <dgm:effectClrLst/>
+    <dgm:txLinClrLst/>
+    <dgm:txFillClrLst meth="repeat">
+      <a:schemeClr val="dk1"/>
+    </dgm:txFillClrLst>
+    <dgm:txEffectClrLst/>
+  </dgm:styleLbl>
+  <dgm:styleLbl name="solidBgAcc1">
+    <dgm:fillClrLst meth="repeat">
+      <a:schemeClr val="lt1"/>
+    </dgm:fillClrLst>
+    <dgm:linClrLst meth="repeat">
+      <a:schemeClr val="accent2"/>
+      <a:schemeClr val="accent3"/>
+      <a:schemeClr val="accent4"/>
+      <a:schemeClr val="accent5"/>
+      <a:schemeClr val="accent6"/>
+    </dgm:linClrLst>
+    <dgm:effectClrLst/>
+    <dgm:txLinClrLst/>
+    <dgm:txFillClrLst meth="repeat">
+      <a:schemeClr val="dk1"/>
+    </dgm:txFillClrLst>
+    <dgm:txEffectClrLst/>
+  </dgm:styleLbl>
+  <dgm:styleLbl name="fgAccFollowNode1">
+    <dgm:fillClrLst meth="repeat">
+      <a:schemeClr val="accent2">
+        <a:tint val="40000"/>
+        <a:alpha val="90000"/>
+      </a:schemeClr>
+      <a:schemeClr val="accent3">
+        <a:tint val="40000"/>
+        <a:alpha val="90000"/>
+      </a:schemeClr>
+      <a:schemeClr val="accent4">
+        <a:tint val="40000"/>
+        <a:alpha val="90000"/>
+      </a:schemeClr>
+      <a:schemeClr val="accent5">
+        <a:tint val="40000"/>
+        <a:alpha val="90000"/>
+      </a:schemeClr>
+      <a:schemeClr val="accent6">
+        <a:tint val="40000"/>
+        <a:alpha val="90000"/>
+      </a:schemeClr>
+    </dgm:fillClrLst>
+    <dgm:linClrLst meth="repeat">
+      <a:schemeClr val="accent2">
+        <a:tint val="40000"/>
+        <a:alpha val="90000"/>
+      </a:schemeClr>
+      <a:schemeClr val="accent3">
+        <a:tint val="40000"/>
+        <a:alpha val="90000"/>
+      </a:schemeClr>
+      <a:schemeClr val="accent4">
+        <a:tint val="40000"/>
+        <a:alpha val="90000"/>
+      </a:schemeClr>
+      <a:schemeClr val="accent5">
+        <a:tint val="40000"/>
+        <a:alpha val="90000"/>
+      </a:schemeClr>
+      <a:schemeClr val="accent6">
+        <a:tint val="40000"/>
+        <a:alpha val="90000"/>
+      </a:schemeClr>
+    </dgm:linClrLst>
+    <dgm:effectClrLst/>
+    <dgm:txLinClrLst/>
+    <dgm:txFillClrLst meth="repeat">
+      <a:schemeClr val="dk1"/>
+    </dgm:txFillClrLst>
+    <dgm:txEffectClrLst/>
+  </dgm:styleLbl>
+  <dgm:styleLbl name="alignAccFollowNode1">
+    <dgm:fillClrLst meth="repeat">
+      <a:schemeClr val="accent2">
+        <a:tint val="40000"/>
+        <a:alpha val="90000"/>
+      </a:schemeClr>
+      <a:schemeClr val="accent3">
+        <a:tint val="40000"/>
+        <a:alpha val="90000"/>
+      </a:schemeClr>
+      <a:schemeClr val="accent4">
+        <a:tint val="40000"/>
+        <a:alpha val="90000"/>
+      </a:schemeClr>
+      <a:schemeClr val="accent5">
+        <a:tint val="40000"/>
+        <a:alpha val="90000"/>
+      </a:schemeClr>
+      <a:schemeClr val="accent6">
+        <a:tint val="40000"/>
+        <a:alpha val="90000"/>
+      </a:schemeClr>
+    </dgm:fillClrLst>
+    <dgm:linClrLst meth="repeat">
+      <a:schemeClr val="accent2">
+        <a:tint val="40000"/>
+        <a:alpha val="90000"/>
+      </a:schemeClr>
+      <a:schemeClr val="accent3">
+        <a:tint val="40000"/>
+        <a:alpha val="90000"/>
+      </a:schemeClr>
+      <a:schemeClr val="accent4">
+        <a:tint val="40000"/>
+        <a:alpha val="90000"/>
+      </a:schemeClr>
+      <a:schemeClr val="accent5">
+        <a:tint val="40000"/>
+        <a:alpha val="90000"/>
+      </a:schemeClr>
+      <a:schemeClr val="accent6">
+        <a:tint val="40000"/>
+        <a:alpha val="90000"/>
+      </a:schemeClr>
+    </dgm:linClrLst>
+    <dgm:effectClrLst/>
+    <dgm:txLinClrLst/>
+    <dgm:txFillClrLst meth="repeat">
+      <a:schemeClr val="dk1"/>
+    </dgm:txFillClrLst>
+    <dgm:txEffectClrLst/>
+  </dgm:styleLbl>
+  <dgm:styleLbl name="bgAccFollowNode1">
+    <dgm:fillClrLst meth="repeat">
+      <a:schemeClr val="accent2">
+        <a:tint val="40000"/>
+        <a:alpha val="90000"/>
+      </a:schemeClr>
+      <a:schemeClr val="accent3">
+        <a:tint val="40000"/>
+        <a:alpha val="90000"/>
+      </a:schemeClr>
+      <a:schemeClr val="accent4">
+        <a:tint val="40000"/>
+        <a:alpha val="90000"/>
+      </a:schemeClr>
+      <a:schemeClr val="accent5">
+        <a:tint val="40000"/>
+        <a:alpha val="90000"/>
+      </a:schemeClr>
+      <a:schemeClr val="accent6">
+        <a:tint val="40000"/>
+        <a:alpha val="90000"/>
+      </a:schemeClr>
+    </dgm:fillClrLst>
+    <dgm:linClrLst meth="repeat">
+      <a:schemeClr val="accent2">
+        <a:tint val="40000"/>
+        <a:alpha val="90000"/>
+      </a:schemeClr>
+      <a:schemeClr val="accent3">
+        <a:tint val="40000"/>
+        <a:alpha val="90000"/>
+      </a:schemeClr>
+      <a:schemeClr val="accent4">
+        <a:tint val="40000"/>
+        <a:alpha val="90000"/>
+      </a:schemeClr>
+      <a:schemeClr val="accent5">
+        <a:tint val="40000"/>
+        <a:alpha val="90000"/>
+      </a:schemeClr>
+      <a:schemeClr val="accent6">
+        <a:tint val="40000"/>
+        <a:alpha val="90000"/>
+      </a:schemeClr>
+    </dgm:linClrLst>
+    <dgm:effectClrLst/>
+    <dgm:txLinClrLst/>
+    <dgm:txFillClrLst meth="repeat">
+      <a:schemeClr val="dk1"/>
+    </dgm:txFillClrLst>
+    <dgm:txEffectClrLst/>
+  </dgm:styleLbl>
+  <dgm:styleLbl name="fgAcc0">
+    <dgm:fillClrLst meth="repeat">
+      <a:schemeClr val="lt1">
+        <a:alpha val="90000"/>
+      </a:schemeClr>
+    </dgm:fillClrLst>
+    <dgm:linClrLst>
+      <a:schemeClr val="accent1"/>
+    </dgm:linClrLst>
+    <dgm:effectClrLst/>
+    <dgm:txLinClrLst/>
+    <dgm:txFillClrLst meth="repeat">
+      <a:schemeClr val="dk1"/>
+    </dgm:txFillClrLst>
+    <dgm:txEffectClrLst/>
+  </dgm:styleLbl>
+  <dgm:styleLbl name="fgAcc2">
+    <dgm:fillClrLst meth="repeat">
+      <a:schemeClr val="lt1">
+        <a:alpha val="90000"/>
+      </a:schemeClr>
+    </dgm:fillClrLst>
+    <dgm:linClrLst>
+      <a:schemeClr val="accent2"/>
+    </dgm:linClrLst>
+    <dgm:effectClrLst/>
+    <dgm:txLinClrLst/>
+    <dgm:txFillClrLst meth="repeat">
+      <a:schemeClr val="dk1"/>
+    </dgm:txFillClrLst>
+    <dgm:txEffectClrLst/>
+  </dgm:styleLbl>
+  <dgm:styleLbl name="fgAcc3">
+    <dgm:fillClrLst meth="repeat">
+      <a:schemeClr val="lt1">
+        <a:alpha val="90000"/>
+      </a:schemeClr>
+    </dgm:fillClrLst>
+    <dgm:linClrLst>
+      <a:schemeClr val="accent3"/>
+    </dgm:linClrLst>
+    <dgm:effectClrLst/>
+    <dgm:txLinClrLst/>
+    <dgm:txFillClrLst meth="repeat">
+      <a:schemeClr val="dk1"/>
+    </dgm:txFillClrLst>
+    <dgm:txEffectClrLst/>
+  </dgm:styleLbl>
+  <dgm:styleLbl name="fgAcc4">
+    <dgm:fillClrLst meth="repeat">
+      <a:schemeClr val="lt1">
+        <a:alpha val="90000"/>
+      </a:schemeClr>
+    </dgm:fillClrLst>
+    <dgm:linClrLst>
+      <a:schemeClr val="accent4"/>
+    </dgm:linClrLst>
+    <dgm:effectClrLst/>
+    <dgm:txLinClrLst/>
+    <dgm:txFillClrLst meth="repeat">
+      <a:schemeClr val="dk1"/>
+    </dgm:txFillClrLst>
+    <dgm:txEffectClrLst/>
+  </dgm:styleLbl>
+  <dgm:styleLbl name="bgShp">
+    <dgm:fillClrLst meth="repeat">
+      <a:schemeClr val="accent2">
+        <a:tint val="40000"/>
+      </a:schemeClr>
+    </dgm:fillClrLst>
+    <dgm:linClrLst meth="repeat">
+      <a:schemeClr val="dk1"/>
+    </dgm:linClrLst>
+    <dgm:effectClrLst/>
+    <dgm:txLinClrLst/>
+    <dgm:txFillClrLst meth="repeat">
+      <a:schemeClr val="dk1"/>
+    </dgm:txFillClrLst>
+    <dgm:txEffectClrLst/>
+  </dgm:styleLbl>
+  <dgm:styleLbl name="dkBgShp">
+    <dgm:fillClrLst meth="repeat">
+      <a:schemeClr val="accent2">
+        <a:shade val="90000"/>
+      </a:schemeClr>
+    </dgm:fillClrLst>
+    <dgm:linClrLst meth="repeat">
+      <a:schemeClr val="dk1"/>
+    </dgm:linClrLst>
+    <dgm:effectClrLst/>
+    <dgm:txLinClrLst/>
+    <dgm:txFillClrLst meth="repeat">
+      <a:schemeClr val="lt1"/>
+    </dgm:txFillClrLst>
+    <dgm:txEffectClrLst/>
+  </dgm:styleLbl>
+  <dgm:styleLbl name="trBgShp">
+    <dgm:fillClrLst meth="repeat">
+      <a:schemeClr val="accent1">
+        <a:tint val="50000"/>
+        <a:alpha val="40000"/>
+      </a:schemeClr>
+    </dgm:fillClrLst>
+    <dgm:linClrLst meth="repeat">
+      <a:schemeClr val="accent2"/>
+    </dgm:linClrLst>
+    <dgm:effectClrLst/>
+    <dgm:txLinClrLst/>
+    <dgm:txFillClrLst meth="repeat">
+      <a:schemeClr val="lt1"/>
+    </dgm:txFillClrLst>
+    <dgm:txEffectClrLst/>
+  </dgm:styleLbl>
+  <dgm:styleLbl name="fgShp">
+    <dgm:fillClrLst meth="repeat">
+      <a:schemeClr val="accent2">
+        <a:tint val="40000"/>
+      </a:schemeClr>
+    </dgm:fillClrLst>
+    <dgm:linClrLst meth="repeat">
+      <a:schemeClr val="lt1"/>
+    </dgm:linClrLst>
+    <dgm:effectClrLst/>
+    <dgm:txLinClrLst/>
+    <dgm:txFillClrLst meth="repeat">
+      <a:schemeClr val="dk1"/>
+    </dgm:txFillClrLst>
+    <dgm:txEffectClrLst/>
+  </dgm:styleLbl>
+  <dgm:styleLbl name="revTx">
+    <dgm:fillClrLst meth="repeat">
+      <a:schemeClr val="lt1">
+        <a:alpha val="0"/>
+      </a:schemeClr>
+    </dgm:fillClrLst>
+    <dgm:linClrLst meth="repeat">
+      <a:schemeClr val="dk1">
+        <a:alpha val="0"/>
+      </a:schemeClr>
+    </dgm:linClrLst>
+    <dgm:effectClrLst/>
+    <dgm:txLinClrLst/>
+    <dgm:txFillClrLst meth="repeat">
+      <a:schemeClr val="tx1"/>
+    </dgm:txFillClrLst>
+    <dgm:txEffectClrLst/>
+  </dgm:styleLbl>
+</dgm:colorsDef>
+</file>
+
+<file path=ppt/diagrams/colors2.xml><?xml version="1.0" encoding="utf-8"?>
+<dgm:colorsDef xmlns:dgm="http://schemas.openxmlformats.org/drawingml/2006/diagram" xmlns:a="http://schemas.openxmlformats.org/drawingml/2006/main" uniqueId="urn:microsoft.com/office/officeart/2005/8/colors/colorful5">
+  <dgm:title val=""/>
+  <dgm:desc val=""/>
+  <dgm:catLst>
+    <dgm:cat type="colorful" pri="10500"/>
+  </dgm:catLst>
+  <dgm:styleLbl name="node0">
+    <dgm:fillClrLst meth="repeat">
+      <a:schemeClr val="accent4"/>
+    </dgm:fillClrLst>
+    <dgm:linClrLst meth="repeat">
+      <a:schemeClr val="lt1"/>
+    </dgm:linClrLst>
+    <dgm:effectClrLst/>
+    <dgm:txLinClrLst/>
+    <dgm:txFillClrLst/>
+    <dgm:txEffectClrLst/>
+  </dgm:styleLbl>
+  <dgm:styleLbl name="node1">
+    <dgm:fillClrLst>
+      <a:schemeClr val="accent5"/>
+      <a:schemeClr val="accent6"/>
+    </dgm:fillClrLst>
+    <dgm:linClrLst meth="repeat">
+      <a:schemeClr val="lt1"/>
+    </dgm:linClrLst>
+    <dgm:effectClrLst/>
+    <dgm:txLinClrLst/>
+    <dgm:txFillClrLst/>
+    <dgm:txEffectClrLst/>
+  </dgm:styleLbl>
+  <dgm:styleLbl name="alignNode1">
+    <dgm:fillClrLst>
+      <a:schemeClr val="accent5"/>
+      <a:schemeClr val="accent6"/>
+    </dgm:fillClrLst>
+    <dgm:linClrLst>
+      <a:schemeClr val="accent5"/>
+      <a:schemeClr val="accent6"/>
+    </dgm:linClrLst>
+    <dgm:effectClrLst/>
+    <dgm:txLinClrLst/>
+    <dgm:txFillClrLst/>
+    <dgm:txEffectClrLst/>
+  </dgm:styleLbl>
+  <dgm:styleLbl name="lnNode1">
+    <dgm:fillClrLst>
+      <a:schemeClr val="accent5"/>
+      <a:schemeClr val="accent6"/>
+    </dgm:fillClrLst>
+    <dgm:linClrLst meth="repeat">
+      <a:schemeClr val="lt1"/>
+    </dgm:linClrLst>
+    <dgm:effectClrLst/>
+    <dgm:txLinClrLst/>
+    <dgm:txFillClrLst/>
+    <dgm:txEffectClrLst/>
+  </dgm:styleLbl>
+  <dgm:styleLbl name="vennNode1">
+    <dgm:fillClrLst>
+      <a:schemeClr val="accent5">
+        <a:alpha val="50000"/>
+      </a:schemeClr>
+      <a:schemeClr val="accent6">
+        <a:alpha val="50000"/>
+      </a:schemeClr>
+    </dgm:fillClrLst>
+    <dgm:linClrLst meth="repeat">
+      <a:schemeClr val="lt1"/>
+    </dgm:linClrLst>
+    <dgm:effectClrLst/>
+    <dgm:txLinClrLst/>
+    <dgm:txFillClrLst/>
+    <dgm:txEffectClrLst/>
+  </dgm:styleLbl>
+  <dgm:styleLbl name="node2">
+    <dgm:fillClrLst>
+      <a:schemeClr val="accent6"/>
+    </dgm:fillClrLst>
+    <dgm:linClrLst meth="repeat">
+      <a:schemeClr val="lt1"/>
+    </dgm:linClrLst>
+    <dgm:effectClrLst/>
+    <dgm:txLinClrLst/>
+    <dgm:txFillClrLst/>
+    <dgm:txEffectClrLst/>
+  </dgm:styleLbl>
+  <dgm:styleLbl name="node3">
+    <dgm:fillClrLst>
+      <a:schemeClr val="accent1"/>
+    </dgm:fillClrLst>
+    <dgm:linClrLst meth="repeat">
+      <a:schemeClr val="lt1"/>
+    </dgm:linClrLst>
+    <dgm:effectClrLst/>
+    <dgm:txLinClrLst/>
+    <dgm:txFillClrLst/>
+    <dgm:txEffectClrLst/>
+  </dgm:styleLbl>
+  <dgm:styleLbl name="node4">
+    <dgm:fillClrLst>
+      <a:schemeClr val="accent2"/>
+    </dgm:fillClrLst>
+    <dgm:linClrLst meth="repeat">
+      <a:schemeClr val="lt1"/>
+    </dgm:linClrLst>
+    <dgm:effectClrLst/>
+    <dgm:txLinClrLst/>
+    <dgm:txFillClrLst/>
+    <dgm:txEffectClrLst/>
+  </dgm:styleLbl>
+  <dgm:styleLbl name="fgImgPlace1">
+    <dgm:fillClrLst>
+      <a:schemeClr val="accent5">
+        <a:tint val="50000"/>
+      </a:schemeClr>
+      <a:schemeClr val="accent6">
+        <a:tint val="50000"/>
+      </a:schemeClr>
+    </dgm:fillClrLst>
+    <dgm:linClrLst meth="repeat">
+      <a:schemeClr val="lt1"/>
+    </dgm:linClrLst>
+    <dgm:effectClrLst/>
+    <dgm:txLinClrLst/>
+    <dgm:txFillClrLst meth="repeat">
+      <a:schemeClr val="lt1"/>
+    </dgm:txFillClrLst>
+    <dgm:txEffectClrLst/>
+  </dgm:styleLbl>
+  <dgm:styleLbl name="alignImgPlace1">
+    <dgm:fillClrLst>
+      <a:schemeClr val="accent5">
+        <a:tint val="50000"/>
+      </a:schemeClr>
+      <a:schemeClr val="accent6">
+        <a:tint val="20000"/>
+      </a:schemeClr>
+    </dgm:fillClrLst>
+    <dgm:linClrLst meth="repeat">
+      <a:schemeClr val="lt1"/>
+    </dgm:linClrLst>
+    <dgm:effectClrLst/>
+    <dgm:txLinClrLst/>
+    <dgm:txFillClrLst meth="repeat">
+      <a:schemeClr val="lt1"/>
+    </dgm:txFillClrLst>
+    <dgm:txEffectClrLst/>
+  </dgm:styleLbl>
+  <dgm:styleLbl name="bgImgPlace1">
+    <dgm:fillClrLst>
+      <a:schemeClr val="accent5">
+        <a:tint val="50000"/>
+      </a:schemeClr>
+      <a:schemeClr val="accent6">
+        <a:tint val="20000"/>
+      </a:schemeClr>
+    </dgm:fillClrLst>
+    <dgm:linClrLst meth="repeat">
+      <a:schemeClr val="lt1"/>
+    </dgm:linClrLst>
+    <dgm:effectClrLst/>
+    <dgm:txLinClrLst/>
+    <dgm:txFillClrLst meth="repeat">
+      <a:schemeClr val="lt1"/>
+    </dgm:txFillClrLst>
+    <dgm:txEffectClrLst/>
+  </dgm:styleLbl>
+  <dgm:styleLbl name="sibTrans2D1">
+    <dgm:fillClrLst>
+      <a:schemeClr val="accent5"/>
+      <a:schemeClr val="accent6"/>
+    </dgm:fillClrLst>
+    <dgm:linClrLst meth="repeat">
+      <a:schemeClr val="lt1"/>
+    </dgm:linClrLst>
+    <dgm:effectClrLst/>
+    <dgm:txLinClrLst/>
+    <dgm:txFillClrLst/>
+    <dgm:txEffectClrLst/>
+  </dgm:styleLbl>
+  <dgm:styleLbl name="fgSibTrans2D1">
+    <dgm:fillClrLst>
+      <a:schemeClr val="accent5"/>
+      <a:schemeClr val="accent6"/>
+    </dgm:fillClrLst>
+    <dgm:linClrLst meth="repeat">
+      <a:schemeClr val="lt1"/>
+    </dgm:linClrLst>
+    <dgm:effectClrLst/>
+    <dgm:txLinClrLst/>
+    <dgm:txFillClrLst meth="repeat">
+      <a:schemeClr val="lt1"/>
+    </dgm:txFillClrLst>
+    <dgm:txEffectClrLst/>
+  </dgm:styleLbl>
+  <dgm:styleLbl name="bgSibTrans2D1">
+    <dgm:fillClrLst>
+      <a:schemeClr val="accent5"/>
+      <a:schemeClr val="accent6"/>
+    </dgm:fillClrLst>
+    <dgm:linClrLst meth="repeat">
+      <a:schemeClr val="lt1"/>
+    </dgm:linClrLst>
+    <dgm:effectClrLst/>
+    <dgm:txLinClrLst/>
+    <dgm:txFillClrLst meth="repeat">
+      <a:schemeClr val="lt1"/>
+    </dgm:txFillClrLst>
+    <dgm:txEffectClrLst/>
+  </dgm:styleLbl>
+  <dgm:styleLbl name="sibTrans1D1">
+    <dgm:fillClrLst/>
+    <dgm:linClrLst>
+      <a:schemeClr val="accent5"/>
+      <a:schemeClr val="accent6"/>
+    </dgm:linClrLst>
+    <dgm:effectClrLst/>
+    <dgm:txLinClrLst/>
+    <dgm:txFillClrLst meth="repeat">
+      <a:schemeClr val="tx1"/>
+    </dgm:txFillClrLst>
+    <dgm:txEffectClrLst/>
+  </dgm:styleLbl>
+  <dgm:styleLbl name="callout">
+    <dgm:fillClrLst meth="repeat">
+      <a:schemeClr val="accent5"/>
+    </dgm:fillClrLst>
+    <dgm:linClrLst meth="repeat">
+      <a:schemeClr val="accent5">
+        <a:tint val="50000"/>
+      </a:schemeClr>
+    </dgm:linClrLst>
+    <dgm:effectClrLst/>
+    <dgm:txLinClrLst/>
+    <dgm:txFillClrLst meth="repeat">
+      <a:schemeClr val="tx1"/>
+    </dgm:txFillClrLst>
+    <dgm:txEffectClrLst/>
+  </dgm:styleLbl>
+  <dgm:styleLbl name="asst0">
+    <dgm:fillClrLst meth="repeat">
+      <a:schemeClr val="accent5"/>
+    </dgm:fillClrLst>
+    <dgm:linClrLst meth="repeat">
+      <a:schemeClr val="lt1">
+        <a:shade val="80000"/>
+      </a:schemeClr>
+    </dgm:linClrLst>
+    <dgm:effectClrLst/>
+    <dgm:txLinClrLst/>
+    <dgm:txFillClrLst/>
+    <dgm:txEffectClrLst/>
+  </dgm:styleLbl>
+  <dgm:styleLbl name="asst1">
+    <dgm:fillClrLst meth="repeat">
+      <a:schemeClr val="accent6"/>
+    </dgm:fillClrLst>
+    <dgm:linClrLst meth="repeat">
+      <a:schemeClr val="lt1">
+        <a:shade val="80000"/>
+      </a:schemeClr>
+    </dgm:linClrLst>
+    <dgm:effectClrLst/>
+    <dgm:txLinClrLst/>
+    <dgm:txFillClrLst/>
+    <dgm:txEffectClrLst/>
+  </dgm:styleLbl>
+  <dgm:styleLbl name="asst2">
+    <dgm:fillClrLst>
+      <a:schemeClr val="accent1"/>
+    </dgm:fillClrLst>
+    <dgm:linClrLst meth="repeat">
+      <a:schemeClr val="lt1"/>
+    </dgm:linClrLst>
+    <dgm:effectClrLst/>
+    <dgm:txLinClrLst/>
+    <dgm:txFillClrLst/>
+    <dgm:txEffectClrLst/>
+  </dgm:styleLbl>
+  <dgm:styleLbl name="asst3">
+    <dgm:fillClrLst>
+      <a:schemeClr val="accent2"/>
+    </dgm:fillClrLst>
+    <dgm:linClrLst meth="repeat">
+      <a:schemeClr val="lt1"/>
+    </dgm:linClrLst>
+    <dgm:effectClrLst/>
+    <dgm:txLinClrLst/>
+    <dgm:txFillClrLst/>
+    <dgm:txEffectClrLst/>
+  </dgm:styleLbl>
+  <dgm:styleLbl name="asst4">
+    <dgm:fillClrLst>
+      <a:schemeClr val="accent3"/>
+    </dgm:fillClrLst>
+    <dgm:linClrLst meth="repeat">
+      <a:schemeClr val="lt1"/>
+    </dgm:linClrLst>
+    <dgm:effectClrLst/>
+    <dgm:txLinClrLst/>
+    <dgm:txFillClrLst/>
+    <dgm:txEffectClrLst/>
+  </dgm:styleLbl>
+  <dgm:styleLbl name="parChTrans2D1">
+    <dgm:fillClrLst meth="repeat">
+      <a:schemeClr val="accent5"/>
+    </dgm:fillClrLst>
+    <dgm:linClrLst meth="repeat">
+      <a:schemeClr val="lt1"/>
+    </dgm:linClrLst>
+    <dgm:effectClrLst/>
+    <dgm:txLinClrLst/>
+    <dgm:txFillClrLst meth="repeat">
+      <a:schemeClr val="lt1"/>
+    </dgm:txFillClrLst>
+    <dgm:txEffectClrLst/>
+  </dgm:styleLbl>
+  <dgm:styleLbl name="parChTrans2D2">
+    <dgm:fillClrLst meth="repeat">
+      <a:schemeClr val="accent6"/>
+    </dgm:fillClrLst>
+    <dgm:linClrLst meth="repeat">
+      <a:schemeClr val="lt1"/>
+    </dgm:linClrLst>
+    <dgm:effectClrLst/>
+    <dgm:txLinClrLst/>
+    <dgm:txFillClrLst/>
+    <dgm:txEffectClrLst/>
+  </dgm:styleLbl>
+  <dgm:styleLbl name="parChTrans2D3">
+    <dgm:fillClrLst meth="repeat">
+      <a:schemeClr val="accent6"/>
+    </dgm:fillClrLst>
+    <dgm:linClrLst meth="repeat">
+      <a:schemeClr val="lt1"/>
+    </dgm:linClrLst>
+    <dgm:effectClrLst/>
+    <dgm:txLinClrLst/>
+    <dgm:txFillClrLst/>
+    <dgm:txEffectClrLst/>
+  </dgm:styleLbl>
+  <dgm:styleLbl name="parChTrans2D4">
+    <dgm:fillClrLst meth="repeat">
+      <a:schemeClr val="accent1"/>
+    </dgm:fillClrLst>
+    <dgm:linClrLst meth="repeat">
+      <a:schemeClr val="lt1"/>
+    </dgm:linClrLst>
+    <dgm:effectClrLst/>
+    <dgm:txLinClrLst/>
+    <dgm:txFillClrLst meth="repeat">
+      <a:schemeClr val="lt1"/>
+    </dgm:txFillClrLst>
+    <dgm:txEffectClrLst/>
+  </dgm:styleLbl>
+  <dgm:styleLbl name="parChTrans1D1">
+    <dgm:fillClrLst meth="repeat">
+      <a:schemeClr val="accent5"/>
+    </dgm:fillClrLst>
+    <dgm:linClrLst meth="repeat">
+      <a:schemeClr val="accent5"/>
+    </dgm:linClrLst>
+    <dgm:effectClrLst/>
+    <dgm:txLinClrLst/>
+    <dgm:txFillClrLst meth="repeat">
+      <a:schemeClr val="tx1"/>
+    </dgm:txFillClrLst>
+    <dgm:txEffectClrLst/>
+  </dgm:styleLbl>
+  <dgm:styleLbl name="parChTrans1D2">
+    <dgm:fillClrLst meth="repeat">
+      <a:schemeClr val="accent6">
+        <a:tint val="90000"/>
+      </a:schemeClr>
+    </dgm:fillClrLst>
+    <dgm:linClrLst meth="repeat">
+      <a:schemeClr val="accent6"/>
+    </dgm:linClrLst>
+    <dgm:effectClrLst/>
+    <dgm:txLinClrLst/>
+    <dgm:txFillClrLst meth="repeat">
+      <a:schemeClr val="tx1"/>
+    </dgm:txFillClrLst>
+    <dgm:txEffectClrLst/>
+  </dgm:styleLbl>
+  <dgm:styleLbl name="parChTrans1D3">
+    <dgm:fillClrLst meth="repeat">
+      <a:schemeClr val="accent6">
+        <a:tint val="70000"/>
+      </a:schemeClr>
+    </dgm:fillClrLst>
+    <dgm:linClrLst meth="repeat">
+      <a:schemeClr val="accent1"/>
+    </dgm:linClrLst>
+    <dgm:effectClrLst/>
+    <dgm:txLinClrLst/>
+    <dgm:txFillClrLst meth="repeat">
+      <a:schemeClr val="tx1"/>
+    </dgm:txFillClrLst>
+    <dgm:txEffectClrLst/>
+  </dgm:styleLbl>
+  <dgm:styleLbl name="parChTrans1D4">
+    <dgm:fillClrLst meth="repeat">
+      <a:schemeClr val="accent6">
+        <a:tint val="50000"/>
+      </a:schemeClr>
+    </dgm:fillClrLst>
+    <dgm:linClrLst meth="repeat">
+      <a:schemeClr val="accent2"/>
+    </dgm:linClrLst>
+    <dgm:effectClrLst/>
+    <dgm:txLinClrLst/>
+    <dgm:txFillClrLst meth="repeat">
+      <a:schemeClr val="tx1"/>
+    </dgm:txFillClrLst>
+    <dgm:txEffectClrLst/>
+  </dgm:styleLbl>
+  <dgm:styleLbl name="fgAcc1">
+    <dgm:fillClrLst meth="repeat">
+      <a:schemeClr val="lt1">
+        <a:alpha val="90000"/>
+      </a:schemeClr>
+    </dgm:fillClrLst>
+    <dgm:linClrLst>
+      <a:schemeClr val="accent5"/>
+      <a:schemeClr val="accent6"/>
+    </dgm:linClrLst>
+    <dgm:effectClrLst/>
+    <dgm:txLinClrLst/>
+    <dgm:txFillClrLst meth="repeat">
+      <a:schemeClr val="dk1"/>
+    </dgm:txFillClrLst>
+    <dgm:txEffectClrLst/>
+  </dgm:styleLbl>
+  <dgm:styleLbl name="conFgAcc1">
+    <dgm:fillClrLst meth="repeat">
+      <a:schemeClr val="lt1">
+        <a:alpha val="90000"/>
+      </a:schemeClr>
+    </dgm:fillClrLst>
+    <dgm:linClrLst>
+      <a:schemeClr val="accent5"/>
+      <a:schemeClr val="accent6"/>
+    </dgm:linClrLst>
+    <dgm:effectClrLst/>
+    <dgm:txLinClrLst/>
+    <dgm:txFillClrLst meth="repeat">
+      <a:schemeClr val="dk1"/>
+    </dgm:txFillClrLst>
+    <dgm:txEffectClrLst/>
+  </dgm:styleLbl>
+  <dgm:styleLbl name="alignAcc1">
+    <dgm:fillClrLst meth="repeat">
+      <a:schemeClr val="lt1">
+        <a:alpha val="90000"/>
+      </a:schemeClr>
+    </dgm:fillClrLst>
+    <dgm:linClrLst>
+      <a:schemeClr val="accent5"/>
+      <a:schemeClr val="accent6"/>
+    </dgm:linClrLst>
+    <dgm:effectClrLst/>
+    <dgm:txLinClrLst/>
+    <dgm:txFillClrLst meth="repeat">
+      <a:schemeClr val="dk1"/>
+    </dgm:txFillClrLst>
+    <dgm:txEffectClrLst/>
+  </dgm:styleLbl>
+  <dgm:styleLbl name="trAlignAcc1">
+    <dgm:fillClrLst meth="repeat">
+      <a:schemeClr val="lt1">
+        <a:alpha val="40000"/>
+      </a:schemeClr>
+    </dgm:fillClrLst>
+    <dgm:linClrLst meth="repeat">
+      <a:schemeClr val="accent5"/>
+    </dgm:linClrLst>
+    <dgm:effectClrLst/>
+    <dgm:txLinClrLst/>
+    <dgm:txFillClrLst meth="repeat">
+      <a:schemeClr val="dk1"/>
+    </dgm:txFillClrLst>
+    <dgm:txEffectClrLst/>
+  </dgm:styleLbl>
+  <dgm:styleLbl name="bgAcc1">
+    <dgm:fillClrLst meth="repeat">
+      <a:schemeClr val="lt1">
+        <a:alpha val="90000"/>
+      </a:schemeClr>
+    </dgm:fillClrLst>
+    <dgm:linClrLst>
+      <a:schemeClr val="accent5"/>
+      <a:schemeClr val="accent6"/>
+    </dgm:linClrLst>
+    <dgm:effectClrLst/>
+    <dgm:txLinClrLst/>
+    <dgm:txFillClrLst meth="repeat">
+      <a:schemeClr val="dk1"/>
+    </dgm:txFillClrLst>
+    <dgm:txEffectClrLst/>
+  </dgm:styleLbl>
+  <dgm:styleLbl name="solidFgAcc1">
+    <dgm:fillClrLst meth="repeat">
+      <a:schemeClr val="lt1"/>
+    </dgm:fillClrLst>
+    <dgm:linClrLst>
+      <a:schemeClr val="accent5"/>
+      <a:schemeClr val="accent6"/>
+    </dgm:linClrLst>
+    <dgm:effectClrLst/>
+    <dgm:txLinClrLst/>
+    <dgm:txFillClrLst meth="repeat">
+      <a:schemeClr val="dk1"/>
+    </dgm:txFillClrLst>
+    <dgm:txEffectClrLst/>
+  </dgm:styleLbl>
+  <dgm:styleLbl name="solidAlignAcc1">
+    <dgm:fillClrLst meth="repeat">
+      <a:schemeClr val="lt1"/>
+    </dgm:fillClrLst>
+    <dgm:linClrLst>
+      <a:schemeClr val="accent5"/>
+      <a:schemeClr val="accent6"/>
+    </dgm:linClrLst>
+    <dgm:effectClrLst/>
+    <dgm:txLinClrLst/>
+    <dgm:txFillClrLst meth="repeat">
+      <a:schemeClr val="dk1"/>
+    </dgm:txFillClrLst>
+    <dgm:txEffectClrLst/>
+  </dgm:styleLbl>
+  <dgm:styleLbl name="solidBgAcc1">
+    <dgm:fillClrLst meth="repeat">
+      <a:schemeClr val="lt1"/>
+    </dgm:fillClrLst>
+    <dgm:linClrLst>
+      <a:schemeClr val="accent5"/>
+      <a:schemeClr val="accent6"/>
+    </dgm:linClrLst>
+    <dgm:effectClrLst/>
+    <dgm:txLinClrLst/>
+    <dgm:txFillClrLst meth="repeat">
+      <a:schemeClr val="dk1"/>
+    </dgm:txFillClrLst>
+    <dgm:txEffectClrLst/>
+  </dgm:styleLbl>
+  <dgm:styleLbl name="fgAccFollowNode1">
+    <dgm:fillClrLst>
+      <a:schemeClr val="accent5">
+        <a:tint val="40000"/>
+        <a:alpha val="90000"/>
+      </a:schemeClr>
+      <a:schemeClr val="accent6">
+        <a:tint val="40000"/>
+        <a:alpha val="90000"/>
+      </a:schemeClr>
+    </dgm:fillClrLst>
+    <dgm:linClrLst>
+      <a:schemeClr val="accent5">
+        <a:tint val="40000"/>
+        <a:alpha val="90000"/>
+      </a:schemeClr>
+      <a:schemeClr val="accent5">
+        <a:tint val="40000"/>
+        <a:alpha val="90000"/>
+      </a:schemeClr>
+    </dgm:linClrLst>
+    <dgm:effectClrLst/>
+    <dgm:txLinClrLst/>
+    <dgm:txFillClrLst meth="repeat">
+      <a:schemeClr val="dk1"/>
+    </dgm:txFillClrLst>
+    <dgm:txEffectClrLst/>
+  </dgm:styleLbl>
+  <dgm:styleLbl name="alignAccFollowNode1">
+    <dgm:fillClrLst>
+      <a:schemeClr val="accent5">
+        <a:tint val="40000"/>
+        <a:alpha val="90000"/>
+      </a:schemeClr>
+      <a:schemeClr val="accent6">
+        <a:tint val="40000"/>
+        <a:alpha val="90000"/>
+      </a:schemeClr>
+    </dgm:fillClrLst>
+    <dgm:linClrLst>
+      <a:schemeClr val="accent5">
+        <a:tint val="40000"/>
+        <a:alpha val="90000"/>
+      </a:schemeClr>
+      <a:schemeClr val="accent6">
+        <a:tint val="40000"/>
+        <a:alpha val="90000"/>
+      </a:schemeClr>
+    </dgm:linClrLst>
+    <dgm:effectClrLst/>
+    <dgm:txLinClrLst/>
+    <dgm:txFillClrLst meth="repeat">
+      <a:schemeClr val="dk1"/>
+    </dgm:txFillClrLst>
+    <dgm:txEffectClrLst/>
+  </dgm:styleLbl>
+  <dgm:styleLbl name="bgAccFollowNode1">
+    <dgm:fillClrLst>
+      <a:schemeClr val="accent5">
+        <a:tint val="40000"/>
+        <a:alpha val="90000"/>
+      </a:schemeClr>
+      <a:schemeClr val="accent6">
+        <a:tint val="40000"/>
+        <a:alpha val="90000"/>
+      </a:schemeClr>
+    </dgm:fillClrLst>
+    <dgm:linClrLst>
+      <a:schemeClr val="accent5">
+        <a:tint val="40000"/>
+        <a:alpha val="90000"/>
+      </a:schemeClr>
+      <a:schemeClr val="accent6">
+        <a:tint val="40000"/>
+        <a:alpha val="90000"/>
+      </a:schemeClr>
+    </dgm:linClrLst>
+    <dgm:effectClrLst/>
+    <dgm:txLinClrLst/>
+    <dgm:txFillClrLst meth="repeat">
+      <a:schemeClr val="dk1"/>
+    </dgm:txFillClrLst>
+    <dgm:txEffectClrLst/>
+  </dgm:styleLbl>
+  <dgm:styleLbl name="fgAcc0">
+    <dgm:fillClrLst meth="repeat">
+      <a:schemeClr val="lt1">
+        <a:alpha val="90000"/>
+      </a:schemeClr>
+    </dgm:fillClrLst>
+    <dgm:linClrLst>
+      <a:schemeClr val="accent4"/>
+    </dgm:linClrLst>
+    <dgm:effectClrLst/>
+    <dgm:txLinClrLst/>
+    <dgm:txFillClrLst meth="repeat">
+      <a:schemeClr val="dk1"/>
+    </dgm:txFillClrLst>
+    <dgm:txEffectClrLst/>
+  </dgm:styleLbl>
+  <dgm:styleLbl name="fgAcc2">
+    <dgm:fillClrLst meth="repeat">
+      <a:schemeClr val="lt1">
+        <a:alpha val="90000"/>
+      </a:schemeClr>
+    </dgm:fillClrLst>
+    <dgm:linClrLst>
+      <a:schemeClr val="accent6"/>
+    </dgm:linClrLst>
+    <dgm:effectClrLst/>
+    <dgm:txLinClrLst/>
+    <dgm:txFillClrLst meth="repeat">
+      <a:schemeClr val="dk1"/>
+    </dgm:txFillClrLst>
+    <dgm:txEffectClrLst/>
+  </dgm:styleLbl>
+  <dgm:styleLbl name="fgAcc3">
+    <dgm:fillClrLst meth="repeat">
+      <a:schemeClr val="lt1">
+        <a:alpha val="90000"/>
+      </a:schemeClr>
+    </dgm:fillClrLst>
+    <dgm:linClrLst>
+      <a:schemeClr val="accent1"/>
+    </dgm:linClrLst>
+    <dgm:effectClrLst/>
+    <dgm:txLinClrLst/>
+    <dgm:txFillClrLst meth="repeat">
+      <a:schemeClr val="dk1"/>
+    </dgm:txFillClrLst>
+    <dgm:txEffectClrLst/>
+  </dgm:styleLbl>
+  <dgm:styleLbl name="fgAcc4">
+    <dgm:fillClrLst meth="repeat">
+      <a:schemeClr val="lt1">
+        <a:alpha val="90000"/>
+      </a:schemeClr>
+    </dgm:fillClrLst>
+    <dgm:linClrLst>
+      <a:schemeClr val="accent2"/>
+    </dgm:linClrLst>
+    <dgm:effectClrLst/>
+    <dgm:txLinClrLst/>
+    <dgm:txFillClrLst meth="repeat">
+      <a:schemeClr val="dk1"/>
+    </dgm:txFillClrLst>
+    <dgm:txEffectClrLst/>
+  </dgm:styleLbl>
+  <dgm:styleLbl name="bgShp">
+    <dgm:fillClrLst meth="repeat">
+      <a:schemeClr val="accent5">
+        <a:tint val="40000"/>
+      </a:schemeClr>
+    </dgm:fillClrLst>
+    <dgm:linClrLst meth="repeat">
+      <a:schemeClr val="dk1"/>
+    </dgm:linClrLst>
+    <dgm:effectClrLst/>
+    <dgm:txLinClrLst/>
+    <dgm:txFillClrLst meth="repeat">
+      <a:schemeClr val="dk1"/>
+    </dgm:txFillClrLst>
+    <dgm:txEffectClrLst/>
+  </dgm:styleLbl>
+  <dgm:styleLbl name="dkBgShp">
+    <dgm:fillClrLst meth="repeat">
+      <a:schemeClr val="accent5">
+        <a:shade val="90000"/>
+      </a:schemeClr>
+    </dgm:fillClrLst>
+    <dgm:linClrLst meth="repeat">
+      <a:schemeClr val="dk1"/>
+    </dgm:linClrLst>
+    <dgm:effectClrLst/>
+    <dgm:txLinClrLst/>
+    <dgm:txFillClrLst meth="repeat">
+      <a:schemeClr val="lt1"/>
+    </dgm:txFillClrLst>
+    <dgm:txEffectClrLst/>
+  </dgm:styleLbl>
+  <dgm:styleLbl name="trBgShp">
+    <dgm:fillClrLst meth="repeat">
+      <a:schemeClr val="accent5">
+        <a:tint val="50000"/>
+        <a:alpha val="40000"/>
+      </a:schemeClr>
+    </dgm:fillClrLst>
+    <dgm:linClrLst meth="repeat">
+      <a:schemeClr val="accent5"/>
+    </dgm:linClrLst>
+    <dgm:effectClrLst/>
+    <dgm:txLinClrLst/>
+    <dgm:txFillClrLst meth="repeat">
+      <a:schemeClr val="lt1"/>
+    </dgm:txFillClrLst>
+    <dgm:txEffectClrLst/>
+  </dgm:styleLbl>
+  <dgm:styleLbl name="fgShp">
+    <dgm:fillClrLst meth="repeat">
+      <a:schemeClr val="accent5">
+        <a:tint val="40000"/>
+      </a:schemeClr>
+    </dgm:fillClrLst>
+    <dgm:linClrLst meth="repeat">
+      <a:schemeClr val="lt1"/>
+    </dgm:linClrLst>
+    <dgm:effectClrLst/>
+    <dgm:txLinClrLst/>
+    <dgm:txFillClrLst meth="repeat">
+      <a:schemeClr val="dk1"/>
+    </dgm:txFillClrLst>
+    <dgm:txEffectClrLst/>
+  </dgm:styleLbl>
+  <dgm:styleLbl name="revTx">
+    <dgm:fillClrLst meth="repeat">
+      <a:schemeClr val="lt1">
+        <a:alpha val="0"/>
+      </a:schemeClr>
+    </dgm:fillClrLst>
+    <dgm:linClrLst meth="repeat">
+      <a:schemeClr val="dk1">
+        <a:alpha val="0"/>
+      </a:schemeClr>
+    </dgm:linClrLst>
+    <dgm:effectClrLst/>
+    <dgm:txLinClrLst/>
+    <dgm:txFillClrLst meth="repeat">
+      <a:schemeClr val="tx1"/>
+    </dgm:txFillClrLst>
+    <dgm:txEffectClrLst/>
+  </dgm:styleLbl>
+</dgm:colorsDef>
+</file>
+
+<file path=ppt/diagrams/data1.xml><?xml version="1.0" encoding="utf-8"?>
+<dgm:dataModel xmlns:dgm="http://schemas.openxmlformats.org/drawingml/2006/diagram" xmlns:a="http://schemas.openxmlformats.org/drawingml/2006/main">
+  <dgm:ptLst>
+    <dgm:pt modelId="{297A0520-2764-4C8F-9AE0-DB732A67FFED}" type="doc">
+      <dgm:prSet loTypeId="urn:microsoft.com/office/officeart/2016/7/layout/VerticalSolidActionList" loCatId="List" qsTypeId="urn:microsoft.com/office/officeart/2005/8/quickstyle/simple1" qsCatId="simple" csTypeId="urn:microsoft.com/office/officeart/2005/8/colors/colorful1" csCatId="colorful"/>
+      <dgm:spPr/>
+      <dgm:t>
+        <a:bodyPr/>
+        <a:lstStyle/>
+        <a:p>
+          <a:endParaRPr lang="en-US"/>
+        </a:p>
+      </dgm:t>
+    </dgm:pt>
+    <dgm:pt modelId="{8B5945AF-6974-4C42-85DE-6FE5B77CAAD0}">
+      <dgm:prSet/>
+      <dgm:spPr/>
+      <dgm:t>
+        <a:bodyPr/>
+        <a:lstStyle/>
+        <a:p>
+          <a:r>
+            <a:rPr lang="en-US"/>
+            <a:t>Data collection</a:t>
+          </a:r>
+        </a:p>
+      </dgm:t>
+    </dgm:pt>
+    <dgm:pt modelId="{B1E30F8F-A431-4AC2-9AC6-64ABBF0D16B1}" type="parTrans" cxnId="{10DE1866-6007-4F52-914D-F4842E3BB28B}">
+      <dgm:prSet/>
+      <dgm:spPr/>
+      <dgm:t>
+        <a:bodyPr/>
+        <a:lstStyle/>
+        <a:p>
+          <a:endParaRPr lang="en-US"/>
+        </a:p>
+      </dgm:t>
+    </dgm:pt>
+    <dgm:pt modelId="{145EB648-2E3B-44D3-A0E9-770EA0C1B91C}" type="sibTrans" cxnId="{10DE1866-6007-4F52-914D-F4842E3BB28B}">
+      <dgm:prSet/>
+      <dgm:spPr/>
+      <dgm:t>
+        <a:bodyPr/>
+        <a:lstStyle/>
+        <a:p>
+          <a:endParaRPr lang="en-US"/>
+        </a:p>
+      </dgm:t>
+    </dgm:pt>
+    <dgm:pt modelId="{8B3E616F-C7D6-4D3D-8241-73AF0A807405}">
+      <dgm:prSet/>
+      <dgm:spPr/>
+      <dgm:t>
+        <a:bodyPr/>
+        <a:lstStyle/>
+        <a:p>
+          <a:r>
+            <a:rPr lang="en-US"/>
+            <a:t>Herring otoliths</a:t>
+          </a:r>
+        </a:p>
+      </dgm:t>
+    </dgm:pt>
+    <dgm:pt modelId="{ED0A0C16-1BFA-4131-9F43-B913CBCC6020}" type="parTrans" cxnId="{3D182FFE-29F5-4C52-A3C3-A6C6EBDFCD33}">
+      <dgm:prSet/>
+      <dgm:spPr/>
+      <dgm:t>
+        <a:bodyPr/>
+        <a:lstStyle/>
+        <a:p>
+          <a:endParaRPr lang="en-US"/>
+        </a:p>
+      </dgm:t>
+    </dgm:pt>
+    <dgm:pt modelId="{919D7636-CC40-40B0-9532-4D593730811A}" type="sibTrans" cxnId="{3D182FFE-29F5-4C52-A3C3-A6C6EBDFCD33}">
+      <dgm:prSet/>
+      <dgm:spPr/>
+      <dgm:t>
+        <a:bodyPr/>
+        <a:lstStyle/>
+        <a:p>
+          <a:endParaRPr lang="en-US"/>
+        </a:p>
+      </dgm:t>
+    </dgm:pt>
+    <dgm:pt modelId="{CC2CAAE7-9139-44C8-B54C-559EFF786698}">
+      <dgm:prSet/>
+      <dgm:spPr/>
+      <dgm:t>
+        <a:bodyPr/>
+        <a:lstStyle/>
+        <a:p>
+          <a:r>
+            <a:rPr lang="en-US"/>
+            <a:t>Recreationally-caught salmon catch data</a:t>
+          </a:r>
+        </a:p>
+      </dgm:t>
+    </dgm:pt>
+    <dgm:pt modelId="{C8F38EC0-DABF-46D3-8282-825847FF2365}" type="parTrans" cxnId="{236E6CE1-1BFF-4F35-A1C1-0FE79B30233D}">
+      <dgm:prSet/>
+      <dgm:spPr/>
+      <dgm:t>
+        <a:bodyPr/>
+        <a:lstStyle/>
+        <a:p>
+          <a:endParaRPr lang="en-US"/>
+        </a:p>
+      </dgm:t>
+    </dgm:pt>
+    <dgm:pt modelId="{A91CB704-B96D-4732-A2F0-FB4CA1AC0C7B}" type="sibTrans" cxnId="{236E6CE1-1BFF-4F35-A1C1-0FE79B30233D}">
+      <dgm:prSet/>
+      <dgm:spPr/>
+      <dgm:t>
+        <a:bodyPr/>
+        <a:lstStyle/>
+        <a:p>
+          <a:endParaRPr lang="en-US"/>
+        </a:p>
+      </dgm:t>
+    </dgm:pt>
+    <dgm:pt modelId="{9D259188-6A99-40D5-8EA9-0C64AEB35365}">
+      <dgm:prSet/>
+      <dgm:spPr/>
+      <dgm:t>
+        <a:bodyPr/>
+        <a:lstStyle/>
+        <a:p>
+          <a:r>
+            <a:rPr lang="en-US"/>
+            <a:t>Response variable</a:t>
+          </a:r>
+        </a:p>
+      </dgm:t>
+    </dgm:pt>
+    <dgm:pt modelId="{F5213E94-BBDB-491E-94FB-E0D7D4BD3B8E}" type="parTrans" cxnId="{441B2EEF-7328-4725-B16B-4116B5E4F453}">
+      <dgm:prSet/>
+      <dgm:spPr/>
+      <dgm:t>
+        <a:bodyPr/>
+        <a:lstStyle/>
+        <a:p>
+          <a:endParaRPr lang="en-US"/>
+        </a:p>
+      </dgm:t>
+    </dgm:pt>
+    <dgm:pt modelId="{3A2FCF98-8EB3-418D-B30C-798F5EFF2FF9}" type="sibTrans" cxnId="{441B2EEF-7328-4725-B16B-4116B5E4F453}">
+      <dgm:prSet/>
+      <dgm:spPr/>
+      <dgm:t>
+        <a:bodyPr/>
+        <a:lstStyle/>
+        <a:p>
+          <a:endParaRPr lang="en-US"/>
+        </a:p>
+      </dgm:t>
+    </dgm:pt>
+    <dgm:pt modelId="{A86D5FF5-643F-4950-981C-E0DC1848B3EA}">
+      <dgm:prSet/>
+      <dgm:spPr/>
+      <dgm:t>
+        <a:bodyPr/>
+        <a:lstStyle/>
+        <a:p>
+          <a:r>
+            <a:rPr lang="en-US"/>
+            <a:t>Otolith width (mm) ~ proxy for herring size</a:t>
+          </a:r>
+        </a:p>
+      </dgm:t>
+    </dgm:pt>
+    <dgm:pt modelId="{F21D4C55-A62B-4BB3-80A2-6BD611ABF74B}" type="parTrans" cxnId="{B66B2597-CED4-4354-B8DC-D394A0348CD0}">
+      <dgm:prSet/>
+      <dgm:spPr/>
+      <dgm:t>
+        <a:bodyPr/>
+        <a:lstStyle/>
+        <a:p>
+          <a:endParaRPr lang="en-US"/>
+        </a:p>
+      </dgm:t>
+    </dgm:pt>
+    <dgm:pt modelId="{9E22D705-561B-41D2-94A3-6A1DBB9EA16E}" type="sibTrans" cxnId="{B66B2597-CED4-4354-B8DC-D394A0348CD0}">
+      <dgm:prSet/>
+      <dgm:spPr/>
+      <dgm:t>
+        <a:bodyPr/>
+        <a:lstStyle/>
+        <a:p>
+          <a:endParaRPr lang="en-US"/>
+        </a:p>
+      </dgm:t>
+    </dgm:pt>
+    <dgm:pt modelId="{D0560927-EC29-4DAE-A6B8-DB41B3BE44A1}">
+      <dgm:prSet/>
+      <dgm:spPr/>
+      <dgm:t>
+        <a:bodyPr/>
+        <a:lstStyle/>
+        <a:p>
+          <a:r>
+            <a:rPr lang="en-US"/>
+            <a:t>Explanatory variables</a:t>
+          </a:r>
+        </a:p>
+      </dgm:t>
+    </dgm:pt>
+    <dgm:pt modelId="{E9959DDF-DD7E-4CA3-BCBF-624AB268D8CC}" type="parTrans" cxnId="{29628A50-01D9-4346-8D80-F434D85AC7A9}">
+      <dgm:prSet/>
+      <dgm:spPr/>
+      <dgm:t>
+        <a:bodyPr/>
+        <a:lstStyle/>
+        <a:p>
+          <a:endParaRPr lang="en-US"/>
+        </a:p>
+      </dgm:t>
+    </dgm:pt>
+    <dgm:pt modelId="{2D3DF4F7-04B1-4F56-9E9E-0A6B2E1B9B54}" type="sibTrans" cxnId="{29628A50-01D9-4346-8D80-F434D85AC7A9}">
+      <dgm:prSet/>
+      <dgm:spPr/>
+      <dgm:t>
+        <a:bodyPr/>
+        <a:lstStyle/>
+        <a:p>
+          <a:endParaRPr lang="en-US"/>
+        </a:p>
+      </dgm:t>
+    </dgm:pt>
+    <dgm:pt modelId="{09682588-D3C6-4778-981A-D5364B733FD9}">
+      <dgm:prSet/>
+      <dgm:spPr/>
+      <dgm:t>
+        <a:bodyPr/>
+        <a:lstStyle/>
+        <a:p>
+          <a:r>
+            <a:rPr lang="en-US"/>
+            <a:t>Collection day in 2018</a:t>
+          </a:r>
+        </a:p>
+      </dgm:t>
+    </dgm:pt>
+    <dgm:pt modelId="{98C43AD8-9C76-4F23-BC62-8D9211286AE1}" type="parTrans" cxnId="{8FABFF88-744C-4971-BCEF-ACF423B3D9E1}">
+      <dgm:prSet/>
+      <dgm:spPr/>
+      <dgm:t>
+        <a:bodyPr/>
+        <a:lstStyle/>
+        <a:p>
+          <a:endParaRPr lang="en-US"/>
+        </a:p>
+      </dgm:t>
+    </dgm:pt>
+    <dgm:pt modelId="{04F41029-6065-4CF6-820A-27500A26B0B5}" type="sibTrans" cxnId="{8FABFF88-744C-4971-BCEF-ACF423B3D9E1}">
+      <dgm:prSet/>
+      <dgm:spPr/>
+      <dgm:t>
+        <a:bodyPr/>
+        <a:lstStyle/>
+        <a:p>
+          <a:endParaRPr lang="en-US"/>
+        </a:p>
+      </dgm:t>
+    </dgm:pt>
+    <dgm:pt modelId="{42C608DF-D208-47D0-A4A5-0318AEAA01B3}">
+      <dgm:prSet/>
+      <dgm:spPr/>
+      <dgm:t>
+        <a:bodyPr/>
+        <a:lstStyle/>
+        <a:p>
+          <a:r>
+            <a:rPr lang="en-US"/>
+            <a:t>Salmon length (cm)</a:t>
+          </a:r>
+        </a:p>
+      </dgm:t>
+    </dgm:pt>
+    <dgm:pt modelId="{5C7577AF-74D5-4C13-B76E-CC0B47882624}" type="parTrans" cxnId="{D3290CA4-5F3D-47DA-9D60-B4DE928CA62B}">
+      <dgm:prSet/>
+      <dgm:spPr/>
+      <dgm:t>
+        <a:bodyPr/>
+        <a:lstStyle/>
+        <a:p>
+          <a:endParaRPr lang="en-US"/>
+        </a:p>
+      </dgm:t>
+    </dgm:pt>
+    <dgm:pt modelId="{4233107A-8002-4264-844E-2051FDEB15F2}" type="sibTrans" cxnId="{D3290CA4-5F3D-47DA-9D60-B4DE928CA62B}">
+      <dgm:prSet/>
+      <dgm:spPr/>
+      <dgm:t>
+        <a:bodyPr/>
+        <a:lstStyle/>
+        <a:p>
+          <a:endParaRPr lang="en-US"/>
+        </a:p>
+      </dgm:t>
+    </dgm:pt>
+    <dgm:pt modelId="{21DB5743-0C4C-431C-898D-AFE203F0CB13}">
+      <dgm:prSet/>
+      <dgm:spPr/>
+      <dgm:t>
+        <a:bodyPr/>
+        <a:lstStyle/>
+        <a:p>
+          <a:r>
+            <a:rPr lang="en-US"/>
+            <a:t>Latitude</a:t>
+          </a:r>
+        </a:p>
+      </dgm:t>
+    </dgm:pt>
+    <dgm:pt modelId="{9BBDB77A-4F06-4423-BB88-C42F161B913D}" type="parTrans" cxnId="{956EB9AC-A7EC-4052-8F83-ACAC5A689997}">
+      <dgm:prSet/>
+      <dgm:spPr/>
+      <dgm:t>
+        <a:bodyPr/>
+        <a:lstStyle/>
+        <a:p>
+          <a:endParaRPr lang="en-US"/>
+        </a:p>
+      </dgm:t>
+    </dgm:pt>
+    <dgm:pt modelId="{AD80BCBE-793C-4B75-9A36-4A1A197DBB75}" type="sibTrans" cxnId="{956EB9AC-A7EC-4052-8F83-ACAC5A689997}">
+      <dgm:prSet/>
+      <dgm:spPr/>
+      <dgm:t>
+        <a:bodyPr/>
+        <a:lstStyle/>
+        <a:p>
+          <a:endParaRPr lang="en-US"/>
+        </a:p>
+      </dgm:t>
+    </dgm:pt>
+    <dgm:pt modelId="{676881B3-C391-47D3-B7E2-3C975AEBA86F}">
+      <dgm:prSet/>
+      <dgm:spPr/>
+      <dgm:t>
+        <a:bodyPr/>
+        <a:lstStyle/>
+        <a:p>
+          <a:r>
+            <a:rPr lang="en-US"/>
+            <a:t>Longitude</a:t>
+          </a:r>
+        </a:p>
+      </dgm:t>
+    </dgm:pt>
+    <dgm:pt modelId="{0884D53C-FEC1-4F21-BB75-489BD8829B84}" type="parTrans" cxnId="{674844AB-9620-49C2-BCCD-C7B2AE04DF3D}">
+      <dgm:prSet/>
+      <dgm:spPr/>
+      <dgm:t>
+        <a:bodyPr/>
+        <a:lstStyle/>
+        <a:p>
+          <a:endParaRPr lang="en-US"/>
+        </a:p>
+      </dgm:t>
+    </dgm:pt>
+    <dgm:pt modelId="{9C651F43-65E1-4716-BC7A-0889DD8B87BE}" type="sibTrans" cxnId="{674844AB-9620-49C2-BCCD-C7B2AE04DF3D}">
+      <dgm:prSet/>
+      <dgm:spPr/>
+      <dgm:t>
+        <a:bodyPr/>
+        <a:lstStyle/>
+        <a:p>
+          <a:endParaRPr lang="en-US"/>
+        </a:p>
+      </dgm:t>
+    </dgm:pt>
+    <dgm:pt modelId="{0D295A89-1988-BA47-848E-D0D03775692E}" type="pres">
+      <dgm:prSet presAssocID="{297A0520-2764-4C8F-9AE0-DB732A67FFED}" presName="Name0" presStyleCnt="0">
+        <dgm:presLayoutVars>
+          <dgm:dir/>
+          <dgm:animLvl val="lvl"/>
+          <dgm:resizeHandles val="exact"/>
+        </dgm:presLayoutVars>
+      </dgm:prSet>
+      <dgm:spPr/>
+    </dgm:pt>
+    <dgm:pt modelId="{D62DBD94-B368-774B-87C9-2F3FA2C44C99}" type="pres">
+      <dgm:prSet presAssocID="{8B5945AF-6974-4C42-85DE-6FE5B77CAAD0}" presName="linNode" presStyleCnt="0"/>
+      <dgm:spPr/>
+    </dgm:pt>
+    <dgm:pt modelId="{1B419109-793A-C548-906A-3E4EC6136ECF}" type="pres">
+      <dgm:prSet presAssocID="{8B5945AF-6974-4C42-85DE-6FE5B77CAAD0}" presName="parentText" presStyleLbl="alignNode1" presStyleIdx="0" presStyleCnt="3">
+        <dgm:presLayoutVars>
+          <dgm:chMax val="1"/>
+          <dgm:bulletEnabled/>
+        </dgm:presLayoutVars>
+      </dgm:prSet>
+      <dgm:spPr/>
+    </dgm:pt>
+    <dgm:pt modelId="{8A7AFA50-C14A-A443-8EA4-D394A74BFAC9}" type="pres">
+      <dgm:prSet presAssocID="{8B5945AF-6974-4C42-85DE-6FE5B77CAAD0}" presName="descendantText" presStyleLbl="alignAccFollowNode1" presStyleIdx="0" presStyleCnt="3">
+        <dgm:presLayoutVars>
+          <dgm:bulletEnabled/>
+        </dgm:presLayoutVars>
+      </dgm:prSet>
+      <dgm:spPr/>
+    </dgm:pt>
+    <dgm:pt modelId="{720E4EC1-EAE9-1946-8463-BC7AC05BA326}" type="pres">
+      <dgm:prSet presAssocID="{145EB648-2E3B-44D3-A0E9-770EA0C1B91C}" presName="sp" presStyleCnt="0"/>
+      <dgm:spPr/>
+    </dgm:pt>
+    <dgm:pt modelId="{3EE0B20F-9445-EF48-B834-F20C5DD10D8D}" type="pres">
+      <dgm:prSet presAssocID="{9D259188-6A99-40D5-8EA9-0C64AEB35365}" presName="linNode" presStyleCnt="0"/>
+      <dgm:spPr/>
+    </dgm:pt>
+    <dgm:pt modelId="{BECE8E23-732B-9B45-8B64-11217D7FC135}" type="pres">
+      <dgm:prSet presAssocID="{9D259188-6A99-40D5-8EA9-0C64AEB35365}" presName="parentText" presStyleLbl="alignNode1" presStyleIdx="1" presStyleCnt="3">
+        <dgm:presLayoutVars>
+          <dgm:chMax val="1"/>
+          <dgm:bulletEnabled/>
+        </dgm:presLayoutVars>
+      </dgm:prSet>
+      <dgm:spPr/>
+    </dgm:pt>
+    <dgm:pt modelId="{D06FFDFD-F336-D048-8B07-764097B87509}" type="pres">
+      <dgm:prSet presAssocID="{9D259188-6A99-40D5-8EA9-0C64AEB35365}" presName="descendantText" presStyleLbl="alignAccFollowNode1" presStyleIdx="1" presStyleCnt="3">
+        <dgm:presLayoutVars>
+          <dgm:bulletEnabled/>
+        </dgm:presLayoutVars>
+      </dgm:prSet>
+      <dgm:spPr/>
+    </dgm:pt>
+    <dgm:pt modelId="{8EBA90F1-B46D-F344-8FC2-A1B348ED3AC8}" type="pres">
+      <dgm:prSet presAssocID="{3A2FCF98-8EB3-418D-B30C-798F5EFF2FF9}" presName="sp" presStyleCnt="0"/>
+      <dgm:spPr/>
+    </dgm:pt>
+    <dgm:pt modelId="{D5C80AFA-2D45-C249-9F7D-1AE88C634097}" type="pres">
+      <dgm:prSet presAssocID="{D0560927-EC29-4DAE-A6B8-DB41B3BE44A1}" presName="linNode" presStyleCnt="0"/>
+      <dgm:spPr/>
+    </dgm:pt>
+    <dgm:pt modelId="{DF12F43D-8357-EB47-A4C0-35CA4A3F29E9}" type="pres">
+      <dgm:prSet presAssocID="{D0560927-EC29-4DAE-A6B8-DB41B3BE44A1}" presName="parentText" presStyleLbl="alignNode1" presStyleIdx="2" presStyleCnt="3">
+        <dgm:presLayoutVars>
+          <dgm:chMax val="1"/>
+          <dgm:bulletEnabled/>
+        </dgm:presLayoutVars>
+      </dgm:prSet>
+      <dgm:spPr/>
+    </dgm:pt>
+    <dgm:pt modelId="{79C994EE-5A2E-8D44-91DC-12CD97F62F4A}" type="pres">
+      <dgm:prSet presAssocID="{D0560927-EC29-4DAE-A6B8-DB41B3BE44A1}" presName="descendantText" presStyleLbl="alignAccFollowNode1" presStyleIdx="2" presStyleCnt="3">
+        <dgm:presLayoutVars>
+          <dgm:bulletEnabled/>
+        </dgm:presLayoutVars>
+      </dgm:prSet>
+      <dgm:spPr/>
+    </dgm:pt>
+  </dgm:ptLst>
+  <dgm:cxnLst>
+    <dgm:cxn modelId="{198E4900-501C-2A46-9FE3-CE4FC21FF13F}" type="presOf" srcId="{8B5945AF-6974-4C42-85DE-6FE5B77CAAD0}" destId="{1B419109-793A-C548-906A-3E4EC6136ECF}" srcOrd="0" destOrd="0" presId="urn:microsoft.com/office/officeart/2016/7/layout/VerticalSolidActionList"/>
+    <dgm:cxn modelId="{29628A50-01D9-4346-8D80-F434D85AC7A9}" srcId="{297A0520-2764-4C8F-9AE0-DB732A67FFED}" destId="{D0560927-EC29-4DAE-A6B8-DB41B3BE44A1}" srcOrd="2" destOrd="0" parTransId="{E9959DDF-DD7E-4CA3-BCBF-624AB268D8CC}" sibTransId="{2D3DF4F7-04B1-4F56-9E9E-0A6B2E1B9B54}"/>
+    <dgm:cxn modelId="{484DF257-622D-8F49-A9E1-5C53BBD6989F}" type="presOf" srcId="{8B3E616F-C7D6-4D3D-8241-73AF0A807405}" destId="{8A7AFA50-C14A-A443-8EA4-D394A74BFAC9}" srcOrd="0" destOrd="0" presId="urn:microsoft.com/office/officeart/2016/7/layout/VerticalSolidActionList"/>
+    <dgm:cxn modelId="{10DE1866-6007-4F52-914D-F4842E3BB28B}" srcId="{297A0520-2764-4C8F-9AE0-DB732A67FFED}" destId="{8B5945AF-6974-4C42-85DE-6FE5B77CAAD0}" srcOrd="0" destOrd="0" parTransId="{B1E30F8F-A431-4AC2-9AC6-64ABBF0D16B1}" sibTransId="{145EB648-2E3B-44D3-A0E9-770EA0C1B91C}"/>
+    <dgm:cxn modelId="{C7BE2867-9893-3248-B435-5974809AB438}" type="presOf" srcId="{42C608DF-D208-47D0-A4A5-0318AEAA01B3}" destId="{79C994EE-5A2E-8D44-91DC-12CD97F62F4A}" srcOrd="0" destOrd="1" presId="urn:microsoft.com/office/officeart/2016/7/layout/VerticalSolidActionList"/>
+    <dgm:cxn modelId="{0916DD6E-0B82-9C49-9EFE-03B57969AC2B}" type="presOf" srcId="{9D259188-6A99-40D5-8EA9-0C64AEB35365}" destId="{BECE8E23-732B-9B45-8B64-11217D7FC135}" srcOrd="0" destOrd="0" presId="urn:microsoft.com/office/officeart/2016/7/layout/VerticalSolidActionList"/>
+    <dgm:cxn modelId="{9DAB7478-DE8F-6E4D-A7E5-F8D2154272C6}" type="presOf" srcId="{09682588-D3C6-4778-981A-D5364B733FD9}" destId="{79C994EE-5A2E-8D44-91DC-12CD97F62F4A}" srcOrd="0" destOrd="0" presId="urn:microsoft.com/office/officeart/2016/7/layout/VerticalSolidActionList"/>
+    <dgm:cxn modelId="{EA2AA387-761C-704E-8050-F9E3E79A063F}" type="presOf" srcId="{21DB5743-0C4C-431C-898D-AFE203F0CB13}" destId="{79C994EE-5A2E-8D44-91DC-12CD97F62F4A}" srcOrd="0" destOrd="2" presId="urn:microsoft.com/office/officeart/2016/7/layout/VerticalSolidActionList"/>
+    <dgm:cxn modelId="{8FABFF88-744C-4971-BCEF-ACF423B3D9E1}" srcId="{D0560927-EC29-4DAE-A6B8-DB41B3BE44A1}" destId="{09682588-D3C6-4778-981A-D5364B733FD9}" srcOrd="0" destOrd="0" parTransId="{98C43AD8-9C76-4F23-BC62-8D9211286AE1}" sibTransId="{04F41029-6065-4CF6-820A-27500A26B0B5}"/>
+    <dgm:cxn modelId="{C90DE295-1F1C-A342-8531-BE10946EC553}" type="presOf" srcId="{D0560927-EC29-4DAE-A6B8-DB41B3BE44A1}" destId="{DF12F43D-8357-EB47-A4C0-35CA4A3F29E9}" srcOrd="0" destOrd="0" presId="urn:microsoft.com/office/officeart/2016/7/layout/VerticalSolidActionList"/>
+    <dgm:cxn modelId="{B66B2597-CED4-4354-B8DC-D394A0348CD0}" srcId="{9D259188-6A99-40D5-8EA9-0C64AEB35365}" destId="{A86D5FF5-643F-4950-981C-E0DC1848B3EA}" srcOrd="0" destOrd="0" parTransId="{F21D4C55-A62B-4BB3-80A2-6BD611ABF74B}" sibTransId="{9E22D705-561B-41D2-94A3-6A1DBB9EA16E}"/>
+    <dgm:cxn modelId="{D3290CA4-5F3D-47DA-9D60-B4DE928CA62B}" srcId="{D0560927-EC29-4DAE-A6B8-DB41B3BE44A1}" destId="{42C608DF-D208-47D0-A4A5-0318AEAA01B3}" srcOrd="1" destOrd="0" parTransId="{5C7577AF-74D5-4C13-B76E-CC0B47882624}" sibTransId="{4233107A-8002-4264-844E-2051FDEB15F2}"/>
+    <dgm:cxn modelId="{674844AB-9620-49C2-BCCD-C7B2AE04DF3D}" srcId="{D0560927-EC29-4DAE-A6B8-DB41B3BE44A1}" destId="{676881B3-C391-47D3-B7E2-3C975AEBA86F}" srcOrd="3" destOrd="0" parTransId="{0884D53C-FEC1-4F21-BB75-489BD8829B84}" sibTransId="{9C651F43-65E1-4716-BC7A-0889DD8B87BE}"/>
+    <dgm:cxn modelId="{956EB9AC-A7EC-4052-8F83-ACAC5A689997}" srcId="{D0560927-EC29-4DAE-A6B8-DB41B3BE44A1}" destId="{21DB5743-0C4C-431C-898D-AFE203F0CB13}" srcOrd="2" destOrd="0" parTransId="{9BBDB77A-4F06-4423-BB88-C42F161B913D}" sibTransId="{AD80BCBE-793C-4B75-9A36-4A1A197DBB75}"/>
+    <dgm:cxn modelId="{81FE35B7-07FA-A843-A45B-499D759EDBDB}" type="presOf" srcId="{676881B3-C391-47D3-B7E2-3C975AEBA86F}" destId="{79C994EE-5A2E-8D44-91DC-12CD97F62F4A}" srcOrd="0" destOrd="3" presId="urn:microsoft.com/office/officeart/2016/7/layout/VerticalSolidActionList"/>
+    <dgm:cxn modelId="{FC5046CF-6550-8544-A6FA-04851FEB5ACE}" type="presOf" srcId="{A86D5FF5-643F-4950-981C-E0DC1848B3EA}" destId="{D06FFDFD-F336-D048-8B07-764097B87509}" srcOrd="0" destOrd="0" presId="urn:microsoft.com/office/officeart/2016/7/layout/VerticalSolidActionList"/>
+    <dgm:cxn modelId="{236E6CE1-1BFF-4F35-A1C1-0FE79B30233D}" srcId="{8B5945AF-6974-4C42-85DE-6FE5B77CAAD0}" destId="{CC2CAAE7-9139-44C8-B54C-559EFF786698}" srcOrd="1" destOrd="0" parTransId="{C8F38EC0-DABF-46D3-8282-825847FF2365}" sibTransId="{A91CB704-B96D-4732-A2F0-FB4CA1AC0C7B}"/>
+    <dgm:cxn modelId="{706FBAE3-1684-9042-B7A4-4C187F54A6C6}" type="presOf" srcId="{CC2CAAE7-9139-44C8-B54C-559EFF786698}" destId="{8A7AFA50-C14A-A443-8EA4-D394A74BFAC9}" srcOrd="0" destOrd="1" presId="urn:microsoft.com/office/officeart/2016/7/layout/VerticalSolidActionList"/>
+    <dgm:cxn modelId="{4D31D1EA-E9F7-CE4F-BC59-D2BE2A61AB6C}" type="presOf" srcId="{297A0520-2764-4C8F-9AE0-DB732A67FFED}" destId="{0D295A89-1988-BA47-848E-D0D03775692E}" srcOrd="0" destOrd="0" presId="urn:microsoft.com/office/officeart/2016/7/layout/VerticalSolidActionList"/>
+    <dgm:cxn modelId="{441B2EEF-7328-4725-B16B-4116B5E4F453}" srcId="{297A0520-2764-4C8F-9AE0-DB732A67FFED}" destId="{9D259188-6A99-40D5-8EA9-0C64AEB35365}" srcOrd="1" destOrd="0" parTransId="{F5213E94-BBDB-491E-94FB-E0D7D4BD3B8E}" sibTransId="{3A2FCF98-8EB3-418D-B30C-798F5EFF2FF9}"/>
+    <dgm:cxn modelId="{3D182FFE-29F5-4C52-A3C3-A6C6EBDFCD33}" srcId="{8B5945AF-6974-4C42-85DE-6FE5B77CAAD0}" destId="{8B3E616F-C7D6-4D3D-8241-73AF0A807405}" srcOrd="0" destOrd="0" parTransId="{ED0A0C16-1BFA-4131-9F43-B913CBCC6020}" sibTransId="{919D7636-CC40-40B0-9532-4D593730811A}"/>
+    <dgm:cxn modelId="{9408CF5B-78BB-5E49-98EA-446321D26870}" type="presParOf" srcId="{0D295A89-1988-BA47-848E-D0D03775692E}" destId="{D62DBD94-B368-774B-87C9-2F3FA2C44C99}" srcOrd="0" destOrd="0" presId="urn:microsoft.com/office/officeart/2016/7/layout/VerticalSolidActionList"/>
+    <dgm:cxn modelId="{1FDAAE89-0AEF-BC4B-B650-60D86E278214}" type="presParOf" srcId="{D62DBD94-B368-774B-87C9-2F3FA2C44C99}" destId="{1B419109-793A-C548-906A-3E4EC6136ECF}" srcOrd="0" destOrd="0" presId="urn:microsoft.com/office/officeart/2016/7/layout/VerticalSolidActionList"/>
+    <dgm:cxn modelId="{20259534-A61B-A948-8838-0D47C7B0E58D}" type="presParOf" srcId="{D62DBD94-B368-774B-87C9-2F3FA2C44C99}" destId="{8A7AFA50-C14A-A443-8EA4-D394A74BFAC9}" srcOrd="1" destOrd="0" presId="urn:microsoft.com/office/officeart/2016/7/layout/VerticalSolidActionList"/>
+    <dgm:cxn modelId="{9B5D6F11-9574-4B46-A4D4-3A92E03B5C4E}" type="presParOf" srcId="{0D295A89-1988-BA47-848E-D0D03775692E}" destId="{720E4EC1-EAE9-1946-8463-BC7AC05BA326}" srcOrd="1" destOrd="0" presId="urn:microsoft.com/office/officeart/2016/7/layout/VerticalSolidActionList"/>
+    <dgm:cxn modelId="{1A05A853-FD09-644A-A856-BD7B30EB1EE8}" type="presParOf" srcId="{0D295A89-1988-BA47-848E-D0D03775692E}" destId="{3EE0B20F-9445-EF48-B834-F20C5DD10D8D}" srcOrd="2" destOrd="0" presId="urn:microsoft.com/office/officeart/2016/7/layout/VerticalSolidActionList"/>
+    <dgm:cxn modelId="{0C802736-5B5A-8541-947C-1F7A515037AD}" type="presParOf" srcId="{3EE0B20F-9445-EF48-B834-F20C5DD10D8D}" destId="{BECE8E23-732B-9B45-8B64-11217D7FC135}" srcOrd="0" destOrd="0" presId="urn:microsoft.com/office/officeart/2016/7/layout/VerticalSolidActionList"/>
+    <dgm:cxn modelId="{A24B8201-448F-DA45-B07B-D96E5282FA00}" type="presParOf" srcId="{3EE0B20F-9445-EF48-B834-F20C5DD10D8D}" destId="{D06FFDFD-F336-D048-8B07-764097B87509}" srcOrd="1" destOrd="0" presId="urn:microsoft.com/office/officeart/2016/7/layout/VerticalSolidActionList"/>
+    <dgm:cxn modelId="{7E0E92ED-524E-E64C-8346-7F2523E230E7}" type="presParOf" srcId="{0D295A89-1988-BA47-848E-D0D03775692E}" destId="{8EBA90F1-B46D-F344-8FC2-A1B348ED3AC8}" srcOrd="3" destOrd="0" presId="urn:microsoft.com/office/officeart/2016/7/layout/VerticalSolidActionList"/>
+    <dgm:cxn modelId="{8D0F4AD3-B18F-AF41-9E92-D0ADFEDD98E4}" type="presParOf" srcId="{0D295A89-1988-BA47-848E-D0D03775692E}" destId="{D5C80AFA-2D45-C249-9F7D-1AE88C634097}" srcOrd="4" destOrd="0" presId="urn:microsoft.com/office/officeart/2016/7/layout/VerticalSolidActionList"/>
+    <dgm:cxn modelId="{48D22553-E7A2-494C-B424-0C37E2885144}" type="presParOf" srcId="{D5C80AFA-2D45-C249-9F7D-1AE88C634097}" destId="{DF12F43D-8357-EB47-A4C0-35CA4A3F29E9}" srcOrd="0" destOrd="0" presId="urn:microsoft.com/office/officeart/2016/7/layout/VerticalSolidActionList"/>
+    <dgm:cxn modelId="{56CD8F21-9920-254F-B544-D1BEEA241903}" type="presParOf" srcId="{D5C80AFA-2D45-C249-9F7D-1AE88C634097}" destId="{79C994EE-5A2E-8D44-91DC-12CD97F62F4A}" srcOrd="1" destOrd="0" presId="urn:microsoft.com/office/officeart/2016/7/layout/VerticalSolidActionList"/>
+  </dgm:cxnLst>
+  <dgm:bg/>
+  <dgm:whole/>
+  <dgm:extLst>
+    <a:ext uri="http://schemas.microsoft.com/office/drawing/2008/diagram">
+      <dsp:dataModelExt xmlns:dsp="http://schemas.microsoft.com/office/drawing/2008/diagram" relId="rId7" minVer="http://schemas.openxmlformats.org/drawingml/2006/diagram"/>
+    </a:ext>
+  </dgm:extLst>
+</dgm:dataModel>
+</file>
+
+<file path=ppt/diagrams/data2.xml><?xml version="1.0" encoding="utf-8"?>
+<dgm:dataModel xmlns:dgm="http://schemas.openxmlformats.org/drawingml/2006/diagram" xmlns:a="http://schemas.openxmlformats.org/drawingml/2006/main">
+  <dgm:ptLst>
+    <dgm:pt modelId="{8DBCDCB4-EEF9-41C1-81FE-79947AA3C4DB}" type="doc">
+      <dgm:prSet loTypeId="urn:microsoft.com/office/officeart/2005/8/layout/hierarchy2" loCatId="hierarchy" qsTypeId="urn:microsoft.com/office/officeart/2005/8/quickstyle/simple1" qsCatId="simple" csTypeId="urn:microsoft.com/office/officeart/2005/8/colors/colorful5" csCatId="colorful"/>
+      <dgm:spPr/>
+      <dgm:t>
+        <a:bodyPr/>
+        <a:lstStyle/>
+        <a:p>
+          <a:endParaRPr lang="en-US"/>
+        </a:p>
+      </dgm:t>
+    </dgm:pt>
+    <dgm:pt modelId="{50CCE8C1-96AF-4331-9A36-5000DBE83E63}">
+      <dgm:prSet/>
+      <dgm:spPr/>
+      <dgm:t>
+        <a:bodyPr/>
+        <a:lstStyle/>
+        <a:p>
+          <a:r>
+            <a:rPr lang="en-US"/>
+            <a:t>1. Linear mixed-effects models fit with maximum likelihood estimation</a:t>
+          </a:r>
+        </a:p>
+      </dgm:t>
+    </dgm:pt>
+    <dgm:pt modelId="{476E8A15-C068-418E-8773-607755510021}" type="parTrans" cxnId="{69AAC923-81BF-440C-921C-940BF0B6393A}">
+      <dgm:prSet/>
+      <dgm:spPr/>
+      <dgm:t>
+        <a:bodyPr/>
+        <a:lstStyle/>
+        <a:p>
+          <a:endParaRPr lang="en-US"/>
+        </a:p>
+      </dgm:t>
+    </dgm:pt>
+    <dgm:pt modelId="{E21875A3-100D-4AFF-B7CC-72BD9D389FE6}" type="sibTrans" cxnId="{69AAC923-81BF-440C-921C-940BF0B6393A}">
+      <dgm:prSet/>
+      <dgm:spPr/>
+      <dgm:t>
+        <a:bodyPr/>
+        <a:lstStyle/>
+        <a:p>
+          <a:endParaRPr lang="en-US"/>
+        </a:p>
+      </dgm:t>
+    </dgm:pt>
+    <dgm:pt modelId="{AD116BD0-3C86-4D3B-A2F8-35B8385FD208}">
+      <dgm:prSet/>
+      <dgm:spPr/>
+      <dgm:t>
+        <a:bodyPr/>
+        <a:lstStyle/>
+        <a:p>
+          <a:r>
+            <a:rPr lang="en-US"/>
+            <a:t>Random intercept corresponding to salmon ID</a:t>
+          </a:r>
+        </a:p>
+      </dgm:t>
+    </dgm:pt>
+    <dgm:pt modelId="{793DF6B1-4B98-46C5-B892-00F3D730B4E7}" type="parTrans" cxnId="{38C38D3D-462D-4C53-88D0-DB64F7734256}">
+      <dgm:prSet/>
+      <dgm:spPr/>
+      <dgm:t>
+        <a:bodyPr/>
+        <a:lstStyle/>
+        <a:p>
+          <a:endParaRPr lang="en-US"/>
+        </a:p>
+      </dgm:t>
+    </dgm:pt>
+    <dgm:pt modelId="{2807683D-DAD6-47B8-800F-EE6975C69FED}" type="sibTrans" cxnId="{38C38D3D-462D-4C53-88D0-DB64F7734256}">
+      <dgm:prSet/>
+      <dgm:spPr/>
+      <dgm:t>
+        <a:bodyPr/>
+        <a:lstStyle/>
+        <a:p>
+          <a:endParaRPr lang="en-US"/>
+        </a:p>
+      </dgm:t>
+    </dgm:pt>
+    <dgm:pt modelId="{DFAB2CE5-FD77-4AD5-9399-A12215F25683}">
+      <dgm:prSet/>
+      <dgm:spPr/>
+      <dgm:t>
+        <a:bodyPr/>
+        <a:lstStyle/>
+        <a:p>
+          <a:r>
+            <a:rPr lang="en-US"/>
+            <a:t>2. Akaike Information Criterion (AIC)</a:t>
+          </a:r>
+        </a:p>
+      </dgm:t>
+    </dgm:pt>
+    <dgm:pt modelId="{FBC9FDE6-C936-4743-B6F4-8FDDB6E84F15}" type="parTrans" cxnId="{152E1FC0-9010-4214-989E-ACC18E76D291}">
+      <dgm:prSet/>
+      <dgm:spPr/>
+      <dgm:t>
+        <a:bodyPr/>
+        <a:lstStyle/>
+        <a:p>
+          <a:endParaRPr lang="en-US"/>
+        </a:p>
+      </dgm:t>
+    </dgm:pt>
+    <dgm:pt modelId="{7157B128-6E5E-44D9-9BAE-32CA2A3380B3}" type="sibTrans" cxnId="{152E1FC0-9010-4214-989E-ACC18E76D291}">
+      <dgm:prSet/>
+      <dgm:spPr/>
+      <dgm:t>
+        <a:bodyPr/>
+        <a:lstStyle/>
+        <a:p>
+          <a:endParaRPr lang="en-US"/>
+        </a:p>
+      </dgm:t>
+    </dgm:pt>
+    <dgm:pt modelId="{0C95A4E1-262D-4E19-ACB7-A38805AED670}">
+      <dgm:prSet/>
+      <dgm:spPr/>
+      <dgm:t>
+        <a:bodyPr/>
+        <a:lstStyle/>
+        <a:p>
+          <a:r>
+            <a:rPr lang="en-US"/>
+            <a:t>Advantages of LME followed by AIC?</a:t>
+          </a:r>
+        </a:p>
+      </dgm:t>
+    </dgm:pt>
+    <dgm:pt modelId="{D525BD72-AC8A-4763-8964-2CC2F7A6E903}" type="parTrans" cxnId="{ED9FD8D7-BA40-4B48-9A92-DA18CE13162F}">
+      <dgm:prSet/>
+      <dgm:spPr/>
+      <dgm:t>
+        <a:bodyPr/>
+        <a:lstStyle/>
+        <a:p>
+          <a:endParaRPr lang="en-US"/>
+        </a:p>
+      </dgm:t>
+    </dgm:pt>
+    <dgm:pt modelId="{F9BDE7C9-1C84-49B4-8B13-9C129045A970}" type="sibTrans" cxnId="{ED9FD8D7-BA40-4B48-9A92-DA18CE13162F}">
+      <dgm:prSet/>
+      <dgm:spPr/>
+      <dgm:t>
+        <a:bodyPr/>
+        <a:lstStyle/>
+        <a:p>
+          <a:endParaRPr lang="en-US"/>
+        </a:p>
+      </dgm:t>
+    </dgm:pt>
+    <dgm:pt modelId="{963E4C02-2D06-4D55-828F-964C83EE32E4}">
+      <dgm:prSet/>
+      <dgm:spPr/>
+      <dgm:t>
+        <a:bodyPr/>
+        <a:lstStyle/>
+        <a:p>
+          <a:r>
+            <a:rPr lang="en-US"/>
+            <a:t>Response normally distributed</a:t>
+          </a:r>
+        </a:p>
+      </dgm:t>
+    </dgm:pt>
+    <dgm:pt modelId="{0A2BFB30-5821-4D71-A0E1-D750127A9613}" type="parTrans" cxnId="{C696AC63-EED7-4A64-8765-6DDCB7B8534B}">
+      <dgm:prSet/>
+      <dgm:spPr/>
+      <dgm:t>
+        <a:bodyPr/>
+        <a:lstStyle/>
+        <a:p>
+          <a:endParaRPr lang="en-US"/>
+        </a:p>
+      </dgm:t>
+    </dgm:pt>
+    <dgm:pt modelId="{E5666B12-3AEC-40EB-8D7B-A1FF7179D77C}" type="sibTrans" cxnId="{C696AC63-EED7-4A64-8765-6DDCB7B8534B}">
+      <dgm:prSet/>
+      <dgm:spPr/>
+      <dgm:t>
+        <a:bodyPr/>
+        <a:lstStyle/>
+        <a:p>
+          <a:endParaRPr lang="en-US"/>
+        </a:p>
+      </dgm:t>
+    </dgm:pt>
+    <dgm:pt modelId="{4DBB116F-3746-43D2-B665-E776645284DF}">
+      <dgm:prSet/>
+      <dgm:spPr/>
+      <dgm:t>
+        <a:bodyPr/>
+        <a:lstStyle/>
+        <a:p>
+          <a:r>
+            <a:rPr lang="en-US"/>
+            <a:t>Compare complex, non-nested models</a:t>
+          </a:r>
+        </a:p>
+      </dgm:t>
+    </dgm:pt>
+    <dgm:pt modelId="{91DB206D-EBD3-4F7A-8590-3EC9DF056653}" type="parTrans" cxnId="{D8A02140-2206-4FAE-9B03-E178B696FB74}">
+      <dgm:prSet/>
+      <dgm:spPr/>
+      <dgm:t>
+        <a:bodyPr/>
+        <a:lstStyle/>
+        <a:p>
+          <a:endParaRPr lang="en-US"/>
+        </a:p>
+      </dgm:t>
+    </dgm:pt>
+    <dgm:pt modelId="{22AAB314-9420-49F1-BA8D-35682DEE5FDD}" type="sibTrans" cxnId="{D8A02140-2206-4FAE-9B03-E178B696FB74}">
+      <dgm:prSet/>
+      <dgm:spPr/>
+      <dgm:t>
+        <a:bodyPr/>
+        <a:lstStyle/>
+        <a:p>
+          <a:endParaRPr lang="en-US"/>
+        </a:p>
+      </dgm:t>
+    </dgm:pt>
+    <dgm:pt modelId="{D96713FE-930C-4C89-96C9-796B5EDC58FF}">
+      <dgm:prSet/>
+      <dgm:spPr/>
+      <dgm:t>
+        <a:bodyPr/>
+        <a:lstStyle/>
+        <a:p>
+          <a:r>
+            <a:rPr lang="en-US"/>
+            <a:t>Common in ecosystem studies where parameter estimates imprecise</a:t>
+          </a:r>
+        </a:p>
+      </dgm:t>
+    </dgm:pt>
+    <dgm:pt modelId="{136DADE0-F75D-43AE-A2F9-D3EFE3FFFA6B}" type="parTrans" cxnId="{CCBBEC6C-D1A5-486D-84BC-78E74D572399}">
+      <dgm:prSet/>
+      <dgm:spPr/>
+      <dgm:t>
+        <a:bodyPr/>
+        <a:lstStyle/>
+        <a:p>
+          <a:endParaRPr lang="en-US"/>
+        </a:p>
+      </dgm:t>
+    </dgm:pt>
+    <dgm:pt modelId="{1795F154-CAB8-4D7C-9A7D-B63A586BFBC8}" type="sibTrans" cxnId="{CCBBEC6C-D1A5-486D-84BC-78E74D572399}">
+      <dgm:prSet/>
+      <dgm:spPr/>
+      <dgm:t>
+        <a:bodyPr/>
+        <a:lstStyle/>
+        <a:p>
+          <a:endParaRPr lang="en-US"/>
+        </a:p>
+      </dgm:t>
+    </dgm:pt>
+    <dgm:pt modelId="{16E66102-371B-2644-A9B0-338D201B9294}" type="pres">
+      <dgm:prSet presAssocID="{8DBCDCB4-EEF9-41C1-81FE-79947AA3C4DB}" presName="diagram" presStyleCnt="0">
+        <dgm:presLayoutVars>
+          <dgm:chPref val="1"/>
+          <dgm:dir/>
+          <dgm:animOne val="branch"/>
+          <dgm:animLvl val="lvl"/>
+          <dgm:resizeHandles val="exact"/>
+        </dgm:presLayoutVars>
+      </dgm:prSet>
+      <dgm:spPr/>
+    </dgm:pt>
+    <dgm:pt modelId="{0DE3F66E-AB02-E147-B7D0-D450C8554833}" type="pres">
+      <dgm:prSet presAssocID="{50CCE8C1-96AF-4331-9A36-5000DBE83E63}" presName="root1" presStyleCnt="0"/>
+      <dgm:spPr/>
+    </dgm:pt>
+    <dgm:pt modelId="{DA635CDC-CEAB-8D4B-B350-871DE3032519}" type="pres">
+      <dgm:prSet presAssocID="{50CCE8C1-96AF-4331-9A36-5000DBE83E63}" presName="LevelOneTextNode" presStyleLbl="node0" presStyleIdx="0" presStyleCnt="3">
+        <dgm:presLayoutVars>
+          <dgm:chPref val="3"/>
+        </dgm:presLayoutVars>
+      </dgm:prSet>
+      <dgm:spPr/>
+    </dgm:pt>
+    <dgm:pt modelId="{1A2C8CAB-9737-C347-B811-C6C3D48BAADC}" type="pres">
+      <dgm:prSet presAssocID="{50CCE8C1-96AF-4331-9A36-5000DBE83E63}" presName="level2hierChild" presStyleCnt="0"/>
+      <dgm:spPr/>
+    </dgm:pt>
+    <dgm:pt modelId="{10F5A7A1-6F60-B742-A661-1C491886E9C6}" type="pres">
+      <dgm:prSet presAssocID="{793DF6B1-4B98-46C5-B892-00F3D730B4E7}" presName="conn2-1" presStyleLbl="parChTrans1D2" presStyleIdx="0" presStyleCnt="4"/>
+      <dgm:spPr/>
+    </dgm:pt>
+    <dgm:pt modelId="{7793BE38-4391-1D4D-ABFC-E267BDB90586}" type="pres">
+      <dgm:prSet presAssocID="{793DF6B1-4B98-46C5-B892-00F3D730B4E7}" presName="connTx" presStyleLbl="parChTrans1D2" presStyleIdx="0" presStyleCnt="4"/>
+      <dgm:spPr/>
+    </dgm:pt>
+    <dgm:pt modelId="{AD01DA5F-F9B9-8142-89A0-A6684347DDEA}" type="pres">
+      <dgm:prSet presAssocID="{AD116BD0-3C86-4D3B-A2F8-35B8385FD208}" presName="root2" presStyleCnt="0"/>
+      <dgm:spPr/>
+    </dgm:pt>
+    <dgm:pt modelId="{8C8EAE79-1CA5-2B43-9089-9E39FCE1636C}" type="pres">
+      <dgm:prSet presAssocID="{AD116BD0-3C86-4D3B-A2F8-35B8385FD208}" presName="LevelTwoTextNode" presStyleLbl="node2" presStyleIdx="0" presStyleCnt="4">
+        <dgm:presLayoutVars>
+          <dgm:chPref val="3"/>
+        </dgm:presLayoutVars>
+      </dgm:prSet>
+      <dgm:spPr/>
+    </dgm:pt>
+    <dgm:pt modelId="{054D7758-0CC4-3349-A3F1-D4DD125F1861}" type="pres">
+      <dgm:prSet presAssocID="{AD116BD0-3C86-4D3B-A2F8-35B8385FD208}" presName="level3hierChild" presStyleCnt="0"/>
+      <dgm:spPr/>
+    </dgm:pt>
+    <dgm:pt modelId="{4DDA3A20-BA0D-FA45-AB68-FC3D1D24F869}" type="pres">
+      <dgm:prSet presAssocID="{DFAB2CE5-FD77-4AD5-9399-A12215F25683}" presName="root1" presStyleCnt="0"/>
+      <dgm:spPr/>
+    </dgm:pt>
+    <dgm:pt modelId="{0AAC5219-45B1-484B-A200-3C79411741F5}" type="pres">
+      <dgm:prSet presAssocID="{DFAB2CE5-FD77-4AD5-9399-A12215F25683}" presName="LevelOneTextNode" presStyleLbl="node0" presStyleIdx="1" presStyleCnt="3">
+        <dgm:presLayoutVars>
+          <dgm:chPref val="3"/>
+        </dgm:presLayoutVars>
+      </dgm:prSet>
+      <dgm:spPr/>
+    </dgm:pt>
+    <dgm:pt modelId="{5769D6AB-B699-D441-8FE4-27031F7C8336}" type="pres">
+      <dgm:prSet presAssocID="{DFAB2CE5-FD77-4AD5-9399-A12215F25683}" presName="level2hierChild" presStyleCnt="0"/>
+      <dgm:spPr/>
+    </dgm:pt>
+    <dgm:pt modelId="{E5687BF2-A79F-244D-AE49-3FBE6C1C88C8}" type="pres">
+      <dgm:prSet presAssocID="{0C95A4E1-262D-4E19-ACB7-A38805AED670}" presName="root1" presStyleCnt="0"/>
+      <dgm:spPr/>
+    </dgm:pt>
+    <dgm:pt modelId="{4045CE16-E47D-4147-ADD3-9D7B1F9B1E95}" type="pres">
+      <dgm:prSet presAssocID="{0C95A4E1-262D-4E19-ACB7-A38805AED670}" presName="LevelOneTextNode" presStyleLbl="node0" presStyleIdx="2" presStyleCnt="3">
+        <dgm:presLayoutVars>
+          <dgm:chPref val="3"/>
+        </dgm:presLayoutVars>
+      </dgm:prSet>
+      <dgm:spPr/>
+    </dgm:pt>
+    <dgm:pt modelId="{E6BAB5DB-AADC-DE42-BD31-18E89FB70CD8}" type="pres">
+      <dgm:prSet presAssocID="{0C95A4E1-262D-4E19-ACB7-A38805AED670}" presName="level2hierChild" presStyleCnt="0"/>
+      <dgm:spPr/>
+    </dgm:pt>
+    <dgm:pt modelId="{DC799E38-EA97-494A-A050-73455285DEEA}" type="pres">
+      <dgm:prSet presAssocID="{0A2BFB30-5821-4D71-A0E1-D750127A9613}" presName="conn2-1" presStyleLbl="parChTrans1D2" presStyleIdx="1" presStyleCnt="4"/>
+      <dgm:spPr/>
+    </dgm:pt>
+    <dgm:pt modelId="{92F8E101-6E38-BE46-94D1-06250D0D8A1A}" type="pres">
+      <dgm:prSet presAssocID="{0A2BFB30-5821-4D71-A0E1-D750127A9613}" presName="connTx" presStyleLbl="parChTrans1D2" presStyleIdx="1" presStyleCnt="4"/>
+      <dgm:spPr/>
+    </dgm:pt>
+    <dgm:pt modelId="{FC0DE34E-5608-744B-8096-431709487338}" type="pres">
+      <dgm:prSet presAssocID="{963E4C02-2D06-4D55-828F-964C83EE32E4}" presName="root2" presStyleCnt="0"/>
+      <dgm:spPr/>
+    </dgm:pt>
+    <dgm:pt modelId="{E8490DBD-9045-BF43-A20D-86733FF15A63}" type="pres">
+      <dgm:prSet presAssocID="{963E4C02-2D06-4D55-828F-964C83EE32E4}" presName="LevelTwoTextNode" presStyleLbl="node2" presStyleIdx="1" presStyleCnt="4">
+        <dgm:presLayoutVars>
+          <dgm:chPref val="3"/>
+        </dgm:presLayoutVars>
+      </dgm:prSet>
+      <dgm:spPr/>
+    </dgm:pt>
+    <dgm:pt modelId="{8547F7D8-C5EA-B64E-AA54-B1FB6B73944E}" type="pres">
+      <dgm:prSet presAssocID="{963E4C02-2D06-4D55-828F-964C83EE32E4}" presName="level3hierChild" presStyleCnt="0"/>
+      <dgm:spPr/>
+    </dgm:pt>
+    <dgm:pt modelId="{4FF8A282-69A3-B045-84FF-808D94DCB60E}" type="pres">
+      <dgm:prSet presAssocID="{91DB206D-EBD3-4F7A-8590-3EC9DF056653}" presName="conn2-1" presStyleLbl="parChTrans1D2" presStyleIdx="2" presStyleCnt="4"/>
+      <dgm:spPr/>
+    </dgm:pt>
+    <dgm:pt modelId="{BFF4978E-947C-AA46-8DBF-BC4DA7DC64CD}" type="pres">
+      <dgm:prSet presAssocID="{91DB206D-EBD3-4F7A-8590-3EC9DF056653}" presName="connTx" presStyleLbl="parChTrans1D2" presStyleIdx="2" presStyleCnt="4"/>
+      <dgm:spPr/>
+    </dgm:pt>
+    <dgm:pt modelId="{AFC12941-57EF-F049-BED5-3EA4055C4810}" type="pres">
+      <dgm:prSet presAssocID="{4DBB116F-3746-43D2-B665-E776645284DF}" presName="root2" presStyleCnt="0"/>
+      <dgm:spPr/>
+    </dgm:pt>
+    <dgm:pt modelId="{1265E470-36B3-2344-B164-D7838CBF6E18}" type="pres">
+      <dgm:prSet presAssocID="{4DBB116F-3746-43D2-B665-E776645284DF}" presName="LevelTwoTextNode" presStyleLbl="node2" presStyleIdx="2" presStyleCnt="4">
+        <dgm:presLayoutVars>
+          <dgm:chPref val="3"/>
+        </dgm:presLayoutVars>
+      </dgm:prSet>
+      <dgm:spPr/>
+    </dgm:pt>
+    <dgm:pt modelId="{BC2DC704-42CF-BC48-A91E-3229ACE3DC4C}" type="pres">
+      <dgm:prSet presAssocID="{4DBB116F-3746-43D2-B665-E776645284DF}" presName="level3hierChild" presStyleCnt="0"/>
+      <dgm:spPr/>
+    </dgm:pt>
+    <dgm:pt modelId="{52261F02-7788-4444-B4A2-BCE3A9F71FA1}" type="pres">
+      <dgm:prSet presAssocID="{136DADE0-F75D-43AE-A2F9-D3EFE3FFFA6B}" presName="conn2-1" presStyleLbl="parChTrans1D2" presStyleIdx="3" presStyleCnt="4"/>
+      <dgm:spPr/>
+    </dgm:pt>
+    <dgm:pt modelId="{EBD4E140-24D5-EF4C-8810-6082EA960E5A}" type="pres">
+      <dgm:prSet presAssocID="{136DADE0-F75D-43AE-A2F9-D3EFE3FFFA6B}" presName="connTx" presStyleLbl="parChTrans1D2" presStyleIdx="3" presStyleCnt="4"/>
+      <dgm:spPr/>
+    </dgm:pt>
+    <dgm:pt modelId="{F3F05DF1-187F-2C49-A7BA-8B5AA9977542}" type="pres">
+      <dgm:prSet presAssocID="{D96713FE-930C-4C89-96C9-796B5EDC58FF}" presName="root2" presStyleCnt="0"/>
+      <dgm:spPr/>
+    </dgm:pt>
+    <dgm:pt modelId="{F1859255-EE4F-D144-9DF4-36F37160FF74}" type="pres">
+      <dgm:prSet presAssocID="{D96713FE-930C-4C89-96C9-796B5EDC58FF}" presName="LevelTwoTextNode" presStyleLbl="node2" presStyleIdx="3" presStyleCnt="4">
+        <dgm:presLayoutVars>
+          <dgm:chPref val="3"/>
+        </dgm:presLayoutVars>
+      </dgm:prSet>
+      <dgm:spPr/>
+    </dgm:pt>
+    <dgm:pt modelId="{2D2E7617-0594-FD40-8FA0-B93E364DE859}" type="pres">
+      <dgm:prSet presAssocID="{D96713FE-930C-4C89-96C9-796B5EDC58FF}" presName="level3hierChild" presStyleCnt="0"/>
+      <dgm:spPr/>
+    </dgm:pt>
+  </dgm:ptLst>
+  <dgm:cxnLst>
+    <dgm:cxn modelId="{9DFB0A02-25B9-6D44-BFCD-35DD3715FFC4}" type="presOf" srcId="{DFAB2CE5-FD77-4AD5-9399-A12215F25683}" destId="{0AAC5219-45B1-484B-A200-3C79411741F5}" srcOrd="0" destOrd="0" presId="urn:microsoft.com/office/officeart/2005/8/layout/hierarchy2"/>
+    <dgm:cxn modelId="{C6039A15-2610-1144-BFEE-4129005E8456}" type="presOf" srcId="{8DBCDCB4-EEF9-41C1-81FE-79947AA3C4DB}" destId="{16E66102-371B-2644-A9B0-338D201B9294}" srcOrd="0" destOrd="0" presId="urn:microsoft.com/office/officeart/2005/8/layout/hierarchy2"/>
+    <dgm:cxn modelId="{57C11116-2971-8148-BE0F-6326FF138B1A}" type="presOf" srcId="{793DF6B1-4B98-46C5-B892-00F3D730B4E7}" destId="{10F5A7A1-6F60-B742-A661-1C491886E9C6}" srcOrd="0" destOrd="0" presId="urn:microsoft.com/office/officeart/2005/8/layout/hierarchy2"/>
+    <dgm:cxn modelId="{09E2BB17-A848-7E4B-ACAD-2E4C70BA6941}" type="presOf" srcId="{AD116BD0-3C86-4D3B-A2F8-35B8385FD208}" destId="{8C8EAE79-1CA5-2B43-9089-9E39FCE1636C}" srcOrd="0" destOrd="0" presId="urn:microsoft.com/office/officeart/2005/8/layout/hierarchy2"/>
+    <dgm:cxn modelId="{6E39DC1A-EE46-FC43-B1F9-96611CE59FB8}" type="presOf" srcId="{136DADE0-F75D-43AE-A2F9-D3EFE3FFFA6B}" destId="{EBD4E140-24D5-EF4C-8810-6082EA960E5A}" srcOrd="1" destOrd="0" presId="urn:microsoft.com/office/officeart/2005/8/layout/hierarchy2"/>
+    <dgm:cxn modelId="{69AAC923-81BF-440C-921C-940BF0B6393A}" srcId="{8DBCDCB4-EEF9-41C1-81FE-79947AA3C4DB}" destId="{50CCE8C1-96AF-4331-9A36-5000DBE83E63}" srcOrd="0" destOrd="0" parTransId="{476E8A15-C068-418E-8773-607755510021}" sibTransId="{E21875A3-100D-4AFF-B7CC-72BD9D389FE6}"/>
+    <dgm:cxn modelId="{214A1336-DDD9-EA42-B99F-2A20D3ABA816}" type="presOf" srcId="{91DB206D-EBD3-4F7A-8590-3EC9DF056653}" destId="{BFF4978E-947C-AA46-8DBF-BC4DA7DC64CD}" srcOrd="1" destOrd="0" presId="urn:microsoft.com/office/officeart/2005/8/layout/hierarchy2"/>
+    <dgm:cxn modelId="{69AC8839-3401-7545-9C8B-5AD3D7B58070}" type="presOf" srcId="{0A2BFB30-5821-4D71-A0E1-D750127A9613}" destId="{92F8E101-6E38-BE46-94D1-06250D0D8A1A}" srcOrd="1" destOrd="0" presId="urn:microsoft.com/office/officeart/2005/8/layout/hierarchy2"/>
+    <dgm:cxn modelId="{38C38D3D-462D-4C53-88D0-DB64F7734256}" srcId="{50CCE8C1-96AF-4331-9A36-5000DBE83E63}" destId="{AD116BD0-3C86-4D3B-A2F8-35B8385FD208}" srcOrd="0" destOrd="0" parTransId="{793DF6B1-4B98-46C5-B892-00F3D730B4E7}" sibTransId="{2807683D-DAD6-47B8-800F-EE6975C69FED}"/>
+    <dgm:cxn modelId="{D8A02140-2206-4FAE-9B03-E178B696FB74}" srcId="{0C95A4E1-262D-4E19-ACB7-A38805AED670}" destId="{4DBB116F-3746-43D2-B665-E776645284DF}" srcOrd="1" destOrd="0" parTransId="{91DB206D-EBD3-4F7A-8590-3EC9DF056653}" sibTransId="{22AAB314-9420-49F1-BA8D-35682DEE5FDD}"/>
+    <dgm:cxn modelId="{46CA9D4F-75CC-CB4B-A601-78AB2C844B00}" type="presOf" srcId="{0A2BFB30-5821-4D71-A0E1-D750127A9613}" destId="{DC799E38-EA97-494A-A050-73455285DEEA}" srcOrd="0" destOrd="0" presId="urn:microsoft.com/office/officeart/2005/8/layout/hierarchy2"/>
+    <dgm:cxn modelId="{C696AC63-EED7-4A64-8765-6DDCB7B8534B}" srcId="{0C95A4E1-262D-4E19-ACB7-A38805AED670}" destId="{963E4C02-2D06-4D55-828F-964C83EE32E4}" srcOrd="0" destOrd="0" parTransId="{0A2BFB30-5821-4D71-A0E1-D750127A9613}" sibTransId="{E5666B12-3AEC-40EB-8D7B-A1FF7179D77C}"/>
+    <dgm:cxn modelId="{AF3B0368-6692-5E49-8FC2-1F1F274A05E7}" type="presOf" srcId="{91DB206D-EBD3-4F7A-8590-3EC9DF056653}" destId="{4FF8A282-69A3-B045-84FF-808D94DCB60E}" srcOrd="0" destOrd="0" presId="urn:microsoft.com/office/officeart/2005/8/layout/hierarchy2"/>
+    <dgm:cxn modelId="{CCBBEC6C-D1A5-486D-84BC-78E74D572399}" srcId="{0C95A4E1-262D-4E19-ACB7-A38805AED670}" destId="{D96713FE-930C-4C89-96C9-796B5EDC58FF}" srcOrd="2" destOrd="0" parTransId="{136DADE0-F75D-43AE-A2F9-D3EFE3FFFA6B}" sibTransId="{1795F154-CAB8-4D7C-9A7D-B63A586BFBC8}"/>
+    <dgm:cxn modelId="{75F5FE6D-5157-C948-BC23-A3F85FF493B3}" type="presOf" srcId="{D96713FE-930C-4C89-96C9-796B5EDC58FF}" destId="{F1859255-EE4F-D144-9DF4-36F37160FF74}" srcOrd="0" destOrd="0" presId="urn:microsoft.com/office/officeart/2005/8/layout/hierarchy2"/>
+    <dgm:cxn modelId="{D4CD3C78-7DB0-CA46-9B8A-9D6517DBEB39}" type="presOf" srcId="{4DBB116F-3746-43D2-B665-E776645284DF}" destId="{1265E470-36B3-2344-B164-D7838CBF6E18}" srcOrd="0" destOrd="0" presId="urn:microsoft.com/office/officeart/2005/8/layout/hierarchy2"/>
+    <dgm:cxn modelId="{5ECA1879-6866-C242-A3E2-149452A30613}" type="presOf" srcId="{50CCE8C1-96AF-4331-9A36-5000DBE83E63}" destId="{DA635CDC-CEAB-8D4B-B350-871DE3032519}" srcOrd="0" destOrd="0" presId="urn:microsoft.com/office/officeart/2005/8/layout/hierarchy2"/>
+    <dgm:cxn modelId="{F57E878A-5C4F-8A40-8A35-98C190A03B78}" type="presOf" srcId="{136DADE0-F75D-43AE-A2F9-D3EFE3FFFA6B}" destId="{52261F02-7788-4444-B4A2-BCE3A9F71FA1}" srcOrd="0" destOrd="0" presId="urn:microsoft.com/office/officeart/2005/8/layout/hierarchy2"/>
+    <dgm:cxn modelId="{3D3857A5-C960-8A42-AF8A-4E80CE917D52}" type="presOf" srcId="{793DF6B1-4B98-46C5-B892-00F3D730B4E7}" destId="{7793BE38-4391-1D4D-ABFC-E267BDB90586}" srcOrd="1" destOrd="0" presId="urn:microsoft.com/office/officeart/2005/8/layout/hierarchy2"/>
+    <dgm:cxn modelId="{571DC4B2-0133-0A4E-936E-C4C71695E544}" type="presOf" srcId="{0C95A4E1-262D-4E19-ACB7-A38805AED670}" destId="{4045CE16-E47D-4147-ADD3-9D7B1F9B1E95}" srcOrd="0" destOrd="0" presId="urn:microsoft.com/office/officeart/2005/8/layout/hierarchy2"/>
+    <dgm:cxn modelId="{152E1FC0-9010-4214-989E-ACC18E76D291}" srcId="{8DBCDCB4-EEF9-41C1-81FE-79947AA3C4DB}" destId="{DFAB2CE5-FD77-4AD5-9399-A12215F25683}" srcOrd="1" destOrd="0" parTransId="{FBC9FDE6-C936-4743-B6F4-8FDDB6E84F15}" sibTransId="{7157B128-6E5E-44D9-9BAE-32CA2A3380B3}"/>
+    <dgm:cxn modelId="{515489CF-CFD8-1541-ABD4-7AEC889B6B11}" type="presOf" srcId="{963E4C02-2D06-4D55-828F-964C83EE32E4}" destId="{E8490DBD-9045-BF43-A20D-86733FF15A63}" srcOrd="0" destOrd="0" presId="urn:microsoft.com/office/officeart/2005/8/layout/hierarchy2"/>
+    <dgm:cxn modelId="{ED9FD8D7-BA40-4B48-9A92-DA18CE13162F}" srcId="{8DBCDCB4-EEF9-41C1-81FE-79947AA3C4DB}" destId="{0C95A4E1-262D-4E19-ACB7-A38805AED670}" srcOrd="2" destOrd="0" parTransId="{D525BD72-AC8A-4763-8964-2CC2F7A6E903}" sibTransId="{F9BDE7C9-1C84-49B4-8B13-9C129045A970}"/>
+    <dgm:cxn modelId="{0AB7660F-9B84-EB42-9B75-1761BE8A7146}" type="presParOf" srcId="{16E66102-371B-2644-A9B0-338D201B9294}" destId="{0DE3F66E-AB02-E147-B7D0-D450C8554833}" srcOrd="0" destOrd="0" presId="urn:microsoft.com/office/officeart/2005/8/layout/hierarchy2"/>
+    <dgm:cxn modelId="{B8070A00-D5CA-544C-BABB-B23424226045}" type="presParOf" srcId="{0DE3F66E-AB02-E147-B7D0-D450C8554833}" destId="{DA635CDC-CEAB-8D4B-B350-871DE3032519}" srcOrd="0" destOrd="0" presId="urn:microsoft.com/office/officeart/2005/8/layout/hierarchy2"/>
+    <dgm:cxn modelId="{9BE61886-5477-F34F-998E-1AB719885567}" type="presParOf" srcId="{0DE3F66E-AB02-E147-B7D0-D450C8554833}" destId="{1A2C8CAB-9737-C347-B811-C6C3D48BAADC}" srcOrd="1" destOrd="0" presId="urn:microsoft.com/office/officeart/2005/8/layout/hierarchy2"/>
+    <dgm:cxn modelId="{1D9B2AF9-FDD2-C749-8872-CC0CB44CAF88}" type="presParOf" srcId="{1A2C8CAB-9737-C347-B811-C6C3D48BAADC}" destId="{10F5A7A1-6F60-B742-A661-1C491886E9C6}" srcOrd="0" destOrd="0" presId="urn:microsoft.com/office/officeart/2005/8/layout/hierarchy2"/>
+    <dgm:cxn modelId="{D1D13052-B1CE-6642-ACA5-34AFE2BEBFA3}" type="presParOf" srcId="{10F5A7A1-6F60-B742-A661-1C491886E9C6}" destId="{7793BE38-4391-1D4D-ABFC-E267BDB90586}" srcOrd="0" destOrd="0" presId="urn:microsoft.com/office/officeart/2005/8/layout/hierarchy2"/>
+    <dgm:cxn modelId="{A282941A-CC00-304A-805F-411F022DB9E2}" type="presParOf" srcId="{1A2C8CAB-9737-C347-B811-C6C3D48BAADC}" destId="{AD01DA5F-F9B9-8142-89A0-A6684347DDEA}" srcOrd="1" destOrd="0" presId="urn:microsoft.com/office/officeart/2005/8/layout/hierarchy2"/>
+    <dgm:cxn modelId="{1DA50BEA-06D1-234D-B891-845BC4F0ED30}" type="presParOf" srcId="{AD01DA5F-F9B9-8142-89A0-A6684347DDEA}" destId="{8C8EAE79-1CA5-2B43-9089-9E39FCE1636C}" srcOrd="0" destOrd="0" presId="urn:microsoft.com/office/officeart/2005/8/layout/hierarchy2"/>
+    <dgm:cxn modelId="{00DBEBBD-0429-BB49-9E7E-342528F8826B}" type="presParOf" srcId="{AD01DA5F-F9B9-8142-89A0-A6684347DDEA}" destId="{054D7758-0CC4-3349-A3F1-D4DD125F1861}" srcOrd="1" destOrd="0" presId="urn:microsoft.com/office/officeart/2005/8/layout/hierarchy2"/>
+    <dgm:cxn modelId="{E32162BB-25EB-DC46-B98A-1CE3F3C48C00}" type="presParOf" srcId="{16E66102-371B-2644-A9B0-338D201B9294}" destId="{4DDA3A20-BA0D-FA45-AB68-FC3D1D24F869}" srcOrd="1" destOrd="0" presId="urn:microsoft.com/office/officeart/2005/8/layout/hierarchy2"/>
+    <dgm:cxn modelId="{34CDF18D-52ED-F548-972C-64E995EBAA25}" type="presParOf" srcId="{4DDA3A20-BA0D-FA45-AB68-FC3D1D24F869}" destId="{0AAC5219-45B1-484B-A200-3C79411741F5}" srcOrd="0" destOrd="0" presId="urn:microsoft.com/office/officeart/2005/8/layout/hierarchy2"/>
+    <dgm:cxn modelId="{FC0CDC90-0818-6C42-9249-BB14659F842A}" type="presParOf" srcId="{4DDA3A20-BA0D-FA45-AB68-FC3D1D24F869}" destId="{5769D6AB-B699-D441-8FE4-27031F7C8336}" srcOrd="1" destOrd="0" presId="urn:microsoft.com/office/officeart/2005/8/layout/hierarchy2"/>
+    <dgm:cxn modelId="{D8318409-7CE8-8D4C-B34A-772669183A08}" type="presParOf" srcId="{16E66102-371B-2644-A9B0-338D201B9294}" destId="{E5687BF2-A79F-244D-AE49-3FBE6C1C88C8}" srcOrd="2" destOrd="0" presId="urn:microsoft.com/office/officeart/2005/8/layout/hierarchy2"/>
+    <dgm:cxn modelId="{037B6C56-B2C5-A44E-B3E3-D0F16E37683E}" type="presParOf" srcId="{E5687BF2-A79F-244D-AE49-3FBE6C1C88C8}" destId="{4045CE16-E47D-4147-ADD3-9D7B1F9B1E95}" srcOrd="0" destOrd="0" presId="urn:microsoft.com/office/officeart/2005/8/layout/hierarchy2"/>
+    <dgm:cxn modelId="{196F97CD-1B18-204F-9A14-9EECFF5754F4}" type="presParOf" srcId="{E5687BF2-A79F-244D-AE49-3FBE6C1C88C8}" destId="{E6BAB5DB-AADC-DE42-BD31-18E89FB70CD8}" srcOrd="1" destOrd="0" presId="urn:microsoft.com/office/officeart/2005/8/layout/hierarchy2"/>
+    <dgm:cxn modelId="{9B1D7593-D2FB-7D47-951D-FBAEB048A8FD}" type="presParOf" srcId="{E6BAB5DB-AADC-DE42-BD31-18E89FB70CD8}" destId="{DC799E38-EA97-494A-A050-73455285DEEA}" srcOrd="0" destOrd="0" presId="urn:microsoft.com/office/officeart/2005/8/layout/hierarchy2"/>
+    <dgm:cxn modelId="{29D64056-3342-2442-B16C-E0312561CD18}" type="presParOf" srcId="{DC799E38-EA97-494A-A050-73455285DEEA}" destId="{92F8E101-6E38-BE46-94D1-06250D0D8A1A}" srcOrd="0" destOrd="0" presId="urn:microsoft.com/office/officeart/2005/8/layout/hierarchy2"/>
+    <dgm:cxn modelId="{3D72A649-432F-8845-8A86-232279FB251A}" type="presParOf" srcId="{E6BAB5DB-AADC-DE42-BD31-18E89FB70CD8}" destId="{FC0DE34E-5608-744B-8096-431709487338}" srcOrd="1" destOrd="0" presId="urn:microsoft.com/office/officeart/2005/8/layout/hierarchy2"/>
+    <dgm:cxn modelId="{60202F5A-834C-E643-93F6-35955B845014}" type="presParOf" srcId="{FC0DE34E-5608-744B-8096-431709487338}" destId="{E8490DBD-9045-BF43-A20D-86733FF15A63}" srcOrd="0" destOrd="0" presId="urn:microsoft.com/office/officeart/2005/8/layout/hierarchy2"/>
+    <dgm:cxn modelId="{9DD5EE81-A842-2B47-AB1D-A946536D2537}" type="presParOf" srcId="{FC0DE34E-5608-744B-8096-431709487338}" destId="{8547F7D8-C5EA-B64E-AA54-B1FB6B73944E}" srcOrd="1" destOrd="0" presId="urn:microsoft.com/office/officeart/2005/8/layout/hierarchy2"/>
+    <dgm:cxn modelId="{72BD0626-8ACF-F54A-98C2-1AE61D4D60B4}" type="presParOf" srcId="{E6BAB5DB-AADC-DE42-BD31-18E89FB70CD8}" destId="{4FF8A282-69A3-B045-84FF-808D94DCB60E}" srcOrd="2" destOrd="0" presId="urn:microsoft.com/office/officeart/2005/8/layout/hierarchy2"/>
+    <dgm:cxn modelId="{F60E23BC-3028-3749-9502-44275C904192}" type="presParOf" srcId="{4FF8A282-69A3-B045-84FF-808D94DCB60E}" destId="{BFF4978E-947C-AA46-8DBF-BC4DA7DC64CD}" srcOrd="0" destOrd="0" presId="urn:microsoft.com/office/officeart/2005/8/layout/hierarchy2"/>
+    <dgm:cxn modelId="{21844F74-D1E3-7F4B-A6C4-ECC56698DC0D}" type="presParOf" srcId="{E6BAB5DB-AADC-DE42-BD31-18E89FB70CD8}" destId="{AFC12941-57EF-F049-BED5-3EA4055C4810}" srcOrd="3" destOrd="0" presId="urn:microsoft.com/office/officeart/2005/8/layout/hierarchy2"/>
+    <dgm:cxn modelId="{8BA81F9C-1B52-4B4E-A4E3-6C3670411D66}" type="presParOf" srcId="{AFC12941-57EF-F049-BED5-3EA4055C4810}" destId="{1265E470-36B3-2344-B164-D7838CBF6E18}" srcOrd="0" destOrd="0" presId="urn:microsoft.com/office/officeart/2005/8/layout/hierarchy2"/>
+    <dgm:cxn modelId="{221D4174-5FF1-D741-8C06-0B356B425D3F}" type="presParOf" srcId="{AFC12941-57EF-F049-BED5-3EA4055C4810}" destId="{BC2DC704-42CF-BC48-A91E-3229ACE3DC4C}" srcOrd="1" destOrd="0" presId="urn:microsoft.com/office/officeart/2005/8/layout/hierarchy2"/>
+    <dgm:cxn modelId="{F3919F53-A9D9-4942-8525-594CD9D9B568}" type="presParOf" srcId="{E6BAB5DB-AADC-DE42-BD31-18E89FB70CD8}" destId="{52261F02-7788-4444-B4A2-BCE3A9F71FA1}" srcOrd="4" destOrd="0" presId="urn:microsoft.com/office/officeart/2005/8/layout/hierarchy2"/>
+    <dgm:cxn modelId="{37B1E4CE-3B6D-4D43-B900-ED7725BBFF75}" type="presParOf" srcId="{52261F02-7788-4444-B4A2-BCE3A9F71FA1}" destId="{EBD4E140-24D5-EF4C-8810-6082EA960E5A}" srcOrd="0" destOrd="0" presId="urn:microsoft.com/office/officeart/2005/8/layout/hierarchy2"/>
+    <dgm:cxn modelId="{E4F85716-D367-DF43-B101-35DF8D8DBF3B}" type="presParOf" srcId="{E6BAB5DB-AADC-DE42-BD31-18E89FB70CD8}" destId="{F3F05DF1-187F-2C49-A7BA-8B5AA9977542}" srcOrd="5" destOrd="0" presId="urn:microsoft.com/office/officeart/2005/8/layout/hierarchy2"/>
+    <dgm:cxn modelId="{6AB0F485-00FD-D049-9577-E27FE5DC91FE}" type="presParOf" srcId="{F3F05DF1-187F-2C49-A7BA-8B5AA9977542}" destId="{F1859255-EE4F-D144-9DF4-36F37160FF74}" srcOrd="0" destOrd="0" presId="urn:microsoft.com/office/officeart/2005/8/layout/hierarchy2"/>
+    <dgm:cxn modelId="{9B251D61-63D2-EC48-A285-FD1B7FF744A5}" type="presParOf" srcId="{F3F05DF1-187F-2C49-A7BA-8B5AA9977542}" destId="{2D2E7617-0594-FD40-8FA0-B93E364DE859}" srcOrd="1" destOrd="0" presId="urn:microsoft.com/office/officeart/2005/8/layout/hierarchy2"/>
+  </dgm:cxnLst>
+  <dgm:bg/>
+  <dgm:whole/>
+  <dgm:extLst>
+    <a:ext uri="http://schemas.microsoft.com/office/drawing/2008/diagram">
+      <dsp:dataModelExt xmlns:dsp="http://schemas.microsoft.com/office/drawing/2008/diagram" relId="rId7" minVer="http://schemas.openxmlformats.org/drawingml/2006/diagram"/>
+    </a:ext>
+  </dgm:extLst>
+</dgm:dataModel>
+</file>
+
+<file path=ppt/diagrams/drawing1.xml><?xml version="1.0" encoding="utf-8"?>
+<dsp:drawing xmlns:dgm="http://schemas.openxmlformats.org/drawingml/2006/diagram" xmlns:dsp="http://schemas.microsoft.com/office/drawing/2008/diagram" xmlns:a="http://schemas.openxmlformats.org/drawingml/2006/main">
+  <dsp:spTree>
+    <dsp:nvGrpSpPr>
+      <dsp:cNvPr id="0" name=""/>
+      <dsp:cNvGrpSpPr/>
+    </dsp:nvGrpSpPr>
+    <dsp:grpSpPr/>
+    <dsp:sp modelId="{8A7AFA50-C14A-A443-8EA4-D394A74BFAC9}">
+      <dsp:nvSpPr>
+        <dsp:cNvPr id="0" name=""/>
+        <dsp:cNvSpPr/>
+      </dsp:nvSpPr>
+      <dsp:spPr>
+        <a:xfrm>
+          <a:off x="1252728" y="1720"/>
+          <a:ext cx="5010912" cy="1763220"/>
+        </a:xfrm>
+        <a:prstGeom prst="rect">
+          <a:avLst/>
+        </a:prstGeom>
+        <a:solidFill>
+          <a:schemeClr val="accent2">
+            <a:tint val="40000"/>
+            <a:alpha val="90000"/>
+            <a:hueOff val="0"/>
+            <a:satOff val="0"/>
+            <a:lumOff val="0"/>
+            <a:alphaOff val="0"/>
+          </a:schemeClr>
+        </a:solidFill>
+        <a:ln w="12700" cap="flat" cmpd="sng" algn="ctr">
+          <a:solidFill>
+            <a:schemeClr val="accent2">
+              <a:tint val="40000"/>
+              <a:alpha val="90000"/>
+              <a:hueOff val="0"/>
+              <a:satOff val="0"/>
+              <a:lumOff val="0"/>
+              <a:alphaOff val="0"/>
+            </a:schemeClr>
+          </a:solidFill>
+          <a:prstDash val="solid"/>
+          <a:miter lim="800000"/>
+        </a:ln>
+        <a:effectLst/>
+      </dsp:spPr>
+      <dsp:style>
+        <a:lnRef idx="2">
+          <a:scrgbClr r="0" g="0" b="0"/>
+        </a:lnRef>
+        <a:fillRef idx="1">
+          <a:scrgbClr r="0" g="0" b="0"/>
+        </a:fillRef>
+        <a:effectRef idx="0">
+          <a:scrgbClr r="0" g="0" b="0"/>
+        </a:effectRef>
+        <a:fontRef idx="minor"/>
+      </dsp:style>
+      <dsp:txBody>
+        <a:bodyPr spcFirstLastPara="0" vert="horz" wrap="square" lIns="97226" tIns="447858" rIns="97226" bIns="447858" numCol="1" spcCol="1270" anchor="ctr" anchorCtr="0">
+          <a:noAutofit/>
+        </a:bodyPr>
+        <a:lstStyle/>
+        <a:p>
+          <a:pPr marL="0" lvl="0" indent="0" algn="l" defTabSz="533400">
+            <a:lnSpc>
+              <a:spcPct val="90000"/>
+            </a:lnSpc>
+            <a:spcBef>
+              <a:spcPct val="0"/>
+            </a:spcBef>
+            <a:spcAft>
+              <a:spcPct val="35000"/>
+            </a:spcAft>
+            <a:buNone/>
+          </a:pPr>
+          <a:r>
+            <a:rPr lang="en-US" sz="1200" kern="1200"/>
+            <a:t>Herring otoliths</a:t>
+          </a:r>
+        </a:p>
+        <a:p>
+          <a:pPr marL="0" lvl="0" indent="0" algn="l" defTabSz="533400">
+            <a:lnSpc>
+              <a:spcPct val="90000"/>
+            </a:lnSpc>
+            <a:spcBef>
+              <a:spcPct val="0"/>
+            </a:spcBef>
+            <a:spcAft>
+              <a:spcPct val="35000"/>
+            </a:spcAft>
+            <a:buNone/>
+          </a:pPr>
+          <a:r>
+            <a:rPr lang="en-US" sz="1200" kern="1200"/>
+            <a:t>Recreationally-caught salmon catch data</a:t>
+          </a:r>
+        </a:p>
+      </dsp:txBody>
+      <dsp:txXfrm>
+        <a:off x="1252728" y="1720"/>
+        <a:ext cx="5010912" cy="1763220"/>
+      </dsp:txXfrm>
+    </dsp:sp>
+    <dsp:sp modelId="{1B419109-793A-C548-906A-3E4EC6136ECF}">
+      <dsp:nvSpPr>
+        <dsp:cNvPr id="0" name=""/>
+        <dsp:cNvSpPr/>
+      </dsp:nvSpPr>
+      <dsp:spPr>
+        <a:xfrm>
+          <a:off x="0" y="1720"/>
+          <a:ext cx="1252728" cy="1763220"/>
+        </a:xfrm>
+        <a:prstGeom prst="rect">
+          <a:avLst/>
+        </a:prstGeom>
+        <a:solidFill>
+          <a:schemeClr val="accent2">
+            <a:hueOff val="0"/>
+            <a:satOff val="0"/>
+            <a:lumOff val="0"/>
+            <a:alphaOff val="0"/>
+          </a:schemeClr>
+        </a:solidFill>
+        <a:ln w="12700" cap="flat" cmpd="sng" algn="ctr">
+          <a:solidFill>
+            <a:schemeClr val="accent2">
+              <a:hueOff val="0"/>
+              <a:satOff val="0"/>
+              <a:lumOff val="0"/>
+              <a:alphaOff val="0"/>
+            </a:schemeClr>
+          </a:solidFill>
+          <a:prstDash val="solid"/>
+          <a:miter lim="800000"/>
+        </a:ln>
+        <a:effectLst/>
+      </dsp:spPr>
+      <dsp:style>
+        <a:lnRef idx="2">
+          <a:scrgbClr r="0" g="0" b="0"/>
+        </a:lnRef>
+        <a:fillRef idx="1">
+          <a:scrgbClr r="0" g="0" b="0"/>
+        </a:fillRef>
+        <a:effectRef idx="0">
+          <a:scrgbClr r="0" g="0" b="0"/>
+        </a:effectRef>
+        <a:fontRef idx="minor">
+          <a:schemeClr val="lt1"/>
+        </a:fontRef>
+      </dsp:style>
+      <dsp:txBody>
+        <a:bodyPr spcFirstLastPara="0" vert="horz" wrap="square" lIns="66290" tIns="174167" rIns="66290" bIns="174167" numCol="1" spcCol="1270" anchor="ctr" anchorCtr="0">
+          <a:noAutofit/>
+        </a:bodyPr>
+        <a:lstStyle/>
+        <a:p>
+          <a:pPr marL="0" lvl="0" indent="0" algn="ctr" defTabSz="666750">
+            <a:lnSpc>
+              <a:spcPct val="90000"/>
+            </a:lnSpc>
+            <a:spcBef>
+              <a:spcPct val="0"/>
+            </a:spcBef>
+            <a:spcAft>
+              <a:spcPct val="35000"/>
+            </a:spcAft>
+            <a:buNone/>
+          </a:pPr>
+          <a:r>
+            <a:rPr lang="en-US" sz="1500" kern="1200"/>
+            <a:t>Data collection</a:t>
+          </a:r>
+        </a:p>
+      </dsp:txBody>
+      <dsp:txXfrm>
+        <a:off x="0" y="1720"/>
+        <a:ext cx="1252728" cy="1763220"/>
+      </dsp:txXfrm>
+    </dsp:sp>
+    <dsp:sp modelId="{D06FFDFD-F336-D048-8B07-764097B87509}">
+      <dsp:nvSpPr>
+        <dsp:cNvPr id="0" name=""/>
+        <dsp:cNvSpPr/>
+      </dsp:nvSpPr>
+      <dsp:spPr>
+        <a:xfrm>
+          <a:off x="1252728" y="1870733"/>
+          <a:ext cx="5010912" cy="1763220"/>
+        </a:xfrm>
+        <a:prstGeom prst="rect">
+          <a:avLst/>
+        </a:prstGeom>
+        <a:solidFill>
+          <a:schemeClr val="accent3">
+            <a:tint val="40000"/>
+            <a:alpha val="90000"/>
+            <a:hueOff val="0"/>
+            <a:satOff val="0"/>
+            <a:lumOff val="0"/>
+            <a:alphaOff val="0"/>
+          </a:schemeClr>
+        </a:solidFill>
+        <a:ln w="12700" cap="flat" cmpd="sng" algn="ctr">
+          <a:solidFill>
+            <a:schemeClr val="accent3">
+              <a:tint val="40000"/>
+              <a:alpha val="90000"/>
+              <a:hueOff val="0"/>
+              <a:satOff val="0"/>
+              <a:lumOff val="0"/>
+              <a:alphaOff val="0"/>
+            </a:schemeClr>
+          </a:solidFill>
+          <a:prstDash val="solid"/>
+          <a:miter lim="800000"/>
+        </a:ln>
+        <a:effectLst/>
+      </dsp:spPr>
+      <dsp:style>
+        <a:lnRef idx="2">
+          <a:scrgbClr r="0" g="0" b="0"/>
+        </a:lnRef>
+        <a:fillRef idx="1">
+          <a:scrgbClr r="0" g="0" b="0"/>
+        </a:fillRef>
+        <a:effectRef idx="0">
+          <a:scrgbClr r="0" g="0" b="0"/>
+        </a:effectRef>
+        <a:fontRef idx="minor"/>
+      </dsp:style>
+      <dsp:txBody>
+        <a:bodyPr spcFirstLastPara="0" vert="horz" wrap="square" lIns="97226" tIns="447858" rIns="97226" bIns="447858" numCol="1" spcCol="1270" anchor="ctr" anchorCtr="0">
+          <a:noAutofit/>
+        </a:bodyPr>
+        <a:lstStyle/>
+        <a:p>
+          <a:pPr marL="0" lvl="0" indent="0" algn="l" defTabSz="533400">
+            <a:lnSpc>
+              <a:spcPct val="90000"/>
+            </a:lnSpc>
+            <a:spcBef>
+              <a:spcPct val="0"/>
+            </a:spcBef>
+            <a:spcAft>
+              <a:spcPct val="35000"/>
+            </a:spcAft>
+            <a:buNone/>
+          </a:pPr>
+          <a:r>
+            <a:rPr lang="en-US" sz="1200" kern="1200"/>
+            <a:t>Otolith width (mm) ~ proxy for herring size</a:t>
+          </a:r>
+        </a:p>
+      </dsp:txBody>
+      <dsp:txXfrm>
+        <a:off x="1252728" y="1870733"/>
+        <a:ext cx="5010912" cy="1763220"/>
+      </dsp:txXfrm>
+    </dsp:sp>
+    <dsp:sp modelId="{BECE8E23-732B-9B45-8B64-11217D7FC135}">
+      <dsp:nvSpPr>
+        <dsp:cNvPr id="0" name=""/>
+        <dsp:cNvSpPr/>
+      </dsp:nvSpPr>
+      <dsp:spPr>
+        <a:xfrm>
+          <a:off x="0" y="1870733"/>
+          <a:ext cx="1252728" cy="1763220"/>
+        </a:xfrm>
+        <a:prstGeom prst="rect">
+          <a:avLst/>
+        </a:prstGeom>
+        <a:solidFill>
+          <a:schemeClr val="accent3">
+            <a:hueOff val="0"/>
+            <a:satOff val="0"/>
+            <a:lumOff val="0"/>
+            <a:alphaOff val="0"/>
+          </a:schemeClr>
+        </a:solidFill>
+        <a:ln w="12700" cap="flat" cmpd="sng" algn="ctr">
+          <a:solidFill>
+            <a:schemeClr val="accent3">
+              <a:hueOff val="0"/>
+              <a:satOff val="0"/>
+              <a:lumOff val="0"/>
+              <a:alphaOff val="0"/>
+            </a:schemeClr>
+          </a:solidFill>
+          <a:prstDash val="solid"/>
+          <a:miter lim="800000"/>
+        </a:ln>
+        <a:effectLst/>
+      </dsp:spPr>
+      <dsp:style>
+        <a:lnRef idx="2">
+          <a:scrgbClr r="0" g="0" b="0"/>
+        </a:lnRef>
+        <a:fillRef idx="1">
+          <a:scrgbClr r="0" g="0" b="0"/>
+        </a:fillRef>
+        <a:effectRef idx="0">
+          <a:scrgbClr r="0" g="0" b="0"/>
+        </a:effectRef>
+        <a:fontRef idx="minor">
+          <a:schemeClr val="lt1"/>
+        </a:fontRef>
+      </dsp:style>
+      <dsp:txBody>
+        <a:bodyPr spcFirstLastPara="0" vert="horz" wrap="square" lIns="66290" tIns="174167" rIns="66290" bIns="174167" numCol="1" spcCol="1270" anchor="ctr" anchorCtr="0">
+          <a:noAutofit/>
+        </a:bodyPr>
+        <a:lstStyle/>
+        <a:p>
+          <a:pPr marL="0" lvl="0" indent="0" algn="ctr" defTabSz="666750">
+            <a:lnSpc>
+              <a:spcPct val="90000"/>
+            </a:lnSpc>
+            <a:spcBef>
+              <a:spcPct val="0"/>
+            </a:spcBef>
+            <a:spcAft>
+              <a:spcPct val="35000"/>
+            </a:spcAft>
+            <a:buNone/>
+          </a:pPr>
+          <a:r>
+            <a:rPr lang="en-US" sz="1500" kern="1200"/>
+            <a:t>Response variable</a:t>
+          </a:r>
+        </a:p>
+      </dsp:txBody>
+      <dsp:txXfrm>
+        <a:off x="0" y="1870733"/>
+        <a:ext cx="1252728" cy="1763220"/>
+      </dsp:txXfrm>
+    </dsp:sp>
+    <dsp:sp modelId="{79C994EE-5A2E-8D44-91DC-12CD97F62F4A}">
+      <dsp:nvSpPr>
+        <dsp:cNvPr id="0" name=""/>
+        <dsp:cNvSpPr/>
+      </dsp:nvSpPr>
+      <dsp:spPr>
+        <a:xfrm>
+          <a:off x="1252728" y="3739747"/>
+          <a:ext cx="5010912" cy="1763220"/>
+        </a:xfrm>
+        <a:prstGeom prst="rect">
+          <a:avLst/>
+        </a:prstGeom>
+        <a:solidFill>
+          <a:schemeClr val="accent4">
+            <a:tint val="40000"/>
+            <a:alpha val="90000"/>
+            <a:hueOff val="0"/>
+            <a:satOff val="0"/>
+            <a:lumOff val="0"/>
+            <a:alphaOff val="0"/>
+          </a:schemeClr>
+        </a:solidFill>
+        <a:ln w="12700" cap="flat" cmpd="sng" algn="ctr">
+          <a:solidFill>
+            <a:schemeClr val="accent4">
+              <a:tint val="40000"/>
+              <a:alpha val="90000"/>
+              <a:hueOff val="0"/>
+              <a:satOff val="0"/>
+              <a:lumOff val="0"/>
+              <a:alphaOff val="0"/>
+            </a:schemeClr>
+          </a:solidFill>
+          <a:prstDash val="solid"/>
+          <a:miter lim="800000"/>
+        </a:ln>
+        <a:effectLst/>
+      </dsp:spPr>
+      <dsp:style>
+        <a:lnRef idx="2">
+          <a:scrgbClr r="0" g="0" b="0"/>
+        </a:lnRef>
+        <a:fillRef idx="1">
+          <a:scrgbClr r="0" g="0" b="0"/>
+        </a:fillRef>
+        <a:effectRef idx="0">
+          <a:scrgbClr r="0" g="0" b="0"/>
+        </a:effectRef>
+        <a:fontRef idx="minor"/>
+      </dsp:style>
+      <dsp:txBody>
+        <a:bodyPr spcFirstLastPara="0" vert="horz" wrap="square" lIns="97226" tIns="447858" rIns="97226" bIns="447858" numCol="1" spcCol="1270" anchor="ctr" anchorCtr="0">
+          <a:noAutofit/>
+        </a:bodyPr>
+        <a:lstStyle/>
+        <a:p>
+          <a:pPr marL="0" lvl="0" indent="0" algn="l" defTabSz="533400">
+            <a:lnSpc>
+              <a:spcPct val="90000"/>
+            </a:lnSpc>
+            <a:spcBef>
+              <a:spcPct val="0"/>
+            </a:spcBef>
+            <a:spcAft>
+              <a:spcPct val="35000"/>
+            </a:spcAft>
+            <a:buNone/>
+          </a:pPr>
+          <a:r>
+            <a:rPr lang="en-US" sz="1200" kern="1200"/>
+            <a:t>Collection day in 2018</a:t>
+          </a:r>
+        </a:p>
+        <a:p>
+          <a:pPr marL="0" lvl="0" indent="0" algn="l" defTabSz="533400">
+            <a:lnSpc>
+              <a:spcPct val="90000"/>
+            </a:lnSpc>
+            <a:spcBef>
+              <a:spcPct val="0"/>
+            </a:spcBef>
+            <a:spcAft>
+              <a:spcPct val="35000"/>
+            </a:spcAft>
+            <a:buNone/>
+          </a:pPr>
+          <a:r>
+            <a:rPr lang="en-US" sz="1200" kern="1200"/>
+            <a:t>Salmon length (cm)</a:t>
+          </a:r>
+        </a:p>
+        <a:p>
+          <a:pPr marL="0" lvl="0" indent="0" algn="l" defTabSz="533400">
+            <a:lnSpc>
+              <a:spcPct val="90000"/>
+            </a:lnSpc>
+            <a:spcBef>
+              <a:spcPct val="0"/>
+            </a:spcBef>
+            <a:spcAft>
+              <a:spcPct val="35000"/>
+            </a:spcAft>
+            <a:buNone/>
+          </a:pPr>
+          <a:r>
+            <a:rPr lang="en-US" sz="1200" kern="1200"/>
+            <a:t>Latitude</a:t>
+          </a:r>
+        </a:p>
+        <a:p>
+          <a:pPr marL="0" lvl="0" indent="0" algn="l" defTabSz="533400">
+            <a:lnSpc>
+              <a:spcPct val="90000"/>
+            </a:lnSpc>
+            <a:spcBef>
+              <a:spcPct val="0"/>
+            </a:spcBef>
+            <a:spcAft>
+              <a:spcPct val="35000"/>
+            </a:spcAft>
+            <a:buNone/>
+          </a:pPr>
+          <a:r>
+            <a:rPr lang="en-US" sz="1200" kern="1200"/>
+            <a:t>Longitude</a:t>
+          </a:r>
+        </a:p>
+      </dsp:txBody>
+      <dsp:txXfrm>
+        <a:off x="1252728" y="3739747"/>
+        <a:ext cx="5010912" cy="1763220"/>
+      </dsp:txXfrm>
+    </dsp:sp>
+    <dsp:sp modelId="{DF12F43D-8357-EB47-A4C0-35CA4A3F29E9}">
+      <dsp:nvSpPr>
+        <dsp:cNvPr id="0" name=""/>
+        <dsp:cNvSpPr/>
+      </dsp:nvSpPr>
+      <dsp:spPr>
+        <a:xfrm>
+          <a:off x="0" y="3739747"/>
+          <a:ext cx="1252728" cy="1763220"/>
+        </a:xfrm>
+        <a:prstGeom prst="rect">
+          <a:avLst/>
+        </a:prstGeom>
+        <a:solidFill>
+          <a:schemeClr val="accent4">
+            <a:hueOff val="0"/>
+            <a:satOff val="0"/>
+            <a:lumOff val="0"/>
+            <a:alphaOff val="0"/>
+          </a:schemeClr>
+        </a:solidFill>
+        <a:ln w="12700" cap="flat" cmpd="sng" algn="ctr">
+          <a:solidFill>
+            <a:schemeClr val="accent4">
+              <a:hueOff val="0"/>
+              <a:satOff val="0"/>
+              <a:lumOff val="0"/>
+              <a:alphaOff val="0"/>
+            </a:schemeClr>
+          </a:solidFill>
+          <a:prstDash val="solid"/>
+          <a:miter lim="800000"/>
+        </a:ln>
+        <a:effectLst/>
+      </dsp:spPr>
+      <dsp:style>
+        <a:lnRef idx="2">
+          <a:scrgbClr r="0" g="0" b="0"/>
+        </a:lnRef>
+        <a:fillRef idx="1">
+          <a:scrgbClr r="0" g="0" b="0"/>
+        </a:fillRef>
+        <a:effectRef idx="0">
+          <a:scrgbClr r="0" g="0" b="0"/>
+        </a:effectRef>
+        <a:fontRef idx="minor">
+          <a:schemeClr val="lt1"/>
+        </a:fontRef>
+      </dsp:style>
+      <dsp:txBody>
+        <a:bodyPr spcFirstLastPara="0" vert="horz" wrap="square" lIns="66290" tIns="174167" rIns="66290" bIns="174167" numCol="1" spcCol="1270" anchor="ctr" anchorCtr="0">
+          <a:noAutofit/>
+        </a:bodyPr>
+        <a:lstStyle/>
+        <a:p>
+          <a:pPr marL="0" lvl="0" indent="0" algn="ctr" defTabSz="666750">
+            <a:lnSpc>
+              <a:spcPct val="90000"/>
+            </a:lnSpc>
+            <a:spcBef>
+              <a:spcPct val="0"/>
+            </a:spcBef>
+            <a:spcAft>
+              <a:spcPct val="35000"/>
+            </a:spcAft>
+            <a:buNone/>
+          </a:pPr>
+          <a:r>
+            <a:rPr lang="en-US" sz="1500" kern="1200"/>
+            <a:t>Explanatory variables</a:t>
+          </a:r>
+        </a:p>
+      </dsp:txBody>
+      <dsp:txXfrm>
+        <a:off x="0" y="3739747"/>
+        <a:ext cx="1252728" cy="1763220"/>
+      </dsp:txXfrm>
+    </dsp:sp>
+  </dsp:spTree>
+</dsp:drawing>
+</file>
+
+<file path=ppt/diagrams/drawing2.xml><?xml version="1.0" encoding="utf-8"?>
+<dsp:drawing xmlns:dgm="http://schemas.openxmlformats.org/drawingml/2006/diagram" xmlns:dsp="http://schemas.microsoft.com/office/drawing/2008/diagram" xmlns:a="http://schemas.openxmlformats.org/drawingml/2006/main">
+  <dsp:spTree>
+    <dsp:nvGrpSpPr>
+      <dsp:cNvPr id="0" name=""/>
+      <dsp:cNvGrpSpPr/>
+    </dsp:nvGrpSpPr>
+    <dsp:grpSpPr/>
+    <dsp:sp modelId="{DA635CDC-CEAB-8D4B-B350-871DE3032519}">
+      <dsp:nvSpPr>
+        <dsp:cNvPr id="0" name=""/>
+        <dsp:cNvSpPr/>
+      </dsp:nvSpPr>
+      <dsp:spPr>
+        <a:xfrm>
+          <a:off x="2911506" y="1062"/>
+          <a:ext cx="1955244" cy="977622"/>
+        </a:xfrm>
+        <a:prstGeom prst="roundRect">
+          <a:avLst>
+            <a:gd name="adj" fmla="val 10000"/>
+          </a:avLst>
+        </a:prstGeom>
+        <a:solidFill>
+          <a:schemeClr val="accent4">
+            <a:hueOff val="0"/>
+            <a:satOff val="0"/>
+            <a:lumOff val="0"/>
+            <a:alphaOff val="0"/>
+          </a:schemeClr>
+        </a:solidFill>
+        <a:ln w="12700" cap="flat" cmpd="sng" algn="ctr">
+          <a:solidFill>
+            <a:schemeClr val="lt1">
+              <a:hueOff val="0"/>
+              <a:satOff val="0"/>
+              <a:lumOff val="0"/>
+              <a:alphaOff val="0"/>
+            </a:schemeClr>
+          </a:solidFill>
+          <a:prstDash val="solid"/>
+          <a:miter lim="800000"/>
+        </a:ln>
+        <a:effectLst/>
+      </dsp:spPr>
+      <dsp:style>
+        <a:lnRef idx="2">
+          <a:scrgbClr r="0" g="0" b="0"/>
+        </a:lnRef>
+        <a:fillRef idx="1">
+          <a:scrgbClr r="0" g="0" b="0"/>
+        </a:fillRef>
+        <a:effectRef idx="0">
+          <a:scrgbClr r="0" g="0" b="0"/>
+        </a:effectRef>
+        <a:fontRef idx="minor">
+          <a:schemeClr val="lt1"/>
+        </a:fontRef>
+      </dsp:style>
+      <dsp:txBody>
+        <a:bodyPr spcFirstLastPara="0" vert="horz" wrap="square" lIns="10160" tIns="10160" rIns="10160" bIns="10160" numCol="1" spcCol="1270" anchor="ctr" anchorCtr="0">
+          <a:noAutofit/>
+        </a:bodyPr>
+        <a:lstStyle/>
+        <a:p>
+          <a:pPr marL="0" lvl="0" indent="0" algn="ctr" defTabSz="711200">
+            <a:lnSpc>
+              <a:spcPct val="90000"/>
+            </a:lnSpc>
+            <a:spcBef>
+              <a:spcPct val="0"/>
+            </a:spcBef>
+            <a:spcAft>
+              <a:spcPct val="35000"/>
+            </a:spcAft>
+            <a:buNone/>
+          </a:pPr>
+          <a:r>
+            <a:rPr lang="en-US" sz="1600" kern="1200"/>
+            <a:t>1. Linear mixed-effects models fit with maximum likelihood estimation</a:t>
+          </a:r>
+        </a:p>
+      </dsp:txBody>
+      <dsp:txXfrm>
+        <a:off x="2940140" y="29696"/>
+        <a:ext cx="1897976" cy="920354"/>
+      </dsp:txXfrm>
+    </dsp:sp>
+    <dsp:sp modelId="{10F5A7A1-6F60-B742-A661-1C491886E9C6}">
+      <dsp:nvSpPr>
+        <dsp:cNvPr id="0" name=""/>
+        <dsp:cNvSpPr/>
+      </dsp:nvSpPr>
+      <dsp:spPr>
+        <a:xfrm>
+          <a:off x="4866751" y="469658"/>
+          <a:ext cx="782097" cy="40429"/>
+        </a:xfrm>
+        <a:custGeom>
+          <a:avLst/>
+          <a:gdLst/>
+          <a:ahLst/>
+          <a:cxnLst/>
+          <a:rect l="0" t="0" r="0" b="0"/>
+          <a:pathLst>
+            <a:path>
+              <a:moveTo>
+                <a:pt x="0" y="20214"/>
+              </a:moveTo>
+              <a:lnTo>
+                <a:pt x="782097" y="20214"/>
+              </a:lnTo>
+            </a:path>
+          </a:pathLst>
+        </a:custGeom>
+        <a:noFill/>
+        <a:ln w="12700" cap="flat" cmpd="sng" algn="ctr">
+          <a:solidFill>
+            <a:schemeClr val="accent6">
+              <a:hueOff val="0"/>
+              <a:satOff val="0"/>
+              <a:lumOff val="0"/>
+              <a:alphaOff val="0"/>
+            </a:schemeClr>
+          </a:solidFill>
+          <a:prstDash val="solid"/>
+          <a:miter lim="800000"/>
+        </a:ln>
+        <a:effectLst/>
+      </dsp:spPr>
+      <dsp:style>
+        <a:lnRef idx="2">
+          <a:scrgbClr r="0" g="0" b="0"/>
+        </a:lnRef>
+        <a:fillRef idx="0">
+          <a:scrgbClr r="0" g="0" b="0"/>
+        </a:fillRef>
+        <a:effectRef idx="0">
+          <a:scrgbClr r="0" g="0" b="0"/>
+        </a:effectRef>
+        <a:fontRef idx="minor"/>
+      </dsp:style>
+      <dsp:txBody>
+        <a:bodyPr spcFirstLastPara="0" vert="horz" wrap="square" lIns="12700" tIns="0" rIns="12700" bIns="0" numCol="1" spcCol="1270" anchor="ctr" anchorCtr="0">
+          <a:noAutofit/>
+        </a:bodyPr>
+        <a:lstStyle/>
+        <a:p>
+          <a:pPr marL="0" lvl="0" indent="0" algn="ctr" defTabSz="222250">
+            <a:lnSpc>
+              <a:spcPct val="90000"/>
+            </a:lnSpc>
+            <a:spcBef>
+              <a:spcPct val="0"/>
+            </a:spcBef>
+            <a:spcAft>
+              <a:spcPct val="35000"/>
+            </a:spcAft>
+            <a:buNone/>
+          </a:pPr>
+          <a:endParaRPr lang="en-US" sz="500" kern="1200"/>
+        </a:p>
+      </dsp:txBody>
+      <dsp:txXfrm>
+        <a:off x="5238247" y="470321"/>
+        <a:ext cx="39104" cy="39104"/>
+      </dsp:txXfrm>
+    </dsp:sp>
+    <dsp:sp modelId="{8C8EAE79-1CA5-2B43-9089-9E39FCE1636C}">
+      <dsp:nvSpPr>
+        <dsp:cNvPr id="0" name=""/>
+        <dsp:cNvSpPr/>
+      </dsp:nvSpPr>
+      <dsp:spPr>
+        <a:xfrm>
+          <a:off x="5648848" y="1062"/>
+          <a:ext cx="1955244" cy="977622"/>
+        </a:xfrm>
+        <a:prstGeom prst="roundRect">
+          <a:avLst>
+            <a:gd name="adj" fmla="val 10000"/>
+          </a:avLst>
+        </a:prstGeom>
+        <a:solidFill>
+          <a:schemeClr val="accent6">
+            <a:hueOff val="0"/>
+            <a:satOff val="0"/>
+            <a:lumOff val="0"/>
+            <a:alphaOff val="0"/>
+          </a:schemeClr>
+        </a:solidFill>
+        <a:ln w="12700" cap="flat" cmpd="sng" algn="ctr">
+          <a:solidFill>
+            <a:schemeClr val="lt1">
+              <a:hueOff val="0"/>
+              <a:satOff val="0"/>
+              <a:lumOff val="0"/>
+              <a:alphaOff val="0"/>
+            </a:schemeClr>
+          </a:solidFill>
+          <a:prstDash val="solid"/>
+          <a:miter lim="800000"/>
+        </a:ln>
+        <a:effectLst/>
+      </dsp:spPr>
+      <dsp:style>
+        <a:lnRef idx="2">
+          <a:scrgbClr r="0" g="0" b="0"/>
+        </a:lnRef>
+        <a:fillRef idx="1">
+          <a:scrgbClr r="0" g="0" b="0"/>
+        </a:fillRef>
+        <a:effectRef idx="0">
+          <a:scrgbClr r="0" g="0" b="0"/>
+        </a:effectRef>
+        <a:fontRef idx="minor">
+          <a:schemeClr val="lt1"/>
+        </a:fontRef>
+      </dsp:style>
+      <dsp:txBody>
+        <a:bodyPr spcFirstLastPara="0" vert="horz" wrap="square" lIns="10160" tIns="10160" rIns="10160" bIns="10160" numCol="1" spcCol="1270" anchor="ctr" anchorCtr="0">
+          <a:noAutofit/>
+        </a:bodyPr>
+        <a:lstStyle/>
+        <a:p>
+          <a:pPr marL="0" lvl="0" indent="0" algn="ctr" defTabSz="711200">
+            <a:lnSpc>
+              <a:spcPct val="90000"/>
+            </a:lnSpc>
+            <a:spcBef>
+              <a:spcPct val="0"/>
+            </a:spcBef>
+            <a:spcAft>
+              <a:spcPct val="35000"/>
+            </a:spcAft>
+            <a:buNone/>
+          </a:pPr>
+          <a:r>
+            <a:rPr lang="en-US" sz="1600" kern="1200"/>
+            <a:t>Random intercept corresponding to salmon ID</a:t>
+          </a:r>
+        </a:p>
+      </dsp:txBody>
+      <dsp:txXfrm>
+        <a:off x="5677482" y="29696"/>
+        <a:ext cx="1897976" cy="920354"/>
+      </dsp:txXfrm>
+    </dsp:sp>
+    <dsp:sp modelId="{0AAC5219-45B1-484B-A200-3C79411741F5}">
+      <dsp:nvSpPr>
+        <dsp:cNvPr id="0" name=""/>
+        <dsp:cNvSpPr/>
+      </dsp:nvSpPr>
+      <dsp:spPr>
+        <a:xfrm>
+          <a:off x="2911506" y="1125328"/>
+          <a:ext cx="1955244" cy="977622"/>
+        </a:xfrm>
+        <a:prstGeom prst="roundRect">
+          <a:avLst>
+            <a:gd name="adj" fmla="val 10000"/>
+          </a:avLst>
+        </a:prstGeom>
+        <a:solidFill>
+          <a:schemeClr val="accent4">
+            <a:hueOff val="0"/>
+            <a:satOff val="0"/>
+            <a:lumOff val="0"/>
+            <a:alphaOff val="0"/>
+          </a:schemeClr>
+        </a:solidFill>
+        <a:ln w="12700" cap="flat" cmpd="sng" algn="ctr">
+          <a:solidFill>
+            <a:schemeClr val="lt1">
+              <a:hueOff val="0"/>
+              <a:satOff val="0"/>
+              <a:lumOff val="0"/>
+              <a:alphaOff val="0"/>
+            </a:schemeClr>
+          </a:solidFill>
+          <a:prstDash val="solid"/>
+          <a:miter lim="800000"/>
+        </a:ln>
+        <a:effectLst/>
+      </dsp:spPr>
+      <dsp:style>
+        <a:lnRef idx="2">
+          <a:scrgbClr r="0" g="0" b="0"/>
+        </a:lnRef>
+        <a:fillRef idx="1">
+          <a:scrgbClr r="0" g="0" b="0"/>
+        </a:fillRef>
+        <a:effectRef idx="0">
+          <a:scrgbClr r="0" g="0" b="0"/>
+        </a:effectRef>
+        <a:fontRef idx="minor">
+          <a:schemeClr val="lt1"/>
+        </a:fontRef>
+      </dsp:style>
+      <dsp:txBody>
+        <a:bodyPr spcFirstLastPara="0" vert="horz" wrap="square" lIns="10160" tIns="10160" rIns="10160" bIns="10160" numCol="1" spcCol="1270" anchor="ctr" anchorCtr="0">
+          <a:noAutofit/>
+        </a:bodyPr>
+        <a:lstStyle/>
+        <a:p>
+          <a:pPr marL="0" lvl="0" indent="0" algn="ctr" defTabSz="711200">
+            <a:lnSpc>
+              <a:spcPct val="90000"/>
+            </a:lnSpc>
+            <a:spcBef>
+              <a:spcPct val="0"/>
+            </a:spcBef>
+            <a:spcAft>
+              <a:spcPct val="35000"/>
+            </a:spcAft>
+            <a:buNone/>
+          </a:pPr>
+          <a:r>
+            <a:rPr lang="en-US" sz="1600" kern="1200"/>
+            <a:t>2. Akaike Information Criterion (AIC)</a:t>
+          </a:r>
+        </a:p>
+      </dsp:txBody>
+      <dsp:txXfrm>
+        <a:off x="2940140" y="1153962"/>
+        <a:ext cx="1897976" cy="920354"/>
+      </dsp:txXfrm>
+    </dsp:sp>
+    <dsp:sp modelId="{4045CE16-E47D-4147-ADD3-9D7B1F9B1E95}">
+      <dsp:nvSpPr>
+        <dsp:cNvPr id="0" name=""/>
+        <dsp:cNvSpPr/>
+      </dsp:nvSpPr>
+      <dsp:spPr>
+        <a:xfrm>
+          <a:off x="2911506" y="2249593"/>
+          <a:ext cx="1955244" cy="977622"/>
+        </a:xfrm>
+        <a:prstGeom prst="roundRect">
+          <a:avLst>
+            <a:gd name="adj" fmla="val 10000"/>
+          </a:avLst>
+        </a:prstGeom>
+        <a:solidFill>
+          <a:schemeClr val="accent4">
+            <a:hueOff val="0"/>
+            <a:satOff val="0"/>
+            <a:lumOff val="0"/>
+            <a:alphaOff val="0"/>
+          </a:schemeClr>
+        </a:solidFill>
+        <a:ln w="12700" cap="flat" cmpd="sng" algn="ctr">
+          <a:solidFill>
+            <a:schemeClr val="lt1">
+              <a:hueOff val="0"/>
+              <a:satOff val="0"/>
+              <a:lumOff val="0"/>
+              <a:alphaOff val="0"/>
+            </a:schemeClr>
+          </a:solidFill>
+          <a:prstDash val="solid"/>
+          <a:miter lim="800000"/>
+        </a:ln>
+        <a:effectLst/>
+      </dsp:spPr>
+      <dsp:style>
+        <a:lnRef idx="2">
+          <a:scrgbClr r="0" g="0" b="0"/>
+        </a:lnRef>
+        <a:fillRef idx="1">
+          <a:scrgbClr r="0" g="0" b="0"/>
+        </a:fillRef>
+        <a:effectRef idx="0">
+          <a:scrgbClr r="0" g="0" b="0"/>
+        </a:effectRef>
+        <a:fontRef idx="minor">
+          <a:schemeClr val="lt1"/>
+        </a:fontRef>
+      </dsp:style>
+      <dsp:txBody>
+        <a:bodyPr spcFirstLastPara="0" vert="horz" wrap="square" lIns="10160" tIns="10160" rIns="10160" bIns="10160" numCol="1" spcCol="1270" anchor="ctr" anchorCtr="0">
+          <a:noAutofit/>
+        </a:bodyPr>
+        <a:lstStyle/>
+        <a:p>
+          <a:pPr marL="0" lvl="0" indent="0" algn="ctr" defTabSz="711200">
+            <a:lnSpc>
+              <a:spcPct val="90000"/>
+            </a:lnSpc>
+            <a:spcBef>
+              <a:spcPct val="0"/>
+            </a:spcBef>
+            <a:spcAft>
+              <a:spcPct val="35000"/>
+            </a:spcAft>
+            <a:buNone/>
+          </a:pPr>
+          <a:r>
+            <a:rPr lang="en-US" sz="1600" kern="1200"/>
+            <a:t>Advantages of LME followed by AIC?</a:t>
+          </a:r>
+        </a:p>
+      </dsp:txBody>
+      <dsp:txXfrm>
+        <a:off x="2940140" y="2278227"/>
+        <a:ext cx="1897976" cy="920354"/>
+      </dsp:txXfrm>
+    </dsp:sp>
+    <dsp:sp modelId="{DC799E38-EA97-494A-A050-73455285DEEA}">
+      <dsp:nvSpPr>
+        <dsp:cNvPr id="0" name=""/>
+        <dsp:cNvSpPr/>
+      </dsp:nvSpPr>
+      <dsp:spPr>
+        <a:xfrm rot="18289469">
+          <a:off x="4573028" y="2156057"/>
+          <a:ext cx="1369543" cy="40429"/>
+        </a:xfrm>
+        <a:custGeom>
+          <a:avLst/>
+          <a:gdLst/>
+          <a:ahLst/>
+          <a:cxnLst/>
+          <a:rect l="0" t="0" r="0" b="0"/>
+          <a:pathLst>
+            <a:path>
+              <a:moveTo>
+                <a:pt x="0" y="20214"/>
+              </a:moveTo>
+              <a:lnTo>
+                <a:pt x="1369543" y="20214"/>
+              </a:lnTo>
+            </a:path>
+          </a:pathLst>
+        </a:custGeom>
+        <a:noFill/>
+        <a:ln w="12700" cap="flat" cmpd="sng" algn="ctr">
+          <a:solidFill>
+            <a:schemeClr val="accent6">
+              <a:hueOff val="0"/>
+              <a:satOff val="0"/>
+              <a:lumOff val="0"/>
+              <a:alphaOff val="0"/>
+            </a:schemeClr>
+          </a:solidFill>
+          <a:prstDash val="solid"/>
+          <a:miter lim="800000"/>
+        </a:ln>
+        <a:effectLst/>
+      </dsp:spPr>
+      <dsp:style>
+        <a:lnRef idx="2">
+          <a:scrgbClr r="0" g="0" b="0"/>
+        </a:lnRef>
+        <a:fillRef idx="0">
+          <a:scrgbClr r="0" g="0" b="0"/>
+        </a:fillRef>
+        <a:effectRef idx="0">
+          <a:scrgbClr r="0" g="0" b="0"/>
+        </a:effectRef>
+        <a:fontRef idx="minor"/>
+      </dsp:style>
+      <dsp:txBody>
+        <a:bodyPr spcFirstLastPara="0" vert="horz" wrap="square" lIns="12700" tIns="0" rIns="12700" bIns="0" numCol="1" spcCol="1270" anchor="ctr" anchorCtr="0">
+          <a:noAutofit/>
+        </a:bodyPr>
+        <a:lstStyle/>
+        <a:p>
+          <a:pPr marL="0" lvl="0" indent="0" algn="ctr" defTabSz="222250">
+            <a:lnSpc>
+              <a:spcPct val="90000"/>
+            </a:lnSpc>
+            <a:spcBef>
+              <a:spcPct val="0"/>
+            </a:spcBef>
+            <a:spcAft>
+              <a:spcPct val="35000"/>
+            </a:spcAft>
+            <a:buNone/>
+          </a:pPr>
+          <a:endParaRPr lang="en-US" sz="500" kern="1200"/>
+        </a:p>
+      </dsp:txBody>
+      <dsp:txXfrm>
+        <a:off x="5223561" y="2142033"/>
+        <a:ext cx="68477" cy="68477"/>
+      </dsp:txXfrm>
+    </dsp:sp>
+    <dsp:sp modelId="{E8490DBD-9045-BF43-A20D-86733FF15A63}">
+      <dsp:nvSpPr>
+        <dsp:cNvPr id="0" name=""/>
+        <dsp:cNvSpPr/>
+      </dsp:nvSpPr>
+      <dsp:spPr>
+        <a:xfrm>
+          <a:off x="5648848" y="1125328"/>
+          <a:ext cx="1955244" cy="977622"/>
+        </a:xfrm>
+        <a:prstGeom prst="roundRect">
+          <a:avLst>
+            <a:gd name="adj" fmla="val 10000"/>
+          </a:avLst>
+        </a:prstGeom>
+        <a:solidFill>
+          <a:schemeClr val="accent6">
+            <a:hueOff val="0"/>
+            <a:satOff val="0"/>
+            <a:lumOff val="0"/>
+            <a:alphaOff val="0"/>
+          </a:schemeClr>
+        </a:solidFill>
+        <a:ln w="12700" cap="flat" cmpd="sng" algn="ctr">
+          <a:solidFill>
+            <a:schemeClr val="lt1">
+              <a:hueOff val="0"/>
+              <a:satOff val="0"/>
+              <a:lumOff val="0"/>
+              <a:alphaOff val="0"/>
+            </a:schemeClr>
+          </a:solidFill>
+          <a:prstDash val="solid"/>
+          <a:miter lim="800000"/>
+        </a:ln>
+        <a:effectLst/>
+      </dsp:spPr>
+      <dsp:style>
+        <a:lnRef idx="2">
+          <a:scrgbClr r="0" g="0" b="0"/>
+        </a:lnRef>
+        <a:fillRef idx="1">
+          <a:scrgbClr r="0" g="0" b="0"/>
+        </a:fillRef>
+        <a:effectRef idx="0">
+          <a:scrgbClr r="0" g="0" b="0"/>
+        </a:effectRef>
+        <a:fontRef idx="minor">
+          <a:schemeClr val="lt1"/>
+        </a:fontRef>
+      </dsp:style>
+      <dsp:txBody>
+        <a:bodyPr spcFirstLastPara="0" vert="horz" wrap="square" lIns="10160" tIns="10160" rIns="10160" bIns="10160" numCol="1" spcCol="1270" anchor="ctr" anchorCtr="0">
+          <a:noAutofit/>
+        </a:bodyPr>
+        <a:lstStyle/>
+        <a:p>
+          <a:pPr marL="0" lvl="0" indent="0" algn="ctr" defTabSz="711200">
+            <a:lnSpc>
+              <a:spcPct val="90000"/>
+            </a:lnSpc>
+            <a:spcBef>
+              <a:spcPct val="0"/>
+            </a:spcBef>
+            <a:spcAft>
+              <a:spcPct val="35000"/>
+            </a:spcAft>
+            <a:buNone/>
+          </a:pPr>
+          <a:r>
+            <a:rPr lang="en-US" sz="1600" kern="1200"/>
+            <a:t>Response normally distributed</a:t>
+          </a:r>
+        </a:p>
+      </dsp:txBody>
+      <dsp:txXfrm>
+        <a:off x="5677482" y="1153962"/>
+        <a:ext cx="1897976" cy="920354"/>
+      </dsp:txXfrm>
+    </dsp:sp>
+    <dsp:sp modelId="{4FF8A282-69A3-B045-84FF-808D94DCB60E}">
+      <dsp:nvSpPr>
+        <dsp:cNvPr id="0" name=""/>
+        <dsp:cNvSpPr/>
+      </dsp:nvSpPr>
+      <dsp:spPr>
+        <a:xfrm>
+          <a:off x="4866751" y="2718189"/>
+          <a:ext cx="782097" cy="40429"/>
+        </a:xfrm>
+        <a:custGeom>
+          <a:avLst/>
+          <a:gdLst/>
+          <a:ahLst/>
+          <a:cxnLst/>
+          <a:rect l="0" t="0" r="0" b="0"/>
+          <a:pathLst>
+            <a:path>
+              <a:moveTo>
+                <a:pt x="0" y="20214"/>
+              </a:moveTo>
+              <a:lnTo>
+                <a:pt x="782097" y="20214"/>
+              </a:lnTo>
+            </a:path>
+          </a:pathLst>
+        </a:custGeom>
+        <a:noFill/>
+        <a:ln w="12700" cap="flat" cmpd="sng" algn="ctr">
+          <a:solidFill>
+            <a:schemeClr val="accent6">
+              <a:hueOff val="0"/>
+              <a:satOff val="0"/>
+              <a:lumOff val="0"/>
+              <a:alphaOff val="0"/>
+            </a:schemeClr>
+          </a:solidFill>
+          <a:prstDash val="solid"/>
+          <a:miter lim="800000"/>
+        </a:ln>
+        <a:effectLst/>
+      </dsp:spPr>
+      <dsp:style>
+        <a:lnRef idx="2">
+          <a:scrgbClr r="0" g="0" b="0"/>
+        </a:lnRef>
+        <a:fillRef idx="0">
+          <a:scrgbClr r="0" g="0" b="0"/>
+        </a:fillRef>
+        <a:effectRef idx="0">
+          <a:scrgbClr r="0" g="0" b="0"/>
+        </a:effectRef>
+        <a:fontRef idx="minor"/>
+      </dsp:style>
+      <dsp:txBody>
+        <a:bodyPr spcFirstLastPara="0" vert="horz" wrap="square" lIns="12700" tIns="0" rIns="12700" bIns="0" numCol="1" spcCol="1270" anchor="ctr" anchorCtr="0">
+          <a:noAutofit/>
+        </a:bodyPr>
+        <a:lstStyle/>
+        <a:p>
+          <a:pPr marL="0" lvl="0" indent="0" algn="ctr" defTabSz="222250">
+            <a:lnSpc>
+              <a:spcPct val="90000"/>
+            </a:lnSpc>
+            <a:spcBef>
+              <a:spcPct val="0"/>
+            </a:spcBef>
+            <a:spcAft>
+              <a:spcPct val="35000"/>
+            </a:spcAft>
+            <a:buNone/>
+          </a:pPr>
+          <a:endParaRPr lang="en-US" sz="500" kern="1200"/>
+        </a:p>
+      </dsp:txBody>
+      <dsp:txXfrm>
+        <a:off x="5238247" y="2718852"/>
+        <a:ext cx="39104" cy="39104"/>
+      </dsp:txXfrm>
+    </dsp:sp>
+    <dsp:sp modelId="{1265E470-36B3-2344-B164-D7838CBF6E18}">
+      <dsp:nvSpPr>
+        <dsp:cNvPr id="0" name=""/>
+        <dsp:cNvSpPr/>
+      </dsp:nvSpPr>
+      <dsp:spPr>
+        <a:xfrm>
+          <a:off x="5648848" y="2249593"/>
+          <a:ext cx="1955244" cy="977622"/>
+        </a:xfrm>
+        <a:prstGeom prst="roundRect">
+          <a:avLst>
+            <a:gd name="adj" fmla="val 10000"/>
+          </a:avLst>
+        </a:prstGeom>
+        <a:solidFill>
+          <a:schemeClr val="accent6">
+            <a:hueOff val="0"/>
+            <a:satOff val="0"/>
+            <a:lumOff val="0"/>
+            <a:alphaOff val="0"/>
+          </a:schemeClr>
+        </a:solidFill>
+        <a:ln w="12700" cap="flat" cmpd="sng" algn="ctr">
+          <a:solidFill>
+            <a:schemeClr val="lt1">
+              <a:hueOff val="0"/>
+              <a:satOff val="0"/>
+              <a:lumOff val="0"/>
+              <a:alphaOff val="0"/>
+            </a:schemeClr>
+          </a:solidFill>
+          <a:prstDash val="solid"/>
+          <a:miter lim="800000"/>
+        </a:ln>
+        <a:effectLst/>
+      </dsp:spPr>
+      <dsp:style>
+        <a:lnRef idx="2">
+          <a:scrgbClr r="0" g="0" b="0"/>
+        </a:lnRef>
+        <a:fillRef idx="1">
+          <a:scrgbClr r="0" g="0" b="0"/>
+        </a:fillRef>
+        <a:effectRef idx="0">
+          <a:scrgbClr r="0" g="0" b="0"/>
+        </a:effectRef>
+        <a:fontRef idx="minor">
+          <a:schemeClr val="lt1"/>
+        </a:fontRef>
+      </dsp:style>
+      <dsp:txBody>
+        <a:bodyPr spcFirstLastPara="0" vert="horz" wrap="square" lIns="10160" tIns="10160" rIns="10160" bIns="10160" numCol="1" spcCol="1270" anchor="ctr" anchorCtr="0">
+          <a:noAutofit/>
+        </a:bodyPr>
+        <a:lstStyle/>
+        <a:p>
+          <a:pPr marL="0" lvl="0" indent="0" algn="ctr" defTabSz="711200">
+            <a:lnSpc>
+              <a:spcPct val="90000"/>
+            </a:lnSpc>
+            <a:spcBef>
+              <a:spcPct val="0"/>
+            </a:spcBef>
+            <a:spcAft>
+              <a:spcPct val="35000"/>
+            </a:spcAft>
+            <a:buNone/>
+          </a:pPr>
+          <a:r>
+            <a:rPr lang="en-US" sz="1600" kern="1200"/>
+            <a:t>Compare complex, non-nested models</a:t>
+          </a:r>
+        </a:p>
+      </dsp:txBody>
+      <dsp:txXfrm>
+        <a:off x="5677482" y="2278227"/>
+        <a:ext cx="1897976" cy="920354"/>
+      </dsp:txXfrm>
+    </dsp:sp>
+    <dsp:sp modelId="{52261F02-7788-4444-B4A2-BCE3A9F71FA1}">
+      <dsp:nvSpPr>
+        <dsp:cNvPr id="0" name=""/>
+        <dsp:cNvSpPr/>
+      </dsp:nvSpPr>
+      <dsp:spPr>
+        <a:xfrm rot="3310531">
+          <a:off x="4573028" y="3280322"/>
+          <a:ext cx="1369543" cy="40429"/>
+        </a:xfrm>
+        <a:custGeom>
+          <a:avLst/>
+          <a:gdLst/>
+          <a:ahLst/>
+          <a:cxnLst/>
+          <a:rect l="0" t="0" r="0" b="0"/>
+          <a:pathLst>
+            <a:path>
+              <a:moveTo>
+                <a:pt x="0" y="20214"/>
+              </a:moveTo>
+              <a:lnTo>
+                <a:pt x="1369543" y="20214"/>
+              </a:lnTo>
+            </a:path>
+          </a:pathLst>
+        </a:custGeom>
+        <a:noFill/>
+        <a:ln w="12700" cap="flat" cmpd="sng" algn="ctr">
+          <a:solidFill>
+            <a:schemeClr val="accent6">
+              <a:hueOff val="0"/>
+              <a:satOff val="0"/>
+              <a:lumOff val="0"/>
+              <a:alphaOff val="0"/>
+            </a:schemeClr>
+          </a:solidFill>
+          <a:prstDash val="solid"/>
+          <a:miter lim="800000"/>
+        </a:ln>
+        <a:effectLst/>
+      </dsp:spPr>
+      <dsp:style>
+        <a:lnRef idx="2">
+          <a:scrgbClr r="0" g="0" b="0"/>
+        </a:lnRef>
+        <a:fillRef idx="0">
+          <a:scrgbClr r="0" g="0" b="0"/>
+        </a:fillRef>
+        <a:effectRef idx="0">
+          <a:scrgbClr r="0" g="0" b="0"/>
+        </a:effectRef>
+        <a:fontRef idx="minor"/>
+      </dsp:style>
+      <dsp:txBody>
+        <a:bodyPr spcFirstLastPara="0" vert="horz" wrap="square" lIns="12700" tIns="0" rIns="12700" bIns="0" numCol="1" spcCol="1270" anchor="ctr" anchorCtr="0">
+          <a:noAutofit/>
+        </a:bodyPr>
+        <a:lstStyle/>
+        <a:p>
+          <a:pPr marL="0" lvl="0" indent="0" algn="ctr" defTabSz="222250">
+            <a:lnSpc>
+              <a:spcPct val="90000"/>
+            </a:lnSpc>
+            <a:spcBef>
+              <a:spcPct val="0"/>
+            </a:spcBef>
+            <a:spcAft>
+              <a:spcPct val="35000"/>
+            </a:spcAft>
+            <a:buNone/>
+          </a:pPr>
+          <a:endParaRPr lang="en-US" sz="500" kern="1200"/>
+        </a:p>
+      </dsp:txBody>
+      <dsp:txXfrm>
+        <a:off x="5223561" y="3266298"/>
+        <a:ext cx="68477" cy="68477"/>
+      </dsp:txXfrm>
+    </dsp:sp>
+    <dsp:sp modelId="{F1859255-EE4F-D144-9DF4-36F37160FF74}">
+      <dsp:nvSpPr>
+        <dsp:cNvPr id="0" name=""/>
+        <dsp:cNvSpPr/>
+      </dsp:nvSpPr>
+      <dsp:spPr>
+        <a:xfrm>
+          <a:off x="5648848" y="3373859"/>
+          <a:ext cx="1955244" cy="977622"/>
+        </a:xfrm>
+        <a:prstGeom prst="roundRect">
+          <a:avLst>
+            <a:gd name="adj" fmla="val 10000"/>
+          </a:avLst>
+        </a:prstGeom>
+        <a:solidFill>
+          <a:schemeClr val="accent6">
+            <a:hueOff val="0"/>
+            <a:satOff val="0"/>
+            <a:lumOff val="0"/>
+            <a:alphaOff val="0"/>
+          </a:schemeClr>
+        </a:solidFill>
+        <a:ln w="12700" cap="flat" cmpd="sng" algn="ctr">
+          <a:solidFill>
+            <a:schemeClr val="lt1">
+              <a:hueOff val="0"/>
+              <a:satOff val="0"/>
+              <a:lumOff val="0"/>
+              <a:alphaOff val="0"/>
+            </a:schemeClr>
+          </a:solidFill>
+          <a:prstDash val="solid"/>
+          <a:miter lim="800000"/>
+        </a:ln>
+        <a:effectLst/>
+      </dsp:spPr>
+      <dsp:style>
+        <a:lnRef idx="2">
+          <a:scrgbClr r="0" g="0" b="0"/>
+        </a:lnRef>
+        <a:fillRef idx="1">
+          <a:scrgbClr r="0" g="0" b="0"/>
+        </a:fillRef>
+        <a:effectRef idx="0">
+          <a:scrgbClr r="0" g="0" b="0"/>
+        </a:effectRef>
+        <a:fontRef idx="minor">
+          <a:schemeClr val="lt1"/>
+        </a:fontRef>
+      </dsp:style>
+      <dsp:txBody>
+        <a:bodyPr spcFirstLastPara="0" vert="horz" wrap="square" lIns="10160" tIns="10160" rIns="10160" bIns="10160" numCol="1" spcCol="1270" anchor="ctr" anchorCtr="0">
+          <a:noAutofit/>
+        </a:bodyPr>
+        <a:lstStyle/>
+        <a:p>
+          <a:pPr marL="0" lvl="0" indent="0" algn="ctr" defTabSz="711200">
+            <a:lnSpc>
+              <a:spcPct val="90000"/>
+            </a:lnSpc>
+            <a:spcBef>
+              <a:spcPct val="0"/>
+            </a:spcBef>
+            <a:spcAft>
+              <a:spcPct val="35000"/>
+            </a:spcAft>
+            <a:buNone/>
+          </a:pPr>
+          <a:r>
+            <a:rPr lang="en-US" sz="1600" kern="1200"/>
+            <a:t>Common in ecosystem studies where parameter estimates imprecise</a:t>
+          </a:r>
+        </a:p>
+      </dsp:txBody>
+      <dsp:txXfrm>
+        <a:off x="5677482" y="3402493"/>
+        <a:ext cx="1897976" cy="920354"/>
+      </dsp:txXfrm>
+    </dsp:sp>
+  </dsp:spTree>
+</dsp:drawing>
+</file>
+
+<file path=ppt/diagrams/layout1.xml><?xml version="1.0" encoding="utf-8"?>
+<dgm:layoutDef xmlns:dgm="http://schemas.openxmlformats.org/drawingml/2006/diagram" xmlns:a="http://schemas.openxmlformats.org/drawingml/2006/main" uniqueId="urn:microsoft.com/office/officeart/2016/7/layout/VerticalSolidActionList">
+  <dgm:title val="Vertical Solid Action List"/>
+  <dgm:desc val="Use to show non-sequential or grouped lists of information. Works well with large amounts of text. All text has the same level of emphasis, and direction is not implied."/>
+  <dgm:catLst>
+    <dgm:cat type="list" pri="500"/>
+  </dgm:catLst>
+  <dgm:sampData>
+    <dgm:dataModel>
+      <dgm:ptLst>
+        <dgm:pt modelId="0" type="doc"/>
+        <dgm:pt modelId="1">
+          <dgm:prSet phldr="1"/>
+        </dgm:pt>
+        <dgm:pt modelId="11">
+          <dgm:prSet phldr="1"/>
+        </dgm:pt>
+        <dgm:pt modelId="2">
+          <dgm:prSet phldr="1"/>
+        </dgm:pt>
+        <dgm:pt modelId="21">
+          <dgm:prSet phldr="1"/>
+        </dgm:pt>
+        <dgm:pt modelId="3">
+          <dgm:prSet phldr="1"/>
+        </dgm:pt>
+        <dgm:pt modelId="31">
+          <dgm:prSet phldr="1"/>
+        </dgm:pt>
+        <dgm:pt modelId="4">
+          <dgm:prSet phldr="1"/>
+        </dgm:pt>
+        <dgm:pt modelId="41">
+          <dgm:prSet phldr="1"/>
+        </dgm:pt>
+        <dgm:pt modelId="5">
+          <dgm:prSet phldr="1"/>
+        </dgm:pt>
+        <dgm:pt modelId="51">
+          <dgm:prSet phldr="1"/>
+        </dgm:pt>
+      </dgm:ptLst>
+      <dgm:cxnLst>
+        <dgm:cxn modelId="4" srcId="0" destId="1" srcOrd="0" destOrd="0"/>
+        <dgm:cxn modelId="5" srcId="0" destId="2" srcOrd="1" destOrd="0"/>
+        <dgm:cxn modelId="6" srcId="0" destId="3" srcOrd="2" destOrd="0"/>
+        <dgm:cxn modelId="7" srcId="0" destId="4" srcOrd="3" destOrd="0"/>
+        <dgm:cxn modelId="8" srcId="0" destId="5" srcOrd="4" destOrd="0"/>
+        <dgm:cxn modelId="13" srcId="1" destId="11" srcOrd="0" destOrd="0"/>
+        <dgm:cxn modelId="23" srcId="2" destId="21" srcOrd="0" destOrd="0"/>
+        <dgm:cxn modelId="33" srcId="3" destId="31" srcOrd="0" destOrd="0"/>
+        <dgm:cxn modelId="43" srcId="4" destId="41" srcOrd="0" destOrd="0"/>
+        <dgm:cxn modelId="53" srcId="5" destId="51" srcOrd="0" destOrd="0"/>
+      </dgm:cxnLst>
+      <dgm:bg/>
+      <dgm:whole/>
+    </dgm:dataModel>
+  </dgm:sampData>
+  <dgm:styleData>
+    <dgm:dataModel>
+      <dgm:ptLst>
+        <dgm:pt modelId="0" type="doc"/>
+        <dgm:pt modelId="1"/>
+        <dgm:pt modelId="11"/>
+        <dgm:pt modelId="2"/>
+        <dgm:pt modelId="21"/>
+      </dgm:ptLst>
+      <dgm:cxnLst>
+        <dgm:cxn modelId="4" srcId="0" destId="1" srcOrd="0" destOrd="0"/>
+        <dgm:cxn modelId="5" srcId="0" destId="2" srcOrd="1" destOrd="0"/>
+        <dgm:cxn modelId="13" srcId="1" destId="11" srcOrd="0" destOrd="0"/>
+        <dgm:cxn modelId="23" srcId="2" destId="21" srcOrd="0" destOrd="0"/>
+      </dgm:cxnLst>
+      <dgm:bg/>
+      <dgm:whole/>
+    </dgm:dataModel>
+  </dgm:styleData>
+  <dgm:clrData>
+    <dgm:dataModel>
+      <dgm:ptLst>
+        <dgm:pt modelId="0" type="doc"/>
+        <dgm:pt modelId="1"/>
+        <dgm:pt modelId="11"/>
+        <dgm:pt modelId="2"/>
+        <dgm:pt modelId="21"/>
+        <dgm:pt modelId="3"/>
+        <dgm:pt modelId="31"/>
+        <dgm:pt modelId="4"/>
+        <dgm:pt modelId="41"/>
+      </dgm:ptLst>
+      <dgm:cxnLst>
+        <dgm:cxn modelId="5" srcId="0" destId="1" srcOrd="0" destOrd="0"/>
+        <dgm:cxn modelId="6" srcId="0" destId="2" srcOrd="1" destOrd="0"/>
+        <dgm:cxn modelId="7" srcId="0" destId="3" srcOrd="2" destOrd="0"/>
+        <dgm:cxn modelId="8" srcId="0" destId="4" srcOrd="3" destOrd="0"/>
+        <dgm:cxn modelId="13" srcId="1" destId="11" srcOrd="0" destOrd="0"/>
+        <dgm:cxn modelId="23" srcId="2" destId="21" srcOrd="0" destOrd="0"/>
+        <dgm:cxn modelId="33" srcId="3" destId="31" srcOrd="0" destOrd="0"/>
+        <dgm:cxn modelId="43" srcId="4" destId="41" srcOrd="0" destOrd="0"/>
+      </dgm:cxnLst>
+      <dgm:bg/>
+      <dgm:whole/>
+    </dgm:dataModel>
+  </dgm:clrData>
+  <dgm:layoutNode name="Name0">
+    <dgm:varLst>
+      <dgm:dir/>
+      <dgm:animLvl val="lvl"/>
+      <dgm:resizeHandles val="exact"/>
+    </dgm:varLst>
+    <dgm:choose name="Name1">
+      <dgm:if name="Name2" func="var" arg="dir" op="equ" val="norm">
+        <dgm:alg type="lin">
+          <dgm:param type="linDir" val="fromT"/>
+          <dgm:param type="nodeHorzAlign" val="l"/>
+        </dgm:alg>
+      </dgm:if>
+      <dgm:else name="Name3">
+        <dgm:alg type="lin">
+          <dgm:param type="linDir" val="fromT"/>
+          <dgm:param type="nodeHorzAlign" val="r"/>
+        </dgm:alg>
+      </dgm:else>
+    </dgm:choose>
+    <dgm:shape xmlns:r="http://schemas.openxmlformats.org/officeDocument/2006/relationships" r:blip="">
+      <dgm:adjLst/>
+    </dgm:shape>
+    <dgm:presOf/>
+    <dgm:constrLst>
+      <dgm:constr type="h" for="ch" forName="linNode" refType="h"/>
+      <dgm:constr type="w" for="ch" forName="linNode" refType="w"/>
+      <dgm:constr type="h" for="ch" forName="sp" refType="h" fact="0.06"/>
+      <dgm:constr type="primFontSz" for="des" forName="parentText" op="equ" val="28"/>
+      <dgm:constr type="primFontSz" for="des" forName="descendantText" refType="primFontSz" refFor="des" refForName="parentText" op="lte" fact="0.82"/>
+      <dgm:constr type="primFontSz" for="des" forName="parentText" refType="primFontSz" refFor="des" refForName="descendantText" op="lte" fact="1.25"/>
+    </dgm:constrLst>
+    <dgm:ruleLst/>
+    <dgm:forEach name="Name4" axis="ch" ptType="node">
+      <dgm:layoutNode name="linNode">
+        <dgm:choose name="Name5">
+          <dgm:if name="Name6" func="var" arg="dir" op="equ" val="norm">
+            <dgm:alg type="lin">
+              <dgm:param type="linDir" val="fromL"/>
+            </dgm:alg>
+          </dgm:if>
+          <dgm:else name="Name7">
+            <dgm:alg type="lin">
+              <dgm:param type="linDir" val="fromR"/>
+            </dgm:alg>
+          </dgm:else>
+        </dgm:choose>
+        <dgm:shape xmlns:r="http://schemas.openxmlformats.org/officeDocument/2006/relationships" r:blip="">
+          <dgm:adjLst/>
+        </dgm:shape>
+        <dgm:presOf/>
+        <dgm:constrLst>
+          <dgm:constr type="w" for="ch" forName="parentText" refType="w" fact="0.2"/>
+          <dgm:constr type="w" for="ch" forName="descendantText" refType="w" fact="0.8"/>
+          <dgm:constr type="h" for="ch" forName="parentText" refType="h"/>
+          <dgm:constr type="h" for="ch" forName="descendantText" refType="h" refFor="ch" refForName="parentText"/>
+        </dgm:constrLst>
+        <dgm:ruleLst/>
+        <dgm:layoutNode name="parentText" styleLbl="alignNode1">
+          <dgm:varLst>
+            <dgm:chMax val="1"/>
+            <dgm:bulletEnabled/>
+          </dgm:varLst>
+          <dgm:alg type="tx"/>
+          <dgm:shape xmlns:r="http://schemas.openxmlformats.org/officeDocument/2006/relationships" type="rect" r:blip="" zOrderOff="3">
+            <dgm:adjLst/>
+          </dgm:shape>
+          <dgm:presOf axis="self" ptType="node"/>
+          <dgm:constrLst>
+            <dgm:constr type="tMarg" refType="h" fact="0.28"/>
+            <dgm:constr type="bMarg" refType="h" fact="0.28"/>
+            <dgm:constr type="lMarg" refType="w" fact="0.15"/>
+            <dgm:constr type="rMarg" refType="w" fact="0.15"/>
+          </dgm:constrLst>
+          <dgm:ruleLst>
+            <dgm:rule type="primFontSz" val="15" fact="NaN" max="NaN"/>
+          </dgm:ruleLst>
+        </dgm:layoutNode>
+        <dgm:layoutNode name="descendantText" styleLbl="alignAccFollowNode1">
+          <dgm:varLst>
+            <dgm:bulletEnabled/>
+          </dgm:varLst>
+          <dgm:alg type="tx">
+            <dgm:param type="stBulletLvl" val="0"/>
+            <dgm:param type="parTxLTRAlign" val="l"/>
+            <dgm:param type="shpTxLTRAlignCh" val="l"/>
+            <dgm:param type="parTxRTLAlign" val="r"/>
+            <dgm:param type="shpTxRTLAlignCh" val="r"/>
+          </dgm:alg>
+          <dgm:choose name="Name10">
+            <dgm:if name="Name11" func="var" arg="dir" op="equ" val="norm">
+              <dgm:shape xmlns:r="http://schemas.openxmlformats.org/officeDocument/2006/relationships" type="rect" r:blip="">
+                <dgm:adjLst/>
+              </dgm:shape>
+            </dgm:if>
+            <dgm:else name="Name12">
+              <dgm:shape xmlns:r="http://schemas.openxmlformats.org/officeDocument/2006/relationships" type="rect" r:blip="">
+                <dgm:adjLst/>
+              </dgm:shape>
+            </dgm:else>
+          </dgm:choose>
+          <dgm:presOf axis="des" ptType="node"/>
+          <dgm:constrLst>
+            <dgm:constr type="primFontSz" val="24"/>
+            <dgm:constr type="lMarg" refType="w" fact="0.055"/>
+            <dgm:constr type="rMarg" refType="w" fact="0.055"/>
+            <dgm:constr type="tMarg" refType="h" fact="0.72"/>
+            <dgm:constr type="bMarg" refType="h" fact="0.72"/>
+          </dgm:constrLst>
+          <dgm:ruleLst>
+            <dgm:rule type="primFontSz" val="11" fact="NaN" max="NaN"/>
+          </dgm:ruleLst>
+        </dgm:layoutNode>
+      </dgm:layoutNode>
+      <dgm:forEach name="Name14" axis="followSib" ptType="sibTrans" cnt="1">
+        <dgm:layoutNode name="sp">
+          <dgm:alg type="sp"/>
+          <dgm:shape xmlns:r="http://schemas.openxmlformats.org/officeDocument/2006/relationships" r:blip="">
+            <dgm:adjLst/>
+          </dgm:shape>
+          <dgm:presOf/>
+          <dgm:constrLst/>
+          <dgm:ruleLst/>
+        </dgm:layoutNode>
+      </dgm:forEach>
+    </dgm:forEach>
+  </dgm:layoutNode>
+</dgm:layoutDef>
+</file>
+
+<file path=ppt/diagrams/layout2.xml><?xml version="1.0" encoding="utf-8"?>
+<dgm:layoutDef xmlns:dgm="http://schemas.openxmlformats.org/drawingml/2006/diagram" xmlns:a="http://schemas.openxmlformats.org/drawingml/2006/main" uniqueId="urn:microsoft.com/office/officeart/2005/8/layout/hierarchy2">
+  <dgm:title val=""/>
+  <dgm:desc val=""/>
+  <dgm:catLst>
+    <dgm:cat type="hierarchy" pri="5000"/>
+  </dgm:catLst>
+  <dgm:sampData>
+    <dgm:dataModel>
+      <dgm:ptLst>
+        <dgm:pt modelId="0" type="doc"/>
+        <dgm:pt modelId="1">
+          <dgm:prSet phldr="1"/>
+        </dgm:pt>
+        <dgm:pt modelId="2">
+          <dgm:prSet phldr="1"/>
+        </dgm:pt>
+        <dgm:pt modelId="21">
+          <dgm:prSet phldr="1"/>
+        </dgm:pt>
+        <dgm:pt modelId="22">
+          <dgm:prSet phldr="1"/>
+        </dgm:pt>
+        <dgm:pt modelId="3">
+          <dgm:prSet phldr="1"/>
+        </dgm:pt>
+        <dgm:pt modelId="31">
+          <dgm:prSet phldr="1"/>
+        </dgm:pt>
+      </dgm:ptLst>
+      <dgm:cxnLst>
+        <dgm:cxn modelId="4" srcId="0" destId="1" srcOrd="0" destOrd="0"/>
+        <dgm:cxn modelId="5" srcId="1" destId="2" srcOrd="0" destOrd="0"/>
+        <dgm:cxn modelId="6" srcId="1" destId="3" srcOrd="1" destOrd="0"/>
+        <dgm:cxn modelId="23" srcId="2" destId="21" srcOrd="0" destOrd="0"/>
+        <dgm:cxn modelId="24" srcId="2" destId="22" srcOrd="1" destOrd="0"/>
+        <dgm:cxn modelId="33" srcId="3" destId="31" srcOrd="0" destOrd="0"/>
+      </dgm:cxnLst>
+      <dgm:bg/>
+      <dgm:whole/>
+    </dgm:dataModel>
+  </dgm:sampData>
+  <dgm:styleData>
+    <dgm:dataModel>
+      <dgm:ptLst>
+        <dgm:pt modelId="0" type="doc"/>
+        <dgm:pt modelId="1"/>
+        <dgm:pt modelId="11"/>
+        <dgm:pt modelId="12"/>
+      </dgm:ptLst>
+      <dgm:cxnLst>
+        <dgm:cxn modelId="2" srcId="0" destId="1" srcOrd="0" destOrd="0"/>
+        <dgm:cxn modelId="13" srcId="1" destId="11" srcOrd="0" destOrd="0"/>
+        <dgm:cxn modelId="14" srcId="1" destId="12" srcOrd="1" destOrd="0"/>
+      </dgm:cxnLst>
+      <dgm:bg/>
+      <dgm:whole/>
+    </dgm:dataModel>
+  </dgm:styleData>
+  <dgm:clrData>
+    <dgm:dataModel>
+      <dgm:ptLst>
+        <dgm:pt modelId="0" type="doc"/>
+        <dgm:pt modelId="1"/>
+        <dgm:pt modelId="2"/>
+        <dgm:pt modelId="21"/>
+        <dgm:pt modelId="211"/>
+        <dgm:pt modelId="3"/>
+        <dgm:pt modelId="31"/>
+        <dgm:pt modelId="311"/>
+      </dgm:ptLst>
+      <dgm:cxnLst>
+        <dgm:cxn modelId="4" srcId="0" destId="1" srcOrd="0" destOrd="0"/>
+        <dgm:cxn modelId="5" srcId="1" destId="2" srcOrd="0" destOrd="0"/>
+        <dgm:cxn modelId="6" srcId="1" destId="3" srcOrd="1" destOrd="0"/>
+        <dgm:cxn modelId="23" srcId="2" destId="21" srcOrd="0" destOrd="0"/>
+        <dgm:cxn modelId="24" srcId="21" destId="211" srcOrd="0" destOrd="0"/>
+        <dgm:cxn modelId="33" srcId="3" destId="31" srcOrd="0" destOrd="0"/>
+        <dgm:cxn modelId="34" srcId="31" destId="311" srcOrd="0" destOrd="0"/>
+      </dgm:cxnLst>
+      <dgm:bg/>
+      <dgm:whole/>
+    </dgm:dataModel>
+  </dgm:clrData>
+  <dgm:layoutNode name="diagram">
+    <dgm:varLst>
+      <dgm:chPref val="1"/>
+      <dgm:dir/>
+      <dgm:animOne val="branch"/>
+      <dgm:animLvl val="lvl"/>
+      <dgm:resizeHandles val="exact"/>
+    </dgm:varLst>
+    <dgm:choose name="Name0">
+      <dgm:if name="Name1" func="var" arg="dir" op="equ" val="norm">
+        <dgm:alg type="hierChild">
+          <dgm:param type="linDir" val="fromT"/>
+          <dgm:param type="chAlign" val="l"/>
+        </dgm:alg>
+      </dgm:if>
+      <dgm:else name="Name2">
+        <dgm:alg type="hierChild">
+          <dgm:param type="linDir" val="fromT"/>
+          <dgm:param type="chAlign" val="r"/>
+        </dgm:alg>
+      </dgm:else>
+    </dgm:choose>
+    <dgm:shape xmlns:r="http://schemas.openxmlformats.org/officeDocument/2006/relationships" r:blip="">
+      <dgm:adjLst/>
+    </dgm:shape>
+    <dgm:presOf/>
+    <dgm:constrLst>
+      <dgm:constr type="h" for="des" ptType="node" refType="h"/>
+      <dgm:constr type="w" for="des" ptType="node" refType="h" refFor="des" refPtType="node" fact="2"/>
+      <dgm:constr type="sibSp" refType="h" refFor="des" refPtType="node" op="equ" fact="0.15"/>
+      <dgm:constr type="sibSp" for="des" forName="level2hierChild" refType="h" refFor="des" refPtType="node" op="equ" fact="0.15"/>
+      <dgm:constr type="sibSp" for="des" forName="level3hierChild" refType="h" refFor="des" refPtType="node" op="equ" fact="0.15"/>
+      <dgm:constr type="sp" for="des" forName="root1" refType="w" refFor="des" refPtType="node" fact="0.4"/>
+      <dgm:constr type="sp" for="des" forName="root2" refType="sp" refFor="des" refForName="root1" op="equ"/>
+      <dgm:constr type="primFontSz" for="des" ptType="node" op="equ" val="65"/>
+      <dgm:constr type="primFontSz" for="des" forName="connTx" op="equ" val="55"/>
+      <dgm:constr type="primFontSz" for="des" forName="connTx" refType="primFontSz" refFor="des" refPtType="node" op="lte" fact="0.8"/>
+    </dgm:constrLst>
+    <dgm:ruleLst/>
+    <dgm:forEach name="Name3" axis="ch">
+      <dgm:forEach name="Name4" axis="self" ptType="node">
+        <dgm:layoutNode name="root1">
+          <dgm:choose name="Name5">
+            <dgm:if name="Name6" func="var" arg="dir" op="equ" val="norm">
+              <dgm:alg type="hierRoot">
+                <dgm:param type="hierAlign" val="lCtrCh"/>
+              </dgm:alg>
+            </dgm:if>
+            <dgm:else name="Name7">
+              <dgm:alg type="hierRoot">
+                <dgm:param type="hierAlign" val="rCtrCh"/>
+              </dgm:alg>
+            </dgm:else>
+          </dgm:choose>
+          <dgm:shape xmlns:r="http://schemas.openxmlformats.org/officeDocument/2006/relationships" r:blip="">
+            <dgm:adjLst/>
+          </dgm:shape>
+          <dgm:presOf/>
+          <dgm:constrLst/>
+          <dgm:ruleLst/>
+          <dgm:layoutNode name="LevelOneTextNode" styleLbl="node0">
+            <dgm:varLst>
+              <dgm:chPref val="3"/>
+            </dgm:varLst>
+            <dgm:alg type="tx"/>
+            <dgm:shape xmlns:r="http://schemas.openxmlformats.org/officeDocument/2006/relationships" type="roundRect" r:blip="">
+              <dgm:adjLst>
+                <dgm:adj idx="1" val="0.1"/>
+              </dgm:adjLst>
+            </dgm:shape>
+            <dgm:presOf axis="self"/>
+            <dgm:constrLst>
+              <dgm:constr type="tMarg" refType="primFontSz" fact="0.05"/>
+              <dgm:constr type="bMarg" refType="primFontSz" fact="0.05"/>
+              <dgm:constr type="lMarg" refType="primFontSz" fact="0.05"/>
+              <dgm:constr type="rMarg" refType="primFontSz" fact="0.05"/>
+            </dgm:constrLst>
+            <dgm:ruleLst>
+              <dgm:rule type="primFontSz" val="5" fact="NaN" max="NaN"/>
+            </dgm:ruleLst>
+          </dgm:layoutNode>
+          <dgm:layoutNode name="level2hierChild">
+            <dgm:choose name="Name8">
+              <dgm:if name="Name9" func="var" arg="dir" op="equ" val="norm">
+                <dgm:alg type="hierChild">
+                  <dgm:param type="linDir" val="fromT"/>
+                  <dgm:param type="chAlign" val="l"/>
+                </dgm:alg>
+              </dgm:if>
+              <dgm:else name="Name10">
+                <dgm:alg type="hierChild">
+                  <dgm:param type="linDir" val="fromT"/>
+                  <dgm:param type="chAlign" val="r"/>
+                </dgm:alg>
+              </dgm:else>
+            </dgm:choose>
+            <dgm:shape xmlns:r="http://schemas.openxmlformats.org/officeDocument/2006/relationships" r:blip="">
+              <dgm:adjLst/>
+            </dgm:shape>
+            <dgm:presOf/>
+            <dgm:constrLst/>
+            <dgm:ruleLst/>
+            <dgm:forEach name="repeat" axis="ch">
+              <dgm:forEach name="Name11" axis="self" ptType="parTrans" cnt="1">
+                <dgm:layoutNode name="conn2-1">
+                  <dgm:choose name="Name12">
+                    <dgm:if name="Name13" func="var" arg="dir" op="equ" val="norm">
+                      <dgm:alg type="conn">
+                        <dgm:param type="dim" val="1D"/>
+                        <dgm:param type="begPts" val="midR"/>
+                        <dgm:param type="endPts" val="midL"/>
+                        <dgm:param type="endSty" val="noArr"/>
+                      </dgm:alg>
+                    </dgm:if>
+                    <dgm:else name="Name14">
+                      <dgm:alg type="conn">
+                        <dgm:param type="dim" val="1D"/>
+                        <dgm:param type="begPts" val="midL"/>
+                        <dgm:param type="endPts" val="midR"/>
+                        <dgm:param type="endSty" val="noArr"/>
+                      </dgm:alg>
+                    </dgm:else>
+                  </dgm:choose>
+                  <dgm:shape xmlns:r="http://schemas.openxmlformats.org/officeDocument/2006/relationships" type="conn" r:blip="">
+                    <dgm:adjLst/>
+                  </dgm:shape>
+                  <dgm:presOf axis="self"/>
+                  <dgm:constrLst>
+                    <dgm:constr type="w" val="1"/>
+                    <dgm:constr type="h" val="5"/>
+                    <dgm:constr type="connDist"/>
+                    <dgm:constr type="begPad"/>
+                    <dgm:constr type="endPad"/>
+                    <dgm:constr type="userA" for="ch" refType="connDist"/>
+                  </dgm:constrLst>
+                  <dgm:ruleLst/>
+                  <dgm:layoutNode name="connTx">
+                    <dgm:alg type="tx">
+                      <dgm:param type="autoTxRot" val="grav"/>
+                    </dgm:alg>
+                    <dgm:shape xmlns:r="http://schemas.openxmlformats.org/officeDocument/2006/relationships" type="rect" r:blip="" hideGeom="1">
+                      <dgm:adjLst/>
+                    </dgm:shape>
+                    <dgm:presOf axis="self"/>
+                    <dgm:constrLst>
+                      <dgm:constr type="userA"/>
+                      <dgm:constr type="w" refType="userA" fact="0.05"/>
+                      <dgm:constr type="h" refType="userA" fact="0.05"/>
+                      <dgm:constr type="lMarg" val="1"/>
+                      <dgm:constr type="rMarg" val="1"/>
+                      <dgm:constr type="tMarg"/>
+                      <dgm:constr type="bMarg"/>
+                    </dgm:constrLst>
+                    <dgm:ruleLst>
+                      <dgm:rule type="h" val="NaN" fact="0.25" max="NaN"/>
+                      <dgm:rule type="w" val="NaN" fact="0.8" max="NaN"/>
+                      <dgm:rule type="primFontSz" val="5" fact="NaN" max="NaN"/>
+                    </dgm:ruleLst>
+                  </dgm:layoutNode>
+                </dgm:layoutNode>
+              </dgm:forEach>
+              <dgm:forEach name="Name15" axis="self" ptType="node">
+                <dgm:layoutNode name="root2">
+                  <dgm:choose name="Name16">
+                    <dgm:if name="Name17" func="var" arg="dir" op="equ" val="norm">
+                      <dgm:alg type="hierRoot">
+                        <dgm:param type="hierAlign" val="lCtrCh"/>
+                      </dgm:alg>
+                    </dgm:if>
+                    <dgm:else name="Name18">
+                      <dgm:alg type="hierRoot">
+                        <dgm:param type="hierAlign" val="rCtrCh"/>
+                      </dgm:alg>
+                    </dgm:else>
+                  </dgm:choose>
+                  <dgm:shape xmlns:r="http://schemas.openxmlformats.org/officeDocument/2006/relationships" r:blip="">
+                    <dgm:adjLst/>
+                  </dgm:shape>
+                  <dgm:presOf/>
+                  <dgm:constrLst/>
+                  <dgm:ruleLst/>
+                  <dgm:layoutNode name="LevelTwoTextNode">
+                    <dgm:varLst>
+                      <dgm:chPref val="3"/>
+                    </dgm:varLst>
+                    <dgm:alg type="tx"/>
+                    <dgm:shape xmlns:r="http://schemas.openxmlformats.org/officeDocument/2006/relationships" type="roundRect" r:blip="">
+                      <dgm:adjLst>
+                        <dgm:adj idx="1" val="0.1"/>
+                      </dgm:adjLst>
+                    </dgm:shape>
+                    <dgm:presOf axis="self"/>
+                    <dgm:constrLst>
+                      <dgm:constr type="tMarg" refType="primFontSz" fact="0.05"/>
+                      <dgm:constr type="bMarg" refType="primFontSz" fact="0.05"/>
+                      <dgm:constr type="lMarg" refType="primFontSz" fact="0.05"/>
+                      <dgm:constr type="rMarg" refType="primFontSz" fact="0.05"/>
+                    </dgm:constrLst>
+                    <dgm:ruleLst>
+                      <dgm:rule type="primFontSz" val="5" fact="NaN" max="NaN"/>
+                    </dgm:ruleLst>
+                  </dgm:layoutNode>
+                  <dgm:layoutNode name="level3hierChild">
+                    <dgm:choose name="Name19">
+                      <dgm:if name="Name20" func="var" arg="dir" op="equ" val="norm">
+                        <dgm:alg type="hierChild">
+                          <dgm:param type="linDir" val="fromT"/>
+                          <dgm:param type="chAlign" val="l"/>
+                        </dgm:alg>
+                      </dgm:if>
+                      <dgm:else name="Name21">
+                        <dgm:alg type="hierChild">
+                          <dgm:param type="linDir" val="fromT"/>
+                          <dgm:param type="chAlign" val="r"/>
+                        </dgm:alg>
+                      </dgm:else>
+                    </dgm:choose>
+                    <dgm:shape xmlns:r="http://schemas.openxmlformats.org/officeDocument/2006/relationships" r:blip="">
+                      <dgm:adjLst/>
+                    </dgm:shape>
+                    <dgm:presOf/>
+                    <dgm:constrLst/>
+                    <dgm:ruleLst/>
+                    <dgm:forEach name="Name22" ref="repeat"/>
+                  </dgm:layoutNode>
+                </dgm:layoutNode>
+              </dgm:forEach>
+            </dgm:forEach>
+          </dgm:layoutNode>
+        </dgm:layoutNode>
+      </dgm:forEach>
+    </dgm:forEach>
+  </dgm:layoutNode>
+</dgm:layoutDef>
+</file>
+
+<file path=ppt/diagrams/quickStyle1.xml><?xml version="1.0" encoding="utf-8"?>
+<dgm:styleDef xmlns:dgm="http://schemas.openxmlformats.org/drawingml/2006/diagram" xmlns:a="http://schemas.openxmlformats.org/drawingml/2006/main" uniqueId="urn:microsoft.com/office/officeart/2005/8/quickstyle/simple1">
+  <dgm:title val=""/>
+  <dgm:desc val=""/>
+  <dgm:catLst>
+    <dgm:cat type="simple" pri="10100"/>
+  </dgm:catLst>
+  <dgm:scene3d>
+    <a:camera prst="orthographicFront"/>
+    <a:lightRig rig="threePt" dir="t"/>
+  </dgm:scene3d>
+  <dgm:styleLbl name="node0">
+    <dgm:scene3d>
+      <a:camera prst="orthographicFront"/>
+      <a:lightRig rig="threePt" dir="t"/>
+    </dgm:scene3d>
+    <dgm:sp3d/>
+    <dgm:txPr/>
+    <dgm:style>
+      <a:lnRef idx="2">
+        <a:scrgbClr r="0" g="0" b="0"/>
+      </a:lnRef>
+      <a:fillRef idx="1">
+        <a:scrgbClr r="0" g="0" b="0"/>
+      </a:fillRef>
+      <a:effectRef idx="0">
+        <a:scrgbClr r="0" g="0" b="0"/>
+      </a:effectRef>
+      <a:fontRef idx="minor">
+        <a:schemeClr val="lt1"/>
+      </a:fontRef>
+    </dgm:style>
+  </dgm:styleLbl>
+  <dgm:styleLbl name="lnNode1">
+    <dgm:scene3d>
+      <a:camera prst="orthographicFront"/>
+      <a:lightRig rig="threePt" dir="t"/>
+    </dgm:scene3d>
+    <dgm:sp3d/>
+    <dgm:txPr/>
+    <dgm:style>
+      <a:lnRef idx="2">
+        <a:scrgbClr r="0" g="0" b="0"/>
+      </a:lnRef>
+      <a:fillRef idx="1">
+        <a:scrgbClr r="0" g="0" b="0"/>
+      </a:fillRef>
+      <a:effectRef idx="0">
+        <a:scrgbClr r="0" g="0" b="0"/>
+      </a:effectRef>
+      <a:fontRef idx="minor">
+        <a:schemeClr val="lt1"/>
+      </a:fontRef>
+    </dgm:style>
+  </dgm:styleLbl>
+  <dgm:styleLbl name="vennNode1">
+    <dgm:scene3d>
+      <a:camera prst="orthographicFront"/>
+      <a:lightRig rig="threePt" dir="t"/>
+    </dgm:scene3d>
+    <dgm:sp3d/>
+    <dgm:txPr/>
+    <dgm:style>
+      <a:lnRef idx="2">
+        <a:scrgbClr r="0" g="0" b="0"/>
+      </a:lnRef>
+      <a:fillRef idx="1">
+        <a:scrgbClr r="0" g="0" b="0"/>
+      </a:fillRef>
+      <a:effectRef idx="0">
+        <a:scrgbClr r="0" g="0" b="0"/>
+      </a:effectRef>
+      <a:fontRef idx="minor">
+        <a:schemeClr val="tx1"/>
+      </a:fontRef>
+    </dgm:style>
+  </dgm:styleLbl>
+  <dgm:styleLbl name="alignNode1">
+    <dgm:scene3d>
+      <a:camera prst="orthographicFront"/>
+      <a:lightRig rig="threePt" dir="t"/>
+    </dgm:scene3d>
+    <dgm:sp3d/>
+    <dgm:txPr/>
+    <dgm:style>
+      <a:lnRef idx="2">
+        <a:scrgbClr r="0" g="0" b="0"/>
+      </a:lnRef>
+      <a:fillRef idx="1">
+        <a:scrgbClr r="0" g="0" b="0"/>
+      </a:fillRef>
+      <a:effectRef idx="0">
+        <a:scrgbClr r="0" g="0" b="0"/>
+      </a:effectRef>
+      <a:fontRef idx="minor">
+        <a:schemeClr val="lt1"/>
+      </a:fontRef>
+    </dgm:style>
+  </dgm:styleLbl>
+  <dgm:styleLbl name="node1">
+    <dgm:scene3d>
+      <a:camera prst="orthographicFront"/>
+      <a:lightRig rig="threePt" dir="t"/>
+    </dgm:scene3d>
+    <dgm:sp3d/>
+    <dgm:txPr/>
+    <dgm:style>
+      <a:lnRef idx="2">
+        <a:scrgbClr r="0" g="0" b="0"/>
+      </a:lnRef>
+      <a:fillRef idx="1">
+        <a:scrgbClr r="0" g="0" b="0"/>
+      </a:fillRef>
+      <a:effectRef idx="0">
+        <a:scrgbClr r="0" g="0" b="0"/>
+      </a:effectRef>
+      <a:fontRef idx="minor">
+        <a:schemeClr val="lt1"/>
+      </a:fontRef>
+    </dgm:style>
+  </dgm:styleLbl>
+  <dgm:styleLbl name="node2">
+    <dgm:scene3d>
+      <a:camera prst="orthographicFront"/>
+      <a:lightRig rig="threePt" dir="t"/>
+    </dgm:scene3d>
+    <dgm:sp3d/>
+    <dgm:txPr/>
+    <dgm:style>
+      <a:lnRef idx="2">
+        <a:scrgbClr r="0" g="0" b="0"/>
+      </a:lnRef>
+      <a:fillRef idx="1">
+        <a:scrgbClr r="0" g="0" b="0"/>
+      </a:fillRef>
+      <a:effectRef idx="0">
+        <a:scrgbClr r="0" g="0" b="0"/>
+      </a:effectRef>
+      <a:fontRef idx="minor">
+        <a:schemeClr val="lt1"/>
+      </a:fontRef>
+    </dgm:style>
+  </dgm:styleLbl>
+  <dgm:styleLbl name="node3">
+    <dgm:scene3d>
+      <a:camera prst="orthographicFront"/>
+      <a:lightRig rig="threePt" dir="t"/>
+    </dgm:scene3d>
+    <dgm:sp3d/>
+    <dgm:txPr/>
+    <dgm:style>
+      <a:lnRef idx="2">
+        <a:scrgbClr r="0" g="0" b="0"/>
+      </a:lnRef>
+      <a:fillRef idx="1">
+        <a:scrgbClr r="0" g="0" b="0"/>
+      </a:fillRef>
+      <a:effectRef idx="0">
+        <a:scrgbClr r="0" g="0" b="0"/>
+      </a:effectRef>
+      <a:fontRef idx="minor">
+        <a:schemeClr val="lt1"/>
+      </a:fontRef>
+    </dgm:style>
+  </dgm:styleLbl>
+  <dgm:styleLbl name="node4">
+    <dgm:scene3d>
+      <a:camera prst="orthographicFront"/>
+      <a:lightRig rig="threePt" dir="t"/>
+    </dgm:scene3d>
+    <dgm:sp3d/>
+    <dgm:txPr/>
+    <dgm:style>
+      <a:lnRef idx="2">
+        <a:scrgbClr r="0" g="0" b="0"/>
+      </a:lnRef>
+      <a:fillRef idx="1">
+        <a:scrgbClr r="0" g="0" b="0"/>
+      </a:fillRef>
+      <a:effectRef idx="0">
+        <a:scrgbClr r="0" g="0" b="0"/>
+      </a:effectRef>
+      <a:fontRef idx="minor">
+        <a:schemeClr val="lt1"/>
+      </a:fontRef>
+    </dgm:style>
+  </dgm:styleLbl>
+  <dgm:styleLbl name="fgImgPlace1">
+    <dgm:scene3d>
+      <a:camera prst="orthographicFront"/>
+      <a:lightRig rig="threePt" dir="t"/>
+    </dgm:scene3d>
+    <dgm:sp3d/>
+    <dgm:txPr/>
+    <dgm:style>
+      <a:lnRef idx="2">
+        <a:scrgbClr r="0" g="0" b="0"/>
+      </a:lnRef>
+      <a:fillRef idx="1">
+        <a:scrgbClr r="0" g="0" b="0"/>
+      </a:fillRef>
+      <a:effectRef idx="0">
+        <a:scrgbClr r="0" g="0" b="0"/>
+      </a:effectRef>
+      <a:fontRef idx="minor"/>
+    </dgm:style>
+  </dgm:styleLbl>
+  <dgm:styleLbl name="alignImgPlace1">
+    <dgm:scene3d>
+      <a:camera prst="orthographicFront"/>
+      <a:lightRig rig="threePt" dir="t"/>
+    </dgm:scene3d>
+    <dgm:sp3d/>
+    <dgm:txPr/>
+    <dgm:style>
+      <a:lnRef idx="2">
+        <a:scrgbClr r="0" g="0" b="0"/>
+      </a:lnRef>
+      <a:fillRef idx="1">
+        <a:scrgbClr r="0" g="0" b="0"/>
+      </a:fillRef>
+      <a:effectRef idx="0">
+        <a:scrgbClr r="0" g="0" b="0"/>
+      </a:effectRef>
+      <a:fontRef idx="minor"/>
+    </dgm:style>
+  </dgm:styleLbl>
+  <dgm:styleLbl name="bgImgPlace1">
+    <dgm:scene3d>
+      <a:camera prst="orthographicFront"/>
+      <a:lightRig rig="threePt" dir="t"/>
+    </dgm:scene3d>
+    <dgm:sp3d/>
+    <dgm:txPr/>
+    <dgm:style>
+      <a:lnRef idx="2">
+        <a:scrgbClr r="0" g="0" b="0"/>
+      </a:lnRef>
+      <a:fillRef idx="1">
+        <a:scrgbClr r="0" g="0" b="0"/>
+      </a:fillRef>
+      <a:effectRef idx="0">
+        <a:scrgbClr r="0" g="0" b="0"/>
+      </a:effectRef>
+      <a:fontRef idx="minor"/>
+    </dgm:style>
+  </dgm:styleLbl>
+  <dgm:styleLbl name="sibTrans2D1">
+    <dgm:scene3d>
+      <a:camera prst="orthographicFront"/>
+      <a:lightRig rig="threePt" dir="t"/>
+    </dgm:scene3d>
+    <dgm:sp3d/>
+    <dgm:txPr/>
+    <dgm:style>
+      <a:lnRef idx="0">
+        <a:scrgbClr r="0" g="0" b="0"/>
+      </a:lnRef>
+      <a:fillRef idx="1">
+        <a:scrgbClr r="0" g="0" b="0"/>
+      </a:fillRef>
+      <a:effectRef idx="0">
+        <a:scrgbClr r="0" g="0" b="0"/>
+      </a:effectRef>
+      <a:fontRef idx="minor">
+        <a:schemeClr val="lt1"/>
+      </a:fontRef>
+    </dgm:style>
+  </dgm:styleLbl>
+  <dgm:styleLbl name="fgSibTrans2D1">
+    <dgm:scene3d>
+      <a:camera prst="orthographicFront"/>
+      <a:lightRig rig="threePt" dir="t"/>
+    </dgm:scene3d>
+    <dgm:sp3d/>
+    <dgm:txPr/>
+    <dgm:style>
+      <a:lnRef idx="0">
+        <a:scrgbClr r="0" g="0" b="0"/>
+      </a:lnRef>
+      <a:fillRef idx="1">
+        <a:scrgbClr r="0" g="0" b="0"/>
+      </a:fillRef>
+      <a:effectRef idx="0">
+        <a:scrgbClr r="0" g="0" b="0"/>
+      </a:effectRef>
+      <a:fontRef idx="minor">
+        <a:schemeClr val="lt1"/>
+      </a:fontRef>
+    </dgm:style>
+  </dgm:styleLbl>
+  <dgm:styleLbl name="bgSibTrans2D1">
+    <dgm:scene3d>
+      <a:camera prst="orthographicFront"/>
+      <a:lightRig rig="threePt" dir="t"/>
+    </dgm:scene3d>
+    <dgm:sp3d/>
+    <dgm:txPr/>
+    <dgm:style>
+      <a:lnRef idx="0">
+        <a:scrgbClr r="0" g="0" b="0"/>
+      </a:lnRef>
+      <a:fillRef idx="1">
+        <a:scrgbClr r="0" g="0" b="0"/>
+      </a:fillRef>
+      <a:effectRef idx="0">
+        <a:scrgbClr r="0" g="0" b="0"/>
+      </a:effectRef>
+      <a:fontRef idx="minor">
+        <a:schemeClr val="lt1"/>
+      </a:fontRef>
+    </dgm:style>
+  </dgm:styleLbl>
+  <dgm:styleLbl name="sibTrans1D1">
+    <dgm:scene3d>
+      <a:camera prst="orthographicFront"/>
+      <a:lightRig rig="threePt" dir="t"/>
+    </dgm:scene3d>
+    <dgm:sp3d/>
+    <dgm:txPr/>
+    <dgm:style>
+      <a:lnRef idx="1">
+        <a:scrgbClr r="0" g="0" b="0"/>
+      </a:lnRef>
+      <a:fillRef idx="0">
+        <a:scrgbClr r="0" g="0" b="0"/>
+      </a:fillRef>
+      <a:effectRef idx="0">
+        <a:scrgbClr r="0" g="0" b="0"/>
+      </a:effectRef>
+      <a:fontRef idx="minor"/>
+    </dgm:style>
+  </dgm:styleLbl>
+  <dgm:styleLbl name="callout">
+    <dgm:scene3d>
+      <a:camera prst="orthographicFront"/>
+      <a:lightRig rig="threePt" dir="t"/>
+    </dgm:scene3d>
+    <dgm:sp3d/>
+    <dgm:txPr/>
+    <dgm:style>
+      <a:lnRef idx="2">
+        <a:scrgbClr r="0" g="0" b="0"/>
+      </a:lnRef>
+      <a:fillRef idx="1">
+        <a:scrgbClr r="0" g="0" b="0"/>
+      </a:fillRef>
+      <a:effectRef idx="0">
+        <a:scrgbClr r="0" g="0" b="0"/>
+      </a:effectRef>
+      <a:fontRef idx="minor"/>
+    </dgm:style>
+  </dgm:styleLbl>
+  <dgm:styleLbl name="asst0">
+    <dgm:scene3d>
+      <a:camera prst="orthographicFront"/>
+      <a:lightRig rig="threePt" dir="t"/>
+    </dgm:scene3d>
+    <dgm:sp3d/>
+    <dgm:txPr/>
+    <dgm:style>
+      <a:lnRef idx="2">
+        <a:scrgbClr r="0" g="0" b="0"/>
+      </a:lnRef>
+      <a:fillRef idx="1">
+        <a:scrgbClr r="0" g="0" b="0"/>
+      </a:fillRef>
+      <a:effectRef idx="0">
+        <a:scrgbClr r="0" g="0" b="0"/>
+      </a:effectRef>
+      <a:fontRef idx="minor">
+        <a:schemeClr val="lt1"/>
+      </a:fontRef>
+    </dgm:style>
+  </dgm:styleLbl>
+  <dgm:styleLbl name="asst1">
+    <dgm:scene3d>
+      <a:camera prst="orthographicFront"/>
+      <a:lightRig rig="threePt" dir="t"/>
+    </dgm:scene3d>
+    <dgm:sp3d/>
+    <dgm:txPr/>
+    <dgm:style>
+      <a:lnRef idx="2">
+        <a:scrgbClr r="0" g="0" b="0"/>
+      </a:lnRef>
+      <a:fillRef idx="1">
+        <a:scrgbClr r="0" g="0" b="0"/>
+      </a:fillRef>
+      <a:effectRef idx="0">
+        <a:scrgbClr r="0" g="0" b="0"/>
+      </a:effectRef>
+      <a:fontRef idx="minor">
+        <a:schemeClr val="lt1"/>
+      </a:fontRef>
+    </dgm:style>
+  </dgm:styleLbl>
+  <dgm:styleLbl name="asst2">
+    <dgm:scene3d>
+      <a:camera prst="orthographicFront"/>
+      <a:lightRig rig="threePt" dir="t"/>
+    </dgm:scene3d>
+    <dgm:sp3d/>
+    <dgm:txPr/>
+    <dgm:style>
+      <a:lnRef idx="2">
+        <a:scrgbClr r="0" g="0" b="0"/>
+      </a:lnRef>
+      <a:fillRef idx="1">
+        <a:scrgbClr r="0" g="0" b="0"/>
+      </a:fillRef>
+      <a:effectRef idx="0">
+        <a:scrgbClr r="0" g="0" b="0"/>
+      </a:effectRef>
+      <a:fontRef idx="minor">
+        <a:schemeClr val="lt1"/>
+      </a:fontRef>
+    </dgm:style>
+  </dgm:styleLbl>
+  <dgm:styleLbl name="asst3">
+    <dgm:scene3d>
+      <a:camera prst="orthographicFront"/>
+      <a:lightRig rig="threePt" dir="t"/>
+    </dgm:scene3d>
+    <dgm:sp3d/>
+    <dgm:txPr/>
+    <dgm:style>
+      <a:lnRef idx="2">
+        <a:scrgbClr r="0" g="0" b="0"/>
+      </a:lnRef>
+      <a:fillRef idx="1">
+        <a:scrgbClr r="0" g="0" b="0"/>
+      </a:fillRef>
+      <a:effectRef idx="0">
+        <a:scrgbClr r="0" g="0" b="0"/>
+      </a:effectRef>
+      <a:fontRef idx="minor">
+        <a:schemeClr val="lt1"/>
+      </a:fontRef>
+    </dgm:style>
+  </dgm:styleLbl>
+  <dgm:styleLbl name="asst4">
+    <dgm:scene3d>
+      <a:camera prst="orthographicFront"/>
+      <a:lightRig rig="threePt" dir="t"/>
+    </dgm:scene3d>
+    <dgm:sp3d/>
+    <dgm:txPr/>
+    <dgm:style>
+      <a:lnRef idx="2">
+        <a:scrgbClr r="0" g="0" b="0"/>
+      </a:lnRef>
+      <a:fillRef idx="1">
+        <a:scrgbClr r="0" g="0" b="0"/>
+      </a:fillRef>
+      <a:effectRef idx="0">
+        <a:scrgbClr r="0" g="0" b="0"/>
+      </a:effectRef>
+      <a:fontRef idx="minor">
+        <a:schemeClr val="lt1"/>
+      </a:fontRef>
+    </dgm:style>
+  </dgm:styleLbl>
+  <dgm:styleLbl name="parChTrans2D1">
+    <dgm:scene3d>
+      <a:camera prst="orthographicFront"/>
+      <a:lightRig rig="threePt" dir="t"/>
+    </dgm:scene3d>
+    <dgm:sp3d/>
+    <dgm:txPr/>
+    <dgm:style>
+      <a:lnRef idx="2">
+        <a:scrgbClr r="0" g="0" b="0"/>
+      </a:lnRef>
+      <a:fillRef idx="1">
+        <a:scrgbClr r="0" g="0" b="0"/>
+      </a:fillRef>
+      <a:effectRef idx="0">
+        <a:scrgbClr r="0" g="0" b="0"/>
+      </a:effectRef>
+      <a:fontRef idx="minor">
+        <a:schemeClr val="lt1"/>
+      </a:fontRef>
+    </dgm:style>
+  </dgm:styleLbl>
+  <dgm:styleLbl name="parChTrans2D2">
+    <dgm:scene3d>
+      <a:camera prst="orthographicFront"/>
+      <a:lightRig rig="threePt" dir="t"/>
+    </dgm:scene3d>
+    <dgm:sp3d/>
+    <dgm:txPr/>
+    <dgm:style>
+      <a:lnRef idx="2">
+        <a:scrgbClr r="0" g="0" b="0"/>
+      </a:lnRef>
+      <a:fillRef idx="1">
+        <a:scrgbClr r="0" g="0" b="0"/>
+      </a:fillRef>
+      <a:effectRef idx="0">
+        <a:scrgbClr r="0" g="0" b="0"/>
+      </a:effectRef>
+      <a:fontRef idx="minor">
+        <a:schemeClr val="lt1"/>
+      </a:fontRef>
+    </dgm:style>
+  </dgm:styleLbl>
+  <dgm:styleLbl name="parChTrans2D3">
+    <dgm:scene3d>
+      <a:camera prst="orthographicFront"/>
+      <a:lightRig rig="threePt" dir="t"/>
+    </dgm:scene3d>
+    <dgm:sp3d/>
+    <dgm:txPr/>
+    <dgm:style>
+      <a:lnRef idx="2">
+        <a:scrgbClr r="0" g="0" b="0"/>
+      </a:lnRef>
+      <a:fillRef idx="1">
+        <a:scrgbClr r="0" g="0" b="0"/>
+      </a:fillRef>
+      <a:effectRef idx="0">
+        <a:scrgbClr r="0" g="0" b="0"/>
+      </a:effectRef>
+      <a:fontRef idx="minor">
+        <a:schemeClr val="lt1"/>
+      </a:fontRef>
+    </dgm:style>
+  </dgm:styleLbl>
+  <dgm:styleLbl name="parChTrans2D4">
+    <dgm:scene3d>
+      <a:camera prst="orthographicFront"/>
+      <a:lightRig rig="threePt" dir="t"/>
+    </dgm:scene3d>
+    <dgm:sp3d/>
+    <dgm:txPr/>
+    <dgm:style>
+      <a:lnRef idx="2">
+        <a:scrgbClr r="0" g="0" b="0"/>
+      </a:lnRef>
+      <a:fillRef idx="1">
+        <a:scrgbClr r="0" g="0" b="0"/>
+      </a:fillRef>
+      <a:effectRef idx="0">
+        <a:scrgbClr r="0" g="0" b="0"/>
+      </a:effectRef>
+      <a:fontRef idx="minor">
+        <a:schemeClr val="lt1"/>
+      </a:fontRef>
+    </dgm:style>
+  </dgm:styleLbl>
+  <dgm:styleLbl name="parChTrans1D1">
+    <dgm:scene3d>
+      <a:camera prst="orthographicFront"/>
+      <a:lightRig rig="threePt" dir="t"/>
+    </dgm:scene3d>
+    <dgm:sp3d/>
+    <dgm:txPr/>
+    <dgm:style>
+      <a:lnRef idx="2">
+        <a:scrgbClr r="0" g="0" b="0"/>
+      </a:lnRef>
+      <a:fillRef idx="0">
+        <a:scrgbClr r="0" g="0" b="0"/>
+      </a:fillRef>
+      <a:effectRef idx="0">
+        <a:scrgbClr r="0" g="0" b="0"/>
+      </a:effectRef>
+      <a:fontRef idx="minor"/>
+    </dgm:style>
+  </dgm:styleLbl>
+  <dgm:styleLbl name="parChTrans1D2">
+    <dgm:scene3d>
+      <a:camera prst="orthographicFront"/>
+      <a:lightRig rig="threePt" dir="t"/>
+    </dgm:scene3d>
+    <dgm:sp3d/>
+    <dgm:txPr/>
+    <dgm:style>
+      <a:lnRef idx="2">
+        <a:scrgbClr r="0" g="0" b="0"/>
+      </a:lnRef>
+      <a:fillRef idx="0">
+        <a:scrgbClr r="0" g="0" b="0"/>
+      </a:fillRef>
+      <a:effectRef idx="0">
+        <a:scrgbClr r="0" g="0" b="0"/>
+      </a:effectRef>
+      <a:fontRef idx="minor"/>
+    </dgm:style>
+  </dgm:styleLbl>
+  <dgm:styleLbl name="parChTrans1D3">
+    <dgm:scene3d>
+      <a:camera prst="orthographicFront"/>
+      <a:lightRig rig="threePt" dir="t"/>
+    </dgm:scene3d>
+    <dgm:sp3d/>
+    <dgm:txPr/>
+    <dgm:style>
+      <a:lnRef idx="2">
+        <a:scrgbClr r="0" g="0" b="0"/>
+      </a:lnRef>
+      <a:fillRef idx="0">
+        <a:scrgbClr r="0" g="0" b="0"/>
+      </a:fillRef>
+      <a:effectRef idx="0">
+        <a:scrgbClr r="0" g="0" b="0"/>
+      </a:effectRef>
+      <a:fontRef idx="minor"/>
+    </dgm:style>
+  </dgm:styleLbl>
+  <dgm:styleLbl name="parChTrans1D4">
+    <dgm:scene3d>
+      <a:camera prst="orthographicFront"/>
+      <a:lightRig rig="threePt" dir="t"/>
+    </dgm:scene3d>
+    <dgm:sp3d/>
+    <dgm:txPr/>
+    <dgm:style>
+      <a:lnRef idx="2">
+        <a:scrgbClr r="0" g="0" b="0"/>
+      </a:lnRef>
+      <a:fillRef idx="0">
+        <a:scrgbClr r="0" g="0" b="0"/>
+      </a:fillRef>
+      <a:effectRef idx="0">
+        <a:scrgbClr r="0" g="0" b="0"/>
+      </a:effectRef>
+      <a:fontRef idx="minor"/>
+    </dgm:style>
+  </dgm:styleLbl>
+  <dgm:styleLbl name="fgAcc1">
+    <dgm:scene3d>
+      <a:camera prst="orthographicFront"/>
+      <a:lightRig rig="threePt" dir="t"/>
+    </dgm:scene3d>
+    <dgm:sp3d/>
+    <dgm:txPr/>
+    <dgm:style>
+      <a:lnRef idx="2">
+        <a:scrgbClr r="0" g="0" b="0"/>
+      </a:lnRef>
+      <a:fillRef idx="1">
+        <a:scrgbClr r="0" g="0" b="0"/>
+      </a:fillRef>
+      <a:effectRef idx="0">
+        <a:scrgbClr r="0" g="0" b="0"/>
+      </a:effectRef>
+      <a:fontRef idx="minor"/>
+    </dgm:style>
+  </dgm:styleLbl>
+  <dgm:styleLbl name="conFgAcc1">
+    <dgm:scene3d>
+      <a:camera prst="orthographicFront"/>
+      <a:lightRig rig="threePt" dir="t"/>
+    </dgm:scene3d>
+    <dgm:sp3d/>
+    <dgm:txPr/>
+    <dgm:style>
+      <a:lnRef idx="2">
+        <a:scrgbClr r="0" g="0" b="0"/>
+      </a:lnRef>
+      <a:fillRef idx="1">
+        <a:scrgbClr r="0" g="0" b="0"/>
+      </a:fillRef>
+      <a:effectRef idx="0">
+        <a:scrgbClr r="0" g="0" b="0"/>
+      </a:effectRef>
+      <a:fontRef idx="minor"/>
+    </dgm:style>
+  </dgm:styleLbl>
+  <dgm:styleLbl name="alignAcc1">
+    <dgm:scene3d>
+      <a:camera prst="orthographicFront"/>
+      <a:lightRig rig="threePt" dir="t"/>
+    </dgm:scene3d>
+    <dgm:sp3d/>
+    <dgm:txPr/>
+    <dgm:style>
+      <a:lnRef idx="2">
+        <a:scrgbClr r="0" g="0" b="0"/>
+      </a:lnRef>
+      <a:fillRef idx="1">
+        <a:scrgbClr r="0" g="0" b="0"/>
+      </a:fillRef>
+      <a:effectRef idx="0">
+        <a:scrgbClr r="0" g="0" b="0"/>
+      </a:effectRef>
+      <a:fontRef idx="minor"/>
+    </dgm:style>
+  </dgm:styleLbl>
+  <dgm:styleLbl name="trAlignAcc1">
+    <dgm:scene3d>
+      <a:camera prst="orthographicFront"/>
+      <a:lightRig rig="threePt" dir="t"/>
+    </dgm:scene3d>
+    <dgm:sp3d/>
+    <dgm:txPr/>
+    <dgm:style>
+      <a:lnRef idx="1">
+        <a:scrgbClr r="0" g="0" b="0"/>
+      </a:lnRef>
+      <a:fillRef idx="1">
+        <a:scrgbClr r="0" g="0" b="0"/>
+      </a:fillRef>
+      <a:effectRef idx="0">
+        <a:scrgbClr r="0" g="0" b="0"/>
+      </a:effectRef>
+      <a:fontRef idx="minor"/>
+    </dgm:style>
+  </dgm:styleLbl>
+  <dgm:styleLbl name="bgAcc1">
+    <dgm:scene3d>
+      <a:camera prst="orthographicFront"/>
+      <a:lightRig rig="threePt" dir="t"/>
+    </dgm:scene3d>
+    <dgm:sp3d/>
+    <dgm:txPr/>
+    <dgm:style>
+      <a:lnRef idx="2">
+        <a:scrgbClr r="0" g="0" b="0"/>
+      </a:lnRef>
+      <a:fillRef idx="1">
+        <a:scrgbClr r="0" g="0" b="0"/>
+      </a:fillRef>
+      <a:effectRef idx="0">
+        <a:scrgbClr r="0" g="0" b="0"/>
+      </a:effectRef>
+      <a:fontRef idx="minor"/>
+    </dgm:style>
+  </dgm:styleLbl>
+  <dgm:styleLbl name="solidFgAcc1">
+    <dgm:scene3d>
+      <a:camera prst="orthographicFront"/>
+      <a:lightRig rig="threePt" dir="t"/>
+    </dgm:scene3d>
+    <dgm:sp3d/>
+    <dgm:txPr/>
+    <dgm:style>
+      <a:lnRef idx="2">
+        <a:scrgbClr r="0" g="0" b="0"/>
+      </a:lnRef>
+      <a:fillRef idx="1">
+        <a:scrgbClr r="0" g="0" b="0"/>
+      </a:fillRef>
+      <a:effectRef idx="0">
+        <a:scrgbClr r="0" g="0" b="0"/>
+      </a:effectRef>
+      <a:fontRef idx="minor"/>
+    </dgm:style>
+  </dgm:styleLbl>
+  <dgm:styleLbl name="solidAlignAcc1">
+    <dgm:scene3d>
+      <a:camera prst="orthographicFront"/>
+      <a:lightRig rig="threePt" dir="t"/>
+    </dgm:scene3d>
+    <dgm:sp3d/>
+    <dgm:txPr/>
+    <dgm:style>
+      <a:lnRef idx="2">
+        <a:scrgbClr r="0" g="0" b="0"/>
+      </a:lnRef>
+      <a:fillRef idx="1">
+        <a:scrgbClr r="0" g="0" b="0"/>
+      </a:fillRef>
+      <a:effectRef idx="0">
+        <a:scrgbClr r="0" g="0" b="0"/>
+      </a:effectRef>
+      <a:fontRef idx="minor"/>
+    </dgm:style>
+  </dgm:styleLbl>
+  <dgm:styleLbl name="solidBgAcc1">
+    <dgm:scene3d>
+      <a:camera prst="orthographicFront"/>
+      <a:lightRig rig="threePt" dir="t"/>
+    </dgm:scene3d>
+    <dgm:sp3d/>
+    <dgm:txPr/>
+    <dgm:style>
+      <a:lnRef idx="2">
+        <a:scrgbClr r="0" g="0" b="0"/>
+      </a:lnRef>
+      <a:fillRef idx="1">
+        <a:scrgbClr r="0" g="0" b="0"/>
+      </a:fillRef>
+      <a:effectRef idx="0">
+        <a:scrgbClr r="0" g="0" b="0"/>
+      </a:effectRef>
+      <a:fontRef idx="minor"/>
+    </dgm:style>
+  </dgm:styleLbl>
+  <dgm:styleLbl name="fgAccFollowNode1">
+    <dgm:scene3d>
+      <a:camera prst="orthographicFront"/>
+      <a:lightRig rig="threePt" dir="t"/>
+    </dgm:scene3d>
+    <dgm:sp3d/>
+    <dgm:txPr/>
+    <dgm:style>
+      <a:lnRef idx="2">
+        <a:scrgbClr r="0" g="0" b="0"/>
+      </a:lnRef>
+      <a:fillRef idx="1">
+        <a:scrgbClr r="0" g="0" b="0"/>
+      </a:fillRef>
+      <a:effectRef idx="0">
+        <a:scrgbClr r="0" g="0" b="0"/>
+      </a:effectRef>
+      <a:fontRef idx="minor"/>
+    </dgm:style>
+  </dgm:styleLbl>
+  <dgm:styleLbl name="alignAccFollowNode1">
+    <dgm:scene3d>
+      <a:camera prst="orthographicFront"/>
+      <a:lightRig rig="threePt" dir="t"/>
+    </dgm:scene3d>
+    <dgm:sp3d/>
+    <dgm:txPr/>
+    <dgm:style>
+      <a:lnRef idx="2">
+        <a:scrgbClr r="0" g="0" b="0"/>
+      </a:lnRef>
+      <a:fillRef idx="1">
+        <a:scrgbClr r="0" g="0" b="0"/>
+      </a:fillRef>
+      <a:effectRef idx="0">
+        <a:scrgbClr r="0" g="0" b="0"/>
+      </a:effectRef>
+      <a:fontRef idx="minor"/>
+    </dgm:style>
+  </dgm:styleLbl>
+  <dgm:styleLbl name="bgAccFollowNode1">
+    <dgm:scene3d>
+      <a:camera prst="orthographicFront"/>
+      <a:lightRig rig="threePt" dir="t"/>
+    </dgm:scene3d>
+    <dgm:sp3d/>
+    <dgm:txPr/>
+    <dgm:style>
+      <a:lnRef idx="2">
+        <a:scrgbClr r="0" g="0" b="0"/>
+      </a:lnRef>
+      <a:fillRef idx="1">
+        <a:scrgbClr r="0" g="0" b="0"/>
+      </a:fillRef>
+      <a:effectRef idx="0">
+        <a:scrgbClr r="0" g="0" b="0"/>
+      </a:effectRef>
+      <a:fontRef idx="minor"/>
+    </dgm:style>
+  </dgm:styleLbl>
+  <dgm:styleLbl name="fgAcc0">
+    <dgm:scene3d>
+      <a:camera prst="orthographicFront"/>
+      <a:lightRig rig="threePt" dir="t"/>
+    </dgm:scene3d>
+    <dgm:sp3d/>
+    <dgm:txPr/>
+    <dgm:style>
+      <a:lnRef idx="2">
+        <a:scrgbClr r="0" g="0" b="0"/>
+      </a:lnRef>
+      <a:fillRef idx="1">
+        <a:scrgbClr r="0" g="0" b="0"/>
+      </a:fillRef>
+      <a:effectRef idx="0">
+        <a:scrgbClr r="0" g="0" b="0"/>
+      </a:effectRef>
+      <a:fontRef idx="minor"/>
+    </dgm:style>
+  </dgm:styleLbl>
+  <dgm:styleLbl name="fgAcc2">
+    <dgm:scene3d>
+      <a:camera prst="orthographicFront"/>
+      <a:lightRig rig="threePt" dir="t"/>
+    </dgm:scene3d>
+    <dgm:sp3d/>
+    <dgm:txPr/>
+    <dgm:style>
+      <a:lnRef idx="2">
+        <a:scrgbClr r="0" g="0" b="0"/>
+      </a:lnRef>
+      <a:fillRef idx="1">
+        <a:scrgbClr r="0" g="0" b="0"/>
+      </a:fillRef>
+      <a:effectRef idx="0">
+        <a:scrgbClr r="0" g="0" b="0"/>
+      </a:effectRef>
+      <a:fontRef idx="minor"/>
+    </dgm:style>
+  </dgm:styleLbl>
+  <dgm:styleLbl name="fgAcc3">
+    <dgm:scene3d>
+      <a:camera prst="orthographicFront"/>
+      <a:lightRig rig="threePt" dir="t"/>
+    </dgm:scene3d>
+    <dgm:sp3d/>
+    <dgm:txPr/>
+    <dgm:style>
+      <a:lnRef idx="2">
+        <a:scrgbClr r="0" g="0" b="0"/>
+      </a:lnRef>
+      <a:fillRef idx="1">
+        <a:scrgbClr r="0" g="0" b="0"/>
+      </a:fillRef>
+      <a:effectRef idx="0">
+        <a:scrgbClr r="0" g="0" b="0"/>
+      </a:effectRef>
+      <a:fontRef idx="minor"/>
+    </dgm:style>
+  </dgm:styleLbl>
+  <dgm:styleLbl name="fgAcc4">
+    <dgm:scene3d>
+      <a:camera prst="orthographicFront"/>
+      <a:lightRig rig="threePt" dir="t"/>
+    </dgm:scene3d>
+    <dgm:sp3d/>
+    <dgm:txPr/>
+    <dgm:style>
+      <a:lnRef idx="2">
+        <a:scrgbClr r="0" g="0" b="0"/>
+      </a:lnRef>
+      <a:fillRef idx="1">
+        <a:scrgbClr r="0" g="0" b="0"/>
+      </a:fillRef>
+      <a:effectRef idx="0">
+        <a:scrgbClr r="0" g="0" b="0"/>
+      </a:effectRef>
+      <a:fontRef idx="minor"/>
+    </dgm:style>
+  </dgm:styleLbl>
+  <dgm:styleLbl name="bgShp">
+    <dgm:scene3d>
+      <a:camera prst="orthographicFront"/>
+      <a:lightRig rig="threePt" dir="t"/>
+    </dgm:scene3d>
+    <dgm:sp3d/>
+    <dgm:txPr/>
+    <dgm:style>
+      <a:lnRef idx="0">
+        <a:scrgbClr r="0" g="0" b="0"/>
+      </a:lnRef>
+      <a:fillRef idx="1">
+        <a:scrgbClr r="0" g="0" b="0"/>
+      </a:fillRef>
+      <a:effectRef idx="0">
+        <a:scrgbClr r="0" g="0" b="0"/>
+      </a:effectRef>
+      <a:fontRef idx="minor"/>
+    </dgm:style>
+  </dgm:styleLbl>
+  <dgm:styleLbl name="dkBgShp">
+    <dgm:scene3d>
+      <a:camera prst="orthographicFront"/>
+      <a:lightRig rig="threePt" dir="t"/>
+    </dgm:scene3d>
+    <dgm:sp3d/>
+    <dgm:txPr/>
+    <dgm:style>
+      <a:lnRef idx="0">
+        <a:scrgbClr r="0" g="0" b="0"/>
+      </a:lnRef>
+      <a:fillRef idx="1">
+        <a:scrgbClr r="0" g="0" b="0"/>
+      </a:fillRef>
+      <a:effectRef idx="0">
+        <a:scrgbClr r="0" g="0" b="0"/>
+      </a:effectRef>
+      <a:fontRef idx="minor"/>
+    </dgm:style>
+  </dgm:styleLbl>
+  <dgm:styleLbl name="trBgShp">
+    <dgm:scene3d>
+      <a:camera prst="orthographicFront"/>
+      <a:lightRig rig="threePt" dir="t"/>
+    </dgm:scene3d>
+    <dgm:sp3d/>
+    <dgm:txPr/>
+    <dgm:style>
+      <a:lnRef idx="0">
+        <a:scrgbClr r="0" g="0" b="0"/>
+      </a:lnRef>
+      <a:fillRef idx="1">
+        <a:scrgbClr r="0" g="0" b="0"/>
+      </a:fillRef>
+      <a:effectRef idx="0">
+        <a:scrgbClr r="0" g="0" b="0"/>
+      </a:effectRef>
+      <a:fontRef idx="minor"/>
+    </dgm:style>
+  </dgm:styleLbl>
+  <dgm:styleLbl name="fgShp">
+    <dgm:scene3d>
+      <a:camera prst="orthographicFront"/>
+      <a:lightRig rig="threePt" dir="t"/>
+    </dgm:scene3d>
+    <dgm:sp3d/>
+    <dgm:txPr/>
+    <dgm:style>
+      <a:lnRef idx="2">
+        <a:scrgbClr r="0" g="0" b="0"/>
+      </a:lnRef>
+      <a:fillRef idx="1">
+        <a:scrgbClr r="0" g="0" b="0"/>
+      </a:fillRef>
+      <a:effectRef idx="0">
+        <a:scrgbClr r="0" g="0" b="0"/>
+      </a:effectRef>
+      <a:fontRef idx="minor"/>
+    </dgm:style>
+  </dgm:styleLbl>
+  <dgm:styleLbl name="revTx">
+    <dgm:scene3d>
+      <a:camera prst="orthographicFront"/>
+      <a:lightRig rig="threePt" dir="t"/>
+    </dgm:scene3d>
+    <dgm:sp3d/>
+    <dgm:txPr/>
+    <dgm:style>
+      <a:lnRef idx="0">
+        <a:scrgbClr r="0" g="0" b="0"/>
+      </a:lnRef>
+      <a:fillRef idx="0">
+        <a:scrgbClr r="0" g="0" b="0"/>
+      </a:fillRef>
+      <a:effectRef idx="0">
+        <a:scrgbClr r="0" g="0" b="0"/>
+      </a:effectRef>
+      <a:fontRef idx="minor"/>
+    </dgm:style>
+  </dgm:styleLbl>
+</dgm:styleDef>
+</file>
+
+<file path=ppt/diagrams/quickStyle2.xml><?xml version="1.0" encoding="utf-8"?>
+<dgm:styleDef xmlns:dgm="http://schemas.openxmlformats.org/drawingml/2006/diagram" xmlns:a="http://schemas.openxmlformats.org/drawingml/2006/main" uniqueId="urn:microsoft.com/office/officeart/2005/8/quickstyle/simple1">
+  <dgm:title val=""/>
+  <dgm:desc val=""/>
+  <dgm:catLst>
+    <dgm:cat type="simple" pri="10100"/>
+  </dgm:catLst>
+  <dgm:scene3d>
+    <a:camera prst="orthographicFront"/>
+    <a:lightRig rig="threePt" dir="t"/>
+  </dgm:scene3d>
+  <dgm:styleLbl name="node0">
+    <dgm:scene3d>
+      <a:camera prst="orthographicFront"/>
+      <a:lightRig rig="threePt" dir="t"/>
+    </dgm:scene3d>
+    <dgm:sp3d/>
+    <dgm:txPr/>
+    <dgm:style>
+      <a:lnRef idx="2">
+        <a:scrgbClr r="0" g="0" b="0"/>
+      </a:lnRef>
+      <a:fillRef idx="1">
+        <a:scrgbClr r="0" g="0" b="0"/>
+      </a:fillRef>
+      <a:effectRef idx="0">
+        <a:scrgbClr r="0" g="0" b="0"/>
+      </a:effectRef>
+      <a:fontRef idx="minor">
+        <a:schemeClr val="lt1"/>
+      </a:fontRef>
+    </dgm:style>
+  </dgm:styleLbl>
+  <dgm:styleLbl name="lnNode1">
+    <dgm:scene3d>
+      <a:camera prst="orthographicFront"/>
+      <a:lightRig rig="threePt" dir="t"/>
+    </dgm:scene3d>
+    <dgm:sp3d/>
+    <dgm:txPr/>
+    <dgm:style>
+      <a:lnRef idx="2">
+        <a:scrgbClr r="0" g="0" b="0"/>
+      </a:lnRef>
+      <a:fillRef idx="1">
+        <a:scrgbClr r="0" g="0" b="0"/>
+      </a:fillRef>
+      <a:effectRef idx="0">
+        <a:scrgbClr r="0" g="0" b="0"/>
+      </a:effectRef>
+      <a:fontRef idx="minor">
+        <a:schemeClr val="lt1"/>
+      </a:fontRef>
+    </dgm:style>
+  </dgm:styleLbl>
+  <dgm:styleLbl name="vennNode1">
+    <dgm:scene3d>
+      <a:camera prst="orthographicFront"/>
+      <a:lightRig rig="threePt" dir="t"/>
+    </dgm:scene3d>
+    <dgm:sp3d/>
+    <dgm:txPr/>
+    <dgm:style>
+      <a:lnRef idx="2">
+        <a:scrgbClr r="0" g="0" b="0"/>
+      </a:lnRef>
+      <a:fillRef idx="1">
+        <a:scrgbClr r="0" g="0" b="0"/>
+      </a:fillRef>
+      <a:effectRef idx="0">
+        <a:scrgbClr r="0" g="0" b="0"/>
+      </a:effectRef>
+      <a:fontRef idx="minor">
+        <a:schemeClr val="tx1"/>
+      </a:fontRef>
+    </dgm:style>
+  </dgm:styleLbl>
+  <dgm:styleLbl name="alignNode1">
+    <dgm:scene3d>
+      <a:camera prst="orthographicFront"/>
+      <a:lightRig rig="threePt" dir="t"/>
+    </dgm:scene3d>
+    <dgm:sp3d/>
+    <dgm:txPr/>
+    <dgm:style>
+      <a:lnRef idx="2">
+        <a:scrgbClr r="0" g="0" b="0"/>
+      </a:lnRef>
+      <a:fillRef idx="1">
+        <a:scrgbClr r="0" g="0" b="0"/>
+      </a:fillRef>
+      <a:effectRef idx="0">
+        <a:scrgbClr r="0" g="0" b="0"/>
+      </a:effectRef>
+      <a:fontRef idx="minor">
+        <a:schemeClr val="lt1"/>
+      </a:fontRef>
+    </dgm:style>
+  </dgm:styleLbl>
+  <dgm:styleLbl name="node1">
+    <dgm:scene3d>
+      <a:camera prst="orthographicFront"/>
+      <a:lightRig rig="threePt" dir="t"/>
+    </dgm:scene3d>
+    <dgm:sp3d/>
+    <dgm:txPr/>
+    <dgm:style>
+      <a:lnRef idx="2">
+        <a:scrgbClr r="0" g="0" b="0"/>
+      </a:lnRef>
+      <a:fillRef idx="1">
+        <a:scrgbClr r="0" g="0" b="0"/>
+      </a:fillRef>
+      <a:effectRef idx="0">
+        <a:scrgbClr r="0" g="0" b="0"/>
+      </a:effectRef>
+      <a:fontRef idx="minor">
+        <a:schemeClr val="lt1"/>
+      </a:fontRef>
+    </dgm:style>
+  </dgm:styleLbl>
+  <dgm:styleLbl name="node2">
+    <dgm:scene3d>
+      <a:camera prst="orthographicFront"/>
+      <a:lightRig rig="threePt" dir="t"/>
+    </dgm:scene3d>
+    <dgm:sp3d/>
+    <dgm:txPr/>
+    <dgm:style>
+      <a:lnRef idx="2">
+        <a:scrgbClr r="0" g="0" b="0"/>
+      </a:lnRef>
+      <a:fillRef idx="1">
+        <a:scrgbClr r="0" g="0" b="0"/>
+      </a:fillRef>
+      <a:effectRef idx="0">
+        <a:scrgbClr r="0" g="0" b="0"/>
+      </a:effectRef>
+      <a:fontRef idx="minor">
+        <a:schemeClr val="lt1"/>
+      </a:fontRef>
+    </dgm:style>
+  </dgm:styleLbl>
+  <dgm:styleLbl name="node3">
+    <dgm:scene3d>
+      <a:camera prst="orthographicFront"/>
+      <a:lightRig rig="threePt" dir="t"/>
+    </dgm:scene3d>
+    <dgm:sp3d/>
+    <dgm:txPr/>
+    <dgm:style>
+      <a:lnRef idx="2">
+        <a:scrgbClr r="0" g="0" b="0"/>
+      </a:lnRef>
+      <a:fillRef idx="1">
+        <a:scrgbClr r="0" g="0" b="0"/>
+      </a:fillRef>
+      <a:effectRef idx="0">
+        <a:scrgbClr r="0" g="0" b="0"/>
+      </a:effectRef>
+      <a:fontRef idx="minor">
+        <a:schemeClr val="lt1"/>
+      </a:fontRef>
+    </dgm:style>
+  </dgm:styleLbl>
+  <dgm:styleLbl name="node4">
+    <dgm:scene3d>
+      <a:camera prst="orthographicFront"/>
+      <a:lightRig rig="threePt" dir="t"/>
+    </dgm:scene3d>
+    <dgm:sp3d/>
+    <dgm:txPr/>
+    <dgm:style>
+      <a:lnRef idx="2">
+        <a:scrgbClr r="0" g="0" b="0"/>
+      </a:lnRef>
+      <a:fillRef idx="1">
+        <a:scrgbClr r="0" g="0" b="0"/>
+      </a:fillRef>
+      <a:effectRef idx="0">
+        <a:scrgbClr r="0" g="0" b="0"/>
+      </a:effectRef>
+      <a:fontRef idx="minor">
+        <a:schemeClr val="lt1"/>
+      </a:fontRef>
+    </dgm:style>
+  </dgm:styleLbl>
+  <dgm:styleLbl name="fgImgPlace1">
+    <dgm:scene3d>
+      <a:camera prst="orthographicFront"/>
+      <a:lightRig rig="threePt" dir="t"/>
+    </dgm:scene3d>
+    <dgm:sp3d/>
+    <dgm:txPr/>
+    <dgm:style>
+      <a:lnRef idx="2">
+        <a:scrgbClr r="0" g="0" b="0"/>
+      </a:lnRef>
+      <a:fillRef idx="1">
+        <a:scrgbClr r="0" g="0" b="0"/>
+      </a:fillRef>
+      <a:effectRef idx="0">
+        <a:scrgbClr r="0" g="0" b="0"/>
+      </a:effectRef>
+      <a:fontRef idx="minor"/>
+    </dgm:style>
+  </dgm:styleLbl>
+  <dgm:styleLbl name="alignImgPlace1">
+    <dgm:scene3d>
+      <a:camera prst="orthographicFront"/>
+      <a:lightRig rig="threePt" dir="t"/>
+    </dgm:scene3d>
+    <dgm:sp3d/>
+    <dgm:txPr/>
+    <dgm:style>
+      <a:lnRef idx="2">
+        <a:scrgbClr r="0" g="0" b="0"/>
+      </a:lnRef>
+      <a:fillRef idx="1">
+        <a:scrgbClr r="0" g="0" b="0"/>
+      </a:fillRef>
+      <a:effectRef idx="0">
+        <a:scrgbClr r="0" g="0" b="0"/>
+      </a:effectRef>
+      <a:fontRef idx="minor"/>
+    </dgm:style>
+  </dgm:styleLbl>
+  <dgm:styleLbl name="bgImgPlace1">
+    <dgm:scene3d>
+      <a:camera prst="orthographicFront"/>
+      <a:lightRig rig="threePt" dir="t"/>
+    </dgm:scene3d>
+    <dgm:sp3d/>
+    <dgm:txPr/>
+    <dgm:style>
+      <a:lnRef idx="2">
+        <a:scrgbClr r="0" g="0" b="0"/>
+      </a:lnRef>
+      <a:fillRef idx="1">
+        <a:scrgbClr r="0" g="0" b="0"/>
+      </a:fillRef>
+      <a:effectRef idx="0">
+        <a:scrgbClr r="0" g="0" b="0"/>
+      </a:effectRef>
+      <a:fontRef idx="minor"/>
+    </dgm:style>
+  </dgm:styleLbl>
+  <dgm:styleLbl name="sibTrans2D1">
+    <dgm:scene3d>
+      <a:camera prst="orthographicFront"/>
+      <a:lightRig rig="threePt" dir="t"/>
+    </dgm:scene3d>
+    <dgm:sp3d/>
+    <dgm:txPr/>
+    <dgm:style>
+      <a:lnRef idx="0">
+        <a:scrgbClr r="0" g="0" b="0"/>
+      </a:lnRef>
+      <a:fillRef idx="1">
+        <a:scrgbClr r="0" g="0" b="0"/>
+      </a:fillRef>
+      <a:effectRef idx="0">
+        <a:scrgbClr r="0" g="0" b="0"/>
+      </a:effectRef>
+      <a:fontRef idx="minor">
+        <a:schemeClr val="lt1"/>
+      </a:fontRef>
+    </dgm:style>
+  </dgm:styleLbl>
+  <dgm:styleLbl name="fgSibTrans2D1">
+    <dgm:scene3d>
+      <a:camera prst="orthographicFront"/>
+      <a:lightRig rig="threePt" dir="t"/>
+    </dgm:scene3d>
+    <dgm:sp3d/>
+    <dgm:txPr/>
+    <dgm:style>
+      <a:lnRef idx="0">
+        <a:scrgbClr r="0" g="0" b="0"/>
+      </a:lnRef>
+      <a:fillRef idx="1">
+        <a:scrgbClr r="0" g="0" b="0"/>
+      </a:fillRef>
+      <a:effectRef idx="0">
+        <a:scrgbClr r="0" g="0" b="0"/>
+      </a:effectRef>
+      <a:fontRef idx="minor">
+        <a:schemeClr val="lt1"/>
+      </a:fontRef>
+    </dgm:style>
+  </dgm:styleLbl>
+  <dgm:styleLbl name="bgSibTrans2D1">
+    <dgm:scene3d>
+      <a:camera prst="orthographicFront"/>
+      <a:lightRig rig="threePt" dir="t"/>
+    </dgm:scene3d>
+    <dgm:sp3d/>
+    <dgm:txPr/>
+    <dgm:style>
+      <a:lnRef idx="0">
+        <a:scrgbClr r="0" g="0" b="0"/>
+      </a:lnRef>
+      <a:fillRef idx="1">
+        <a:scrgbClr r="0" g="0" b="0"/>
+      </a:fillRef>
+      <a:effectRef idx="0">
+        <a:scrgbClr r="0" g="0" b="0"/>
+      </a:effectRef>
+      <a:fontRef idx="minor">
+        <a:schemeClr val="lt1"/>
+      </a:fontRef>
+    </dgm:style>
+  </dgm:styleLbl>
+  <dgm:styleLbl name="sibTrans1D1">
+    <dgm:scene3d>
+      <a:camera prst="orthographicFront"/>
+      <a:lightRig rig="threePt" dir="t"/>
+    </dgm:scene3d>
+    <dgm:sp3d/>
+    <dgm:txPr/>
+    <dgm:style>
+      <a:lnRef idx="1">
+        <a:scrgbClr r="0" g="0" b="0"/>
+      </a:lnRef>
+      <a:fillRef idx="0">
+        <a:scrgbClr r="0" g="0" b="0"/>
+      </a:fillRef>
+      <a:effectRef idx="0">
+        <a:scrgbClr r="0" g="0" b="0"/>
+      </a:effectRef>
+      <a:fontRef idx="minor"/>
+    </dgm:style>
+  </dgm:styleLbl>
+  <dgm:styleLbl name="callout">
+    <dgm:scene3d>
+      <a:camera prst="orthographicFront"/>
+      <a:lightRig rig="threePt" dir="t"/>
+    </dgm:scene3d>
+    <dgm:sp3d/>
+    <dgm:txPr/>
+    <dgm:style>
+      <a:lnRef idx="2">
+        <a:scrgbClr r="0" g="0" b="0"/>
+      </a:lnRef>
+      <a:fillRef idx="1">
+        <a:scrgbClr r="0" g="0" b="0"/>
+      </a:fillRef>
+      <a:effectRef idx="0">
+        <a:scrgbClr r="0" g="0" b="0"/>
+      </a:effectRef>
+      <a:fontRef idx="minor"/>
+    </dgm:style>
+  </dgm:styleLbl>
+  <dgm:styleLbl name="asst0">
+    <dgm:scene3d>
+      <a:camera prst="orthographicFront"/>
+      <a:lightRig rig="threePt" dir="t"/>
+    </dgm:scene3d>
+    <dgm:sp3d/>
+    <dgm:txPr/>
+    <dgm:style>
+      <a:lnRef idx="2">
+        <a:scrgbClr r="0" g="0" b="0"/>
+      </a:lnRef>
+      <a:fillRef idx="1">
+        <a:scrgbClr r="0" g="0" b="0"/>
+      </a:fillRef>
+      <a:effectRef idx="0">
+        <a:scrgbClr r="0" g="0" b="0"/>
+      </a:effectRef>
+      <a:fontRef idx="minor">
+        <a:schemeClr val="lt1"/>
+      </a:fontRef>
+    </dgm:style>
+  </dgm:styleLbl>
+  <dgm:styleLbl name="asst1">
+    <dgm:scene3d>
+      <a:camera prst="orthographicFront"/>
+      <a:lightRig rig="threePt" dir="t"/>
+    </dgm:scene3d>
+    <dgm:sp3d/>
+    <dgm:txPr/>
+    <dgm:style>
+      <a:lnRef idx="2">
+        <a:scrgbClr r="0" g="0" b="0"/>
+      </a:lnRef>
+      <a:fillRef idx="1">
+        <a:scrgbClr r="0" g="0" b="0"/>
+      </a:fillRef>
+      <a:effectRef idx="0">
+        <a:scrgbClr r="0" g="0" b="0"/>
+      </a:effectRef>
+      <a:fontRef idx="minor">
+        <a:schemeClr val="lt1"/>
+      </a:fontRef>
+    </dgm:style>
+  </dgm:styleLbl>
+  <dgm:styleLbl name="asst2">
+    <dgm:scene3d>
+      <a:camera prst="orthographicFront"/>
+      <a:lightRig rig="threePt" dir="t"/>
+    </dgm:scene3d>
+    <dgm:sp3d/>
+    <dgm:txPr/>
+    <dgm:style>
+      <a:lnRef idx="2">
+        <a:scrgbClr r="0" g="0" b="0"/>
+      </a:lnRef>
+      <a:fillRef idx="1">
+        <a:scrgbClr r="0" g="0" b="0"/>
+      </a:fillRef>
+      <a:effectRef idx="0">
+        <a:scrgbClr r="0" g="0" b="0"/>
+      </a:effectRef>
+      <a:fontRef idx="minor">
+        <a:schemeClr val="lt1"/>
+      </a:fontRef>
+    </dgm:style>
+  </dgm:styleLbl>
+  <dgm:styleLbl name="asst3">
+    <dgm:scene3d>
+      <a:camera prst="orthographicFront"/>
+      <a:lightRig rig="threePt" dir="t"/>
+    </dgm:scene3d>
+    <dgm:sp3d/>
+    <dgm:txPr/>
+    <dgm:style>
+      <a:lnRef idx="2">
+        <a:scrgbClr r="0" g="0" b="0"/>
+      </a:lnRef>
+      <a:fillRef idx="1">
+        <a:scrgbClr r="0" g="0" b="0"/>
+      </a:fillRef>
+      <a:effectRef idx="0">
+        <a:scrgbClr r="0" g="0" b="0"/>
+      </a:effectRef>
+      <a:fontRef idx="minor">
+        <a:schemeClr val="lt1"/>
+      </a:fontRef>
+    </dgm:style>
+  </dgm:styleLbl>
+  <dgm:styleLbl name="asst4">
+    <dgm:scene3d>
+      <a:camera prst="orthographicFront"/>
+      <a:lightRig rig="threePt" dir="t"/>
+    </dgm:scene3d>
+    <dgm:sp3d/>
+    <dgm:txPr/>
+    <dgm:style>
+      <a:lnRef idx="2">
+        <a:scrgbClr r="0" g="0" b="0"/>
+      </a:lnRef>
+      <a:fillRef idx="1">
+        <a:scrgbClr r="0" g="0" b="0"/>
+      </a:fillRef>
+      <a:effectRef idx="0">
+        <a:scrgbClr r="0" g="0" b="0"/>
+      </a:effectRef>
+      <a:fontRef idx="minor">
+        <a:schemeClr val="lt1"/>
+      </a:fontRef>
+    </dgm:style>
+  </dgm:styleLbl>
+  <dgm:styleLbl name="parChTrans2D1">
+    <dgm:scene3d>
+      <a:camera prst="orthographicFront"/>
+      <a:lightRig rig="threePt" dir="t"/>
+    </dgm:scene3d>
+    <dgm:sp3d/>
+    <dgm:txPr/>
+    <dgm:style>
+      <a:lnRef idx="2">
+        <a:scrgbClr r="0" g="0" b="0"/>
+      </a:lnRef>
+      <a:fillRef idx="1">
+        <a:scrgbClr r="0" g="0" b="0"/>
+      </a:fillRef>
+      <a:effectRef idx="0">
+        <a:scrgbClr r="0" g="0" b="0"/>
+      </a:effectRef>
+      <a:fontRef idx="minor">
+        <a:schemeClr val="lt1"/>
+      </a:fontRef>
+    </dgm:style>
+  </dgm:styleLbl>
+  <dgm:styleLbl name="parChTrans2D2">
+    <dgm:scene3d>
+      <a:camera prst="orthographicFront"/>
+      <a:lightRig rig="threePt" dir="t"/>
+    </dgm:scene3d>
+    <dgm:sp3d/>
+    <dgm:txPr/>
+    <dgm:style>
+      <a:lnRef idx="2">
+        <a:scrgbClr r="0" g="0" b="0"/>
+      </a:lnRef>
+      <a:fillRef idx="1">
+        <a:scrgbClr r="0" g="0" b="0"/>
+      </a:fillRef>
+      <a:effectRef idx="0">
+        <a:scrgbClr r="0" g="0" b="0"/>
+      </a:effectRef>
+      <a:fontRef idx="minor">
+        <a:schemeClr val="lt1"/>
+      </a:fontRef>
+    </dgm:style>
+  </dgm:styleLbl>
+  <dgm:styleLbl name="parChTrans2D3">
+    <dgm:scene3d>
+      <a:camera prst="orthographicFront"/>
+      <a:lightRig rig="threePt" dir="t"/>
+    </dgm:scene3d>
+    <dgm:sp3d/>
+    <dgm:txPr/>
+    <dgm:style>
+      <a:lnRef idx="2">
+        <a:scrgbClr r="0" g="0" b="0"/>
+      </a:lnRef>
+      <a:fillRef idx="1">
+        <a:scrgbClr r="0" g="0" b="0"/>
+      </a:fillRef>
+      <a:effectRef idx="0">
+        <a:scrgbClr r="0" g="0" b="0"/>
+      </a:effectRef>
+      <a:fontRef idx="minor">
+        <a:schemeClr val="lt1"/>
+      </a:fontRef>
+    </dgm:style>
+  </dgm:styleLbl>
+  <dgm:styleLbl name="parChTrans2D4">
+    <dgm:scene3d>
+      <a:camera prst="orthographicFront"/>
+      <a:lightRig rig="threePt" dir="t"/>
+    </dgm:scene3d>
+    <dgm:sp3d/>
+    <dgm:txPr/>
+    <dgm:style>
+      <a:lnRef idx="2">
+        <a:scrgbClr r="0" g="0" b="0"/>
+      </a:lnRef>
+      <a:fillRef idx="1">
+        <a:scrgbClr r="0" g="0" b="0"/>
+      </a:fillRef>
+      <a:effectRef idx="0">
+        <a:scrgbClr r="0" g="0" b="0"/>
+      </a:effectRef>
+      <a:fontRef idx="minor">
+        <a:schemeClr val="lt1"/>
+      </a:fontRef>
+    </dgm:style>
+  </dgm:styleLbl>
+  <dgm:styleLbl name="parChTrans1D1">
+    <dgm:scene3d>
+      <a:camera prst="orthographicFront"/>
+      <a:lightRig rig="threePt" dir="t"/>
+    </dgm:scene3d>
+    <dgm:sp3d/>
+    <dgm:txPr/>
+    <dgm:style>
+      <a:lnRef idx="2">
+        <a:scrgbClr r="0" g="0" b="0"/>
+      </a:lnRef>
+      <a:fillRef idx="0">
+        <a:scrgbClr r="0" g="0" b="0"/>
+      </a:fillRef>
+      <a:effectRef idx="0">
+        <a:scrgbClr r="0" g="0" b="0"/>
+      </a:effectRef>
+      <a:fontRef idx="minor"/>
+    </dgm:style>
+  </dgm:styleLbl>
+  <dgm:styleLbl name="parChTrans1D2">
+    <dgm:scene3d>
+      <a:camera prst="orthographicFront"/>
+      <a:lightRig rig="threePt" dir="t"/>
+    </dgm:scene3d>
+    <dgm:sp3d/>
+    <dgm:txPr/>
+    <dgm:style>
+      <a:lnRef idx="2">
+        <a:scrgbClr r="0" g="0" b="0"/>
+      </a:lnRef>
+      <a:fillRef idx="0">
+        <a:scrgbClr r="0" g="0" b="0"/>
+      </a:fillRef>
+      <a:effectRef idx="0">
+        <a:scrgbClr r="0" g="0" b="0"/>
+      </a:effectRef>
+      <a:fontRef idx="minor"/>
+    </dgm:style>
+  </dgm:styleLbl>
+  <dgm:styleLbl name="parChTrans1D3">
+    <dgm:scene3d>
+      <a:camera prst="orthographicFront"/>
+      <a:lightRig rig="threePt" dir="t"/>
+    </dgm:scene3d>
+    <dgm:sp3d/>
+    <dgm:txPr/>
+    <dgm:style>
+      <a:lnRef idx="2">
+        <a:scrgbClr r="0" g="0" b="0"/>
+      </a:lnRef>
+      <a:fillRef idx="0">
+        <a:scrgbClr r="0" g="0" b="0"/>
+      </a:fillRef>
+      <a:effectRef idx="0">
+        <a:scrgbClr r="0" g="0" b="0"/>
+      </a:effectRef>
+      <a:fontRef idx="minor"/>
+    </dgm:style>
+  </dgm:styleLbl>
+  <dgm:styleLbl name="parChTrans1D4">
+    <dgm:scene3d>
+      <a:camera prst="orthographicFront"/>
+      <a:lightRig rig="threePt" dir="t"/>
+    </dgm:scene3d>
+    <dgm:sp3d/>
+    <dgm:txPr/>
+    <dgm:style>
+      <a:lnRef idx="2">
+        <a:scrgbClr r="0" g="0" b="0"/>
+      </a:lnRef>
+      <a:fillRef idx="0">
+        <a:scrgbClr r="0" g="0" b="0"/>
+      </a:fillRef>
+      <a:effectRef idx="0">
+        <a:scrgbClr r="0" g="0" b="0"/>
+      </a:effectRef>
+      <a:fontRef idx="minor"/>
+    </dgm:style>
+  </dgm:styleLbl>
+  <dgm:styleLbl name="fgAcc1">
+    <dgm:scene3d>
+      <a:camera prst="orthographicFront"/>
+      <a:lightRig rig="threePt" dir="t"/>
+    </dgm:scene3d>
+    <dgm:sp3d/>
+    <dgm:txPr/>
+    <dgm:style>
+      <a:lnRef idx="2">
+        <a:scrgbClr r="0" g="0" b="0"/>
+      </a:lnRef>
+      <a:fillRef idx="1">
+        <a:scrgbClr r="0" g="0" b="0"/>
+      </a:fillRef>
+      <a:effectRef idx="0">
+        <a:scrgbClr r="0" g="0" b="0"/>
+      </a:effectRef>
+      <a:fontRef idx="minor"/>
+    </dgm:style>
+  </dgm:styleLbl>
+  <dgm:styleLbl name="conFgAcc1">
+    <dgm:scene3d>
+      <a:camera prst="orthographicFront"/>
+      <a:lightRig rig="threePt" dir="t"/>
+    </dgm:scene3d>
+    <dgm:sp3d/>
+    <dgm:txPr/>
+    <dgm:style>
+      <a:lnRef idx="2">
+        <a:scrgbClr r="0" g="0" b="0"/>
+      </a:lnRef>
+      <a:fillRef idx="1">
+        <a:scrgbClr r="0" g="0" b="0"/>
+      </a:fillRef>
+      <a:effectRef idx="0">
+        <a:scrgbClr r="0" g="0" b="0"/>
+      </a:effectRef>
+      <a:fontRef idx="minor"/>
+    </dgm:style>
+  </dgm:styleLbl>
+  <dgm:styleLbl name="alignAcc1">
+    <dgm:scene3d>
+      <a:camera prst="orthographicFront"/>
+      <a:lightRig rig="threePt" dir="t"/>
+    </dgm:scene3d>
+    <dgm:sp3d/>
+    <dgm:txPr/>
+    <dgm:style>
+      <a:lnRef idx="2">
+        <a:scrgbClr r="0" g="0" b="0"/>
+      </a:lnRef>
+      <a:fillRef idx="1">
+        <a:scrgbClr r="0" g="0" b="0"/>
+      </a:fillRef>
+      <a:effectRef idx="0">
+        <a:scrgbClr r="0" g="0" b="0"/>
+      </a:effectRef>
+      <a:fontRef idx="minor"/>
+    </dgm:style>
+  </dgm:styleLbl>
+  <dgm:styleLbl name="trAlignAcc1">
+    <dgm:scene3d>
+      <a:camera prst="orthographicFront"/>
+      <a:lightRig rig="threePt" dir="t"/>
+    </dgm:scene3d>
+    <dgm:sp3d/>
+    <dgm:txPr/>
+    <dgm:style>
+      <a:lnRef idx="1">
+        <a:scrgbClr r="0" g="0" b="0"/>
+      </a:lnRef>
+      <a:fillRef idx="1">
+        <a:scrgbClr r="0" g="0" b="0"/>
+      </a:fillRef>
+      <a:effectRef idx="0">
+        <a:scrgbClr r="0" g="0" b="0"/>
+      </a:effectRef>
+      <a:fontRef idx="minor"/>
+    </dgm:style>
+  </dgm:styleLbl>
+  <dgm:styleLbl name="bgAcc1">
+    <dgm:scene3d>
+      <a:camera prst="orthographicFront"/>
+      <a:lightRig rig="threePt" dir="t"/>
+    </dgm:scene3d>
+    <dgm:sp3d/>
+    <dgm:txPr/>
+    <dgm:style>
+      <a:lnRef idx="2">
+        <a:scrgbClr r="0" g="0" b="0"/>
+      </a:lnRef>
+      <a:fillRef idx="1">
+        <a:scrgbClr r="0" g="0" b="0"/>
+      </a:fillRef>
+      <a:effectRef idx="0">
+        <a:scrgbClr r="0" g="0" b="0"/>
+      </a:effectRef>
+      <a:fontRef idx="minor"/>
+    </dgm:style>
+  </dgm:styleLbl>
+  <dgm:styleLbl name="solidFgAcc1">
+    <dgm:scene3d>
+      <a:camera prst="orthographicFront"/>
+      <a:lightRig rig="threePt" dir="t"/>
+    </dgm:scene3d>
+    <dgm:sp3d/>
+    <dgm:txPr/>
+    <dgm:style>
+      <a:lnRef idx="2">
+        <a:scrgbClr r="0" g="0" b="0"/>
+      </a:lnRef>
+      <a:fillRef idx="1">
+        <a:scrgbClr r="0" g="0" b="0"/>
+      </a:fillRef>
+      <a:effectRef idx="0">
+        <a:scrgbClr r="0" g="0" b="0"/>
+      </a:effectRef>
+      <a:fontRef idx="minor"/>
+    </dgm:style>
+  </dgm:styleLbl>
+  <dgm:styleLbl name="solidAlignAcc1">
+    <dgm:scene3d>
+      <a:camera prst="orthographicFront"/>
+      <a:lightRig rig="threePt" dir="t"/>
+    </dgm:scene3d>
+    <dgm:sp3d/>
+    <dgm:txPr/>
+    <dgm:style>
+      <a:lnRef idx="2">
+        <a:scrgbClr r="0" g="0" b="0"/>
+      </a:lnRef>
+      <a:fillRef idx="1">
+        <a:scrgbClr r="0" g="0" b="0"/>
+      </a:fillRef>
+      <a:effectRef idx="0">
+        <a:scrgbClr r="0" g="0" b="0"/>
+      </a:effectRef>
+      <a:fontRef idx="minor"/>
+    </dgm:style>
+  </dgm:styleLbl>
+  <dgm:styleLbl name="solidBgAcc1">
+    <dgm:scene3d>
+      <a:camera prst="orthographicFront"/>
+      <a:lightRig rig="threePt" dir="t"/>
+    </dgm:scene3d>
+    <dgm:sp3d/>
+    <dgm:txPr/>
+    <dgm:style>
+      <a:lnRef idx="2">
+        <a:scrgbClr r="0" g="0" b="0"/>
+      </a:lnRef>
+      <a:fillRef idx="1">
+        <a:scrgbClr r="0" g="0" b="0"/>
+      </a:fillRef>
+      <a:effectRef idx="0">
+        <a:scrgbClr r="0" g="0" b="0"/>
+      </a:effectRef>
+      <a:fontRef idx="minor"/>
+    </dgm:style>
+  </dgm:styleLbl>
+  <dgm:styleLbl name="fgAccFollowNode1">
+    <dgm:scene3d>
+      <a:camera prst="orthographicFront"/>
+      <a:lightRig rig="threePt" dir="t"/>
+    </dgm:scene3d>
+    <dgm:sp3d/>
+    <dgm:txPr/>
+    <dgm:style>
+      <a:lnRef idx="2">
+        <a:scrgbClr r="0" g="0" b="0"/>
+      </a:lnRef>
+      <a:fillRef idx="1">
+        <a:scrgbClr r="0" g="0" b="0"/>
+      </a:fillRef>
+      <a:effectRef idx="0">
+        <a:scrgbClr r="0" g="0" b="0"/>
+      </a:effectRef>
+      <a:fontRef idx="minor"/>
+    </dgm:style>
+  </dgm:styleLbl>
+  <dgm:styleLbl name="alignAccFollowNode1">
+    <dgm:scene3d>
+      <a:camera prst="orthographicFront"/>
+      <a:lightRig rig="threePt" dir="t"/>
+    </dgm:scene3d>
+    <dgm:sp3d/>
+    <dgm:txPr/>
+    <dgm:style>
+      <a:lnRef idx="2">
+        <a:scrgbClr r="0" g="0" b="0"/>
+      </a:lnRef>
+      <a:fillRef idx="1">
+        <a:scrgbClr r="0" g="0" b="0"/>
+      </a:fillRef>
+      <a:effectRef idx="0">
+        <a:scrgbClr r="0" g="0" b="0"/>
+      </a:effectRef>
+      <a:fontRef idx="minor"/>
+    </dgm:style>
+  </dgm:styleLbl>
+  <dgm:styleLbl name="bgAccFollowNode1">
+    <dgm:scene3d>
+      <a:camera prst="orthographicFront"/>
+      <a:lightRig rig="threePt" dir="t"/>
+    </dgm:scene3d>
+    <dgm:sp3d/>
+    <dgm:txPr/>
+    <dgm:style>
+      <a:lnRef idx="2">
+        <a:scrgbClr r="0" g="0" b="0"/>
+      </a:lnRef>
+      <a:fillRef idx="1">
+        <a:scrgbClr r="0" g="0" b="0"/>
+      </a:fillRef>
+      <a:effectRef idx="0">
+        <a:scrgbClr r="0" g="0" b="0"/>
+      </a:effectRef>
+      <a:fontRef idx="minor"/>
+    </dgm:style>
+  </dgm:styleLbl>
+  <dgm:styleLbl name="fgAcc0">
+    <dgm:scene3d>
+      <a:camera prst="orthographicFront"/>
+      <a:lightRig rig="threePt" dir="t"/>
+    </dgm:scene3d>
+    <dgm:sp3d/>
+    <dgm:txPr/>
+    <dgm:style>
+      <a:lnRef idx="2">
+        <a:scrgbClr r="0" g="0" b="0"/>
+      </a:lnRef>
+      <a:fillRef idx="1">
+        <a:scrgbClr r="0" g="0" b="0"/>
+      </a:fillRef>
+      <a:effectRef idx="0">
+        <a:scrgbClr r="0" g="0" b="0"/>
+      </a:effectRef>
+      <a:fontRef idx="minor"/>
+    </dgm:style>
+  </dgm:styleLbl>
+  <dgm:styleLbl name="fgAcc2">
+    <dgm:scene3d>
+      <a:camera prst="orthographicFront"/>
+      <a:lightRig rig="threePt" dir="t"/>
+    </dgm:scene3d>
+    <dgm:sp3d/>
+    <dgm:txPr/>
+    <dgm:style>
+      <a:lnRef idx="2">
+        <a:scrgbClr r="0" g="0" b="0"/>
+      </a:lnRef>
+      <a:fillRef idx="1">
+        <a:scrgbClr r="0" g="0" b="0"/>
+      </a:fillRef>
+      <a:effectRef idx="0">
+        <a:scrgbClr r="0" g="0" b="0"/>
+      </a:effectRef>
+      <a:fontRef idx="minor"/>
+    </dgm:style>
+  </dgm:styleLbl>
+  <dgm:styleLbl name="fgAcc3">
+    <dgm:scene3d>
+      <a:camera prst="orthographicFront"/>
+      <a:lightRig rig="threePt" dir="t"/>
+    </dgm:scene3d>
+    <dgm:sp3d/>
+    <dgm:txPr/>
+    <dgm:style>
+      <a:lnRef idx="2">
+        <a:scrgbClr r="0" g="0" b="0"/>
+      </a:lnRef>
+      <a:fillRef idx="1">
+        <a:scrgbClr r="0" g="0" b="0"/>
+      </a:fillRef>
+      <a:effectRef idx="0">
+        <a:scrgbClr r="0" g="0" b="0"/>
+      </a:effectRef>
+      <a:fontRef idx="minor"/>
+    </dgm:style>
+  </dgm:styleLbl>
+  <dgm:styleLbl name="fgAcc4">
+    <dgm:scene3d>
+      <a:camera prst="orthographicFront"/>
+      <a:lightRig rig="threePt" dir="t"/>
+    </dgm:scene3d>
+    <dgm:sp3d/>
+    <dgm:txPr/>
+    <dgm:style>
+      <a:lnRef idx="2">
+        <a:scrgbClr r="0" g="0" b="0"/>
+      </a:lnRef>
+      <a:fillRef idx="1">
+        <a:scrgbClr r="0" g="0" b="0"/>
+      </a:fillRef>
+      <a:effectRef idx="0">
+        <a:scrgbClr r="0" g="0" b="0"/>
+      </a:effectRef>
+      <a:fontRef idx="minor"/>
+    </dgm:style>
+  </dgm:styleLbl>
+  <dgm:styleLbl name="bgShp">
+    <dgm:scene3d>
+      <a:camera prst="orthographicFront"/>
+      <a:lightRig rig="threePt" dir="t"/>
+    </dgm:scene3d>
+    <dgm:sp3d/>
+    <dgm:txPr/>
+    <dgm:style>
+      <a:lnRef idx="0">
+        <a:scrgbClr r="0" g="0" b="0"/>
+      </a:lnRef>
+      <a:fillRef idx="1">
+        <a:scrgbClr r="0" g="0" b="0"/>
+      </a:fillRef>
+      <a:effectRef idx="0">
+        <a:scrgbClr r="0" g="0" b="0"/>
+      </a:effectRef>
+      <a:fontRef idx="minor"/>
+    </dgm:style>
+  </dgm:styleLbl>
+  <dgm:styleLbl name="dkBgShp">
+    <dgm:scene3d>
+      <a:camera prst="orthographicFront"/>
+      <a:lightRig rig="threePt" dir="t"/>
+    </dgm:scene3d>
+    <dgm:sp3d/>
+    <dgm:txPr/>
+    <dgm:style>
+      <a:lnRef idx="0">
+        <a:scrgbClr r="0" g="0" b="0"/>
+      </a:lnRef>
+      <a:fillRef idx="1">
+        <a:scrgbClr r="0" g="0" b="0"/>
+      </a:fillRef>
+      <a:effectRef idx="0">
+        <a:scrgbClr r="0" g="0" b="0"/>
+      </a:effectRef>
+      <a:fontRef idx="minor"/>
+    </dgm:style>
+  </dgm:styleLbl>
+  <dgm:styleLbl name="trBgShp">
+    <dgm:scene3d>
+      <a:camera prst="orthographicFront"/>
+      <a:lightRig rig="threePt" dir="t"/>
+    </dgm:scene3d>
+    <dgm:sp3d/>
+    <dgm:txPr/>
+    <dgm:style>
+      <a:lnRef idx="0">
+        <a:scrgbClr r="0" g="0" b="0"/>
+      </a:lnRef>
+      <a:fillRef idx="1">
+        <a:scrgbClr r="0" g="0" b="0"/>
+      </a:fillRef>
+      <a:effectRef idx="0">
+        <a:scrgbClr r="0" g="0" b="0"/>
+      </a:effectRef>
+      <a:fontRef idx="minor"/>
+    </dgm:style>
+  </dgm:styleLbl>
+  <dgm:styleLbl name="fgShp">
+    <dgm:scene3d>
+      <a:camera prst="orthographicFront"/>
+      <a:lightRig rig="threePt" dir="t"/>
+    </dgm:scene3d>
+    <dgm:sp3d/>
+    <dgm:txPr/>
+    <dgm:style>
+      <a:lnRef idx="2">
+        <a:scrgbClr r="0" g="0" b="0"/>
+      </a:lnRef>
+      <a:fillRef idx="1">
+        <a:scrgbClr r="0" g="0" b="0"/>
+      </a:fillRef>
+      <a:effectRef idx="0">
+        <a:scrgbClr r="0" g="0" b="0"/>
+      </a:effectRef>
+      <a:fontRef idx="minor"/>
+    </dgm:style>
+  </dgm:styleLbl>
+  <dgm:styleLbl name="revTx">
+    <dgm:scene3d>
+      <a:camera prst="orthographicFront"/>
+      <a:lightRig rig="threePt" dir="t"/>
+    </dgm:scene3d>
+    <dgm:sp3d/>
+    <dgm:txPr/>
+    <dgm:style>
+      <a:lnRef idx="0">
+        <a:scrgbClr r="0" g="0" b="0"/>
+      </a:lnRef>
+      <a:fillRef idx="0">
+        <a:scrgbClr r="0" g="0" b="0"/>
+      </a:fillRef>
+      <a:effectRef idx="0">
+        <a:scrgbClr r="0" g="0" b="0"/>
+      </a:effectRef>
+      <a:fontRef idx="minor"/>
+    </dgm:style>
+  </dgm:styleLbl>
+</dgm:styleDef>
 </file>
 
 <file path=ppt/notesMasters/notesMaster1.xml><?xml version="1.0" encoding="utf-8"?>
@@ -3422,7 +10182,7 @@
           <p:cNvPr id="2" name="Title 1">
             <a:extLst>
               <a:ext uri="{FF2B5EF4-FFF2-40B4-BE49-F238E27FC236}">
-                <a16:creationId xmlns:a16="http://schemas.microsoft.com/office/drawing/2014/main" id="{D00D82E2-CEEB-0649-98E5-CD46E5BFACB6}"/>
+                <a16:creationId xmlns:a16="http://schemas.microsoft.com/office/drawing/2014/main" id="{0DAF2DD1-52C0-5241-9A0A-2AB68621FC6A}"/>
               </a:ext>
             </a:extLst>
           </p:cNvPr>
@@ -3459,7 +10219,7 @@
           <p:cNvPr id="3" name="Subtitle 2">
             <a:extLst>
               <a:ext uri="{FF2B5EF4-FFF2-40B4-BE49-F238E27FC236}">
-                <a16:creationId xmlns:a16="http://schemas.microsoft.com/office/drawing/2014/main" id="{D7CA1ED6-E7D3-734B-87C2-7EE596AD92DC}"/>
+                <a16:creationId xmlns:a16="http://schemas.microsoft.com/office/drawing/2014/main" id="{966DF890-B2E0-9B40-9AE7-047B11BB7EC4}"/>
               </a:ext>
             </a:extLst>
           </p:cNvPr>
@@ -3529,7 +10289,7 @@
           <p:cNvPr id="4" name="Date Placeholder 3">
             <a:extLst>
               <a:ext uri="{FF2B5EF4-FFF2-40B4-BE49-F238E27FC236}">
-                <a16:creationId xmlns:a16="http://schemas.microsoft.com/office/drawing/2014/main" id="{5978AB27-3154-0346-9A67-14E8E3E85464}"/>
+                <a16:creationId xmlns:a16="http://schemas.microsoft.com/office/drawing/2014/main" id="{B98B5A6A-E62B-D041-A974-928761BF046B}"/>
               </a:ext>
             </a:extLst>
           </p:cNvPr>
@@ -3558,7 +10318,7 @@
           <p:cNvPr id="5" name="Footer Placeholder 4">
             <a:extLst>
               <a:ext uri="{FF2B5EF4-FFF2-40B4-BE49-F238E27FC236}">
-                <a16:creationId xmlns:a16="http://schemas.microsoft.com/office/drawing/2014/main" id="{BB4548EC-2B7A-284C-919B-B8A0834C615A}"/>
+                <a16:creationId xmlns:a16="http://schemas.microsoft.com/office/drawing/2014/main" id="{CB9E23D3-92E0-4A49-93D7-36EA3BA50D26}"/>
               </a:ext>
             </a:extLst>
           </p:cNvPr>
@@ -3583,7 +10343,7 @@
           <p:cNvPr id="6" name="Slide Number Placeholder 5">
             <a:extLst>
               <a:ext uri="{FF2B5EF4-FFF2-40B4-BE49-F238E27FC236}">
-                <a16:creationId xmlns:a16="http://schemas.microsoft.com/office/drawing/2014/main" id="{0650A572-91BD-7443-9F3E-2B7BBDF490AA}"/>
+                <a16:creationId xmlns:a16="http://schemas.microsoft.com/office/drawing/2014/main" id="{F7DF7B29-874B-7547-8AC6-EE9925D76FF3}"/>
               </a:ext>
             </a:extLst>
           </p:cNvPr>
@@ -3610,7 +10370,7 @@
     </p:spTree>
     <p:extLst>
       <p:ext uri="{BB962C8B-B14F-4D97-AF65-F5344CB8AC3E}">
-        <p14:creationId xmlns:p14="http://schemas.microsoft.com/office/powerpoint/2010/main" val="3373712760"/>
+        <p14:creationId xmlns:p14="http://schemas.microsoft.com/office/powerpoint/2010/main" val="1870978214"/>
       </p:ext>
     </p:extLst>
   </p:cSld>
@@ -3642,7 +10402,7 @@
           <p:cNvPr id="2" name="Title 1">
             <a:extLst>
               <a:ext uri="{FF2B5EF4-FFF2-40B4-BE49-F238E27FC236}">
-                <a16:creationId xmlns:a16="http://schemas.microsoft.com/office/drawing/2014/main" id="{1D01EB1F-A866-CD46-9C41-A5D2B02A5135}"/>
+                <a16:creationId xmlns:a16="http://schemas.microsoft.com/office/drawing/2014/main" id="{7422A5A3-217C-5945-9B32-F98AD8CB9AAD}"/>
               </a:ext>
             </a:extLst>
           </p:cNvPr>
@@ -3670,7 +10430,7 @@
           <p:cNvPr id="3" name="Vertical Text Placeholder 2">
             <a:extLst>
               <a:ext uri="{FF2B5EF4-FFF2-40B4-BE49-F238E27FC236}">
-                <a16:creationId xmlns:a16="http://schemas.microsoft.com/office/drawing/2014/main" id="{DBEC8002-187D-A74B-BC80-29A0A3BFF3A5}"/>
+                <a16:creationId xmlns:a16="http://schemas.microsoft.com/office/drawing/2014/main" id="{2CA113CF-F569-394F-91C0-C70E238FE0AD}"/>
               </a:ext>
             </a:extLst>
           </p:cNvPr>
@@ -3727,7 +10487,7 @@
           <p:cNvPr id="4" name="Date Placeholder 3">
             <a:extLst>
               <a:ext uri="{FF2B5EF4-FFF2-40B4-BE49-F238E27FC236}">
-                <a16:creationId xmlns:a16="http://schemas.microsoft.com/office/drawing/2014/main" id="{F2FBBA4A-56CC-4943-9366-2F214D2A0CA4}"/>
+                <a16:creationId xmlns:a16="http://schemas.microsoft.com/office/drawing/2014/main" id="{DEE9D1A0-DF19-FD43-9DB2-BA2FF0A12215}"/>
               </a:ext>
             </a:extLst>
           </p:cNvPr>
@@ -3756,7 +10516,7 @@
           <p:cNvPr id="5" name="Footer Placeholder 4">
             <a:extLst>
               <a:ext uri="{FF2B5EF4-FFF2-40B4-BE49-F238E27FC236}">
-                <a16:creationId xmlns:a16="http://schemas.microsoft.com/office/drawing/2014/main" id="{9598A55E-5F3E-D04C-B974-CE88C64ACB69}"/>
+                <a16:creationId xmlns:a16="http://schemas.microsoft.com/office/drawing/2014/main" id="{F88A9160-4E2E-9147-A691-F4AED0C29FF0}"/>
               </a:ext>
             </a:extLst>
           </p:cNvPr>
@@ -3781,7 +10541,7 @@
           <p:cNvPr id="6" name="Slide Number Placeholder 5">
             <a:extLst>
               <a:ext uri="{FF2B5EF4-FFF2-40B4-BE49-F238E27FC236}">
-                <a16:creationId xmlns:a16="http://schemas.microsoft.com/office/drawing/2014/main" id="{D64DD50C-23D5-8C4B-83E5-A8F5416A1752}"/>
+                <a16:creationId xmlns:a16="http://schemas.microsoft.com/office/drawing/2014/main" id="{80561857-98AB-CF4A-B7F0-060BEE02747A}"/>
               </a:ext>
             </a:extLst>
           </p:cNvPr>
@@ -3808,7 +10568,7 @@
     </p:spTree>
     <p:extLst>
       <p:ext uri="{BB962C8B-B14F-4D97-AF65-F5344CB8AC3E}">
-        <p14:creationId xmlns:p14="http://schemas.microsoft.com/office/powerpoint/2010/main" val="4242592899"/>
+        <p14:creationId xmlns:p14="http://schemas.microsoft.com/office/powerpoint/2010/main" val="3370286164"/>
       </p:ext>
     </p:extLst>
   </p:cSld>
@@ -3840,7 +10600,7 @@
           <p:cNvPr id="2" name="Vertical Title 1">
             <a:extLst>
               <a:ext uri="{FF2B5EF4-FFF2-40B4-BE49-F238E27FC236}">
-                <a16:creationId xmlns:a16="http://schemas.microsoft.com/office/drawing/2014/main" id="{A1705CE5-7508-0341-A7E5-EE845B7C635D}"/>
+                <a16:creationId xmlns:a16="http://schemas.microsoft.com/office/drawing/2014/main" id="{9906E176-4091-8D46-9817-1982E238EF60}"/>
               </a:ext>
             </a:extLst>
           </p:cNvPr>
@@ -3873,7 +10633,7 @@
           <p:cNvPr id="3" name="Vertical Text Placeholder 2">
             <a:extLst>
               <a:ext uri="{FF2B5EF4-FFF2-40B4-BE49-F238E27FC236}">
-                <a16:creationId xmlns:a16="http://schemas.microsoft.com/office/drawing/2014/main" id="{D9466CA6-E6A7-1646-95B9-C7297C6831F3}"/>
+                <a16:creationId xmlns:a16="http://schemas.microsoft.com/office/drawing/2014/main" id="{2CB93C85-810B-FF45-8D0A-9A875796EE74}"/>
               </a:ext>
             </a:extLst>
           </p:cNvPr>
@@ -3935,7 +10695,7 @@
           <p:cNvPr id="4" name="Date Placeholder 3">
             <a:extLst>
               <a:ext uri="{FF2B5EF4-FFF2-40B4-BE49-F238E27FC236}">
-                <a16:creationId xmlns:a16="http://schemas.microsoft.com/office/drawing/2014/main" id="{151C0488-7AF5-9841-8D52-4BFE65E7A0EE}"/>
+                <a16:creationId xmlns:a16="http://schemas.microsoft.com/office/drawing/2014/main" id="{A18D41D1-340D-7C43-BA74-1B7902678C68}"/>
               </a:ext>
             </a:extLst>
           </p:cNvPr>
@@ -3964,7 +10724,7 @@
           <p:cNvPr id="5" name="Footer Placeholder 4">
             <a:extLst>
               <a:ext uri="{FF2B5EF4-FFF2-40B4-BE49-F238E27FC236}">
-                <a16:creationId xmlns:a16="http://schemas.microsoft.com/office/drawing/2014/main" id="{1474CADA-1E37-7946-A7F2-DE4A222C6D6D}"/>
+                <a16:creationId xmlns:a16="http://schemas.microsoft.com/office/drawing/2014/main" id="{D80FD38C-14F0-A046-A3A4-FC2EBDA7CD7F}"/>
               </a:ext>
             </a:extLst>
           </p:cNvPr>
@@ -3989,7 +10749,7 @@
           <p:cNvPr id="6" name="Slide Number Placeholder 5">
             <a:extLst>
               <a:ext uri="{FF2B5EF4-FFF2-40B4-BE49-F238E27FC236}">
-                <a16:creationId xmlns:a16="http://schemas.microsoft.com/office/drawing/2014/main" id="{ED6DA6A0-0077-3145-BA55-382BEE08C540}"/>
+                <a16:creationId xmlns:a16="http://schemas.microsoft.com/office/drawing/2014/main" id="{1A230D99-79BA-3D4A-9F3D-47E87E3A685D}"/>
               </a:ext>
             </a:extLst>
           </p:cNvPr>
@@ -4016,7 +10776,7 @@
     </p:spTree>
     <p:extLst>
       <p:ext uri="{BB962C8B-B14F-4D97-AF65-F5344CB8AC3E}">
-        <p14:creationId xmlns:p14="http://schemas.microsoft.com/office/powerpoint/2010/main" val="392160862"/>
+        <p14:creationId xmlns:p14="http://schemas.microsoft.com/office/powerpoint/2010/main" val="2269560525"/>
       </p:ext>
     </p:extLst>
   </p:cSld>
@@ -4048,7 +10808,7 @@
           <p:cNvPr id="2" name="Title 1">
             <a:extLst>
               <a:ext uri="{FF2B5EF4-FFF2-40B4-BE49-F238E27FC236}">
-                <a16:creationId xmlns:a16="http://schemas.microsoft.com/office/drawing/2014/main" id="{D9DA1C78-1A43-B24A-8AD1-2DE3E418C8C3}"/>
+                <a16:creationId xmlns:a16="http://schemas.microsoft.com/office/drawing/2014/main" id="{0AFF0466-5661-9A44-8E6A-C0CCA426477B}"/>
               </a:ext>
             </a:extLst>
           </p:cNvPr>
@@ -4076,7 +10836,7 @@
           <p:cNvPr id="3" name="Content Placeholder 2">
             <a:extLst>
               <a:ext uri="{FF2B5EF4-FFF2-40B4-BE49-F238E27FC236}">
-                <a16:creationId xmlns:a16="http://schemas.microsoft.com/office/drawing/2014/main" id="{BF6688FB-4564-084B-8173-8263D67DB8CF}"/>
+                <a16:creationId xmlns:a16="http://schemas.microsoft.com/office/drawing/2014/main" id="{F155E14E-3A03-0546-BAF1-94EB778904BB}"/>
               </a:ext>
             </a:extLst>
           </p:cNvPr>
@@ -4133,7 +10893,7 @@
           <p:cNvPr id="4" name="Date Placeholder 3">
             <a:extLst>
               <a:ext uri="{FF2B5EF4-FFF2-40B4-BE49-F238E27FC236}">
-                <a16:creationId xmlns:a16="http://schemas.microsoft.com/office/drawing/2014/main" id="{864004A4-A828-E542-8A10-5D8225C9D806}"/>
+                <a16:creationId xmlns:a16="http://schemas.microsoft.com/office/drawing/2014/main" id="{E511E4F6-8876-B14E-9879-E6A56D9B9D59}"/>
               </a:ext>
             </a:extLst>
           </p:cNvPr>
@@ -4162,7 +10922,7 @@
           <p:cNvPr id="5" name="Footer Placeholder 4">
             <a:extLst>
               <a:ext uri="{FF2B5EF4-FFF2-40B4-BE49-F238E27FC236}">
-                <a16:creationId xmlns:a16="http://schemas.microsoft.com/office/drawing/2014/main" id="{06D7FD54-81D6-264B-9AD7-A572A837D26A}"/>
+                <a16:creationId xmlns:a16="http://schemas.microsoft.com/office/drawing/2014/main" id="{37CE6743-BDD1-E343-AF30-DDAD6A048981}"/>
               </a:ext>
             </a:extLst>
           </p:cNvPr>
@@ -4187,7 +10947,7 @@
           <p:cNvPr id="6" name="Slide Number Placeholder 5">
             <a:extLst>
               <a:ext uri="{FF2B5EF4-FFF2-40B4-BE49-F238E27FC236}">
-                <a16:creationId xmlns:a16="http://schemas.microsoft.com/office/drawing/2014/main" id="{8B2BABDD-8274-D441-BDC6-D74A99D1F1A5}"/>
+                <a16:creationId xmlns:a16="http://schemas.microsoft.com/office/drawing/2014/main" id="{6D0C5387-B397-A645-ADD5-9A2524B62287}"/>
               </a:ext>
             </a:extLst>
           </p:cNvPr>
@@ -4214,7 +10974,7 @@
     </p:spTree>
     <p:extLst>
       <p:ext uri="{BB962C8B-B14F-4D97-AF65-F5344CB8AC3E}">
-        <p14:creationId xmlns:p14="http://schemas.microsoft.com/office/powerpoint/2010/main" val="4231460885"/>
+        <p14:creationId xmlns:p14="http://schemas.microsoft.com/office/powerpoint/2010/main" val="2801636149"/>
       </p:ext>
     </p:extLst>
   </p:cSld>
@@ -4246,7 +11006,7 @@
           <p:cNvPr id="2" name="Title 1">
             <a:extLst>
               <a:ext uri="{FF2B5EF4-FFF2-40B4-BE49-F238E27FC236}">
-                <a16:creationId xmlns:a16="http://schemas.microsoft.com/office/drawing/2014/main" id="{6DDC7CB1-A429-A84C-A268-73E6E17D33C5}"/>
+                <a16:creationId xmlns:a16="http://schemas.microsoft.com/office/drawing/2014/main" id="{11618415-4AD4-CB4F-B791-45695E8E09F9}"/>
               </a:ext>
             </a:extLst>
           </p:cNvPr>
@@ -4283,7 +11043,7 @@
           <p:cNvPr id="3" name="Text Placeholder 2">
             <a:extLst>
               <a:ext uri="{FF2B5EF4-FFF2-40B4-BE49-F238E27FC236}">
-                <a16:creationId xmlns:a16="http://schemas.microsoft.com/office/drawing/2014/main" id="{EBA80DE3-44DE-4846-A7AF-D97BA2CC2CF4}"/>
+                <a16:creationId xmlns:a16="http://schemas.microsoft.com/office/drawing/2014/main" id="{E428643A-A3B7-D440-B44B-AB5321D060A2}"/>
               </a:ext>
             </a:extLst>
           </p:cNvPr>
@@ -4408,7 +11168,7 @@
           <p:cNvPr id="4" name="Date Placeholder 3">
             <a:extLst>
               <a:ext uri="{FF2B5EF4-FFF2-40B4-BE49-F238E27FC236}">
-                <a16:creationId xmlns:a16="http://schemas.microsoft.com/office/drawing/2014/main" id="{F3E46B7B-1606-2142-841C-A1DD2997F286}"/>
+                <a16:creationId xmlns:a16="http://schemas.microsoft.com/office/drawing/2014/main" id="{BCC424CB-4737-B74B-825D-30633C89DF3E}"/>
               </a:ext>
             </a:extLst>
           </p:cNvPr>
@@ -4437,7 +11197,7 @@
           <p:cNvPr id="5" name="Footer Placeholder 4">
             <a:extLst>
               <a:ext uri="{FF2B5EF4-FFF2-40B4-BE49-F238E27FC236}">
-                <a16:creationId xmlns:a16="http://schemas.microsoft.com/office/drawing/2014/main" id="{C3D542CA-D081-ED4E-870C-CEFDC792B6EA}"/>
+                <a16:creationId xmlns:a16="http://schemas.microsoft.com/office/drawing/2014/main" id="{53A71424-2534-474D-B7E8-4A88D947106F}"/>
               </a:ext>
             </a:extLst>
           </p:cNvPr>
@@ -4462,7 +11222,7 @@
           <p:cNvPr id="6" name="Slide Number Placeholder 5">
             <a:extLst>
               <a:ext uri="{FF2B5EF4-FFF2-40B4-BE49-F238E27FC236}">
-                <a16:creationId xmlns:a16="http://schemas.microsoft.com/office/drawing/2014/main" id="{23E95E60-FB04-EC4B-A6E1-D632BB98283B}"/>
+                <a16:creationId xmlns:a16="http://schemas.microsoft.com/office/drawing/2014/main" id="{BE6E7951-3B1C-444E-8C7A-E17FD5F7D1C1}"/>
               </a:ext>
             </a:extLst>
           </p:cNvPr>
@@ -4489,7 +11249,7 @@
     </p:spTree>
     <p:extLst>
       <p:ext uri="{BB962C8B-B14F-4D97-AF65-F5344CB8AC3E}">
-        <p14:creationId xmlns:p14="http://schemas.microsoft.com/office/powerpoint/2010/main" val="370966008"/>
+        <p14:creationId xmlns:p14="http://schemas.microsoft.com/office/powerpoint/2010/main" val="2091182035"/>
       </p:ext>
     </p:extLst>
   </p:cSld>
@@ -4521,7 +11281,7 @@
           <p:cNvPr id="2" name="Title 1">
             <a:extLst>
               <a:ext uri="{FF2B5EF4-FFF2-40B4-BE49-F238E27FC236}">
-                <a16:creationId xmlns:a16="http://schemas.microsoft.com/office/drawing/2014/main" id="{5F8B5D11-CCED-1546-B741-5D08EAE5FDD4}"/>
+                <a16:creationId xmlns:a16="http://schemas.microsoft.com/office/drawing/2014/main" id="{4868F2CC-68C3-DD41-92EA-7DB338A9A84E}"/>
               </a:ext>
             </a:extLst>
           </p:cNvPr>
@@ -4549,7 +11309,7 @@
           <p:cNvPr id="3" name="Content Placeholder 2">
             <a:extLst>
               <a:ext uri="{FF2B5EF4-FFF2-40B4-BE49-F238E27FC236}">
-                <a16:creationId xmlns:a16="http://schemas.microsoft.com/office/drawing/2014/main" id="{B8C054DC-1C0D-DA42-8A8D-172D74BA60D4}"/>
+                <a16:creationId xmlns:a16="http://schemas.microsoft.com/office/drawing/2014/main" id="{46067954-9361-7443-B097-2CE54BCF4C80}"/>
               </a:ext>
             </a:extLst>
           </p:cNvPr>
@@ -4611,7 +11371,7 @@
           <p:cNvPr id="4" name="Content Placeholder 3">
             <a:extLst>
               <a:ext uri="{FF2B5EF4-FFF2-40B4-BE49-F238E27FC236}">
-                <a16:creationId xmlns:a16="http://schemas.microsoft.com/office/drawing/2014/main" id="{A4428750-0EDB-9549-B197-A3FCA911DF39}"/>
+                <a16:creationId xmlns:a16="http://schemas.microsoft.com/office/drawing/2014/main" id="{74F3C7DD-5F82-4543-8569-2FD1FD9EA82A}"/>
               </a:ext>
             </a:extLst>
           </p:cNvPr>
@@ -4673,7 +11433,7 @@
           <p:cNvPr id="5" name="Date Placeholder 4">
             <a:extLst>
               <a:ext uri="{FF2B5EF4-FFF2-40B4-BE49-F238E27FC236}">
-                <a16:creationId xmlns:a16="http://schemas.microsoft.com/office/drawing/2014/main" id="{E73BF761-31BF-364E-A2AF-11782BBF7A27}"/>
+                <a16:creationId xmlns:a16="http://schemas.microsoft.com/office/drawing/2014/main" id="{502DB051-F1CA-D845-9FB5-DE994CC4B427}"/>
               </a:ext>
             </a:extLst>
           </p:cNvPr>
@@ -4702,7 +11462,7 @@
           <p:cNvPr id="6" name="Footer Placeholder 5">
             <a:extLst>
               <a:ext uri="{FF2B5EF4-FFF2-40B4-BE49-F238E27FC236}">
-                <a16:creationId xmlns:a16="http://schemas.microsoft.com/office/drawing/2014/main" id="{2AA1A4FF-D62A-DB4F-A39E-BC565FE994EE}"/>
+                <a16:creationId xmlns:a16="http://schemas.microsoft.com/office/drawing/2014/main" id="{7B8F0DFF-A463-7C4E-972A-1EC8F9CFF744}"/>
               </a:ext>
             </a:extLst>
           </p:cNvPr>
@@ -4727,7 +11487,7 @@
           <p:cNvPr id="7" name="Slide Number Placeholder 6">
             <a:extLst>
               <a:ext uri="{FF2B5EF4-FFF2-40B4-BE49-F238E27FC236}">
-                <a16:creationId xmlns:a16="http://schemas.microsoft.com/office/drawing/2014/main" id="{5C1A024F-A560-4143-AE18-DA5870CB0021}"/>
+                <a16:creationId xmlns:a16="http://schemas.microsoft.com/office/drawing/2014/main" id="{911D06B7-6736-EA48-9977-E12C91CE6E62}"/>
               </a:ext>
             </a:extLst>
           </p:cNvPr>
@@ -4754,7 +11514,7 @@
     </p:spTree>
     <p:extLst>
       <p:ext uri="{BB962C8B-B14F-4D97-AF65-F5344CB8AC3E}">
-        <p14:creationId xmlns:p14="http://schemas.microsoft.com/office/powerpoint/2010/main" val="3383936213"/>
+        <p14:creationId xmlns:p14="http://schemas.microsoft.com/office/powerpoint/2010/main" val="4253423369"/>
       </p:ext>
     </p:extLst>
   </p:cSld>
@@ -4786,7 +11546,7 @@
           <p:cNvPr id="2" name="Title 1">
             <a:extLst>
               <a:ext uri="{FF2B5EF4-FFF2-40B4-BE49-F238E27FC236}">
-                <a16:creationId xmlns:a16="http://schemas.microsoft.com/office/drawing/2014/main" id="{D92E8F05-BF9F-BB4A-868C-746750517BC9}"/>
+                <a16:creationId xmlns:a16="http://schemas.microsoft.com/office/drawing/2014/main" id="{ECD2FE86-5F54-5947-B0EF-942C1F22851F}"/>
               </a:ext>
             </a:extLst>
           </p:cNvPr>
@@ -4819,7 +11579,7 @@
           <p:cNvPr id="3" name="Text Placeholder 2">
             <a:extLst>
               <a:ext uri="{FF2B5EF4-FFF2-40B4-BE49-F238E27FC236}">
-                <a16:creationId xmlns:a16="http://schemas.microsoft.com/office/drawing/2014/main" id="{3E49527A-812C-BA46-88FF-47D087FE025F}"/>
+                <a16:creationId xmlns:a16="http://schemas.microsoft.com/office/drawing/2014/main" id="{5CF0D690-D2D5-7E49-A6F9-49656B7650AA}"/>
               </a:ext>
             </a:extLst>
           </p:cNvPr>
@@ -4890,7 +11650,7 @@
           <p:cNvPr id="4" name="Content Placeholder 3">
             <a:extLst>
               <a:ext uri="{FF2B5EF4-FFF2-40B4-BE49-F238E27FC236}">
-                <a16:creationId xmlns:a16="http://schemas.microsoft.com/office/drawing/2014/main" id="{448CBB9D-CD55-AF45-8E9D-4149D07BE0F0}"/>
+                <a16:creationId xmlns:a16="http://schemas.microsoft.com/office/drawing/2014/main" id="{4ADA2FB4-E4E3-F144-B0A9-D28D7C1275AD}"/>
               </a:ext>
             </a:extLst>
           </p:cNvPr>
@@ -4952,7 +11712,7 @@
           <p:cNvPr id="5" name="Text Placeholder 4">
             <a:extLst>
               <a:ext uri="{FF2B5EF4-FFF2-40B4-BE49-F238E27FC236}">
-                <a16:creationId xmlns:a16="http://schemas.microsoft.com/office/drawing/2014/main" id="{A0B3ED07-CBDF-2D49-8770-7B2EF983B602}"/>
+                <a16:creationId xmlns:a16="http://schemas.microsoft.com/office/drawing/2014/main" id="{60EC52F2-730E-7843-8E55-EBBD71E9CABF}"/>
               </a:ext>
             </a:extLst>
           </p:cNvPr>
@@ -5023,7 +11783,7 @@
           <p:cNvPr id="6" name="Content Placeholder 5">
             <a:extLst>
               <a:ext uri="{FF2B5EF4-FFF2-40B4-BE49-F238E27FC236}">
-                <a16:creationId xmlns:a16="http://schemas.microsoft.com/office/drawing/2014/main" id="{D19A8D31-D31B-9040-8673-2488598E2568}"/>
+                <a16:creationId xmlns:a16="http://schemas.microsoft.com/office/drawing/2014/main" id="{45293E7D-0070-D64E-A310-8562AA709743}"/>
               </a:ext>
             </a:extLst>
           </p:cNvPr>
@@ -5085,7 +11845,7 @@
           <p:cNvPr id="7" name="Date Placeholder 6">
             <a:extLst>
               <a:ext uri="{FF2B5EF4-FFF2-40B4-BE49-F238E27FC236}">
-                <a16:creationId xmlns:a16="http://schemas.microsoft.com/office/drawing/2014/main" id="{4B535385-DA56-A048-995B-5EC565E231C2}"/>
+                <a16:creationId xmlns:a16="http://schemas.microsoft.com/office/drawing/2014/main" id="{E46C8E20-5BDC-F743-9DCE-BA7F686EAFB4}"/>
               </a:ext>
             </a:extLst>
           </p:cNvPr>
@@ -5114,7 +11874,7 @@
           <p:cNvPr id="8" name="Footer Placeholder 7">
             <a:extLst>
               <a:ext uri="{FF2B5EF4-FFF2-40B4-BE49-F238E27FC236}">
-                <a16:creationId xmlns:a16="http://schemas.microsoft.com/office/drawing/2014/main" id="{0EFCE63B-0A44-AE43-BD6E-59BCB8642EC5}"/>
+                <a16:creationId xmlns:a16="http://schemas.microsoft.com/office/drawing/2014/main" id="{42444B8A-7F1D-E74B-BF02-E4756DF91509}"/>
               </a:ext>
             </a:extLst>
           </p:cNvPr>
@@ -5139,7 +11899,7 @@
           <p:cNvPr id="9" name="Slide Number Placeholder 8">
             <a:extLst>
               <a:ext uri="{FF2B5EF4-FFF2-40B4-BE49-F238E27FC236}">
-                <a16:creationId xmlns:a16="http://schemas.microsoft.com/office/drawing/2014/main" id="{B05C6990-B061-1F4B-A29E-EB69CCAE0AF6}"/>
+                <a16:creationId xmlns:a16="http://schemas.microsoft.com/office/drawing/2014/main" id="{03932F91-DBAD-A447-B9E1-C3AE58883B6A}"/>
               </a:ext>
             </a:extLst>
           </p:cNvPr>
@@ -5166,7 +11926,7 @@
     </p:spTree>
     <p:extLst>
       <p:ext uri="{BB962C8B-B14F-4D97-AF65-F5344CB8AC3E}">
-        <p14:creationId xmlns:p14="http://schemas.microsoft.com/office/powerpoint/2010/main" val="660157612"/>
+        <p14:creationId xmlns:p14="http://schemas.microsoft.com/office/powerpoint/2010/main" val="1341742814"/>
       </p:ext>
     </p:extLst>
   </p:cSld>
@@ -5198,7 +11958,7 @@
           <p:cNvPr id="2" name="Title 1">
             <a:extLst>
               <a:ext uri="{FF2B5EF4-FFF2-40B4-BE49-F238E27FC236}">
-                <a16:creationId xmlns:a16="http://schemas.microsoft.com/office/drawing/2014/main" id="{F09EDD85-63CC-E04F-BC90-631C23D95D84}"/>
+                <a16:creationId xmlns:a16="http://schemas.microsoft.com/office/drawing/2014/main" id="{C8BD6ABC-B1F6-F740-8FD8-D098DA53D680}"/>
               </a:ext>
             </a:extLst>
           </p:cNvPr>
@@ -5226,7 +11986,7 @@
           <p:cNvPr id="3" name="Date Placeholder 2">
             <a:extLst>
               <a:ext uri="{FF2B5EF4-FFF2-40B4-BE49-F238E27FC236}">
-                <a16:creationId xmlns:a16="http://schemas.microsoft.com/office/drawing/2014/main" id="{B58F9E0A-23F6-1842-925E-FC380387AEF6}"/>
+                <a16:creationId xmlns:a16="http://schemas.microsoft.com/office/drawing/2014/main" id="{B5FA5B74-3F08-094A-BDCD-25831D9DE9FE}"/>
               </a:ext>
             </a:extLst>
           </p:cNvPr>
@@ -5255,7 +12015,7 @@
           <p:cNvPr id="4" name="Footer Placeholder 3">
             <a:extLst>
               <a:ext uri="{FF2B5EF4-FFF2-40B4-BE49-F238E27FC236}">
-                <a16:creationId xmlns:a16="http://schemas.microsoft.com/office/drawing/2014/main" id="{D49E4CEB-DFF8-3846-984C-EF9F7F304BF0}"/>
+                <a16:creationId xmlns:a16="http://schemas.microsoft.com/office/drawing/2014/main" id="{B30C403A-7CA6-1F4A-87C3-F3C8A55720BD}"/>
               </a:ext>
             </a:extLst>
           </p:cNvPr>
@@ -5280,7 +12040,7 @@
           <p:cNvPr id="5" name="Slide Number Placeholder 4">
             <a:extLst>
               <a:ext uri="{FF2B5EF4-FFF2-40B4-BE49-F238E27FC236}">
-                <a16:creationId xmlns:a16="http://schemas.microsoft.com/office/drawing/2014/main" id="{7576A678-F68C-E341-B081-207A36177BC8}"/>
+                <a16:creationId xmlns:a16="http://schemas.microsoft.com/office/drawing/2014/main" id="{DB29D3AF-FB61-FD4C-8828-3730B377FD73}"/>
               </a:ext>
             </a:extLst>
           </p:cNvPr>
@@ -5307,7 +12067,7 @@
     </p:spTree>
     <p:extLst>
       <p:ext uri="{BB962C8B-B14F-4D97-AF65-F5344CB8AC3E}">
-        <p14:creationId xmlns:p14="http://schemas.microsoft.com/office/powerpoint/2010/main" val="29029014"/>
+        <p14:creationId xmlns:p14="http://schemas.microsoft.com/office/powerpoint/2010/main" val="2034991962"/>
       </p:ext>
     </p:extLst>
   </p:cSld>
@@ -5339,7 +12099,7 @@
           <p:cNvPr id="2" name="Date Placeholder 1">
             <a:extLst>
               <a:ext uri="{FF2B5EF4-FFF2-40B4-BE49-F238E27FC236}">
-                <a16:creationId xmlns:a16="http://schemas.microsoft.com/office/drawing/2014/main" id="{0A1481EF-9529-4E43-BF76-1EEFFF939CEF}"/>
+                <a16:creationId xmlns:a16="http://schemas.microsoft.com/office/drawing/2014/main" id="{34E51642-48BC-B249-855C-1397DA7AEF30}"/>
               </a:ext>
             </a:extLst>
           </p:cNvPr>
@@ -5368,7 +12128,7 @@
           <p:cNvPr id="3" name="Footer Placeholder 2">
             <a:extLst>
               <a:ext uri="{FF2B5EF4-FFF2-40B4-BE49-F238E27FC236}">
-                <a16:creationId xmlns:a16="http://schemas.microsoft.com/office/drawing/2014/main" id="{254A5DE5-3AC9-924B-B441-B51860E87B96}"/>
+                <a16:creationId xmlns:a16="http://schemas.microsoft.com/office/drawing/2014/main" id="{CDF450AE-A223-424A-A6DD-751C06AA2FF4}"/>
               </a:ext>
             </a:extLst>
           </p:cNvPr>
@@ -5393,7 +12153,7 @@
           <p:cNvPr id="4" name="Slide Number Placeholder 3">
             <a:extLst>
               <a:ext uri="{FF2B5EF4-FFF2-40B4-BE49-F238E27FC236}">
-                <a16:creationId xmlns:a16="http://schemas.microsoft.com/office/drawing/2014/main" id="{CF3CB877-840E-1E46-A747-D0D5C0B2B286}"/>
+                <a16:creationId xmlns:a16="http://schemas.microsoft.com/office/drawing/2014/main" id="{5D40A9F5-59A9-8742-84C8-9ECC2189681E}"/>
               </a:ext>
             </a:extLst>
           </p:cNvPr>
@@ -5420,7 +12180,7 @@
     </p:spTree>
     <p:extLst>
       <p:ext uri="{BB962C8B-B14F-4D97-AF65-F5344CB8AC3E}">
-        <p14:creationId xmlns:p14="http://schemas.microsoft.com/office/powerpoint/2010/main" val="2846395048"/>
+        <p14:creationId xmlns:p14="http://schemas.microsoft.com/office/powerpoint/2010/main" val="384935605"/>
       </p:ext>
     </p:extLst>
   </p:cSld>
@@ -5452,7 +12212,7 @@
           <p:cNvPr id="2" name="Title 1">
             <a:extLst>
               <a:ext uri="{FF2B5EF4-FFF2-40B4-BE49-F238E27FC236}">
-                <a16:creationId xmlns:a16="http://schemas.microsoft.com/office/drawing/2014/main" id="{EC4E0F57-AF6E-5B4B-8B14-6D9E4F173017}"/>
+                <a16:creationId xmlns:a16="http://schemas.microsoft.com/office/drawing/2014/main" id="{4D0A12FE-9330-2E46-8A8A-B73D69A10F07}"/>
               </a:ext>
             </a:extLst>
           </p:cNvPr>
@@ -5489,7 +12249,7 @@
           <p:cNvPr id="3" name="Content Placeholder 2">
             <a:extLst>
               <a:ext uri="{FF2B5EF4-FFF2-40B4-BE49-F238E27FC236}">
-                <a16:creationId xmlns:a16="http://schemas.microsoft.com/office/drawing/2014/main" id="{AD374BAD-98D7-1A41-B0DC-9D361CE775A1}"/>
+                <a16:creationId xmlns:a16="http://schemas.microsoft.com/office/drawing/2014/main" id="{E5688D90-F7D9-B148-8E09-5A3FF5E9DD17}"/>
               </a:ext>
             </a:extLst>
           </p:cNvPr>
@@ -5579,7 +12339,7 @@
           <p:cNvPr id="4" name="Text Placeholder 3">
             <a:extLst>
               <a:ext uri="{FF2B5EF4-FFF2-40B4-BE49-F238E27FC236}">
-                <a16:creationId xmlns:a16="http://schemas.microsoft.com/office/drawing/2014/main" id="{EE733398-AEB6-0B44-A34A-5AFB6E8835A6}"/>
+                <a16:creationId xmlns:a16="http://schemas.microsoft.com/office/drawing/2014/main" id="{7391FBEF-8172-0F46-A29D-11E5D3CC334F}"/>
               </a:ext>
             </a:extLst>
           </p:cNvPr>
@@ -5650,7 +12410,7 @@
           <p:cNvPr id="5" name="Date Placeholder 4">
             <a:extLst>
               <a:ext uri="{FF2B5EF4-FFF2-40B4-BE49-F238E27FC236}">
-                <a16:creationId xmlns:a16="http://schemas.microsoft.com/office/drawing/2014/main" id="{BF440040-5761-EC40-AF86-8E08D572F790}"/>
+                <a16:creationId xmlns:a16="http://schemas.microsoft.com/office/drawing/2014/main" id="{E67FCF22-10CA-C44D-93C4-B140D2DDD3FD}"/>
               </a:ext>
             </a:extLst>
           </p:cNvPr>
@@ -5679,7 +12439,7 @@
           <p:cNvPr id="6" name="Footer Placeholder 5">
             <a:extLst>
               <a:ext uri="{FF2B5EF4-FFF2-40B4-BE49-F238E27FC236}">
-                <a16:creationId xmlns:a16="http://schemas.microsoft.com/office/drawing/2014/main" id="{B4BCAA70-B7E7-D44A-84FE-60B5F9EAD13C}"/>
+                <a16:creationId xmlns:a16="http://schemas.microsoft.com/office/drawing/2014/main" id="{6CAB831B-6982-9B45-8512-882960716F91}"/>
               </a:ext>
             </a:extLst>
           </p:cNvPr>
@@ -5704,7 +12464,7 @@
           <p:cNvPr id="7" name="Slide Number Placeholder 6">
             <a:extLst>
               <a:ext uri="{FF2B5EF4-FFF2-40B4-BE49-F238E27FC236}">
-                <a16:creationId xmlns:a16="http://schemas.microsoft.com/office/drawing/2014/main" id="{CCB7D5D5-3372-5E49-B76B-5139D83EDC28}"/>
+                <a16:creationId xmlns:a16="http://schemas.microsoft.com/office/drawing/2014/main" id="{16263604-19D6-554C-A183-3D00E53B1D6D}"/>
               </a:ext>
             </a:extLst>
           </p:cNvPr>
@@ -5731,7 +12491,7 @@
     </p:spTree>
     <p:extLst>
       <p:ext uri="{BB962C8B-B14F-4D97-AF65-F5344CB8AC3E}">
-        <p14:creationId xmlns:p14="http://schemas.microsoft.com/office/powerpoint/2010/main" val="3263155015"/>
+        <p14:creationId xmlns:p14="http://schemas.microsoft.com/office/powerpoint/2010/main" val="3618416837"/>
       </p:ext>
     </p:extLst>
   </p:cSld>
@@ -5763,7 +12523,7 @@
           <p:cNvPr id="2" name="Title 1">
             <a:extLst>
               <a:ext uri="{FF2B5EF4-FFF2-40B4-BE49-F238E27FC236}">
-                <a16:creationId xmlns:a16="http://schemas.microsoft.com/office/drawing/2014/main" id="{77AF7B0D-ED5B-5A4C-90AA-C7F72F0359F1}"/>
+                <a16:creationId xmlns:a16="http://schemas.microsoft.com/office/drawing/2014/main" id="{543E9D31-55A4-F446-A881-75A3A726A6FF}"/>
               </a:ext>
             </a:extLst>
           </p:cNvPr>
@@ -5800,7 +12560,7 @@
           <p:cNvPr id="3" name="Picture Placeholder 2">
             <a:extLst>
               <a:ext uri="{FF2B5EF4-FFF2-40B4-BE49-F238E27FC236}">
-                <a16:creationId xmlns:a16="http://schemas.microsoft.com/office/drawing/2014/main" id="{6A41E400-3254-A948-9E79-3E26F4DEBC57}"/>
+                <a16:creationId xmlns:a16="http://schemas.microsoft.com/office/drawing/2014/main" id="{DA826276-698C-F54A-A27B-1DA6253CA9F0}"/>
               </a:ext>
             </a:extLst>
           </p:cNvPr>
@@ -5867,7 +12627,7 @@
           <p:cNvPr id="4" name="Text Placeholder 3">
             <a:extLst>
               <a:ext uri="{FF2B5EF4-FFF2-40B4-BE49-F238E27FC236}">
-                <a16:creationId xmlns:a16="http://schemas.microsoft.com/office/drawing/2014/main" id="{259E8130-296B-F543-8B9E-4F740865F768}"/>
+                <a16:creationId xmlns:a16="http://schemas.microsoft.com/office/drawing/2014/main" id="{D389B32D-5A78-7B4C-AEBF-F1BEC03A4E43}"/>
               </a:ext>
             </a:extLst>
           </p:cNvPr>
@@ -5938,7 +12698,7 @@
           <p:cNvPr id="5" name="Date Placeholder 4">
             <a:extLst>
               <a:ext uri="{FF2B5EF4-FFF2-40B4-BE49-F238E27FC236}">
-                <a16:creationId xmlns:a16="http://schemas.microsoft.com/office/drawing/2014/main" id="{7ED318B1-023B-8542-8BB6-9B8A0CAA98A9}"/>
+                <a16:creationId xmlns:a16="http://schemas.microsoft.com/office/drawing/2014/main" id="{5CCFBBA1-7683-664B-A0BE-BC7D1F14DF57}"/>
               </a:ext>
             </a:extLst>
           </p:cNvPr>
@@ -5967,7 +12727,7 @@
           <p:cNvPr id="6" name="Footer Placeholder 5">
             <a:extLst>
               <a:ext uri="{FF2B5EF4-FFF2-40B4-BE49-F238E27FC236}">
-                <a16:creationId xmlns:a16="http://schemas.microsoft.com/office/drawing/2014/main" id="{D6E27C49-E702-2C49-9591-86D50859DA97}"/>
+                <a16:creationId xmlns:a16="http://schemas.microsoft.com/office/drawing/2014/main" id="{250186D0-CCE9-2743-AFDC-D21D7677EC4E}"/>
               </a:ext>
             </a:extLst>
           </p:cNvPr>
@@ -5992,7 +12752,7 @@
           <p:cNvPr id="7" name="Slide Number Placeholder 6">
             <a:extLst>
               <a:ext uri="{FF2B5EF4-FFF2-40B4-BE49-F238E27FC236}">
-                <a16:creationId xmlns:a16="http://schemas.microsoft.com/office/drawing/2014/main" id="{604C9A55-8147-5A47-AF46-D86A4FF572F3}"/>
+                <a16:creationId xmlns:a16="http://schemas.microsoft.com/office/drawing/2014/main" id="{C916CA33-29BB-E243-8958-F9243E949178}"/>
               </a:ext>
             </a:extLst>
           </p:cNvPr>
@@ -6019,7 +12779,7 @@
     </p:spTree>
     <p:extLst>
       <p:ext uri="{BB962C8B-B14F-4D97-AF65-F5344CB8AC3E}">
-        <p14:creationId xmlns:p14="http://schemas.microsoft.com/office/powerpoint/2010/main" val="36069231"/>
+        <p14:creationId xmlns:p14="http://schemas.microsoft.com/office/powerpoint/2010/main" val="3515567375"/>
       </p:ext>
     </p:extLst>
   </p:cSld>
@@ -6056,7 +12816,7 @@
           <p:cNvPr id="2" name="Title Placeholder 1">
             <a:extLst>
               <a:ext uri="{FF2B5EF4-FFF2-40B4-BE49-F238E27FC236}">
-                <a16:creationId xmlns:a16="http://schemas.microsoft.com/office/drawing/2014/main" id="{E3131A53-74F7-B845-873F-A0A0225D7E75}"/>
+                <a16:creationId xmlns:a16="http://schemas.microsoft.com/office/drawing/2014/main" id="{AEBD9C17-7314-CE49-A62B-877D67B673EE}"/>
               </a:ext>
             </a:extLst>
           </p:cNvPr>
@@ -6094,7 +12854,7 @@
           <p:cNvPr id="3" name="Text Placeholder 2">
             <a:extLst>
               <a:ext uri="{FF2B5EF4-FFF2-40B4-BE49-F238E27FC236}">
-                <a16:creationId xmlns:a16="http://schemas.microsoft.com/office/drawing/2014/main" id="{180435A3-2078-8D42-9DE5-E88C3802AF5D}"/>
+                <a16:creationId xmlns:a16="http://schemas.microsoft.com/office/drawing/2014/main" id="{08D18BB0-A5A1-784A-AAD5-61752CC4FB10}"/>
               </a:ext>
             </a:extLst>
           </p:cNvPr>
@@ -6161,7 +12921,7 @@
           <p:cNvPr id="4" name="Date Placeholder 3">
             <a:extLst>
               <a:ext uri="{FF2B5EF4-FFF2-40B4-BE49-F238E27FC236}">
-                <a16:creationId xmlns:a16="http://schemas.microsoft.com/office/drawing/2014/main" id="{04629874-A47E-604A-B920-0739C71E5121}"/>
+                <a16:creationId xmlns:a16="http://schemas.microsoft.com/office/drawing/2014/main" id="{1554F23D-516C-A34F-A795-6404FE95D03F}"/>
               </a:ext>
             </a:extLst>
           </p:cNvPr>
@@ -6208,7 +12968,7 @@
           <p:cNvPr id="5" name="Footer Placeholder 4">
             <a:extLst>
               <a:ext uri="{FF2B5EF4-FFF2-40B4-BE49-F238E27FC236}">
-                <a16:creationId xmlns:a16="http://schemas.microsoft.com/office/drawing/2014/main" id="{0694A949-7CFE-CF49-85F6-E9CB546134E0}"/>
+                <a16:creationId xmlns:a16="http://schemas.microsoft.com/office/drawing/2014/main" id="{5DB466E3-C076-CD44-8DF7-11C42889B679}"/>
               </a:ext>
             </a:extLst>
           </p:cNvPr>
@@ -6251,7 +13011,7 @@
           <p:cNvPr id="6" name="Slide Number Placeholder 5">
             <a:extLst>
               <a:ext uri="{FF2B5EF4-FFF2-40B4-BE49-F238E27FC236}">
-                <a16:creationId xmlns:a16="http://schemas.microsoft.com/office/drawing/2014/main" id="{F9AE8801-015B-1F4A-9026-3D494396D43E}"/>
+                <a16:creationId xmlns:a16="http://schemas.microsoft.com/office/drawing/2014/main" id="{3163EDEF-83CA-4B4C-AFD0-FDB8E9FFF738}"/>
               </a:ext>
             </a:extLst>
           </p:cNvPr>
@@ -6296,23 +13056,23 @@
     </p:spTree>
     <p:extLst>
       <p:ext uri="{BB962C8B-B14F-4D97-AF65-F5344CB8AC3E}">
-        <p14:creationId xmlns:p14="http://schemas.microsoft.com/office/powerpoint/2010/main" val="851228063"/>
+        <p14:creationId xmlns:p14="http://schemas.microsoft.com/office/powerpoint/2010/main" val="3799760546"/>
       </p:ext>
     </p:extLst>
   </p:cSld>
   <p:clrMap bg1="lt1" tx1="dk1" bg2="lt2" tx2="dk2" accent1="accent1" accent2="accent2" accent3="accent3" accent4="accent4" accent5="accent5" accent6="accent6" hlink="hlink" folHlink="folHlink"/>
   <p:sldLayoutIdLst>
-    <p:sldLayoutId id="2147483649" r:id="rId1"/>
-    <p:sldLayoutId id="2147483650" r:id="rId2"/>
-    <p:sldLayoutId id="2147483651" r:id="rId3"/>
-    <p:sldLayoutId id="2147483652" r:id="rId4"/>
-    <p:sldLayoutId id="2147483653" r:id="rId5"/>
-    <p:sldLayoutId id="2147483654" r:id="rId6"/>
-    <p:sldLayoutId id="2147483655" r:id="rId7"/>
-    <p:sldLayoutId id="2147483656" r:id="rId8"/>
-    <p:sldLayoutId id="2147483657" r:id="rId9"/>
-    <p:sldLayoutId id="2147483658" r:id="rId10"/>
-    <p:sldLayoutId id="2147483659" r:id="rId11"/>
+    <p:sldLayoutId id="2147483925" r:id="rId1"/>
+    <p:sldLayoutId id="2147483926" r:id="rId2"/>
+    <p:sldLayoutId id="2147483927" r:id="rId3"/>
+    <p:sldLayoutId id="2147483928" r:id="rId4"/>
+    <p:sldLayoutId id="2147483929" r:id="rId5"/>
+    <p:sldLayoutId id="2147483930" r:id="rId6"/>
+    <p:sldLayoutId id="2147483931" r:id="rId7"/>
+    <p:sldLayoutId id="2147483932" r:id="rId8"/>
+    <p:sldLayoutId id="2147483933" r:id="rId9"/>
+    <p:sldLayoutId id="2147483934" r:id="rId10"/>
+    <p:sldLayoutId id="2147483935" r:id="rId11"/>
   </p:sldLayoutIdLst>
   <p:txStyles>
     <p:titleStyle>
@@ -6641,7 +13401,7 @@
         </p:blipFill>
         <p:spPr>
           <a:xfrm rot="16200000">
-            <a:off x="4151234" y="-672430"/>
+            <a:off x="4141999" y="-418823"/>
             <a:ext cx="3889531" cy="7622621"/>
           </a:xfrm>
           <a:prstGeom prst="rect">
@@ -6671,59 +13431,12 @@
         </p:blipFill>
         <p:spPr>
           <a:xfrm>
-            <a:off x="8129274" y="5120592"/>
+            <a:off x="8120040" y="5601000"/>
             <a:ext cx="1787272" cy="949284"/>
           </a:xfrm>
           <a:prstGeom prst="rect">
             <a:avLst/>
           </a:prstGeom>
-        </p:spPr>
-      </p:pic>
-      <p:pic>
-        <p:nvPicPr>
-          <p:cNvPr id="6" name="Picture 2" descr="Image result for university of victoria logo">
-            <a:extLst>
-              <a:ext uri="{FF2B5EF4-FFF2-40B4-BE49-F238E27FC236}">
-                <a16:creationId xmlns:a16="http://schemas.microsoft.com/office/drawing/2014/main" id="{240F12A1-2DE5-BB4A-AD28-0F8975BDE3C6}"/>
-              </a:ext>
-            </a:extLst>
-          </p:cNvPr>
-          <p:cNvPicPr>
-            <a:picLocks noChangeAspect="1" noChangeArrowheads="1"/>
-          </p:cNvPicPr>
-          <p:nvPr/>
-        </p:nvPicPr>
-        <p:blipFill>
-          <a:blip r:embed="rId5">
-            <a:extLst>
-              <a:ext uri="{28A0092B-C50C-407E-A947-70E740481C1C}">
-                <a14:useLocalDpi xmlns:a14="http://schemas.microsoft.com/office/drawing/2010/main" val="0"/>
-              </a:ext>
-            </a:extLst>
-          </a:blip>
-          <a:srcRect/>
-          <a:stretch>
-            <a:fillRect/>
-          </a:stretch>
-        </p:blipFill>
-        <p:spPr bwMode="auto">
-          <a:xfrm>
-            <a:off x="7911936" y="5955731"/>
-            <a:ext cx="2029619" cy="784238"/>
-          </a:xfrm>
-          <a:prstGeom prst="rect">
-            <a:avLst/>
-          </a:prstGeom>
-          <a:noFill/>
-          <a:extLst>
-            <a:ext uri="{909E8E84-426E-40DD-AFC4-6F175D3DCCD1}">
-              <a14:hiddenFill xmlns:a14="http://schemas.microsoft.com/office/drawing/2010/main">
-                <a:solidFill>
-                  <a:srgbClr val="FFFFFF"/>
-                </a:solidFill>
-              </a14:hiddenFill>
-            </a:ext>
-          </a:extLst>
         </p:spPr>
       </p:pic>
       <p:sp>
@@ -6795,7 +13508,15 @@
             </a:pPr>
             <a:r>
               <a:rPr lang="en-US" sz="2400" dirty="0"/>
-              <a:t>ES 482/582 Data Project</a:t>
+              <a:t>ES 482/582 Data Project (</a:t>
+            </a:r>
+            <a:r>
+              <a:rPr lang="en-US" sz="2400" dirty="0" err="1"/>
+              <a:t>UVic</a:t>
+            </a:r>
+            <a:r>
+              <a:rPr lang="en-US" sz="2400" dirty="0"/>
+              <a:t>)</a:t>
             </a:r>
             <a:br>
               <a:rPr lang="en-US" sz="2400" dirty="0"/>
@@ -7104,6 +13825,14 @@
 <file path=ppt/slides/slide2.xml><?xml version="1.0" encoding="utf-8"?>
 <p:sld xmlns:a="http://schemas.openxmlformats.org/drawingml/2006/main" xmlns:r="http://schemas.openxmlformats.org/officeDocument/2006/relationships" xmlns:p="http://schemas.openxmlformats.org/presentationml/2006/main">
   <p:cSld>
+    <p:bg>
+      <p:bgPr>
+        <a:solidFill>
+          <a:schemeClr val="bg1"/>
+        </a:solidFill>
+        <a:effectLst/>
+      </p:bgPr>
+    </p:bg>
     <p:spTree>
       <p:nvGrpSpPr>
         <p:cNvPr id="1" name=""/>
@@ -7120,34 +13849,6 @@
       </p:grpSpPr>
       <p:sp>
         <p:nvSpPr>
-          <p:cNvPr id="2" name="Title 1">
-            <a:extLst>
-              <a:ext uri="{FF2B5EF4-FFF2-40B4-BE49-F238E27FC236}">
-                <a16:creationId xmlns:a16="http://schemas.microsoft.com/office/drawing/2014/main" id="{3F90A905-8869-754F-9794-41EECCE8C819}"/>
-              </a:ext>
-            </a:extLst>
-          </p:cNvPr>
-          <p:cNvSpPr>
-            <a:spLocks noGrp="1"/>
-          </p:cNvSpPr>
-          <p:nvPr>
-            <p:ph type="title"/>
-          </p:nvPr>
-        </p:nvSpPr>
-        <p:spPr/>
-        <p:txBody>
-          <a:bodyPr/>
-          <a:lstStyle/>
-          <a:p>
-            <a:r>
-              <a:rPr lang="en-US" dirty="0"/>
-              <a:t>Introduction</a:t>
-            </a:r>
-          </a:p>
-        </p:txBody>
-      </p:sp>
-      <p:sp>
-        <p:nvSpPr>
           <p:cNvPr id="3" name="Content Placeholder 2">
             <a:extLst>
               <a:ext uri="{FF2B5EF4-FFF2-40B4-BE49-F238E27FC236}">
@@ -7162,223 +13863,393 @@
             <p:ph idx="1"/>
           </p:nvPr>
         </p:nvSpPr>
-        <p:spPr/>
+        <p:spPr>
+          <a:xfrm>
+            <a:off x="2380714" y="322931"/>
+            <a:ext cx="7188199" cy="1292090"/>
+          </a:xfrm>
+        </p:spPr>
         <p:txBody>
           <a:bodyPr>
-            <a:normAutofit fontScale="85000" lnSpcReduction="20000"/>
+            <a:normAutofit/>
           </a:bodyPr>
           <a:lstStyle/>
           <a:p>
             <a:pPr marL="0" lvl="0" indent="0">
-              <a:lnSpc>
-                <a:spcPct val="100000"/>
-              </a:lnSpc>
               <a:spcBef>
                 <a:spcPts val="0"/>
               </a:spcBef>
+              <a:spcAft>
+                <a:spcPts val="600"/>
+              </a:spcAft>
               <a:buNone/>
               <a:defRPr/>
             </a:pPr>
-            <a:r>
-              <a:rPr lang="en-CA" dirty="0"/>
-              <a:t>Research Question</a:t>
-            </a:r>
-          </a:p>
-          <a:p>
-            <a:pPr marL="0" lvl="0" indent="0">
-              <a:lnSpc>
-                <a:spcPct val="100000"/>
-              </a:lnSpc>
+            <a:endParaRPr lang="en-CA" sz="1800" dirty="0"/>
+          </a:p>
+          <a:p>
+            <a:pPr marL="0" indent="0">
               <a:spcBef>
                 <a:spcPts val="0"/>
               </a:spcBef>
+              <a:spcAft>
+                <a:spcPts val="600"/>
+              </a:spcAft>
               <a:buNone/>
               <a:defRPr/>
             </a:pPr>
-            <a:endParaRPr lang="en-CA" dirty="0"/>
+            <a:r>
+              <a:rPr lang="en-CA" dirty="0"/>
+              <a:t>How Chinook size, catch location and time of year in the Salish Sea affect the size of herring prey consumed by Chinook salmon?</a:t>
+            </a:r>
           </a:p>
           <a:p>
             <a:pPr marL="0" lvl="0" indent="0">
-              <a:lnSpc>
-                <a:spcPct val="100000"/>
-              </a:lnSpc>
               <a:spcBef>
                 <a:spcPts val="0"/>
               </a:spcBef>
+              <a:spcAft>
+                <a:spcPts val="600"/>
+              </a:spcAft>
               <a:buNone/>
               <a:defRPr/>
             </a:pPr>
-            <a:r>
-              <a:rPr lang="en-CA" dirty="0"/>
-              <a:t>How Chinook size, catch location and time of year in the Salish Sea affect the size of herring prey consumed by Chinook salmon?</a:t>
-            </a:r>
+            <a:endParaRPr lang="en-US" sz="1800" dirty="0"/>
           </a:p>
           <a:p>
             <a:pPr marL="0" lvl="0" indent="0">
-              <a:lnSpc>
-                <a:spcPct val="100000"/>
-              </a:lnSpc>
               <a:spcBef>
                 <a:spcPts val="0"/>
               </a:spcBef>
+              <a:spcAft>
+                <a:spcPts val="600"/>
+              </a:spcAft>
               <a:buNone/>
               <a:defRPr/>
             </a:pPr>
-            <a:endParaRPr lang="en-CA" dirty="0"/>
+            <a:endParaRPr lang="en-US" sz="1800" dirty="0"/>
           </a:p>
           <a:p>
             <a:pPr marL="0" lvl="0" indent="0">
-              <a:lnSpc>
-                <a:spcPct val="100000"/>
-              </a:lnSpc>
               <a:spcBef>
                 <a:spcPts val="0"/>
               </a:spcBef>
+              <a:spcAft>
+                <a:spcPts val="600"/>
+              </a:spcAft>
               <a:buNone/>
               <a:defRPr/>
             </a:pPr>
-            <a:r>
-              <a:rPr lang="en-US" dirty="0"/>
-              <a:t>Hypotheses</a:t>
-            </a:r>
-          </a:p>
-          <a:p>
-            <a:pPr marL="0" lvl="0" indent="0">
-              <a:lnSpc>
-                <a:spcPct val="100000"/>
-              </a:lnSpc>
-              <a:spcBef>
-                <a:spcPts val="0"/>
-              </a:spcBef>
-              <a:buNone/>
-              <a:defRPr/>
-            </a:pPr>
-            <a:r>
-              <a:rPr lang="en-US" dirty="0"/>
-              <a:t>Herring size vs. salmon length – positive, linear</a:t>
-            </a:r>
-          </a:p>
-          <a:p>
-            <a:pPr marL="0" lvl="0" indent="0">
-              <a:lnSpc>
-                <a:spcPct val="100000"/>
-              </a:lnSpc>
-              <a:spcBef>
-                <a:spcPts val="0"/>
-              </a:spcBef>
-              <a:buNone/>
-              <a:defRPr/>
-            </a:pPr>
-            <a:r>
-              <a:rPr lang="en-US" dirty="0"/>
-              <a:t>Herring size vs. collection day of year – positive, linear</a:t>
-            </a:r>
-          </a:p>
-          <a:p>
-            <a:pPr marL="0" lvl="0" indent="0">
-              <a:lnSpc>
-                <a:spcPct val="100000"/>
-              </a:lnSpc>
-              <a:spcBef>
-                <a:spcPts val="0"/>
-              </a:spcBef>
-              <a:buNone/>
-              <a:defRPr/>
-            </a:pPr>
-            <a:r>
-              <a:rPr lang="en-US" dirty="0"/>
-              <a:t>Herring size vs. longitude – negative, linear relationship (or nonlinear)</a:t>
-            </a:r>
-          </a:p>
-          <a:p>
-            <a:pPr marL="0" lvl="0" indent="0">
-              <a:lnSpc>
-                <a:spcPct val="100000"/>
-              </a:lnSpc>
-              <a:spcBef>
-                <a:spcPts val="0"/>
-              </a:spcBef>
-              <a:buNone/>
-              <a:defRPr/>
-            </a:pPr>
-            <a:endParaRPr lang="en-US" dirty="0"/>
-          </a:p>
-          <a:p>
-            <a:pPr marL="0" lvl="0" indent="0">
-              <a:lnSpc>
-                <a:spcPct val="100000"/>
-              </a:lnSpc>
-              <a:spcBef>
-                <a:spcPts val="0"/>
-              </a:spcBef>
-              <a:buNone/>
-              <a:defRPr/>
-            </a:pPr>
-            <a:r>
-              <a:rPr lang="en-US" dirty="0"/>
+            <a:endParaRPr lang="en-US" sz="1800" dirty="0"/>
+          </a:p>
+        </p:txBody>
+      </p:sp>
+      <p:graphicFrame>
+        <p:nvGraphicFramePr>
+          <p:cNvPr id="5" name="Table 4">
+            <a:extLst>
+              <a:ext uri="{FF2B5EF4-FFF2-40B4-BE49-F238E27FC236}">
+                <a16:creationId xmlns:a16="http://schemas.microsoft.com/office/drawing/2014/main" id="{1C62167C-B3D4-254E-AF82-BABD1947FCE1}"/>
+              </a:ext>
+            </a:extLst>
+          </p:cNvPr>
+          <p:cNvGraphicFramePr>
+            <a:graphicFrameLocks noGrp="1"/>
+          </p:cNvGraphicFramePr>
+          <p:nvPr>
+            <p:extLst>
+              <p:ext uri="{D42A27DB-BD31-4B8C-83A1-F6EECF244321}">
+                <p14:modId xmlns:p14="http://schemas.microsoft.com/office/powerpoint/2010/main" val="520040875"/>
+              </p:ext>
+            </p:extLst>
+          </p:nvPr>
+        </p:nvGraphicFramePr>
+        <p:xfrm>
+          <a:off x="503160" y="2426003"/>
+          <a:ext cx="5592840" cy="3091148"/>
+        </p:xfrm>
+        <a:graphic>
+          <a:graphicData uri="http://schemas.openxmlformats.org/drawingml/2006/table">
+            <a:tbl>
+              <a:tblPr firstRow="1" bandRow="1">
+                <a:tableStyleId>{F5AB1C69-6EDB-4FF4-983F-18BD219EF322}</a:tableStyleId>
+              </a:tblPr>
+              <a:tblGrid>
+                <a:gridCol w="3391094">
+                  <a:extLst>
+                    <a:ext uri="{9D8B030D-6E8A-4147-A177-3AD203B41FA5}">
+                      <a16:colId xmlns:a16="http://schemas.microsoft.com/office/drawing/2014/main" val="3899611520"/>
+                    </a:ext>
+                  </a:extLst>
+                </a:gridCol>
+                <a:gridCol w="2201746">
+                  <a:extLst>
+                    <a:ext uri="{9D8B030D-6E8A-4147-A177-3AD203B41FA5}">
+                      <a16:colId xmlns:a16="http://schemas.microsoft.com/office/drawing/2014/main" val="2787339403"/>
+                    </a:ext>
+                  </a:extLst>
+                </a:gridCol>
+              </a:tblGrid>
+              <a:tr h="772787">
+                <a:tc>
+                  <a:txBody>
+                    <a:bodyPr/>
+                    <a:lstStyle/>
+                    <a:p>
+                      <a:r>
+                        <a:rPr lang="en-US" sz="2100" dirty="0"/>
+                        <a:t>Response vs. Explanatory Variable</a:t>
+                      </a:r>
+                    </a:p>
+                  </a:txBody>
+                  <a:tcPr marL="104431" marR="104431" marT="52215" marB="52215"/>
+                </a:tc>
+                <a:tc>
+                  <a:txBody>
+                    <a:bodyPr/>
+                    <a:lstStyle/>
+                    <a:p>
+                      <a:r>
+                        <a:rPr lang="en-US" sz="2100" dirty="0"/>
+                        <a:t>Hypotheses</a:t>
+                      </a:r>
+                    </a:p>
+                  </a:txBody>
+                  <a:tcPr marL="104431" marR="104431" marT="52215" marB="52215"/>
+                </a:tc>
+                <a:extLst>
+                  <a:ext uri="{0D108BD9-81ED-4DB2-BD59-A6C34878D82A}">
+                    <a16:rowId xmlns:a16="http://schemas.microsoft.com/office/drawing/2014/main" val="2387708660"/>
+                  </a:ext>
+                </a:extLst>
+              </a:tr>
+              <a:tr h="772787">
+                <a:tc>
+                  <a:txBody>
+                    <a:bodyPr/>
+                    <a:lstStyle/>
+                    <a:p>
+                      <a:r>
+                        <a:rPr lang="en-US" sz="2100"/>
+                        <a:t>Herring size vs. salmon length </a:t>
+                      </a:r>
+                    </a:p>
+                  </a:txBody>
+                  <a:tcPr marL="104431" marR="104431" marT="52215" marB="52215"/>
+                </a:tc>
+                <a:tc>
+                  <a:txBody>
+                    <a:bodyPr/>
+                    <a:lstStyle/>
+                    <a:p>
+                      <a:pPr marL="0" marR="0" lvl="0" indent="0" algn="l" defTabSz="914400" rtl="0" eaLnBrk="1" fontAlgn="auto" latinLnBrk="0" hangingPunct="1">
+                        <a:lnSpc>
+                          <a:spcPct val="100000"/>
+                        </a:lnSpc>
+                        <a:spcBef>
+                          <a:spcPts val="0"/>
+                        </a:spcBef>
+                        <a:spcAft>
+                          <a:spcPts val="0"/>
+                        </a:spcAft>
+                        <a:buClrTx/>
+                        <a:buSzTx/>
+                        <a:buFontTx/>
+                        <a:buNone/>
+                        <a:tabLst/>
+                        <a:defRPr/>
+                      </a:pPr>
+                      <a:r>
+                        <a:rPr lang="en-US" sz="2100" dirty="0"/>
+                        <a:t>positive, linear</a:t>
+                      </a:r>
+                    </a:p>
+                  </a:txBody>
+                  <a:tcPr marL="104431" marR="104431" marT="52215" marB="52215"/>
+                </a:tc>
+                <a:extLst>
+                  <a:ext uri="{0D108BD9-81ED-4DB2-BD59-A6C34878D82A}">
+                    <a16:rowId xmlns:a16="http://schemas.microsoft.com/office/drawing/2014/main" val="1908546890"/>
+                  </a:ext>
+                </a:extLst>
+              </a:tr>
+              <a:tr h="772787">
+                <a:tc>
+                  <a:txBody>
+                    <a:bodyPr/>
+                    <a:lstStyle/>
+                    <a:p>
+                      <a:r>
+                        <a:rPr lang="en-US" sz="2100" dirty="0"/>
+                        <a:t>Herring size vs. collection day of year </a:t>
+                      </a:r>
+                    </a:p>
+                  </a:txBody>
+                  <a:tcPr marL="104431" marR="104431" marT="52215" marB="52215"/>
+                </a:tc>
+                <a:tc>
+                  <a:txBody>
+                    <a:bodyPr/>
+                    <a:lstStyle/>
+                    <a:p>
+                      <a:pPr marL="0" marR="0" lvl="0" indent="0" algn="l" defTabSz="914400" rtl="0" eaLnBrk="1" fontAlgn="auto" latinLnBrk="0" hangingPunct="1">
+                        <a:lnSpc>
+                          <a:spcPct val="100000"/>
+                        </a:lnSpc>
+                        <a:spcBef>
+                          <a:spcPts val="0"/>
+                        </a:spcBef>
+                        <a:spcAft>
+                          <a:spcPts val="0"/>
+                        </a:spcAft>
+                        <a:buClrTx/>
+                        <a:buSzTx/>
+                        <a:buFontTx/>
+                        <a:buNone/>
+                        <a:tabLst/>
+                        <a:defRPr/>
+                      </a:pPr>
+                      <a:r>
+                        <a:rPr lang="en-US" sz="2100"/>
+                        <a:t>positive, linear</a:t>
+                      </a:r>
+                    </a:p>
+                  </a:txBody>
+                  <a:tcPr marL="104431" marR="104431" marT="52215" marB="52215"/>
+                </a:tc>
+                <a:extLst>
+                  <a:ext uri="{0D108BD9-81ED-4DB2-BD59-A6C34878D82A}">
+                    <a16:rowId xmlns:a16="http://schemas.microsoft.com/office/drawing/2014/main" val="1230886165"/>
+                  </a:ext>
+                </a:extLst>
+              </a:tr>
+              <a:tr h="772787">
+                <a:tc>
+                  <a:txBody>
+                    <a:bodyPr/>
+                    <a:lstStyle/>
+                    <a:p>
+                      <a:r>
+                        <a:rPr lang="en-US" sz="2100"/>
+                        <a:t>Herring size vs. longitude </a:t>
+                      </a:r>
+                    </a:p>
+                  </a:txBody>
+                  <a:tcPr marL="104431" marR="104431" marT="52215" marB="52215"/>
+                </a:tc>
+                <a:tc>
+                  <a:txBody>
+                    <a:bodyPr/>
+                    <a:lstStyle/>
+                    <a:p>
+                      <a:pPr marL="0" marR="0" lvl="0" indent="0" algn="l" defTabSz="914400" rtl="0" eaLnBrk="1" fontAlgn="auto" latinLnBrk="0" hangingPunct="1">
+                        <a:lnSpc>
+                          <a:spcPct val="100000"/>
+                        </a:lnSpc>
+                        <a:spcBef>
+                          <a:spcPts val="0"/>
+                        </a:spcBef>
+                        <a:spcAft>
+                          <a:spcPts val="0"/>
+                        </a:spcAft>
+                        <a:buClrTx/>
+                        <a:buSzTx/>
+                        <a:buFontTx/>
+                        <a:buNone/>
+                        <a:tabLst/>
+                        <a:defRPr/>
+                      </a:pPr>
+                      <a:r>
+                        <a:rPr lang="en-US" sz="2100" dirty="0"/>
+                        <a:t>negative, linear </a:t>
+                      </a:r>
+                    </a:p>
+                    <a:p>
+                      <a:pPr marL="0" marR="0" lvl="0" indent="0" algn="l" defTabSz="914400" rtl="0" eaLnBrk="1" fontAlgn="auto" latinLnBrk="0" hangingPunct="1">
+                        <a:lnSpc>
+                          <a:spcPct val="100000"/>
+                        </a:lnSpc>
+                        <a:spcBef>
+                          <a:spcPts val="0"/>
+                        </a:spcBef>
+                        <a:spcAft>
+                          <a:spcPts val="0"/>
+                        </a:spcAft>
+                        <a:buClrTx/>
+                        <a:buSzTx/>
+                        <a:buFontTx/>
+                        <a:buNone/>
+                        <a:tabLst/>
+                        <a:defRPr/>
+                      </a:pPr>
+                      <a:r>
+                        <a:rPr lang="en-US" sz="2100" dirty="0"/>
+                        <a:t>nonlinear</a:t>
+                      </a:r>
+                    </a:p>
+                  </a:txBody>
+                  <a:tcPr marL="104431" marR="104431" marT="52215" marB="52215"/>
+                </a:tc>
+                <a:extLst>
+                  <a:ext uri="{0D108BD9-81ED-4DB2-BD59-A6C34878D82A}">
+                    <a16:rowId xmlns:a16="http://schemas.microsoft.com/office/drawing/2014/main" val="982184625"/>
+                  </a:ext>
+                </a:extLst>
+              </a:tr>
+            </a:tbl>
+          </a:graphicData>
+        </a:graphic>
+      </p:graphicFrame>
+      <p:sp>
+        <p:nvSpPr>
+          <p:cNvPr id="6" name="TextBox 5">
+            <a:extLst>
+              <a:ext uri="{FF2B5EF4-FFF2-40B4-BE49-F238E27FC236}">
+                <a16:creationId xmlns:a16="http://schemas.microsoft.com/office/drawing/2014/main" id="{097834A1-06D8-904C-A866-8B9221D88677}"/>
+              </a:ext>
+            </a:extLst>
+          </p:cNvPr>
+          <p:cNvSpPr txBox="1"/>
+          <p:nvPr/>
+        </p:nvSpPr>
+        <p:spPr>
+          <a:xfrm>
+            <a:off x="6764358" y="3117769"/>
+            <a:ext cx="4803354" cy="1323439"/>
+          </a:xfrm>
+          <a:prstGeom prst="rect">
+            <a:avLst/>
+          </a:prstGeom>
+          <a:noFill/>
+        </p:spPr>
+        <p:txBody>
+          <a:bodyPr wrap="square" rtlCol="0">
+            <a:spAutoFit/>
+          </a:bodyPr>
+          <a:lstStyle/>
+          <a:p>
+            <a:r>
+              <a:rPr lang="en-US" sz="2000" dirty="0"/>
               <a:t>Interactions</a:t>
             </a:r>
           </a:p>
           <a:p>
-            <a:pPr marL="0" lvl="0" indent="0">
-              <a:lnSpc>
-                <a:spcPct val="100000"/>
-              </a:lnSpc>
-              <a:spcBef>
-                <a:spcPts val="0"/>
-              </a:spcBef>
-              <a:buNone/>
-              <a:defRPr/>
-            </a:pPr>
-            <a:r>
-              <a:rPr lang="en-US" dirty="0"/>
+            <a:r>
+              <a:rPr lang="en-US" sz="2000" dirty="0"/>
               <a:t>Salmon length : latitude</a:t>
             </a:r>
           </a:p>
           <a:p>
-            <a:pPr marL="0" lvl="0" indent="0">
-              <a:lnSpc>
-                <a:spcPct val="100000"/>
-              </a:lnSpc>
-              <a:spcBef>
-                <a:spcPts val="0"/>
-              </a:spcBef>
-              <a:buNone/>
-              <a:defRPr/>
-            </a:pPr>
-            <a:r>
-              <a:rPr lang="en-US" dirty="0"/>
+            <a:r>
+              <a:rPr lang="en-US" sz="2000" dirty="0"/>
               <a:t>Salmon length : longitude</a:t>
             </a:r>
           </a:p>
           <a:p>
-            <a:pPr marL="0" lvl="0" indent="0">
-              <a:lnSpc>
-                <a:spcPct val="100000"/>
-              </a:lnSpc>
-              <a:spcBef>
-                <a:spcPts val="0"/>
-              </a:spcBef>
-              <a:buNone/>
-              <a:defRPr/>
-            </a:pPr>
-            <a:r>
-              <a:rPr lang="en-US" dirty="0"/>
+            <a:r>
+              <a:rPr lang="en-US" sz="2000" dirty="0"/>
               <a:t>Salmon length : collection day of year</a:t>
             </a:r>
-          </a:p>
-          <a:p>
-            <a:pPr marL="0" lvl="0" indent="0">
-              <a:lnSpc>
-                <a:spcPct val="100000"/>
-              </a:lnSpc>
-              <a:spcBef>
-                <a:spcPts val="0"/>
-              </a:spcBef>
-              <a:buNone/>
-              <a:defRPr/>
-            </a:pPr>
-            <a:endParaRPr lang="en-US" dirty="0"/>
           </a:p>
         </p:txBody>
       </p:sp>
@@ -7398,6 +14269,14 @@
 <file path=ppt/slides/slide3.xml><?xml version="1.0" encoding="utf-8"?>
 <p:sld xmlns:a="http://schemas.openxmlformats.org/drawingml/2006/main" xmlns:r="http://schemas.openxmlformats.org/officeDocument/2006/relationships" xmlns:p="http://schemas.openxmlformats.org/presentationml/2006/main">
   <p:cSld>
+    <p:bg>
+      <p:bgPr>
+        <a:solidFill>
+          <a:schemeClr val="bg1"/>
+        </a:solidFill>
+        <a:effectLst/>
+      </p:bgPr>
+    </p:bg>
     <p:spTree>
       <p:nvGrpSpPr>
         <p:cNvPr id="1" name=""/>
@@ -7428,110 +14307,56 @@
             <p:ph type="title"/>
           </p:nvPr>
         </p:nvSpPr>
-        <p:spPr/>
+        <p:spPr>
+          <a:xfrm>
+            <a:off x="838200" y="620392"/>
+            <a:ext cx="3374136" cy="5504688"/>
+          </a:xfrm>
+        </p:spPr>
         <p:txBody>
-          <a:bodyPr/>
+          <a:bodyPr vert="horz" lIns="91440" tIns="45720" rIns="91440" bIns="45720" rtlCol="0">
+            <a:normAutofit/>
+          </a:bodyPr>
           <a:lstStyle/>
           <a:p>
             <a:r>
-              <a:rPr lang="en-US" dirty="0"/>
+              <a:rPr lang="en-US"/>
               <a:t>Description of Data</a:t>
             </a:r>
           </a:p>
         </p:txBody>
       </p:sp>
-      <p:sp>
-        <p:nvSpPr>
-          <p:cNvPr id="3" name="Content Placeholder 2">
+      <p:graphicFrame>
+        <p:nvGraphicFramePr>
+          <p:cNvPr id="5" name="Content Placeholder 2">
             <a:extLst>
               <a:ext uri="{FF2B5EF4-FFF2-40B4-BE49-F238E27FC236}">
-                <a16:creationId xmlns:a16="http://schemas.microsoft.com/office/drawing/2014/main" id="{ADAB7883-B5EF-3148-B8CF-B82BB0A4E499}"/>
+                <a16:creationId xmlns:a16="http://schemas.microsoft.com/office/drawing/2014/main" id="{C5D281C7-3F09-4B3D-BEB7-175A1C9A9DF9}"/>
               </a:ext>
             </a:extLst>
           </p:cNvPr>
-          <p:cNvSpPr>
-            <a:spLocks noGrp="1"/>
-          </p:cNvSpPr>
+          <p:cNvGraphicFramePr>
+            <a:graphicFrameLocks noGrp="1"/>
+          </p:cNvGraphicFramePr>
           <p:nvPr>
             <p:ph idx="1"/>
+            <p:extLst>
+              <p:ext uri="{D42A27DB-BD31-4B8C-83A1-F6EECF244321}">
+                <p14:modId xmlns:p14="http://schemas.microsoft.com/office/powerpoint/2010/main" val="3623693476"/>
+              </p:ext>
+            </p:extLst>
           </p:nvPr>
-        </p:nvSpPr>
-        <p:spPr/>
-        <p:txBody>
-          <a:bodyPr/>
-          <a:lstStyle/>
-          <a:p>
-            <a:r>
-              <a:rPr lang="en-US" dirty="0"/>
-              <a:t>Data collection</a:t>
-            </a:r>
-          </a:p>
-          <a:p>
-            <a:pPr lvl="1"/>
-            <a:r>
-              <a:rPr lang="en-US" dirty="0"/>
-              <a:t>Herring otoliths</a:t>
-            </a:r>
-          </a:p>
-          <a:p>
-            <a:pPr lvl="1"/>
-            <a:r>
-              <a:rPr lang="en-US" dirty="0"/>
-              <a:t>Recreationally-caught salmon catch data</a:t>
-            </a:r>
-          </a:p>
-          <a:p>
-            <a:r>
-              <a:rPr lang="en-US" dirty="0"/>
-              <a:t>Response variable</a:t>
-            </a:r>
-          </a:p>
-          <a:p>
-            <a:pPr lvl="1"/>
-            <a:r>
-              <a:rPr lang="en-US" dirty="0"/>
-              <a:t>Otolith width (mm) ~ proxy for herring size</a:t>
-            </a:r>
-          </a:p>
-          <a:p>
-            <a:r>
-              <a:rPr lang="en-US" dirty="0"/>
-              <a:t>Explanatory variables</a:t>
-            </a:r>
-          </a:p>
-          <a:p>
-            <a:pPr lvl="1"/>
-            <a:r>
-              <a:rPr lang="en-US" dirty="0"/>
-              <a:t>Collection day in 2018</a:t>
-            </a:r>
-          </a:p>
-          <a:p>
-            <a:pPr lvl="1"/>
-            <a:r>
-              <a:rPr lang="en-US" dirty="0"/>
-              <a:t>Salmon length (cm)</a:t>
-            </a:r>
-          </a:p>
-          <a:p>
-            <a:pPr lvl="1"/>
-            <a:r>
-              <a:rPr lang="en-US" dirty="0"/>
-              <a:t>Latitude</a:t>
-            </a:r>
-          </a:p>
-          <a:p>
-            <a:pPr lvl="1"/>
-            <a:r>
-              <a:rPr lang="en-US" dirty="0"/>
-              <a:t>Longitude</a:t>
-            </a:r>
-          </a:p>
-          <a:p>
-            <a:endParaRPr lang="en-US" dirty="0"/>
-          </a:p>
-        </p:txBody>
-      </p:sp>
+        </p:nvGraphicFramePr>
+        <p:xfrm>
+          <a:off x="5093208" y="620392"/>
+          <a:ext cx="6263640" cy="5504688"/>
+        </p:xfrm>
+        <a:graphic>
+          <a:graphicData uri="http://schemas.openxmlformats.org/drawingml/2006/diagram">
+            <dgm:relIds xmlns:dgm="http://schemas.openxmlformats.org/drawingml/2006/diagram" xmlns:r="http://schemas.openxmlformats.org/officeDocument/2006/relationships" r:dm="rId3" r:lo="rId4" r:qs="rId5" r:cs="rId6"/>
+          </a:graphicData>
+        </a:graphic>
+      </p:graphicFrame>
     </p:spTree>
     <p:extLst>
       <p:ext uri="{BB962C8B-B14F-4D97-AF65-F5344CB8AC3E}">
@@ -7548,6 +14373,14 @@
 <file path=ppt/slides/slide4.xml><?xml version="1.0" encoding="utf-8"?>
 <p:sld xmlns:a="http://schemas.openxmlformats.org/drawingml/2006/main" xmlns:r="http://schemas.openxmlformats.org/officeDocument/2006/relationships" xmlns:p="http://schemas.openxmlformats.org/presentationml/2006/main">
   <p:cSld>
+    <p:bg>
+      <p:bgPr>
+        <a:solidFill>
+          <a:schemeClr val="bg1"/>
+        </a:solidFill>
+        <a:effectLst/>
+      </p:bgPr>
+    </p:bg>
     <p:spTree>
       <p:nvGrpSpPr>
         <p:cNvPr id="1" name=""/>
@@ -7578,100 +14411,57 @@
             <p:ph type="title"/>
           </p:nvPr>
         </p:nvSpPr>
-        <p:spPr/>
-        <p:txBody>
-          <a:bodyPr/>
-          <a:lstStyle/>
-          <a:p>
-            <a:r>
-              <a:rPr lang="en-US" dirty="0"/>
-              <a:t>Statistical Methods</a:t>
-            </a:r>
-          </a:p>
-        </p:txBody>
-      </p:sp>
-      <p:sp>
-        <p:nvSpPr>
-          <p:cNvPr id="3" name="Content Placeholder 2">
-            <a:extLst>
-              <a:ext uri="{FF2B5EF4-FFF2-40B4-BE49-F238E27FC236}">
-                <a16:creationId xmlns:a16="http://schemas.microsoft.com/office/drawing/2014/main" id="{90558E49-E018-6C42-863E-8CEB33A15802}"/>
-              </a:ext>
-            </a:extLst>
-          </p:cNvPr>
-          <p:cNvSpPr>
-            <a:spLocks noGrp="1"/>
-          </p:cNvSpPr>
-          <p:nvPr>
-            <p:ph idx="1"/>
-          </p:nvPr>
-        </p:nvSpPr>
-        <p:spPr/>
+        <p:spPr>
+          <a:xfrm>
+            <a:off x="838200" y="365125"/>
+            <a:ext cx="10515600" cy="1325563"/>
+          </a:xfrm>
+        </p:spPr>
         <p:txBody>
           <a:bodyPr>
             <a:normAutofit/>
           </a:bodyPr>
           <a:lstStyle/>
           <a:p>
-            <a:pPr marL="0" indent="0">
-              <a:buNone/>
-            </a:pPr>
-            <a:r>
-              <a:rPr lang="en-US" dirty="0"/>
-              <a:t>1. Linear mixed-effects models fit with maximum likelihood estimation</a:t>
-            </a:r>
-          </a:p>
-          <a:p>
-            <a:pPr lvl="1"/>
-            <a:r>
-              <a:rPr lang="en-US" dirty="0"/>
-              <a:t>Random intercept corresponding to salmon ID</a:t>
-            </a:r>
-          </a:p>
-          <a:p>
-            <a:pPr marL="0" indent="0">
-              <a:buNone/>
-            </a:pPr>
-            <a:r>
-              <a:rPr lang="en-US" dirty="0"/>
-              <a:t>2. Akaike Information Criterion (AIC)</a:t>
-            </a:r>
-          </a:p>
-          <a:p>
-            <a:pPr marL="0" indent="0">
-              <a:buNone/>
-            </a:pPr>
-            <a:endParaRPr lang="en-US" dirty="0"/>
-          </a:p>
-          <a:p>
-            <a:r>
-              <a:rPr lang="en-US" dirty="0"/>
-              <a:t>Advantages of LME followed by AIC?</a:t>
-            </a:r>
-          </a:p>
-          <a:p>
-            <a:pPr lvl="1"/>
-            <a:r>
-              <a:rPr lang="en-US" dirty="0"/>
-              <a:t>Response normally distributed</a:t>
-            </a:r>
-          </a:p>
-          <a:p>
-            <a:pPr lvl="1"/>
-            <a:r>
-              <a:rPr lang="en-US" dirty="0"/>
-              <a:t>Compare complex, non-nested models</a:t>
-            </a:r>
-          </a:p>
-          <a:p>
-            <a:pPr lvl="1"/>
-            <a:r>
-              <a:rPr lang="en-US" dirty="0"/>
-              <a:t>Common in ecosystem studies where parameter estimates imprecise</a:t>
+            <a:pPr algn="ctr"/>
+            <a:r>
+              <a:rPr lang="en-US"/>
+              <a:t>Statistical Methods</a:t>
             </a:r>
           </a:p>
         </p:txBody>
       </p:sp>
+      <p:graphicFrame>
+        <p:nvGraphicFramePr>
+          <p:cNvPr id="5" name="Content Placeholder 2">
+            <a:extLst>
+              <a:ext uri="{FF2B5EF4-FFF2-40B4-BE49-F238E27FC236}">
+                <a16:creationId xmlns:a16="http://schemas.microsoft.com/office/drawing/2014/main" id="{770201E6-FBE6-497A-92BF-2261B6DA14EA}"/>
+              </a:ext>
+            </a:extLst>
+          </p:cNvPr>
+          <p:cNvGraphicFramePr>
+            <a:graphicFrameLocks noGrp="1"/>
+          </p:cNvGraphicFramePr>
+          <p:nvPr>
+            <p:ph idx="1"/>
+            <p:extLst>
+              <p:ext uri="{D42A27DB-BD31-4B8C-83A1-F6EECF244321}">
+                <p14:modId xmlns:p14="http://schemas.microsoft.com/office/powerpoint/2010/main" val="801744592"/>
+              </p:ext>
+            </p:extLst>
+          </p:nvPr>
+        </p:nvGraphicFramePr>
+        <p:xfrm>
+          <a:off x="838200" y="1828800"/>
+          <a:ext cx="10515600" cy="4352544"/>
+        </p:xfrm>
+        <a:graphic>
+          <a:graphicData uri="http://schemas.openxmlformats.org/drawingml/2006/diagram">
+            <dgm:relIds xmlns:dgm="http://schemas.openxmlformats.org/drawingml/2006/diagram" xmlns:r="http://schemas.openxmlformats.org/officeDocument/2006/relationships" r:dm="rId3" r:lo="rId4" r:qs="rId5" r:cs="rId6"/>
+          </a:graphicData>
+        </a:graphic>
+      </p:graphicFrame>
     </p:spTree>
     <p:extLst>
       <p:ext uri="{BB962C8B-B14F-4D97-AF65-F5344CB8AC3E}">
@@ -7936,9 +14726,10 @@
           <a:lstStyle/>
           <a:p>
             <a:r>
-              <a:rPr lang="en-US" dirty="0"/>
+              <a:rPr lang="en-US"/>
               <a:t>Results</a:t>
             </a:r>
+            <a:endParaRPr lang="en-US" dirty="0"/>
           </a:p>
         </p:txBody>
       </p:sp>
@@ -7974,7 +14765,7 @@
               <a:defRPr/>
             </a:pPr>
             <a:r>
-              <a:rPr lang="en-US" dirty="0"/>
+              <a:rPr lang="en-US"/>
               <a:t>Herring size vs. salmon length – positive, linear (yes)</a:t>
             </a:r>
           </a:p>
@@ -7990,7 +14781,7 @@
               <a:defRPr/>
             </a:pPr>
             <a:r>
-              <a:rPr lang="en-US" dirty="0"/>
+              <a:rPr lang="en-US"/>
               <a:t>Herring size vs. longitude – negative, linear relationship (or nonlinear) (yes)</a:t>
             </a:r>
           </a:p>
@@ -8006,7 +14797,7 @@
               <a:defRPr/>
             </a:pPr>
             <a:r>
-              <a:rPr lang="en-US" dirty="0"/>
+              <a:rPr lang="en-US"/>
               <a:t>Herring size vs. collection day of year – positive, linear (no)</a:t>
             </a:r>
           </a:p>
@@ -8021,7 +14812,7 @@
               <a:buNone/>
               <a:defRPr/>
             </a:pPr>
-            <a:endParaRPr lang="en-US" dirty="0"/>
+            <a:endParaRPr lang="en-US"/>
           </a:p>
           <a:p>
             <a:pPr marL="0" indent="0">
@@ -8035,7 +14826,7 @@
               <a:defRPr/>
             </a:pPr>
             <a:r>
-              <a:rPr lang="en-US" dirty="0"/>
+              <a:rPr lang="en-US"/>
               <a:t>Longitude</a:t>
             </a:r>
           </a:p>
@@ -8051,7 +14842,7 @@
               <a:defRPr/>
             </a:pPr>
             <a:r>
-              <a:rPr lang="en-US" dirty="0"/>
+              <a:rPr lang="en-US"/>
               <a:t>Collection day of year</a:t>
             </a:r>
           </a:p>

--- a/ES data project presentation_salmon diet.pptx
+++ b/ES data project presentation_salmon diet.pptx
@@ -2,7 +2,7 @@
 <file path=ppt/presentation.xml><?xml version="1.0" encoding="utf-8"?>
 <p:presentation xmlns:a="http://schemas.openxmlformats.org/drawingml/2006/main" xmlns:r="http://schemas.openxmlformats.org/officeDocument/2006/relationships" xmlns:p="http://schemas.openxmlformats.org/presentationml/2006/main" saveSubsetFonts="1" autoCompressPictures="0">
   <p:sldMasterIdLst>
-    <p:sldMasterId id="2147483924" r:id="rId1"/>
+    <p:sldMasterId id="2147483936" r:id="rId1"/>
   </p:sldMasterIdLst>
   <p:notesMasterIdLst>
     <p:notesMasterId r:id="rId13"/>
@@ -26,7 +26,7 @@
     <a:defPPr>
       <a:defRPr lang="en-US"/>
     </a:defPPr>
-    <a:lvl1pPr marL="0" algn="l" defTabSz="914400" rtl="0" eaLnBrk="1" latinLnBrk="0" hangingPunct="1">
+    <a:lvl1pPr marL="0" algn="l" defTabSz="457200" rtl="0" eaLnBrk="1" latinLnBrk="0" hangingPunct="1">
       <a:defRPr sz="1800" kern="1200">
         <a:solidFill>
           <a:schemeClr val="tx1"/>
@@ -36,7 +36,7 @@
         <a:cs typeface="+mn-cs"/>
       </a:defRPr>
     </a:lvl1pPr>
-    <a:lvl2pPr marL="457200" algn="l" defTabSz="914400" rtl="0" eaLnBrk="1" latinLnBrk="0" hangingPunct="1">
+    <a:lvl2pPr marL="457200" algn="l" defTabSz="457200" rtl="0" eaLnBrk="1" latinLnBrk="0" hangingPunct="1">
       <a:defRPr sz="1800" kern="1200">
         <a:solidFill>
           <a:schemeClr val="tx1"/>
@@ -46,7 +46,7 @@
         <a:cs typeface="+mn-cs"/>
       </a:defRPr>
     </a:lvl2pPr>
-    <a:lvl3pPr marL="914400" algn="l" defTabSz="914400" rtl="0" eaLnBrk="1" latinLnBrk="0" hangingPunct="1">
+    <a:lvl3pPr marL="914400" algn="l" defTabSz="457200" rtl="0" eaLnBrk="1" latinLnBrk="0" hangingPunct="1">
       <a:defRPr sz="1800" kern="1200">
         <a:solidFill>
           <a:schemeClr val="tx1"/>
@@ -56,7 +56,7 @@
         <a:cs typeface="+mn-cs"/>
       </a:defRPr>
     </a:lvl3pPr>
-    <a:lvl4pPr marL="1371600" algn="l" defTabSz="914400" rtl="0" eaLnBrk="1" latinLnBrk="0" hangingPunct="1">
+    <a:lvl4pPr marL="1371600" algn="l" defTabSz="457200" rtl="0" eaLnBrk="1" latinLnBrk="0" hangingPunct="1">
       <a:defRPr sz="1800" kern="1200">
         <a:solidFill>
           <a:schemeClr val="tx1"/>
@@ -66,7 +66,7 @@
         <a:cs typeface="+mn-cs"/>
       </a:defRPr>
     </a:lvl4pPr>
-    <a:lvl5pPr marL="1828800" algn="l" defTabSz="914400" rtl="0" eaLnBrk="1" latinLnBrk="0" hangingPunct="1">
+    <a:lvl5pPr marL="1828800" algn="l" defTabSz="457200" rtl="0" eaLnBrk="1" latinLnBrk="0" hangingPunct="1">
       <a:defRPr sz="1800" kern="1200">
         <a:solidFill>
           <a:schemeClr val="tx1"/>
@@ -76,7 +76,7 @@
         <a:cs typeface="+mn-cs"/>
       </a:defRPr>
     </a:lvl5pPr>
-    <a:lvl6pPr marL="2286000" algn="l" defTabSz="914400" rtl="0" eaLnBrk="1" latinLnBrk="0" hangingPunct="1">
+    <a:lvl6pPr marL="2286000" algn="l" defTabSz="457200" rtl="0" eaLnBrk="1" latinLnBrk="0" hangingPunct="1">
       <a:defRPr sz="1800" kern="1200">
         <a:solidFill>
           <a:schemeClr val="tx1"/>
@@ -86,7 +86,7 @@
         <a:cs typeface="+mn-cs"/>
       </a:defRPr>
     </a:lvl6pPr>
-    <a:lvl7pPr marL="2743200" algn="l" defTabSz="914400" rtl="0" eaLnBrk="1" latinLnBrk="0" hangingPunct="1">
+    <a:lvl7pPr marL="2743200" algn="l" defTabSz="457200" rtl="0" eaLnBrk="1" latinLnBrk="0" hangingPunct="1">
       <a:defRPr sz="1800" kern="1200">
         <a:solidFill>
           <a:schemeClr val="tx1"/>
@@ -96,7 +96,7 @@
         <a:cs typeface="+mn-cs"/>
       </a:defRPr>
     </a:lvl7pPr>
-    <a:lvl8pPr marL="3200400" algn="l" defTabSz="914400" rtl="0" eaLnBrk="1" latinLnBrk="0" hangingPunct="1">
+    <a:lvl8pPr marL="3200400" algn="l" defTabSz="457200" rtl="0" eaLnBrk="1" latinLnBrk="0" hangingPunct="1">
       <a:defRPr sz="1800" kern="1200">
         <a:solidFill>
           <a:schemeClr val="tx1"/>
@@ -106,7 +106,7 @@
         <a:cs typeface="+mn-cs"/>
       </a:defRPr>
     </a:lvl8pPr>
-    <a:lvl9pPr marL="3657600" algn="l" defTabSz="914400" rtl="0" eaLnBrk="1" latinLnBrk="0" hangingPunct="1">
+    <a:lvl9pPr marL="3657600" algn="l" defTabSz="457200" rtl="0" eaLnBrk="1" latinLnBrk="0" hangingPunct="1">
       <a:defRPr sz="1800" kern="1200">
         <a:solidFill>
           <a:schemeClr val="tx1"/>
@@ -1856,11 +1856,932 @@
 </dgm:colorsDef>
 </file>
 
+<file path=ppt/diagrams/colors3.xml><?xml version="1.0" encoding="utf-8"?>
+<dgm:colorsDef xmlns:dgm="http://schemas.openxmlformats.org/drawingml/2006/diagram" xmlns:a="http://schemas.openxmlformats.org/drawingml/2006/main" uniqueId="urn:microsoft.com/office/officeart/2018/5/colors/Iconchunking_neutralbg_colorful1">
+  <dgm:title val=""/>
+  <dgm:desc val=""/>
+  <dgm:catLst>
+    <dgm:cat type="colorful" pri="10100"/>
+  </dgm:catLst>
+  <dgm:styleLbl name="node0">
+    <dgm:fillClrLst meth="repeat">
+      <a:schemeClr val="accent1"/>
+    </dgm:fillClrLst>
+    <dgm:linClrLst meth="repeat">
+      <a:schemeClr val="lt1"/>
+    </dgm:linClrLst>
+    <dgm:effectClrLst/>
+    <dgm:txLinClrLst/>
+    <dgm:txFillClrLst/>
+    <dgm:txEffectClrLst/>
+  </dgm:styleLbl>
+  <dgm:styleLbl name="node1">
+    <dgm:fillClrLst meth="repeat">
+      <a:schemeClr val="accent2"/>
+      <a:schemeClr val="accent3"/>
+      <a:schemeClr val="accent4"/>
+      <a:schemeClr val="accent5"/>
+      <a:schemeClr val="accent6"/>
+    </dgm:fillClrLst>
+    <dgm:linClrLst meth="repeat">
+      <a:schemeClr val="lt1">
+        <a:alpha val="0"/>
+      </a:schemeClr>
+    </dgm:linClrLst>
+    <dgm:effectClrLst/>
+    <dgm:txLinClrLst/>
+    <dgm:txFillClrLst/>
+    <dgm:txEffectClrLst/>
+  </dgm:styleLbl>
+  <dgm:styleLbl name="alignNode1">
+    <dgm:fillClrLst meth="repeat">
+      <a:schemeClr val="accent2"/>
+      <a:schemeClr val="accent3"/>
+      <a:schemeClr val="accent4"/>
+      <a:schemeClr val="accent5"/>
+      <a:schemeClr val="accent6"/>
+    </dgm:fillClrLst>
+    <dgm:linClrLst meth="repeat">
+      <a:schemeClr val="accent2"/>
+      <a:schemeClr val="accent3"/>
+      <a:schemeClr val="accent4"/>
+      <a:schemeClr val="accent5"/>
+      <a:schemeClr val="accent6"/>
+    </dgm:linClrLst>
+    <dgm:effectClrLst/>
+    <dgm:txLinClrLst/>
+    <dgm:txFillClrLst/>
+    <dgm:txEffectClrLst/>
+  </dgm:styleLbl>
+  <dgm:styleLbl name="lnNode1">
+    <dgm:fillClrLst meth="repeat">
+      <a:schemeClr val="accent2"/>
+      <a:schemeClr val="accent3"/>
+      <a:schemeClr val="accent4"/>
+      <a:schemeClr val="accent5"/>
+      <a:schemeClr val="accent6"/>
+    </dgm:fillClrLst>
+    <dgm:linClrLst meth="repeat">
+      <a:schemeClr val="lt1"/>
+    </dgm:linClrLst>
+    <dgm:effectClrLst/>
+    <dgm:txLinClrLst/>
+    <dgm:txFillClrLst/>
+    <dgm:txEffectClrLst/>
+  </dgm:styleLbl>
+  <dgm:styleLbl name="vennNode1">
+    <dgm:fillClrLst meth="repeat">
+      <a:schemeClr val="accent2">
+        <a:alpha val="50000"/>
+      </a:schemeClr>
+      <a:schemeClr val="accent3">
+        <a:alpha val="50000"/>
+      </a:schemeClr>
+      <a:schemeClr val="accent4">
+        <a:alpha val="50000"/>
+      </a:schemeClr>
+      <a:schemeClr val="accent5">
+        <a:alpha val="50000"/>
+      </a:schemeClr>
+      <a:schemeClr val="accent6">
+        <a:alpha val="50000"/>
+      </a:schemeClr>
+    </dgm:fillClrLst>
+    <dgm:linClrLst meth="repeat">
+      <a:schemeClr val="lt1"/>
+    </dgm:linClrLst>
+    <dgm:effectClrLst/>
+    <dgm:txLinClrLst/>
+    <dgm:txFillClrLst/>
+    <dgm:txEffectClrLst/>
+  </dgm:styleLbl>
+  <dgm:styleLbl name="node2">
+    <dgm:fillClrLst>
+      <a:schemeClr val="accent2"/>
+    </dgm:fillClrLst>
+    <dgm:linClrLst meth="repeat">
+      <a:schemeClr val="lt1"/>
+    </dgm:linClrLst>
+    <dgm:effectClrLst/>
+    <dgm:txLinClrLst/>
+    <dgm:txFillClrLst/>
+    <dgm:txEffectClrLst/>
+  </dgm:styleLbl>
+  <dgm:styleLbl name="node3">
+    <dgm:fillClrLst>
+      <a:schemeClr val="accent3"/>
+    </dgm:fillClrLst>
+    <dgm:linClrLst meth="repeat">
+      <a:schemeClr val="lt1"/>
+    </dgm:linClrLst>
+    <dgm:effectClrLst/>
+    <dgm:txLinClrLst/>
+    <dgm:txFillClrLst/>
+    <dgm:txEffectClrLst/>
+  </dgm:styleLbl>
+  <dgm:styleLbl name="node4">
+    <dgm:fillClrLst>
+      <a:schemeClr val="accent4"/>
+    </dgm:fillClrLst>
+    <dgm:linClrLst meth="repeat">
+      <a:schemeClr val="lt1"/>
+    </dgm:linClrLst>
+    <dgm:effectClrLst/>
+    <dgm:txLinClrLst/>
+    <dgm:txFillClrLst/>
+    <dgm:txEffectClrLst/>
+  </dgm:styleLbl>
+  <dgm:styleLbl name="fgImgPlace1">
+    <dgm:fillClrLst meth="repeat">
+      <a:schemeClr val="accent2">
+        <a:tint val="50000"/>
+      </a:schemeClr>
+      <a:schemeClr val="accent3">
+        <a:tint val="50000"/>
+      </a:schemeClr>
+      <a:schemeClr val="accent4">
+        <a:tint val="50000"/>
+      </a:schemeClr>
+      <a:schemeClr val="accent5">
+        <a:tint val="50000"/>
+      </a:schemeClr>
+      <a:schemeClr val="accent6">
+        <a:tint val="50000"/>
+      </a:schemeClr>
+    </dgm:fillClrLst>
+    <dgm:linClrLst meth="repeat">
+      <a:schemeClr val="lt1"/>
+    </dgm:linClrLst>
+    <dgm:effectClrLst/>
+    <dgm:txLinClrLst/>
+    <dgm:txFillClrLst meth="repeat">
+      <a:schemeClr val="lt1"/>
+    </dgm:txFillClrLst>
+    <dgm:txEffectClrLst/>
+  </dgm:styleLbl>
+  <dgm:styleLbl name="alignImgPlace1">
+    <dgm:fillClrLst>
+      <a:schemeClr val="accent1">
+        <a:tint val="50000"/>
+      </a:schemeClr>
+      <a:schemeClr val="accent2">
+        <a:tint val="20000"/>
+      </a:schemeClr>
+    </dgm:fillClrLst>
+    <dgm:linClrLst meth="repeat">
+      <a:schemeClr val="lt1"/>
+    </dgm:linClrLst>
+    <dgm:effectClrLst/>
+    <dgm:txLinClrLst/>
+    <dgm:txFillClrLst meth="repeat">
+      <a:schemeClr val="lt1"/>
+    </dgm:txFillClrLst>
+    <dgm:txEffectClrLst/>
+  </dgm:styleLbl>
+  <dgm:styleLbl name="bgImgPlace1">
+    <dgm:fillClrLst>
+      <a:schemeClr val="accent1">
+        <a:tint val="50000"/>
+      </a:schemeClr>
+      <a:schemeClr val="accent2">
+        <a:tint val="20000"/>
+      </a:schemeClr>
+    </dgm:fillClrLst>
+    <dgm:linClrLst meth="repeat">
+      <a:schemeClr val="lt1"/>
+    </dgm:linClrLst>
+    <dgm:effectClrLst/>
+    <dgm:txLinClrLst/>
+    <dgm:txFillClrLst meth="repeat">
+      <a:schemeClr val="lt1"/>
+    </dgm:txFillClrLst>
+    <dgm:txEffectClrLst/>
+  </dgm:styleLbl>
+  <dgm:styleLbl name="sibTrans2D1">
+    <dgm:fillClrLst meth="repeat">
+      <a:schemeClr val="accent2"/>
+      <a:schemeClr val="accent3"/>
+      <a:schemeClr val="accent4"/>
+      <a:schemeClr val="accent5"/>
+      <a:schemeClr val="accent6"/>
+    </dgm:fillClrLst>
+    <dgm:linClrLst meth="cycle">
+      <a:schemeClr val="lt1"/>
+    </dgm:linClrLst>
+    <dgm:effectClrLst/>
+    <dgm:txLinClrLst/>
+    <dgm:txFillClrLst/>
+    <dgm:txEffectClrLst/>
+  </dgm:styleLbl>
+  <dgm:styleLbl name="fgSibTrans2D1">
+    <dgm:fillClrLst meth="repeat">
+      <a:schemeClr val="accent2"/>
+      <a:schemeClr val="accent3"/>
+      <a:schemeClr val="accent4"/>
+      <a:schemeClr val="accent5"/>
+      <a:schemeClr val="accent6"/>
+    </dgm:fillClrLst>
+    <dgm:linClrLst meth="cycle">
+      <a:schemeClr val="lt1"/>
+    </dgm:linClrLst>
+    <dgm:effectClrLst/>
+    <dgm:txLinClrLst/>
+    <dgm:txFillClrLst meth="repeat">
+      <a:schemeClr val="lt1"/>
+    </dgm:txFillClrLst>
+    <dgm:txEffectClrLst/>
+  </dgm:styleLbl>
+  <dgm:styleLbl name="bgSibTrans2D1">
+    <dgm:fillClrLst meth="repeat">
+      <a:schemeClr val="accent2"/>
+      <a:schemeClr val="accent3"/>
+      <a:schemeClr val="accent4"/>
+      <a:schemeClr val="accent5"/>
+      <a:schemeClr val="accent6"/>
+    </dgm:fillClrLst>
+    <dgm:linClrLst meth="cycle">
+      <a:schemeClr val="lt1"/>
+    </dgm:linClrLst>
+    <dgm:effectClrLst/>
+    <dgm:txLinClrLst/>
+    <dgm:txFillClrLst meth="repeat">
+      <a:schemeClr val="lt1"/>
+    </dgm:txFillClrLst>
+    <dgm:txEffectClrLst/>
+  </dgm:styleLbl>
+  <dgm:styleLbl name="sibTrans1D1">
+    <dgm:fillClrLst meth="repeat">
+      <a:schemeClr val="accent2"/>
+      <a:schemeClr val="accent3"/>
+      <a:schemeClr val="accent4"/>
+      <a:schemeClr val="accent5"/>
+      <a:schemeClr val="accent6"/>
+    </dgm:fillClrLst>
+    <dgm:linClrLst meth="repeat">
+      <a:schemeClr val="accent2"/>
+      <a:schemeClr val="accent3"/>
+      <a:schemeClr val="accent4"/>
+      <a:schemeClr val="accent5"/>
+      <a:schemeClr val="accent6"/>
+    </dgm:linClrLst>
+    <dgm:effectClrLst/>
+    <dgm:txLinClrLst/>
+    <dgm:txFillClrLst meth="repeat">
+      <a:schemeClr val="tx1"/>
+    </dgm:txFillClrLst>
+    <dgm:txEffectClrLst/>
+  </dgm:styleLbl>
+  <dgm:styleLbl name="callout">
+    <dgm:fillClrLst meth="repeat">
+      <a:schemeClr val="accent2"/>
+    </dgm:fillClrLst>
+    <dgm:linClrLst meth="repeat">
+      <a:schemeClr val="accent2">
+        <a:tint val="50000"/>
+      </a:schemeClr>
+    </dgm:linClrLst>
+    <dgm:effectClrLst/>
+    <dgm:txLinClrLst/>
+    <dgm:txFillClrLst meth="repeat">
+      <a:schemeClr val="tx1"/>
+    </dgm:txFillClrLst>
+    <dgm:txEffectClrLst/>
+  </dgm:styleLbl>
+  <dgm:styleLbl name="asst0">
+    <dgm:fillClrLst meth="repeat">
+      <a:schemeClr val="accent1"/>
+    </dgm:fillClrLst>
+    <dgm:linClrLst meth="repeat">
+      <a:schemeClr val="lt1"/>
+    </dgm:linClrLst>
+    <dgm:effectClrLst/>
+    <dgm:txLinClrLst/>
+    <dgm:txFillClrLst/>
+    <dgm:txEffectClrLst/>
+  </dgm:styleLbl>
+  <dgm:styleLbl name="asst1">
+    <dgm:fillClrLst meth="repeat">
+      <a:schemeClr val="accent2"/>
+    </dgm:fillClrLst>
+    <dgm:linClrLst meth="repeat">
+      <a:schemeClr val="lt1"/>
+    </dgm:linClrLst>
+    <dgm:effectClrLst/>
+    <dgm:txLinClrLst/>
+    <dgm:txFillClrLst/>
+    <dgm:txEffectClrLst/>
+  </dgm:styleLbl>
+  <dgm:styleLbl name="asst2">
+    <dgm:fillClrLst>
+      <a:schemeClr val="accent3"/>
+    </dgm:fillClrLst>
+    <dgm:linClrLst meth="repeat">
+      <a:schemeClr val="lt1"/>
+    </dgm:linClrLst>
+    <dgm:effectClrLst/>
+    <dgm:txLinClrLst/>
+    <dgm:txFillClrLst/>
+    <dgm:txEffectClrLst/>
+  </dgm:styleLbl>
+  <dgm:styleLbl name="asst3">
+    <dgm:fillClrLst>
+      <a:schemeClr val="accent4"/>
+    </dgm:fillClrLst>
+    <dgm:linClrLst meth="repeat">
+      <a:schemeClr val="lt1"/>
+    </dgm:linClrLst>
+    <dgm:effectClrLst/>
+    <dgm:txLinClrLst/>
+    <dgm:txFillClrLst/>
+    <dgm:txEffectClrLst/>
+  </dgm:styleLbl>
+  <dgm:styleLbl name="asst4">
+    <dgm:fillClrLst>
+      <a:schemeClr val="accent5"/>
+    </dgm:fillClrLst>
+    <dgm:linClrLst meth="repeat">
+      <a:schemeClr val="lt1"/>
+    </dgm:linClrLst>
+    <dgm:effectClrLst/>
+    <dgm:txLinClrLst/>
+    <dgm:txFillClrLst/>
+    <dgm:txEffectClrLst/>
+  </dgm:styleLbl>
+  <dgm:styleLbl name="parChTrans2D1">
+    <dgm:fillClrLst meth="repeat">
+      <a:schemeClr val="accent2"/>
+    </dgm:fillClrLst>
+    <dgm:linClrLst meth="repeat">
+      <a:schemeClr val="lt1"/>
+    </dgm:linClrLst>
+    <dgm:effectClrLst/>
+    <dgm:txLinClrLst/>
+    <dgm:txFillClrLst meth="repeat">
+      <a:schemeClr val="lt1"/>
+    </dgm:txFillClrLst>
+    <dgm:txEffectClrLst/>
+  </dgm:styleLbl>
+  <dgm:styleLbl name="parChTrans2D2">
+    <dgm:fillClrLst meth="repeat">
+      <a:schemeClr val="accent3"/>
+    </dgm:fillClrLst>
+    <dgm:linClrLst meth="repeat">
+      <a:schemeClr val="lt1"/>
+    </dgm:linClrLst>
+    <dgm:effectClrLst/>
+    <dgm:txLinClrLst/>
+    <dgm:txFillClrLst/>
+    <dgm:txEffectClrLst/>
+  </dgm:styleLbl>
+  <dgm:styleLbl name="parChTrans2D3">
+    <dgm:fillClrLst meth="repeat">
+      <a:schemeClr val="accent4"/>
+    </dgm:fillClrLst>
+    <dgm:linClrLst meth="repeat">
+      <a:schemeClr val="lt1"/>
+    </dgm:linClrLst>
+    <dgm:effectClrLst/>
+    <dgm:txLinClrLst/>
+    <dgm:txFillClrLst/>
+    <dgm:txEffectClrLst/>
+  </dgm:styleLbl>
+  <dgm:styleLbl name="parChTrans2D4">
+    <dgm:fillClrLst meth="repeat">
+      <a:schemeClr val="accent5"/>
+    </dgm:fillClrLst>
+    <dgm:linClrLst meth="repeat">
+      <a:schemeClr val="lt1"/>
+    </dgm:linClrLst>
+    <dgm:effectClrLst/>
+    <dgm:txLinClrLst/>
+    <dgm:txFillClrLst meth="repeat">
+      <a:schemeClr val="lt1"/>
+    </dgm:txFillClrLst>
+    <dgm:txEffectClrLst/>
+  </dgm:styleLbl>
+  <dgm:styleLbl name="parChTrans1D1">
+    <dgm:fillClrLst meth="repeat">
+      <a:schemeClr val="accent2"/>
+    </dgm:fillClrLst>
+    <dgm:linClrLst meth="repeat">
+      <a:schemeClr val="accent1"/>
+    </dgm:linClrLst>
+    <dgm:effectClrLst/>
+    <dgm:txLinClrLst/>
+    <dgm:txFillClrLst meth="repeat">
+      <a:schemeClr val="tx1"/>
+    </dgm:txFillClrLst>
+    <dgm:txEffectClrLst/>
+  </dgm:styleLbl>
+  <dgm:styleLbl name="parChTrans1D2">
+    <dgm:fillClrLst meth="repeat">
+      <a:schemeClr val="accent3">
+        <a:tint val="90000"/>
+      </a:schemeClr>
+    </dgm:fillClrLst>
+    <dgm:linClrLst meth="repeat">
+      <a:schemeClr val="accent2"/>
+    </dgm:linClrLst>
+    <dgm:effectClrLst/>
+    <dgm:txLinClrLst/>
+    <dgm:txFillClrLst meth="repeat">
+      <a:schemeClr val="tx1"/>
+    </dgm:txFillClrLst>
+    <dgm:txEffectClrLst/>
+  </dgm:styleLbl>
+  <dgm:styleLbl name="parChTrans1D3">
+    <dgm:fillClrLst meth="repeat">
+      <a:schemeClr val="accent4">
+        <a:tint val="70000"/>
+      </a:schemeClr>
+    </dgm:fillClrLst>
+    <dgm:linClrLst meth="repeat">
+      <a:schemeClr val="accent3"/>
+    </dgm:linClrLst>
+    <dgm:effectClrLst/>
+    <dgm:txLinClrLst/>
+    <dgm:txFillClrLst meth="repeat">
+      <a:schemeClr val="tx1"/>
+    </dgm:txFillClrLst>
+    <dgm:txEffectClrLst/>
+  </dgm:styleLbl>
+  <dgm:styleLbl name="parChTrans1D4">
+    <dgm:fillClrLst meth="repeat">
+      <a:schemeClr val="accent5">
+        <a:tint val="50000"/>
+      </a:schemeClr>
+    </dgm:fillClrLst>
+    <dgm:linClrLst meth="repeat">
+      <a:schemeClr val="accent4"/>
+    </dgm:linClrLst>
+    <dgm:effectClrLst/>
+    <dgm:txLinClrLst/>
+    <dgm:txFillClrLst meth="repeat">
+      <a:schemeClr val="tx1"/>
+    </dgm:txFillClrLst>
+    <dgm:txEffectClrLst/>
+  </dgm:styleLbl>
+  <dgm:styleLbl name="fgAcc1">
+    <dgm:fillClrLst meth="repeat">
+      <a:schemeClr val="lt1">
+        <a:alpha val="90000"/>
+      </a:schemeClr>
+    </dgm:fillClrLst>
+    <dgm:linClrLst meth="repeat">
+      <a:schemeClr val="accent2"/>
+      <a:schemeClr val="accent3"/>
+      <a:schemeClr val="accent4"/>
+      <a:schemeClr val="accent5"/>
+      <a:schemeClr val="accent6"/>
+    </dgm:linClrLst>
+    <dgm:effectClrLst/>
+    <dgm:txLinClrLst/>
+    <dgm:txFillClrLst meth="repeat">
+      <a:schemeClr val="dk1"/>
+    </dgm:txFillClrLst>
+    <dgm:txEffectClrLst/>
+  </dgm:styleLbl>
+  <dgm:styleLbl name="conFgAcc1">
+    <dgm:fillClrLst meth="repeat">
+      <a:schemeClr val="lt1">
+        <a:alpha val="90000"/>
+      </a:schemeClr>
+    </dgm:fillClrLst>
+    <dgm:linClrLst meth="repeat">
+      <a:schemeClr val="accent2"/>
+      <a:schemeClr val="accent3"/>
+      <a:schemeClr val="accent4"/>
+      <a:schemeClr val="accent5"/>
+      <a:schemeClr val="accent6"/>
+    </dgm:linClrLst>
+    <dgm:effectClrLst/>
+    <dgm:txLinClrLst/>
+    <dgm:txFillClrLst meth="repeat">
+      <a:schemeClr val="dk1"/>
+    </dgm:txFillClrLst>
+    <dgm:txEffectClrLst/>
+  </dgm:styleLbl>
+  <dgm:styleLbl name="alignAcc1">
+    <dgm:fillClrLst meth="repeat">
+      <a:schemeClr val="lt1">
+        <a:alpha val="90000"/>
+      </a:schemeClr>
+    </dgm:fillClrLst>
+    <dgm:linClrLst meth="repeat">
+      <a:schemeClr val="accent2"/>
+      <a:schemeClr val="accent3"/>
+      <a:schemeClr val="accent4"/>
+      <a:schemeClr val="accent5"/>
+      <a:schemeClr val="accent6"/>
+    </dgm:linClrLst>
+    <dgm:effectClrLst/>
+    <dgm:txLinClrLst/>
+    <dgm:txFillClrLst meth="repeat">
+      <a:schemeClr val="dk1"/>
+    </dgm:txFillClrLst>
+    <dgm:txEffectClrLst/>
+  </dgm:styleLbl>
+  <dgm:styleLbl name="trAlignAcc1">
+    <dgm:fillClrLst meth="repeat">
+      <a:schemeClr val="lt1">
+        <a:alpha val="40000"/>
+      </a:schemeClr>
+    </dgm:fillClrLst>
+    <dgm:linClrLst meth="repeat">
+      <a:schemeClr val="accent1"/>
+    </dgm:linClrLst>
+    <dgm:effectClrLst/>
+    <dgm:txLinClrLst/>
+    <dgm:txFillClrLst meth="repeat">
+      <a:schemeClr val="dk1"/>
+    </dgm:txFillClrLst>
+    <dgm:txEffectClrLst/>
+  </dgm:styleLbl>
+  <dgm:styleLbl name="bgAcc1">
+    <dgm:fillClrLst meth="repeat">
+      <a:schemeClr val="lt1">
+        <a:alpha val="90000"/>
+      </a:schemeClr>
+    </dgm:fillClrLst>
+    <dgm:linClrLst meth="repeat">
+      <a:schemeClr val="accent2"/>
+      <a:schemeClr val="accent3"/>
+      <a:schemeClr val="accent4"/>
+      <a:schemeClr val="accent5"/>
+      <a:schemeClr val="accent6"/>
+    </dgm:linClrLst>
+    <dgm:effectClrLst/>
+    <dgm:txLinClrLst/>
+    <dgm:txFillClrLst meth="repeat">
+      <a:schemeClr val="dk1"/>
+    </dgm:txFillClrLst>
+    <dgm:txEffectClrLst/>
+  </dgm:styleLbl>
+  <dgm:styleLbl name="solidFgAcc1">
+    <dgm:fillClrLst meth="repeat">
+      <a:schemeClr val="lt1"/>
+    </dgm:fillClrLst>
+    <dgm:linClrLst meth="repeat">
+      <a:schemeClr val="accent2"/>
+      <a:schemeClr val="accent3"/>
+      <a:schemeClr val="accent4"/>
+      <a:schemeClr val="accent5"/>
+      <a:schemeClr val="accent6"/>
+    </dgm:linClrLst>
+    <dgm:effectClrLst/>
+    <dgm:txLinClrLst/>
+    <dgm:txFillClrLst meth="repeat">
+      <a:schemeClr val="dk1"/>
+    </dgm:txFillClrLst>
+    <dgm:txEffectClrLst/>
+  </dgm:styleLbl>
+  <dgm:styleLbl name="solidAlignAcc1">
+    <dgm:fillClrLst meth="repeat">
+      <a:schemeClr val="lt1"/>
+    </dgm:fillClrLst>
+    <dgm:linClrLst meth="repeat">
+      <a:schemeClr val="accent2"/>
+      <a:schemeClr val="accent3"/>
+      <a:schemeClr val="accent4"/>
+      <a:schemeClr val="accent5"/>
+      <a:schemeClr val="accent6"/>
+    </dgm:linClrLst>
+    <dgm:effectClrLst/>
+    <dgm:txLinClrLst/>
+    <dgm:txFillClrLst meth="repeat">
+      <a:schemeClr val="dk1"/>
+    </dgm:txFillClrLst>
+    <dgm:txEffectClrLst/>
+  </dgm:styleLbl>
+  <dgm:styleLbl name="solidBgAcc1">
+    <dgm:fillClrLst meth="repeat">
+      <a:schemeClr val="lt1"/>
+    </dgm:fillClrLst>
+    <dgm:linClrLst meth="repeat">
+      <a:schemeClr val="accent2"/>
+      <a:schemeClr val="accent3"/>
+      <a:schemeClr val="accent4"/>
+      <a:schemeClr val="accent5"/>
+      <a:schemeClr val="accent6"/>
+    </dgm:linClrLst>
+    <dgm:effectClrLst/>
+    <dgm:txLinClrLst/>
+    <dgm:txFillClrLst meth="repeat">
+      <a:schemeClr val="dk1"/>
+    </dgm:txFillClrLst>
+    <dgm:txEffectClrLst/>
+  </dgm:styleLbl>
+  <dgm:styleLbl name="fgAccFollowNode1">
+    <dgm:fillClrLst meth="repeat">
+      <a:schemeClr val="accent2">
+        <a:tint val="40000"/>
+        <a:alpha val="90000"/>
+      </a:schemeClr>
+      <a:schemeClr val="accent3">
+        <a:tint val="40000"/>
+        <a:alpha val="90000"/>
+      </a:schemeClr>
+      <a:schemeClr val="accent4">
+        <a:tint val="40000"/>
+        <a:alpha val="90000"/>
+      </a:schemeClr>
+      <a:schemeClr val="accent5">
+        <a:tint val="40000"/>
+        <a:alpha val="90000"/>
+      </a:schemeClr>
+      <a:schemeClr val="accent6">
+        <a:tint val="40000"/>
+        <a:alpha val="90000"/>
+      </a:schemeClr>
+    </dgm:fillClrLst>
+    <dgm:linClrLst meth="repeat">
+      <a:schemeClr val="accent2">
+        <a:tint val="40000"/>
+        <a:alpha val="90000"/>
+      </a:schemeClr>
+      <a:schemeClr val="accent3">
+        <a:tint val="40000"/>
+        <a:alpha val="90000"/>
+      </a:schemeClr>
+      <a:schemeClr val="accent4">
+        <a:tint val="40000"/>
+        <a:alpha val="90000"/>
+      </a:schemeClr>
+      <a:schemeClr val="accent5">
+        <a:tint val="40000"/>
+        <a:alpha val="90000"/>
+      </a:schemeClr>
+      <a:schemeClr val="accent6">
+        <a:tint val="40000"/>
+        <a:alpha val="90000"/>
+      </a:schemeClr>
+    </dgm:linClrLst>
+    <dgm:effectClrLst/>
+    <dgm:txLinClrLst/>
+    <dgm:txFillClrLst meth="repeat">
+      <a:schemeClr val="dk1"/>
+    </dgm:txFillClrLst>
+    <dgm:txEffectClrLst/>
+  </dgm:styleLbl>
+  <dgm:styleLbl name="alignAccFollowNode1">
+    <dgm:fillClrLst meth="repeat">
+      <a:schemeClr val="accent2">
+        <a:tint val="40000"/>
+        <a:alpha val="90000"/>
+      </a:schemeClr>
+      <a:schemeClr val="accent3">
+        <a:tint val="40000"/>
+        <a:alpha val="90000"/>
+      </a:schemeClr>
+      <a:schemeClr val="accent4">
+        <a:tint val="40000"/>
+        <a:alpha val="90000"/>
+      </a:schemeClr>
+      <a:schemeClr val="accent5">
+        <a:tint val="40000"/>
+        <a:alpha val="90000"/>
+      </a:schemeClr>
+      <a:schemeClr val="accent6">
+        <a:tint val="40000"/>
+        <a:alpha val="90000"/>
+      </a:schemeClr>
+    </dgm:fillClrLst>
+    <dgm:linClrLst meth="repeat">
+      <a:schemeClr val="accent2">
+        <a:tint val="40000"/>
+        <a:alpha val="90000"/>
+      </a:schemeClr>
+      <a:schemeClr val="accent3">
+        <a:tint val="40000"/>
+        <a:alpha val="90000"/>
+      </a:schemeClr>
+      <a:schemeClr val="accent4">
+        <a:tint val="40000"/>
+        <a:alpha val="90000"/>
+      </a:schemeClr>
+      <a:schemeClr val="accent5">
+        <a:tint val="40000"/>
+        <a:alpha val="90000"/>
+      </a:schemeClr>
+      <a:schemeClr val="accent6">
+        <a:tint val="40000"/>
+        <a:alpha val="90000"/>
+      </a:schemeClr>
+    </dgm:linClrLst>
+    <dgm:effectClrLst/>
+    <dgm:txLinClrLst/>
+    <dgm:txFillClrLst meth="repeat">
+      <a:schemeClr val="dk1"/>
+    </dgm:txFillClrLst>
+    <dgm:txEffectClrLst/>
+  </dgm:styleLbl>
+  <dgm:styleLbl name="bgAccFollowNode1">
+    <dgm:fillClrLst meth="repeat">
+      <a:schemeClr val="accent2">
+        <a:tint val="40000"/>
+        <a:alpha val="90000"/>
+      </a:schemeClr>
+      <a:schemeClr val="accent3">
+        <a:tint val="40000"/>
+        <a:alpha val="90000"/>
+      </a:schemeClr>
+      <a:schemeClr val="accent4">
+        <a:tint val="40000"/>
+        <a:alpha val="90000"/>
+      </a:schemeClr>
+      <a:schemeClr val="accent5">
+        <a:tint val="40000"/>
+        <a:alpha val="90000"/>
+      </a:schemeClr>
+      <a:schemeClr val="accent6">
+        <a:tint val="40000"/>
+        <a:alpha val="90000"/>
+      </a:schemeClr>
+    </dgm:fillClrLst>
+    <dgm:linClrLst meth="repeat">
+      <a:schemeClr val="accent2">
+        <a:tint val="40000"/>
+        <a:alpha val="90000"/>
+      </a:schemeClr>
+      <a:schemeClr val="accent3">
+        <a:tint val="40000"/>
+        <a:alpha val="90000"/>
+      </a:schemeClr>
+      <a:schemeClr val="accent4">
+        <a:tint val="40000"/>
+        <a:alpha val="90000"/>
+      </a:schemeClr>
+      <a:schemeClr val="accent5">
+        <a:tint val="40000"/>
+        <a:alpha val="90000"/>
+      </a:schemeClr>
+      <a:schemeClr val="accent6">
+        <a:tint val="40000"/>
+        <a:alpha val="90000"/>
+      </a:schemeClr>
+    </dgm:linClrLst>
+    <dgm:effectClrLst/>
+    <dgm:txLinClrLst/>
+    <dgm:txFillClrLst meth="repeat">
+      <a:schemeClr val="dk1"/>
+    </dgm:txFillClrLst>
+    <dgm:txEffectClrLst/>
+  </dgm:styleLbl>
+  <dgm:styleLbl name="fgAcc0">
+    <dgm:fillClrLst meth="repeat">
+      <a:schemeClr val="lt1">
+        <a:alpha val="90000"/>
+      </a:schemeClr>
+    </dgm:fillClrLst>
+    <dgm:linClrLst>
+      <a:schemeClr val="accent1"/>
+    </dgm:linClrLst>
+    <dgm:effectClrLst/>
+    <dgm:txLinClrLst/>
+    <dgm:txFillClrLst meth="repeat">
+      <a:schemeClr val="dk1"/>
+    </dgm:txFillClrLst>
+    <dgm:txEffectClrLst/>
+  </dgm:styleLbl>
+  <dgm:styleLbl name="fgAcc2">
+    <dgm:fillClrLst meth="repeat">
+      <a:schemeClr val="lt1">
+        <a:alpha val="90000"/>
+      </a:schemeClr>
+    </dgm:fillClrLst>
+    <dgm:linClrLst>
+      <a:schemeClr val="accent2"/>
+    </dgm:linClrLst>
+    <dgm:effectClrLst/>
+    <dgm:txLinClrLst/>
+    <dgm:txFillClrLst meth="repeat">
+      <a:schemeClr val="dk1"/>
+    </dgm:txFillClrLst>
+    <dgm:txEffectClrLst/>
+  </dgm:styleLbl>
+  <dgm:styleLbl name="fgAcc3">
+    <dgm:fillClrLst meth="repeat">
+      <a:schemeClr val="lt1">
+        <a:alpha val="90000"/>
+      </a:schemeClr>
+    </dgm:fillClrLst>
+    <dgm:linClrLst>
+      <a:schemeClr val="accent3"/>
+    </dgm:linClrLst>
+    <dgm:effectClrLst/>
+    <dgm:txLinClrLst/>
+    <dgm:txFillClrLst meth="repeat">
+      <a:schemeClr val="dk1"/>
+    </dgm:txFillClrLst>
+    <dgm:txEffectClrLst/>
+  </dgm:styleLbl>
+  <dgm:styleLbl name="fgAcc4">
+    <dgm:fillClrLst meth="repeat">
+      <a:schemeClr val="lt1">
+        <a:alpha val="90000"/>
+      </a:schemeClr>
+    </dgm:fillClrLst>
+    <dgm:linClrLst>
+      <a:schemeClr val="accent4"/>
+    </dgm:linClrLst>
+    <dgm:effectClrLst/>
+    <dgm:txLinClrLst/>
+    <dgm:txFillClrLst meth="repeat">
+      <a:schemeClr val="dk1"/>
+    </dgm:txFillClrLst>
+    <dgm:txEffectClrLst/>
+  </dgm:styleLbl>
+  <dgm:styleLbl name="bgShp">
+    <dgm:fillClrLst meth="repeat">
+      <a:schemeClr val="bg1">
+        <a:lumMod val="95000"/>
+      </a:schemeClr>
+    </dgm:fillClrLst>
+    <dgm:linClrLst meth="repeat">
+      <a:schemeClr val="dk1"/>
+    </dgm:linClrLst>
+    <dgm:effectClrLst/>
+    <dgm:txLinClrLst/>
+    <dgm:txFillClrLst meth="repeat">
+      <a:schemeClr val="dk1"/>
+    </dgm:txFillClrLst>
+    <dgm:txEffectClrLst/>
+  </dgm:styleLbl>
+  <dgm:styleLbl name="dkBgShp">
+    <dgm:fillClrLst meth="repeat">
+      <a:schemeClr val="accent2">
+        <a:shade val="90000"/>
+      </a:schemeClr>
+    </dgm:fillClrLst>
+    <dgm:linClrLst meth="repeat">
+      <a:schemeClr val="dk1"/>
+    </dgm:linClrLst>
+    <dgm:effectClrLst/>
+    <dgm:txLinClrLst/>
+    <dgm:txFillClrLst meth="repeat">
+      <a:schemeClr val="lt1"/>
+    </dgm:txFillClrLst>
+    <dgm:txEffectClrLst/>
+  </dgm:styleLbl>
+  <dgm:styleLbl name="trBgShp">
+    <dgm:fillClrLst meth="repeat">
+      <a:schemeClr val="accent1">
+        <a:tint val="50000"/>
+        <a:alpha val="40000"/>
+      </a:schemeClr>
+    </dgm:fillClrLst>
+    <dgm:linClrLst meth="repeat">
+      <a:schemeClr val="accent2"/>
+    </dgm:linClrLst>
+    <dgm:effectClrLst/>
+    <dgm:txLinClrLst/>
+    <dgm:txFillClrLst meth="repeat">
+      <a:schemeClr val="lt1"/>
+    </dgm:txFillClrLst>
+    <dgm:txEffectClrLst/>
+  </dgm:styleLbl>
+  <dgm:styleLbl name="fgShp">
+    <dgm:fillClrLst meth="repeat">
+      <a:schemeClr val="accent2">
+        <a:tint val="40000"/>
+      </a:schemeClr>
+    </dgm:fillClrLst>
+    <dgm:linClrLst meth="repeat">
+      <a:schemeClr val="lt1"/>
+    </dgm:linClrLst>
+    <dgm:effectClrLst/>
+    <dgm:txLinClrLst/>
+    <dgm:txFillClrLst meth="repeat">
+      <a:schemeClr val="dk1"/>
+    </dgm:txFillClrLst>
+    <dgm:txEffectClrLst/>
+  </dgm:styleLbl>
+  <dgm:styleLbl name="revTx">
+    <dgm:fillClrLst meth="repeat">
+      <a:schemeClr val="lt1">
+        <a:alpha val="0"/>
+      </a:schemeClr>
+    </dgm:fillClrLst>
+    <dgm:linClrLst meth="repeat">
+      <a:schemeClr val="dk1">
+        <a:alpha val="0"/>
+      </a:schemeClr>
+    </dgm:linClrLst>
+    <dgm:effectClrLst/>
+    <dgm:txLinClrLst/>
+    <dgm:txFillClrLst meth="repeat">
+      <a:schemeClr val="tx1"/>
+    </dgm:txFillClrLst>
+    <dgm:txEffectClrLst/>
+  </dgm:styleLbl>
+</dgm:colorsDef>
+</file>
+
 <file path=ppt/diagrams/data1.xml><?xml version="1.0" encoding="utf-8"?>
 <dgm:dataModel xmlns:dgm="http://schemas.openxmlformats.org/drawingml/2006/diagram" xmlns:a="http://schemas.openxmlformats.org/drawingml/2006/main">
   <dgm:ptLst>
     <dgm:pt modelId="{297A0520-2764-4C8F-9AE0-DB732A67FFED}" type="doc">
-      <dgm:prSet loTypeId="urn:microsoft.com/office/officeart/2016/7/layout/VerticalSolidActionList" loCatId="List" qsTypeId="urn:microsoft.com/office/officeart/2005/8/quickstyle/simple1" qsCatId="simple" csTypeId="urn:microsoft.com/office/officeart/2005/8/colors/colorful1" csCatId="colorful"/>
+      <dgm:prSet loTypeId="urn:microsoft.com/office/officeart/2016/7/layout/VerticalSolidActionList" loCatId="List" qsTypeId="urn:microsoft.com/office/officeart/2005/8/quickstyle/simple1" qsCatId="simple" csTypeId="urn:microsoft.com/office/officeart/2005/8/colors/colorful1" csCatId="colorful" phldr="1"/>
       <dgm:spPr/>
       <dgm:t>
         <a:bodyPr/>
@@ -1871,14 +2792,14 @@
       </dgm:t>
     </dgm:pt>
     <dgm:pt modelId="{8B5945AF-6974-4C42-85DE-6FE5B77CAAD0}">
-      <dgm:prSet/>
+      <dgm:prSet custT="1"/>
       <dgm:spPr/>
       <dgm:t>
         <a:bodyPr/>
         <a:lstStyle/>
         <a:p>
           <a:r>
-            <a:rPr lang="en-US"/>
+            <a:rPr lang="en-US" sz="2000" dirty="0"/>
             <a:t>Data collection</a:t>
           </a:r>
         </a:p>
@@ -1891,7 +2812,7 @@
         <a:bodyPr/>
         <a:lstStyle/>
         <a:p>
-          <a:endParaRPr lang="en-US"/>
+          <a:endParaRPr lang="en-US" sz="2000"/>
         </a:p>
       </dgm:t>
     </dgm:pt>
@@ -1902,19 +2823,19 @@
         <a:bodyPr/>
         <a:lstStyle/>
         <a:p>
-          <a:endParaRPr lang="en-US"/>
+          <a:endParaRPr lang="en-US" sz="2000"/>
         </a:p>
       </dgm:t>
     </dgm:pt>
     <dgm:pt modelId="{8B3E616F-C7D6-4D3D-8241-73AF0A807405}">
-      <dgm:prSet/>
+      <dgm:prSet custT="1"/>
       <dgm:spPr/>
       <dgm:t>
         <a:bodyPr/>
         <a:lstStyle/>
         <a:p>
           <a:r>
-            <a:rPr lang="en-US"/>
+            <a:rPr lang="en-US" sz="2000"/>
             <a:t>Herring otoliths</a:t>
           </a:r>
         </a:p>
@@ -1927,7 +2848,7 @@
         <a:bodyPr/>
         <a:lstStyle/>
         <a:p>
-          <a:endParaRPr lang="en-US"/>
+          <a:endParaRPr lang="en-US" sz="2000"/>
         </a:p>
       </dgm:t>
     </dgm:pt>
@@ -1938,19 +2859,19 @@
         <a:bodyPr/>
         <a:lstStyle/>
         <a:p>
-          <a:endParaRPr lang="en-US"/>
+          <a:endParaRPr lang="en-US" sz="2000"/>
         </a:p>
       </dgm:t>
     </dgm:pt>
     <dgm:pt modelId="{CC2CAAE7-9139-44C8-B54C-559EFF786698}">
-      <dgm:prSet/>
+      <dgm:prSet custT="1"/>
       <dgm:spPr/>
       <dgm:t>
         <a:bodyPr/>
         <a:lstStyle/>
         <a:p>
           <a:r>
-            <a:rPr lang="en-US"/>
+            <a:rPr lang="en-US" sz="2000" dirty="0"/>
             <a:t>Recreationally-caught salmon catch data</a:t>
           </a:r>
         </a:p>
@@ -1963,7 +2884,7 @@
         <a:bodyPr/>
         <a:lstStyle/>
         <a:p>
-          <a:endParaRPr lang="en-US"/>
+          <a:endParaRPr lang="en-US" sz="2000"/>
         </a:p>
       </dgm:t>
     </dgm:pt>
@@ -1974,19 +2895,19 @@
         <a:bodyPr/>
         <a:lstStyle/>
         <a:p>
-          <a:endParaRPr lang="en-US"/>
+          <a:endParaRPr lang="en-US" sz="2000"/>
         </a:p>
       </dgm:t>
     </dgm:pt>
     <dgm:pt modelId="{9D259188-6A99-40D5-8EA9-0C64AEB35365}">
-      <dgm:prSet/>
+      <dgm:prSet custT="1"/>
       <dgm:spPr/>
       <dgm:t>
         <a:bodyPr/>
         <a:lstStyle/>
         <a:p>
           <a:r>
-            <a:rPr lang="en-US"/>
+            <a:rPr lang="en-US" sz="2000" dirty="0"/>
             <a:t>Response variable</a:t>
           </a:r>
         </a:p>
@@ -1999,7 +2920,7 @@
         <a:bodyPr/>
         <a:lstStyle/>
         <a:p>
-          <a:endParaRPr lang="en-US"/>
+          <a:endParaRPr lang="en-US" sz="2000"/>
         </a:p>
       </dgm:t>
     </dgm:pt>
@@ -2010,19 +2931,19 @@
         <a:bodyPr/>
         <a:lstStyle/>
         <a:p>
-          <a:endParaRPr lang="en-US"/>
+          <a:endParaRPr lang="en-US" sz="2000"/>
         </a:p>
       </dgm:t>
     </dgm:pt>
     <dgm:pt modelId="{A86D5FF5-643F-4950-981C-E0DC1848B3EA}">
-      <dgm:prSet/>
+      <dgm:prSet custT="1"/>
       <dgm:spPr/>
       <dgm:t>
         <a:bodyPr/>
         <a:lstStyle/>
         <a:p>
           <a:r>
-            <a:rPr lang="en-US"/>
+            <a:rPr lang="en-US" sz="2000"/>
             <a:t>Otolith width (mm) ~ proxy for herring size</a:t>
           </a:r>
         </a:p>
@@ -2035,7 +2956,7 @@
         <a:bodyPr/>
         <a:lstStyle/>
         <a:p>
-          <a:endParaRPr lang="en-US"/>
+          <a:endParaRPr lang="en-US" sz="2000"/>
         </a:p>
       </dgm:t>
     </dgm:pt>
@@ -2046,19 +2967,19 @@
         <a:bodyPr/>
         <a:lstStyle/>
         <a:p>
-          <a:endParaRPr lang="en-US"/>
+          <a:endParaRPr lang="en-US" sz="2000"/>
         </a:p>
       </dgm:t>
     </dgm:pt>
     <dgm:pt modelId="{D0560927-EC29-4DAE-A6B8-DB41B3BE44A1}">
-      <dgm:prSet/>
+      <dgm:prSet custT="1"/>
       <dgm:spPr/>
       <dgm:t>
         <a:bodyPr/>
         <a:lstStyle/>
         <a:p>
           <a:r>
-            <a:rPr lang="en-US"/>
+            <a:rPr lang="en-US" sz="2000" dirty="0"/>
             <a:t>Explanatory variables</a:t>
           </a:r>
         </a:p>
@@ -2071,7 +2992,7 @@
         <a:bodyPr/>
         <a:lstStyle/>
         <a:p>
-          <a:endParaRPr lang="en-US"/>
+          <a:endParaRPr lang="en-US" sz="2000"/>
         </a:p>
       </dgm:t>
     </dgm:pt>
@@ -2082,19 +3003,19 @@
         <a:bodyPr/>
         <a:lstStyle/>
         <a:p>
-          <a:endParaRPr lang="en-US"/>
+          <a:endParaRPr lang="en-US" sz="2000"/>
         </a:p>
       </dgm:t>
     </dgm:pt>
     <dgm:pt modelId="{09682588-D3C6-4778-981A-D5364B733FD9}">
-      <dgm:prSet/>
+      <dgm:prSet custT="1"/>
       <dgm:spPr/>
       <dgm:t>
         <a:bodyPr/>
         <a:lstStyle/>
         <a:p>
           <a:r>
-            <a:rPr lang="en-US"/>
+            <a:rPr lang="en-US" sz="2000"/>
             <a:t>Collection day in 2018</a:t>
           </a:r>
         </a:p>
@@ -2107,7 +3028,7 @@
         <a:bodyPr/>
         <a:lstStyle/>
         <a:p>
-          <a:endParaRPr lang="en-US"/>
+          <a:endParaRPr lang="en-US" sz="2000"/>
         </a:p>
       </dgm:t>
     </dgm:pt>
@@ -2118,19 +3039,19 @@
         <a:bodyPr/>
         <a:lstStyle/>
         <a:p>
-          <a:endParaRPr lang="en-US"/>
+          <a:endParaRPr lang="en-US" sz="2000"/>
         </a:p>
       </dgm:t>
     </dgm:pt>
     <dgm:pt modelId="{42C608DF-D208-47D0-A4A5-0318AEAA01B3}">
-      <dgm:prSet/>
+      <dgm:prSet custT="1"/>
       <dgm:spPr/>
       <dgm:t>
         <a:bodyPr/>
         <a:lstStyle/>
         <a:p>
           <a:r>
-            <a:rPr lang="en-US"/>
+            <a:rPr lang="en-US" sz="2000" dirty="0"/>
             <a:t>Salmon length (cm)</a:t>
           </a:r>
         </a:p>
@@ -2143,7 +3064,7 @@
         <a:bodyPr/>
         <a:lstStyle/>
         <a:p>
-          <a:endParaRPr lang="en-US"/>
+          <a:endParaRPr lang="en-US" sz="2000"/>
         </a:p>
       </dgm:t>
     </dgm:pt>
@@ -2154,19 +3075,19 @@
         <a:bodyPr/>
         <a:lstStyle/>
         <a:p>
-          <a:endParaRPr lang="en-US"/>
+          <a:endParaRPr lang="en-US" sz="2000"/>
         </a:p>
       </dgm:t>
     </dgm:pt>
     <dgm:pt modelId="{21DB5743-0C4C-431C-898D-AFE203F0CB13}">
-      <dgm:prSet/>
+      <dgm:prSet custT="1"/>
       <dgm:spPr/>
       <dgm:t>
         <a:bodyPr/>
         <a:lstStyle/>
         <a:p>
           <a:r>
-            <a:rPr lang="en-US"/>
+            <a:rPr lang="en-US" sz="2000"/>
             <a:t>Latitude</a:t>
           </a:r>
         </a:p>
@@ -2179,7 +3100,7 @@
         <a:bodyPr/>
         <a:lstStyle/>
         <a:p>
-          <a:endParaRPr lang="en-US"/>
+          <a:endParaRPr lang="en-US" sz="2000"/>
         </a:p>
       </dgm:t>
     </dgm:pt>
@@ -2190,19 +3111,19 @@
         <a:bodyPr/>
         <a:lstStyle/>
         <a:p>
-          <a:endParaRPr lang="en-US"/>
+          <a:endParaRPr lang="en-US" sz="2000"/>
         </a:p>
       </dgm:t>
     </dgm:pt>
     <dgm:pt modelId="{676881B3-C391-47D3-B7E2-3C975AEBA86F}">
-      <dgm:prSet/>
+      <dgm:prSet custT="1"/>
       <dgm:spPr/>
       <dgm:t>
         <a:bodyPr/>
         <a:lstStyle/>
         <a:p>
           <a:r>
-            <a:rPr lang="en-US"/>
+            <a:rPr lang="en-US" sz="2000"/>
             <a:t>Longitude</a:t>
           </a:r>
         </a:p>
@@ -2215,7 +3136,7 @@
         <a:bodyPr/>
         <a:lstStyle/>
         <a:p>
-          <a:endParaRPr lang="en-US"/>
+          <a:endParaRPr lang="en-US" sz="2000"/>
         </a:p>
       </dgm:t>
     </dgm:pt>
@@ -2226,7 +3147,7 @@
         <a:bodyPr/>
         <a:lstStyle/>
         <a:p>
-          <a:endParaRPr lang="en-US"/>
+          <a:endParaRPr lang="en-US" sz="2000"/>
         </a:p>
       </dgm:t>
     </dgm:pt>
@@ -2245,7 +3166,7 @@
       <dgm:spPr/>
     </dgm:pt>
     <dgm:pt modelId="{1B419109-793A-C548-906A-3E4EC6136ECF}" type="pres">
-      <dgm:prSet presAssocID="{8B5945AF-6974-4C42-85DE-6FE5B77CAAD0}" presName="parentText" presStyleLbl="alignNode1" presStyleIdx="0" presStyleCnt="3">
+      <dgm:prSet presAssocID="{8B5945AF-6974-4C42-85DE-6FE5B77CAAD0}" presName="parentText" presStyleLbl="alignNode1" presStyleIdx="0" presStyleCnt="3" custScaleX="129289">
         <dgm:presLayoutVars>
           <dgm:chMax val="1"/>
           <dgm:bulletEnabled/>
@@ -2270,7 +3191,7 @@
       <dgm:spPr/>
     </dgm:pt>
     <dgm:pt modelId="{BECE8E23-732B-9B45-8B64-11217D7FC135}" type="pres">
-      <dgm:prSet presAssocID="{9D259188-6A99-40D5-8EA9-0C64AEB35365}" presName="parentText" presStyleLbl="alignNode1" presStyleIdx="1" presStyleCnt="3">
+      <dgm:prSet presAssocID="{9D259188-6A99-40D5-8EA9-0C64AEB35365}" presName="parentText" presStyleLbl="alignNode1" presStyleIdx="1" presStyleCnt="3" custScaleX="130845">
         <dgm:presLayoutVars>
           <dgm:chMax val="1"/>
           <dgm:bulletEnabled/>
@@ -2295,7 +3216,7 @@
       <dgm:spPr/>
     </dgm:pt>
     <dgm:pt modelId="{DF12F43D-8357-EB47-A4C0-35CA4A3F29E9}" type="pres">
-      <dgm:prSet presAssocID="{D0560927-EC29-4DAE-A6B8-DB41B3BE44A1}" presName="parentText" presStyleLbl="alignNode1" presStyleIdx="2" presStyleCnt="3">
+      <dgm:prSet presAssocID="{D0560927-EC29-4DAE-A6B8-DB41B3BE44A1}" presName="parentText" presStyleLbl="alignNode1" presStyleIdx="2" presStyleCnt="3" custScaleX="129289">
         <dgm:presLayoutVars>
           <dgm:chMax val="1"/>
           <dgm:bulletEnabled/>
@@ -2360,7 +3281,7 @@
 <dgm:dataModel xmlns:dgm="http://schemas.openxmlformats.org/drawingml/2006/diagram" xmlns:a="http://schemas.openxmlformats.org/drawingml/2006/main">
   <dgm:ptLst>
     <dgm:pt modelId="{8DBCDCB4-EEF9-41C1-81FE-79947AA3C4DB}" type="doc">
-      <dgm:prSet loTypeId="urn:microsoft.com/office/officeart/2005/8/layout/hierarchy2" loCatId="hierarchy" qsTypeId="urn:microsoft.com/office/officeart/2005/8/quickstyle/simple1" qsCatId="simple" csTypeId="urn:microsoft.com/office/officeart/2005/8/colors/colorful5" csCatId="colorful"/>
+      <dgm:prSet loTypeId="urn:microsoft.com/office/officeart/2005/8/layout/hierarchy2" loCatId="hierarchy" qsTypeId="urn:microsoft.com/office/officeart/2005/8/quickstyle/simple1" qsCatId="simple" csTypeId="urn:microsoft.com/office/officeart/2005/8/colors/colorful5" csCatId="colorful" phldr="1"/>
       <dgm:spPr/>
       <dgm:t>
         <a:bodyPr/>
@@ -2378,7 +3299,7 @@
         <a:lstStyle/>
         <a:p>
           <a:r>
-            <a:rPr lang="en-US"/>
+            <a:rPr lang="en-US" dirty="0"/>
             <a:t>1. Linear mixed-effects models fit with maximum likelihood estimation</a:t>
           </a:r>
         </a:p>
@@ -2486,8 +3407,8 @@
         <a:lstStyle/>
         <a:p>
           <a:r>
-            <a:rPr lang="en-US"/>
-            <a:t>Advantages of LME followed by AIC?</a:t>
+            <a:rPr lang="en-US" dirty="0"/>
+            <a:t>Advantages of LME and AIC?</a:t>
           </a:r>
         </a:p>
       </dgm:t>
@@ -2843,6 +3764,462 @@
 </dgm:dataModel>
 </file>
 
+<file path=ppt/diagrams/data3.xml><?xml version="1.0" encoding="utf-8"?>
+<dgm:dataModel xmlns:dgm="http://schemas.openxmlformats.org/drawingml/2006/diagram" xmlns:a="http://schemas.openxmlformats.org/drawingml/2006/main">
+  <dgm:ptLst>
+    <dgm:pt modelId="{31218DBB-8CDF-4DF1-A27B-6C7A9F9AB896}" type="doc">
+      <dgm:prSet loTypeId="urn:microsoft.com/office/officeart/2018/2/layout/IconVerticalSolidList" loCatId="icon" qsTypeId="urn:microsoft.com/office/officeart/2005/8/quickstyle/simple1" qsCatId="simple" csTypeId="urn:microsoft.com/office/officeart/2018/5/colors/Iconchunking_neutralbg_colorful1" csCatId="colorful" phldr="1"/>
+      <dgm:spPr/>
+      <dgm:t>
+        <a:bodyPr/>
+        <a:lstStyle/>
+        <a:p>
+          <a:endParaRPr lang="en-US"/>
+        </a:p>
+      </dgm:t>
+    </dgm:pt>
+    <dgm:pt modelId="{2182435D-F2CE-43B8-9583-72B7A9323F2B}">
+      <dgm:prSet/>
+      <dgm:spPr/>
+      <dgm:t>
+        <a:bodyPr/>
+        <a:lstStyle/>
+        <a:p>
+          <a:r>
+            <a:rPr lang="en-US" dirty="0"/>
+            <a:t>Longitude – reflects spatial size distribution of herring in Salish Sea</a:t>
+          </a:r>
+        </a:p>
+      </dgm:t>
+    </dgm:pt>
+    <dgm:pt modelId="{0B623C76-D660-4B61-B5E3-4D6F721CE836}" type="parTrans" cxnId="{25EDB4D6-3126-4B51-8996-F734951040DE}">
+      <dgm:prSet/>
+      <dgm:spPr/>
+      <dgm:t>
+        <a:bodyPr/>
+        <a:lstStyle/>
+        <a:p>
+          <a:endParaRPr lang="en-US"/>
+        </a:p>
+      </dgm:t>
+    </dgm:pt>
+    <dgm:pt modelId="{038283D6-53E6-40B5-A5DA-05CB89CACB75}" type="sibTrans" cxnId="{25EDB4D6-3126-4B51-8996-F734951040DE}">
+      <dgm:prSet/>
+      <dgm:spPr/>
+      <dgm:t>
+        <a:bodyPr/>
+        <a:lstStyle/>
+        <a:p>
+          <a:endParaRPr lang="en-US"/>
+        </a:p>
+      </dgm:t>
+    </dgm:pt>
+    <dgm:pt modelId="{A0A67769-404E-4846-8573-1A934C2B7381}">
+      <dgm:prSet/>
+      <dgm:spPr/>
+      <dgm:t>
+        <a:bodyPr/>
+        <a:lstStyle/>
+        <a:p>
+          <a:r>
+            <a:rPr lang="en-US" dirty="0"/>
+            <a:t>Solution: model capture location as a categorical variable</a:t>
+          </a:r>
+        </a:p>
+      </dgm:t>
+    </dgm:pt>
+    <dgm:pt modelId="{ADF684C6-84FB-431E-972E-2DB36F5BC5D1}" type="parTrans" cxnId="{7F4FCBF4-7CBE-4C33-A4FE-048886831F26}">
+      <dgm:prSet/>
+      <dgm:spPr/>
+      <dgm:t>
+        <a:bodyPr/>
+        <a:lstStyle/>
+        <a:p>
+          <a:endParaRPr lang="en-US"/>
+        </a:p>
+      </dgm:t>
+    </dgm:pt>
+    <dgm:pt modelId="{D338031A-7D2C-4E66-9084-013A4B819ECE}" type="sibTrans" cxnId="{7F4FCBF4-7CBE-4C33-A4FE-048886831F26}">
+      <dgm:prSet/>
+      <dgm:spPr/>
+      <dgm:t>
+        <a:bodyPr/>
+        <a:lstStyle/>
+        <a:p>
+          <a:endParaRPr lang="en-US"/>
+        </a:p>
+      </dgm:t>
+    </dgm:pt>
+    <dgm:pt modelId="{9DFD051A-EA57-4E26-B9BA-FEACAAB68855}">
+      <dgm:prSet/>
+      <dgm:spPr/>
+      <dgm:t>
+        <a:bodyPr/>
+        <a:lstStyle/>
+        <a:p>
+          <a:r>
+            <a:rPr lang="en-US" dirty="0"/>
+            <a:t>Day of Year – reflects two or more herring age classes</a:t>
+          </a:r>
+        </a:p>
+      </dgm:t>
+    </dgm:pt>
+    <dgm:pt modelId="{35A1C988-6160-49E8-AF6E-033E0E167601}" type="parTrans" cxnId="{67A15AEB-F1C3-4036-8B4B-6761FBA199B4}">
+      <dgm:prSet/>
+      <dgm:spPr/>
+      <dgm:t>
+        <a:bodyPr/>
+        <a:lstStyle/>
+        <a:p>
+          <a:endParaRPr lang="en-US"/>
+        </a:p>
+      </dgm:t>
+    </dgm:pt>
+    <dgm:pt modelId="{1003F75C-4C8A-4F96-934E-C8E651DC3490}" type="sibTrans" cxnId="{67A15AEB-F1C3-4036-8B4B-6761FBA199B4}">
+      <dgm:prSet/>
+      <dgm:spPr/>
+      <dgm:t>
+        <a:bodyPr/>
+        <a:lstStyle/>
+        <a:p>
+          <a:endParaRPr lang="en-US"/>
+        </a:p>
+      </dgm:t>
+    </dgm:pt>
+    <dgm:pt modelId="{B2362366-1B8F-4310-ADDD-82E28D2EB482}">
+      <dgm:prSet/>
+      <dgm:spPr/>
+      <dgm:t>
+        <a:bodyPr/>
+        <a:lstStyle/>
+        <a:p>
+          <a:r>
+            <a:rPr lang="en-US" dirty="0"/>
+            <a:t>Solution : model age classes separately</a:t>
+          </a:r>
+        </a:p>
+      </dgm:t>
+    </dgm:pt>
+    <dgm:pt modelId="{9136294B-C99F-4923-B3F8-38ED16B00A29}" type="parTrans" cxnId="{A38D697B-36E3-47A7-90B7-F7C15E0E2F1E}">
+      <dgm:prSet/>
+      <dgm:spPr/>
+      <dgm:t>
+        <a:bodyPr/>
+        <a:lstStyle/>
+        <a:p>
+          <a:endParaRPr lang="en-US"/>
+        </a:p>
+      </dgm:t>
+    </dgm:pt>
+    <dgm:pt modelId="{D2282EE6-A698-4E8F-8E69-13CAB9237732}" type="sibTrans" cxnId="{A38D697B-36E3-47A7-90B7-F7C15E0E2F1E}">
+      <dgm:prSet/>
+      <dgm:spPr/>
+      <dgm:t>
+        <a:bodyPr/>
+        <a:lstStyle/>
+        <a:p>
+          <a:endParaRPr lang="en-US"/>
+        </a:p>
+      </dgm:t>
+    </dgm:pt>
+    <dgm:pt modelId="{C6C58EA6-9517-4FB2-AD6E-78968716878D}">
+      <dgm:prSet/>
+      <dgm:spPr/>
+      <dgm:t>
+        <a:bodyPr/>
+        <a:lstStyle/>
+        <a:p>
+          <a:r>
+            <a:rPr lang="en-US" dirty="0"/>
+            <a:t>Salmon length – few salmon below &lt;62cm</a:t>
+          </a:r>
+        </a:p>
+      </dgm:t>
+    </dgm:pt>
+    <dgm:pt modelId="{AA5936F1-29F2-4F8D-BAE4-07B1CE0D1DB7}" type="parTrans" cxnId="{E42F5637-184A-4596-A0F0-386A22FFCD5A}">
+      <dgm:prSet/>
+      <dgm:spPr/>
+      <dgm:t>
+        <a:bodyPr/>
+        <a:lstStyle/>
+        <a:p>
+          <a:endParaRPr lang="en-US"/>
+        </a:p>
+      </dgm:t>
+    </dgm:pt>
+    <dgm:pt modelId="{FFCEDD6F-2503-42EB-B1B6-0C18E429DDEA}" type="sibTrans" cxnId="{E42F5637-184A-4596-A0F0-386A22FFCD5A}">
+      <dgm:prSet/>
+      <dgm:spPr/>
+      <dgm:t>
+        <a:bodyPr/>
+        <a:lstStyle/>
+        <a:p>
+          <a:endParaRPr lang="en-US"/>
+        </a:p>
+      </dgm:t>
+    </dgm:pt>
+    <dgm:pt modelId="{8B3452BA-F613-43EF-8659-A4AFABE2FD1D}">
+      <dgm:prSet/>
+      <dgm:spPr/>
+      <dgm:t>
+        <a:bodyPr/>
+        <a:lstStyle/>
+        <a:p>
+          <a:r>
+            <a:rPr lang="en-US" dirty="0"/>
+            <a:t>Solution : model with and without fish &lt; 62cm</a:t>
+          </a:r>
+        </a:p>
+      </dgm:t>
+    </dgm:pt>
+    <dgm:pt modelId="{7EA234D5-BA3F-4612-ADA7-67A6CD3261E5}" type="parTrans" cxnId="{EBDC193A-4B91-44BE-8947-1BB5027C9CB9}">
+      <dgm:prSet/>
+      <dgm:spPr/>
+      <dgm:t>
+        <a:bodyPr/>
+        <a:lstStyle/>
+        <a:p>
+          <a:endParaRPr lang="en-US"/>
+        </a:p>
+      </dgm:t>
+    </dgm:pt>
+    <dgm:pt modelId="{39F1E869-C5F8-44DB-A336-AD8EFEBF3F61}" type="sibTrans" cxnId="{EBDC193A-4B91-44BE-8947-1BB5027C9CB9}">
+      <dgm:prSet/>
+      <dgm:spPr/>
+      <dgm:t>
+        <a:bodyPr/>
+        <a:lstStyle/>
+        <a:p>
+          <a:endParaRPr lang="en-US"/>
+        </a:p>
+      </dgm:t>
+    </dgm:pt>
+    <dgm:pt modelId="{7AAED7A9-360E-4340-B8B8-BE30C56173FF}" type="pres">
+      <dgm:prSet presAssocID="{31218DBB-8CDF-4DF1-A27B-6C7A9F9AB896}" presName="root" presStyleCnt="0">
+        <dgm:presLayoutVars>
+          <dgm:dir/>
+          <dgm:resizeHandles val="exact"/>
+        </dgm:presLayoutVars>
+      </dgm:prSet>
+      <dgm:spPr/>
+    </dgm:pt>
+    <dgm:pt modelId="{0704A0EE-99FD-4ABA-915F-274905A2C14D}" type="pres">
+      <dgm:prSet presAssocID="{2182435D-F2CE-43B8-9583-72B7A9323F2B}" presName="compNode" presStyleCnt="0"/>
+      <dgm:spPr/>
+    </dgm:pt>
+    <dgm:pt modelId="{594F9333-B2E7-4E09-ADEF-8443D6BB6FB6}" type="pres">
+      <dgm:prSet presAssocID="{2182435D-F2CE-43B8-9583-72B7A9323F2B}" presName="bgRect" presStyleLbl="bgShp" presStyleIdx="0" presStyleCnt="3"/>
+      <dgm:spPr/>
+    </dgm:pt>
+    <dgm:pt modelId="{79D2998A-11FB-489A-BD73-B8156D666AB5}" type="pres">
+      <dgm:prSet presAssocID="{2182435D-F2CE-43B8-9583-72B7A9323F2B}" presName="iconRect" presStyleLbl="node1" presStyleIdx="0" presStyleCnt="3"/>
+      <dgm:spPr>
+        <a:blipFill>
+          <a:blip xmlns:r="http://schemas.openxmlformats.org/officeDocument/2006/relationships" r:embed="rId1">
+            <a:extLst>
+              <a:ext uri="{28A0092B-C50C-407E-A947-70E740481C1C}">
+                <a14:useLocalDpi xmlns:a14="http://schemas.microsoft.com/office/drawing/2010/main" val="0"/>
+              </a:ext>
+              <a:ext uri="{96DAC541-7B7A-43D3-8B79-37D633B846F1}">
+                <asvg:svgBlip xmlns:asvg="http://schemas.microsoft.com/office/drawing/2016/SVG/main" r:embed="rId2"/>
+              </a:ext>
+            </a:extLst>
+          </a:blip>
+          <a:stretch>
+            <a:fillRect/>
+          </a:stretch>
+        </a:blipFill>
+        <a:ln>
+          <a:noFill/>
+        </a:ln>
+      </dgm:spPr>
+      <dgm:extLst>
+        <a:ext uri="{E40237B7-FDA0-4F09-8148-C483321AD2D9}">
+          <dgm14:cNvPr xmlns:dgm14="http://schemas.microsoft.com/office/drawing/2010/diagram" id="0" name="" descr="Fish"/>
+        </a:ext>
+      </dgm:extLst>
+    </dgm:pt>
+    <dgm:pt modelId="{63A4B51E-E28B-4EF4-B4E3-968A478FCCB4}" type="pres">
+      <dgm:prSet presAssocID="{2182435D-F2CE-43B8-9583-72B7A9323F2B}" presName="spaceRect" presStyleCnt="0"/>
+      <dgm:spPr/>
+    </dgm:pt>
+    <dgm:pt modelId="{15F235F2-5831-4948-8096-6CFFCFE99CE3}" type="pres">
+      <dgm:prSet presAssocID="{2182435D-F2CE-43B8-9583-72B7A9323F2B}" presName="parTx" presStyleLbl="revTx" presStyleIdx="0" presStyleCnt="6" custLinFactNeighborX="-9669">
+        <dgm:presLayoutVars>
+          <dgm:chMax val="0"/>
+          <dgm:chPref val="0"/>
+        </dgm:presLayoutVars>
+      </dgm:prSet>
+      <dgm:spPr/>
+    </dgm:pt>
+    <dgm:pt modelId="{C4AE1EE0-E66A-42EE-AACF-3CBC83AF71EC}" type="pres">
+      <dgm:prSet presAssocID="{2182435D-F2CE-43B8-9583-72B7A9323F2B}" presName="desTx" presStyleLbl="revTx" presStyleIdx="1" presStyleCnt="6" custScaleX="132065" custScaleY="103091">
+        <dgm:presLayoutVars/>
+      </dgm:prSet>
+      <dgm:spPr/>
+    </dgm:pt>
+    <dgm:pt modelId="{ED8744E1-D28B-45C1-AD89-3D7578B07F44}" type="pres">
+      <dgm:prSet presAssocID="{038283D6-53E6-40B5-A5DA-05CB89CACB75}" presName="sibTrans" presStyleCnt="0"/>
+      <dgm:spPr/>
+    </dgm:pt>
+    <dgm:pt modelId="{497EC885-B850-436D-96BC-134F54F5CA3E}" type="pres">
+      <dgm:prSet presAssocID="{9DFD051A-EA57-4E26-B9BA-FEACAAB68855}" presName="compNode" presStyleCnt="0"/>
+      <dgm:spPr/>
+    </dgm:pt>
+    <dgm:pt modelId="{9929EC9C-D6E8-41E7-A2D1-3DFF057F68F6}" type="pres">
+      <dgm:prSet presAssocID="{9DFD051A-EA57-4E26-B9BA-FEACAAB68855}" presName="bgRect" presStyleLbl="bgShp" presStyleIdx="1" presStyleCnt="3"/>
+      <dgm:spPr/>
+    </dgm:pt>
+    <dgm:pt modelId="{596F61AA-CAC7-4DAF-9E79-51C16610EE59}" type="pres">
+      <dgm:prSet presAssocID="{9DFD051A-EA57-4E26-B9BA-FEACAAB68855}" presName="iconRect" presStyleLbl="node1" presStyleIdx="1" presStyleCnt="3"/>
+      <dgm:spPr>
+        <a:blipFill>
+          <a:blip xmlns:r="http://schemas.openxmlformats.org/officeDocument/2006/relationships" r:embed="rId3">
+            <a:extLst>
+              <a:ext uri="{28A0092B-C50C-407E-A947-70E740481C1C}">
+                <a14:useLocalDpi xmlns:a14="http://schemas.microsoft.com/office/drawing/2010/main" val="0"/>
+              </a:ext>
+              <a:ext uri="{96DAC541-7B7A-43D3-8B79-37D633B846F1}">
+                <asvg:svgBlip xmlns:asvg="http://schemas.microsoft.com/office/drawing/2016/SVG/main" r:embed="rId4"/>
+              </a:ext>
+            </a:extLst>
+          </a:blip>
+          <a:stretch>
+            <a:fillRect/>
+          </a:stretch>
+        </a:blipFill>
+        <a:ln>
+          <a:noFill/>
+        </a:ln>
+      </dgm:spPr>
+      <dgm:extLst>
+        <a:ext uri="{E40237B7-FDA0-4F09-8148-C483321AD2D9}">
+          <dgm14:cNvPr xmlns:dgm14="http://schemas.microsoft.com/office/drawing/2010/diagram" id="0" name="" descr="Books"/>
+        </a:ext>
+      </dgm:extLst>
+    </dgm:pt>
+    <dgm:pt modelId="{E1AC85E1-BE4A-46ED-986D-7D67F48CC936}" type="pres">
+      <dgm:prSet presAssocID="{9DFD051A-EA57-4E26-B9BA-FEACAAB68855}" presName="spaceRect" presStyleCnt="0"/>
+      <dgm:spPr/>
+    </dgm:pt>
+    <dgm:pt modelId="{81B3C337-E3FE-4558-9CE9-FFFF98D1C95A}" type="pres">
+      <dgm:prSet presAssocID="{9DFD051A-EA57-4E26-B9BA-FEACAAB68855}" presName="parTx" presStyleLbl="revTx" presStyleIdx="2" presStyleCnt="6" custLinFactNeighborX="-5202" custLinFactNeighborY="0">
+        <dgm:presLayoutVars>
+          <dgm:chMax val="0"/>
+          <dgm:chPref val="0"/>
+        </dgm:presLayoutVars>
+      </dgm:prSet>
+      <dgm:spPr/>
+    </dgm:pt>
+    <dgm:pt modelId="{D8108B24-A0B6-49A1-BEF2-5D106F920639}" type="pres">
+      <dgm:prSet presAssocID="{9DFD051A-EA57-4E26-B9BA-FEACAAB68855}" presName="desTx" presStyleLbl="revTx" presStyleIdx="3" presStyleCnt="6" custScaleX="126516" custScaleY="123383">
+        <dgm:presLayoutVars/>
+      </dgm:prSet>
+      <dgm:spPr/>
+    </dgm:pt>
+    <dgm:pt modelId="{F043E7B4-8DC9-412F-9F91-4254064B0B34}" type="pres">
+      <dgm:prSet presAssocID="{1003F75C-4C8A-4F96-934E-C8E651DC3490}" presName="sibTrans" presStyleCnt="0"/>
+      <dgm:spPr/>
+    </dgm:pt>
+    <dgm:pt modelId="{6337751F-D15B-485D-9FF0-E06EA62BE01C}" type="pres">
+      <dgm:prSet presAssocID="{C6C58EA6-9517-4FB2-AD6E-78968716878D}" presName="compNode" presStyleCnt="0"/>
+      <dgm:spPr/>
+    </dgm:pt>
+    <dgm:pt modelId="{653CBBE0-705B-4885-B066-D87581E2FA0E}" type="pres">
+      <dgm:prSet presAssocID="{C6C58EA6-9517-4FB2-AD6E-78968716878D}" presName="bgRect" presStyleLbl="bgShp" presStyleIdx="2" presStyleCnt="3"/>
+      <dgm:spPr/>
+    </dgm:pt>
+    <dgm:pt modelId="{A10D4CA1-A8F4-4612-8CEC-767604C23EF4}" type="pres">
+      <dgm:prSet presAssocID="{C6C58EA6-9517-4FB2-AD6E-78968716878D}" presName="iconRect" presStyleLbl="node1" presStyleIdx="2" presStyleCnt="3"/>
+      <dgm:spPr>
+        <a:blipFill>
+          <a:blip xmlns:r="http://schemas.openxmlformats.org/officeDocument/2006/relationships" r:embed="rId5">
+            <a:extLst>
+              <a:ext uri="{96DAC541-7B7A-43D3-8B79-37D633B846F1}">
+                <asvg:svgBlip xmlns:asvg="http://schemas.microsoft.com/office/drawing/2016/SVG/main" r:embed="rId6"/>
+              </a:ext>
+            </a:extLst>
+          </a:blip>
+          <a:srcRect/>
+          <a:stretch>
+            <a:fillRect/>
+          </a:stretch>
+        </a:blipFill>
+        <a:ln>
+          <a:noFill/>
+        </a:ln>
+      </dgm:spPr>
+      <dgm:extLst>
+        <a:ext uri="{E40237B7-FDA0-4F09-8148-C483321AD2D9}">
+          <dgm14:cNvPr xmlns:dgm14="http://schemas.microsoft.com/office/drawing/2010/diagram" id="0" name="" descr="Fishing"/>
+        </a:ext>
+      </dgm:extLst>
+    </dgm:pt>
+    <dgm:pt modelId="{956FF2E4-A271-4E07-A0FB-DCA83E32DEDC}" type="pres">
+      <dgm:prSet presAssocID="{C6C58EA6-9517-4FB2-AD6E-78968716878D}" presName="spaceRect" presStyleCnt="0"/>
+      <dgm:spPr/>
+    </dgm:pt>
+    <dgm:pt modelId="{6AA86F2E-68E5-4C15-B1B5-CBAB7C729ED9}" type="pres">
+      <dgm:prSet presAssocID="{C6C58EA6-9517-4FB2-AD6E-78968716878D}" presName="parTx" presStyleLbl="revTx" presStyleIdx="4" presStyleCnt="6" custLinFactNeighborX="-2972" custLinFactNeighborY="43">
+        <dgm:presLayoutVars>
+          <dgm:chMax val="0"/>
+          <dgm:chPref val="0"/>
+        </dgm:presLayoutVars>
+      </dgm:prSet>
+      <dgm:spPr/>
+    </dgm:pt>
+    <dgm:pt modelId="{46B62B52-2165-45C6-ACE6-CB9111B33EB4}" type="pres">
+      <dgm:prSet presAssocID="{C6C58EA6-9517-4FB2-AD6E-78968716878D}" presName="desTx" presStyleLbl="revTx" presStyleIdx="5" presStyleCnt="6" custScaleX="116061" custScaleY="122538">
+        <dgm:presLayoutVars/>
+      </dgm:prSet>
+      <dgm:spPr/>
+    </dgm:pt>
+  </dgm:ptLst>
+  <dgm:cxnLst>
+    <dgm:cxn modelId="{B9897219-95CE-4FF1-87D2-F34ED9681285}" type="presOf" srcId="{B2362366-1B8F-4310-ADDD-82E28D2EB482}" destId="{D8108B24-A0B6-49A1-BEF2-5D106F920639}" srcOrd="0" destOrd="0" presId="urn:microsoft.com/office/officeart/2018/2/layout/IconVerticalSolidList"/>
+    <dgm:cxn modelId="{E42F5637-184A-4596-A0F0-386A22FFCD5A}" srcId="{31218DBB-8CDF-4DF1-A27B-6C7A9F9AB896}" destId="{C6C58EA6-9517-4FB2-AD6E-78968716878D}" srcOrd="2" destOrd="0" parTransId="{AA5936F1-29F2-4F8D-BAE4-07B1CE0D1DB7}" sibTransId="{FFCEDD6F-2503-42EB-B1B6-0C18E429DDEA}"/>
+    <dgm:cxn modelId="{EBDC193A-4B91-44BE-8947-1BB5027C9CB9}" srcId="{C6C58EA6-9517-4FB2-AD6E-78968716878D}" destId="{8B3452BA-F613-43EF-8659-A4AFABE2FD1D}" srcOrd="0" destOrd="0" parTransId="{7EA234D5-BA3F-4612-ADA7-67A6CD3261E5}" sibTransId="{39F1E869-C5F8-44DB-A336-AD8EFEBF3F61}"/>
+    <dgm:cxn modelId="{7B76EF66-247B-4C9A-AF8D-90918F769D17}" type="presOf" srcId="{8B3452BA-F613-43EF-8659-A4AFABE2FD1D}" destId="{46B62B52-2165-45C6-ACE6-CB9111B33EB4}" srcOrd="0" destOrd="0" presId="urn:microsoft.com/office/officeart/2018/2/layout/IconVerticalSolidList"/>
+    <dgm:cxn modelId="{071CEB6C-5700-4BA1-B2D3-E664329367B7}" type="presOf" srcId="{31218DBB-8CDF-4DF1-A27B-6C7A9F9AB896}" destId="{7AAED7A9-360E-4340-B8B8-BE30C56173FF}" srcOrd="0" destOrd="0" presId="urn:microsoft.com/office/officeart/2018/2/layout/IconVerticalSolidList"/>
+    <dgm:cxn modelId="{C157E377-A0E2-4FD7-A1AF-165B80665BC5}" type="presOf" srcId="{A0A67769-404E-4846-8573-1A934C2B7381}" destId="{C4AE1EE0-E66A-42EE-AACF-3CBC83AF71EC}" srcOrd="0" destOrd="0" presId="urn:microsoft.com/office/officeart/2018/2/layout/IconVerticalSolidList"/>
+    <dgm:cxn modelId="{A38D697B-36E3-47A7-90B7-F7C15E0E2F1E}" srcId="{9DFD051A-EA57-4E26-B9BA-FEACAAB68855}" destId="{B2362366-1B8F-4310-ADDD-82E28D2EB482}" srcOrd="0" destOrd="0" parTransId="{9136294B-C99F-4923-B3F8-38ED16B00A29}" sibTransId="{D2282EE6-A698-4E8F-8E69-13CAB9237732}"/>
+    <dgm:cxn modelId="{1EC98BB8-3A1F-48E7-B3A4-017053F16335}" type="presOf" srcId="{2182435D-F2CE-43B8-9583-72B7A9323F2B}" destId="{15F235F2-5831-4948-8096-6CFFCFE99CE3}" srcOrd="0" destOrd="0" presId="urn:microsoft.com/office/officeart/2018/2/layout/IconVerticalSolidList"/>
+    <dgm:cxn modelId="{8E79EED0-06ED-402B-9AA5-FED999AE32D4}" type="presOf" srcId="{9DFD051A-EA57-4E26-B9BA-FEACAAB68855}" destId="{81B3C337-E3FE-4558-9CE9-FFFF98D1C95A}" srcOrd="0" destOrd="0" presId="urn:microsoft.com/office/officeart/2018/2/layout/IconVerticalSolidList"/>
+    <dgm:cxn modelId="{25EDB4D6-3126-4B51-8996-F734951040DE}" srcId="{31218DBB-8CDF-4DF1-A27B-6C7A9F9AB896}" destId="{2182435D-F2CE-43B8-9583-72B7A9323F2B}" srcOrd="0" destOrd="0" parTransId="{0B623C76-D660-4B61-B5E3-4D6F721CE836}" sibTransId="{038283D6-53E6-40B5-A5DA-05CB89CACB75}"/>
+    <dgm:cxn modelId="{34E79EEA-C6D7-4B28-AE43-36B72449D752}" type="presOf" srcId="{C6C58EA6-9517-4FB2-AD6E-78968716878D}" destId="{6AA86F2E-68E5-4C15-B1B5-CBAB7C729ED9}" srcOrd="0" destOrd="0" presId="urn:microsoft.com/office/officeart/2018/2/layout/IconVerticalSolidList"/>
+    <dgm:cxn modelId="{67A15AEB-F1C3-4036-8B4B-6761FBA199B4}" srcId="{31218DBB-8CDF-4DF1-A27B-6C7A9F9AB896}" destId="{9DFD051A-EA57-4E26-B9BA-FEACAAB68855}" srcOrd="1" destOrd="0" parTransId="{35A1C988-6160-49E8-AF6E-033E0E167601}" sibTransId="{1003F75C-4C8A-4F96-934E-C8E651DC3490}"/>
+    <dgm:cxn modelId="{7F4FCBF4-7CBE-4C33-A4FE-048886831F26}" srcId="{2182435D-F2CE-43B8-9583-72B7A9323F2B}" destId="{A0A67769-404E-4846-8573-1A934C2B7381}" srcOrd="0" destOrd="0" parTransId="{ADF684C6-84FB-431E-972E-2DB36F5BC5D1}" sibTransId="{D338031A-7D2C-4E66-9084-013A4B819ECE}"/>
+    <dgm:cxn modelId="{24139B94-4809-49A1-80F7-9DAE43D4BE97}" type="presParOf" srcId="{7AAED7A9-360E-4340-B8B8-BE30C56173FF}" destId="{0704A0EE-99FD-4ABA-915F-274905A2C14D}" srcOrd="0" destOrd="0" presId="urn:microsoft.com/office/officeart/2018/2/layout/IconVerticalSolidList"/>
+    <dgm:cxn modelId="{A1D69C95-17C4-4A7E-95D3-CF0FCC71F17A}" type="presParOf" srcId="{0704A0EE-99FD-4ABA-915F-274905A2C14D}" destId="{594F9333-B2E7-4E09-ADEF-8443D6BB6FB6}" srcOrd="0" destOrd="0" presId="urn:microsoft.com/office/officeart/2018/2/layout/IconVerticalSolidList"/>
+    <dgm:cxn modelId="{65EF1C50-AD18-4B5C-96F1-BB15B743A13E}" type="presParOf" srcId="{0704A0EE-99FD-4ABA-915F-274905A2C14D}" destId="{79D2998A-11FB-489A-BD73-B8156D666AB5}" srcOrd="1" destOrd="0" presId="urn:microsoft.com/office/officeart/2018/2/layout/IconVerticalSolidList"/>
+    <dgm:cxn modelId="{8FEDDA04-E470-4D2B-BF79-D5C9880B4A1A}" type="presParOf" srcId="{0704A0EE-99FD-4ABA-915F-274905A2C14D}" destId="{63A4B51E-E28B-4EF4-B4E3-968A478FCCB4}" srcOrd="2" destOrd="0" presId="urn:microsoft.com/office/officeart/2018/2/layout/IconVerticalSolidList"/>
+    <dgm:cxn modelId="{E0C36A25-3654-423A-965B-AF34FE2C8727}" type="presParOf" srcId="{0704A0EE-99FD-4ABA-915F-274905A2C14D}" destId="{15F235F2-5831-4948-8096-6CFFCFE99CE3}" srcOrd="3" destOrd="0" presId="urn:microsoft.com/office/officeart/2018/2/layout/IconVerticalSolidList"/>
+    <dgm:cxn modelId="{5548DDC3-2B37-4CF1-8EA1-397770360839}" type="presParOf" srcId="{0704A0EE-99FD-4ABA-915F-274905A2C14D}" destId="{C4AE1EE0-E66A-42EE-AACF-3CBC83AF71EC}" srcOrd="4" destOrd="0" presId="urn:microsoft.com/office/officeart/2018/2/layout/IconVerticalSolidList"/>
+    <dgm:cxn modelId="{4B055F42-48EE-4D0F-92F5-2467AB91252E}" type="presParOf" srcId="{7AAED7A9-360E-4340-B8B8-BE30C56173FF}" destId="{ED8744E1-D28B-45C1-AD89-3D7578B07F44}" srcOrd="1" destOrd="0" presId="urn:microsoft.com/office/officeart/2018/2/layout/IconVerticalSolidList"/>
+    <dgm:cxn modelId="{D2DBA5AD-9BE0-446C-9A8B-6CA0DBEFD356}" type="presParOf" srcId="{7AAED7A9-360E-4340-B8B8-BE30C56173FF}" destId="{497EC885-B850-436D-96BC-134F54F5CA3E}" srcOrd="2" destOrd="0" presId="urn:microsoft.com/office/officeart/2018/2/layout/IconVerticalSolidList"/>
+    <dgm:cxn modelId="{EFD1A89A-6632-4575-8B6E-BC04D29BDC61}" type="presParOf" srcId="{497EC885-B850-436D-96BC-134F54F5CA3E}" destId="{9929EC9C-D6E8-41E7-A2D1-3DFF057F68F6}" srcOrd="0" destOrd="0" presId="urn:microsoft.com/office/officeart/2018/2/layout/IconVerticalSolidList"/>
+    <dgm:cxn modelId="{2DEA1E66-84B3-42A0-A01C-2FD3A1766AE3}" type="presParOf" srcId="{497EC885-B850-436D-96BC-134F54F5CA3E}" destId="{596F61AA-CAC7-4DAF-9E79-51C16610EE59}" srcOrd="1" destOrd="0" presId="urn:microsoft.com/office/officeart/2018/2/layout/IconVerticalSolidList"/>
+    <dgm:cxn modelId="{DBED0D3D-29EB-4599-84AE-ABB09C5888F6}" type="presParOf" srcId="{497EC885-B850-436D-96BC-134F54F5CA3E}" destId="{E1AC85E1-BE4A-46ED-986D-7D67F48CC936}" srcOrd="2" destOrd="0" presId="urn:microsoft.com/office/officeart/2018/2/layout/IconVerticalSolidList"/>
+    <dgm:cxn modelId="{69EFD655-493F-48E3-92B4-CF029659EB38}" type="presParOf" srcId="{497EC885-B850-436D-96BC-134F54F5CA3E}" destId="{81B3C337-E3FE-4558-9CE9-FFFF98D1C95A}" srcOrd="3" destOrd="0" presId="urn:microsoft.com/office/officeart/2018/2/layout/IconVerticalSolidList"/>
+    <dgm:cxn modelId="{6A9BDB21-6A3B-4262-B189-882BF1A806D0}" type="presParOf" srcId="{497EC885-B850-436D-96BC-134F54F5CA3E}" destId="{D8108B24-A0B6-49A1-BEF2-5D106F920639}" srcOrd="4" destOrd="0" presId="urn:microsoft.com/office/officeart/2018/2/layout/IconVerticalSolidList"/>
+    <dgm:cxn modelId="{B106509F-8E21-4C39-BC2B-3468BD0E422C}" type="presParOf" srcId="{7AAED7A9-360E-4340-B8B8-BE30C56173FF}" destId="{F043E7B4-8DC9-412F-9F91-4254064B0B34}" srcOrd="3" destOrd="0" presId="urn:microsoft.com/office/officeart/2018/2/layout/IconVerticalSolidList"/>
+    <dgm:cxn modelId="{78EE87D5-ABDE-402C-BD7F-0A395CCA85DA}" type="presParOf" srcId="{7AAED7A9-360E-4340-B8B8-BE30C56173FF}" destId="{6337751F-D15B-485D-9FF0-E06EA62BE01C}" srcOrd="4" destOrd="0" presId="urn:microsoft.com/office/officeart/2018/2/layout/IconVerticalSolidList"/>
+    <dgm:cxn modelId="{270AD223-55EE-42BD-B583-F95AEECE46B3}" type="presParOf" srcId="{6337751F-D15B-485D-9FF0-E06EA62BE01C}" destId="{653CBBE0-705B-4885-B066-D87581E2FA0E}" srcOrd="0" destOrd="0" presId="urn:microsoft.com/office/officeart/2018/2/layout/IconVerticalSolidList"/>
+    <dgm:cxn modelId="{0EC7D4E6-EF5B-4899-9EB4-F41BA5CD3A71}" type="presParOf" srcId="{6337751F-D15B-485D-9FF0-E06EA62BE01C}" destId="{A10D4CA1-A8F4-4612-8CEC-767604C23EF4}" srcOrd="1" destOrd="0" presId="urn:microsoft.com/office/officeart/2018/2/layout/IconVerticalSolidList"/>
+    <dgm:cxn modelId="{762391E0-00F6-463A-9DC8-6050D91F30D2}" type="presParOf" srcId="{6337751F-D15B-485D-9FF0-E06EA62BE01C}" destId="{956FF2E4-A271-4E07-A0FB-DCA83E32DEDC}" srcOrd="2" destOrd="0" presId="urn:microsoft.com/office/officeart/2018/2/layout/IconVerticalSolidList"/>
+    <dgm:cxn modelId="{975289E4-D976-42B9-8C45-7177B49D20C9}" type="presParOf" srcId="{6337751F-D15B-485D-9FF0-E06EA62BE01C}" destId="{6AA86F2E-68E5-4C15-B1B5-CBAB7C729ED9}" srcOrd="3" destOrd="0" presId="urn:microsoft.com/office/officeart/2018/2/layout/IconVerticalSolidList"/>
+    <dgm:cxn modelId="{E202DCB3-EB0C-475D-8923-7011AD13BC00}" type="presParOf" srcId="{6337751F-D15B-485D-9FF0-E06EA62BE01C}" destId="{46B62B52-2165-45C6-ACE6-CB9111B33EB4}" srcOrd="4" destOrd="0" presId="urn:microsoft.com/office/officeart/2018/2/layout/IconVerticalSolidList"/>
+  </dgm:cxnLst>
+  <dgm:bg/>
+  <dgm:whole/>
+  <dgm:extLst>
+    <a:ext uri="http://schemas.microsoft.com/office/drawing/2008/diagram">
+      <dsp:dataModelExt xmlns:dsp="http://schemas.microsoft.com/office/drawing/2008/diagram" relId="rId7" minVer="http://schemas.openxmlformats.org/drawingml/2006/diagram"/>
+    </a:ext>
+  </dgm:extLst>
+</dgm:dataModel>
+</file>
+
 <file path=ppt/diagrams/drawing1.xml><?xml version="1.0" encoding="utf-8"?>
 <dsp:drawing xmlns:dgm="http://schemas.openxmlformats.org/drawingml/2006/diagram" xmlns:dsp="http://schemas.microsoft.com/office/drawing/2008/diagram" xmlns:a="http://schemas.openxmlformats.org/drawingml/2006/main">
   <dsp:spTree>
@@ -2858,8 +4235,8 @@
       </dsp:nvSpPr>
       <dsp:spPr>
         <a:xfrm>
-          <a:off x="1252728" y="1720"/>
-          <a:ext cx="5010912" cy="1763220"/>
+          <a:off x="1652546" y="1720"/>
+          <a:ext cx="5109094" cy="1763220"/>
         </a:xfrm>
         <a:prstGeom prst="rect">
           <a:avLst/>
@@ -2903,12 +4280,12 @@
         <a:fontRef idx="minor"/>
       </dsp:style>
       <dsp:txBody>
-        <a:bodyPr spcFirstLastPara="0" vert="horz" wrap="square" lIns="97226" tIns="447858" rIns="97226" bIns="447858" numCol="1" spcCol="1270" anchor="ctr" anchorCtr="0">
+        <a:bodyPr spcFirstLastPara="0" vert="horz" wrap="square" lIns="99131" tIns="447858" rIns="99131" bIns="447858" numCol="1" spcCol="1270" anchor="ctr" anchorCtr="0">
           <a:noAutofit/>
         </a:bodyPr>
         <a:lstStyle/>
         <a:p>
-          <a:pPr marL="0" lvl="0" indent="0" algn="l" defTabSz="533400">
+          <a:pPr marL="0" lvl="0" indent="0" algn="l" defTabSz="889000">
             <a:lnSpc>
               <a:spcPct val="90000"/>
             </a:lnSpc>
@@ -2921,12 +4298,12 @@
             <a:buNone/>
           </a:pPr>
           <a:r>
-            <a:rPr lang="en-US" sz="1200" kern="1200"/>
+            <a:rPr lang="en-US" sz="2000" kern="1200"/>
             <a:t>Herring otoliths</a:t>
           </a:r>
         </a:p>
         <a:p>
-          <a:pPr marL="0" lvl="0" indent="0" algn="l" defTabSz="533400">
+          <a:pPr marL="0" lvl="0" indent="0" algn="l" defTabSz="889000">
             <a:lnSpc>
               <a:spcPct val="90000"/>
             </a:lnSpc>
@@ -2939,14 +4316,14 @@
             <a:buNone/>
           </a:pPr>
           <a:r>
-            <a:rPr lang="en-US" sz="1200" kern="1200"/>
+            <a:rPr lang="en-US" sz="2000" kern="1200" dirty="0"/>
             <a:t>Recreationally-caught salmon catch data</a:t>
           </a:r>
         </a:p>
       </dsp:txBody>
       <dsp:txXfrm>
-        <a:off x="1252728" y="1720"/>
-        <a:ext cx="5010912" cy="1763220"/>
+        <a:off x="1652546" y="1720"/>
+        <a:ext cx="5109094" cy="1763220"/>
       </dsp:txXfrm>
     </dsp:sp>
     <dsp:sp modelId="{1B419109-793A-C548-906A-3E4EC6136ECF}">
@@ -2956,8 +4333,8 @@
       </dsp:nvSpPr>
       <dsp:spPr>
         <a:xfrm>
-          <a:off x="0" y="1720"/>
-          <a:ext cx="1252728" cy="1763220"/>
+          <a:off x="1172" y="1720"/>
+          <a:ext cx="1651374" cy="1763220"/>
         </a:xfrm>
         <a:prstGeom prst="rect">
           <a:avLst/>
@@ -2999,12 +4376,12 @@
         </a:fontRef>
       </dsp:style>
       <dsp:txBody>
-        <a:bodyPr spcFirstLastPara="0" vert="horz" wrap="square" lIns="66290" tIns="174167" rIns="66290" bIns="174167" numCol="1" spcCol="1270" anchor="ctr" anchorCtr="0">
+        <a:bodyPr spcFirstLastPara="0" vert="horz" wrap="square" lIns="67589" tIns="174167" rIns="67589" bIns="174167" numCol="1" spcCol="1270" anchor="ctr" anchorCtr="0">
           <a:noAutofit/>
         </a:bodyPr>
         <a:lstStyle/>
         <a:p>
-          <a:pPr marL="0" lvl="0" indent="0" algn="ctr" defTabSz="666750">
+          <a:pPr marL="0" lvl="0" indent="0" algn="ctr" defTabSz="889000">
             <a:lnSpc>
               <a:spcPct val="90000"/>
             </a:lnSpc>
@@ -3017,14 +4394,14 @@
             <a:buNone/>
           </a:pPr>
           <a:r>
-            <a:rPr lang="en-US" sz="1500" kern="1200"/>
+            <a:rPr lang="en-US" sz="2000" kern="1200" dirty="0"/>
             <a:t>Data collection</a:t>
           </a:r>
         </a:p>
       </dsp:txBody>
       <dsp:txXfrm>
-        <a:off x="0" y="1720"/>
-        <a:ext cx="1252728" cy="1763220"/>
+        <a:off x="1172" y="1720"/>
+        <a:ext cx="1651374" cy="1763220"/>
       </dsp:txXfrm>
     </dsp:sp>
     <dsp:sp modelId="{D06FFDFD-F336-D048-8B07-764097B87509}">
@@ -3034,8 +4411,8 @@
       </dsp:nvSpPr>
       <dsp:spPr>
         <a:xfrm>
-          <a:off x="1252728" y="1870733"/>
-          <a:ext cx="5010912" cy="1763220"/>
+          <a:off x="1667236" y="1870733"/>
+          <a:ext cx="5093244" cy="1763220"/>
         </a:xfrm>
         <a:prstGeom prst="rect">
           <a:avLst/>
@@ -3079,12 +4456,12 @@
         <a:fontRef idx="minor"/>
       </dsp:style>
       <dsp:txBody>
-        <a:bodyPr spcFirstLastPara="0" vert="horz" wrap="square" lIns="97226" tIns="447858" rIns="97226" bIns="447858" numCol="1" spcCol="1270" anchor="ctr" anchorCtr="0">
+        <a:bodyPr spcFirstLastPara="0" vert="horz" wrap="square" lIns="98823" tIns="447858" rIns="98823" bIns="447858" numCol="1" spcCol="1270" anchor="ctr" anchorCtr="0">
           <a:noAutofit/>
         </a:bodyPr>
         <a:lstStyle/>
         <a:p>
-          <a:pPr marL="0" lvl="0" indent="0" algn="l" defTabSz="533400">
+          <a:pPr marL="0" lvl="0" indent="0" algn="l" defTabSz="889000">
             <a:lnSpc>
               <a:spcPct val="90000"/>
             </a:lnSpc>
@@ -3097,14 +4474,14 @@
             <a:buNone/>
           </a:pPr>
           <a:r>
-            <a:rPr lang="en-US" sz="1200" kern="1200"/>
+            <a:rPr lang="en-US" sz="2000" kern="1200"/>
             <a:t>Otolith width (mm) ~ proxy for herring size</a:t>
           </a:r>
         </a:p>
       </dsp:txBody>
       <dsp:txXfrm>
-        <a:off x="1252728" y="1870733"/>
-        <a:ext cx="5010912" cy="1763220"/>
+        <a:off x="1667236" y="1870733"/>
+        <a:ext cx="5093244" cy="1763220"/>
       </dsp:txXfrm>
     </dsp:sp>
     <dsp:sp modelId="{BECE8E23-732B-9B45-8B64-11217D7FC135}">
@@ -3114,8 +4491,8 @@
       </dsp:nvSpPr>
       <dsp:spPr>
         <a:xfrm>
-          <a:off x="0" y="1870733"/>
-          <a:ext cx="1252728" cy="1763220"/>
+          <a:off x="1172" y="1870733"/>
+          <a:ext cx="1666063" cy="1763220"/>
         </a:xfrm>
         <a:prstGeom prst="rect">
           <a:avLst/>
@@ -3157,12 +4534,12 @@
         </a:fontRef>
       </dsp:style>
       <dsp:txBody>
-        <a:bodyPr spcFirstLastPara="0" vert="horz" wrap="square" lIns="66290" tIns="174167" rIns="66290" bIns="174167" numCol="1" spcCol="1270" anchor="ctr" anchorCtr="0">
+        <a:bodyPr spcFirstLastPara="0" vert="horz" wrap="square" lIns="67379" tIns="174167" rIns="67379" bIns="174167" numCol="1" spcCol="1270" anchor="ctr" anchorCtr="0">
           <a:noAutofit/>
         </a:bodyPr>
         <a:lstStyle/>
         <a:p>
-          <a:pPr marL="0" lvl="0" indent="0" algn="ctr" defTabSz="666750">
+          <a:pPr marL="0" lvl="0" indent="0" algn="ctr" defTabSz="889000">
             <a:lnSpc>
               <a:spcPct val="90000"/>
             </a:lnSpc>
@@ -3175,14 +4552,14 @@
             <a:buNone/>
           </a:pPr>
           <a:r>
-            <a:rPr lang="en-US" sz="1500" kern="1200"/>
+            <a:rPr lang="en-US" sz="2000" kern="1200" dirty="0"/>
             <a:t>Response variable</a:t>
           </a:r>
         </a:p>
       </dsp:txBody>
       <dsp:txXfrm>
-        <a:off x="0" y="1870733"/>
-        <a:ext cx="1252728" cy="1763220"/>
+        <a:off x="1172" y="1870733"/>
+        <a:ext cx="1666063" cy="1763220"/>
       </dsp:txXfrm>
     </dsp:sp>
     <dsp:sp modelId="{79C994EE-5A2E-8D44-91DC-12CD97F62F4A}">
@@ -3192,8 +4569,8 @@
       </dsp:nvSpPr>
       <dsp:spPr>
         <a:xfrm>
-          <a:off x="1252728" y="3739747"/>
-          <a:ext cx="5010912" cy="1763220"/>
+          <a:off x="1652546" y="3739747"/>
+          <a:ext cx="5109094" cy="1763220"/>
         </a:xfrm>
         <a:prstGeom prst="rect">
           <a:avLst/>
@@ -3237,12 +4614,12 @@
         <a:fontRef idx="minor"/>
       </dsp:style>
       <dsp:txBody>
-        <a:bodyPr spcFirstLastPara="0" vert="horz" wrap="square" lIns="97226" tIns="447858" rIns="97226" bIns="447858" numCol="1" spcCol="1270" anchor="ctr" anchorCtr="0">
+        <a:bodyPr spcFirstLastPara="0" vert="horz" wrap="square" lIns="99131" tIns="447858" rIns="99131" bIns="447858" numCol="1" spcCol="1270" anchor="ctr" anchorCtr="0">
           <a:noAutofit/>
         </a:bodyPr>
         <a:lstStyle/>
         <a:p>
-          <a:pPr marL="0" lvl="0" indent="0" algn="l" defTabSz="533400">
+          <a:pPr marL="0" lvl="0" indent="0" algn="l" defTabSz="889000">
             <a:lnSpc>
               <a:spcPct val="90000"/>
             </a:lnSpc>
@@ -3255,12 +4632,12 @@
             <a:buNone/>
           </a:pPr>
           <a:r>
-            <a:rPr lang="en-US" sz="1200" kern="1200"/>
+            <a:rPr lang="en-US" sz="2000" kern="1200"/>
             <a:t>Collection day in 2018</a:t>
           </a:r>
         </a:p>
         <a:p>
-          <a:pPr marL="0" lvl="0" indent="0" algn="l" defTabSz="533400">
+          <a:pPr marL="0" lvl="0" indent="0" algn="l" defTabSz="889000">
             <a:lnSpc>
               <a:spcPct val="90000"/>
             </a:lnSpc>
@@ -3273,12 +4650,12 @@
             <a:buNone/>
           </a:pPr>
           <a:r>
-            <a:rPr lang="en-US" sz="1200" kern="1200"/>
+            <a:rPr lang="en-US" sz="2000" kern="1200" dirty="0"/>
             <a:t>Salmon length (cm)</a:t>
           </a:r>
         </a:p>
         <a:p>
-          <a:pPr marL="0" lvl="0" indent="0" algn="l" defTabSz="533400">
+          <a:pPr marL="0" lvl="0" indent="0" algn="l" defTabSz="889000">
             <a:lnSpc>
               <a:spcPct val="90000"/>
             </a:lnSpc>
@@ -3291,12 +4668,12 @@
             <a:buNone/>
           </a:pPr>
           <a:r>
-            <a:rPr lang="en-US" sz="1200" kern="1200"/>
+            <a:rPr lang="en-US" sz="2000" kern="1200"/>
             <a:t>Latitude</a:t>
           </a:r>
         </a:p>
         <a:p>
-          <a:pPr marL="0" lvl="0" indent="0" algn="l" defTabSz="533400">
+          <a:pPr marL="0" lvl="0" indent="0" algn="l" defTabSz="889000">
             <a:lnSpc>
               <a:spcPct val="90000"/>
             </a:lnSpc>
@@ -3309,14 +4686,14 @@
             <a:buNone/>
           </a:pPr>
           <a:r>
-            <a:rPr lang="en-US" sz="1200" kern="1200"/>
+            <a:rPr lang="en-US" sz="2000" kern="1200"/>
             <a:t>Longitude</a:t>
           </a:r>
         </a:p>
       </dsp:txBody>
       <dsp:txXfrm>
-        <a:off x="1252728" y="3739747"/>
-        <a:ext cx="5010912" cy="1763220"/>
+        <a:off x="1652546" y="3739747"/>
+        <a:ext cx="5109094" cy="1763220"/>
       </dsp:txXfrm>
     </dsp:sp>
     <dsp:sp modelId="{DF12F43D-8357-EB47-A4C0-35CA4A3F29E9}">
@@ -3326,8 +4703,8 @@
       </dsp:nvSpPr>
       <dsp:spPr>
         <a:xfrm>
-          <a:off x="0" y="3739747"/>
-          <a:ext cx="1252728" cy="1763220"/>
+          <a:off x="1172" y="3739747"/>
+          <a:ext cx="1651374" cy="1763220"/>
         </a:xfrm>
         <a:prstGeom prst="rect">
           <a:avLst/>
@@ -3369,12 +4746,12 @@
         </a:fontRef>
       </dsp:style>
       <dsp:txBody>
-        <a:bodyPr spcFirstLastPara="0" vert="horz" wrap="square" lIns="66290" tIns="174167" rIns="66290" bIns="174167" numCol="1" spcCol="1270" anchor="ctr" anchorCtr="0">
+        <a:bodyPr spcFirstLastPara="0" vert="horz" wrap="square" lIns="67589" tIns="174167" rIns="67589" bIns="174167" numCol="1" spcCol="1270" anchor="ctr" anchorCtr="0">
           <a:noAutofit/>
         </a:bodyPr>
         <a:lstStyle/>
         <a:p>
-          <a:pPr marL="0" lvl="0" indent="0" algn="ctr" defTabSz="666750">
+          <a:pPr marL="0" lvl="0" indent="0" algn="ctr" defTabSz="889000">
             <a:lnSpc>
               <a:spcPct val="90000"/>
             </a:lnSpc>
@@ -3387,14 +4764,14 @@
             <a:buNone/>
           </a:pPr>
           <a:r>
-            <a:rPr lang="en-US" sz="1500" kern="1200"/>
+            <a:rPr lang="en-US" sz="2000" kern="1200" dirty="0"/>
             <a:t>Explanatory variables</a:t>
           </a:r>
         </a:p>
       </dsp:txBody>
       <dsp:txXfrm>
-        <a:off x="0" y="3739747"/>
-        <a:ext cx="1252728" cy="1763220"/>
+        <a:off x="1172" y="3739747"/>
+        <a:ext cx="1651374" cy="1763220"/>
       </dsp:txXfrm>
     </dsp:sp>
   </dsp:spTree>
@@ -3479,7 +4856,7 @@
             <a:buNone/>
           </a:pPr>
           <a:r>
-            <a:rPr lang="en-US" sz="1600" kern="1200"/>
+            <a:rPr lang="en-US" sz="1600" kern="1200" dirty="0"/>
             <a:t>1. Linear mixed-effects models fit with maximum likelihood estimation</a:t>
           </a:r>
         </a:p>
@@ -3799,8 +5176,8 @@
             <a:buNone/>
           </a:pPr>
           <a:r>
-            <a:rPr lang="en-US" sz="1600" kern="1200"/>
-            <a:t>Advantages of LME followed by AIC?</a:t>
+            <a:rPr lang="en-US" sz="1600" kern="1200" dirty="0"/>
+            <a:t>Advantages of LME and AIC?</a:t>
           </a:r>
         </a:p>
       </dsp:txBody>
@@ -4287,6 +5664,652 @@
       <dsp:txXfrm>
         <a:off x="5677482" y="3402493"/>
         <a:ext cx="1897976" cy="920354"/>
+      </dsp:txXfrm>
+    </dsp:sp>
+  </dsp:spTree>
+</dsp:drawing>
+</file>
+
+<file path=ppt/diagrams/drawing3.xml><?xml version="1.0" encoding="utf-8"?>
+<dsp:drawing xmlns:dgm="http://schemas.openxmlformats.org/drawingml/2006/diagram" xmlns:dsp="http://schemas.microsoft.com/office/drawing/2008/diagram" xmlns:a="http://schemas.openxmlformats.org/drawingml/2006/main">
+  <dsp:spTree>
+    <dsp:nvGrpSpPr>
+      <dsp:cNvPr id="0" name=""/>
+      <dsp:cNvGrpSpPr/>
+    </dsp:nvGrpSpPr>
+    <dsp:grpSpPr/>
+    <dsp:sp modelId="{594F9333-B2E7-4E09-ADEF-8443D6BB6FB6}">
+      <dsp:nvSpPr>
+        <dsp:cNvPr id="0" name=""/>
+        <dsp:cNvSpPr/>
+      </dsp:nvSpPr>
+      <dsp:spPr>
+        <a:xfrm>
+          <a:off x="-152203" y="32924"/>
+          <a:ext cx="6588691" cy="1472741"/>
+        </a:xfrm>
+        <a:prstGeom prst="roundRect">
+          <a:avLst>
+            <a:gd name="adj" fmla="val 10000"/>
+          </a:avLst>
+        </a:prstGeom>
+        <a:solidFill>
+          <a:schemeClr val="bg1">
+            <a:lumMod val="95000"/>
+            <a:hueOff val="0"/>
+            <a:satOff val="0"/>
+            <a:lumOff val="0"/>
+            <a:alphaOff val="0"/>
+          </a:schemeClr>
+        </a:solidFill>
+        <a:ln>
+          <a:noFill/>
+        </a:ln>
+        <a:effectLst/>
+      </dsp:spPr>
+      <dsp:style>
+        <a:lnRef idx="0">
+          <a:scrgbClr r="0" g="0" b="0"/>
+        </a:lnRef>
+        <a:fillRef idx="1">
+          <a:scrgbClr r="0" g="0" b="0"/>
+        </a:fillRef>
+        <a:effectRef idx="0">
+          <a:scrgbClr r="0" g="0" b="0"/>
+        </a:effectRef>
+        <a:fontRef idx="minor"/>
+      </dsp:style>
+    </dsp:sp>
+    <dsp:sp modelId="{79D2998A-11FB-489A-BD73-B8156D666AB5}">
+      <dsp:nvSpPr>
+        <dsp:cNvPr id="0" name=""/>
+        <dsp:cNvSpPr/>
+      </dsp:nvSpPr>
+      <dsp:spPr>
+        <a:xfrm>
+          <a:off x="293301" y="364291"/>
+          <a:ext cx="810008" cy="810008"/>
+        </a:xfrm>
+        <a:prstGeom prst="rect">
+          <a:avLst/>
+        </a:prstGeom>
+        <a:blipFill>
+          <a:blip xmlns:r="http://schemas.openxmlformats.org/officeDocument/2006/relationships" r:embed="rId1">
+            <a:extLst>
+              <a:ext uri="{28A0092B-C50C-407E-A947-70E740481C1C}">
+                <a14:useLocalDpi xmlns:a14="http://schemas.microsoft.com/office/drawing/2010/main" val="0"/>
+              </a:ext>
+              <a:ext uri="{96DAC541-7B7A-43D3-8B79-37D633B846F1}">
+                <asvg:svgBlip xmlns:asvg="http://schemas.microsoft.com/office/drawing/2016/SVG/main" r:embed="rId2"/>
+              </a:ext>
+            </a:extLst>
+          </a:blip>
+          <a:stretch>
+            <a:fillRect/>
+          </a:stretch>
+        </a:blipFill>
+        <a:ln w="12700" cap="flat" cmpd="sng" algn="ctr">
+          <a:noFill/>
+          <a:prstDash val="solid"/>
+          <a:miter lim="800000"/>
+        </a:ln>
+        <a:effectLst/>
+      </dsp:spPr>
+      <dsp:style>
+        <a:lnRef idx="2">
+          <a:scrgbClr r="0" g="0" b="0"/>
+        </a:lnRef>
+        <a:fillRef idx="1">
+          <a:scrgbClr r="0" g="0" b="0"/>
+        </a:fillRef>
+        <a:effectRef idx="0">
+          <a:scrgbClr r="0" g="0" b="0"/>
+        </a:effectRef>
+        <a:fontRef idx="minor">
+          <a:schemeClr val="lt1"/>
+        </a:fontRef>
+      </dsp:style>
+    </dsp:sp>
+    <dsp:sp modelId="{15F235F2-5831-4948-8096-6CFFCFE99CE3}">
+      <dsp:nvSpPr>
+        <dsp:cNvPr id="0" name=""/>
+        <dsp:cNvSpPr/>
+      </dsp:nvSpPr>
+      <dsp:spPr>
+        <a:xfrm>
+          <a:off x="1262136" y="32924"/>
+          <a:ext cx="2964910" cy="1472741"/>
+        </a:xfrm>
+        <a:prstGeom prst="rect">
+          <a:avLst/>
+        </a:prstGeom>
+        <a:noFill/>
+        <a:ln>
+          <a:noFill/>
+        </a:ln>
+        <a:effectLst/>
+      </dsp:spPr>
+      <dsp:style>
+        <a:lnRef idx="0">
+          <a:scrgbClr r="0" g="0" b="0"/>
+        </a:lnRef>
+        <a:fillRef idx="0">
+          <a:scrgbClr r="0" g="0" b="0"/>
+        </a:fillRef>
+        <a:effectRef idx="0">
+          <a:scrgbClr r="0" g="0" b="0"/>
+        </a:effectRef>
+        <a:fontRef idx="minor"/>
+      </dsp:style>
+      <dsp:txBody>
+        <a:bodyPr spcFirstLastPara="0" vert="horz" wrap="square" lIns="155865" tIns="155865" rIns="155865" bIns="155865" numCol="1" spcCol="1270" anchor="ctr" anchorCtr="0">
+          <a:noAutofit/>
+        </a:bodyPr>
+        <a:lstStyle/>
+        <a:p>
+          <a:pPr marL="0" lvl="0" indent="0" algn="l" defTabSz="977900">
+            <a:lnSpc>
+              <a:spcPct val="90000"/>
+            </a:lnSpc>
+            <a:spcBef>
+              <a:spcPct val="0"/>
+            </a:spcBef>
+            <a:spcAft>
+              <a:spcPct val="35000"/>
+            </a:spcAft>
+            <a:buNone/>
+          </a:pPr>
+          <a:r>
+            <a:rPr lang="en-US" sz="2200" kern="1200" dirty="0"/>
+            <a:t>Longitude – reflects spatial size distribution of herring in Salish Sea</a:t>
+          </a:r>
+        </a:p>
+      </dsp:txBody>
+      <dsp:txXfrm>
+        <a:off x="1262136" y="32924"/>
+        <a:ext cx="2964910" cy="1472741"/>
+      </dsp:txXfrm>
+    </dsp:sp>
+    <dsp:sp modelId="{C4AE1EE0-E66A-42EE-AACF-3CBC83AF71EC}">
+      <dsp:nvSpPr>
+        <dsp:cNvPr id="0" name=""/>
+        <dsp:cNvSpPr/>
+      </dsp:nvSpPr>
+      <dsp:spPr>
+        <a:xfrm>
+          <a:off x="4205991" y="10163"/>
+          <a:ext cx="2534903" cy="1518264"/>
+        </a:xfrm>
+        <a:prstGeom prst="rect">
+          <a:avLst/>
+        </a:prstGeom>
+        <a:noFill/>
+        <a:ln>
+          <a:noFill/>
+        </a:ln>
+        <a:effectLst/>
+      </dsp:spPr>
+      <dsp:style>
+        <a:lnRef idx="0">
+          <a:scrgbClr r="0" g="0" b="0"/>
+        </a:lnRef>
+        <a:fillRef idx="0">
+          <a:scrgbClr r="0" g="0" b="0"/>
+        </a:fillRef>
+        <a:effectRef idx="0">
+          <a:scrgbClr r="0" g="0" b="0"/>
+        </a:effectRef>
+        <a:fontRef idx="minor"/>
+      </dsp:style>
+      <dsp:txBody>
+        <a:bodyPr spcFirstLastPara="0" vert="horz" wrap="square" lIns="155865" tIns="155865" rIns="155865" bIns="155865" numCol="1" spcCol="1270" anchor="ctr" anchorCtr="0">
+          <a:noAutofit/>
+        </a:bodyPr>
+        <a:lstStyle/>
+        <a:p>
+          <a:pPr marL="0" lvl="0" indent="0" algn="l" defTabSz="755650">
+            <a:lnSpc>
+              <a:spcPct val="90000"/>
+            </a:lnSpc>
+            <a:spcBef>
+              <a:spcPct val="0"/>
+            </a:spcBef>
+            <a:spcAft>
+              <a:spcPct val="35000"/>
+            </a:spcAft>
+            <a:buNone/>
+          </a:pPr>
+          <a:r>
+            <a:rPr lang="en-US" sz="1700" kern="1200" dirty="0"/>
+            <a:t>Solution: model capture location as a categorical variable</a:t>
+          </a:r>
+        </a:p>
+      </dsp:txBody>
+      <dsp:txXfrm>
+        <a:off x="4205991" y="10163"/>
+        <a:ext cx="2534903" cy="1518264"/>
+      </dsp:txXfrm>
+    </dsp:sp>
+    <dsp:sp modelId="{9929EC9C-D6E8-41E7-A2D1-3DFF057F68F6}">
+      <dsp:nvSpPr>
+        <dsp:cNvPr id="0" name=""/>
+        <dsp:cNvSpPr/>
+      </dsp:nvSpPr>
+      <dsp:spPr>
+        <a:xfrm>
+          <a:off x="-152203" y="2068798"/>
+          <a:ext cx="6588691" cy="1472741"/>
+        </a:xfrm>
+        <a:prstGeom prst="roundRect">
+          <a:avLst>
+            <a:gd name="adj" fmla="val 10000"/>
+          </a:avLst>
+        </a:prstGeom>
+        <a:solidFill>
+          <a:schemeClr val="bg1">
+            <a:lumMod val="95000"/>
+            <a:hueOff val="0"/>
+            <a:satOff val="0"/>
+            <a:lumOff val="0"/>
+            <a:alphaOff val="0"/>
+          </a:schemeClr>
+        </a:solidFill>
+        <a:ln>
+          <a:noFill/>
+        </a:ln>
+        <a:effectLst/>
+      </dsp:spPr>
+      <dsp:style>
+        <a:lnRef idx="0">
+          <a:scrgbClr r="0" g="0" b="0"/>
+        </a:lnRef>
+        <a:fillRef idx="1">
+          <a:scrgbClr r="0" g="0" b="0"/>
+        </a:fillRef>
+        <a:effectRef idx="0">
+          <a:scrgbClr r="0" g="0" b="0"/>
+        </a:effectRef>
+        <a:fontRef idx="minor"/>
+      </dsp:style>
+    </dsp:sp>
+    <dsp:sp modelId="{596F61AA-CAC7-4DAF-9E79-51C16610EE59}">
+      <dsp:nvSpPr>
+        <dsp:cNvPr id="0" name=""/>
+        <dsp:cNvSpPr/>
+      </dsp:nvSpPr>
+      <dsp:spPr>
+        <a:xfrm>
+          <a:off x="293301" y="2400165"/>
+          <a:ext cx="810008" cy="810008"/>
+        </a:xfrm>
+        <a:prstGeom prst="rect">
+          <a:avLst/>
+        </a:prstGeom>
+        <a:blipFill>
+          <a:blip xmlns:r="http://schemas.openxmlformats.org/officeDocument/2006/relationships" r:embed="rId3">
+            <a:extLst>
+              <a:ext uri="{28A0092B-C50C-407E-A947-70E740481C1C}">
+                <a14:useLocalDpi xmlns:a14="http://schemas.microsoft.com/office/drawing/2010/main" val="0"/>
+              </a:ext>
+              <a:ext uri="{96DAC541-7B7A-43D3-8B79-37D633B846F1}">
+                <asvg:svgBlip xmlns:asvg="http://schemas.microsoft.com/office/drawing/2016/SVG/main" r:embed="rId4"/>
+              </a:ext>
+            </a:extLst>
+          </a:blip>
+          <a:stretch>
+            <a:fillRect/>
+          </a:stretch>
+        </a:blipFill>
+        <a:ln w="12700" cap="flat" cmpd="sng" algn="ctr">
+          <a:noFill/>
+          <a:prstDash val="solid"/>
+          <a:miter lim="800000"/>
+        </a:ln>
+        <a:effectLst/>
+      </dsp:spPr>
+      <dsp:style>
+        <a:lnRef idx="2">
+          <a:scrgbClr r="0" g="0" b="0"/>
+        </a:lnRef>
+        <a:fillRef idx="1">
+          <a:scrgbClr r="0" g="0" b="0"/>
+        </a:fillRef>
+        <a:effectRef idx="0">
+          <a:scrgbClr r="0" g="0" b="0"/>
+        </a:effectRef>
+        <a:fontRef idx="minor">
+          <a:schemeClr val="lt1"/>
+        </a:fontRef>
+      </dsp:style>
+    </dsp:sp>
+    <dsp:sp modelId="{81B3C337-E3FE-4558-9CE9-FFFF98D1C95A}">
+      <dsp:nvSpPr>
+        <dsp:cNvPr id="0" name=""/>
+        <dsp:cNvSpPr/>
+      </dsp:nvSpPr>
+      <dsp:spPr>
+        <a:xfrm>
+          <a:off x="1394579" y="2068798"/>
+          <a:ext cx="2964910" cy="1472741"/>
+        </a:xfrm>
+        <a:prstGeom prst="rect">
+          <a:avLst/>
+        </a:prstGeom>
+        <a:noFill/>
+        <a:ln>
+          <a:noFill/>
+        </a:ln>
+        <a:effectLst/>
+      </dsp:spPr>
+      <dsp:style>
+        <a:lnRef idx="0">
+          <a:scrgbClr r="0" g="0" b="0"/>
+        </a:lnRef>
+        <a:fillRef idx="0">
+          <a:scrgbClr r="0" g="0" b="0"/>
+        </a:fillRef>
+        <a:effectRef idx="0">
+          <a:scrgbClr r="0" g="0" b="0"/>
+        </a:effectRef>
+        <a:fontRef idx="minor"/>
+      </dsp:style>
+      <dsp:txBody>
+        <a:bodyPr spcFirstLastPara="0" vert="horz" wrap="square" lIns="155865" tIns="155865" rIns="155865" bIns="155865" numCol="1" spcCol="1270" anchor="ctr" anchorCtr="0">
+          <a:noAutofit/>
+        </a:bodyPr>
+        <a:lstStyle/>
+        <a:p>
+          <a:pPr marL="0" lvl="0" indent="0" algn="l" defTabSz="977900">
+            <a:lnSpc>
+              <a:spcPct val="90000"/>
+            </a:lnSpc>
+            <a:spcBef>
+              <a:spcPct val="0"/>
+            </a:spcBef>
+            <a:spcAft>
+              <a:spcPct val="35000"/>
+            </a:spcAft>
+            <a:buNone/>
+          </a:pPr>
+          <a:r>
+            <a:rPr lang="en-US" sz="2200" kern="1200" dirty="0"/>
+            <a:t>Day of Year – reflects two or more herring age classes</a:t>
+          </a:r>
+        </a:p>
+      </dsp:txBody>
+      <dsp:txXfrm>
+        <a:off x="1394579" y="2068798"/>
+        <a:ext cx="2964910" cy="1472741"/>
+      </dsp:txXfrm>
+    </dsp:sp>
+    <dsp:sp modelId="{D8108B24-A0B6-49A1-BEF2-5D106F920639}">
+      <dsp:nvSpPr>
+        <dsp:cNvPr id="0" name=""/>
+        <dsp:cNvSpPr/>
+      </dsp:nvSpPr>
+      <dsp:spPr>
+        <a:xfrm>
+          <a:off x="4259245" y="1896612"/>
+          <a:ext cx="2428393" cy="1817113"/>
+        </a:xfrm>
+        <a:prstGeom prst="rect">
+          <a:avLst/>
+        </a:prstGeom>
+        <a:noFill/>
+        <a:ln>
+          <a:noFill/>
+        </a:ln>
+        <a:effectLst/>
+      </dsp:spPr>
+      <dsp:style>
+        <a:lnRef idx="0">
+          <a:scrgbClr r="0" g="0" b="0"/>
+        </a:lnRef>
+        <a:fillRef idx="0">
+          <a:scrgbClr r="0" g="0" b="0"/>
+        </a:fillRef>
+        <a:effectRef idx="0">
+          <a:scrgbClr r="0" g="0" b="0"/>
+        </a:effectRef>
+        <a:fontRef idx="minor"/>
+      </dsp:style>
+      <dsp:txBody>
+        <a:bodyPr spcFirstLastPara="0" vert="horz" wrap="square" lIns="155865" tIns="155865" rIns="155865" bIns="155865" numCol="1" spcCol="1270" anchor="ctr" anchorCtr="0">
+          <a:noAutofit/>
+        </a:bodyPr>
+        <a:lstStyle/>
+        <a:p>
+          <a:pPr marL="0" lvl="0" indent="0" algn="l" defTabSz="755650">
+            <a:lnSpc>
+              <a:spcPct val="90000"/>
+            </a:lnSpc>
+            <a:spcBef>
+              <a:spcPct val="0"/>
+            </a:spcBef>
+            <a:spcAft>
+              <a:spcPct val="35000"/>
+            </a:spcAft>
+            <a:buNone/>
+          </a:pPr>
+          <a:r>
+            <a:rPr lang="en-US" sz="1700" kern="1200" dirty="0"/>
+            <a:t>Solution : model age classes separately</a:t>
+          </a:r>
+        </a:p>
+      </dsp:txBody>
+      <dsp:txXfrm>
+        <a:off x="4259245" y="1896612"/>
+        <a:ext cx="2428393" cy="1817113"/>
+      </dsp:txXfrm>
+    </dsp:sp>
+    <dsp:sp modelId="{653CBBE0-705B-4885-B066-D87581E2FA0E}">
+      <dsp:nvSpPr>
+        <dsp:cNvPr id="0" name=""/>
+        <dsp:cNvSpPr/>
+      </dsp:nvSpPr>
+      <dsp:spPr>
+        <a:xfrm>
+          <a:off x="-152203" y="4247874"/>
+          <a:ext cx="6588691" cy="1472741"/>
+        </a:xfrm>
+        <a:prstGeom prst="roundRect">
+          <a:avLst>
+            <a:gd name="adj" fmla="val 10000"/>
+          </a:avLst>
+        </a:prstGeom>
+        <a:solidFill>
+          <a:schemeClr val="bg1">
+            <a:lumMod val="95000"/>
+            <a:hueOff val="0"/>
+            <a:satOff val="0"/>
+            <a:lumOff val="0"/>
+            <a:alphaOff val="0"/>
+          </a:schemeClr>
+        </a:solidFill>
+        <a:ln>
+          <a:noFill/>
+        </a:ln>
+        <a:effectLst/>
+      </dsp:spPr>
+      <dsp:style>
+        <a:lnRef idx="0">
+          <a:scrgbClr r="0" g="0" b="0"/>
+        </a:lnRef>
+        <a:fillRef idx="1">
+          <a:scrgbClr r="0" g="0" b="0"/>
+        </a:fillRef>
+        <a:effectRef idx="0">
+          <a:scrgbClr r="0" g="0" b="0"/>
+        </a:effectRef>
+        <a:fontRef idx="minor"/>
+      </dsp:style>
+    </dsp:sp>
+    <dsp:sp modelId="{A10D4CA1-A8F4-4612-8CEC-767604C23EF4}">
+      <dsp:nvSpPr>
+        <dsp:cNvPr id="0" name=""/>
+        <dsp:cNvSpPr/>
+      </dsp:nvSpPr>
+      <dsp:spPr>
+        <a:xfrm>
+          <a:off x="293301" y="4579241"/>
+          <a:ext cx="810008" cy="810008"/>
+        </a:xfrm>
+        <a:prstGeom prst="rect">
+          <a:avLst/>
+        </a:prstGeom>
+        <a:blipFill>
+          <a:blip xmlns:r="http://schemas.openxmlformats.org/officeDocument/2006/relationships" r:embed="rId5">
+            <a:extLst>
+              <a:ext uri="{96DAC541-7B7A-43D3-8B79-37D633B846F1}">
+                <asvg:svgBlip xmlns:asvg="http://schemas.microsoft.com/office/drawing/2016/SVG/main" r:embed="rId6"/>
+              </a:ext>
+            </a:extLst>
+          </a:blip>
+          <a:srcRect/>
+          <a:stretch>
+            <a:fillRect/>
+          </a:stretch>
+        </a:blipFill>
+        <a:ln w="12700" cap="flat" cmpd="sng" algn="ctr">
+          <a:noFill/>
+          <a:prstDash val="solid"/>
+          <a:miter lim="800000"/>
+        </a:ln>
+        <a:effectLst/>
+      </dsp:spPr>
+      <dsp:style>
+        <a:lnRef idx="2">
+          <a:scrgbClr r="0" g="0" b="0"/>
+        </a:lnRef>
+        <a:fillRef idx="1">
+          <a:scrgbClr r="0" g="0" b="0"/>
+        </a:fillRef>
+        <a:effectRef idx="0">
+          <a:scrgbClr r="0" g="0" b="0"/>
+        </a:effectRef>
+        <a:fontRef idx="minor">
+          <a:schemeClr val="lt1"/>
+        </a:fontRef>
+      </dsp:style>
+    </dsp:sp>
+    <dsp:sp modelId="{6AA86F2E-68E5-4C15-B1B5-CBAB7C729ED9}">
+      <dsp:nvSpPr>
+        <dsp:cNvPr id="0" name=""/>
+        <dsp:cNvSpPr/>
+      </dsp:nvSpPr>
+      <dsp:spPr>
+        <a:xfrm>
+          <a:off x="1460696" y="4248508"/>
+          <a:ext cx="2964910" cy="1472741"/>
+        </a:xfrm>
+        <a:prstGeom prst="rect">
+          <a:avLst/>
+        </a:prstGeom>
+        <a:noFill/>
+        <a:ln>
+          <a:noFill/>
+        </a:ln>
+        <a:effectLst/>
+      </dsp:spPr>
+      <dsp:style>
+        <a:lnRef idx="0">
+          <a:scrgbClr r="0" g="0" b="0"/>
+        </a:lnRef>
+        <a:fillRef idx="0">
+          <a:scrgbClr r="0" g="0" b="0"/>
+        </a:fillRef>
+        <a:effectRef idx="0">
+          <a:scrgbClr r="0" g="0" b="0"/>
+        </a:effectRef>
+        <a:fontRef idx="minor"/>
+      </dsp:style>
+      <dsp:txBody>
+        <a:bodyPr spcFirstLastPara="0" vert="horz" wrap="square" lIns="155865" tIns="155865" rIns="155865" bIns="155865" numCol="1" spcCol="1270" anchor="ctr" anchorCtr="0">
+          <a:noAutofit/>
+        </a:bodyPr>
+        <a:lstStyle/>
+        <a:p>
+          <a:pPr marL="0" lvl="0" indent="0" algn="l" defTabSz="977900">
+            <a:lnSpc>
+              <a:spcPct val="90000"/>
+            </a:lnSpc>
+            <a:spcBef>
+              <a:spcPct val="0"/>
+            </a:spcBef>
+            <a:spcAft>
+              <a:spcPct val="35000"/>
+            </a:spcAft>
+            <a:buNone/>
+          </a:pPr>
+          <a:r>
+            <a:rPr lang="en-US" sz="2200" kern="1200" dirty="0"/>
+            <a:t>Salmon length – few salmon below &lt;62cm</a:t>
+          </a:r>
+        </a:p>
+      </dsp:txBody>
+      <dsp:txXfrm>
+        <a:off x="1460696" y="4248508"/>
+        <a:ext cx="2964910" cy="1472741"/>
+      </dsp:txXfrm>
+    </dsp:sp>
+    <dsp:sp modelId="{46B62B52-2165-45C6-ACE6-CB9111B33EB4}">
+      <dsp:nvSpPr>
+        <dsp:cNvPr id="0" name=""/>
+        <dsp:cNvSpPr/>
+      </dsp:nvSpPr>
+      <dsp:spPr>
+        <a:xfrm>
+          <a:off x="4359584" y="4081911"/>
+          <a:ext cx="2227716" cy="1804668"/>
+        </a:xfrm>
+        <a:prstGeom prst="rect">
+          <a:avLst/>
+        </a:prstGeom>
+        <a:noFill/>
+        <a:ln>
+          <a:noFill/>
+        </a:ln>
+        <a:effectLst/>
+      </dsp:spPr>
+      <dsp:style>
+        <a:lnRef idx="0">
+          <a:scrgbClr r="0" g="0" b="0"/>
+        </a:lnRef>
+        <a:fillRef idx="0">
+          <a:scrgbClr r="0" g="0" b="0"/>
+        </a:fillRef>
+        <a:effectRef idx="0">
+          <a:scrgbClr r="0" g="0" b="0"/>
+        </a:effectRef>
+        <a:fontRef idx="minor"/>
+      </dsp:style>
+      <dsp:txBody>
+        <a:bodyPr spcFirstLastPara="0" vert="horz" wrap="square" lIns="155865" tIns="155865" rIns="155865" bIns="155865" numCol="1" spcCol="1270" anchor="ctr" anchorCtr="0">
+          <a:noAutofit/>
+        </a:bodyPr>
+        <a:lstStyle/>
+        <a:p>
+          <a:pPr marL="0" lvl="0" indent="0" algn="l" defTabSz="755650">
+            <a:lnSpc>
+              <a:spcPct val="90000"/>
+            </a:lnSpc>
+            <a:spcBef>
+              <a:spcPct val="0"/>
+            </a:spcBef>
+            <a:spcAft>
+              <a:spcPct val="35000"/>
+            </a:spcAft>
+            <a:buNone/>
+          </a:pPr>
+          <a:r>
+            <a:rPr lang="en-US" sz="1700" kern="1200" dirty="0"/>
+            <a:t>Solution : model with and without fish &lt; 62cm</a:t>
+          </a:r>
+        </a:p>
+      </dsp:txBody>
+      <dsp:txXfrm>
+        <a:off x="4359584" y="4081911"/>
+        <a:ext cx="2227716" cy="1804668"/>
       </dsp:txXfrm>
     </dsp:sp>
   </dsp:spTree>
@@ -4847,6 +6870,300 @@
 </dgm:layoutDef>
 </file>
 
+<file path=ppt/diagrams/layout3.xml><?xml version="1.0" encoding="utf-8"?>
+<dgm:layoutDef xmlns:dgm="http://schemas.openxmlformats.org/drawingml/2006/diagram" xmlns:a="http://schemas.openxmlformats.org/drawingml/2006/main" uniqueId="urn:microsoft.com/office/officeart/2018/2/layout/IconVerticalSolidList">
+  <dgm:title val="Icon Vertical Solid List"/>
+  <dgm:desc val="Use to show a series of visuals from top to bottom with Level 1 or Level 1 and Level 2 text grouped in a shape. Works best with icons or small pictures with lengthier descriptions."/>
+  <dgm:catLst>
+    <dgm:cat type="icon" pri="500"/>
+  </dgm:catLst>
+  <dgm:sampData useDef="1">
+    <dgm:dataModel>
+      <dgm:ptLst/>
+      <dgm:bg/>
+      <dgm:whole/>
+    </dgm:dataModel>
+  </dgm:sampData>
+  <dgm:styleData useDef="1">
+    <dgm:dataModel>
+      <dgm:ptLst/>
+      <dgm:bg/>
+      <dgm:whole/>
+    </dgm:dataModel>
+  </dgm:styleData>
+  <dgm:clrData useDef="1">
+    <dgm:dataModel>
+      <dgm:ptLst/>
+      <dgm:bg/>
+      <dgm:whole/>
+    </dgm:dataModel>
+  </dgm:clrData>
+  <dgm:layoutNode name="root">
+    <dgm:varLst>
+      <dgm:dir/>
+      <dgm:resizeHandles val="exact"/>
+    </dgm:varLst>
+    <dgm:choose name="Name0">
+      <dgm:if name="Name1" axis="self" func="var" arg="dir" op="equ" val="norm">
+        <dgm:alg type="lin">
+          <dgm:param type="linDir" val="fromT"/>
+          <dgm:param type="nodeHorzAlign" val="l"/>
+        </dgm:alg>
+      </dgm:if>
+      <dgm:else name="Name2">
+        <dgm:alg type="lin">
+          <dgm:param type="linDir" val="fromT"/>
+          <dgm:param type="nodeHorzAlign" val="r"/>
+        </dgm:alg>
+      </dgm:else>
+    </dgm:choose>
+    <dgm:shape xmlns:r="http://schemas.openxmlformats.org/officeDocument/2006/relationships" r:blip="">
+      <dgm:adjLst/>
+    </dgm:shape>
+    <dgm:presOf/>
+    <dgm:choose name="Name3">
+      <dgm:if name="Name4" axis="ch" ptType="node" func="cnt" op="lte" val="3">
+        <dgm:constrLst>
+          <dgm:constr type="h" for="ch" forName="compNode" refType="h" fact="0.3"/>
+          <dgm:constr type="w" for="ch" forName="compNode" refType="w"/>
+          <dgm:constr type="h" for="ch" forName="sibTrans" refType="h" refFor="ch" refForName="compNode" fact="0.25"/>
+          <dgm:constr type="primFontSz" for="des" forName="parTx" val="25"/>
+          <dgm:constr type="primFontSz" for="des" forName="desTx" refType="primFontSz" refFor="des" refForName="parTx" op="lte" fact="0.75"/>
+          <dgm:constr type="h" for="des" forName="compNode" op="equ"/>
+          <dgm:constr type="h" for="des" forName="bgRect" op="equ"/>
+          <dgm:constr type="h" for="des" forName="iconRect" op="equ"/>
+          <dgm:constr type="w" for="des" forName="iconRect" op="equ"/>
+          <dgm:constr type="h" for="des" forName="spaceRect" op="equ"/>
+          <dgm:constr type="h" for="des" forName="parTx" op="equ"/>
+          <dgm:constr type="h" for="des" forName="desTx" op="equ"/>
+        </dgm:constrLst>
+      </dgm:if>
+      <dgm:if name="Name5" axis="ch" ptType="node" func="cnt" op="lte" val="4">
+        <dgm:constrLst>
+          <dgm:constr type="h" for="ch" forName="compNode" refType="h" fact="0.3"/>
+          <dgm:constr type="w" for="ch" forName="compNode" refType="w"/>
+          <dgm:constr type="h" for="ch" forName="sibTrans" refType="h" refFor="ch" refForName="compNode" fact="0.25"/>
+          <dgm:constr type="primFontSz" for="des" forName="parTx" val="22"/>
+          <dgm:constr type="primFontSz" for="des" forName="desTx" refType="primFontSz" refFor="des" refForName="parTx" op="lte" fact="0.75"/>
+          <dgm:constr type="h" for="des" forName="compNode" op="equ"/>
+          <dgm:constr type="h" for="des" forName="bgRect" op="equ"/>
+          <dgm:constr type="h" for="des" forName="iconRect" op="equ"/>
+          <dgm:constr type="w" for="des" forName="iconRect" op="equ"/>
+          <dgm:constr type="h" for="des" forName="spaceRect" op="equ"/>
+          <dgm:constr type="h" for="des" forName="parTx" op="equ"/>
+          <dgm:constr type="h" for="des" forName="desTx" op="equ"/>
+        </dgm:constrLst>
+      </dgm:if>
+      <dgm:if name="Name6" axis="ch" ptType="node" func="cnt" op="lte" val="6">
+        <dgm:constrLst>
+          <dgm:constr type="h" for="ch" forName="compNode" refType="h" fact="0.3"/>
+          <dgm:constr type="w" for="ch" forName="compNode" refType="w"/>
+          <dgm:constr type="h" for="ch" forName="sibTrans" refType="h" refFor="ch" refForName="compNode" fact="0.25"/>
+          <dgm:constr type="primFontSz" for="des" forName="parTx" val="19"/>
+          <dgm:constr type="primFontSz" for="des" forName="desTx" refType="primFontSz" refFor="des" refForName="parTx" op="lte" fact="0.75"/>
+          <dgm:constr type="h" for="des" forName="compNode" op="equ"/>
+          <dgm:constr type="h" for="des" forName="bgRect" op="equ"/>
+          <dgm:constr type="h" for="des" forName="iconRect" op="equ"/>
+          <dgm:constr type="w" for="des" forName="iconRect" op="equ"/>
+          <dgm:constr type="h" for="des" forName="spaceRect" op="equ"/>
+          <dgm:constr type="h" for="des" forName="parTx" op="equ"/>
+          <dgm:constr type="h" for="des" forName="desTx" op="equ"/>
+        </dgm:constrLst>
+      </dgm:if>
+      <dgm:else name="Name7">
+        <dgm:constrLst>
+          <dgm:constr type="h" for="ch" forName="compNode" refType="h" fact="0.3"/>
+          <dgm:constr type="w" for="ch" forName="compNode" refType="w"/>
+          <dgm:constr type="h" for="ch" forName="sibTrans" refType="h" refFor="ch" refForName="compNode" fact="0.25"/>
+          <dgm:constr type="primFontSz" for="des" forName="parTx" val="16"/>
+          <dgm:constr type="primFontSz" for="des" forName="desTx" refType="primFontSz" refFor="des" refForName="parTx" op="lte" fact="0.75"/>
+          <dgm:constr type="h" for="des" forName="compNode" op="equ"/>
+          <dgm:constr type="h" for="des" forName="bgRect" op="equ"/>
+          <dgm:constr type="h" for="des" forName="iconRect" op="equ"/>
+          <dgm:constr type="w" for="des" forName="iconRect" op="equ"/>
+          <dgm:constr type="h" for="des" forName="spaceRect" op="equ"/>
+          <dgm:constr type="h" for="des" forName="parTx" op="equ"/>
+          <dgm:constr type="h" for="des" forName="desTx" op="equ"/>
+        </dgm:constrLst>
+      </dgm:else>
+    </dgm:choose>
+    <dgm:ruleLst>
+      <dgm:rule type="h" for="ch" forName="compNode" val="0" fact="NaN" max="NaN"/>
+    </dgm:ruleLst>
+    <dgm:forEach name="Name8" axis="ch" ptType="node">
+      <dgm:layoutNode name="compNode">
+        <dgm:alg type="composite"/>
+        <dgm:shape xmlns:r="http://schemas.openxmlformats.org/officeDocument/2006/relationships" r:blip="">
+          <dgm:adjLst/>
+        </dgm:shape>
+        <dgm:presOf axis="self"/>
+        <dgm:choose name="Name9">
+          <dgm:if name="Name10" axis="ch" ptType="node" func="cnt" op="gte" val="1">
+            <dgm:constrLst>
+              <dgm:constr type="w" for="ch" forName="bgRect" refType="w"/>
+              <dgm:constr type="h" for="ch" forName="bgRect" refType="h"/>
+              <dgm:constr type="l" for="ch" forName="bgRect"/>
+              <dgm:constr type="t" for="ch" forName="bgRect"/>
+              <dgm:constr type="h" for="ch" forName="iconRect" refType="h" fact="0.55"/>
+              <dgm:constr type="w" for="ch" forName="iconRect" refType="h" refFor="ch" refForName="iconRect"/>
+              <dgm:constr type="l" for="ch" forName="iconRect" refType="h" refFor="ch" refForName="iconRect" fact="0.55"/>
+              <dgm:constr type="ctrY" for="ch" forName="iconRect" refType="ctrY" refFor="ch" refForName="bgRect"/>
+              <dgm:constr type="w" for="ch" forName="spaceRect" refType="l" refFor="ch" refForName="iconRect"/>
+              <dgm:constr type="h" for="ch" forName="spaceRect" refType="h"/>
+              <dgm:constr type="l" for="ch" forName="spaceRect" refType="r" refFor="ch" refForName="iconRect"/>
+              <dgm:constr type="t" for="ch" forName="spaceRect"/>
+              <dgm:constr type="w" for="ch" forName="parTx" refType="w" fact="0.45"/>
+              <dgm:constr type="h" for="ch" forName="parTx" refType="h"/>
+              <dgm:constr type="l" for="ch" forName="parTx" refType="r" refFor="ch" refForName="spaceRect"/>
+              <dgm:constr type="t" for="ch" forName="parTx"/>
+              <dgm:constr type="h" for="ch" forName="desTx" refType="h"/>
+              <dgm:constr type="l" for="ch" forName="desTx" refType="r" refFor="ch" refForName="parTx"/>
+              <dgm:constr type="t" for="ch" forName="desTx"/>
+            </dgm:constrLst>
+          </dgm:if>
+          <dgm:else name="Name11">
+            <dgm:constrLst>
+              <dgm:constr type="w" for="ch" forName="bgRect" refType="w"/>
+              <dgm:constr type="h" for="ch" forName="bgRect" refType="h"/>
+              <dgm:constr type="l" for="ch" forName="bgRect"/>
+              <dgm:constr type="t" for="ch" forName="bgRect"/>
+              <dgm:constr type="h" for="ch" forName="iconRect" refType="h" fact="0.55"/>
+              <dgm:constr type="w" for="ch" forName="iconRect" refType="h" refFor="ch" refForName="iconRect"/>
+              <dgm:constr type="l" for="ch" forName="iconRect" refType="h" refFor="ch" refForName="iconRect" fact="0.55"/>
+              <dgm:constr type="ctrY" for="ch" forName="iconRect" refType="ctrY" refFor="ch" refForName="bgRect"/>
+              <dgm:constr type="w" for="ch" forName="spaceRect" refType="l" refFor="ch" refForName="iconRect"/>
+              <dgm:constr type="h" for="ch" forName="spaceRect" refType="h"/>
+              <dgm:constr type="l" for="ch" forName="spaceRect" refType="r" refFor="ch" refForName="iconRect"/>
+              <dgm:constr type="t" for="ch" forName="spaceRect"/>
+              <dgm:constr type="h" for="ch" forName="parTx" refType="h"/>
+              <dgm:constr type="l" for="ch" forName="parTx" refType="r" refFor="ch" refForName="spaceRect"/>
+              <dgm:constr type="t" for="ch" forName="parTx"/>
+            </dgm:constrLst>
+          </dgm:else>
+        </dgm:choose>
+        <dgm:ruleLst>
+          <dgm:rule type="h" val="INF" fact="NaN" max="NaN"/>
+        </dgm:ruleLst>
+        <dgm:layoutNode name="bgRect" styleLbl="bgShp">
+          <dgm:alg type="sp"/>
+          <dgm:shape xmlns:r="http://schemas.openxmlformats.org/officeDocument/2006/relationships" type="roundRect" r:blip="">
+            <dgm:adjLst>
+              <dgm:adj idx="1" val="0.1"/>
+            </dgm:adjLst>
+          </dgm:shape>
+          <dgm:presOf/>
+          <dgm:constrLst/>
+          <dgm:ruleLst/>
+        </dgm:layoutNode>
+        <dgm:layoutNode name="iconRect" styleLbl="node1">
+          <dgm:alg type="sp"/>
+          <dgm:shape xmlns:r="http://schemas.openxmlformats.org/officeDocument/2006/relationships" type="rect" r:blip="" blipPhldr="1">
+            <dgm:adjLst/>
+          </dgm:shape>
+          <dgm:presOf/>
+          <dgm:constrLst/>
+          <dgm:ruleLst/>
+        </dgm:layoutNode>
+        <dgm:layoutNode name="spaceRect">
+          <dgm:alg type="sp"/>
+          <dgm:shape xmlns:r="http://schemas.openxmlformats.org/officeDocument/2006/relationships" r:blip="">
+            <dgm:adjLst/>
+          </dgm:shape>
+          <dgm:presOf/>
+          <dgm:constrLst/>
+          <dgm:ruleLst/>
+        </dgm:layoutNode>
+        <dgm:layoutNode name="parTx" styleLbl="revTx">
+          <dgm:varLst>
+            <dgm:chMax val="0"/>
+            <dgm:chPref val="0"/>
+          </dgm:varLst>
+          <dgm:alg type="tx">
+            <dgm:param type="txAnchorVert" val="mid"/>
+            <dgm:param type="parTxLTRAlign" val="l"/>
+            <dgm:param type="shpTxLTRAlignCh" val="l"/>
+            <dgm:param type="parTxRTLAlign" val="r"/>
+            <dgm:param type="shpTxRTLAlignCh" val="r"/>
+          </dgm:alg>
+          <dgm:shape xmlns:r="http://schemas.openxmlformats.org/officeDocument/2006/relationships" type="rect" r:blip="">
+            <dgm:adjLst/>
+          </dgm:shape>
+          <dgm:presOf axis="self" ptType="node"/>
+          <dgm:constrLst>
+            <dgm:constr type="lMarg" refType="h" fact="0.3"/>
+            <dgm:constr type="rMarg" refType="h" fact="0.3"/>
+            <dgm:constr type="tMarg" refType="h" fact="0.3"/>
+            <dgm:constr type="bMarg" refType="h" fact="0.3"/>
+          </dgm:constrLst>
+          <dgm:ruleLst>
+            <dgm:rule type="primFontSz" val="14" fact="NaN" max="NaN"/>
+            <dgm:rule type="h" val="INF" fact="NaN" max="NaN"/>
+          </dgm:ruleLst>
+        </dgm:layoutNode>
+        <dgm:choose name="Name12">
+          <dgm:if name="Name13" axis="ch" ptType="node" func="cnt" op="gte" val="1">
+            <dgm:layoutNode name="desTx" styleLbl="revTx">
+              <dgm:varLst/>
+              <dgm:alg type="tx">
+                <dgm:param type="txAnchorVertCh" val="mid"/>
+                <dgm:param type="parTxLTRAlign" val="l"/>
+                <dgm:param type="shpTxLTRAlignCh" val="l"/>
+                <dgm:param type="parTxRTLAlign" val="r"/>
+                <dgm:param type="shpTxRTLAlignCh" val="r"/>
+                <dgm:param type="stBulletLvl" val="0"/>
+              </dgm:alg>
+              <dgm:shape xmlns:r="http://schemas.openxmlformats.org/officeDocument/2006/relationships" type="rect" r:blip="">
+                <dgm:adjLst/>
+              </dgm:shape>
+              <dgm:presOf axis="des" ptType="node"/>
+              <dgm:constrLst>
+                <dgm:constr type="primFontSz" val="18"/>
+                <dgm:constr type="secFontSz" refType="primFontSz"/>
+                <dgm:constr type="lMarg" refType="h" fact="0.3"/>
+                <dgm:constr type="rMarg" refType="h" fact="0.3"/>
+                <dgm:constr type="tMarg" refType="h" fact="0.3"/>
+                <dgm:constr type="bMarg" refType="h" fact="0.3"/>
+              </dgm:constrLst>
+              <dgm:ruleLst>
+                <dgm:rule type="primFontSz" val="11" fact="NaN" max="NaN"/>
+              </dgm:ruleLst>
+            </dgm:layoutNode>
+          </dgm:if>
+          <dgm:else name="Name14"/>
+        </dgm:choose>
+      </dgm:layoutNode>
+      <dgm:forEach name="Name15" axis="followSib" ptType="sibTrans" cnt="1">
+        <dgm:layoutNode name="sibTrans">
+          <dgm:alg type="sp"/>
+          <dgm:shape xmlns:r="http://schemas.openxmlformats.org/officeDocument/2006/relationships" r:blip="">
+            <dgm:adjLst/>
+          </dgm:shape>
+          <dgm:presOf axis="self"/>
+          <dgm:constrLst/>
+          <dgm:ruleLst/>
+        </dgm:layoutNode>
+      </dgm:forEach>
+    </dgm:forEach>
+  </dgm:layoutNode>
+  <dgm:extLst>
+    <a:ext uri="{68A01E43-0DF5-4B5B-8FA6-DAF915123BFB}">
+      <dgm1612:lstStyle xmlns:dgm1612="http://schemas.microsoft.com/office/drawing/2016/12/diagram">
+        <a:lvl1pPr>
+          <a:lnSpc>
+            <a:spcPct val="100000"/>
+          </a:lnSpc>
+        </a:lvl1pPr>
+        <a:lvl2pPr>
+          <a:lnSpc>
+            <a:spcPct val="100000"/>
+          </a:lnSpc>
+        </a:lvl2pPr>
+      </dgm1612:lstStyle>
+    </a:ext>
+  </dgm:extLst>
+</dgm:layoutDef>
+</file>
+
 <file path=ppt/diagrams/quickStyle1.xml><?xml version="1.0" encoding="utf-8"?>
 <dgm:styleDef xmlns:dgm="http://schemas.openxmlformats.org/drawingml/2006/diagram" xmlns:a="http://schemas.openxmlformats.org/drawingml/2006/main" uniqueId="urn:microsoft.com/office/officeart/2005/8/quickstyle/simple1">
   <dgm:title val=""/>
@@ -5882,6 +8199,1040 @@
 </file>
 
 <file path=ppt/diagrams/quickStyle2.xml><?xml version="1.0" encoding="utf-8"?>
+<dgm:styleDef xmlns:dgm="http://schemas.openxmlformats.org/drawingml/2006/diagram" xmlns:a="http://schemas.openxmlformats.org/drawingml/2006/main" uniqueId="urn:microsoft.com/office/officeart/2005/8/quickstyle/simple1">
+  <dgm:title val=""/>
+  <dgm:desc val=""/>
+  <dgm:catLst>
+    <dgm:cat type="simple" pri="10100"/>
+  </dgm:catLst>
+  <dgm:scene3d>
+    <a:camera prst="orthographicFront"/>
+    <a:lightRig rig="threePt" dir="t"/>
+  </dgm:scene3d>
+  <dgm:styleLbl name="node0">
+    <dgm:scene3d>
+      <a:camera prst="orthographicFront"/>
+      <a:lightRig rig="threePt" dir="t"/>
+    </dgm:scene3d>
+    <dgm:sp3d/>
+    <dgm:txPr/>
+    <dgm:style>
+      <a:lnRef idx="2">
+        <a:scrgbClr r="0" g="0" b="0"/>
+      </a:lnRef>
+      <a:fillRef idx="1">
+        <a:scrgbClr r="0" g="0" b="0"/>
+      </a:fillRef>
+      <a:effectRef idx="0">
+        <a:scrgbClr r="0" g="0" b="0"/>
+      </a:effectRef>
+      <a:fontRef idx="minor">
+        <a:schemeClr val="lt1"/>
+      </a:fontRef>
+    </dgm:style>
+  </dgm:styleLbl>
+  <dgm:styleLbl name="lnNode1">
+    <dgm:scene3d>
+      <a:camera prst="orthographicFront"/>
+      <a:lightRig rig="threePt" dir="t"/>
+    </dgm:scene3d>
+    <dgm:sp3d/>
+    <dgm:txPr/>
+    <dgm:style>
+      <a:lnRef idx="2">
+        <a:scrgbClr r="0" g="0" b="0"/>
+      </a:lnRef>
+      <a:fillRef idx="1">
+        <a:scrgbClr r="0" g="0" b="0"/>
+      </a:fillRef>
+      <a:effectRef idx="0">
+        <a:scrgbClr r="0" g="0" b="0"/>
+      </a:effectRef>
+      <a:fontRef idx="minor">
+        <a:schemeClr val="lt1"/>
+      </a:fontRef>
+    </dgm:style>
+  </dgm:styleLbl>
+  <dgm:styleLbl name="vennNode1">
+    <dgm:scene3d>
+      <a:camera prst="orthographicFront"/>
+      <a:lightRig rig="threePt" dir="t"/>
+    </dgm:scene3d>
+    <dgm:sp3d/>
+    <dgm:txPr/>
+    <dgm:style>
+      <a:lnRef idx="2">
+        <a:scrgbClr r="0" g="0" b="0"/>
+      </a:lnRef>
+      <a:fillRef idx="1">
+        <a:scrgbClr r="0" g="0" b="0"/>
+      </a:fillRef>
+      <a:effectRef idx="0">
+        <a:scrgbClr r="0" g="0" b="0"/>
+      </a:effectRef>
+      <a:fontRef idx="minor">
+        <a:schemeClr val="tx1"/>
+      </a:fontRef>
+    </dgm:style>
+  </dgm:styleLbl>
+  <dgm:styleLbl name="alignNode1">
+    <dgm:scene3d>
+      <a:camera prst="orthographicFront"/>
+      <a:lightRig rig="threePt" dir="t"/>
+    </dgm:scene3d>
+    <dgm:sp3d/>
+    <dgm:txPr/>
+    <dgm:style>
+      <a:lnRef idx="2">
+        <a:scrgbClr r="0" g="0" b="0"/>
+      </a:lnRef>
+      <a:fillRef idx="1">
+        <a:scrgbClr r="0" g="0" b="0"/>
+      </a:fillRef>
+      <a:effectRef idx="0">
+        <a:scrgbClr r="0" g="0" b="0"/>
+      </a:effectRef>
+      <a:fontRef idx="minor">
+        <a:schemeClr val="lt1"/>
+      </a:fontRef>
+    </dgm:style>
+  </dgm:styleLbl>
+  <dgm:styleLbl name="node1">
+    <dgm:scene3d>
+      <a:camera prst="orthographicFront"/>
+      <a:lightRig rig="threePt" dir="t"/>
+    </dgm:scene3d>
+    <dgm:sp3d/>
+    <dgm:txPr/>
+    <dgm:style>
+      <a:lnRef idx="2">
+        <a:scrgbClr r="0" g="0" b="0"/>
+      </a:lnRef>
+      <a:fillRef idx="1">
+        <a:scrgbClr r="0" g="0" b="0"/>
+      </a:fillRef>
+      <a:effectRef idx="0">
+        <a:scrgbClr r="0" g="0" b="0"/>
+      </a:effectRef>
+      <a:fontRef idx="minor">
+        <a:schemeClr val="lt1"/>
+      </a:fontRef>
+    </dgm:style>
+  </dgm:styleLbl>
+  <dgm:styleLbl name="node2">
+    <dgm:scene3d>
+      <a:camera prst="orthographicFront"/>
+      <a:lightRig rig="threePt" dir="t"/>
+    </dgm:scene3d>
+    <dgm:sp3d/>
+    <dgm:txPr/>
+    <dgm:style>
+      <a:lnRef idx="2">
+        <a:scrgbClr r="0" g="0" b="0"/>
+      </a:lnRef>
+      <a:fillRef idx="1">
+        <a:scrgbClr r="0" g="0" b="0"/>
+      </a:fillRef>
+      <a:effectRef idx="0">
+        <a:scrgbClr r="0" g="0" b="0"/>
+      </a:effectRef>
+      <a:fontRef idx="minor">
+        <a:schemeClr val="lt1"/>
+      </a:fontRef>
+    </dgm:style>
+  </dgm:styleLbl>
+  <dgm:styleLbl name="node3">
+    <dgm:scene3d>
+      <a:camera prst="orthographicFront"/>
+      <a:lightRig rig="threePt" dir="t"/>
+    </dgm:scene3d>
+    <dgm:sp3d/>
+    <dgm:txPr/>
+    <dgm:style>
+      <a:lnRef idx="2">
+        <a:scrgbClr r="0" g="0" b="0"/>
+      </a:lnRef>
+      <a:fillRef idx="1">
+        <a:scrgbClr r="0" g="0" b="0"/>
+      </a:fillRef>
+      <a:effectRef idx="0">
+        <a:scrgbClr r="0" g="0" b="0"/>
+      </a:effectRef>
+      <a:fontRef idx="minor">
+        <a:schemeClr val="lt1"/>
+      </a:fontRef>
+    </dgm:style>
+  </dgm:styleLbl>
+  <dgm:styleLbl name="node4">
+    <dgm:scene3d>
+      <a:camera prst="orthographicFront"/>
+      <a:lightRig rig="threePt" dir="t"/>
+    </dgm:scene3d>
+    <dgm:sp3d/>
+    <dgm:txPr/>
+    <dgm:style>
+      <a:lnRef idx="2">
+        <a:scrgbClr r="0" g="0" b="0"/>
+      </a:lnRef>
+      <a:fillRef idx="1">
+        <a:scrgbClr r="0" g="0" b="0"/>
+      </a:fillRef>
+      <a:effectRef idx="0">
+        <a:scrgbClr r="0" g="0" b="0"/>
+      </a:effectRef>
+      <a:fontRef idx="minor">
+        <a:schemeClr val="lt1"/>
+      </a:fontRef>
+    </dgm:style>
+  </dgm:styleLbl>
+  <dgm:styleLbl name="fgImgPlace1">
+    <dgm:scene3d>
+      <a:camera prst="orthographicFront"/>
+      <a:lightRig rig="threePt" dir="t"/>
+    </dgm:scene3d>
+    <dgm:sp3d/>
+    <dgm:txPr/>
+    <dgm:style>
+      <a:lnRef idx="2">
+        <a:scrgbClr r="0" g="0" b="0"/>
+      </a:lnRef>
+      <a:fillRef idx="1">
+        <a:scrgbClr r="0" g="0" b="0"/>
+      </a:fillRef>
+      <a:effectRef idx="0">
+        <a:scrgbClr r="0" g="0" b="0"/>
+      </a:effectRef>
+      <a:fontRef idx="minor"/>
+    </dgm:style>
+  </dgm:styleLbl>
+  <dgm:styleLbl name="alignImgPlace1">
+    <dgm:scene3d>
+      <a:camera prst="orthographicFront"/>
+      <a:lightRig rig="threePt" dir="t"/>
+    </dgm:scene3d>
+    <dgm:sp3d/>
+    <dgm:txPr/>
+    <dgm:style>
+      <a:lnRef idx="2">
+        <a:scrgbClr r="0" g="0" b="0"/>
+      </a:lnRef>
+      <a:fillRef idx="1">
+        <a:scrgbClr r="0" g="0" b="0"/>
+      </a:fillRef>
+      <a:effectRef idx="0">
+        <a:scrgbClr r="0" g="0" b="0"/>
+      </a:effectRef>
+      <a:fontRef idx="minor"/>
+    </dgm:style>
+  </dgm:styleLbl>
+  <dgm:styleLbl name="bgImgPlace1">
+    <dgm:scene3d>
+      <a:camera prst="orthographicFront"/>
+      <a:lightRig rig="threePt" dir="t"/>
+    </dgm:scene3d>
+    <dgm:sp3d/>
+    <dgm:txPr/>
+    <dgm:style>
+      <a:lnRef idx="2">
+        <a:scrgbClr r="0" g="0" b="0"/>
+      </a:lnRef>
+      <a:fillRef idx="1">
+        <a:scrgbClr r="0" g="0" b="0"/>
+      </a:fillRef>
+      <a:effectRef idx="0">
+        <a:scrgbClr r="0" g="0" b="0"/>
+      </a:effectRef>
+      <a:fontRef idx="minor"/>
+    </dgm:style>
+  </dgm:styleLbl>
+  <dgm:styleLbl name="sibTrans2D1">
+    <dgm:scene3d>
+      <a:camera prst="orthographicFront"/>
+      <a:lightRig rig="threePt" dir="t"/>
+    </dgm:scene3d>
+    <dgm:sp3d/>
+    <dgm:txPr/>
+    <dgm:style>
+      <a:lnRef idx="0">
+        <a:scrgbClr r="0" g="0" b="0"/>
+      </a:lnRef>
+      <a:fillRef idx="1">
+        <a:scrgbClr r="0" g="0" b="0"/>
+      </a:fillRef>
+      <a:effectRef idx="0">
+        <a:scrgbClr r="0" g="0" b="0"/>
+      </a:effectRef>
+      <a:fontRef idx="minor">
+        <a:schemeClr val="lt1"/>
+      </a:fontRef>
+    </dgm:style>
+  </dgm:styleLbl>
+  <dgm:styleLbl name="fgSibTrans2D1">
+    <dgm:scene3d>
+      <a:camera prst="orthographicFront"/>
+      <a:lightRig rig="threePt" dir="t"/>
+    </dgm:scene3d>
+    <dgm:sp3d/>
+    <dgm:txPr/>
+    <dgm:style>
+      <a:lnRef idx="0">
+        <a:scrgbClr r="0" g="0" b="0"/>
+      </a:lnRef>
+      <a:fillRef idx="1">
+        <a:scrgbClr r="0" g="0" b="0"/>
+      </a:fillRef>
+      <a:effectRef idx="0">
+        <a:scrgbClr r="0" g="0" b="0"/>
+      </a:effectRef>
+      <a:fontRef idx="minor">
+        <a:schemeClr val="lt1"/>
+      </a:fontRef>
+    </dgm:style>
+  </dgm:styleLbl>
+  <dgm:styleLbl name="bgSibTrans2D1">
+    <dgm:scene3d>
+      <a:camera prst="orthographicFront"/>
+      <a:lightRig rig="threePt" dir="t"/>
+    </dgm:scene3d>
+    <dgm:sp3d/>
+    <dgm:txPr/>
+    <dgm:style>
+      <a:lnRef idx="0">
+        <a:scrgbClr r="0" g="0" b="0"/>
+      </a:lnRef>
+      <a:fillRef idx="1">
+        <a:scrgbClr r="0" g="0" b="0"/>
+      </a:fillRef>
+      <a:effectRef idx="0">
+        <a:scrgbClr r="0" g="0" b="0"/>
+      </a:effectRef>
+      <a:fontRef idx="minor">
+        <a:schemeClr val="lt1"/>
+      </a:fontRef>
+    </dgm:style>
+  </dgm:styleLbl>
+  <dgm:styleLbl name="sibTrans1D1">
+    <dgm:scene3d>
+      <a:camera prst="orthographicFront"/>
+      <a:lightRig rig="threePt" dir="t"/>
+    </dgm:scene3d>
+    <dgm:sp3d/>
+    <dgm:txPr/>
+    <dgm:style>
+      <a:lnRef idx="1">
+        <a:scrgbClr r="0" g="0" b="0"/>
+      </a:lnRef>
+      <a:fillRef idx="0">
+        <a:scrgbClr r="0" g="0" b="0"/>
+      </a:fillRef>
+      <a:effectRef idx="0">
+        <a:scrgbClr r="0" g="0" b="0"/>
+      </a:effectRef>
+      <a:fontRef idx="minor"/>
+    </dgm:style>
+  </dgm:styleLbl>
+  <dgm:styleLbl name="callout">
+    <dgm:scene3d>
+      <a:camera prst="orthographicFront"/>
+      <a:lightRig rig="threePt" dir="t"/>
+    </dgm:scene3d>
+    <dgm:sp3d/>
+    <dgm:txPr/>
+    <dgm:style>
+      <a:lnRef idx="2">
+        <a:scrgbClr r="0" g="0" b="0"/>
+      </a:lnRef>
+      <a:fillRef idx="1">
+        <a:scrgbClr r="0" g="0" b="0"/>
+      </a:fillRef>
+      <a:effectRef idx="0">
+        <a:scrgbClr r="0" g="0" b="0"/>
+      </a:effectRef>
+      <a:fontRef idx="minor"/>
+    </dgm:style>
+  </dgm:styleLbl>
+  <dgm:styleLbl name="asst0">
+    <dgm:scene3d>
+      <a:camera prst="orthographicFront"/>
+      <a:lightRig rig="threePt" dir="t"/>
+    </dgm:scene3d>
+    <dgm:sp3d/>
+    <dgm:txPr/>
+    <dgm:style>
+      <a:lnRef idx="2">
+        <a:scrgbClr r="0" g="0" b="0"/>
+      </a:lnRef>
+      <a:fillRef idx="1">
+        <a:scrgbClr r="0" g="0" b="0"/>
+      </a:fillRef>
+      <a:effectRef idx="0">
+        <a:scrgbClr r="0" g="0" b="0"/>
+      </a:effectRef>
+      <a:fontRef idx="minor">
+        <a:schemeClr val="lt1"/>
+      </a:fontRef>
+    </dgm:style>
+  </dgm:styleLbl>
+  <dgm:styleLbl name="asst1">
+    <dgm:scene3d>
+      <a:camera prst="orthographicFront"/>
+      <a:lightRig rig="threePt" dir="t"/>
+    </dgm:scene3d>
+    <dgm:sp3d/>
+    <dgm:txPr/>
+    <dgm:style>
+      <a:lnRef idx="2">
+        <a:scrgbClr r="0" g="0" b="0"/>
+      </a:lnRef>
+      <a:fillRef idx="1">
+        <a:scrgbClr r="0" g="0" b="0"/>
+      </a:fillRef>
+      <a:effectRef idx="0">
+        <a:scrgbClr r="0" g="0" b="0"/>
+      </a:effectRef>
+      <a:fontRef idx="minor">
+        <a:schemeClr val="lt1"/>
+      </a:fontRef>
+    </dgm:style>
+  </dgm:styleLbl>
+  <dgm:styleLbl name="asst2">
+    <dgm:scene3d>
+      <a:camera prst="orthographicFront"/>
+      <a:lightRig rig="threePt" dir="t"/>
+    </dgm:scene3d>
+    <dgm:sp3d/>
+    <dgm:txPr/>
+    <dgm:style>
+      <a:lnRef idx="2">
+        <a:scrgbClr r="0" g="0" b="0"/>
+      </a:lnRef>
+      <a:fillRef idx="1">
+        <a:scrgbClr r="0" g="0" b="0"/>
+      </a:fillRef>
+      <a:effectRef idx="0">
+        <a:scrgbClr r="0" g="0" b="0"/>
+      </a:effectRef>
+      <a:fontRef idx="minor">
+        <a:schemeClr val="lt1"/>
+      </a:fontRef>
+    </dgm:style>
+  </dgm:styleLbl>
+  <dgm:styleLbl name="asst3">
+    <dgm:scene3d>
+      <a:camera prst="orthographicFront"/>
+      <a:lightRig rig="threePt" dir="t"/>
+    </dgm:scene3d>
+    <dgm:sp3d/>
+    <dgm:txPr/>
+    <dgm:style>
+      <a:lnRef idx="2">
+        <a:scrgbClr r="0" g="0" b="0"/>
+      </a:lnRef>
+      <a:fillRef idx="1">
+        <a:scrgbClr r="0" g="0" b="0"/>
+      </a:fillRef>
+      <a:effectRef idx="0">
+        <a:scrgbClr r="0" g="0" b="0"/>
+      </a:effectRef>
+      <a:fontRef idx="minor">
+        <a:schemeClr val="lt1"/>
+      </a:fontRef>
+    </dgm:style>
+  </dgm:styleLbl>
+  <dgm:styleLbl name="asst4">
+    <dgm:scene3d>
+      <a:camera prst="orthographicFront"/>
+      <a:lightRig rig="threePt" dir="t"/>
+    </dgm:scene3d>
+    <dgm:sp3d/>
+    <dgm:txPr/>
+    <dgm:style>
+      <a:lnRef idx="2">
+        <a:scrgbClr r="0" g="0" b="0"/>
+      </a:lnRef>
+      <a:fillRef idx="1">
+        <a:scrgbClr r="0" g="0" b="0"/>
+      </a:fillRef>
+      <a:effectRef idx="0">
+        <a:scrgbClr r="0" g="0" b="0"/>
+      </a:effectRef>
+      <a:fontRef idx="minor">
+        <a:schemeClr val="lt1"/>
+      </a:fontRef>
+    </dgm:style>
+  </dgm:styleLbl>
+  <dgm:styleLbl name="parChTrans2D1">
+    <dgm:scene3d>
+      <a:camera prst="orthographicFront"/>
+      <a:lightRig rig="threePt" dir="t"/>
+    </dgm:scene3d>
+    <dgm:sp3d/>
+    <dgm:txPr/>
+    <dgm:style>
+      <a:lnRef idx="2">
+        <a:scrgbClr r="0" g="0" b="0"/>
+      </a:lnRef>
+      <a:fillRef idx="1">
+        <a:scrgbClr r="0" g="0" b="0"/>
+      </a:fillRef>
+      <a:effectRef idx="0">
+        <a:scrgbClr r="0" g="0" b="0"/>
+      </a:effectRef>
+      <a:fontRef idx="minor">
+        <a:schemeClr val="lt1"/>
+      </a:fontRef>
+    </dgm:style>
+  </dgm:styleLbl>
+  <dgm:styleLbl name="parChTrans2D2">
+    <dgm:scene3d>
+      <a:camera prst="orthographicFront"/>
+      <a:lightRig rig="threePt" dir="t"/>
+    </dgm:scene3d>
+    <dgm:sp3d/>
+    <dgm:txPr/>
+    <dgm:style>
+      <a:lnRef idx="2">
+        <a:scrgbClr r="0" g="0" b="0"/>
+      </a:lnRef>
+      <a:fillRef idx="1">
+        <a:scrgbClr r="0" g="0" b="0"/>
+      </a:fillRef>
+      <a:effectRef idx="0">
+        <a:scrgbClr r="0" g="0" b="0"/>
+      </a:effectRef>
+      <a:fontRef idx="minor">
+        <a:schemeClr val="lt1"/>
+      </a:fontRef>
+    </dgm:style>
+  </dgm:styleLbl>
+  <dgm:styleLbl name="parChTrans2D3">
+    <dgm:scene3d>
+      <a:camera prst="orthographicFront"/>
+      <a:lightRig rig="threePt" dir="t"/>
+    </dgm:scene3d>
+    <dgm:sp3d/>
+    <dgm:txPr/>
+    <dgm:style>
+      <a:lnRef idx="2">
+        <a:scrgbClr r="0" g="0" b="0"/>
+      </a:lnRef>
+      <a:fillRef idx="1">
+        <a:scrgbClr r="0" g="0" b="0"/>
+      </a:fillRef>
+      <a:effectRef idx="0">
+        <a:scrgbClr r="0" g="0" b="0"/>
+      </a:effectRef>
+      <a:fontRef idx="minor">
+        <a:schemeClr val="lt1"/>
+      </a:fontRef>
+    </dgm:style>
+  </dgm:styleLbl>
+  <dgm:styleLbl name="parChTrans2D4">
+    <dgm:scene3d>
+      <a:camera prst="orthographicFront"/>
+      <a:lightRig rig="threePt" dir="t"/>
+    </dgm:scene3d>
+    <dgm:sp3d/>
+    <dgm:txPr/>
+    <dgm:style>
+      <a:lnRef idx="2">
+        <a:scrgbClr r="0" g="0" b="0"/>
+      </a:lnRef>
+      <a:fillRef idx="1">
+        <a:scrgbClr r="0" g="0" b="0"/>
+      </a:fillRef>
+      <a:effectRef idx="0">
+        <a:scrgbClr r="0" g="0" b="0"/>
+      </a:effectRef>
+      <a:fontRef idx="minor">
+        <a:schemeClr val="lt1"/>
+      </a:fontRef>
+    </dgm:style>
+  </dgm:styleLbl>
+  <dgm:styleLbl name="parChTrans1D1">
+    <dgm:scene3d>
+      <a:camera prst="orthographicFront"/>
+      <a:lightRig rig="threePt" dir="t"/>
+    </dgm:scene3d>
+    <dgm:sp3d/>
+    <dgm:txPr/>
+    <dgm:style>
+      <a:lnRef idx="2">
+        <a:scrgbClr r="0" g="0" b="0"/>
+      </a:lnRef>
+      <a:fillRef idx="0">
+        <a:scrgbClr r="0" g="0" b="0"/>
+      </a:fillRef>
+      <a:effectRef idx="0">
+        <a:scrgbClr r="0" g="0" b="0"/>
+      </a:effectRef>
+      <a:fontRef idx="minor"/>
+    </dgm:style>
+  </dgm:styleLbl>
+  <dgm:styleLbl name="parChTrans1D2">
+    <dgm:scene3d>
+      <a:camera prst="orthographicFront"/>
+      <a:lightRig rig="threePt" dir="t"/>
+    </dgm:scene3d>
+    <dgm:sp3d/>
+    <dgm:txPr/>
+    <dgm:style>
+      <a:lnRef idx="2">
+        <a:scrgbClr r="0" g="0" b="0"/>
+      </a:lnRef>
+      <a:fillRef idx="0">
+        <a:scrgbClr r="0" g="0" b="0"/>
+      </a:fillRef>
+      <a:effectRef idx="0">
+        <a:scrgbClr r="0" g="0" b="0"/>
+      </a:effectRef>
+      <a:fontRef idx="minor"/>
+    </dgm:style>
+  </dgm:styleLbl>
+  <dgm:styleLbl name="parChTrans1D3">
+    <dgm:scene3d>
+      <a:camera prst="orthographicFront"/>
+      <a:lightRig rig="threePt" dir="t"/>
+    </dgm:scene3d>
+    <dgm:sp3d/>
+    <dgm:txPr/>
+    <dgm:style>
+      <a:lnRef idx="2">
+        <a:scrgbClr r="0" g="0" b="0"/>
+      </a:lnRef>
+      <a:fillRef idx="0">
+        <a:scrgbClr r="0" g="0" b="0"/>
+      </a:fillRef>
+      <a:effectRef idx="0">
+        <a:scrgbClr r="0" g="0" b="0"/>
+      </a:effectRef>
+      <a:fontRef idx="minor"/>
+    </dgm:style>
+  </dgm:styleLbl>
+  <dgm:styleLbl name="parChTrans1D4">
+    <dgm:scene3d>
+      <a:camera prst="orthographicFront"/>
+      <a:lightRig rig="threePt" dir="t"/>
+    </dgm:scene3d>
+    <dgm:sp3d/>
+    <dgm:txPr/>
+    <dgm:style>
+      <a:lnRef idx="2">
+        <a:scrgbClr r="0" g="0" b="0"/>
+      </a:lnRef>
+      <a:fillRef idx="0">
+        <a:scrgbClr r="0" g="0" b="0"/>
+      </a:fillRef>
+      <a:effectRef idx="0">
+        <a:scrgbClr r="0" g="0" b="0"/>
+      </a:effectRef>
+      <a:fontRef idx="minor"/>
+    </dgm:style>
+  </dgm:styleLbl>
+  <dgm:styleLbl name="fgAcc1">
+    <dgm:scene3d>
+      <a:camera prst="orthographicFront"/>
+      <a:lightRig rig="threePt" dir="t"/>
+    </dgm:scene3d>
+    <dgm:sp3d/>
+    <dgm:txPr/>
+    <dgm:style>
+      <a:lnRef idx="2">
+        <a:scrgbClr r="0" g="0" b="0"/>
+      </a:lnRef>
+      <a:fillRef idx="1">
+        <a:scrgbClr r="0" g="0" b="0"/>
+      </a:fillRef>
+      <a:effectRef idx="0">
+        <a:scrgbClr r="0" g="0" b="0"/>
+      </a:effectRef>
+      <a:fontRef idx="minor"/>
+    </dgm:style>
+  </dgm:styleLbl>
+  <dgm:styleLbl name="conFgAcc1">
+    <dgm:scene3d>
+      <a:camera prst="orthographicFront"/>
+      <a:lightRig rig="threePt" dir="t"/>
+    </dgm:scene3d>
+    <dgm:sp3d/>
+    <dgm:txPr/>
+    <dgm:style>
+      <a:lnRef idx="2">
+        <a:scrgbClr r="0" g="0" b="0"/>
+      </a:lnRef>
+      <a:fillRef idx="1">
+        <a:scrgbClr r="0" g="0" b="0"/>
+      </a:fillRef>
+      <a:effectRef idx="0">
+        <a:scrgbClr r="0" g="0" b="0"/>
+      </a:effectRef>
+      <a:fontRef idx="minor"/>
+    </dgm:style>
+  </dgm:styleLbl>
+  <dgm:styleLbl name="alignAcc1">
+    <dgm:scene3d>
+      <a:camera prst="orthographicFront"/>
+      <a:lightRig rig="threePt" dir="t"/>
+    </dgm:scene3d>
+    <dgm:sp3d/>
+    <dgm:txPr/>
+    <dgm:style>
+      <a:lnRef idx="2">
+        <a:scrgbClr r="0" g="0" b="0"/>
+      </a:lnRef>
+      <a:fillRef idx="1">
+        <a:scrgbClr r="0" g="0" b="0"/>
+      </a:fillRef>
+      <a:effectRef idx="0">
+        <a:scrgbClr r="0" g="0" b="0"/>
+      </a:effectRef>
+      <a:fontRef idx="minor"/>
+    </dgm:style>
+  </dgm:styleLbl>
+  <dgm:styleLbl name="trAlignAcc1">
+    <dgm:scene3d>
+      <a:camera prst="orthographicFront"/>
+      <a:lightRig rig="threePt" dir="t"/>
+    </dgm:scene3d>
+    <dgm:sp3d/>
+    <dgm:txPr/>
+    <dgm:style>
+      <a:lnRef idx="1">
+        <a:scrgbClr r="0" g="0" b="0"/>
+      </a:lnRef>
+      <a:fillRef idx="1">
+        <a:scrgbClr r="0" g="0" b="0"/>
+      </a:fillRef>
+      <a:effectRef idx="0">
+        <a:scrgbClr r="0" g="0" b="0"/>
+      </a:effectRef>
+      <a:fontRef idx="minor"/>
+    </dgm:style>
+  </dgm:styleLbl>
+  <dgm:styleLbl name="bgAcc1">
+    <dgm:scene3d>
+      <a:camera prst="orthographicFront"/>
+      <a:lightRig rig="threePt" dir="t"/>
+    </dgm:scene3d>
+    <dgm:sp3d/>
+    <dgm:txPr/>
+    <dgm:style>
+      <a:lnRef idx="2">
+        <a:scrgbClr r="0" g="0" b="0"/>
+      </a:lnRef>
+      <a:fillRef idx="1">
+        <a:scrgbClr r="0" g="0" b="0"/>
+      </a:fillRef>
+      <a:effectRef idx="0">
+        <a:scrgbClr r="0" g="0" b="0"/>
+      </a:effectRef>
+      <a:fontRef idx="minor"/>
+    </dgm:style>
+  </dgm:styleLbl>
+  <dgm:styleLbl name="solidFgAcc1">
+    <dgm:scene3d>
+      <a:camera prst="orthographicFront"/>
+      <a:lightRig rig="threePt" dir="t"/>
+    </dgm:scene3d>
+    <dgm:sp3d/>
+    <dgm:txPr/>
+    <dgm:style>
+      <a:lnRef idx="2">
+        <a:scrgbClr r="0" g="0" b="0"/>
+      </a:lnRef>
+      <a:fillRef idx="1">
+        <a:scrgbClr r="0" g="0" b="0"/>
+      </a:fillRef>
+      <a:effectRef idx="0">
+        <a:scrgbClr r="0" g="0" b="0"/>
+      </a:effectRef>
+      <a:fontRef idx="minor"/>
+    </dgm:style>
+  </dgm:styleLbl>
+  <dgm:styleLbl name="solidAlignAcc1">
+    <dgm:scene3d>
+      <a:camera prst="orthographicFront"/>
+      <a:lightRig rig="threePt" dir="t"/>
+    </dgm:scene3d>
+    <dgm:sp3d/>
+    <dgm:txPr/>
+    <dgm:style>
+      <a:lnRef idx="2">
+        <a:scrgbClr r="0" g="0" b="0"/>
+      </a:lnRef>
+      <a:fillRef idx="1">
+        <a:scrgbClr r="0" g="0" b="0"/>
+      </a:fillRef>
+      <a:effectRef idx="0">
+        <a:scrgbClr r="0" g="0" b="0"/>
+      </a:effectRef>
+      <a:fontRef idx="minor"/>
+    </dgm:style>
+  </dgm:styleLbl>
+  <dgm:styleLbl name="solidBgAcc1">
+    <dgm:scene3d>
+      <a:camera prst="orthographicFront"/>
+      <a:lightRig rig="threePt" dir="t"/>
+    </dgm:scene3d>
+    <dgm:sp3d/>
+    <dgm:txPr/>
+    <dgm:style>
+      <a:lnRef idx="2">
+        <a:scrgbClr r="0" g="0" b="0"/>
+      </a:lnRef>
+      <a:fillRef idx="1">
+        <a:scrgbClr r="0" g="0" b="0"/>
+      </a:fillRef>
+      <a:effectRef idx="0">
+        <a:scrgbClr r="0" g="0" b="0"/>
+      </a:effectRef>
+      <a:fontRef idx="minor"/>
+    </dgm:style>
+  </dgm:styleLbl>
+  <dgm:styleLbl name="fgAccFollowNode1">
+    <dgm:scene3d>
+      <a:camera prst="orthographicFront"/>
+      <a:lightRig rig="threePt" dir="t"/>
+    </dgm:scene3d>
+    <dgm:sp3d/>
+    <dgm:txPr/>
+    <dgm:style>
+      <a:lnRef idx="2">
+        <a:scrgbClr r="0" g="0" b="0"/>
+      </a:lnRef>
+      <a:fillRef idx="1">
+        <a:scrgbClr r="0" g="0" b="0"/>
+      </a:fillRef>
+      <a:effectRef idx="0">
+        <a:scrgbClr r="0" g="0" b="0"/>
+      </a:effectRef>
+      <a:fontRef idx="minor"/>
+    </dgm:style>
+  </dgm:styleLbl>
+  <dgm:styleLbl name="alignAccFollowNode1">
+    <dgm:scene3d>
+      <a:camera prst="orthographicFront"/>
+      <a:lightRig rig="threePt" dir="t"/>
+    </dgm:scene3d>
+    <dgm:sp3d/>
+    <dgm:txPr/>
+    <dgm:style>
+      <a:lnRef idx="2">
+        <a:scrgbClr r="0" g="0" b="0"/>
+      </a:lnRef>
+      <a:fillRef idx="1">
+        <a:scrgbClr r="0" g="0" b="0"/>
+      </a:fillRef>
+      <a:effectRef idx="0">
+        <a:scrgbClr r="0" g="0" b="0"/>
+      </a:effectRef>
+      <a:fontRef idx="minor"/>
+    </dgm:style>
+  </dgm:styleLbl>
+  <dgm:styleLbl name="bgAccFollowNode1">
+    <dgm:scene3d>
+      <a:camera prst="orthographicFront"/>
+      <a:lightRig rig="threePt" dir="t"/>
+    </dgm:scene3d>
+    <dgm:sp3d/>
+    <dgm:txPr/>
+    <dgm:style>
+      <a:lnRef idx="2">
+        <a:scrgbClr r="0" g="0" b="0"/>
+      </a:lnRef>
+      <a:fillRef idx="1">
+        <a:scrgbClr r="0" g="0" b="0"/>
+      </a:fillRef>
+      <a:effectRef idx="0">
+        <a:scrgbClr r="0" g="0" b="0"/>
+      </a:effectRef>
+      <a:fontRef idx="minor"/>
+    </dgm:style>
+  </dgm:styleLbl>
+  <dgm:styleLbl name="fgAcc0">
+    <dgm:scene3d>
+      <a:camera prst="orthographicFront"/>
+      <a:lightRig rig="threePt" dir="t"/>
+    </dgm:scene3d>
+    <dgm:sp3d/>
+    <dgm:txPr/>
+    <dgm:style>
+      <a:lnRef idx="2">
+        <a:scrgbClr r="0" g="0" b="0"/>
+      </a:lnRef>
+      <a:fillRef idx="1">
+        <a:scrgbClr r="0" g="0" b="0"/>
+      </a:fillRef>
+      <a:effectRef idx="0">
+        <a:scrgbClr r="0" g="0" b="0"/>
+      </a:effectRef>
+      <a:fontRef idx="minor"/>
+    </dgm:style>
+  </dgm:styleLbl>
+  <dgm:styleLbl name="fgAcc2">
+    <dgm:scene3d>
+      <a:camera prst="orthographicFront"/>
+      <a:lightRig rig="threePt" dir="t"/>
+    </dgm:scene3d>
+    <dgm:sp3d/>
+    <dgm:txPr/>
+    <dgm:style>
+      <a:lnRef idx="2">
+        <a:scrgbClr r="0" g="0" b="0"/>
+      </a:lnRef>
+      <a:fillRef idx="1">
+        <a:scrgbClr r="0" g="0" b="0"/>
+      </a:fillRef>
+      <a:effectRef idx="0">
+        <a:scrgbClr r="0" g="0" b="0"/>
+      </a:effectRef>
+      <a:fontRef idx="minor"/>
+    </dgm:style>
+  </dgm:styleLbl>
+  <dgm:styleLbl name="fgAcc3">
+    <dgm:scene3d>
+      <a:camera prst="orthographicFront"/>
+      <a:lightRig rig="threePt" dir="t"/>
+    </dgm:scene3d>
+    <dgm:sp3d/>
+    <dgm:txPr/>
+    <dgm:style>
+      <a:lnRef idx="2">
+        <a:scrgbClr r="0" g="0" b="0"/>
+      </a:lnRef>
+      <a:fillRef idx="1">
+        <a:scrgbClr r="0" g="0" b="0"/>
+      </a:fillRef>
+      <a:effectRef idx="0">
+        <a:scrgbClr r="0" g="0" b="0"/>
+      </a:effectRef>
+      <a:fontRef idx="minor"/>
+    </dgm:style>
+  </dgm:styleLbl>
+  <dgm:styleLbl name="fgAcc4">
+    <dgm:scene3d>
+      <a:camera prst="orthographicFront"/>
+      <a:lightRig rig="threePt" dir="t"/>
+    </dgm:scene3d>
+    <dgm:sp3d/>
+    <dgm:txPr/>
+    <dgm:style>
+      <a:lnRef idx="2">
+        <a:scrgbClr r="0" g="0" b="0"/>
+      </a:lnRef>
+      <a:fillRef idx="1">
+        <a:scrgbClr r="0" g="0" b="0"/>
+      </a:fillRef>
+      <a:effectRef idx="0">
+        <a:scrgbClr r="0" g="0" b="0"/>
+      </a:effectRef>
+      <a:fontRef idx="minor"/>
+    </dgm:style>
+  </dgm:styleLbl>
+  <dgm:styleLbl name="bgShp">
+    <dgm:scene3d>
+      <a:camera prst="orthographicFront"/>
+      <a:lightRig rig="threePt" dir="t"/>
+    </dgm:scene3d>
+    <dgm:sp3d/>
+    <dgm:txPr/>
+    <dgm:style>
+      <a:lnRef idx="0">
+        <a:scrgbClr r="0" g="0" b="0"/>
+      </a:lnRef>
+      <a:fillRef idx="1">
+        <a:scrgbClr r="0" g="0" b="0"/>
+      </a:fillRef>
+      <a:effectRef idx="0">
+        <a:scrgbClr r="0" g="0" b="0"/>
+      </a:effectRef>
+      <a:fontRef idx="minor"/>
+    </dgm:style>
+  </dgm:styleLbl>
+  <dgm:styleLbl name="dkBgShp">
+    <dgm:scene3d>
+      <a:camera prst="orthographicFront"/>
+      <a:lightRig rig="threePt" dir="t"/>
+    </dgm:scene3d>
+    <dgm:sp3d/>
+    <dgm:txPr/>
+    <dgm:style>
+      <a:lnRef idx="0">
+        <a:scrgbClr r="0" g="0" b="0"/>
+      </a:lnRef>
+      <a:fillRef idx="1">
+        <a:scrgbClr r="0" g="0" b="0"/>
+      </a:fillRef>
+      <a:effectRef idx="0">
+        <a:scrgbClr r="0" g="0" b="0"/>
+      </a:effectRef>
+      <a:fontRef idx="minor"/>
+    </dgm:style>
+  </dgm:styleLbl>
+  <dgm:styleLbl name="trBgShp">
+    <dgm:scene3d>
+      <a:camera prst="orthographicFront"/>
+      <a:lightRig rig="threePt" dir="t"/>
+    </dgm:scene3d>
+    <dgm:sp3d/>
+    <dgm:txPr/>
+    <dgm:style>
+      <a:lnRef idx="0">
+        <a:scrgbClr r="0" g="0" b="0"/>
+      </a:lnRef>
+      <a:fillRef idx="1">
+        <a:scrgbClr r="0" g="0" b="0"/>
+      </a:fillRef>
+      <a:effectRef idx="0">
+        <a:scrgbClr r="0" g="0" b="0"/>
+      </a:effectRef>
+      <a:fontRef idx="minor"/>
+    </dgm:style>
+  </dgm:styleLbl>
+  <dgm:styleLbl name="fgShp">
+    <dgm:scene3d>
+      <a:camera prst="orthographicFront"/>
+      <a:lightRig rig="threePt" dir="t"/>
+    </dgm:scene3d>
+    <dgm:sp3d/>
+    <dgm:txPr/>
+    <dgm:style>
+      <a:lnRef idx="2">
+        <a:scrgbClr r="0" g="0" b="0"/>
+      </a:lnRef>
+      <a:fillRef idx="1">
+        <a:scrgbClr r="0" g="0" b="0"/>
+      </a:fillRef>
+      <a:effectRef idx="0">
+        <a:scrgbClr r="0" g="0" b="0"/>
+      </a:effectRef>
+      <a:fontRef idx="minor"/>
+    </dgm:style>
+  </dgm:styleLbl>
+  <dgm:styleLbl name="revTx">
+    <dgm:scene3d>
+      <a:camera prst="orthographicFront"/>
+      <a:lightRig rig="threePt" dir="t"/>
+    </dgm:scene3d>
+    <dgm:sp3d/>
+    <dgm:txPr/>
+    <dgm:style>
+      <a:lnRef idx="0">
+        <a:scrgbClr r="0" g="0" b="0"/>
+      </a:lnRef>
+      <a:fillRef idx="0">
+        <a:scrgbClr r="0" g="0" b="0"/>
+      </a:fillRef>
+      <a:effectRef idx="0">
+        <a:scrgbClr r="0" g="0" b="0"/>
+      </a:effectRef>
+      <a:fontRef idx="minor"/>
+    </dgm:style>
+  </dgm:styleLbl>
+</dgm:styleDef>
+</file>
+
+<file path=ppt/diagrams/quickStyle3.xml><?xml version="1.0" encoding="utf-8"?>
 <dgm:styleDef xmlns:dgm="http://schemas.openxmlformats.org/drawingml/2006/diagram" xmlns:a="http://schemas.openxmlformats.org/drawingml/2006/main" uniqueId="urn:microsoft.com/office/officeart/2005/8/quickstyle/simple1">
   <dgm:title val=""/>
   <dgm:desc val=""/>
@@ -9261,7 +12612,7 @@
                 <a:ea typeface="+mn-ea"/>
                 <a:cs typeface="+mn-cs"/>
               </a:rPr>
-              <a:t>The results generally support our hypothesis for a positive relationship between otolith width versus salmon length and longitude.</a:t>
+              <a:t>The results generally support our hypothesis for a positive relationship between otolith width versus salmon length and negative linear relationship with longitude.</a:t>
             </a:r>
           </a:p>
           <a:p>
@@ -10179,13 +13530,7 @@
       </p:grpSpPr>
       <p:sp>
         <p:nvSpPr>
-          <p:cNvPr id="2" name="Title 1">
-            <a:extLst>
-              <a:ext uri="{FF2B5EF4-FFF2-40B4-BE49-F238E27FC236}">
-                <a16:creationId xmlns:a16="http://schemas.microsoft.com/office/drawing/2014/main" id="{0DAF2DD1-52C0-5241-9A0A-2AB68621FC6A}"/>
-              </a:ext>
-            </a:extLst>
-          </p:cNvPr>
+          <p:cNvPr id="2" name="Title 1"/>
           <p:cNvSpPr>
             <a:spLocks noGrp="1"/>
           </p:cNvSpPr>
@@ -10211,18 +13556,13 @@
               <a:rPr lang="en-US"/>
               <a:t>Click to edit Master title style</a:t>
             </a:r>
+            <a:endParaRPr lang="en-US" dirty="0"/>
           </a:p>
         </p:txBody>
       </p:sp>
       <p:sp>
         <p:nvSpPr>
-          <p:cNvPr id="3" name="Subtitle 2">
-            <a:extLst>
-              <a:ext uri="{FF2B5EF4-FFF2-40B4-BE49-F238E27FC236}">
-                <a16:creationId xmlns:a16="http://schemas.microsoft.com/office/drawing/2014/main" id="{966DF890-B2E0-9B40-9AE7-047B11BB7EC4}"/>
-              </a:ext>
-            </a:extLst>
-          </p:cNvPr>
+          <p:cNvPr id="3" name="Subtitle 2"/>
           <p:cNvSpPr>
             <a:spLocks noGrp="1"/>
           </p:cNvSpPr>
@@ -10281,18 +13621,13 @@
               <a:rPr lang="en-US"/>
               <a:t>Click to edit Master subtitle style</a:t>
             </a:r>
+            <a:endParaRPr lang="en-US" dirty="0"/>
           </a:p>
         </p:txBody>
       </p:sp>
       <p:sp>
         <p:nvSpPr>
-          <p:cNvPr id="4" name="Date Placeholder 3">
-            <a:extLst>
-              <a:ext uri="{FF2B5EF4-FFF2-40B4-BE49-F238E27FC236}">
-                <a16:creationId xmlns:a16="http://schemas.microsoft.com/office/drawing/2014/main" id="{B98B5A6A-E62B-D041-A974-928761BF046B}"/>
-              </a:ext>
-            </a:extLst>
-          </p:cNvPr>
+          <p:cNvPr id="4" name="Date Placeholder 3"/>
           <p:cNvSpPr>
             <a:spLocks noGrp="1"/>
           </p:cNvSpPr>
@@ -10315,13 +13650,7 @@
       </p:sp>
       <p:sp>
         <p:nvSpPr>
-          <p:cNvPr id="5" name="Footer Placeholder 4">
-            <a:extLst>
-              <a:ext uri="{FF2B5EF4-FFF2-40B4-BE49-F238E27FC236}">
-                <a16:creationId xmlns:a16="http://schemas.microsoft.com/office/drawing/2014/main" id="{CB9E23D3-92E0-4A49-93D7-36EA3BA50D26}"/>
-              </a:ext>
-            </a:extLst>
-          </p:cNvPr>
+          <p:cNvPr id="5" name="Footer Placeholder 4"/>
           <p:cNvSpPr>
             <a:spLocks noGrp="1"/>
           </p:cNvSpPr>
@@ -10340,13 +13669,7 @@
       </p:sp>
       <p:sp>
         <p:nvSpPr>
-          <p:cNvPr id="6" name="Slide Number Placeholder 5">
-            <a:extLst>
-              <a:ext uri="{FF2B5EF4-FFF2-40B4-BE49-F238E27FC236}">
-                <a16:creationId xmlns:a16="http://schemas.microsoft.com/office/drawing/2014/main" id="{F7DF7B29-874B-7547-8AC6-EE9925D76FF3}"/>
-              </a:ext>
-            </a:extLst>
-          </p:cNvPr>
+          <p:cNvPr id="6" name="Slide Number Placeholder 5"/>
           <p:cNvSpPr>
             <a:spLocks noGrp="1"/>
           </p:cNvSpPr>
@@ -10370,7 +13693,7 @@
     </p:spTree>
     <p:extLst>
       <p:ext uri="{BB962C8B-B14F-4D97-AF65-F5344CB8AC3E}">
-        <p14:creationId xmlns:p14="http://schemas.microsoft.com/office/powerpoint/2010/main" val="1870978214"/>
+        <p14:creationId xmlns:p14="http://schemas.microsoft.com/office/powerpoint/2010/main" val="1058182059"/>
       </p:ext>
     </p:extLst>
   </p:cSld>
@@ -10399,13 +13722,7 @@
       </p:grpSpPr>
       <p:sp>
         <p:nvSpPr>
-          <p:cNvPr id="2" name="Title 1">
-            <a:extLst>
-              <a:ext uri="{FF2B5EF4-FFF2-40B4-BE49-F238E27FC236}">
-                <a16:creationId xmlns:a16="http://schemas.microsoft.com/office/drawing/2014/main" id="{7422A5A3-217C-5945-9B32-F98AD8CB9AAD}"/>
-              </a:ext>
-            </a:extLst>
-          </p:cNvPr>
+          <p:cNvPr id="2" name="Title 1"/>
           <p:cNvSpPr>
             <a:spLocks noGrp="1"/>
           </p:cNvSpPr>
@@ -10422,18 +13739,13 @@
               <a:rPr lang="en-US"/>
               <a:t>Click to edit Master title style</a:t>
             </a:r>
+            <a:endParaRPr lang="en-US" dirty="0"/>
           </a:p>
         </p:txBody>
       </p:sp>
       <p:sp>
         <p:nvSpPr>
-          <p:cNvPr id="3" name="Vertical Text Placeholder 2">
-            <a:extLst>
-              <a:ext uri="{FF2B5EF4-FFF2-40B4-BE49-F238E27FC236}">
-                <a16:creationId xmlns:a16="http://schemas.microsoft.com/office/drawing/2014/main" id="{2CA113CF-F569-394F-91C0-C70E238FE0AD}"/>
-              </a:ext>
-            </a:extLst>
-          </p:cNvPr>
+          <p:cNvPr id="3" name="Vertical Text Placeholder 2"/>
           <p:cNvSpPr>
             <a:spLocks noGrp="1"/>
           </p:cNvSpPr>
@@ -10479,18 +13791,13 @@
               <a:rPr lang="en-US"/>
               <a:t>Fifth level</a:t>
             </a:r>
+            <a:endParaRPr lang="en-US" dirty="0"/>
           </a:p>
         </p:txBody>
       </p:sp>
       <p:sp>
         <p:nvSpPr>
-          <p:cNvPr id="4" name="Date Placeholder 3">
-            <a:extLst>
-              <a:ext uri="{FF2B5EF4-FFF2-40B4-BE49-F238E27FC236}">
-                <a16:creationId xmlns:a16="http://schemas.microsoft.com/office/drawing/2014/main" id="{DEE9D1A0-DF19-FD43-9DB2-BA2FF0A12215}"/>
-              </a:ext>
-            </a:extLst>
-          </p:cNvPr>
+          <p:cNvPr id="4" name="Date Placeholder 3"/>
           <p:cNvSpPr>
             <a:spLocks noGrp="1"/>
           </p:cNvSpPr>
@@ -10513,13 +13820,7 @@
       </p:sp>
       <p:sp>
         <p:nvSpPr>
-          <p:cNvPr id="5" name="Footer Placeholder 4">
-            <a:extLst>
-              <a:ext uri="{FF2B5EF4-FFF2-40B4-BE49-F238E27FC236}">
-                <a16:creationId xmlns:a16="http://schemas.microsoft.com/office/drawing/2014/main" id="{F88A9160-4E2E-9147-A691-F4AED0C29FF0}"/>
-              </a:ext>
-            </a:extLst>
-          </p:cNvPr>
+          <p:cNvPr id="5" name="Footer Placeholder 4"/>
           <p:cNvSpPr>
             <a:spLocks noGrp="1"/>
           </p:cNvSpPr>
@@ -10538,13 +13839,7 @@
       </p:sp>
       <p:sp>
         <p:nvSpPr>
-          <p:cNvPr id="6" name="Slide Number Placeholder 5">
-            <a:extLst>
-              <a:ext uri="{FF2B5EF4-FFF2-40B4-BE49-F238E27FC236}">
-                <a16:creationId xmlns:a16="http://schemas.microsoft.com/office/drawing/2014/main" id="{80561857-98AB-CF4A-B7F0-060BEE02747A}"/>
-              </a:ext>
-            </a:extLst>
-          </p:cNvPr>
+          <p:cNvPr id="6" name="Slide Number Placeholder 5"/>
           <p:cNvSpPr>
             <a:spLocks noGrp="1"/>
           </p:cNvSpPr>
@@ -10568,7 +13863,7 @@
     </p:spTree>
     <p:extLst>
       <p:ext uri="{BB962C8B-B14F-4D97-AF65-F5344CB8AC3E}">
-        <p14:creationId xmlns:p14="http://schemas.microsoft.com/office/powerpoint/2010/main" val="3370286164"/>
+        <p14:creationId xmlns:p14="http://schemas.microsoft.com/office/powerpoint/2010/main" val="1124593651"/>
       </p:ext>
     </p:extLst>
   </p:cSld>
@@ -10597,13 +13892,7 @@
       </p:grpSpPr>
       <p:sp>
         <p:nvSpPr>
-          <p:cNvPr id="2" name="Vertical Title 1">
-            <a:extLst>
-              <a:ext uri="{FF2B5EF4-FFF2-40B4-BE49-F238E27FC236}">
-                <a16:creationId xmlns:a16="http://schemas.microsoft.com/office/drawing/2014/main" id="{9906E176-4091-8D46-9817-1982E238EF60}"/>
-              </a:ext>
-            </a:extLst>
-          </p:cNvPr>
+          <p:cNvPr id="2" name="Vertical Title 1"/>
           <p:cNvSpPr>
             <a:spLocks noGrp="1"/>
           </p:cNvSpPr>
@@ -10625,18 +13914,13 @@
               <a:rPr lang="en-US"/>
               <a:t>Click to edit Master title style</a:t>
             </a:r>
+            <a:endParaRPr lang="en-US" dirty="0"/>
           </a:p>
         </p:txBody>
       </p:sp>
       <p:sp>
         <p:nvSpPr>
-          <p:cNvPr id="3" name="Vertical Text Placeholder 2">
-            <a:extLst>
-              <a:ext uri="{FF2B5EF4-FFF2-40B4-BE49-F238E27FC236}">
-                <a16:creationId xmlns:a16="http://schemas.microsoft.com/office/drawing/2014/main" id="{2CB93C85-810B-FF45-8D0A-9A875796EE74}"/>
-              </a:ext>
-            </a:extLst>
-          </p:cNvPr>
+          <p:cNvPr id="3" name="Vertical Text Placeholder 2"/>
           <p:cNvSpPr>
             <a:spLocks noGrp="1"/>
           </p:cNvSpPr>
@@ -10687,18 +13971,13 @@
               <a:rPr lang="en-US"/>
               <a:t>Fifth level</a:t>
             </a:r>
+            <a:endParaRPr lang="en-US" dirty="0"/>
           </a:p>
         </p:txBody>
       </p:sp>
       <p:sp>
         <p:nvSpPr>
-          <p:cNvPr id="4" name="Date Placeholder 3">
-            <a:extLst>
-              <a:ext uri="{FF2B5EF4-FFF2-40B4-BE49-F238E27FC236}">
-                <a16:creationId xmlns:a16="http://schemas.microsoft.com/office/drawing/2014/main" id="{A18D41D1-340D-7C43-BA74-1B7902678C68}"/>
-              </a:ext>
-            </a:extLst>
-          </p:cNvPr>
+          <p:cNvPr id="4" name="Date Placeholder 3"/>
           <p:cNvSpPr>
             <a:spLocks noGrp="1"/>
           </p:cNvSpPr>
@@ -10721,13 +14000,7 @@
       </p:sp>
       <p:sp>
         <p:nvSpPr>
-          <p:cNvPr id="5" name="Footer Placeholder 4">
-            <a:extLst>
-              <a:ext uri="{FF2B5EF4-FFF2-40B4-BE49-F238E27FC236}">
-                <a16:creationId xmlns:a16="http://schemas.microsoft.com/office/drawing/2014/main" id="{D80FD38C-14F0-A046-A3A4-FC2EBDA7CD7F}"/>
-              </a:ext>
-            </a:extLst>
-          </p:cNvPr>
+          <p:cNvPr id="5" name="Footer Placeholder 4"/>
           <p:cNvSpPr>
             <a:spLocks noGrp="1"/>
           </p:cNvSpPr>
@@ -10746,13 +14019,7 @@
       </p:sp>
       <p:sp>
         <p:nvSpPr>
-          <p:cNvPr id="6" name="Slide Number Placeholder 5">
-            <a:extLst>
-              <a:ext uri="{FF2B5EF4-FFF2-40B4-BE49-F238E27FC236}">
-                <a16:creationId xmlns:a16="http://schemas.microsoft.com/office/drawing/2014/main" id="{1A230D99-79BA-3D4A-9F3D-47E87E3A685D}"/>
-              </a:ext>
-            </a:extLst>
-          </p:cNvPr>
+          <p:cNvPr id="6" name="Slide Number Placeholder 5"/>
           <p:cNvSpPr>
             <a:spLocks noGrp="1"/>
           </p:cNvSpPr>
@@ -10776,7 +14043,7 @@
     </p:spTree>
     <p:extLst>
       <p:ext uri="{BB962C8B-B14F-4D97-AF65-F5344CB8AC3E}">
-        <p14:creationId xmlns:p14="http://schemas.microsoft.com/office/powerpoint/2010/main" val="2269560525"/>
+        <p14:creationId xmlns:p14="http://schemas.microsoft.com/office/powerpoint/2010/main" val="3468345426"/>
       </p:ext>
     </p:extLst>
   </p:cSld>
@@ -10805,13 +14072,7 @@
       </p:grpSpPr>
       <p:sp>
         <p:nvSpPr>
-          <p:cNvPr id="2" name="Title 1">
-            <a:extLst>
-              <a:ext uri="{FF2B5EF4-FFF2-40B4-BE49-F238E27FC236}">
-                <a16:creationId xmlns:a16="http://schemas.microsoft.com/office/drawing/2014/main" id="{0AFF0466-5661-9A44-8E6A-C0CCA426477B}"/>
-              </a:ext>
-            </a:extLst>
-          </p:cNvPr>
+          <p:cNvPr id="2" name="Title 1"/>
           <p:cNvSpPr>
             <a:spLocks noGrp="1"/>
           </p:cNvSpPr>
@@ -10828,18 +14089,13 @@
               <a:rPr lang="en-US"/>
               <a:t>Click to edit Master title style</a:t>
             </a:r>
+            <a:endParaRPr lang="en-US" dirty="0"/>
           </a:p>
         </p:txBody>
       </p:sp>
       <p:sp>
         <p:nvSpPr>
-          <p:cNvPr id="3" name="Content Placeholder 2">
-            <a:extLst>
-              <a:ext uri="{FF2B5EF4-FFF2-40B4-BE49-F238E27FC236}">
-                <a16:creationId xmlns:a16="http://schemas.microsoft.com/office/drawing/2014/main" id="{F155E14E-3A03-0546-BAF1-94EB778904BB}"/>
-              </a:ext>
-            </a:extLst>
-          </p:cNvPr>
+          <p:cNvPr id="3" name="Content Placeholder 2"/>
           <p:cNvSpPr>
             <a:spLocks noGrp="1"/>
           </p:cNvSpPr>
@@ -10885,18 +14141,13 @@
               <a:rPr lang="en-US"/>
               <a:t>Fifth level</a:t>
             </a:r>
+            <a:endParaRPr lang="en-US" dirty="0"/>
           </a:p>
         </p:txBody>
       </p:sp>
       <p:sp>
         <p:nvSpPr>
-          <p:cNvPr id="4" name="Date Placeholder 3">
-            <a:extLst>
-              <a:ext uri="{FF2B5EF4-FFF2-40B4-BE49-F238E27FC236}">
-                <a16:creationId xmlns:a16="http://schemas.microsoft.com/office/drawing/2014/main" id="{E511E4F6-8876-B14E-9879-E6A56D9B9D59}"/>
-              </a:ext>
-            </a:extLst>
-          </p:cNvPr>
+          <p:cNvPr id="4" name="Date Placeholder 3"/>
           <p:cNvSpPr>
             <a:spLocks noGrp="1"/>
           </p:cNvSpPr>
@@ -10919,13 +14170,7 @@
       </p:sp>
       <p:sp>
         <p:nvSpPr>
-          <p:cNvPr id="5" name="Footer Placeholder 4">
-            <a:extLst>
-              <a:ext uri="{FF2B5EF4-FFF2-40B4-BE49-F238E27FC236}">
-                <a16:creationId xmlns:a16="http://schemas.microsoft.com/office/drawing/2014/main" id="{37CE6743-BDD1-E343-AF30-DDAD6A048981}"/>
-              </a:ext>
-            </a:extLst>
-          </p:cNvPr>
+          <p:cNvPr id="5" name="Footer Placeholder 4"/>
           <p:cNvSpPr>
             <a:spLocks noGrp="1"/>
           </p:cNvSpPr>
@@ -10944,13 +14189,7 @@
       </p:sp>
       <p:sp>
         <p:nvSpPr>
-          <p:cNvPr id="6" name="Slide Number Placeholder 5">
-            <a:extLst>
-              <a:ext uri="{FF2B5EF4-FFF2-40B4-BE49-F238E27FC236}">
-                <a16:creationId xmlns:a16="http://schemas.microsoft.com/office/drawing/2014/main" id="{6D0C5387-B397-A645-ADD5-9A2524B62287}"/>
-              </a:ext>
-            </a:extLst>
-          </p:cNvPr>
+          <p:cNvPr id="6" name="Slide Number Placeholder 5"/>
           <p:cNvSpPr>
             <a:spLocks noGrp="1"/>
           </p:cNvSpPr>
@@ -10974,7 +14213,7 @@
     </p:spTree>
     <p:extLst>
       <p:ext uri="{BB962C8B-B14F-4D97-AF65-F5344CB8AC3E}">
-        <p14:creationId xmlns:p14="http://schemas.microsoft.com/office/powerpoint/2010/main" val="2801636149"/>
+        <p14:creationId xmlns:p14="http://schemas.microsoft.com/office/powerpoint/2010/main" val="920742654"/>
       </p:ext>
     </p:extLst>
   </p:cSld>
@@ -11003,13 +14242,7 @@
       </p:grpSpPr>
       <p:sp>
         <p:nvSpPr>
-          <p:cNvPr id="2" name="Title 1">
-            <a:extLst>
-              <a:ext uri="{FF2B5EF4-FFF2-40B4-BE49-F238E27FC236}">
-                <a16:creationId xmlns:a16="http://schemas.microsoft.com/office/drawing/2014/main" id="{11618415-4AD4-CB4F-B791-45695E8E09F9}"/>
-              </a:ext>
-            </a:extLst>
-          </p:cNvPr>
+          <p:cNvPr id="2" name="Title 1"/>
           <p:cNvSpPr>
             <a:spLocks noGrp="1"/>
           </p:cNvSpPr>
@@ -11035,18 +14268,13 @@
               <a:rPr lang="en-US"/>
               <a:t>Click to edit Master title style</a:t>
             </a:r>
+            <a:endParaRPr lang="en-US" dirty="0"/>
           </a:p>
         </p:txBody>
       </p:sp>
       <p:sp>
         <p:nvSpPr>
-          <p:cNvPr id="3" name="Text Placeholder 2">
-            <a:extLst>
-              <a:ext uri="{FF2B5EF4-FFF2-40B4-BE49-F238E27FC236}">
-                <a16:creationId xmlns:a16="http://schemas.microsoft.com/office/drawing/2014/main" id="{E428643A-A3B7-D440-B44B-AB5321D060A2}"/>
-              </a:ext>
-            </a:extLst>
-          </p:cNvPr>
+          <p:cNvPr id="3" name="Text Placeholder 2"/>
           <p:cNvSpPr>
             <a:spLocks noGrp="1"/>
           </p:cNvSpPr>
@@ -11165,13 +14393,7 @@
       </p:sp>
       <p:sp>
         <p:nvSpPr>
-          <p:cNvPr id="4" name="Date Placeholder 3">
-            <a:extLst>
-              <a:ext uri="{FF2B5EF4-FFF2-40B4-BE49-F238E27FC236}">
-                <a16:creationId xmlns:a16="http://schemas.microsoft.com/office/drawing/2014/main" id="{BCC424CB-4737-B74B-825D-30633C89DF3E}"/>
-              </a:ext>
-            </a:extLst>
-          </p:cNvPr>
+          <p:cNvPr id="4" name="Date Placeholder 3"/>
           <p:cNvSpPr>
             <a:spLocks noGrp="1"/>
           </p:cNvSpPr>
@@ -11194,13 +14416,7 @@
       </p:sp>
       <p:sp>
         <p:nvSpPr>
-          <p:cNvPr id="5" name="Footer Placeholder 4">
-            <a:extLst>
-              <a:ext uri="{FF2B5EF4-FFF2-40B4-BE49-F238E27FC236}">
-                <a16:creationId xmlns:a16="http://schemas.microsoft.com/office/drawing/2014/main" id="{53A71424-2534-474D-B7E8-4A88D947106F}"/>
-              </a:ext>
-            </a:extLst>
-          </p:cNvPr>
+          <p:cNvPr id="5" name="Footer Placeholder 4"/>
           <p:cNvSpPr>
             <a:spLocks noGrp="1"/>
           </p:cNvSpPr>
@@ -11219,13 +14435,7 @@
       </p:sp>
       <p:sp>
         <p:nvSpPr>
-          <p:cNvPr id="6" name="Slide Number Placeholder 5">
-            <a:extLst>
-              <a:ext uri="{FF2B5EF4-FFF2-40B4-BE49-F238E27FC236}">
-                <a16:creationId xmlns:a16="http://schemas.microsoft.com/office/drawing/2014/main" id="{BE6E7951-3B1C-444E-8C7A-E17FD5F7D1C1}"/>
-              </a:ext>
-            </a:extLst>
-          </p:cNvPr>
+          <p:cNvPr id="6" name="Slide Number Placeholder 5"/>
           <p:cNvSpPr>
             <a:spLocks noGrp="1"/>
           </p:cNvSpPr>
@@ -11249,7 +14459,7 @@
     </p:spTree>
     <p:extLst>
       <p:ext uri="{BB962C8B-B14F-4D97-AF65-F5344CB8AC3E}">
-        <p14:creationId xmlns:p14="http://schemas.microsoft.com/office/powerpoint/2010/main" val="2091182035"/>
+        <p14:creationId xmlns:p14="http://schemas.microsoft.com/office/powerpoint/2010/main" val="4189061111"/>
       </p:ext>
     </p:extLst>
   </p:cSld>
@@ -11278,13 +14488,7 @@
       </p:grpSpPr>
       <p:sp>
         <p:nvSpPr>
-          <p:cNvPr id="2" name="Title 1">
-            <a:extLst>
-              <a:ext uri="{FF2B5EF4-FFF2-40B4-BE49-F238E27FC236}">
-                <a16:creationId xmlns:a16="http://schemas.microsoft.com/office/drawing/2014/main" id="{4868F2CC-68C3-DD41-92EA-7DB338A9A84E}"/>
-              </a:ext>
-            </a:extLst>
-          </p:cNvPr>
+          <p:cNvPr id="2" name="Title 1"/>
           <p:cNvSpPr>
             <a:spLocks noGrp="1"/>
           </p:cNvSpPr>
@@ -11301,18 +14505,13 @@
               <a:rPr lang="en-US"/>
               <a:t>Click to edit Master title style</a:t>
             </a:r>
+            <a:endParaRPr lang="en-US" dirty="0"/>
           </a:p>
         </p:txBody>
       </p:sp>
       <p:sp>
         <p:nvSpPr>
-          <p:cNvPr id="3" name="Content Placeholder 2">
-            <a:extLst>
-              <a:ext uri="{FF2B5EF4-FFF2-40B4-BE49-F238E27FC236}">
-                <a16:creationId xmlns:a16="http://schemas.microsoft.com/office/drawing/2014/main" id="{46067954-9361-7443-B097-2CE54BCF4C80}"/>
-              </a:ext>
-            </a:extLst>
-          </p:cNvPr>
+          <p:cNvPr id="3" name="Content Placeholder 2"/>
           <p:cNvSpPr>
             <a:spLocks noGrp="1"/>
           </p:cNvSpPr>
@@ -11363,18 +14562,13 @@
               <a:rPr lang="en-US"/>
               <a:t>Fifth level</a:t>
             </a:r>
+            <a:endParaRPr lang="en-US" dirty="0"/>
           </a:p>
         </p:txBody>
       </p:sp>
       <p:sp>
         <p:nvSpPr>
-          <p:cNvPr id="4" name="Content Placeholder 3">
-            <a:extLst>
-              <a:ext uri="{FF2B5EF4-FFF2-40B4-BE49-F238E27FC236}">
-                <a16:creationId xmlns:a16="http://schemas.microsoft.com/office/drawing/2014/main" id="{74F3C7DD-5F82-4543-8569-2FD1FD9EA82A}"/>
-              </a:ext>
-            </a:extLst>
-          </p:cNvPr>
+          <p:cNvPr id="4" name="Content Placeholder 3"/>
           <p:cNvSpPr>
             <a:spLocks noGrp="1"/>
           </p:cNvSpPr>
@@ -11425,18 +14619,13 @@
               <a:rPr lang="en-US"/>
               <a:t>Fifth level</a:t>
             </a:r>
+            <a:endParaRPr lang="en-US" dirty="0"/>
           </a:p>
         </p:txBody>
       </p:sp>
       <p:sp>
         <p:nvSpPr>
-          <p:cNvPr id="5" name="Date Placeholder 4">
-            <a:extLst>
-              <a:ext uri="{FF2B5EF4-FFF2-40B4-BE49-F238E27FC236}">
-                <a16:creationId xmlns:a16="http://schemas.microsoft.com/office/drawing/2014/main" id="{502DB051-F1CA-D845-9FB5-DE994CC4B427}"/>
-              </a:ext>
-            </a:extLst>
-          </p:cNvPr>
+          <p:cNvPr id="5" name="Date Placeholder 4"/>
           <p:cNvSpPr>
             <a:spLocks noGrp="1"/>
           </p:cNvSpPr>
@@ -11459,13 +14648,7 @@
       </p:sp>
       <p:sp>
         <p:nvSpPr>
-          <p:cNvPr id="6" name="Footer Placeholder 5">
-            <a:extLst>
-              <a:ext uri="{FF2B5EF4-FFF2-40B4-BE49-F238E27FC236}">
-                <a16:creationId xmlns:a16="http://schemas.microsoft.com/office/drawing/2014/main" id="{7B8F0DFF-A463-7C4E-972A-1EC8F9CFF744}"/>
-              </a:ext>
-            </a:extLst>
-          </p:cNvPr>
+          <p:cNvPr id="6" name="Footer Placeholder 5"/>
           <p:cNvSpPr>
             <a:spLocks noGrp="1"/>
           </p:cNvSpPr>
@@ -11484,13 +14667,7 @@
       </p:sp>
       <p:sp>
         <p:nvSpPr>
-          <p:cNvPr id="7" name="Slide Number Placeholder 6">
-            <a:extLst>
-              <a:ext uri="{FF2B5EF4-FFF2-40B4-BE49-F238E27FC236}">
-                <a16:creationId xmlns:a16="http://schemas.microsoft.com/office/drawing/2014/main" id="{911D06B7-6736-EA48-9977-E12C91CE6E62}"/>
-              </a:ext>
-            </a:extLst>
-          </p:cNvPr>
+          <p:cNvPr id="7" name="Slide Number Placeholder 6"/>
           <p:cNvSpPr>
             <a:spLocks noGrp="1"/>
           </p:cNvSpPr>
@@ -11514,7 +14691,7 @@
     </p:spTree>
     <p:extLst>
       <p:ext uri="{BB962C8B-B14F-4D97-AF65-F5344CB8AC3E}">
-        <p14:creationId xmlns:p14="http://schemas.microsoft.com/office/powerpoint/2010/main" val="4253423369"/>
+        <p14:creationId xmlns:p14="http://schemas.microsoft.com/office/powerpoint/2010/main" val="3362413075"/>
       </p:ext>
     </p:extLst>
   </p:cSld>
@@ -11543,13 +14720,7 @@
       </p:grpSpPr>
       <p:sp>
         <p:nvSpPr>
-          <p:cNvPr id="2" name="Title 1">
-            <a:extLst>
-              <a:ext uri="{FF2B5EF4-FFF2-40B4-BE49-F238E27FC236}">
-                <a16:creationId xmlns:a16="http://schemas.microsoft.com/office/drawing/2014/main" id="{ECD2FE86-5F54-5947-B0EF-942C1F22851F}"/>
-              </a:ext>
-            </a:extLst>
-          </p:cNvPr>
+          <p:cNvPr id="2" name="Title 1"/>
           <p:cNvSpPr>
             <a:spLocks noGrp="1"/>
           </p:cNvSpPr>
@@ -11571,18 +14742,13 @@
               <a:rPr lang="en-US"/>
               <a:t>Click to edit Master title style</a:t>
             </a:r>
+            <a:endParaRPr lang="en-US" dirty="0"/>
           </a:p>
         </p:txBody>
       </p:sp>
       <p:sp>
         <p:nvSpPr>
-          <p:cNvPr id="3" name="Text Placeholder 2">
-            <a:extLst>
-              <a:ext uri="{FF2B5EF4-FFF2-40B4-BE49-F238E27FC236}">
-                <a16:creationId xmlns:a16="http://schemas.microsoft.com/office/drawing/2014/main" id="{5CF0D690-D2D5-7E49-A6F9-49656B7650AA}"/>
-              </a:ext>
-            </a:extLst>
-          </p:cNvPr>
+          <p:cNvPr id="3" name="Text Placeholder 2"/>
           <p:cNvSpPr>
             <a:spLocks noGrp="1"/>
           </p:cNvSpPr>
@@ -11647,13 +14813,7 @@
       </p:sp>
       <p:sp>
         <p:nvSpPr>
-          <p:cNvPr id="4" name="Content Placeholder 3">
-            <a:extLst>
-              <a:ext uri="{FF2B5EF4-FFF2-40B4-BE49-F238E27FC236}">
-                <a16:creationId xmlns:a16="http://schemas.microsoft.com/office/drawing/2014/main" id="{4ADA2FB4-E4E3-F144-B0A9-D28D7C1275AD}"/>
-              </a:ext>
-            </a:extLst>
-          </p:cNvPr>
+          <p:cNvPr id="4" name="Content Placeholder 3"/>
           <p:cNvSpPr>
             <a:spLocks noGrp="1"/>
           </p:cNvSpPr>
@@ -11704,18 +14864,13 @@
               <a:rPr lang="en-US"/>
               <a:t>Fifth level</a:t>
             </a:r>
+            <a:endParaRPr lang="en-US" dirty="0"/>
           </a:p>
         </p:txBody>
       </p:sp>
       <p:sp>
         <p:nvSpPr>
-          <p:cNvPr id="5" name="Text Placeholder 4">
-            <a:extLst>
-              <a:ext uri="{FF2B5EF4-FFF2-40B4-BE49-F238E27FC236}">
-                <a16:creationId xmlns:a16="http://schemas.microsoft.com/office/drawing/2014/main" id="{60EC52F2-730E-7843-8E55-EBBD71E9CABF}"/>
-              </a:ext>
-            </a:extLst>
-          </p:cNvPr>
+          <p:cNvPr id="5" name="Text Placeholder 4"/>
           <p:cNvSpPr>
             <a:spLocks noGrp="1"/>
           </p:cNvSpPr>
@@ -11780,13 +14935,7 @@
       </p:sp>
       <p:sp>
         <p:nvSpPr>
-          <p:cNvPr id="6" name="Content Placeholder 5">
-            <a:extLst>
-              <a:ext uri="{FF2B5EF4-FFF2-40B4-BE49-F238E27FC236}">
-                <a16:creationId xmlns:a16="http://schemas.microsoft.com/office/drawing/2014/main" id="{45293E7D-0070-D64E-A310-8562AA709743}"/>
-              </a:ext>
-            </a:extLst>
-          </p:cNvPr>
+          <p:cNvPr id="6" name="Content Placeholder 5"/>
           <p:cNvSpPr>
             <a:spLocks noGrp="1"/>
           </p:cNvSpPr>
@@ -11837,18 +14986,13 @@
               <a:rPr lang="en-US"/>
               <a:t>Fifth level</a:t>
             </a:r>
+            <a:endParaRPr lang="en-US" dirty="0"/>
           </a:p>
         </p:txBody>
       </p:sp>
       <p:sp>
         <p:nvSpPr>
-          <p:cNvPr id="7" name="Date Placeholder 6">
-            <a:extLst>
-              <a:ext uri="{FF2B5EF4-FFF2-40B4-BE49-F238E27FC236}">
-                <a16:creationId xmlns:a16="http://schemas.microsoft.com/office/drawing/2014/main" id="{E46C8E20-5BDC-F743-9DCE-BA7F686EAFB4}"/>
-              </a:ext>
-            </a:extLst>
-          </p:cNvPr>
+          <p:cNvPr id="7" name="Date Placeholder 6"/>
           <p:cNvSpPr>
             <a:spLocks noGrp="1"/>
           </p:cNvSpPr>
@@ -11871,13 +15015,7 @@
       </p:sp>
       <p:sp>
         <p:nvSpPr>
-          <p:cNvPr id="8" name="Footer Placeholder 7">
-            <a:extLst>
-              <a:ext uri="{FF2B5EF4-FFF2-40B4-BE49-F238E27FC236}">
-                <a16:creationId xmlns:a16="http://schemas.microsoft.com/office/drawing/2014/main" id="{42444B8A-7F1D-E74B-BF02-E4756DF91509}"/>
-              </a:ext>
-            </a:extLst>
-          </p:cNvPr>
+          <p:cNvPr id="8" name="Footer Placeholder 7"/>
           <p:cNvSpPr>
             <a:spLocks noGrp="1"/>
           </p:cNvSpPr>
@@ -11896,13 +15034,7 @@
       </p:sp>
       <p:sp>
         <p:nvSpPr>
-          <p:cNvPr id="9" name="Slide Number Placeholder 8">
-            <a:extLst>
-              <a:ext uri="{FF2B5EF4-FFF2-40B4-BE49-F238E27FC236}">
-                <a16:creationId xmlns:a16="http://schemas.microsoft.com/office/drawing/2014/main" id="{03932F91-DBAD-A447-B9E1-C3AE58883B6A}"/>
-              </a:ext>
-            </a:extLst>
-          </p:cNvPr>
+          <p:cNvPr id="9" name="Slide Number Placeholder 8"/>
           <p:cNvSpPr>
             <a:spLocks noGrp="1"/>
           </p:cNvSpPr>
@@ -11926,7 +15058,7 @@
     </p:spTree>
     <p:extLst>
       <p:ext uri="{BB962C8B-B14F-4D97-AF65-F5344CB8AC3E}">
-        <p14:creationId xmlns:p14="http://schemas.microsoft.com/office/powerpoint/2010/main" val="1341742814"/>
+        <p14:creationId xmlns:p14="http://schemas.microsoft.com/office/powerpoint/2010/main" val="3229909243"/>
       </p:ext>
     </p:extLst>
   </p:cSld>
@@ -11955,13 +15087,7 @@
       </p:grpSpPr>
       <p:sp>
         <p:nvSpPr>
-          <p:cNvPr id="2" name="Title 1">
-            <a:extLst>
-              <a:ext uri="{FF2B5EF4-FFF2-40B4-BE49-F238E27FC236}">
-                <a16:creationId xmlns:a16="http://schemas.microsoft.com/office/drawing/2014/main" id="{C8BD6ABC-B1F6-F740-8FD8-D098DA53D680}"/>
-              </a:ext>
-            </a:extLst>
-          </p:cNvPr>
+          <p:cNvPr id="2" name="Title 1"/>
           <p:cNvSpPr>
             <a:spLocks noGrp="1"/>
           </p:cNvSpPr>
@@ -11978,18 +15104,13 @@
               <a:rPr lang="en-US"/>
               <a:t>Click to edit Master title style</a:t>
             </a:r>
+            <a:endParaRPr lang="en-US" dirty="0"/>
           </a:p>
         </p:txBody>
       </p:sp>
       <p:sp>
         <p:nvSpPr>
-          <p:cNvPr id="3" name="Date Placeholder 2">
-            <a:extLst>
-              <a:ext uri="{FF2B5EF4-FFF2-40B4-BE49-F238E27FC236}">
-                <a16:creationId xmlns:a16="http://schemas.microsoft.com/office/drawing/2014/main" id="{B5FA5B74-3F08-094A-BDCD-25831D9DE9FE}"/>
-              </a:ext>
-            </a:extLst>
-          </p:cNvPr>
+          <p:cNvPr id="3" name="Date Placeholder 2"/>
           <p:cNvSpPr>
             <a:spLocks noGrp="1"/>
           </p:cNvSpPr>
@@ -12012,13 +15133,7 @@
       </p:sp>
       <p:sp>
         <p:nvSpPr>
-          <p:cNvPr id="4" name="Footer Placeholder 3">
-            <a:extLst>
-              <a:ext uri="{FF2B5EF4-FFF2-40B4-BE49-F238E27FC236}">
-                <a16:creationId xmlns:a16="http://schemas.microsoft.com/office/drawing/2014/main" id="{B30C403A-7CA6-1F4A-87C3-F3C8A55720BD}"/>
-              </a:ext>
-            </a:extLst>
-          </p:cNvPr>
+          <p:cNvPr id="4" name="Footer Placeholder 3"/>
           <p:cNvSpPr>
             <a:spLocks noGrp="1"/>
           </p:cNvSpPr>
@@ -12037,13 +15152,7 @@
       </p:sp>
       <p:sp>
         <p:nvSpPr>
-          <p:cNvPr id="5" name="Slide Number Placeholder 4">
-            <a:extLst>
-              <a:ext uri="{FF2B5EF4-FFF2-40B4-BE49-F238E27FC236}">
-                <a16:creationId xmlns:a16="http://schemas.microsoft.com/office/drawing/2014/main" id="{DB29D3AF-FB61-FD4C-8828-3730B377FD73}"/>
-              </a:ext>
-            </a:extLst>
-          </p:cNvPr>
+          <p:cNvPr id="5" name="Slide Number Placeholder 4"/>
           <p:cNvSpPr>
             <a:spLocks noGrp="1"/>
           </p:cNvSpPr>
@@ -12067,7 +15176,7 @@
     </p:spTree>
     <p:extLst>
       <p:ext uri="{BB962C8B-B14F-4D97-AF65-F5344CB8AC3E}">
-        <p14:creationId xmlns:p14="http://schemas.microsoft.com/office/powerpoint/2010/main" val="2034991962"/>
+        <p14:creationId xmlns:p14="http://schemas.microsoft.com/office/powerpoint/2010/main" val="2092054278"/>
       </p:ext>
     </p:extLst>
   </p:cSld>
@@ -12096,13 +15205,7 @@
       </p:grpSpPr>
       <p:sp>
         <p:nvSpPr>
-          <p:cNvPr id="2" name="Date Placeholder 1">
-            <a:extLst>
-              <a:ext uri="{FF2B5EF4-FFF2-40B4-BE49-F238E27FC236}">
-                <a16:creationId xmlns:a16="http://schemas.microsoft.com/office/drawing/2014/main" id="{34E51642-48BC-B249-855C-1397DA7AEF30}"/>
-              </a:ext>
-            </a:extLst>
-          </p:cNvPr>
+          <p:cNvPr id="2" name="Date Placeholder 1"/>
           <p:cNvSpPr>
             <a:spLocks noGrp="1"/>
           </p:cNvSpPr>
@@ -12125,13 +15228,7 @@
       </p:sp>
       <p:sp>
         <p:nvSpPr>
-          <p:cNvPr id="3" name="Footer Placeholder 2">
-            <a:extLst>
-              <a:ext uri="{FF2B5EF4-FFF2-40B4-BE49-F238E27FC236}">
-                <a16:creationId xmlns:a16="http://schemas.microsoft.com/office/drawing/2014/main" id="{CDF450AE-A223-424A-A6DD-751C06AA2FF4}"/>
-              </a:ext>
-            </a:extLst>
-          </p:cNvPr>
+          <p:cNvPr id="3" name="Footer Placeholder 2"/>
           <p:cNvSpPr>
             <a:spLocks noGrp="1"/>
           </p:cNvSpPr>
@@ -12150,13 +15247,7 @@
       </p:sp>
       <p:sp>
         <p:nvSpPr>
-          <p:cNvPr id="4" name="Slide Number Placeholder 3">
-            <a:extLst>
-              <a:ext uri="{FF2B5EF4-FFF2-40B4-BE49-F238E27FC236}">
-                <a16:creationId xmlns:a16="http://schemas.microsoft.com/office/drawing/2014/main" id="{5D40A9F5-59A9-8742-84C8-9ECC2189681E}"/>
-              </a:ext>
-            </a:extLst>
-          </p:cNvPr>
+          <p:cNvPr id="4" name="Slide Number Placeholder 3"/>
           <p:cNvSpPr>
             <a:spLocks noGrp="1"/>
           </p:cNvSpPr>
@@ -12180,7 +15271,7 @@
     </p:spTree>
     <p:extLst>
       <p:ext uri="{BB962C8B-B14F-4D97-AF65-F5344CB8AC3E}">
-        <p14:creationId xmlns:p14="http://schemas.microsoft.com/office/powerpoint/2010/main" val="384935605"/>
+        <p14:creationId xmlns:p14="http://schemas.microsoft.com/office/powerpoint/2010/main" val="238005447"/>
       </p:ext>
     </p:extLst>
   </p:cSld>
@@ -12209,13 +15300,7 @@
       </p:grpSpPr>
       <p:sp>
         <p:nvSpPr>
-          <p:cNvPr id="2" name="Title 1">
-            <a:extLst>
-              <a:ext uri="{FF2B5EF4-FFF2-40B4-BE49-F238E27FC236}">
-                <a16:creationId xmlns:a16="http://schemas.microsoft.com/office/drawing/2014/main" id="{4D0A12FE-9330-2E46-8A8A-B73D69A10F07}"/>
-              </a:ext>
-            </a:extLst>
-          </p:cNvPr>
+          <p:cNvPr id="2" name="Title 1"/>
           <p:cNvSpPr>
             <a:spLocks noGrp="1"/>
           </p:cNvSpPr>
@@ -12241,18 +15326,13 @@
               <a:rPr lang="en-US"/>
               <a:t>Click to edit Master title style</a:t>
             </a:r>
+            <a:endParaRPr lang="en-US" dirty="0"/>
           </a:p>
         </p:txBody>
       </p:sp>
       <p:sp>
         <p:nvSpPr>
-          <p:cNvPr id="3" name="Content Placeholder 2">
-            <a:extLst>
-              <a:ext uri="{FF2B5EF4-FFF2-40B4-BE49-F238E27FC236}">
-                <a16:creationId xmlns:a16="http://schemas.microsoft.com/office/drawing/2014/main" id="{E5688D90-F7D9-B148-8E09-5A3FF5E9DD17}"/>
-              </a:ext>
-            </a:extLst>
-          </p:cNvPr>
+          <p:cNvPr id="3" name="Content Placeholder 2"/>
           <p:cNvSpPr>
             <a:spLocks noGrp="1"/>
           </p:cNvSpPr>
@@ -12331,18 +15411,13 @@
               <a:rPr lang="en-US"/>
               <a:t>Fifth level</a:t>
             </a:r>
+            <a:endParaRPr lang="en-US" dirty="0"/>
           </a:p>
         </p:txBody>
       </p:sp>
       <p:sp>
         <p:nvSpPr>
-          <p:cNvPr id="4" name="Text Placeholder 3">
-            <a:extLst>
-              <a:ext uri="{FF2B5EF4-FFF2-40B4-BE49-F238E27FC236}">
-                <a16:creationId xmlns:a16="http://schemas.microsoft.com/office/drawing/2014/main" id="{7391FBEF-8172-0F46-A29D-11E5D3CC334F}"/>
-              </a:ext>
-            </a:extLst>
-          </p:cNvPr>
+          <p:cNvPr id="4" name="Text Placeholder 3"/>
           <p:cNvSpPr>
             <a:spLocks noGrp="1"/>
           </p:cNvSpPr>
@@ -12407,13 +15482,7 @@
       </p:sp>
       <p:sp>
         <p:nvSpPr>
-          <p:cNvPr id="5" name="Date Placeholder 4">
-            <a:extLst>
-              <a:ext uri="{FF2B5EF4-FFF2-40B4-BE49-F238E27FC236}">
-                <a16:creationId xmlns:a16="http://schemas.microsoft.com/office/drawing/2014/main" id="{E67FCF22-10CA-C44D-93C4-B140D2DDD3FD}"/>
-              </a:ext>
-            </a:extLst>
-          </p:cNvPr>
+          <p:cNvPr id="5" name="Date Placeholder 4"/>
           <p:cNvSpPr>
             <a:spLocks noGrp="1"/>
           </p:cNvSpPr>
@@ -12436,13 +15505,7 @@
       </p:sp>
       <p:sp>
         <p:nvSpPr>
-          <p:cNvPr id="6" name="Footer Placeholder 5">
-            <a:extLst>
-              <a:ext uri="{FF2B5EF4-FFF2-40B4-BE49-F238E27FC236}">
-                <a16:creationId xmlns:a16="http://schemas.microsoft.com/office/drawing/2014/main" id="{6CAB831B-6982-9B45-8512-882960716F91}"/>
-              </a:ext>
-            </a:extLst>
-          </p:cNvPr>
+          <p:cNvPr id="6" name="Footer Placeholder 5"/>
           <p:cNvSpPr>
             <a:spLocks noGrp="1"/>
           </p:cNvSpPr>
@@ -12461,13 +15524,7 @@
       </p:sp>
       <p:sp>
         <p:nvSpPr>
-          <p:cNvPr id="7" name="Slide Number Placeholder 6">
-            <a:extLst>
-              <a:ext uri="{FF2B5EF4-FFF2-40B4-BE49-F238E27FC236}">
-                <a16:creationId xmlns:a16="http://schemas.microsoft.com/office/drawing/2014/main" id="{16263604-19D6-554C-A183-3D00E53B1D6D}"/>
-              </a:ext>
-            </a:extLst>
-          </p:cNvPr>
+          <p:cNvPr id="7" name="Slide Number Placeholder 6"/>
           <p:cNvSpPr>
             <a:spLocks noGrp="1"/>
           </p:cNvSpPr>
@@ -12491,7 +15548,7 @@
     </p:spTree>
     <p:extLst>
       <p:ext uri="{BB962C8B-B14F-4D97-AF65-F5344CB8AC3E}">
-        <p14:creationId xmlns:p14="http://schemas.microsoft.com/office/powerpoint/2010/main" val="3618416837"/>
+        <p14:creationId xmlns:p14="http://schemas.microsoft.com/office/powerpoint/2010/main" val="1698218788"/>
       </p:ext>
     </p:extLst>
   </p:cSld>
@@ -12520,13 +15577,7 @@
       </p:grpSpPr>
       <p:sp>
         <p:nvSpPr>
-          <p:cNvPr id="2" name="Title 1">
-            <a:extLst>
-              <a:ext uri="{FF2B5EF4-FFF2-40B4-BE49-F238E27FC236}">
-                <a16:creationId xmlns:a16="http://schemas.microsoft.com/office/drawing/2014/main" id="{543E9D31-55A4-F446-A881-75A3A726A6FF}"/>
-              </a:ext>
-            </a:extLst>
-          </p:cNvPr>
+          <p:cNvPr id="2" name="Title 1"/>
           <p:cNvSpPr>
             <a:spLocks noGrp="1"/>
           </p:cNvSpPr>
@@ -12552,20 +15603,15 @@
               <a:rPr lang="en-US"/>
               <a:t>Click to edit Master title style</a:t>
             </a:r>
+            <a:endParaRPr lang="en-US" dirty="0"/>
           </a:p>
         </p:txBody>
       </p:sp>
       <p:sp>
         <p:nvSpPr>
-          <p:cNvPr id="3" name="Picture Placeholder 2">
-            <a:extLst>
-              <a:ext uri="{FF2B5EF4-FFF2-40B4-BE49-F238E27FC236}">
-                <a16:creationId xmlns:a16="http://schemas.microsoft.com/office/drawing/2014/main" id="{DA826276-698C-F54A-A27B-1DA6253CA9F0}"/>
-              </a:ext>
-            </a:extLst>
-          </p:cNvPr>
+          <p:cNvPr id="3" name="Picture Placeholder 2"/>
           <p:cNvSpPr>
-            <a:spLocks noGrp="1"/>
+            <a:spLocks noGrp="1" noChangeAspect="1"/>
           </p:cNvSpPr>
           <p:nvPr>
             <p:ph type="pic" idx="1"/>
@@ -12578,7 +15624,7 @@
           </a:xfrm>
         </p:spPr>
         <p:txBody>
-          <a:bodyPr/>
+          <a:bodyPr anchor="t"/>
           <a:lstStyle>
             <a:lvl1pPr marL="0" indent="0">
               <a:buNone/>
@@ -12618,19 +15664,17 @@
             </a:lvl9pPr>
           </a:lstStyle>
           <a:p>
-            <a:endParaRPr lang="en-US"/>
+            <a:r>
+              <a:rPr lang="en-US"/>
+              <a:t>Click icon to add picture</a:t>
+            </a:r>
+            <a:endParaRPr lang="en-US" dirty="0"/>
           </a:p>
         </p:txBody>
       </p:sp>
       <p:sp>
         <p:nvSpPr>
-          <p:cNvPr id="4" name="Text Placeholder 3">
-            <a:extLst>
-              <a:ext uri="{FF2B5EF4-FFF2-40B4-BE49-F238E27FC236}">
-                <a16:creationId xmlns:a16="http://schemas.microsoft.com/office/drawing/2014/main" id="{D389B32D-5A78-7B4C-AEBF-F1BEC03A4E43}"/>
-              </a:ext>
-            </a:extLst>
-          </p:cNvPr>
+          <p:cNvPr id="4" name="Text Placeholder 3"/>
           <p:cNvSpPr>
             <a:spLocks noGrp="1"/>
           </p:cNvSpPr>
@@ -12695,13 +15739,7 @@
       </p:sp>
       <p:sp>
         <p:nvSpPr>
-          <p:cNvPr id="5" name="Date Placeholder 4">
-            <a:extLst>
-              <a:ext uri="{FF2B5EF4-FFF2-40B4-BE49-F238E27FC236}">
-                <a16:creationId xmlns:a16="http://schemas.microsoft.com/office/drawing/2014/main" id="{5CCFBBA1-7683-664B-A0BE-BC7D1F14DF57}"/>
-              </a:ext>
-            </a:extLst>
-          </p:cNvPr>
+          <p:cNvPr id="5" name="Date Placeholder 4"/>
           <p:cNvSpPr>
             <a:spLocks noGrp="1"/>
           </p:cNvSpPr>
@@ -12724,13 +15762,7 @@
       </p:sp>
       <p:sp>
         <p:nvSpPr>
-          <p:cNvPr id="6" name="Footer Placeholder 5">
-            <a:extLst>
-              <a:ext uri="{FF2B5EF4-FFF2-40B4-BE49-F238E27FC236}">
-                <a16:creationId xmlns:a16="http://schemas.microsoft.com/office/drawing/2014/main" id="{250186D0-CCE9-2743-AFDC-D21D7677EC4E}"/>
-              </a:ext>
-            </a:extLst>
-          </p:cNvPr>
+          <p:cNvPr id="6" name="Footer Placeholder 5"/>
           <p:cNvSpPr>
             <a:spLocks noGrp="1"/>
           </p:cNvSpPr>
@@ -12749,13 +15781,7 @@
       </p:sp>
       <p:sp>
         <p:nvSpPr>
-          <p:cNvPr id="7" name="Slide Number Placeholder 6">
-            <a:extLst>
-              <a:ext uri="{FF2B5EF4-FFF2-40B4-BE49-F238E27FC236}">
-                <a16:creationId xmlns:a16="http://schemas.microsoft.com/office/drawing/2014/main" id="{C916CA33-29BB-E243-8958-F9243E949178}"/>
-              </a:ext>
-            </a:extLst>
-          </p:cNvPr>
+          <p:cNvPr id="7" name="Slide Number Placeholder 6"/>
           <p:cNvSpPr>
             <a:spLocks noGrp="1"/>
           </p:cNvSpPr>
@@ -12779,7 +15805,7 @@
     </p:spTree>
     <p:extLst>
       <p:ext uri="{BB962C8B-B14F-4D97-AF65-F5344CB8AC3E}">
-        <p14:creationId xmlns:p14="http://schemas.microsoft.com/office/powerpoint/2010/main" val="3515567375"/>
+        <p14:creationId xmlns:p14="http://schemas.microsoft.com/office/powerpoint/2010/main" val="1198500926"/>
       </p:ext>
     </p:extLst>
   </p:cSld>
@@ -12813,13 +15839,7 @@
       </p:grpSpPr>
       <p:sp>
         <p:nvSpPr>
-          <p:cNvPr id="2" name="Title Placeholder 1">
-            <a:extLst>
-              <a:ext uri="{FF2B5EF4-FFF2-40B4-BE49-F238E27FC236}">
-                <a16:creationId xmlns:a16="http://schemas.microsoft.com/office/drawing/2014/main" id="{AEBD9C17-7314-CE49-A62B-877D67B673EE}"/>
-              </a:ext>
-            </a:extLst>
-          </p:cNvPr>
+          <p:cNvPr id="2" name="Title Placeholder 1"/>
           <p:cNvSpPr>
             <a:spLocks noGrp="1"/>
           </p:cNvSpPr>
@@ -12846,18 +15866,13 @@
               <a:rPr lang="en-US"/>
               <a:t>Click to edit Master title style</a:t>
             </a:r>
+            <a:endParaRPr lang="en-US" dirty="0"/>
           </a:p>
         </p:txBody>
       </p:sp>
       <p:sp>
         <p:nvSpPr>
-          <p:cNvPr id="3" name="Text Placeholder 2">
-            <a:extLst>
-              <a:ext uri="{FF2B5EF4-FFF2-40B4-BE49-F238E27FC236}">
-                <a16:creationId xmlns:a16="http://schemas.microsoft.com/office/drawing/2014/main" id="{08D18BB0-A5A1-784A-AAD5-61752CC4FB10}"/>
-              </a:ext>
-            </a:extLst>
-          </p:cNvPr>
+          <p:cNvPr id="3" name="Text Placeholder 2"/>
           <p:cNvSpPr>
             <a:spLocks noGrp="1"/>
           </p:cNvSpPr>
@@ -12913,18 +15928,13 @@
               <a:rPr lang="en-US"/>
               <a:t>Fifth level</a:t>
             </a:r>
+            <a:endParaRPr lang="en-US" dirty="0"/>
           </a:p>
         </p:txBody>
       </p:sp>
       <p:sp>
         <p:nvSpPr>
-          <p:cNvPr id="4" name="Date Placeholder 3">
-            <a:extLst>
-              <a:ext uri="{FF2B5EF4-FFF2-40B4-BE49-F238E27FC236}">
-                <a16:creationId xmlns:a16="http://schemas.microsoft.com/office/drawing/2014/main" id="{1554F23D-516C-A34F-A795-6404FE95D03F}"/>
-              </a:ext>
-            </a:extLst>
-          </p:cNvPr>
+          <p:cNvPr id="4" name="Date Placeholder 3"/>
           <p:cNvSpPr>
             <a:spLocks noGrp="1"/>
           </p:cNvSpPr>
@@ -12965,13 +15975,7 @@
       </p:sp>
       <p:sp>
         <p:nvSpPr>
-          <p:cNvPr id="5" name="Footer Placeholder 4">
-            <a:extLst>
-              <a:ext uri="{FF2B5EF4-FFF2-40B4-BE49-F238E27FC236}">
-                <a16:creationId xmlns:a16="http://schemas.microsoft.com/office/drawing/2014/main" id="{5DB466E3-C076-CD44-8DF7-11C42889B679}"/>
-              </a:ext>
-            </a:extLst>
-          </p:cNvPr>
+          <p:cNvPr id="5" name="Footer Placeholder 4"/>
           <p:cNvSpPr>
             <a:spLocks noGrp="1"/>
           </p:cNvSpPr>
@@ -13008,13 +16012,7 @@
       </p:sp>
       <p:sp>
         <p:nvSpPr>
-          <p:cNvPr id="6" name="Slide Number Placeholder 5">
-            <a:extLst>
-              <a:ext uri="{FF2B5EF4-FFF2-40B4-BE49-F238E27FC236}">
-                <a16:creationId xmlns:a16="http://schemas.microsoft.com/office/drawing/2014/main" id="{3163EDEF-83CA-4B4C-AFD0-FDB8E9FFF738}"/>
-              </a:ext>
-            </a:extLst>
-          </p:cNvPr>
+          <p:cNvPr id="6" name="Slide Number Placeholder 5"/>
           <p:cNvSpPr>
             <a:spLocks noGrp="1"/>
           </p:cNvSpPr>
@@ -13056,23 +16054,23 @@
     </p:spTree>
     <p:extLst>
       <p:ext uri="{BB962C8B-B14F-4D97-AF65-F5344CB8AC3E}">
-        <p14:creationId xmlns:p14="http://schemas.microsoft.com/office/powerpoint/2010/main" val="3799760546"/>
+        <p14:creationId xmlns:p14="http://schemas.microsoft.com/office/powerpoint/2010/main" val="1325492006"/>
       </p:ext>
     </p:extLst>
   </p:cSld>
-  <p:clrMap bg1="lt1" tx1="dk1" bg2="lt2" tx2="dk2" accent1="accent1" accent2="accent2" accent3="accent3" accent4="accent4" accent5="accent5" accent6="accent6" hlink="hlink" folHlink="folHlink"/>
+  <p:clrMap bg1="dk1" tx1="lt1" bg2="dk2" tx2="lt2" accent1="accent1" accent2="accent2" accent3="accent3" accent4="accent4" accent5="accent5" accent6="accent6" hlink="hlink" folHlink="folHlink"/>
   <p:sldLayoutIdLst>
-    <p:sldLayoutId id="2147483925" r:id="rId1"/>
-    <p:sldLayoutId id="2147483926" r:id="rId2"/>
-    <p:sldLayoutId id="2147483927" r:id="rId3"/>
-    <p:sldLayoutId id="2147483928" r:id="rId4"/>
-    <p:sldLayoutId id="2147483929" r:id="rId5"/>
-    <p:sldLayoutId id="2147483930" r:id="rId6"/>
-    <p:sldLayoutId id="2147483931" r:id="rId7"/>
-    <p:sldLayoutId id="2147483932" r:id="rId8"/>
-    <p:sldLayoutId id="2147483933" r:id="rId9"/>
-    <p:sldLayoutId id="2147483934" r:id="rId10"/>
-    <p:sldLayoutId id="2147483935" r:id="rId11"/>
+    <p:sldLayoutId id="2147483937" r:id="rId1"/>
+    <p:sldLayoutId id="2147483938" r:id="rId2"/>
+    <p:sldLayoutId id="2147483939" r:id="rId3"/>
+    <p:sldLayoutId id="2147483940" r:id="rId4"/>
+    <p:sldLayoutId id="2147483941" r:id="rId5"/>
+    <p:sldLayoutId id="2147483942" r:id="rId6"/>
+    <p:sldLayoutId id="2147483943" r:id="rId7"/>
+    <p:sldLayoutId id="2147483944" r:id="rId8"/>
+    <p:sldLayoutId id="2147483945" r:id="rId9"/>
+    <p:sldLayoutId id="2147483946" r:id="rId10"/>
+    <p:sldLayoutId id="2147483947" r:id="rId11"/>
   </p:sldLayoutIdLst>
   <p:txStyles>
     <p:titleStyle>
@@ -13469,7 +16467,7 @@
           <a:p>
             <a:pPr algn="ctr"/>
             <a:r>
-              <a:rPr lang="en-US" dirty="0"/>
+              <a:rPr lang="en-US" sz="4800" dirty="0"/>
               <a:t>Adult Salmon Diet Program</a:t>
             </a:r>
           </a:p>
@@ -13539,6 +16537,38 @@
           </a:p>
         </p:txBody>
       </p:sp>
+      <p:sp>
+        <p:nvSpPr>
+          <p:cNvPr id="2" name="TextBox 1">
+            <a:extLst>
+              <a:ext uri="{FF2B5EF4-FFF2-40B4-BE49-F238E27FC236}">
+                <a16:creationId xmlns:a16="http://schemas.microsoft.com/office/drawing/2014/main" id="{CCB850D5-60F0-A544-A783-A80F8FF12702}"/>
+              </a:ext>
+            </a:extLst>
+          </p:cNvPr>
+          <p:cNvSpPr txBox="1"/>
+          <p:nvPr/>
+        </p:nvSpPr>
+        <p:spPr>
+          <a:xfrm>
+            <a:off x="1024569" y="3855904"/>
+            <a:ext cx="184731" cy="369332"/>
+          </a:xfrm>
+          <a:prstGeom prst="rect">
+            <a:avLst/>
+          </a:prstGeom>
+          <a:noFill/>
+        </p:spPr>
+        <p:txBody>
+          <a:bodyPr wrap="none" rtlCol="0">
+            <a:spAutoFit/>
+          </a:bodyPr>
+          <a:lstStyle/>
+          <a:p>
+            <a:endParaRPr lang="en-US" dirty="0"/>
+          </a:p>
+        </p:txBody>
+      </p:sp>
     </p:spTree>
     <p:extLst>
       <p:ext uri="{BB962C8B-B14F-4D97-AF65-F5344CB8AC3E}">
@@ -13555,6 +16585,14 @@
 <file path=ppt/slides/slide10.xml><?xml version="1.0" encoding="utf-8"?>
 <p:sld xmlns:a="http://schemas.openxmlformats.org/drawingml/2006/main" xmlns:r="http://schemas.openxmlformats.org/officeDocument/2006/relationships" xmlns:p="http://schemas.openxmlformats.org/presentationml/2006/main">
   <p:cSld>
+    <p:bg>
+      <p:bgPr>
+        <a:solidFill>
+          <a:schemeClr val="bg1"/>
+        </a:solidFill>
+        <a:effectLst/>
+      </p:bgPr>
+    </p:bg>
     <p:spTree>
       <p:nvGrpSpPr>
         <p:cNvPr id="1" name=""/>
@@ -13569,6 +16607,200 @@
           <a:chExt cx="0" cy="0"/>
         </a:xfrm>
       </p:grpSpPr>
+      <p:sp useBgFill="1">
+        <p:nvSpPr>
+          <p:cNvPr id="8" name="Rectangle 7">
+            <a:extLst>
+              <a:ext uri="{FF2B5EF4-FFF2-40B4-BE49-F238E27FC236}">
+                <a16:creationId xmlns:a16="http://schemas.microsoft.com/office/drawing/2014/main" id="{907EF6B7-1338-4443-8C46-6A318D952DFD}"/>
+              </a:ext>
+              <a:ext uri="{C183D7F6-B498-43B3-948B-1728B52AA6E4}">
+                <adec:decorative xmlns:adec="http://schemas.microsoft.com/office/drawing/2017/decorative" val="1"/>
+              </a:ext>
+            </a:extLst>
+          </p:cNvPr>
+          <p:cNvSpPr>
+            <a:spLocks noGrp="1" noRot="1" noChangeAspect="1" noMove="1" noResize="1" noEditPoints="1" noAdjustHandles="1" noChangeArrowheads="1" noChangeShapeType="1" noTextEdit="1"/>
+          </p:cNvSpPr>
+          <p:nvPr>
+            <p:extLst>
+              <p:ext uri="{386F3935-93C4-4BCD-93E2-E3B085C9AB24}">
+                <p16:designElem xmlns:p16="http://schemas.microsoft.com/office/powerpoint/2015/main" val="1"/>
+              </p:ext>
+            </p:extLst>
+          </p:nvPr>
+        </p:nvSpPr>
+        <p:spPr>
+          <a:xfrm>
+            <a:off x="3048" y="0"/>
+            <a:ext cx="12188952" cy="6858000"/>
+          </a:xfrm>
+          <a:prstGeom prst="rect">
+            <a:avLst/>
+          </a:prstGeom>
+          <a:ln>
+            <a:noFill/>
+          </a:ln>
+        </p:spPr>
+        <p:style>
+          <a:lnRef idx="2">
+            <a:schemeClr val="accent1">
+              <a:shade val="50000"/>
+            </a:schemeClr>
+          </a:lnRef>
+          <a:fillRef idx="1">
+            <a:schemeClr val="accent1"/>
+          </a:fillRef>
+          <a:effectRef idx="0">
+            <a:schemeClr val="accent1"/>
+          </a:effectRef>
+          <a:fontRef idx="minor">
+            <a:schemeClr val="lt1"/>
+          </a:fontRef>
+        </p:style>
+        <p:txBody>
+          <a:bodyPr rtlCol="0" anchor="ctr"/>
+          <a:lstStyle/>
+          <a:p>
+            <a:pPr algn="ctr"/>
+            <a:endParaRPr lang="en-US"/>
+          </a:p>
+        </p:txBody>
+      </p:sp>
+      <p:sp>
+        <p:nvSpPr>
+          <p:cNvPr id="10" name="Freeform: Shape 9">
+            <a:extLst>
+              <a:ext uri="{FF2B5EF4-FFF2-40B4-BE49-F238E27FC236}">
+                <a16:creationId xmlns:a16="http://schemas.microsoft.com/office/drawing/2014/main" id="{DAAE4CDD-124C-4DCF-9584-B6033B545DD5}"/>
+              </a:ext>
+              <a:ext uri="{C183D7F6-B498-43B3-948B-1728B52AA6E4}">
+                <adec:decorative xmlns:adec="http://schemas.microsoft.com/office/drawing/2017/decorative" val="1"/>
+              </a:ext>
+            </a:extLst>
+          </p:cNvPr>
+          <p:cNvSpPr>
+            <a:spLocks noGrp="1" noRot="1" noChangeAspect="1" noMove="1" noResize="1" noEditPoints="1" noAdjustHandles="1" noChangeArrowheads="1" noChangeShapeType="1" noTextEdit="1"/>
+          </p:cNvSpPr>
+          <p:nvPr>
+            <p:extLst>
+              <p:ext uri="{386F3935-93C4-4BCD-93E2-E3B085C9AB24}">
+                <p16:designElem xmlns:p16="http://schemas.microsoft.com/office/powerpoint/2015/main" val="1"/>
+              </p:ext>
+            </p:extLst>
+          </p:nvPr>
+        </p:nvSpPr>
+        <p:spPr>
+          <a:xfrm>
+            <a:off x="1" y="0"/>
+            <a:ext cx="4167271" cy="6858000"/>
+          </a:xfrm>
+          <a:custGeom>
+            <a:avLst/>
+            <a:gdLst>
+              <a:gd name="connsiteX0" fmla="*/ 0 w 4167271"/>
+              <a:gd name="connsiteY0" fmla="*/ 0 h 6858000"/>
+              <a:gd name="connsiteX1" fmla="*/ 2259550 w 4167271"/>
+              <a:gd name="connsiteY1" fmla="*/ 0 h 6858000"/>
+              <a:gd name="connsiteX2" fmla="*/ 2387803 w 4167271"/>
+              <a:gd name="connsiteY2" fmla="*/ 82222 h 6858000"/>
+              <a:gd name="connsiteX3" fmla="*/ 4167271 w 4167271"/>
+              <a:gd name="connsiteY3" fmla="*/ 3429000 h 6858000"/>
+              <a:gd name="connsiteX4" fmla="*/ 2387803 w 4167271"/>
+              <a:gd name="connsiteY4" fmla="*/ 6775779 h 6858000"/>
+              <a:gd name="connsiteX5" fmla="*/ 2259550 w 4167271"/>
+              <a:gd name="connsiteY5" fmla="*/ 6858000 h 6858000"/>
+              <a:gd name="connsiteX6" fmla="*/ 0 w 4167271"/>
+              <a:gd name="connsiteY6" fmla="*/ 6858000 h 6858000"/>
+            </a:gdLst>
+            <a:ahLst/>
+            <a:cxnLst>
+              <a:cxn ang="0">
+                <a:pos x="connsiteX0" y="connsiteY0"/>
+              </a:cxn>
+              <a:cxn ang="0">
+                <a:pos x="connsiteX1" y="connsiteY1"/>
+              </a:cxn>
+              <a:cxn ang="0">
+                <a:pos x="connsiteX2" y="connsiteY2"/>
+              </a:cxn>
+              <a:cxn ang="0">
+                <a:pos x="connsiteX3" y="connsiteY3"/>
+              </a:cxn>
+              <a:cxn ang="0">
+                <a:pos x="connsiteX4" y="connsiteY4"/>
+              </a:cxn>
+              <a:cxn ang="0">
+                <a:pos x="connsiteX5" y="connsiteY5"/>
+              </a:cxn>
+              <a:cxn ang="0">
+                <a:pos x="connsiteX6" y="connsiteY6"/>
+              </a:cxn>
+            </a:cxnLst>
+            <a:rect l="l" t="t" r="r" b="b"/>
+            <a:pathLst>
+              <a:path w="4167271" h="6858000">
+                <a:moveTo>
+                  <a:pt x="0" y="0"/>
+                </a:moveTo>
+                <a:lnTo>
+                  <a:pt x="2259550" y="0"/>
+                </a:lnTo>
+                <a:lnTo>
+                  <a:pt x="2387803" y="82222"/>
+                </a:lnTo>
+                <a:cubicBezTo>
+                  <a:pt x="3461407" y="807534"/>
+                  <a:pt x="4167271" y="2035835"/>
+                  <a:pt x="4167271" y="3429000"/>
+                </a:cubicBezTo>
+                <a:cubicBezTo>
+                  <a:pt x="4167271" y="4822165"/>
+                  <a:pt x="3461407" y="6050467"/>
+                  <a:pt x="2387803" y="6775779"/>
+                </a:cubicBezTo>
+                <a:lnTo>
+                  <a:pt x="2259550" y="6858000"/>
+                </a:lnTo>
+                <a:lnTo>
+                  <a:pt x="0" y="6858000"/>
+                </a:lnTo>
+                <a:close/>
+              </a:path>
+            </a:pathLst>
+          </a:custGeom>
+          <a:solidFill>
+            <a:schemeClr val="accent2"/>
+          </a:solidFill>
+          <a:ln>
+            <a:noFill/>
+          </a:ln>
+        </p:spPr>
+        <p:style>
+          <a:lnRef idx="2">
+            <a:schemeClr val="accent1">
+              <a:shade val="50000"/>
+            </a:schemeClr>
+          </a:lnRef>
+          <a:fillRef idx="1">
+            <a:schemeClr val="accent1"/>
+          </a:fillRef>
+          <a:effectRef idx="0">
+            <a:schemeClr val="accent1"/>
+          </a:effectRef>
+          <a:fontRef idx="minor">
+            <a:schemeClr val="lt1"/>
+          </a:fontRef>
+        </p:style>
+        <p:txBody>
+          <a:bodyPr rtlCol="0" anchor="ctr"/>
+          <a:lstStyle/>
+          <a:p>
+            <a:pPr algn="ctr"/>
+            <a:endParaRPr lang="en-US"/>
+          </a:p>
+        </p:txBody>
+      </p:sp>
       <p:sp>
         <p:nvSpPr>
           <p:cNvPr id="2" name="Title 1">
@@ -13585,15 +16817,87 @@
             <p:ph type="title"/>
           </p:nvPr>
         </p:nvSpPr>
-        <p:spPr/>
+        <p:spPr>
+          <a:xfrm>
+            <a:off x="686834" y="1153572"/>
+            <a:ext cx="3200400" cy="4461163"/>
+          </a:xfrm>
+        </p:spPr>
         <p:txBody>
-          <a:bodyPr/>
+          <a:bodyPr>
+            <a:normAutofit/>
+          </a:bodyPr>
           <a:lstStyle/>
           <a:p>
             <a:r>
-              <a:rPr lang="en-US" dirty="0"/>
+              <a:rPr lang="en-US">
+                <a:solidFill>
+                  <a:srgbClr val="FFFFFF"/>
+                </a:solidFill>
+              </a:rPr>
               <a:t>Discussion</a:t>
             </a:r>
+          </a:p>
+        </p:txBody>
+      </p:sp>
+      <p:sp>
+        <p:nvSpPr>
+          <p:cNvPr id="12" name="Arc 11">
+            <a:extLst>
+              <a:ext uri="{FF2B5EF4-FFF2-40B4-BE49-F238E27FC236}">
+                <a16:creationId xmlns:a16="http://schemas.microsoft.com/office/drawing/2014/main" id="{081E4A58-353D-44AE-B2FC-2A74E2E400F7}"/>
+              </a:ext>
+              <a:ext uri="{C183D7F6-B498-43B3-948B-1728B52AA6E4}">
+                <adec:decorative xmlns:adec="http://schemas.microsoft.com/office/drawing/2017/decorative" val="1"/>
+              </a:ext>
+            </a:extLst>
+          </p:cNvPr>
+          <p:cNvSpPr>
+            <a:spLocks noGrp="1" noRot="1" noChangeAspect="1" noMove="1" noResize="1" noEditPoints="1" noAdjustHandles="1" noChangeArrowheads="1" noChangeShapeType="1" noTextEdit="1"/>
+          </p:cNvSpPr>
+          <p:nvPr>
+            <p:extLst>
+              <p:ext uri="{386F3935-93C4-4BCD-93E2-E3B085C9AB24}">
+                <p16:designElem xmlns:p16="http://schemas.microsoft.com/office/powerpoint/2015/main" val="1"/>
+              </p:ext>
+            </p:extLst>
+          </p:nvPr>
+        </p:nvSpPr>
+        <p:spPr>
+          <a:xfrm flipV="1">
+            <a:off x="7550402" y="2455479"/>
+            <a:ext cx="4083433" cy="4083433"/>
+          </a:xfrm>
+          <a:prstGeom prst="arc">
+            <a:avLst/>
+          </a:prstGeom>
+          <a:ln w="127000" cap="rnd">
+            <a:solidFill>
+              <a:schemeClr val="accent4"/>
+            </a:solidFill>
+            <a:prstDash val="dash"/>
+          </a:ln>
+        </p:spPr>
+        <p:style>
+          <a:lnRef idx="1">
+            <a:schemeClr val="accent1"/>
+          </a:lnRef>
+          <a:fillRef idx="0">
+            <a:schemeClr val="accent1"/>
+          </a:fillRef>
+          <a:effectRef idx="0">
+            <a:schemeClr val="accent1"/>
+          </a:effectRef>
+          <a:fontRef idx="minor">
+            <a:schemeClr val="tx1"/>
+          </a:fontRef>
+        </p:style>
+        <p:txBody>
+          <a:bodyPr rtlCol="0" anchor="ctr"/>
+          <a:lstStyle/>
+          <a:p>
+            <a:pPr algn="ctr"/>
+            <a:endParaRPr lang="en-US" dirty="0"/>
           </a:p>
         </p:txBody>
       </p:sp>
@@ -13613,10 +16917,15 @@
             <p:ph idx="1"/>
           </p:nvPr>
         </p:nvSpPr>
-        <p:spPr/>
+        <p:spPr>
+          <a:xfrm>
+            <a:off x="4447308" y="591344"/>
+            <a:ext cx="6906491" cy="5585619"/>
+          </a:xfrm>
+        </p:spPr>
         <p:txBody>
-          <a:bodyPr>
-            <a:normAutofit fontScale="85000" lnSpcReduction="10000"/>
+          <a:bodyPr anchor="ctr">
+            <a:normAutofit/>
           </a:bodyPr>
           <a:lstStyle/>
           <a:p>
@@ -13625,18 +16934,42 @@
             </a:pPr>
             <a:r>
               <a:rPr lang="en-US" dirty="0"/>
-              <a:t>The importance longitude and day of year for explaining variation in herring size may reflect:</a:t>
+              <a:t>The importance </a:t>
             </a:r>
-          </a:p>
-          <a:p>
-            <a:endParaRPr lang="en-US" dirty="0"/>
+            <a:r>
+              <a:rPr lang="en-US" dirty="0">
+                <a:solidFill>
+                  <a:srgbClr val="FF0000"/>
+                </a:solidFill>
+              </a:rPr>
+              <a:t>longitude</a:t>
+            </a:r>
+            <a:r>
+              <a:rPr lang="en-US" dirty="0"/>
+              <a:t> and </a:t>
+            </a:r>
+            <a:r>
+              <a:rPr lang="en-US" dirty="0">
+                <a:solidFill>
+                  <a:srgbClr val="FF0000"/>
+                </a:solidFill>
+              </a:rPr>
+              <a:t>day of year </a:t>
+            </a:r>
+            <a:r>
+              <a:rPr lang="en-US" dirty="0"/>
+              <a:t>for explaining variation in herring size may reflect:</a:t>
+            </a:r>
+          </a:p>
+          <a:p>
+            <a:endParaRPr lang="en-US" sz="2200" dirty="0"/>
           </a:p>
           <a:p>
             <a:pPr marL="514350" indent="-514350">
               <a:buAutoNum type="arabicPeriod"/>
             </a:pPr>
             <a:r>
-              <a:rPr lang="en-US" dirty="0"/>
+              <a:rPr lang="en-US" sz="2200" dirty="0"/>
               <a:t>High herring abundance observed along east coast Vancouver Island</a:t>
             </a:r>
           </a:p>
@@ -13645,7 +16978,7 @@
               <a:buAutoNum type="arabicPeriod"/>
             </a:pPr>
             <a:r>
-              <a:rPr lang="en-US" dirty="0"/>
+              <a:rPr lang="en-US" sz="2200" dirty="0"/>
               <a:t>High abundance of large herring near Hornby/Denman Island during spring spawning</a:t>
             </a:r>
           </a:p>
@@ -13654,7 +16987,7 @@
               <a:buAutoNum type="arabicPeriod"/>
             </a:pPr>
             <a:r>
-              <a:rPr lang="en-US" dirty="0"/>
+              <a:rPr lang="en-US" sz="2200" dirty="0"/>
               <a:t>Small, young-of-the-year juvenile herring in June diets</a:t>
             </a:r>
           </a:p>
@@ -13662,14 +16995,14 @@
             <a:pPr marL="514350" indent="-514350">
               <a:buAutoNum type="arabicPeriod"/>
             </a:pPr>
-            <a:endParaRPr lang="en-US" dirty="0"/>
+            <a:endParaRPr lang="en-US" sz="2200" dirty="0"/>
           </a:p>
           <a:p>
             <a:pPr marL="0" indent="0">
               <a:buNone/>
             </a:pPr>
             <a:r>
-              <a:rPr lang="en-US" dirty="0"/>
+              <a:rPr lang="en-US" sz="2200" dirty="0"/>
               <a:t>Salmon length?</a:t>
             </a:r>
           </a:p>
@@ -13678,7 +17011,7 @@
               <a:buNone/>
             </a:pPr>
             <a:r>
-              <a:rPr lang="en-US" dirty="0"/>
+              <a:rPr lang="en-US" sz="2200" dirty="0"/>
               <a:t>Not important predictor but…</a:t>
             </a:r>
           </a:p>
@@ -13687,21 +17020,21 @@
               <a:buNone/>
             </a:pPr>
             <a:r>
-              <a:rPr lang="en-US" dirty="0"/>
-              <a:t>Increasing prey size with increasing predator size consistent with other studies</a:t>
+              <a:rPr lang="en-US" sz="2200" dirty="0"/>
+              <a:t>Increasing prey size with increasing predator size is consistent with other studies</a:t>
             </a:r>
           </a:p>
           <a:p>
             <a:pPr marL="514350" indent="-514350">
               <a:buAutoNum type="arabicPeriod"/>
             </a:pPr>
-            <a:endParaRPr lang="en-US" dirty="0"/>
+            <a:endParaRPr lang="en-US" sz="2200" dirty="0"/>
           </a:p>
           <a:p>
             <a:pPr marL="514350" indent="-514350">
               <a:buAutoNum type="arabicPeriod"/>
             </a:pPr>
-            <a:endParaRPr lang="en-US" dirty="0"/>
+            <a:endParaRPr lang="en-US" sz="2200" dirty="0"/>
           </a:p>
         </p:txBody>
       </p:sp>
@@ -13865,13 +17198,13 @@
         </p:nvSpPr>
         <p:spPr>
           <a:xfrm>
-            <a:off x="2380714" y="322931"/>
-            <a:ext cx="7188199" cy="1292090"/>
+            <a:off x="1281630" y="-242371"/>
+            <a:ext cx="10289754" cy="1292090"/>
           </a:xfrm>
         </p:spPr>
         <p:txBody>
           <a:bodyPr>
-            <a:normAutofit/>
+            <a:noAutofit/>
           </a:bodyPr>
           <a:lstStyle/>
           <a:p>
@@ -13885,7 +17218,11 @@
               <a:buNone/>
               <a:defRPr/>
             </a:pPr>
-            <a:endParaRPr lang="en-CA" sz="1800" dirty="0"/>
+            <a:endParaRPr lang="en-CA" sz="4000" dirty="0">
+              <a:solidFill>
+                <a:srgbClr val="FFC000"/>
+              </a:solidFill>
+            </a:endParaRPr>
           </a:p>
           <a:p>
             <a:pPr marL="0" indent="0">
@@ -13899,8 +17236,12 @@
               <a:defRPr/>
             </a:pPr>
             <a:r>
-              <a:rPr lang="en-CA" dirty="0"/>
-              <a:t>How Chinook size, catch location and time of year in the Salish Sea affect the size of herring prey consumed by Chinook salmon?</a:t>
+              <a:rPr lang="en-CA" sz="4000" dirty="0">
+                <a:solidFill>
+                  <a:srgbClr val="FFC000"/>
+                </a:solidFill>
+              </a:rPr>
+              <a:t>How does Chinook size, catch location and time of year in the Salish Sea affect the size of herring prey consumed by Chinook salmon?</a:t>
             </a:r>
           </a:p>
           <a:p>
@@ -13914,7 +17255,11 @@
               <a:buNone/>
               <a:defRPr/>
             </a:pPr>
-            <a:endParaRPr lang="en-US" sz="1800" dirty="0"/>
+            <a:endParaRPr lang="en-US" sz="4000" dirty="0">
+              <a:solidFill>
+                <a:srgbClr val="FFC000"/>
+              </a:solidFill>
+            </a:endParaRPr>
           </a:p>
           <a:p>
             <a:pPr marL="0" lvl="0" indent="0">
@@ -13927,7 +17272,11 @@
               <a:buNone/>
               <a:defRPr/>
             </a:pPr>
-            <a:endParaRPr lang="en-US" sz="1800" dirty="0"/>
+            <a:endParaRPr lang="en-US" sz="4000" dirty="0">
+              <a:solidFill>
+                <a:srgbClr val="FFC000"/>
+              </a:solidFill>
+            </a:endParaRPr>
           </a:p>
           <a:p>
             <a:pPr marL="0" lvl="0" indent="0">
@@ -13940,7 +17289,11 @@
               <a:buNone/>
               <a:defRPr/>
             </a:pPr>
-            <a:endParaRPr lang="en-US" sz="1800" dirty="0"/>
+            <a:endParaRPr lang="en-US" sz="4000" dirty="0">
+              <a:solidFill>
+                <a:srgbClr val="FFC000"/>
+              </a:solidFill>
+            </a:endParaRPr>
           </a:p>
         </p:txBody>
       </p:sp>
@@ -13959,23 +17312,23 @@
           <p:nvPr>
             <p:extLst>
               <p:ext uri="{D42A27DB-BD31-4B8C-83A1-F6EECF244321}">
-                <p14:modId xmlns:p14="http://schemas.microsoft.com/office/powerpoint/2010/main" val="520040875"/>
+                <p14:modId xmlns:p14="http://schemas.microsoft.com/office/powerpoint/2010/main" val="3047246236"/>
               </p:ext>
             </p:extLst>
           </p:nvPr>
         </p:nvGraphicFramePr>
         <p:xfrm>
-          <a:off x="503160" y="2426003"/>
-          <a:ext cx="5592840" cy="3091148"/>
+          <a:off x="1024569" y="2622009"/>
+          <a:ext cx="5600241" cy="3091148"/>
         </p:xfrm>
         <a:graphic>
           <a:graphicData uri="http://schemas.openxmlformats.org/drawingml/2006/table">
             <a:tbl>
               <a:tblPr firstRow="1" bandRow="1">
-                <a:tableStyleId>{F5AB1C69-6EDB-4FF4-983F-18BD219EF322}</a:tableStyleId>
+                <a:tableStyleId>{5940675A-B579-460E-94D1-54222C63F5DA}</a:tableStyleId>
               </a:tblPr>
               <a:tblGrid>
-                <a:gridCol w="3391094">
+                <a:gridCol w="3398495">
                   <a:extLst>
                     <a:ext uri="{9D8B030D-6E8A-4147-A177-3AD203B41FA5}">
                       <a16:colId xmlns:a16="http://schemas.microsoft.com/office/drawing/2014/main" val="3899611520"/>
@@ -13997,12 +17350,39 @@
                     <a:lstStyle/>
                     <a:p>
                       <a:r>
-                        <a:rPr lang="en-US" sz="2100" dirty="0"/>
+                        <a:rPr lang="en-US" sz="2000" b="1" dirty="0"/>
                         <a:t>Response vs. Explanatory Variable</a:t>
                       </a:r>
                     </a:p>
                   </a:txBody>
-                  <a:tcPr marL="104431" marR="104431" marT="52215" marB="52215"/>
+                  <a:tcPr marL="104431" marR="104431" marT="52215" marB="52215">
+                    <a:lnL w="12700" cmpd="sng">
+                      <a:noFill/>
+                    </a:lnL>
+                    <a:lnR w="12700" cmpd="sng">
+                      <a:noFill/>
+                    </a:lnR>
+                    <a:lnT w="12700" cmpd="sng">
+                      <a:noFill/>
+                    </a:lnT>
+                    <a:lnB w="12700" cap="flat" cmpd="sng" algn="ctr">
+                      <a:solidFill>
+                        <a:schemeClr val="tx1"/>
+                      </a:solidFill>
+                      <a:prstDash val="solid"/>
+                      <a:round/>
+                      <a:headEnd type="none" w="med" len="med"/>
+                      <a:tailEnd type="none" w="med" len="med"/>
+                    </a:lnB>
+                    <a:lnTlToBr w="12700" cmpd="sng">
+                      <a:noFill/>
+                      <a:prstDash val="solid"/>
+                    </a:lnTlToBr>
+                    <a:lnBlToTr w="12700" cmpd="sng">
+                      <a:noFill/>
+                      <a:prstDash val="solid"/>
+                    </a:lnBlToTr>
+                  </a:tcPr>
                 </a:tc>
                 <a:tc>
                   <a:txBody>
@@ -14010,12 +17390,39 @@
                     <a:lstStyle/>
                     <a:p>
                       <a:r>
-                        <a:rPr lang="en-US" sz="2100" dirty="0"/>
+                        <a:rPr lang="en-US" sz="2000" b="1" dirty="0"/>
                         <a:t>Hypotheses</a:t>
                       </a:r>
                     </a:p>
                   </a:txBody>
-                  <a:tcPr marL="104431" marR="104431" marT="52215" marB="52215"/>
+                  <a:tcPr marL="104431" marR="104431" marT="52215" marB="52215">
+                    <a:lnL w="12700" cmpd="sng">
+                      <a:noFill/>
+                    </a:lnL>
+                    <a:lnR w="12700" cmpd="sng">
+                      <a:noFill/>
+                    </a:lnR>
+                    <a:lnT w="12700" cmpd="sng">
+                      <a:noFill/>
+                    </a:lnT>
+                    <a:lnB w="12700" cap="flat" cmpd="sng" algn="ctr">
+                      <a:solidFill>
+                        <a:schemeClr val="tx1"/>
+                      </a:solidFill>
+                      <a:prstDash val="solid"/>
+                      <a:round/>
+                      <a:headEnd type="none" w="med" len="med"/>
+                      <a:tailEnd type="none" w="med" len="med"/>
+                    </a:lnB>
+                    <a:lnTlToBr w="12700" cmpd="sng">
+                      <a:noFill/>
+                      <a:prstDash val="solid"/>
+                    </a:lnTlToBr>
+                    <a:lnBlToTr w="12700" cmpd="sng">
+                      <a:noFill/>
+                      <a:prstDash val="solid"/>
+                    </a:lnBlToTr>
+                  </a:tcPr>
                 </a:tc>
                 <a:extLst>
                   <a:ext uri="{0D108BD9-81ED-4DB2-BD59-A6C34878D82A}">
@@ -14030,12 +17437,39 @@
                     <a:lstStyle/>
                     <a:p>
                       <a:r>
-                        <a:rPr lang="en-US" sz="2100"/>
+                        <a:rPr lang="en-US" sz="2000" dirty="0"/>
                         <a:t>Herring size vs. salmon length </a:t>
                       </a:r>
                     </a:p>
                   </a:txBody>
-                  <a:tcPr marL="104431" marR="104431" marT="52215" marB="52215"/>
+                  <a:tcPr marL="104431" marR="104431" marT="52215" marB="52215">
+                    <a:lnL w="12700" cmpd="sng">
+                      <a:noFill/>
+                    </a:lnL>
+                    <a:lnR w="12700" cmpd="sng">
+                      <a:noFill/>
+                    </a:lnR>
+                    <a:lnT w="12700" cap="flat" cmpd="sng" algn="ctr">
+                      <a:solidFill>
+                        <a:schemeClr val="tx1"/>
+                      </a:solidFill>
+                      <a:prstDash val="solid"/>
+                      <a:round/>
+                      <a:headEnd type="none" w="med" len="med"/>
+                      <a:tailEnd type="none" w="med" len="med"/>
+                    </a:lnT>
+                    <a:lnB w="12700" cmpd="sng">
+                      <a:noFill/>
+                    </a:lnB>
+                    <a:lnTlToBr w="12700" cmpd="sng">
+                      <a:noFill/>
+                      <a:prstDash val="solid"/>
+                    </a:lnTlToBr>
+                    <a:lnBlToTr w="12700" cmpd="sng">
+                      <a:noFill/>
+                      <a:prstDash val="solid"/>
+                    </a:lnBlToTr>
+                  </a:tcPr>
                 </a:tc>
                 <a:tc>
                   <a:txBody>
@@ -14060,12 +17494,39 @@
                         <a:defRPr/>
                       </a:pPr>
                       <a:r>
-                        <a:rPr lang="en-US" sz="2100" dirty="0"/>
+                        <a:rPr lang="en-US" sz="2000" dirty="0"/>
                         <a:t>positive, linear</a:t>
                       </a:r>
                     </a:p>
                   </a:txBody>
-                  <a:tcPr marL="104431" marR="104431" marT="52215" marB="52215"/>
+                  <a:tcPr marL="104431" marR="104431" marT="52215" marB="52215">
+                    <a:lnL w="12700" cmpd="sng">
+                      <a:noFill/>
+                    </a:lnL>
+                    <a:lnR w="12700" cmpd="sng">
+                      <a:noFill/>
+                    </a:lnR>
+                    <a:lnT w="12700" cap="flat" cmpd="sng" algn="ctr">
+                      <a:solidFill>
+                        <a:schemeClr val="tx1"/>
+                      </a:solidFill>
+                      <a:prstDash val="solid"/>
+                      <a:round/>
+                      <a:headEnd type="none" w="med" len="med"/>
+                      <a:tailEnd type="none" w="med" len="med"/>
+                    </a:lnT>
+                    <a:lnB w="12700" cmpd="sng">
+                      <a:noFill/>
+                    </a:lnB>
+                    <a:lnTlToBr w="12700" cmpd="sng">
+                      <a:noFill/>
+                      <a:prstDash val="solid"/>
+                    </a:lnTlToBr>
+                    <a:lnBlToTr w="12700" cmpd="sng">
+                      <a:noFill/>
+                      <a:prstDash val="solid"/>
+                    </a:lnBlToTr>
+                  </a:tcPr>
                 </a:tc>
                 <a:extLst>
                   <a:ext uri="{0D108BD9-81ED-4DB2-BD59-A6C34878D82A}">
@@ -14080,12 +17541,33 @@
                     <a:lstStyle/>
                     <a:p>
                       <a:r>
-                        <a:rPr lang="en-US" sz="2100" dirty="0"/>
+                        <a:rPr lang="en-US" sz="2000" dirty="0"/>
                         <a:t>Herring size vs. collection day of year </a:t>
                       </a:r>
                     </a:p>
                   </a:txBody>
-                  <a:tcPr marL="104431" marR="104431" marT="52215" marB="52215"/>
+                  <a:tcPr marL="104431" marR="104431" marT="52215" marB="52215">
+                    <a:lnL w="12700" cmpd="sng">
+                      <a:noFill/>
+                    </a:lnL>
+                    <a:lnR w="12700" cmpd="sng">
+                      <a:noFill/>
+                    </a:lnR>
+                    <a:lnT w="12700" cmpd="sng">
+                      <a:noFill/>
+                    </a:lnT>
+                    <a:lnB w="12700" cmpd="sng">
+                      <a:noFill/>
+                    </a:lnB>
+                    <a:lnTlToBr w="12700" cmpd="sng">
+                      <a:noFill/>
+                      <a:prstDash val="solid"/>
+                    </a:lnTlToBr>
+                    <a:lnBlToTr w="12700" cmpd="sng">
+                      <a:noFill/>
+                      <a:prstDash val="solid"/>
+                    </a:lnBlToTr>
+                  </a:tcPr>
                 </a:tc>
                 <a:tc>
                   <a:txBody>
@@ -14110,12 +17592,33 @@
                         <a:defRPr/>
                       </a:pPr>
                       <a:r>
-                        <a:rPr lang="en-US" sz="2100"/>
+                        <a:rPr lang="en-US" sz="2000" dirty="0"/>
                         <a:t>positive, linear</a:t>
                       </a:r>
                     </a:p>
                   </a:txBody>
-                  <a:tcPr marL="104431" marR="104431" marT="52215" marB="52215"/>
+                  <a:tcPr marL="104431" marR="104431" marT="52215" marB="52215">
+                    <a:lnL w="12700" cmpd="sng">
+                      <a:noFill/>
+                    </a:lnL>
+                    <a:lnR w="12700" cmpd="sng">
+                      <a:noFill/>
+                    </a:lnR>
+                    <a:lnT w="12700" cmpd="sng">
+                      <a:noFill/>
+                    </a:lnT>
+                    <a:lnB w="12700" cmpd="sng">
+                      <a:noFill/>
+                    </a:lnB>
+                    <a:lnTlToBr w="12700" cmpd="sng">
+                      <a:noFill/>
+                      <a:prstDash val="solid"/>
+                    </a:lnTlToBr>
+                    <a:lnBlToTr w="12700" cmpd="sng">
+                      <a:noFill/>
+                      <a:prstDash val="solid"/>
+                    </a:lnBlToTr>
+                  </a:tcPr>
                 </a:tc>
                 <a:extLst>
                   <a:ext uri="{0D108BD9-81ED-4DB2-BD59-A6C34878D82A}">
@@ -14130,12 +17633,33 @@
                     <a:lstStyle/>
                     <a:p>
                       <a:r>
-                        <a:rPr lang="en-US" sz="2100"/>
+                        <a:rPr lang="en-US" sz="2000" dirty="0"/>
                         <a:t>Herring size vs. longitude </a:t>
                       </a:r>
                     </a:p>
                   </a:txBody>
-                  <a:tcPr marL="104431" marR="104431" marT="52215" marB="52215"/>
+                  <a:tcPr marL="104431" marR="104431" marT="52215" marB="52215">
+                    <a:lnL w="12700" cmpd="sng">
+                      <a:noFill/>
+                    </a:lnL>
+                    <a:lnR w="12700" cmpd="sng">
+                      <a:noFill/>
+                    </a:lnR>
+                    <a:lnT w="12700" cmpd="sng">
+                      <a:noFill/>
+                    </a:lnT>
+                    <a:lnB w="12700" cmpd="sng">
+                      <a:noFill/>
+                    </a:lnB>
+                    <a:lnTlToBr w="12700" cmpd="sng">
+                      <a:noFill/>
+                      <a:prstDash val="solid"/>
+                    </a:lnTlToBr>
+                    <a:lnBlToTr w="12700" cmpd="sng">
+                      <a:noFill/>
+                      <a:prstDash val="solid"/>
+                    </a:lnBlToTr>
+                  </a:tcPr>
                 </a:tc>
                 <a:tc>
                   <a:txBody>
@@ -14160,7 +17684,7 @@
                         <a:defRPr/>
                       </a:pPr>
                       <a:r>
-                        <a:rPr lang="en-US" sz="2100" dirty="0"/>
+                        <a:rPr lang="en-US" sz="2000" dirty="0"/>
                         <a:t>negative, linear </a:t>
                       </a:r>
                     </a:p>
@@ -14183,12 +17707,33 @@
                         <a:defRPr/>
                       </a:pPr>
                       <a:r>
-                        <a:rPr lang="en-US" sz="2100" dirty="0"/>
+                        <a:rPr lang="en-US" sz="2000" dirty="0"/>
                         <a:t>nonlinear</a:t>
                       </a:r>
                     </a:p>
                   </a:txBody>
-                  <a:tcPr marL="104431" marR="104431" marT="52215" marB="52215"/>
+                  <a:tcPr marL="104431" marR="104431" marT="52215" marB="52215">
+                    <a:lnL w="12700" cmpd="sng">
+                      <a:noFill/>
+                    </a:lnL>
+                    <a:lnR w="12700" cmpd="sng">
+                      <a:noFill/>
+                    </a:lnR>
+                    <a:lnT w="12700" cmpd="sng">
+                      <a:noFill/>
+                    </a:lnT>
+                    <a:lnB w="12700" cmpd="sng">
+                      <a:noFill/>
+                    </a:lnB>
+                    <a:lnTlToBr w="12700" cmpd="sng">
+                      <a:noFill/>
+                      <a:prstDash val="solid"/>
+                    </a:lnTlToBr>
+                    <a:lnBlToTr w="12700" cmpd="sng">
+                      <a:noFill/>
+                      <a:prstDash val="solid"/>
+                    </a:lnBlToTr>
+                  </a:tcPr>
                 </a:tc>
                 <a:extLst>
                   <a:ext uri="{0D108BD9-81ED-4DB2-BD59-A6C34878D82A}">
@@ -14200,59 +17745,277 @@
           </a:graphicData>
         </a:graphic>
       </p:graphicFrame>
-      <p:sp>
-        <p:nvSpPr>
-          <p:cNvPr id="6" name="TextBox 5">
+      <p:graphicFrame>
+        <p:nvGraphicFramePr>
+          <p:cNvPr id="4" name="Table 3">
             <a:extLst>
               <a:ext uri="{FF2B5EF4-FFF2-40B4-BE49-F238E27FC236}">
-                <a16:creationId xmlns:a16="http://schemas.microsoft.com/office/drawing/2014/main" id="{097834A1-06D8-904C-A866-8B9221D88677}"/>
+                <a16:creationId xmlns:a16="http://schemas.microsoft.com/office/drawing/2014/main" id="{CD156AEE-E7D7-D14E-89F0-5249FA54708B}"/>
               </a:ext>
             </a:extLst>
           </p:cNvPr>
-          <p:cNvSpPr txBox="1"/>
-          <p:nvPr/>
-        </p:nvSpPr>
-        <p:spPr>
-          <a:xfrm>
-            <a:off x="6764358" y="3117769"/>
-            <a:ext cx="4803354" cy="1323439"/>
-          </a:xfrm>
-          <a:prstGeom prst="rect">
-            <a:avLst/>
-          </a:prstGeom>
-          <a:noFill/>
-        </p:spPr>
-        <p:txBody>
-          <a:bodyPr wrap="square" rtlCol="0">
-            <a:spAutoFit/>
-          </a:bodyPr>
-          <a:lstStyle/>
-          <a:p>
-            <a:r>
-              <a:rPr lang="en-US" sz="2000" dirty="0"/>
-              <a:t>Interactions</a:t>
-            </a:r>
-          </a:p>
-          <a:p>
-            <a:r>
-              <a:rPr lang="en-US" sz="2000" dirty="0"/>
-              <a:t>Salmon length : latitude</a:t>
-            </a:r>
-          </a:p>
-          <a:p>
-            <a:r>
-              <a:rPr lang="en-US" sz="2000" dirty="0"/>
-              <a:t>Salmon length : longitude</a:t>
-            </a:r>
-          </a:p>
-          <a:p>
-            <a:r>
-              <a:rPr lang="en-US" sz="2000" dirty="0"/>
-              <a:t>Salmon length : collection day of year</a:t>
-            </a:r>
-          </a:p>
-        </p:txBody>
-      </p:sp>
+          <p:cNvGraphicFramePr>
+            <a:graphicFrameLocks noGrp="1"/>
+          </p:cNvGraphicFramePr>
+          <p:nvPr>
+            <p:extLst>
+              <p:ext uri="{D42A27DB-BD31-4B8C-83A1-F6EECF244321}">
+                <p14:modId xmlns:p14="http://schemas.microsoft.com/office/powerpoint/2010/main" val="1136610972"/>
+              </p:ext>
+            </p:extLst>
+          </p:nvPr>
+        </p:nvGraphicFramePr>
+        <p:xfrm>
+          <a:off x="7253995" y="3000157"/>
+          <a:ext cx="4064000" cy="1584960"/>
+        </p:xfrm>
+        <a:graphic>
+          <a:graphicData uri="http://schemas.openxmlformats.org/drawingml/2006/table">
+            <a:tbl>
+              <a:tblPr firstRow="1" bandRow="1">
+                <a:tableStyleId>{2D5ABB26-0587-4C30-8999-92F81FD0307C}</a:tableStyleId>
+              </a:tblPr>
+              <a:tblGrid>
+                <a:gridCol w="4064000">
+                  <a:extLst>
+                    <a:ext uri="{9D8B030D-6E8A-4147-A177-3AD203B41FA5}">
+                      <a16:colId xmlns:a16="http://schemas.microsoft.com/office/drawing/2014/main" val="2036605424"/>
+                    </a:ext>
+                  </a:extLst>
+                </a:gridCol>
+              </a:tblGrid>
+              <a:tr h="370840">
+                <a:tc>
+                  <a:txBody>
+                    <a:bodyPr/>
+                    <a:lstStyle/>
+                    <a:p>
+                      <a:pPr algn="ctr"/>
+                      <a:r>
+                        <a:rPr lang="en-US" sz="2000" b="1" dirty="0"/>
+                        <a:t>Interactions</a:t>
+                      </a:r>
+                    </a:p>
+                  </a:txBody>
+                  <a:tcPr>
+                    <a:lnL>
+                      <a:noFill/>
+                    </a:lnL>
+                    <a:lnR>
+                      <a:noFill/>
+                    </a:lnR>
+                    <a:lnT>
+                      <a:noFill/>
+                    </a:lnT>
+                    <a:lnB w="12700" cap="flat" cmpd="sng" algn="ctr">
+                      <a:solidFill>
+                        <a:schemeClr val="tx1"/>
+                      </a:solidFill>
+                      <a:prstDash val="solid"/>
+                      <a:round/>
+                      <a:headEnd type="none" w="med" len="med"/>
+                      <a:tailEnd type="none" w="med" len="med"/>
+                    </a:lnB>
+                    <a:lnTlToBr w="12700" cmpd="sng">
+                      <a:noFill/>
+                      <a:prstDash val="solid"/>
+                    </a:lnTlToBr>
+                    <a:lnBlToTr w="12700" cmpd="sng">
+                      <a:noFill/>
+                      <a:prstDash val="solid"/>
+                    </a:lnBlToTr>
+                  </a:tcPr>
+                </a:tc>
+                <a:extLst>
+                  <a:ext uri="{0D108BD9-81ED-4DB2-BD59-A6C34878D82A}">
+                    <a16:rowId xmlns:a16="http://schemas.microsoft.com/office/drawing/2014/main" val="3679142676"/>
+                  </a:ext>
+                </a:extLst>
+              </a:tr>
+              <a:tr h="370840">
+                <a:tc>
+                  <a:txBody>
+                    <a:bodyPr/>
+                    <a:lstStyle/>
+                    <a:p>
+                      <a:pPr marL="0" marR="0" lvl="0" indent="0" algn="ctr" defTabSz="914400" rtl="0" eaLnBrk="1" fontAlgn="auto" latinLnBrk="0" hangingPunct="1">
+                        <a:lnSpc>
+                          <a:spcPct val="100000"/>
+                        </a:lnSpc>
+                        <a:spcBef>
+                          <a:spcPts val="0"/>
+                        </a:spcBef>
+                        <a:spcAft>
+                          <a:spcPts val="0"/>
+                        </a:spcAft>
+                        <a:buClrTx/>
+                        <a:buSzTx/>
+                        <a:buFontTx/>
+                        <a:buNone/>
+                        <a:tabLst/>
+                        <a:defRPr/>
+                      </a:pPr>
+                      <a:r>
+                        <a:rPr lang="en-US" sz="2000" dirty="0"/>
+                        <a:t>Salmon length : latitude</a:t>
+                      </a:r>
+                    </a:p>
+                  </a:txBody>
+                  <a:tcPr>
+                    <a:lnL>
+                      <a:noFill/>
+                    </a:lnL>
+                    <a:lnR>
+                      <a:noFill/>
+                    </a:lnR>
+                    <a:lnT w="12700" cap="flat" cmpd="sng" algn="ctr">
+                      <a:solidFill>
+                        <a:schemeClr val="tx1"/>
+                      </a:solidFill>
+                      <a:prstDash val="solid"/>
+                      <a:round/>
+                      <a:headEnd type="none" w="med" len="med"/>
+                      <a:tailEnd type="none" w="med" len="med"/>
+                    </a:lnT>
+                    <a:lnB>
+                      <a:noFill/>
+                    </a:lnB>
+                    <a:lnTlToBr w="12700" cmpd="sng">
+                      <a:noFill/>
+                      <a:prstDash val="solid"/>
+                    </a:lnTlToBr>
+                    <a:lnBlToTr w="12700" cmpd="sng">
+                      <a:noFill/>
+                      <a:prstDash val="solid"/>
+                    </a:lnBlToTr>
+                  </a:tcPr>
+                </a:tc>
+                <a:extLst>
+                  <a:ext uri="{0D108BD9-81ED-4DB2-BD59-A6C34878D82A}">
+                    <a16:rowId xmlns:a16="http://schemas.microsoft.com/office/drawing/2014/main" val="564617278"/>
+                  </a:ext>
+                </a:extLst>
+              </a:tr>
+              <a:tr h="370840">
+                <a:tc>
+                  <a:txBody>
+                    <a:bodyPr/>
+                    <a:lstStyle/>
+                    <a:p>
+                      <a:pPr marL="0" marR="0" lvl="0" indent="0" algn="ctr" defTabSz="914400" rtl="0" eaLnBrk="1" fontAlgn="auto" latinLnBrk="0" hangingPunct="1">
+                        <a:lnSpc>
+                          <a:spcPct val="100000"/>
+                        </a:lnSpc>
+                        <a:spcBef>
+                          <a:spcPts val="0"/>
+                        </a:spcBef>
+                        <a:spcAft>
+                          <a:spcPts val="0"/>
+                        </a:spcAft>
+                        <a:buClrTx/>
+                        <a:buSzTx/>
+                        <a:buFontTx/>
+                        <a:buNone/>
+                        <a:tabLst/>
+                        <a:defRPr/>
+                      </a:pPr>
+                      <a:r>
+                        <a:rPr lang="en-US" sz="2000" dirty="0"/>
+                        <a:t>Salmon length : longitude</a:t>
+                      </a:r>
+                    </a:p>
+                  </a:txBody>
+                  <a:tcPr>
+                    <a:lnL>
+                      <a:noFill/>
+                    </a:lnL>
+                    <a:lnR>
+                      <a:noFill/>
+                    </a:lnR>
+                    <a:lnT>
+                      <a:noFill/>
+                    </a:lnT>
+                    <a:lnB>
+                      <a:noFill/>
+                    </a:lnB>
+                    <a:lnTlToBr w="12700" cmpd="sng">
+                      <a:noFill/>
+                      <a:prstDash val="solid"/>
+                    </a:lnTlToBr>
+                    <a:lnBlToTr w="12700" cmpd="sng">
+                      <a:noFill/>
+                      <a:prstDash val="solid"/>
+                    </a:lnBlToTr>
+                  </a:tcPr>
+                </a:tc>
+                <a:extLst>
+                  <a:ext uri="{0D108BD9-81ED-4DB2-BD59-A6C34878D82A}">
+                    <a16:rowId xmlns:a16="http://schemas.microsoft.com/office/drawing/2014/main" val="231954217"/>
+                  </a:ext>
+                </a:extLst>
+              </a:tr>
+              <a:tr h="370840">
+                <a:tc>
+                  <a:txBody>
+                    <a:bodyPr/>
+                    <a:lstStyle/>
+                    <a:p>
+                      <a:pPr marL="0" marR="0" lvl="0" indent="0" algn="ctr" defTabSz="914400" rtl="0" eaLnBrk="1" fontAlgn="auto" latinLnBrk="0" hangingPunct="1">
+                        <a:lnSpc>
+                          <a:spcPct val="100000"/>
+                        </a:lnSpc>
+                        <a:spcBef>
+                          <a:spcPts val="0"/>
+                        </a:spcBef>
+                        <a:spcAft>
+                          <a:spcPts val="0"/>
+                        </a:spcAft>
+                        <a:buClrTx/>
+                        <a:buSzTx/>
+                        <a:buFontTx/>
+                        <a:buNone/>
+                        <a:tabLst/>
+                        <a:defRPr/>
+                      </a:pPr>
+                      <a:r>
+                        <a:rPr lang="en-US" sz="2000" dirty="0"/>
+                        <a:t>Salmon length : collection day of year</a:t>
+                      </a:r>
+                    </a:p>
+                  </a:txBody>
+                  <a:tcPr>
+                    <a:lnL>
+                      <a:noFill/>
+                    </a:lnL>
+                    <a:lnR>
+                      <a:noFill/>
+                    </a:lnR>
+                    <a:lnT>
+                      <a:noFill/>
+                    </a:lnT>
+                    <a:lnB>
+                      <a:noFill/>
+                    </a:lnB>
+                    <a:lnTlToBr w="12700" cmpd="sng">
+                      <a:noFill/>
+                      <a:prstDash val="solid"/>
+                    </a:lnTlToBr>
+                    <a:lnBlToTr w="12700" cmpd="sng">
+                      <a:noFill/>
+                      <a:prstDash val="solid"/>
+                    </a:lnBlToTr>
+                  </a:tcPr>
+                </a:tc>
+                <a:extLst>
+                  <a:ext uri="{0D108BD9-81ED-4DB2-BD59-A6C34878D82A}">
+                    <a16:rowId xmlns:a16="http://schemas.microsoft.com/office/drawing/2014/main" val="464709612"/>
+                  </a:ext>
+                </a:extLst>
+              </a:tr>
+            </a:tbl>
+          </a:graphicData>
+        </a:graphic>
+      </p:graphicFrame>
     </p:spTree>
     <p:extLst>
       <p:ext uri="{BB962C8B-B14F-4D97-AF65-F5344CB8AC3E}">
@@ -14342,14 +18105,14 @@
             <p:ph idx="1"/>
             <p:extLst>
               <p:ext uri="{D42A27DB-BD31-4B8C-83A1-F6EECF244321}">
-                <p14:modId xmlns:p14="http://schemas.microsoft.com/office/powerpoint/2010/main" val="3623693476"/>
+                <p14:modId xmlns:p14="http://schemas.microsoft.com/office/powerpoint/2010/main" val="4115732948"/>
               </p:ext>
             </p:extLst>
           </p:nvPr>
         </p:nvGraphicFramePr>
         <p:xfrm>
-          <a:off x="5093208" y="620392"/>
-          <a:ext cx="6263640" cy="5504688"/>
+          <a:off x="4594034" y="620392"/>
+          <a:ext cx="6762814" cy="5504688"/>
         </p:xfrm>
         <a:graphic>
           <a:graphicData uri="http://schemas.openxmlformats.org/drawingml/2006/diagram">
@@ -14411,12 +18174,7 @@
             <p:ph type="title"/>
           </p:nvPr>
         </p:nvSpPr>
-        <p:spPr>
-          <a:xfrm>
-            <a:off x="838200" y="365125"/>
-            <a:ext cx="10515600" cy="1325563"/>
-          </a:xfrm>
-        </p:spPr>
+        <p:spPr/>
         <p:txBody>
           <a:bodyPr>
             <a:normAutofit/>
@@ -14447,7 +18205,7 @@
             <p:ph idx="1"/>
             <p:extLst>
               <p:ext uri="{D42A27DB-BD31-4B8C-83A1-F6EECF244321}">
-                <p14:modId xmlns:p14="http://schemas.microsoft.com/office/powerpoint/2010/main" val="801744592"/>
+                <p14:modId xmlns:p14="http://schemas.microsoft.com/office/powerpoint/2010/main" val="992246991"/>
               </p:ext>
             </p:extLst>
           </p:nvPr>
@@ -14690,6 +18448,14 @@
 <file path=ppt/slides/slide7.xml><?xml version="1.0" encoding="utf-8"?>
 <p:sld xmlns:a="http://schemas.openxmlformats.org/drawingml/2006/main" xmlns:r="http://schemas.openxmlformats.org/officeDocument/2006/relationships" xmlns:p="http://schemas.openxmlformats.org/presentationml/2006/main">
   <p:cSld>
+    <p:bg>
+      <p:bgPr>
+        <a:solidFill>
+          <a:schemeClr val="bg1"/>
+        </a:solidFill>
+        <a:effectLst/>
+      </p:bgPr>
+    </p:bg>
     <p:spTree>
       <p:nvGrpSpPr>
         <p:cNvPr id="1" name=""/>
@@ -14704,6 +18470,224 @@
           <a:chExt cx="0" cy="0"/>
         </a:xfrm>
       </p:grpSpPr>
+      <p:sp useBgFill="1">
+        <p:nvSpPr>
+          <p:cNvPr id="12" name="Rectangle 11">
+            <a:extLst>
+              <a:ext uri="{FF2B5EF4-FFF2-40B4-BE49-F238E27FC236}">
+                <a16:creationId xmlns:a16="http://schemas.microsoft.com/office/drawing/2014/main" id="{77C59BEC-C4CC-4741-B975-08C543178D3D}"/>
+              </a:ext>
+              <a:ext uri="{C183D7F6-B498-43B3-948B-1728B52AA6E4}">
+                <adec:decorative xmlns:adec="http://schemas.microsoft.com/office/drawing/2017/decorative" val="1"/>
+              </a:ext>
+            </a:extLst>
+          </p:cNvPr>
+          <p:cNvSpPr>
+            <a:spLocks noGrp="1" noRot="1" noChangeAspect="1" noMove="1" noResize="1" noEditPoints="1" noAdjustHandles="1" noChangeArrowheads="1" noChangeShapeType="1" noTextEdit="1"/>
+          </p:cNvSpPr>
+          <p:nvPr>
+            <p:extLst>
+              <p:ext uri="{386F3935-93C4-4BCD-93E2-E3B085C9AB24}">
+                <p16:designElem xmlns:p16="http://schemas.microsoft.com/office/powerpoint/2015/main" val="1"/>
+              </p:ext>
+            </p:extLst>
+          </p:nvPr>
+        </p:nvSpPr>
+        <p:spPr bwMode="white">
+          <a:xfrm>
+            <a:off x="0" y="0"/>
+            <a:ext cx="12192000" cy="6858000"/>
+          </a:xfrm>
+          <a:prstGeom prst="rect">
+            <a:avLst/>
+          </a:prstGeom>
+          <a:ln>
+            <a:noFill/>
+          </a:ln>
+        </p:spPr>
+        <p:style>
+          <a:lnRef idx="2">
+            <a:schemeClr val="accent1">
+              <a:shade val="50000"/>
+            </a:schemeClr>
+          </a:lnRef>
+          <a:fillRef idx="1">
+            <a:schemeClr val="accent1"/>
+          </a:fillRef>
+          <a:effectRef idx="0">
+            <a:schemeClr val="accent1"/>
+          </a:effectRef>
+          <a:fontRef idx="minor">
+            <a:schemeClr val="lt1"/>
+          </a:fontRef>
+        </p:style>
+        <p:txBody>
+          <a:bodyPr rtlCol="0" anchor="ctr"/>
+          <a:lstStyle>
+            <a:defPPr>
+              <a:defRPr lang="en-US"/>
+            </a:defPPr>
+            <a:lvl1pPr marL="0" algn="l" defTabSz="914400" rtl="0" eaLnBrk="1" latinLnBrk="0" hangingPunct="1">
+              <a:defRPr sz="1800" kern="1200">
+                <a:solidFill>
+                  <a:schemeClr val="lt1"/>
+                </a:solidFill>
+                <a:latin typeface="+mn-lt"/>
+                <a:ea typeface="+mn-ea"/>
+                <a:cs typeface="+mn-cs"/>
+              </a:defRPr>
+            </a:lvl1pPr>
+            <a:lvl2pPr marL="457200" algn="l" defTabSz="914400" rtl="0" eaLnBrk="1" latinLnBrk="0" hangingPunct="1">
+              <a:defRPr sz="1800" kern="1200">
+                <a:solidFill>
+                  <a:schemeClr val="lt1"/>
+                </a:solidFill>
+                <a:latin typeface="+mn-lt"/>
+                <a:ea typeface="+mn-ea"/>
+                <a:cs typeface="+mn-cs"/>
+              </a:defRPr>
+            </a:lvl2pPr>
+            <a:lvl3pPr marL="914400" algn="l" defTabSz="914400" rtl="0" eaLnBrk="1" latinLnBrk="0" hangingPunct="1">
+              <a:defRPr sz="1800" kern="1200">
+                <a:solidFill>
+                  <a:schemeClr val="lt1"/>
+                </a:solidFill>
+                <a:latin typeface="+mn-lt"/>
+                <a:ea typeface="+mn-ea"/>
+                <a:cs typeface="+mn-cs"/>
+              </a:defRPr>
+            </a:lvl3pPr>
+            <a:lvl4pPr marL="1371600" algn="l" defTabSz="914400" rtl="0" eaLnBrk="1" latinLnBrk="0" hangingPunct="1">
+              <a:defRPr sz="1800" kern="1200">
+                <a:solidFill>
+                  <a:schemeClr val="lt1"/>
+                </a:solidFill>
+                <a:latin typeface="+mn-lt"/>
+                <a:ea typeface="+mn-ea"/>
+                <a:cs typeface="+mn-cs"/>
+              </a:defRPr>
+            </a:lvl4pPr>
+            <a:lvl5pPr marL="1828800" algn="l" defTabSz="914400" rtl="0" eaLnBrk="1" latinLnBrk="0" hangingPunct="1">
+              <a:defRPr sz="1800" kern="1200">
+                <a:solidFill>
+                  <a:schemeClr val="lt1"/>
+                </a:solidFill>
+                <a:latin typeface="+mn-lt"/>
+                <a:ea typeface="+mn-ea"/>
+                <a:cs typeface="+mn-cs"/>
+              </a:defRPr>
+            </a:lvl5pPr>
+            <a:lvl6pPr marL="2286000" algn="l" defTabSz="914400" rtl="0" eaLnBrk="1" latinLnBrk="0" hangingPunct="1">
+              <a:defRPr sz="1800" kern="1200">
+                <a:solidFill>
+                  <a:schemeClr val="lt1"/>
+                </a:solidFill>
+                <a:latin typeface="+mn-lt"/>
+                <a:ea typeface="+mn-ea"/>
+                <a:cs typeface="+mn-cs"/>
+              </a:defRPr>
+            </a:lvl6pPr>
+            <a:lvl7pPr marL="2743200" algn="l" defTabSz="914400" rtl="0" eaLnBrk="1" latinLnBrk="0" hangingPunct="1">
+              <a:defRPr sz="1800" kern="1200">
+                <a:solidFill>
+                  <a:schemeClr val="lt1"/>
+                </a:solidFill>
+                <a:latin typeface="+mn-lt"/>
+                <a:ea typeface="+mn-ea"/>
+                <a:cs typeface="+mn-cs"/>
+              </a:defRPr>
+            </a:lvl7pPr>
+            <a:lvl8pPr marL="3200400" algn="l" defTabSz="914400" rtl="0" eaLnBrk="1" latinLnBrk="0" hangingPunct="1">
+              <a:defRPr sz="1800" kern="1200">
+                <a:solidFill>
+                  <a:schemeClr val="lt1"/>
+                </a:solidFill>
+                <a:latin typeface="+mn-lt"/>
+                <a:ea typeface="+mn-ea"/>
+                <a:cs typeface="+mn-cs"/>
+              </a:defRPr>
+            </a:lvl8pPr>
+            <a:lvl9pPr marL="3657600" algn="l" defTabSz="914400" rtl="0" eaLnBrk="1" latinLnBrk="0" hangingPunct="1">
+              <a:defRPr sz="1800" kern="1200">
+                <a:solidFill>
+                  <a:schemeClr val="lt1"/>
+                </a:solidFill>
+                <a:latin typeface="+mn-lt"/>
+                <a:ea typeface="+mn-ea"/>
+                <a:cs typeface="+mn-cs"/>
+              </a:defRPr>
+            </a:lvl9pPr>
+          </a:lstStyle>
+          <a:p>
+            <a:pPr algn="ctr"/>
+            <a:endParaRPr lang="en-US"/>
+          </a:p>
+        </p:txBody>
+      </p:sp>
+      <p:sp>
+        <p:nvSpPr>
+          <p:cNvPr id="14" name="Arc 13">
+            <a:extLst>
+              <a:ext uri="{FF2B5EF4-FFF2-40B4-BE49-F238E27FC236}">
+                <a16:creationId xmlns:a16="http://schemas.microsoft.com/office/drawing/2014/main" id="{72DEF309-605D-4117-9340-6D589B6C3A34}"/>
+              </a:ext>
+              <a:ext uri="{C183D7F6-B498-43B3-948B-1728B52AA6E4}">
+                <adec:decorative xmlns:adec="http://schemas.microsoft.com/office/drawing/2017/decorative" val="1"/>
+              </a:ext>
+            </a:extLst>
+          </p:cNvPr>
+          <p:cNvSpPr>
+            <a:spLocks noGrp="1" noRot="1" noChangeAspect="1" noMove="1" noResize="1" noEditPoints="1" noAdjustHandles="1" noChangeArrowheads="1" noChangeShapeType="1" noTextEdit="1"/>
+          </p:cNvSpPr>
+          <p:nvPr>
+            <p:extLst>
+              <p:ext uri="{386F3935-93C4-4BCD-93E2-E3B085C9AB24}">
+                <p16:designElem xmlns:p16="http://schemas.microsoft.com/office/powerpoint/2015/main" val="1"/>
+              </p:ext>
+            </p:extLst>
+          </p:nvPr>
+        </p:nvSpPr>
+        <p:spPr>
+          <a:xfrm rot="13986173" flipV="1">
+            <a:off x="3930947" y="651615"/>
+            <a:ext cx="4083433" cy="4083433"/>
+          </a:xfrm>
+          <a:prstGeom prst="arc">
+            <a:avLst>
+              <a:gd name="adj1" fmla="val 16200000"/>
+              <a:gd name="adj2" fmla="val 20093138"/>
+            </a:avLst>
+          </a:prstGeom>
+          <a:ln w="127000" cap="rnd">
+            <a:solidFill>
+              <a:schemeClr val="accent4"/>
+            </a:solidFill>
+            <a:prstDash val="dash"/>
+          </a:ln>
+        </p:spPr>
+        <p:style>
+          <a:lnRef idx="1">
+            <a:schemeClr val="accent1"/>
+          </a:lnRef>
+          <a:fillRef idx="0">
+            <a:schemeClr val="accent1"/>
+          </a:fillRef>
+          <a:effectRef idx="0">
+            <a:schemeClr val="accent1"/>
+          </a:effectRef>
+          <a:fontRef idx="minor">
+            <a:schemeClr val="tx1"/>
+          </a:fontRef>
+        </p:style>
+        <p:txBody>
+          <a:bodyPr rtlCol="0" anchor="ctr"/>
+          <a:lstStyle/>
+          <a:p>
+            <a:pPr algn="ctr"/>
+            <a:endParaRPr lang="en-US" dirty="0"/>
+          </a:p>
+        </p:txBody>
+      </p:sp>
       <p:sp>
         <p:nvSpPr>
           <p:cNvPr id="2" name="Title 1">
@@ -14720,147 +18704,886 @@
             <p:ph type="title"/>
           </p:nvPr>
         </p:nvSpPr>
-        <p:spPr/>
+        <p:spPr>
+          <a:xfrm>
+            <a:off x="838200" y="365125"/>
+            <a:ext cx="10515599" cy="1325563"/>
+          </a:xfrm>
+        </p:spPr>
         <p:txBody>
-          <a:bodyPr/>
+          <a:bodyPr vert="horz" lIns="91440" tIns="45720" rIns="91440" bIns="45720" rtlCol="0" anchor="ctr">
+            <a:normAutofit/>
+          </a:bodyPr>
           <a:lstStyle/>
           <a:p>
             <a:r>
-              <a:rPr lang="en-US"/>
+              <a:rPr lang="en-US" kern="1200" dirty="0">
+                <a:solidFill>
+                  <a:schemeClr val="tx1"/>
+                </a:solidFill>
+                <a:latin typeface="+mj-lt"/>
+                <a:ea typeface="+mj-ea"/>
+                <a:cs typeface="+mj-cs"/>
+              </a:rPr>
               <a:t>Results</a:t>
             </a:r>
-            <a:endParaRPr lang="en-US" dirty="0"/>
           </a:p>
         </p:txBody>
       </p:sp>
       <p:sp>
         <p:nvSpPr>
-          <p:cNvPr id="3" name="Content Placeholder 2">
+          <p:cNvPr id="7" name="TextBox 6">
             <a:extLst>
               <a:ext uri="{FF2B5EF4-FFF2-40B4-BE49-F238E27FC236}">
-                <a16:creationId xmlns:a16="http://schemas.microsoft.com/office/drawing/2014/main" id="{EF9DCC9C-FAF5-CB4C-830C-27537C7ECA6F}"/>
+                <a16:creationId xmlns:a16="http://schemas.microsoft.com/office/drawing/2014/main" id="{1AF451CB-3F8F-3542-B7C5-3E0173794E91}"/>
+              </a:ext>
+            </a:extLst>
+          </p:cNvPr>
+          <p:cNvSpPr txBox="1"/>
+          <p:nvPr/>
+        </p:nvSpPr>
+        <p:spPr>
+          <a:xfrm>
+            <a:off x="417385" y="2742519"/>
+            <a:ext cx="5393361" cy="3174535"/>
+          </a:xfrm>
+          <a:prstGeom prst="rect">
+            <a:avLst/>
+          </a:prstGeom>
+        </p:spPr>
+        <p:txBody>
+          <a:bodyPr vert="horz" lIns="91440" tIns="45720" rIns="91440" bIns="45720" rtlCol="0">
+            <a:normAutofit/>
+          </a:bodyPr>
+          <a:lstStyle/>
+          <a:p>
+            <a:pPr marL="342900" indent="-285750" defTabSz="914400">
+              <a:lnSpc>
+                <a:spcPct val="90000"/>
+              </a:lnSpc>
+              <a:spcAft>
+                <a:spcPts val="600"/>
+              </a:spcAft>
+              <a:buFont typeface="Wingdings" pitchFamily="2" charset="2"/>
+              <a:buChar char="ü"/>
+            </a:pPr>
+            <a:r>
+              <a:rPr lang="en-US" sz="4000" dirty="0">
+                <a:solidFill>
+                  <a:srgbClr val="FF0000"/>
+                </a:solidFill>
+              </a:rPr>
+              <a:t>Longitude</a:t>
+            </a:r>
+          </a:p>
+          <a:p>
+            <a:pPr marL="342900" indent="-285750" defTabSz="914400">
+              <a:lnSpc>
+                <a:spcPct val="90000"/>
+              </a:lnSpc>
+              <a:spcAft>
+                <a:spcPts val="600"/>
+              </a:spcAft>
+              <a:buFont typeface="Wingdings" pitchFamily="2" charset="2"/>
+              <a:buChar char="ü"/>
+            </a:pPr>
+            <a:endParaRPr lang="en-US" sz="4000" dirty="0">
+              <a:solidFill>
+                <a:srgbClr val="FF0000"/>
+              </a:solidFill>
+            </a:endParaRPr>
+          </a:p>
+          <a:p>
+            <a:pPr marL="342900" indent="-285750" defTabSz="914400">
+              <a:lnSpc>
+                <a:spcPct val="90000"/>
+              </a:lnSpc>
+              <a:spcAft>
+                <a:spcPts val="600"/>
+              </a:spcAft>
+              <a:buFont typeface="Wingdings" pitchFamily="2" charset="2"/>
+              <a:buChar char="ü"/>
+            </a:pPr>
+            <a:r>
+              <a:rPr lang="en-US" sz="4000" dirty="0">
+                <a:solidFill>
+                  <a:srgbClr val="FF0000"/>
+                </a:solidFill>
+              </a:rPr>
+              <a:t>Collection Day of Year</a:t>
+            </a:r>
+          </a:p>
+        </p:txBody>
+      </p:sp>
+      <p:sp>
+        <p:nvSpPr>
+          <p:cNvPr id="16" name="Oval 15">
+            <a:extLst>
+              <a:ext uri="{FF2B5EF4-FFF2-40B4-BE49-F238E27FC236}">
+                <a16:creationId xmlns:a16="http://schemas.microsoft.com/office/drawing/2014/main" id="{A7B99495-F43F-4D80-A44F-2CB4764EB90B}"/>
+              </a:ext>
+              <a:ext uri="{C183D7F6-B498-43B3-948B-1728B52AA6E4}">
+                <adec:decorative xmlns:adec="http://schemas.microsoft.com/office/drawing/2017/decorative" val="1"/>
               </a:ext>
             </a:extLst>
           </p:cNvPr>
           <p:cNvSpPr>
-            <a:spLocks noGrp="1"/>
+            <a:spLocks noGrp="1" noRot="1" noChangeAspect="1" noMove="1" noResize="1" noEditPoints="1" noAdjustHandles="1" noChangeArrowheads="1" noChangeShapeType="1" noTextEdit="1"/>
           </p:cNvSpPr>
           <p:nvPr>
-            <p:ph idx="1"/>
+            <p:extLst>
+              <p:ext uri="{386F3935-93C4-4BCD-93E2-E3B085C9AB24}">
+                <p16:designElem xmlns:p16="http://schemas.microsoft.com/office/powerpoint/2015/main" val="1"/>
+              </p:ext>
+            </p:extLst>
           </p:nvPr>
         </p:nvSpPr>
-        <p:spPr/>
+        <p:spPr>
+          <a:xfrm>
+            <a:off x="10677008" y="5228027"/>
+            <a:ext cx="1107241" cy="1077204"/>
+          </a:xfrm>
+          <a:prstGeom prst="ellipse">
+            <a:avLst/>
+          </a:prstGeom>
+          <a:solidFill>
+            <a:schemeClr val="accent2"/>
+          </a:solidFill>
+          <a:ln>
+            <a:noFill/>
+          </a:ln>
+        </p:spPr>
+        <p:style>
+          <a:lnRef idx="2">
+            <a:schemeClr val="accent1">
+              <a:shade val="50000"/>
+            </a:schemeClr>
+          </a:lnRef>
+          <a:fillRef idx="1">
+            <a:schemeClr val="accent1"/>
+          </a:fillRef>
+          <a:effectRef idx="0">
+            <a:schemeClr val="accent1"/>
+          </a:effectRef>
+          <a:fontRef idx="minor">
+            <a:schemeClr val="lt1"/>
+          </a:fontRef>
+        </p:style>
         <p:txBody>
-          <a:bodyPr/>
+          <a:bodyPr rtlCol="0" anchor="ctr"/>
           <a:lstStyle/>
           <a:p>
-            <a:pPr marL="0" lvl="0" indent="0">
+            <a:pPr marL="0" marR="0" lvl="0" indent="0" algn="ctr" defTabSz="914400" rtl="0" eaLnBrk="1" fontAlgn="auto" latinLnBrk="0" hangingPunct="1">
               <a:lnSpc>
                 <a:spcPct val="100000"/>
               </a:lnSpc>
               <a:spcBef>
                 <a:spcPts val="0"/>
               </a:spcBef>
+              <a:spcAft>
+                <a:spcPts val="0"/>
+              </a:spcAft>
+              <a:buClrTx/>
+              <a:buSzTx/>
+              <a:buFontTx/>
               <a:buNone/>
+              <a:tabLst/>
               <a:defRPr/>
             </a:pPr>
-            <a:r>
-              <a:rPr lang="en-US"/>
-              <a:t>Herring size vs. salmon length – positive, linear (yes)</a:t>
-            </a:r>
-          </a:p>
-          <a:p>
-            <a:pPr marL="0" lvl="0" indent="0">
-              <a:lnSpc>
-                <a:spcPct val="100000"/>
-              </a:lnSpc>
-              <a:spcBef>
-                <a:spcPts val="0"/>
-              </a:spcBef>
-              <a:buNone/>
-              <a:defRPr/>
-            </a:pPr>
-            <a:r>
-              <a:rPr lang="en-US"/>
-              <a:t>Herring size vs. longitude – negative, linear relationship (or nonlinear) (yes)</a:t>
-            </a:r>
-          </a:p>
-          <a:p>
-            <a:pPr marL="0" indent="0">
-              <a:lnSpc>
-                <a:spcPct val="100000"/>
-              </a:lnSpc>
-              <a:spcBef>
-                <a:spcPts val="0"/>
-              </a:spcBef>
-              <a:buNone/>
-              <a:defRPr/>
-            </a:pPr>
-            <a:r>
-              <a:rPr lang="en-US"/>
-              <a:t>Herring size vs. collection day of year – positive, linear (no)</a:t>
-            </a:r>
-          </a:p>
-          <a:p>
-            <a:pPr marL="0" indent="0">
-              <a:lnSpc>
-                <a:spcPct val="100000"/>
-              </a:lnSpc>
-              <a:spcBef>
-                <a:spcPts val="0"/>
-              </a:spcBef>
-              <a:buNone/>
-              <a:defRPr/>
-            </a:pPr>
-            <a:endParaRPr lang="en-US"/>
-          </a:p>
-          <a:p>
-            <a:pPr marL="0" indent="0">
-              <a:lnSpc>
-                <a:spcPct val="100000"/>
-              </a:lnSpc>
-              <a:spcBef>
-                <a:spcPts val="0"/>
-              </a:spcBef>
-              <a:buNone/>
-              <a:defRPr/>
-            </a:pPr>
-            <a:r>
-              <a:rPr lang="en-US"/>
-              <a:t>Longitude</a:t>
-            </a:r>
-          </a:p>
-          <a:p>
-            <a:pPr marL="0" indent="0">
-              <a:lnSpc>
-                <a:spcPct val="100000"/>
-              </a:lnSpc>
-              <a:spcBef>
-                <a:spcPts val="0"/>
-              </a:spcBef>
-              <a:buNone/>
-              <a:defRPr/>
-            </a:pPr>
-            <a:r>
-              <a:rPr lang="en-US"/>
-              <a:t>Collection day of year</a:t>
-            </a:r>
-          </a:p>
-          <a:p>
-            <a:pPr marL="0" lvl="0" indent="0">
-              <a:lnSpc>
-                <a:spcPct val="100000"/>
-              </a:lnSpc>
-              <a:spcBef>
-                <a:spcPts val="0"/>
-              </a:spcBef>
-              <a:buNone/>
-              <a:defRPr/>
-            </a:pPr>
-            <a:endParaRPr lang="en-US" dirty="0"/>
+            <a:endParaRPr kumimoji="0" lang="en-US" sz="1800" b="0" i="0" u="none" strike="noStrike" kern="1200" cap="none" spc="0" normalizeH="0" baseline="0" noProof="0">
+              <a:ln>
+                <a:noFill/>
+              </a:ln>
+              <a:solidFill>
+                <a:srgbClr val="FFFFFF"/>
+              </a:solidFill>
+              <a:effectLst/>
+              <a:uLnTx/>
+              <a:uFillTx/>
+              <a:latin typeface="Calibri" panose="020F0502020204030204"/>
+              <a:ea typeface="+mn-ea"/>
+              <a:cs typeface="+mn-cs"/>
+            </a:endParaRPr>
           </a:p>
         </p:txBody>
       </p:sp>
+      <p:graphicFrame>
+        <p:nvGraphicFramePr>
+          <p:cNvPr id="4" name="Table 3">
+            <a:extLst>
+              <a:ext uri="{FF2B5EF4-FFF2-40B4-BE49-F238E27FC236}">
+                <a16:creationId xmlns:a16="http://schemas.microsoft.com/office/drawing/2014/main" id="{26A2151F-1280-C740-B620-2B26AE53B849}"/>
+              </a:ext>
+            </a:extLst>
+          </p:cNvPr>
+          <p:cNvGraphicFramePr>
+            <a:graphicFrameLocks noGrp="1"/>
+          </p:cNvGraphicFramePr>
+          <p:nvPr>
+            <p:extLst>
+              <p:ext uri="{D42A27DB-BD31-4B8C-83A1-F6EECF244321}">
+                <p14:modId xmlns:p14="http://schemas.microsoft.com/office/powerpoint/2010/main" val="2032574833"/>
+              </p:ext>
+            </p:extLst>
+          </p:nvPr>
+        </p:nvGraphicFramePr>
+        <p:xfrm>
+          <a:off x="6007128" y="2037684"/>
+          <a:ext cx="5291900" cy="3696808"/>
+        </p:xfrm>
+        <a:graphic>
+          <a:graphicData uri="http://schemas.openxmlformats.org/drawingml/2006/table">
+            <a:tbl>
+              <a:tblPr firstRow="1" bandRow="1">
+                <a:tableStyleId>{5940675A-B579-460E-94D1-54222C63F5DA}</a:tableStyleId>
+              </a:tblPr>
+              <a:tblGrid>
+                <a:gridCol w="2238264">
+                  <a:extLst>
+                    <a:ext uri="{9D8B030D-6E8A-4147-A177-3AD203B41FA5}">
+                      <a16:colId xmlns:a16="http://schemas.microsoft.com/office/drawing/2014/main" val="3899611520"/>
+                    </a:ext>
+                  </a:extLst>
+                </a:gridCol>
+                <a:gridCol w="1631510">
+                  <a:extLst>
+                    <a:ext uri="{9D8B030D-6E8A-4147-A177-3AD203B41FA5}">
+                      <a16:colId xmlns:a16="http://schemas.microsoft.com/office/drawing/2014/main" val="2787339403"/>
+                    </a:ext>
+                  </a:extLst>
+                </a:gridCol>
+                <a:gridCol w="1422126">
+                  <a:extLst>
+                    <a:ext uri="{9D8B030D-6E8A-4147-A177-3AD203B41FA5}">
+                      <a16:colId xmlns:a16="http://schemas.microsoft.com/office/drawing/2014/main" val="3028820060"/>
+                    </a:ext>
+                  </a:extLst>
+                </a:gridCol>
+              </a:tblGrid>
+              <a:tr h="869173">
+                <a:tc>
+                  <a:txBody>
+                    <a:bodyPr/>
+                    <a:lstStyle/>
+                    <a:p>
+                      <a:pPr algn="l"/>
+                      <a:r>
+                        <a:rPr lang="en-US" sz="2000" b="1" dirty="0"/>
+                        <a:t>Response vs. Explanatory Variable</a:t>
+                      </a:r>
+                    </a:p>
+                  </a:txBody>
+                  <a:tcPr marL="86003" marR="86003" marT="43001" marB="43001">
+                    <a:lnL w="12700" cmpd="sng">
+                      <a:noFill/>
+                    </a:lnL>
+                    <a:lnR w="12700" cmpd="sng">
+                      <a:noFill/>
+                    </a:lnR>
+                    <a:lnT w="12700" cmpd="sng">
+                      <a:noFill/>
+                    </a:lnT>
+                    <a:lnB w="12700" cap="flat" cmpd="sng" algn="ctr">
+                      <a:solidFill>
+                        <a:schemeClr val="tx1"/>
+                      </a:solidFill>
+                      <a:prstDash val="solid"/>
+                      <a:round/>
+                      <a:headEnd type="none" w="med" len="med"/>
+                      <a:tailEnd type="none" w="med" len="med"/>
+                    </a:lnB>
+                    <a:lnTlToBr w="12700" cmpd="sng">
+                      <a:noFill/>
+                      <a:prstDash val="solid"/>
+                    </a:lnTlToBr>
+                    <a:lnBlToTr w="12700" cmpd="sng">
+                      <a:noFill/>
+                      <a:prstDash val="solid"/>
+                    </a:lnBlToTr>
+                  </a:tcPr>
+                </a:tc>
+                <a:tc>
+                  <a:txBody>
+                    <a:bodyPr/>
+                    <a:lstStyle/>
+                    <a:p>
+                      <a:pPr algn="l"/>
+                      <a:r>
+                        <a:rPr lang="en-US" sz="2000" b="1" dirty="0"/>
+                        <a:t>Hypotheses</a:t>
+                      </a:r>
+                    </a:p>
+                  </a:txBody>
+                  <a:tcPr marL="86003" marR="86003" marT="43001" marB="43001">
+                    <a:lnL w="12700" cmpd="sng">
+                      <a:noFill/>
+                    </a:lnL>
+                    <a:lnR w="12700" cmpd="sng">
+                      <a:noFill/>
+                    </a:lnR>
+                    <a:lnT w="12700" cmpd="sng">
+                      <a:noFill/>
+                    </a:lnT>
+                    <a:lnB w="12700" cap="flat" cmpd="sng" algn="ctr">
+                      <a:solidFill>
+                        <a:schemeClr val="tx1"/>
+                      </a:solidFill>
+                      <a:prstDash val="solid"/>
+                      <a:round/>
+                      <a:headEnd type="none" w="med" len="med"/>
+                      <a:tailEnd type="none" w="med" len="med"/>
+                    </a:lnB>
+                    <a:lnTlToBr w="12700" cmpd="sng">
+                      <a:noFill/>
+                      <a:prstDash val="solid"/>
+                    </a:lnTlToBr>
+                    <a:lnBlToTr w="12700" cmpd="sng">
+                      <a:noFill/>
+                      <a:prstDash val="solid"/>
+                    </a:lnBlToTr>
+                  </a:tcPr>
+                </a:tc>
+                <a:tc>
+                  <a:txBody>
+                    <a:bodyPr/>
+                    <a:lstStyle/>
+                    <a:p>
+                      <a:pPr algn="l"/>
+                      <a:r>
+                        <a:rPr lang="en-US" sz="2000" b="1" dirty="0"/>
+                        <a:t>Results</a:t>
+                      </a:r>
+                    </a:p>
+                  </a:txBody>
+                  <a:tcPr marL="86003" marR="86003" marT="43001" marB="43001">
+                    <a:lnL w="12700" cmpd="sng">
+                      <a:noFill/>
+                    </a:lnL>
+                    <a:lnR w="12700" cmpd="sng">
+                      <a:noFill/>
+                    </a:lnR>
+                    <a:lnT w="12700" cmpd="sng">
+                      <a:noFill/>
+                    </a:lnT>
+                    <a:lnB w="12700" cap="flat" cmpd="sng" algn="ctr">
+                      <a:solidFill>
+                        <a:schemeClr val="tx1"/>
+                      </a:solidFill>
+                      <a:prstDash val="solid"/>
+                      <a:round/>
+                      <a:headEnd type="none" w="med" len="med"/>
+                      <a:tailEnd type="none" w="med" len="med"/>
+                    </a:lnB>
+                    <a:lnTlToBr w="12700" cmpd="sng">
+                      <a:noFill/>
+                      <a:prstDash val="solid"/>
+                    </a:lnTlToBr>
+                    <a:lnBlToTr w="12700" cmpd="sng">
+                      <a:noFill/>
+                      <a:prstDash val="solid"/>
+                    </a:lnBlToTr>
+                  </a:tcPr>
+                </a:tc>
+                <a:extLst>
+                  <a:ext uri="{0D108BD9-81ED-4DB2-BD59-A6C34878D82A}">
+                    <a16:rowId xmlns:a16="http://schemas.microsoft.com/office/drawing/2014/main" val="2387708660"/>
+                  </a:ext>
+                </a:extLst>
+              </a:tr>
+              <a:tr h="618157">
+                <a:tc>
+                  <a:txBody>
+                    <a:bodyPr/>
+                    <a:lstStyle/>
+                    <a:p>
+                      <a:r>
+                        <a:rPr lang="en-US" sz="2000" dirty="0"/>
+                        <a:t>Herring size vs. salmon length </a:t>
+                      </a:r>
+                    </a:p>
+                  </a:txBody>
+                  <a:tcPr marL="86003" marR="86003" marT="43001" marB="43001">
+                    <a:lnL w="12700" cmpd="sng">
+                      <a:noFill/>
+                    </a:lnL>
+                    <a:lnR w="12700" cmpd="sng">
+                      <a:noFill/>
+                    </a:lnR>
+                    <a:lnT w="12700" cap="flat" cmpd="sng" algn="ctr">
+                      <a:solidFill>
+                        <a:schemeClr val="tx1"/>
+                      </a:solidFill>
+                      <a:prstDash val="solid"/>
+                      <a:round/>
+                      <a:headEnd type="none" w="med" len="med"/>
+                      <a:tailEnd type="none" w="med" len="med"/>
+                    </a:lnT>
+                    <a:lnB w="12700" cmpd="sng">
+                      <a:noFill/>
+                    </a:lnB>
+                    <a:lnTlToBr w="12700" cmpd="sng">
+                      <a:noFill/>
+                      <a:prstDash val="solid"/>
+                    </a:lnTlToBr>
+                    <a:lnBlToTr w="12700" cmpd="sng">
+                      <a:noFill/>
+                      <a:prstDash val="solid"/>
+                    </a:lnBlToTr>
+                  </a:tcPr>
+                </a:tc>
+                <a:tc>
+                  <a:txBody>
+                    <a:bodyPr/>
+                    <a:lstStyle/>
+                    <a:p>
+                      <a:pPr marL="0" marR="0" lvl="0" indent="0" algn="l" defTabSz="914400" rtl="0" eaLnBrk="1" fontAlgn="auto" latinLnBrk="0" hangingPunct="1">
+                        <a:lnSpc>
+                          <a:spcPct val="100000"/>
+                        </a:lnSpc>
+                        <a:spcBef>
+                          <a:spcPts val="0"/>
+                        </a:spcBef>
+                        <a:spcAft>
+                          <a:spcPts val="0"/>
+                        </a:spcAft>
+                        <a:buClrTx/>
+                        <a:buSzTx/>
+                        <a:buFontTx/>
+                        <a:buNone/>
+                        <a:tabLst/>
+                        <a:defRPr/>
+                      </a:pPr>
+                      <a:r>
+                        <a:rPr lang="en-US" sz="2000"/>
+                        <a:t>positive, linear</a:t>
+                      </a:r>
+                    </a:p>
+                  </a:txBody>
+                  <a:tcPr marL="86003" marR="86003" marT="43001" marB="43001">
+                    <a:lnL w="12700" cmpd="sng">
+                      <a:noFill/>
+                    </a:lnL>
+                    <a:lnR w="12700" cmpd="sng">
+                      <a:noFill/>
+                    </a:lnR>
+                    <a:lnT w="12700" cap="flat" cmpd="sng" algn="ctr">
+                      <a:solidFill>
+                        <a:schemeClr val="tx1"/>
+                      </a:solidFill>
+                      <a:prstDash val="solid"/>
+                      <a:round/>
+                      <a:headEnd type="none" w="med" len="med"/>
+                      <a:tailEnd type="none" w="med" len="med"/>
+                    </a:lnT>
+                    <a:lnB w="12700" cmpd="sng">
+                      <a:noFill/>
+                    </a:lnB>
+                    <a:lnTlToBr w="12700" cmpd="sng">
+                      <a:noFill/>
+                      <a:prstDash val="solid"/>
+                    </a:lnTlToBr>
+                    <a:lnBlToTr w="12700" cmpd="sng">
+                      <a:noFill/>
+                      <a:prstDash val="solid"/>
+                    </a:lnBlToTr>
+                  </a:tcPr>
+                </a:tc>
+                <a:tc>
+                  <a:txBody>
+                    <a:bodyPr/>
+                    <a:lstStyle/>
+                    <a:p>
+                      <a:pPr marL="0" marR="0" lvl="0" indent="0" algn="l" defTabSz="914400" rtl="0" eaLnBrk="1" fontAlgn="auto" latinLnBrk="0" hangingPunct="1">
+                        <a:lnSpc>
+                          <a:spcPct val="100000"/>
+                        </a:lnSpc>
+                        <a:spcBef>
+                          <a:spcPts val="0"/>
+                        </a:spcBef>
+                        <a:spcAft>
+                          <a:spcPts val="0"/>
+                        </a:spcAft>
+                        <a:buClrTx/>
+                        <a:buSzTx/>
+                        <a:buFontTx/>
+                        <a:buNone/>
+                        <a:tabLst/>
+                        <a:defRPr/>
+                      </a:pPr>
+                      <a:r>
+                        <a:rPr lang="en-US" sz="2000" dirty="0"/>
+                        <a:t>positive, linear</a:t>
+                      </a:r>
+                    </a:p>
+                  </a:txBody>
+                  <a:tcPr marL="86003" marR="86003" marT="43001" marB="43001">
+                    <a:lnL w="12700" cmpd="sng">
+                      <a:noFill/>
+                    </a:lnL>
+                    <a:lnR w="12700" cmpd="sng">
+                      <a:noFill/>
+                    </a:lnR>
+                    <a:lnT w="12700" cap="flat" cmpd="sng" algn="ctr">
+                      <a:solidFill>
+                        <a:schemeClr val="tx1"/>
+                      </a:solidFill>
+                      <a:prstDash val="solid"/>
+                      <a:round/>
+                      <a:headEnd type="none" w="med" len="med"/>
+                      <a:tailEnd type="none" w="med" len="med"/>
+                    </a:lnT>
+                    <a:lnB w="12700" cmpd="sng">
+                      <a:noFill/>
+                    </a:lnB>
+                    <a:lnTlToBr w="12700" cmpd="sng">
+                      <a:noFill/>
+                      <a:prstDash val="solid"/>
+                    </a:lnTlToBr>
+                    <a:lnBlToTr w="12700" cmpd="sng">
+                      <a:noFill/>
+                      <a:prstDash val="solid"/>
+                    </a:lnBlToTr>
+                  </a:tcPr>
+                </a:tc>
+                <a:extLst>
+                  <a:ext uri="{0D108BD9-81ED-4DB2-BD59-A6C34878D82A}">
+                    <a16:rowId xmlns:a16="http://schemas.microsoft.com/office/drawing/2014/main" val="1908546890"/>
+                  </a:ext>
+                </a:extLst>
+              </a:tr>
+              <a:tr h="869173">
+                <a:tc>
+                  <a:txBody>
+                    <a:bodyPr/>
+                    <a:lstStyle/>
+                    <a:p>
+                      <a:r>
+                        <a:rPr lang="en-US" sz="2000"/>
+                        <a:t>Herring size vs. collection day of year </a:t>
+                      </a:r>
+                    </a:p>
+                  </a:txBody>
+                  <a:tcPr marL="86003" marR="86003" marT="43001" marB="43001">
+                    <a:lnL w="12700" cmpd="sng">
+                      <a:noFill/>
+                    </a:lnL>
+                    <a:lnR w="12700" cmpd="sng">
+                      <a:noFill/>
+                    </a:lnR>
+                    <a:lnT w="12700" cmpd="sng">
+                      <a:noFill/>
+                    </a:lnT>
+                    <a:lnB w="12700" cmpd="sng">
+                      <a:noFill/>
+                    </a:lnB>
+                    <a:lnTlToBr w="12700" cmpd="sng">
+                      <a:noFill/>
+                      <a:prstDash val="solid"/>
+                    </a:lnTlToBr>
+                    <a:lnBlToTr w="12700" cmpd="sng">
+                      <a:noFill/>
+                      <a:prstDash val="solid"/>
+                    </a:lnBlToTr>
+                  </a:tcPr>
+                </a:tc>
+                <a:tc>
+                  <a:txBody>
+                    <a:bodyPr/>
+                    <a:lstStyle/>
+                    <a:p>
+                      <a:pPr marL="0" marR="0" lvl="0" indent="0" algn="l" defTabSz="914400" rtl="0" eaLnBrk="1" fontAlgn="auto" latinLnBrk="0" hangingPunct="1">
+                        <a:lnSpc>
+                          <a:spcPct val="100000"/>
+                        </a:lnSpc>
+                        <a:spcBef>
+                          <a:spcPts val="0"/>
+                        </a:spcBef>
+                        <a:spcAft>
+                          <a:spcPts val="0"/>
+                        </a:spcAft>
+                        <a:buClrTx/>
+                        <a:buSzTx/>
+                        <a:buFontTx/>
+                        <a:buNone/>
+                        <a:tabLst/>
+                        <a:defRPr/>
+                      </a:pPr>
+                      <a:r>
+                        <a:rPr lang="en-US" sz="2000" dirty="0"/>
+                        <a:t>positive, linear</a:t>
+                      </a:r>
+                    </a:p>
+                  </a:txBody>
+                  <a:tcPr marL="86003" marR="86003" marT="43001" marB="43001">
+                    <a:lnL w="12700" cmpd="sng">
+                      <a:noFill/>
+                    </a:lnL>
+                    <a:lnR w="12700" cmpd="sng">
+                      <a:noFill/>
+                    </a:lnR>
+                    <a:lnT w="12700" cmpd="sng">
+                      <a:noFill/>
+                    </a:lnT>
+                    <a:lnB w="12700" cmpd="sng">
+                      <a:noFill/>
+                    </a:lnB>
+                    <a:lnTlToBr w="12700" cmpd="sng">
+                      <a:noFill/>
+                      <a:prstDash val="solid"/>
+                    </a:lnTlToBr>
+                    <a:lnBlToTr w="12700" cmpd="sng">
+                      <a:noFill/>
+                      <a:prstDash val="solid"/>
+                    </a:lnBlToTr>
+                  </a:tcPr>
+                </a:tc>
+                <a:tc>
+                  <a:txBody>
+                    <a:bodyPr/>
+                    <a:lstStyle/>
+                    <a:p>
+                      <a:pPr marL="0" marR="0" lvl="0" indent="0" algn="l" defTabSz="914400" rtl="0" eaLnBrk="1" fontAlgn="auto" latinLnBrk="0" hangingPunct="1">
+                        <a:lnSpc>
+                          <a:spcPct val="100000"/>
+                        </a:lnSpc>
+                        <a:spcBef>
+                          <a:spcPts val="0"/>
+                        </a:spcBef>
+                        <a:spcAft>
+                          <a:spcPts val="0"/>
+                        </a:spcAft>
+                        <a:buClrTx/>
+                        <a:buSzTx/>
+                        <a:buFontTx/>
+                        <a:buNone/>
+                        <a:tabLst/>
+                        <a:defRPr/>
+                      </a:pPr>
+                      <a:r>
+                        <a:rPr lang="en-US" sz="2000"/>
+                        <a:t>negative, linear</a:t>
+                      </a:r>
+                    </a:p>
+                  </a:txBody>
+                  <a:tcPr marL="86003" marR="86003" marT="43001" marB="43001">
+                    <a:lnL w="12700" cmpd="sng">
+                      <a:noFill/>
+                    </a:lnL>
+                    <a:lnR w="12700" cmpd="sng">
+                      <a:noFill/>
+                    </a:lnR>
+                    <a:lnT w="12700" cmpd="sng">
+                      <a:noFill/>
+                    </a:lnT>
+                    <a:lnB w="12700" cmpd="sng">
+                      <a:noFill/>
+                    </a:lnB>
+                    <a:lnTlToBr w="12700" cmpd="sng">
+                      <a:noFill/>
+                      <a:prstDash val="solid"/>
+                    </a:lnTlToBr>
+                    <a:lnBlToTr w="12700" cmpd="sng">
+                      <a:noFill/>
+                      <a:prstDash val="solid"/>
+                    </a:lnBlToTr>
+                  </a:tcPr>
+                </a:tc>
+                <a:extLst>
+                  <a:ext uri="{0D108BD9-81ED-4DB2-BD59-A6C34878D82A}">
+                    <a16:rowId xmlns:a16="http://schemas.microsoft.com/office/drawing/2014/main" val="1230886165"/>
+                  </a:ext>
+                </a:extLst>
+              </a:tr>
+              <a:tr h="869173">
+                <a:tc>
+                  <a:txBody>
+                    <a:bodyPr/>
+                    <a:lstStyle/>
+                    <a:p>
+                      <a:r>
+                        <a:rPr lang="en-US" sz="2000"/>
+                        <a:t>Herring size vs. longitude </a:t>
+                      </a:r>
+                    </a:p>
+                  </a:txBody>
+                  <a:tcPr marL="86003" marR="86003" marT="43001" marB="43001">
+                    <a:lnL w="12700" cmpd="sng">
+                      <a:noFill/>
+                    </a:lnL>
+                    <a:lnR w="12700" cmpd="sng">
+                      <a:noFill/>
+                    </a:lnR>
+                    <a:lnT w="12700" cmpd="sng">
+                      <a:noFill/>
+                    </a:lnT>
+                    <a:lnB w="12700" cmpd="sng">
+                      <a:noFill/>
+                    </a:lnB>
+                    <a:lnTlToBr w="12700" cmpd="sng">
+                      <a:noFill/>
+                      <a:prstDash val="solid"/>
+                    </a:lnTlToBr>
+                    <a:lnBlToTr w="12700" cmpd="sng">
+                      <a:noFill/>
+                      <a:prstDash val="solid"/>
+                    </a:lnBlToTr>
+                  </a:tcPr>
+                </a:tc>
+                <a:tc>
+                  <a:txBody>
+                    <a:bodyPr/>
+                    <a:lstStyle/>
+                    <a:p>
+                      <a:pPr marL="0" marR="0" lvl="0" indent="0" algn="l" defTabSz="914400" rtl="0" eaLnBrk="1" fontAlgn="auto" latinLnBrk="0" hangingPunct="1">
+                        <a:lnSpc>
+                          <a:spcPct val="100000"/>
+                        </a:lnSpc>
+                        <a:spcBef>
+                          <a:spcPts val="0"/>
+                        </a:spcBef>
+                        <a:spcAft>
+                          <a:spcPts val="0"/>
+                        </a:spcAft>
+                        <a:buClrTx/>
+                        <a:buSzTx/>
+                        <a:buFontTx/>
+                        <a:buNone/>
+                        <a:tabLst/>
+                        <a:defRPr/>
+                      </a:pPr>
+                      <a:r>
+                        <a:rPr lang="en-US" sz="2000"/>
+                        <a:t>negative, linear </a:t>
+                      </a:r>
+                    </a:p>
+                    <a:p>
+                      <a:pPr marL="0" marR="0" lvl="0" indent="0" algn="l" defTabSz="914400" rtl="0" eaLnBrk="1" fontAlgn="auto" latinLnBrk="0" hangingPunct="1">
+                        <a:lnSpc>
+                          <a:spcPct val="100000"/>
+                        </a:lnSpc>
+                        <a:spcBef>
+                          <a:spcPts val="0"/>
+                        </a:spcBef>
+                        <a:spcAft>
+                          <a:spcPts val="0"/>
+                        </a:spcAft>
+                        <a:buClrTx/>
+                        <a:buSzTx/>
+                        <a:buFontTx/>
+                        <a:buNone/>
+                        <a:tabLst/>
+                        <a:defRPr/>
+                      </a:pPr>
+                      <a:r>
+                        <a:rPr lang="en-US" sz="2000"/>
+                        <a:t>nonlinear</a:t>
+                      </a:r>
+                    </a:p>
+                  </a:txBody>
+                  <a:tcPr marL="86003" marR="86003" marT="43001" marB="43001">
+                    <a:lnL w="12700" cmpd="sng">
+                      <a:noFill/>
+                    </a:lnL>
+                    <a:lnR w="12700" cmpd="sng">
+                      <a:noFill/>
+                    </a:lnR>
+                    <a:lnT w="12700" cmpd="sng">
+                      <a:noFill/>
+                    </a:lnT>
+                    <a:lnB w="12700" cmpd="sng">
+                      <a:noFill/>
+                    </a:lnB>
+                    <a:lnTlToBr w="12700" cmpd="sng">
+                      <a:noFill/>
+                      <a:prstDash val="solid"/>
+                    </a:lnTlToBr>
+                    <a:lnBlToTr w="12700" cmpd="sng">
+                      <a:noFill/>
+                      <a:prstDash val="solid"/>
+                    </a:lnBlToTr>
+                  </a:tcPr>
+                </a:tc>
+                <a:tc>
+                  <a:txBody>
+                    <a:bodyPr/>
+                    <a:lstStyle/>
+                    <a:p>
+                      <a:pPr marL="0" marR="0" lvl="0" indent="0" algn="l" defTabSz="914400" rtl="0" eaLnBrk="1" fontAlgn="auto" latinLnBrk="0" hangingPunct="1">
+                        <a:lnSpc>
+                          <a:spcPct val="100000"/>
+                        </a:lnSpc>
+                        <a:spcBef>
+                          <a:spcPts val="0"/>
+                        </a:spcBef>
+                        <a:spcAft>
+                          <a:spcPts val="0"/>
+                        </a:spcAft>
+                        <a:buClrTx/>
+                        <a:buSzTx/>
+                        <a:buFontTx/>
+                        <a:buNone/>
+                        <a:tabLst/>
+                        <a:defRPr/>
+                      </a:pPr>
+                      <a:r>
+                        <a:rPr lang="en-US" sz="2000" dirty="0"/>
+                        <a:t>negative, linear </a:t>
+                      </a:r>
+                    </a:p>
+                    <a:p>
+                      <a:pPr marL="0" marR="0" lvl="0" indent="0" algn="l" defTabSz="914400" rtl="0" eaLnBrk="1" fontAlgn="auto" latinLnBrk="0" hangingPunct="1">
+                        <a:lnSpc>
+                          <a:spcPct val="100000"/>
+                        </a:lnSpc>
+                        <a:spcBef>
+                          <a:spcPts val="0"/>
+                        </a:spcBef>
+                        <a:spcAft>
+                          <a:spcPts val="0"/>
+                        </a:spcAft>
+                        <a:buClrTx/>
+                        <a:buSzTx/>
+                        <a:buFontTx/>
+                        <a:buNone/>
+                        <a:tabLst/>
+                        <a:defRPr/>
+                      </a:pPr>
+                      <a:endParaRPr lang="en-US" sz="2000" dirty="0"/>
+                    </a:p>
+                  </a:txBody>
+                  <a:tcPr marL="86003" marR="86003" marT="43001" marB="43001">
+                    <a:lnL w="12700" cmpd="sng">
+                      <a:noFill/>
+                    </a:lnL>
+                    <a:lnR w="12700" cmpd="sng">
+                      <a:noFill/>
+                    </a:lnR>
+                    <a:lnT w="12700" cmpd="sng">
+                      <a:noFill/>
+                    </a:lnT>
+                    <a:lnB w="12700" cmpd="sng">
+                      <a:noFill/>
+                    </a:lnB>
+                    <a:lnTlToBr w="12700" cmpd="sng">
+                      <a:noFill/>
+                      <a:prstDash val="solid"/>
+                    </a:lnTlToBr>
+                    <a:lnBlToTr w="12700" cmpd="sng">
+                      <a:noFill/>
+                      <a:prstDash val="solid"/>
+                    </a:lnBlToTr>
+                  </a:tcPr>
+                </a:tc>
+                <a:extLst>
+                  <a:ext uri="{0D108BD9-81ED-4DB2-BD59-A6C34878D82A}">
+                    <a16:rowId xmlns:a16="http://schemas.microsoft.com/office/drawing/2014/main" val="982184625"/>
+                  </a:ext>
+                </a:extLst>
+              </a:tr>
+            </a:tbl>
+          </a:graphicData>
+        </a:graphic>
+      </p:graphicFrame>
     </p:spTree>
     <p:extLst>
       <p:ext uri="{BB962C8B-B14F-4D97-AF65-F5344CB8AC3E}">
@@ -14960,6 +19683,14 @@
 <file path=ppt/slides/slide9.xml><?xml version="1.0" encoding="utf-8"?>
 <p:sld xmlns:a="http://schemas.openxmlformats.org/drawingml/2006/main" xmlns:r="http://schemas.openxmlformats.org/officeDocument/2006/relationships" xmlns:p="http://schemas.openxmlformats.org/presentationml/2006/main">
   <p:cSld>
+    <p:bg>
+      <p:bgPr>
+        <a:solidFill>
+          <a:schemeClr val="bg1"/>
+        </a:solidFill>
+        <a:effectLst/>
+      </p:bgPr>
+    </p:bg>
     <p:spTree>
       <p:nvGrpSpPr>
         <p:cNvPr id="1" name=""/>
@@ -14976,6 +19707,77 @@
       </p:grpSpPr>
       <p:sp>
         <p:nvSpPr>
+          <p:cNvPr id="10" name="Rectangle 9">
+            <a:extLst>
+              <a:ext uri="{FF2B5EF4-FFF2-40B4-BE49-F238E27FC236}">
+                <a16:creationId xmlns:a16="http://schemas.microsoft.com/office/drawing/2014/main" id="{3A5B4632-C963-4296-86F0-79AA9EA5AE98}"/>
+              </a:ext>
+              <a:ext uri="{C183D7F6-B498-43B3-948B-1728B52AA6E4}">
+                <adec:decorative xmlns:adec="http://schemas.microsoft.com/office/drawing/2017/decorative" val="1"/>
+              </a:ext>
+            </a:extLst>
+          </p:cNvPr>
+          <p:cNvSpPr>
+            <a:spLocks noGrp="1" noRot="1" noChangeAspect="1" noMove="1" noResize="1" noEditPoints="1" noAdjustHandles="1" noChangeArrowheads="1" noChangeShapeType="1" noTextEdit="1"/>
+          </p:cNvSpPr>
+          <p:nvPr>
+            <p:extLst>
+              <p:ext uri="{386F3935-93C4-4BCD-93E2-E3B085C9AB24}">
+                <p16:designElem xmlns:p16="http://schemas.microsoft.com/office/powerpoint/2015/main" val="1"/>
+              </p:ext>
+            </p:extLst>
+          </p:nvPr>
+        </p:nvSpPr>
+        <p:spPr bwMode="ltGray">
+          <a:xfrm>
+            <a:off x="338328" y="303591"/>
+            <a:ext cx="4335327" cy="5896743"/>
+          </a:xfrm>
+          <a:prstGeom prst="rect">
+            <a:avLst/>
+          </a:prstGeom>
+          <a:solidFill>
+            <a:schemeClr val="tx1">
+              <a:lumMod val="75000"/>
+              <a:lumOff val="25000"/>
+            </a:schemeClr>
+          </a:solidFill>
+          <a:ln w="127000" cap="sq" cmpd="thinThick">
+            <a:solidFill>
+              <a:schemeClr val="tx1">
+                <a:lumMod val="75000"/>
+                <a:lumOff val="25000"/>
+              </a:schemeClr>
+            </a:solidFill>
+          </a:ln>
+        </p:spPr>
+        <p:style>
+          <a:lnRef idx="2">
+            <a:schemeClr val="accent1">
+              <a:shade val="50000"/>
+            </a:schemeClr>
+          </a:lnRef>
+          <a:fillRef idx="1">
+            <a:schemeClr val="accent1"/>
+          </a:fillRef>
+          <a:effectRef idx="0">
+            <a:schemeClr val="accent1"/>
+          </a:effectRef>
+          <a:fontRef idx="minor">
+            <a:schemeClr val="lt1"/>
+          </a:fontRef>
+        </p:style>
+        <p:txBody>
+          <a:bodyPr rtlCol="0" anchor="ctr"/>
+          <a:lstStyle/>
+          <a:p>
+            <a:pPr algn="ctr"/>
+            <a:endParaRPr lang="en-US"/>
+          </a:p>
+        </p:txBody>
+      </p:sp>
+      <p:sp>
+        <p:nvSpPr>
           <p:cNvPr id="2" name="Title 1">
             <a:extLst>
               <a:ext uri="{FF2B5EF4-FFF2-40B4-BE49-F238E27FC236}">
@@ -14990,100 +19792,61 @@
             <p:ph type="title"/>
           </p:nvPr>
         </p:nvSpPr>
-        <p:spPr/>
-        <p:txBody>
-          <a:bodyPr/>
-          <a:lstStyle/>
-          <a:p>
-            <a:r>
-              <a:rPr lang="en-US" dirty="0"/>
-              <a:t>Limitations</a:t>
-            </a:r>
-          </a:p>
-        </p:txBody>
-      </p:sp>
-      <p:sp>
-        <p:nvSpPr>
-          <p:cNvPr id="3" name="Content Placeholder 2">
-            <a:extLst>
-              <a:ext uri="{FF2B5EF4-FFF2-40B4-BE49-F238E27FC236}">
-                <a16:creationId xmlns:a16="http://schemas.microsoft.com/office/drawing/2014/main" id="{E5C8EA41-AC53-CD4C-9EA9-0760B2BBB009}"/>
-              </a:ext>
-            </a:extLst>
-          </p:cNvPr>
-          <p:cNvSpPr>
-            <a:spLocks noGrp="1"/>
-          </p:cNvSpPr>
-          <p:nvPr>
-            <p:ph idx="1"/>
-          </p:nvPr>
-        </p:nvSpPr>
-        <p:spPr/>
+        <p:spPr>
+          <a:xfrm>
+            <a:off x="594360" y="637125"/>
+            <a:ext cx="3802276" cy="5256371"/>
+          </a:xfrm>
+        </p:spPr>
         <p:txBody>
           <a:bodyPr>
             <a:normAutofit/>
           </a:bodyPr>
           <a:lstStyle/>
           <a:p>
-            <a:pPr marL="0" indent="0">
-              <a:buNone/>
-            </a:pPr>
+            <a:pPr algn="ctr"/>
             <a:r>
-              <a:rPr lang="en-US" dirty="0"/>
-              <a:t>1. Longitude – reflects spatial size distribution of herring in Salish Sea</a:t>
+              <a:rPr lang="en-US" sz="4800" dirty="0">
+                <a:solidFill>
+                  <a:schemeClr val="bg1"/>
+                </a:solidFill>
+              </a:rPr>
+              <a:t>Limitations</a:t>
             </a:r>
-          </a:p>
-          <a:p>
-            <a:pPr marL="0" indent="0">
-              <a:buNone/>
-            </a:pPr>
-            <a:r>
-              <a:rPr lang="en-US" dirty="0"/>
-              <a:t>	Solution: model capture location as a categorical variable</a:t>
-            </a:r>
-          </a:p>
-          <a:p>
-            <a:pPr marL="0" indent="0">
-              <a:buNone/>
-            </a:pPr>
-            <a:r>
-              <a:rPr lang="en-US" dirty="0"/>
-              <a:t>2. Day of Year – reflects two or more herring age classes</a:t>
-            </a:r>
-          </a:p>
-          <a:p>
-            <a:pPr marL="0" indent="0">
-              <a:buNone/>
-            </a:pPr>
-            <a:r>
-              <a:rPr lang="en-US" dirty="0"/>
-              <a:t>	Solution : model age classes separately</a:t>
-            </a:r>
-          </a:p>
-          <a:p>
-            <a:pPr marL="0" indent="0">
-              <a:buNone/>
-            </a:pPr>
-            <a:r>
-              <a:rPr lang="en-US" dirty="0"/>
-              <a:t>3. Salmon length – few salmon below &lt;62cm + overprediction due to size restrictions or gap limitation</a:t>
-            </a:r>
-          </a:p>
-          <a:p>
-            <a:pPr marL="0" indent="0">
-              <a:buNone/>
-            </a:pPr>
-            <a:r>
-              <a:rPr lang="en-US" dirty="0"/>
-              <a:t>	Solution : model with and without fish &lt; 62cm</a:t>
-            </a:r>
-          </a:p>
-          <a:p>
-            <a:pPr lvl="1"/>
-            <a:endParaRPr lang="en-US" dirty="0"/>
           </a:p>
         </p:txBody>
       </p:sp>
+      <p:graphicFrame>
+        <p:nvGraphicFramePr>
+          <p:cNvPr id="6" name="Content Placeholder 2">
+            <a:extLst>
+              <a:ext uri="{FF2B5EF4-FFF2-40B4-BE49-F238E27FC236}">
+                <a16:creationId xmlns:a16="http://schemas.microsoft.com/office/drawing/2014/main" id="{668D51B3-7C76-48E1-B6A4-32861A9C7E09}"/>
+              </a:ext>
+            </a:extLst>
+          </p:cNvPr>
+          <p:cNvGraphicFramePr>
+            <a:graphicFrameLocks noGrp="1"/>
+          </p:cNvGraphicFramePr>
+          <p:nvPr>
+            <p:ph idx="1"/>
+            <p:extLst>
+              <p:ext uri="{D42A27DB-BD31-4B8C-83A1-F6EECF244321}">
+                <p14:modId xmlns:p14="http://schemas.microsoft.com/office/powerpoint/2010/main" val="4023124547"/>
+              </p:ext>
+            </p:extLst>
+          </p:nvPr>
+        </p:nvGraphicFramePr>
+        <p:xfrm>
+          <a:off x="5166985" y="303591"/>
+          <a:ext cx="6588691" cy="5896743"/>
+        </p:xfrm>
+        <a:graphic>
+          <a:graphicData uri="http://schemas.openxmlformats.org/drawingml/2006/diagram">
+            <dgm:relIds xmlns:dgm="http://schemas.openxmlformats.org/drawingml/2006/diagram" xmlns:r="http://schemas.openxmlformats.org/officeDocument/2006/relationships" r:dm="rId3" r:lo="rId4" r:qs="rId5" r:cs="rId6"/>
+          </a:graphicData>
+        </a:graphic>
+      </p:graphicFrame>
     </p:spTree>
     <p:extLst>
       <p:ext uri="{BB962C8B-B14F-4D97-AF65-F5344CB8AC3E}">
@@ -15100,7 +19863,7 @@
 <file path=ppt/theme/theme1.xml><?xml version="1.0" encoding="utf-8"?>
 <a:theme xmlns:a="http://schemas.openxmlformats.org/drawingml/2006/main" name="Office Theme">
   <a:themeElements>
-    <a:clrScheme name="Office">
+    <a:clrScheme name="Office Theme">
       <a:dk1>
         <a:sysClr val="windowText" lastClr="000000"/>
       </a:dk1>
@@ -15138,7 +19901,7 @@
         <a:srgbClr val="954F72"/>
       </a:folHlink>
     </a:clrScheme>
-    <a:fontScheme name="Office">
+    <a:fontScheme name="Office Theme">
       <a:majorFont>
         <a:latin typeface="Calibri Light" panose="020F0302020204030204"/>
         <a:ea typeface=""/>
@@ -15173,23 +19936,6 @@
         <a:font script="Viet" typeface="Times New Roman"/>
         <a:font script="Uigh" typeface="Microsoft Uighur"/>
         <a:font script="Geor" typeface="Sylfaen"/>
-        <a:font script="Armn" typeface="Arial"/>
-        <a:font script="Bugi" typeface="Leelawadee UI"/>
-        <a:font script="Bopo" typeface="Microsoft JhengHei"/>
-        <a:font script="Java" typeface="Javanese Text"/>
-        <a:font script="Lisu" typeface="Segoe UI"/>
-        <a:font script="Mymr" typeface="Myanmar Text"/>
-        <a:font script="Nkoo" typeface="Ebrima"/>
-        <a:font script="Olck" typeface="Nirmala UI"/>
-        <a:font script="Osma" typeface="Ebrima"/>
-        <a:font script="Phag" typeface="Phagspa"/>
-        <a:font script="Syrn" typeface="Estrangelo Edessa"/>
-        <a:font script="Syrj" typeface="Estrangelo Edessa"/>
-        <a:font script="Syre" typeface="Estrangelo Edessa"/>
-        <a:font script="Sora" typeface="Nirmala UI"/>
-        <a:font script="Tale" typeface="Microsoft Tai Le"/>
-        <a:font script="Talu" typeface="Microsoft New Tai Lue"/>
-        <a:font script="Tfng" typeface="Ebrima"/>
       </a:majorFont>
       <a:minorFont>
         <a:latin typeface="Calibri" panose="020F0502020204030204"/>
@@ -15225,26 +19971,9 @@
         <a:font script="Viet" typeface="Arial"/>
         <a:font script="Uigh" typeface="Microsoft Uighur"/>
         <a:font script="Geor" typeface="Sylfaen"/>
-        <a:font script="Armn" typeface="Arial"/>
-        <a:font script="Bugi" typeface="Leelawadee UI"/>
-        <a:font script="Bopo" typeface="Microsoft JhengHei"/>
-        <a:font script="Java" typeface="Javanese Text"/>
-        <a:font script="Lisu" typeface="Segoe UI"/>
-        <a:font script="Mymr" typeface="Myanmar Text"/>
-        <a:font script="Nkoo" typeface="Ebrima"/>
-        <a:font script="Olck" typeface="Nirmala UI"/>
-        <a:font script="Osma" typeface="Ebrima"/>
-        <a:font script="Phag" typeface="Phagspa"/>
-        <a:font script="Syrn" typeface="Estrangelo Edessa"/>
-        <a:font script="Syrj" typeface="Estrangelo Edessa"/>
-        <a:font script="Syre" typeface="Estrangelo Edessa"/>
-        <a:font script="Sora" typeface="Nirmala UI"/>
-        <a:font script="Tale" typeface="Microsoft Tai Le"/>
-        <a:font script="Talu" typeface="Microsoft New Tai Lue"/>
-        <a:font script="Tfng" typeface="Ebrima"/>
       </a:minorFont>
     </a:fontScheme>
-    <a:fmtScheme name="Office">
+    <a:fmtScheme name="Office Theme">
       <a:fillStyleLst>
         <a:solidFill>
           <a:schemeClr val="phClr"/>
@@ -15386,7 +20115,7 @@
   <a:extraClrSchemeLst/>
   <a:extLst>
     <a:ext uri="{05A4C25C-085E-4340-85A3-A5531E510DB2}">
-      <thm15:themeFamily xmlns:thm15="http://schemas.microsoft.com/office/thememl/2012/main" name="Office Theme" id="{62F939B6-93AF-4DB8-9C6B-D6C7DFDC589F}" vid="{4A3C46E8-61CC-4603-A589-7422A47A8E4A}"/>
+      <thm15:themeFamily xmlns:thm15="http://schemas.microsoft.com/office/thememl/2012/main" name="Office Theme" id="{62F939B6-93AF-4DB8-9C6B-D6C7DFDC589F}" vid="{4F46216B-77A9-411A-B9D3-5023FCB70208}"/>
     </a:ext>
   </a:extLst>
 </a:theme>

--- a/ES data project presentation_salmon diet.pptx
+++ b/ES data project presentation_salmon diet.pptx
@@ -12018,7 +12018,7 @@
           <a:p>
             <a:r>
               <a:rPr lang="en-US" dirty="0"/>
-              <a:t>We used a linear mixed-effects model as our response variable, otolith width (mm), was normally distributed and explanatory variables show few missing values or outliers.</a:t>
+              <a:t>We used a linear mixed-effects model as we assumed a normal probability distribution of our response variable, otolith width (mm) and explanatory variables show few missing values or outliers.</a:t>
             </a:r>
           </a:p>
           <a:p>
@@ -18083,7 +18083,7 @@
           <a:lstStyle/>
           <a:p>
             <a:r>
-              <a:rPr lang="en-US"/>
+              <a:rPr lang="en-US" dirty="0"/>
               <a:t>Description of Data</a:t>
             </a:r>
           </a:p>
@@ -18922,7 +18922,7 @@
           <p:nvPr>
             <p:extLst>
               <p:ext uri="{D42A27DB-BD31-4B8C-83A1-F6EECF244321}">
-                <p14:modId xmlns:p14="http://schemas.microsoft.com/office/powerpoint/2010/main" val="2032574833"/>
+                <p14:modId xmlns:p14="http://schemas.microsoft.com/office/powerpoint/2010/main" val="463043509"/>
               </p:ext>
             </p:extLst>
           </p:nvPr>
@@ -19212,7 +19212,7 @@
                       </a:pPr>
                       <a:r>
                         <a:rPr lang="en-US" sz="2000" dirty="0"/>
-                        <a:t>positive, linear</a:t>
+                        <a:t>positive</a:t>
                       </a:r>
                     </a:p>
                   </a:txBody>
@@ -19360,8 +19360,8 @@
                         <a:defRPr/>
                       </a:pPr>
                       <a:r>
-                        <a:rPr lang="en-US" sz="2000"/>
-                        <a:t>negative, linear</a:t>
+                        <a:rPr lang="en-US" sz="2000" dirty="0"/>
+                        <a:t>negative</a:t>
                       </a:r>
                     </a:p>
                   </a:txBody>
@@ -19527,28 +19527,8 @@
                       </a:pPr>
                       <a:r>
                         <a:rPr lang="en-US" sz="2000" dirty="0"/>
-                        <a:t>negative, linear </a:t>
+                        <a:t>negative</a:t>
                       </a:r>
-                    </a:p>
-                    <a:p>
-                      <a:pPr marL="0" marR="0" lvl="0" indent="0" algn="l" defTabSz="914400" rtl="0" eaLnBrk="1" fontAlgn="auto" latinLnBrk="0" hangingPunct="1">
-                        <a:lnSpc>
-                          <a:spcPct val="100000"/>
-                        </a:lnSpc>
-                        <a:spcBef>
-                          <a:spcPts val="0"/>
-                        </a:spcBef>
-                        <a:spcAft>
-                          <a:spcPts val="0"/>
-                        </a:spcAft>
-                        <a:buClrTx/>
-                        <a:buSzTx/>
-                        <a:buFontTx/>
-                        <a:buNone/>
-                        <a:tabLst/>
-                        <a:defRPr/>
-                      </a:pPr>
-                      <a:endParaRPr lang="en-US" sz="2000" dirty="0"/>
                     </a:p>
                   </a:txBody>
                   <a:tcPr marL="86003" marR="86003" marT="43001" marB="43001">

--- a/ES data project presentation_salmon diet.pptx
+++ b/ES data project presentation_salmon diet.pptx
@@ -11,9 +11,9 @@
     <p:sldId id="256" r:id="rId2"/>
     <p:sldId id="257" r:id="rId3"/>
     <p:sldId id="258" r:id="rId4"/>
-    <p:sldId id="259" r:id="rId5"/>
-    <p:sldId id="268" r:id="rId6"/>
-    <p:sldId id="265" r:id="rId7"/>
+    <p:sldId id="265" r:id="rId5"/>
+    <p:sldId id="259" r:id="rId6"/>
+    <p:sldId id="268" r:id="rId7"/>
     <p:sldId id="260" r:id="rId8"/>
     <p:sldId id="267" r:id="rId9"/>
     <p:sldId id="266" r:id="rId10"/>
@@ -125,9 +125,9 @@
             <p14:sldId id="256"/>
             <p14:sldId id="257"/>
             <p14:sldId id="258"/>
+            <p14:sldId id="265"/>
             <p14:sldId id="259"/>
             <p14:sldId id="268"/>
-            <p14:sldId id="265"/>
             <p14:sldId id="260"/>
             <p14:sldId id="267"/>
             <p14:sldId id="266"/>
@@ -3235,11 +3235,11 @@
   </dgm:ptLst>
   <dgm:cxnLst>
     <dgm:cxn modelId="{198E4900-501C-2A46-9FE3-CE4FC21FF13F}" type="presOf" srcId="{8B5945AF-6974-4C42-85DE-6FE5B77CAAD0}" destId="{1B419109-793A-C548-906A-3E4EC6136ECF}" srcOrd="0" destOrd="0" presId="urn:microsoft.com/office/officeart/2016/7/layout/VerticalSolidActionList"/>
-    <dgm:cxn modelId="{29628A50-01D9-4346-8D80-F434D85AC7A9}" srcId="{297A0520-2764-4C8F-9AE0-DB732A67FFED}" destId="{D0560927-EC29-4DAE-A6B8-DB41B3BE44A1}" srcOrd="2" destOrd="0" parTransId="{E9959DDF-DD7E-4CA3-BCBF-624AB268D8CC}" sibTransId="{2D3DF4F7-04B1-4F56-9E9E-0A6B2E1B9B54}"/>
-    <dgm:cxn modelId="{484DF257-622D-8F49-A9E1-5C53BBD6989F}" type="presOf" srcId="{8B3E616F-C7D6-4D3D-8241-73AF0A807405}" destId="{8A7AFA50-C14A-A443-8EA4-D394A74BFAC9}" srcOrd="0" destOrd="0" presId="urn:microsoft.com/office/officeart/2016/7/layout/VerticalSolidActionList"/>
     <dgm:cxn modelId="{10DE1866-6007-4F52-914D-F4842E3BB28B}" srcId="{297A0520-2764-4C8F-9AE0-DB732A67FFED}" destId="{8B5945AF-6974-4C42-85DE-6FE5B77CAAD0}" srcOrd="0" destOrd="0" parTransId="{B1E30F8F-A431-4AC2-9AC6-64ABBF0D16B1}" sibTransId="{145EB648-2E3B-44D3-A0E9-770EA0C1B91C}"/>
     <dgm:cxn modelId="{C7BE2867-9893-3248-B435-5974809AB438}" type="presOf" srcId="{42C608DF-D208-47D0-A4A5-0318AEAA01B3}" destId="{79C994EE-5A2E-8D44-91DC-12CD97F62F4A}" srcOrd="0" destOrd="1" presId="urn:microsoft.com/office/officeart/2016/7/layout/VerticalSolidActionList"/>
     <dgm:cxn modelId="{0916DD6E-0B82-9C49-9EFE-03B57969AC2B}" type="presOf" srcId="{9D259188-6A99-40D5-8EA9-0C64AEB35365}" destId="{BECE8E23-732B-9B45-8B64-11217D7FC135}" srcOrd="0" destOrd="0" presId="urn:microsoft.com/office/officeart/2016/7/layout/VerticalSolidActionList"/>
+    <dgm:cxn modelId="{29628A50-01D9-4346-8D80-F434D85AC7A9}" srcId="{297A0520-2764-4C8F-9AE0-DB732A67FFED}" destId="{D0560927-EC29-4DAE-A6B8-DB41B3BE44A1}" srcOrd="2" destOrd="0" parTransId="{E9959DDF-DD7E-4CA3-BCBF-624AB268D8CC}" sibTransId="{2D3DF4F7-04B1-4F56-9E9E-0A6B2E1B9B54}"/>
+    <dgm:cxn modelId="{484DF257-622D-8F49-A9E1-5C53BBD6989F}" type="presOf" srcId="{8B3E616F-C7D6-4D3D-8241-73AF0A807405}" destId="{8A7AFA50-C14A-A443-8EA4-D394A74BFAC9}" srcOrd="0" destOrd="0" presId="urn:microsoft.com/office/officeart/2016/7/layout/VerticalSolidActionList"/>
     <dgm:cxn modelId="{9DAB7478-DE8F-6E4D-A7E5-F8D2154272C6}" type="presOf" srcId="{09682588-D3C6-4778-981A-D5364B733FD9}" destId="{79C994EE-5A2E-8D44-91DC-12CD97F62F4A}" srcOrd="0" destOrd="0" presId="urn:microsoft.com/office/officeart/2016/7/layout/VerticalSolidActionList"/>
     <dgm:cxn modelId="{EA2AA387-761C-704E-8050-F9E3E79A063F}" type="presOf" srcId="{21DB5743-0C4C-431C-898D-AFE203F0CB13}" destId="{79C994EE-5A2E-8D44-91DC-12CD97F62F4A}" srcOrd="0" destOrd="2" presId="urn:microsoft.com/office/officeart/2016/7/layout/VerticalSolidActionList"/>
     <dgm:cxn modelId="{8FABFF88-744C-4971-BCEF-ACF423B3D9E1}" srcId="{D0560927-EC29-4DAE-A6B8-DB41B3BE44A1}" destId="{09682588-D3C6-4778-981A-D5364B733FD9}" srcOrd="0" destOrd="0" parTransId="{98C43AD8-9C76-4F23-BC62-8D9211286AE1}" sibTransId="{04F41029-6065-4CF6-820A-27500A26B0B5}"/>
@@ -3711,11 +3711,11 @@
     <dgm:cxn modelId="{69AC8839-3401-7545-9C8B-5AD3D7B58070}" type="presOf" srcId="{0A2BFB30-5821-4D71-A0E1-D750127A9613}" destId="{92F8E101-6E38-BE46-94D1-06250D0D8A1A}" srcOrd="1" destOrd="0" presId="urn:microsoft.com/office/officeart/2005/8/layout/hierarchy2"/>
     <dgm:cxn modelId="{38C38D3D-462D-4C53-88D0-DB64F7734256}" srcId="{50CCE8C1-96AF-4331-9A36-5000DBE83E63}" destId="{AD116BD0-3C86-4D3B-A2F8-35B8385FD208}" srcOrd="0" destOrd="0" parTransId="{793DF6B1-4B98-46C5-B892-00F3D730B4E7}" sibTransId="{2807683D-DAD6-47B8-800F-EE6975C69FED}"/>
     <dgm:cxn modelId="{D8A02140-2206-4FAE-9B03-E178B696FB74}" srcId="{0C95A4E1-262D-4E19-ACB7-A38805AED670}" destId="{4DBB116F-3746-43D2-B665-E776645284DF}" srcOrd="1" destOrd="0" parTransId="{91DB206D-EBD3-4F7A-8590-3EC9DF056653}" sibTransId="{22AAB314-9420-49F1-BA8D-35682DEE5FDD}"/>
-    <dgm:cxn modelId="{46CA9D4F-75CC-CB4B-A601-78AB2C844B00}" type="presOf" srcId="{0A2BFB30-5821-4D71-A0E1-D750127A9613}" destId="{DC799E38-EA97-494A-A050-73455285DEEA}" srcOrd="0" destOrd="0" presId="urn:microsoft.com/office/officeart/2005/8/layout/hierarchy2"/>
     <dgm:cxn modelId="{C696AC63-EED7-4A64-8765-6DDCB7B8534B}" srcId="{0C95A4E1-262D-4E19-ACB7-A38805AED670}" destId="{963E4C02-2D06-4D55-828F-964C83EE32E4}" srcOrd="0" destOrd="0" parTransId="{0A2BFB30-5821-4D71-A0E1-D750127A9613}" sibTransId="{E5666B12-3AEC-40EB-8D7B-A1FF7179D77C}"/>
     <dgm:cxn modelId="{AF3B0368-6692-5E49-8FC2-1F1F274A05E7}" type="presOf" srcId="{91DB206D-EBD3-4F7A-8590-3EC9DF056653}" destId="{4FF8A282-69A3-B045-84FF-808D94DCB60E}" srcOrd="0" destOrd="0" presId="urn:microsoft.com/office/officeart/2005/8/layout/hierarchy2"/>
     <dgm:cxn modelId="{CCBBEC6C-D1A5-486D-84BC-78E74D572399}" srcId="{0C95A4E1-262D-4E19-ACB7-A38805AED670}" destId="{D96713FE-930C-4C89-96C9-796B5EDC58FF}" srcOrd="2" destOrd="0" parTransId="{136DADE0-F75D-43AE-A2F9-D3EFE3FFFA6B}" sibTransId="{1795F154-CAB8-4D7C-9A7D-B63A586BFBC8}"/>
     <dgm:cxn modelId="{75F5FE6D-5157-C948-BC23-A3F85FF493B3}" type="presOf" srcId="{D96713FE-930C-4C89-96C9-796B5EDC58FF}" destId="{F1859255-EE4F-D144-9DF4-36F37160FF74}" srcOrd="0" destOrd="0" presId="urn:microsoft.com/office/officeart/2005/8/layout/hierarchy2"/>
+    <dgm:cxn modelId="{46CA9D4F-75CC-CB4B-A601-78AB2C844B00}" type="presOf" srcId="{0A2BFB30-5821-4D71-A0E1-D750127A9613}" destId="{DC799E38-EA97-494A-A050-73455285DEEA}" srcOrd="0" destOrd="0" presId="urn:microsoft.com/office/officeart/2005/8/layout/hierarchy2"/>
     <dgm:cxn modelId="{D4CD3C78-7DB0-CA46-9B8A-9D6517DBEB39}" type="presOf" srcId="{4DBB116F-3746-43D2-B665-E776645284DF}" destId="{1265E470-36B3-2344-B164-D7838CBF6E18}" srcOrd="0" destOrd="0" presId="urn:microsoft.com/office/officeart/2005/8/layout/hierarchy2"/>
     <dgm:cxn modelId="{5ECA1879-6866-C242-A3E2-149452A30613}" type="presOf" srcId="{50CCE8C1-96AF-4331-9A36-5000DBE83E63}" destId="{DA635CDC-CEAB-8D4B-B350-871DE3032519}" srcOrd="0" destOrd="0" presId="urn:microsoft.com/office/officeart/2005/8/layout/hierarchy2"/>
     <dgm:cxn modelId="{F57E878A-5C4F-8A40-8A35-98C190A03B78}" type="presOf" srcId="{136DADE0-F75D-43AE-A2F9-D3EFE3FFFA6B}" destId="{52261F02-7788-4444-B4A2-BCE3A9F71FA1}" srcOrd="0" destOrd="0" presId="urn:microsoft.com/office/officeart/2005/8/layout/hierarchy2"/>
@@ -10348,7 +10348,7 @@
           <a:p>
             <a:fld id="{EE49B232-0CCD-EA45-8373-748F71E32B73}" type="datetimeFigureOut">
               <a:rPr lang="en-US" smtClean="0"/>
-              <a:t>4/6/20</a:t>
+              <a:t>4/6/2020</a:t>
             </a:fld>
             <a:endParaRPr lang="en-US"/>
           </a:p>
@@ -11945,6 +11945,205 @@
           <a:bodyPr/>
           <a:lstStyle/>
           <a:p>
+            <a:pPr marL="0" marR="0" lvl="0" indent="0" algn="l" defTabSz="914400" rtl="0" eaLnBrk="1" fontAlgn="auto" latinLnBrk="0" hangingPunct="1">
+              <a:lnSpc>
+                <a:spcPct val="100000"/>
+              </a:lnSpc>
+              <a:spcBef>
+                <a:spcPts val="0"/>
+              </a:spcBef>
+              <a:spcAft>
+                <a:spcPts val="0"/>
+              </a:spcAft>
+              <a:buClrTx/>
+              <a:buSzTx/>
+              <a:buFontTx/>
+              <a:buNone/>
+              <a:tabLst/>
+              <a:defRPr/>
+            </a:pPr>
+            <a:r>
+              <a:rPr lang="en-CA" sz="1200" kern="1200" dirty="0">
+                <a:solidFill>
+                  <a:schemeClr val="tx1"/>
+                </a:solidFill>
+                <a:effectLst/>
+                <a:latin typeface="+mn-lt"/>
+                <a:ea typeface="+mn-ea"/>
+                <a:cs typeface="+mn-cs"/>
+              </a:rPr>
+              <a:t>Model 11 and 6 coefficient plots show that longitude and day of year have a small, negative relationship with otolith and therefore are useful predictors since the confidence intervals do not overlap with zero.</a:t>
+            </a:r>
+          </a:p>
+          <a:p>
+            <a:pPr marL="0" marR="0" lvl="0" indent="0" algn="l" defTabSz="914400" rtl="0" eaLnBrk="1" fontAlgn="auto" latinLnBrk="0" hangingPunct="1">
+              <a:lnSpc>
+                <a:spcPct val="100000"/>
+              </a:lnSpc>
+              <a:spcBef>
+                <a:spcPts val="0"/>
+              </a:spcBef>
+              <a:spcAft>
+                <a:spcPts val="0"/>
+              </a:spcAft>
+              <a:buClrTx/>
+              <a:buSzTx/>
+              <a:buFontTx/>
+              <a:buNone/>
+              <a:tabLst/>
+              <a:defRPr/>
+            </a:pPr>
+            <a:endParaRPr lang="en-CA" sz="1200" kern="1200" dirty="0">
+              <a:solidFill>
+                <a:schemeClr val="tx1"/>
+              </a:solidFill>
+              <a:effectLst/>
+              <a:latin typeface="+mn-lt"/>
+              <a:ea typeface="+mn-ea"/>
+              <a:cs typeface="+mn-cs"/>
+            </a:endParaRPr>
+          </a:p>
+          <a:p>
+            <a:pPr marL="0" marR="0" lvl="0" indent="0" algn="l" defTabSz="914400" rtl="0" eaLnBrk="1" fontAlgn="auto" latinLnBrk="0" hangingPunct="1">
+              <a:lnSpc>
+                <a:spcPct val="100000"/>
+              </a:lnSpc>
+              <a:spcBef>
+                <a:spcPts val="0"/>
+              </a:spcBef>
+              <a:spcAft>
+                <a:spcPts val="0"/>
+              </a:spcAft>
+              <a:buClrTx/>
+              <a:buSzTx/>
+              <a:buFontTx/>
+              <a:buNone/>
+              <a:tabLst/>
+              <a:defRPr/>
+            </a:pPr>
+            <a:r>
+              <a:rPr lang="en-CA" sz="1200" kern="1200" dirty="0">
+                <a:solidFill>
+                  <a:schemeClr val="tx1"/>
+                </a:solidFill>
+                <a:effectLst/>
+                <a:latin typeface="+mn-lt"/>
+                <a:ea typeface="+mn-ea"/>
+                <a:cs typeface="+mn-cs"/>
+              </a:rPr>
+              <a:t>However, salmon length is not a useful predictor as the confidence interval overlaps with zero. Although, salmon length does have a small positive relationship with otolith width.</a:t>
+            </a:r>
+          </a:p>
+          <a:p>
+            <a:pPr marL="0" marR="0" lvl="0" indent="0" algn="l" defTabSz="914400" rtl="0" eaLnBrk="1" fontAlgn="auto" latinLnBrk="0" hangingPunct="1">
+              <a:lnSpc>
+                <a:spcPct val="100000"/>
+              </a:lnSpc>
+              <a:spcBef>
+                <a:spcPts val="0"/>
+              </a:spcBef>
+              <a:spcAft>
+                <a:spcPts val="0"/>
+              </a:spcAft>
+              <a:buClrTx/>
+              <a:buSzTx/>
+              <a:buFontTx/>
+              <a:buNone/>
+              <a:tabLst/>
+              <a:defRPr/>
+            </a:pPr>
+            <a:endParaRPr lang="en-CA" sz="1200" kern="1200" dirty="0">
+              <a:solidFill>
+                <a:schemeClr val="tx1"/>
+              </a:solidFill>
+              <a:effectLst/>
+              <a:latin typeface="+mn-lt"/>
+              <a:ea typeface="+mn-ea"/>
+              <a:cs typeface="+mn-cs"/>
+            </a:endParaRPr>
+          </a:p>
+        </p:txBody>
+      </p:sp>
+      <p:sp>
+        <p:nvSpPr>
+          <p:cNvPr id="4" name="Slide Number Placeholder 3"/>
+          <p:cNvSpPr>
+            <a:spLocks noGrp="1"/>
+          </p:cNvSpPr>
+          <p:nvPr>
+            <p:ph type="sldNum" sz="quarter" idx="5"/>
+          </p:nvPr>
+        </p:nvSpPr>
+        <p:spPr/>
+        <p:txBody>
+          <a:bodyPr/>
+          <a:lstStyle/>
+          <a:p>
+            <a:fld id="{0B1207EC-944A-E74D-8503-F6C3FC26F6F0}" type="slidenum">
+              <a:rPr lang="en-US" smtClean="0"/>
+              <a:t>4</a:t>
+            </a:fld>
+            <a:endParaRPr lang="en-US"/>
+          </a:p>
+        </p:txBody>
+      </p:sp>
+    </p:spTree>
+    <p:extLst>
+      <p:ext uri="{BB962C8B-B14F-4D97-AF65-F5344CB8AC3E}">
+        <p14:creationId xmlns:p14="http://schemas.microsoft.com/office/powerpoint/2010/main" val="3738067965"/>
+      </p:ext>
+    </p:extLst>
+  </p:cSld>
+  <p:clrMapOvr>
+    <a:masterClrMapping/>
+  </p:clrMapOvr>
+</p:notes>
+</file>
+
+<file path=ppt/notesSlides/notesSlide5.xml><?xml version="1.0" encoding="utf-8"?>
+<p:notes xmlns:a="http://schemas.openxmlformats.org/drawingml/2006/main" xmlns:r="http://schemas.openxmlformats.org/officeDocument/2006/relationships" xmlns:p="http://schemas.openxmlformats.org/presentationml/2006/main">
+  <p:cSld>
+    <p:spTree>
+      <p:nvGrpSpPr>
+        <p:cNvPr id="1" name=""/>
+        <p:cNvGrpSpPr/>
+        <p:nvPr/>
+      </p:nvGrpSpPr>
+      <p:grpSpPr>
+        <a:xfrm>
+          <a:off x="0" y="0"/>
+          <a:ext cx="0" cy="0"/>
+          <a:chOff x="0" y="0"/>
+          <a:chExt cx="0" cy="0"/>
+        </a:xfrm>
+      </p:grpSpPr>
+      <p:sp>
+        <p:nvSpPr>
+          <p:cNvPr id="2" name="Slide Image Placeholder 1"/>
+          <p:cNvSpPr>
+            <a:spLocks noGrp="1" noRot="1" noChangeAspect="1"/>
+          </p:cNvSpPr>
+          <p:nvPr>
+            <p:ph type="sldImg"/>
+          </p:nvPr>
+        </p:nvSpPr>
+        <p:spPr/>
+      </p:sp>
+      <p:sp>
+        <p:nvSpPr>
+          <p:cNvPr id="3" name="Notes Placeholder 2"/>
+          <p:cNvSpPr>
+            <a:spLocks noGrp="1"/>
+          </p:cNvSpPr>
+          <p:nvPr>
+            <p:ph type="body" idx="1"/>
+          </p:nvPr>
+        </p:nvSpPr>
+        <p:spPr/>
+        <p:txBody>
+          <a:bodyPr/>
+          <a:lstStyle/>
+          <a:p>
             <a:r>
               <a:rPr lang="en-US" dirty="0"/>
               <a:t>We used AIC to compare candidate linear mixed-effects models fit with maximum likelihood estimation.</a:t>
@@ -12062,7 +12261,7 @@
           <a:p>
             <a:fld id="{0B1207EC-944A-E74D-8503-F6C3FC26F6F0}" type="slidenum">
               <a:rPr lang="en-US" smtClean="0"/>
-              <a:t>4</a:t>
+              <a:t>5</a:t>
             </a:fld>
             <a:endParaRPr lang="en-US"/>
           </a:p>
@@ -12072,267 +12271,6 @@
     <p:extLst>
       <p:ext uri="{BB962C8B-B14F-4D97-AF65-F5344CB8AC3E}">
         <p14:creationId xmlns:p14="http://schemas.microsoft.com/office/powerpoint/2010/main" val="340181587"/>
-      </p:ext>
-    </p:extLst>
-  </p:cSld>
-  <p:clrMapOvr>
-    <a:masterClrMapping/>
-  </p:clrMapOvr>
-</p:notes>
-</file>
-
-<file path=ppt/notesSlides/notesSlide5.xml><?xml version="1.0" encoding="utf-8"?>
-<p:notes xmlns:a="http://schemas.openxmlformats.org/drawingml/2006/main" xmlns:r="http://schemas.openxmlformats.org/officeDocument/2006/relationships" xmlns:p="http://schemas.openxmlformats.org/presentationml/2006/main">
-  <p:cSld>
-    <p:spTree>
-      <p:nvGrpSpPr>
-        <p:cNvPr id="1" name=""/>
-        <p:cNvGrpSpPr/>
-        <p:nvPr/>
-      </p:nvGrpSpPr>
-      <p:grpSpPr>
-        <a:xfrm>
-          <a:off x="0" y="0"/>
-          <a:ext cx="0" cy="0"/>
-          <a:chOff x="0" y="0"/>
-          <a:chExt cx="0" cy="0"/>
-        </a:xfrm>
-      </p:grpSpPr>
-      <p:sp>
-        <p:nvSpPr>
-          <p:cNvPr id="2" name="Slide Image Placeholder 1"/>
-          <p:cNvSpPr>
-            <a:spLocks noGrp="1" noRot="1" noChangeAspect="1"/>
-          </p:cNvSpPr>
-          <p:nvPr>
-            <p:ph type="sldImg"/>
-          </p:nvPr>
-        </p:nvSpPr>
-        <p:spPr/>
-      </p:sp>
-      <p:sp>
-        <p:nvSpPr>
-          <p:cNvPr id="3" name="Notes Placeholder 2"/>
-          <p:cNvSpPr>
-            <a:spLocks noGrp="1"/>
-          </p:cNvSpPr>
-          <p:nvPr>
-            <p:ph type="body" idx="1"/>
-          </p:nvPr>
-        </p:nvSpPr>
-        <p:spPr/>
-        <p:txBody>
-          <a:bodyPr/>
-          <a:lstStyle/>
-          <a:p>
-            <a:pPr marL="0" marR="0" lvl="0" indent="0" algn="l" defTabSz="914400" rtl="0" eaLnBrk="1" fontAlgn="auto" latinLnBrk="0" hangingPunct="1">
-              <a:lnSpc>
-                <a:spcPct val="100000"/>
-              </a:lnSpc>
-              <a:spcBef>
-                <a:spcPts val="0"/>
-              </a:spcBef>
-              <a:spcAft>
-                <a:spcPts val="0"/>
-              </a:spcAft>
-              <a:buClrTx/>
-              <a:buSzTx/>
-              <a:buFontTx/>
-              <a:buNone/>
-              <a:tabLst/>
-              <a:defRPr/>
-            </a:pPr>
-            <a:r>
-              <a:rPr lang="en-CA" sz="1200" kern="1200" dirty="0">
-                <a:solidFill>
-                  <a:schemeClr val="tx1"/>
-                </a:solidFill>
-                <a:effectLst/>
-                <a:latin typeface="+mn-lt"/>
-                <a:ea typeface="+mn-ea"/>
-                <a:cs typeface="+mn-cs"/>
-              </a:rPr>
-              <a:t>AIC shows that model 11 and 6 best explain variation in otolith width/herring size. Although, the first X models have similar delta AIC values and weights.</a:t>
-            </a:r>
-          </a:p>
-          <a:p>
-            <a:pPr marL="0" marR="0" lvl="0" indent="0" algn="l" defTabSz="914400" rtl="0" eaLnBrk="1" fontAlgn="auto" latinLnBrk="0" hangingPunct="1">
-              <a:lnSpc>
-                <a:spcPct val="100000"/>
-              </a:lnSpc>
-              <a:spcBef>
-                <a:spcPts val="0"/>
-              </a:spcBef>
-              <a:spcAft>
-                <a:spcPts val="0"/>
-              </a:spcAft>
-              <a:buClrTx/>
-              <a:buSzTx/>
-              <a:buFontTx/>
-              <a:buNone/>
-              <a:tabLst/>
-              <a:defRPr/>
-            </a:pPr>
-            <a:endParaRPr lang="en-CA" sz="1200" kern="1200" dirty="0">
-              <a:solidFill>
-                <a:schemeClr val="tx1"/>
-              </a:solidFill>
-              <a:effectLst/>
-              <a:latin typeface="+mn-lt"/>
-              <a:ea typeface="+mn-ea"/>
-              <a:cs typeface="+mn-cs"/>
-            </a:endParaRPr>
-          </a:p>
-          <a:p>
-            <a:pPr marL="0" marR="0" lvl="0" indent="0" algn="l" defTabSz="914400" rtl="0" eaLnBrk="1" fontAlgn="auto" latinLnBrk="0" hangingPunct="1">
-              <a:lnSpc>
-                <a:spcPct val="100000"/>
-              </a:lnSpc>
-              <a:spcBef>
-                <a:spcPts val="0"/>
-              </a:spcBef>
-              <a:spcAft>
-                <a:spcPts val="0"/>
-              </a:spcAft>
-              <a:buClrTx/>
-              <a:buSzTx/>
-              <a:buFontTx/>
-              <a:buNone/>
-              <a:tabLst/>
-              <a:defRPr/>
-            </a:pPr>
-            <a:r>
-              <a:rPr lang="en-CA" sz="1200" kern="1200" dirty="0">
-                <a:solidFill>
-                  <a:schemeClr val="tx1"/>
-                </a:solidFill>
-                <a:effectLst/>
-                <a:latin typeface="+mn-lt"/>
-                <a:ea typeface="+mn-ea"/>
-                <a:cs typeface="+mn-cs"/>
-              </a:rPr>
-              <a:t>One thing to note is that model 11 and 6 are very similar in structure and include collection day of year and longitude. The only difference being that model 11 also includes salmon length.</a:t>
-            </a:r>
-          </a:p>
-          <a:p>
-            <a:pPr marL="0" marR="0" lvl="0" indent="0" algn="l" defTabSz="914400" rtl="0" eaLnBrk="1" fontAlgn="auto" latinLnBrk="0" hangingPunct="1">
-              <a:lnSpc>
-                <a:spcPct val="100000"/>
-              </a:lnSpc>
-              <a:spcBef>
-                <a:spcPts val="0"/>
-              </a:spcBef>
-              <a:spcAft>
-                <a:spcPts val="0"/>
-              </a:spcAft>
-              <a:buClrTx/>
-              <a:buSzTx/>
-              <a:buFontTx/>
-              <a:buNone/>
-              <a:tabLst/>
-              <a:defRPr/>
-            </a:pPr>
-            <a:endParaRPr lang="en-CA" sz="1200" kern="1200" dirty="0">
-              <a:solidFill>
-                <a:schemeClr val="tx1"/>
-              </a:solidFill>
-              <a:effectLst/>
-              <a:latin typeface="+mn-lt"/>
-              <a:ea typeface="+mn-ea"/>
-              <a:cs typeface="+mn-cs"/>
-            </a:endParaRPr>
-          </a:p>
-          <a:p>
-            <a:pPr marL="0" marR="0" lvl="0" indent="0" algn="l" defTabSz="914400" rtl="0" eaLnBrk="1" fontAlgn="auto" latinLnBrk="0" hangingPunct="1">
-              <a:lnSpc>
-                <a:spcPct val="100000"/>
-              </a:lnSpc>
-              <a:spcBef>
-                <a:spcPts val="0"/>
-              </a:spcBef>
-              <a:spcAft>
-                <a:spcPts val="0"/>
-              </a:spcAft>
-              <a:buClrTx/>
-              <a:buSzTx/>
-              <a:buFontTx/>
-              <a:buNone/>
-              <a:tabLst/>
-              <a:defRPr/>
-            </a:pPr>
-            <a:r>
-              <a:rPr lang="en-CA" sz="1200" kern="1200" dirty="0">
-                <a:solidFill>
-                  <a:schemeClr val="tx1"/>
-                </a:solidFill>
-                <a:effectLst/>
-                <a:latin typeface="+mn-lt"/>
-                <a:ea typeface="+mn-ea"/>
-                <a:cs typeface="+mn-cs"/>
-              </a:rPr>
-              <a:t>One thing to consider is that these AIC results only pick the simplest model out of the set of candidate models that we decided to compare based on our understanding of the ecosystem.</a:t>
-            </a:r>
-          </a:p>
-          <a:p>
-            <a:pPr marL="0" marR="0" lvl="0" indent="0" algn="l" defTabSz="914400" rtl="0" eaLnBrk="1" fontAlgn="auto" latinLnBrk="0" hangingPunct="1">
-              <a:lnSpc>
-                <a:spcPct val="100000"/>
-              </a:lnSpc>
-              <a:spcBef>
-                <a:spcPts val="0"/>
-              </a:spcBef>
-              <a:spcAft>
-                <a:spcPts val="0"/>
-              </a:spcAft>
-              <a:buClrTx/>
-              <a:buSzTx/>
-              <a:buFontTx/>
-              <a:buNone/>
-              <a:tabLst/>
-              <a:defRPr/>
-            </a:pPr>
-            <a:endParaRPr lang="en-CA" sz="1200" kern="1200" dirty="0">
-              <a:solidFill>
-                <a:schemeClr val="tx1"/>
-              </a:solidFill>
-              <a:effectLst/>
-              <a:latin typeface="+mn-lt"/>
-              <a:ea typeface="+mn-ea"/>
-              <a:cs typeface="+mn-cs"/>
-            </a:endParaRPr>
-          </a:p>
-          <a:p>
-            <a:endParaRPr lang="en-US" dirty="0"/>
-          </a:p>
-        </p:txBody>
-      </p:sp>
-      <p:sp>
-        <p:nvSpPr>
-          <p:cNvPr id="4" name="Slide Number Placeholder 3"/>
-          <p:cNvSpPr>
-            <a:spLocks noGrp="1"/>
-          </p:cNvSpPr>
-          <p:nvPr>
-            <p:ph type="sldNum" sz="quarter" idx="5"/>
-          </p:nvPr>
-        </p:nvSpPr>
-        <p:spPr/>
-        <p:txBody>
-          <a:bodyPr/>
-          <a:lstStyle/>
-          <a:p>
-            <a:fld id="{0B1207EC-944A-E74D-8503-F6C3FC26F6F0}" type="slidenum">
-              <a:rPr lang="en-US" smtClean="0"/>
-              <a:t>5</a:t>
-            </a:fld>
-            <a:endParaRPr lang="en-US"/>
-          </a:p>
-        </p:txBody>
-      </p:sp>
-    </p:spTree>
-    <p:extLst>
-      <p:ext uri="{BB962C8B-B14F-4D97-AF65-F5344CB8AC3E}">
-        <p14:creationId xmlns:p14="http://schemas.microsoft.com/office/powerpoint/2010/main" val="3860927967"/>
       </p:ext>
     </p:extLst>
   </p:cSld>
@@ -12413,7 +12351,7 @@
                 <a:ea typeface="+mn-ea"/>
                 <a:cs typeface="+mn-cs"/>
               </a:rPr>
-              <a:t>Model 11 and 6 coefficient plots show that longitude and day of year have a small, negative relationship with otolith and therefore are useful predictors since the confidence intervals do not overlap with zero.</a:t>
+              <a:t>AIC shows that model 11 and 6 best explain variation in otolith width/herring size. Although, the first X models have similar delta AIC values and weights.</a:t>
             </a:r>
           </a:p>
           <a:p>
@@ -12472,7 +12410,7 @@
                 <a:ea typeface="+mn-ea"/>
                 <a:cs typeface="+mn-cs"/>
               </a:rPr>
-              <a:t>However, salmon length is not a useful predictor as the confidence interval overlaps with zero. Although, salmon length does have a small positive relationship with otolith width.</a:t>
+              <a:t>One thing to note is that model 11 and 6 are very similar in structure and include collection day of year and longitude. The only difference being that model 11 also includes salmon length.</a:t>
             </a:r>
           </a:p>
           <a:p>
@@ -12503,6 +12441,68 @@
               <a:cs typeface="+mn-cs"/>
             </a:endParaRPr>
           </a:p>
+          <a:p>
+            <a:pPr marL="0" marR="0" lvl="0" indent="0" algn="l" defTabSz="914400" rtl="0" eaLnBrk="1" fontAlgn="auto" latinLnBrk="0" hangingPunct="1">
+              <a:lnSpc>
+                <a:spcPct val="100000"/>
+              </a:lnSpc>
+              <a:spcBef>
+                <a:spcPts val="0"/>
+              </a:spcBef>
+              <a:spcAft>
+                <a:spcPts val="0"/>
+              </a:spcAft>
+              <a:buClrTx/>
+              <a:buSzTx/>
+              <a:buFontTx/>
+              <a:buNone/>
+              <a:tabLst/>
+              <a:defRPr/>
+            </a:pPr>
+            <a:r>
+              <a:rPr lang="en-CA" sz="1200" kern="1200" dirty="0">
+                <a:solidFill>
+                  <a:schemeClr val="tx1"/>
+                </a:solidFill>
+                <a:effectLst/>
+                <a:latin typeface="+mn-lt"/>
+                <a:ea typeface="+mn-ea"/>
+                <a:cs typeface="+mn-cs"/>
+              </a:rPr>
+              <a:t>One thing to consider is that these AIC results only pick the simplest model out of the set of candidate models that we decided to compare based on our understanding of the ecosystem.</a:t>
+            </a:r>
+          </a:p>
+          <a:p>
+            <a:pPr marL="0" marR="0" lvl="0" indent="0" algn="l" defTabSz="914400" rtl="0" eaLnBrk="1" fontAlgn="auto" latinLnBrk="0" hangingPunct="1">
+              <a:lnSpc>
+                <a:spcPct val="100000"/>
+              </a:lnSpc>
+              <a:spcBef>
+                <a:spcPts val="0"/>
+              </a:spcBef>
+              <a:spcAft>
+                <a:spcPts val="0"/>
+              </a:spcAft>
+              <a:buClrTx/>
+              <a:buSzTx/>
+              <a:buFontTx/>
+              <a:buNone/>
+              <a:tabLst/>
+              <a:defRPr/>
+            </a:pPr>
+            <a:endParaRPr lang="en-CA" sz="1200" kern="1200" dirty="0">
+              <a:solidFill>
+                <a:schemeClr val="tx1"/>
+              </a:solidFill>
+              <a:effectLst/>
+              <a:latin typeface="+mn-lt"/>
+              <a:ea typeface="+mn-ea"/>
+              <a:cs typeface="+mn-cs"/>
+            </a:endParaRPr>
+          </a:p>
+          <a:p>
+            <a:endParaRPr lang="en-US" dirty="0"/>
+          </a:p>
         </p:txBody>
       </p:sp>
       <p:sp>
@@ -12531,7 +12531,7 @@
     </p:spTree>
     <p:extLst>
       <p:ext uri="{BB962C8B-B14F-4D97-AF65-F5344CB8AC3E}">
-        <p14:creationId xmlns:p14="http://schemas.microsoft.com/office/powerpoint/2010/main" val="3738067965"/>
+        <p14:creationId xmlns:p14="http://schemas.microsoft.com/office/powerpoint/2010/main" val="3860927967"/>
       </p:ext>
     </p:extLst>
   </p:cSld>
@@ -12672,6 +12672,65 @@
                 <a:cs typeface="+mn-cs"/>
               </a:rPr>
               <a:t>However, the negative relationship between otolith width and collection day contradict our hypothesis of a positive relationship between these variables.</a:t>
+            </a:r>
+          </a:p>
+          <a:p>
+            <a:pPr marL="0" marR="0" lvl="0" indent="0" algn="l" defTabSz="914400" rtl="0" eaLnBrk="1" fontAlgn="auto" latinLnBrk="0" hangingPunct="1">
+              <a:lnSpc>
+                <a:spcPct val="100000"/>
+              </a:lnSpc>
+              <a:spcBef>
+                <a:spcPts val="0"/>
+              </a:spcBef>
+              <a:spcAft>
+                <a:spcPts val="0"/>
+              </a:spcAft>
+              <a:buClrTx/>
+              <a:buSzTx/>
+              <a:buFontTx/>
+              <a:buNone/>
+              <a:tabLst/>
+              <a:defRPr/>
+            </a:pPr>
+            <a:endParaRPr lang="en-CA" sz="1200" kern="1200" dirty="0">
+              <a:solidFill>
+                <a:schemeClr val="tx1"/>
+              </a:solidFill>
+              <a:effectLst/>
+              <a:latin typeface="+mn-lt"/>
+              <a:ea typeface="+mn-ea"/>
+              <a:cs typeface="+mn-cs"/>
+            </a:endParaRPr>
+          </a:p>
+          <a:p>
+            <a:pPr marL="0" marR="0" lvl="0" indent="0" algn="l" defTabSz="914400" rtl="0" eaLnBrk="1" fontAlgn="auto" latinLnBrk="0" hangingPunct="1">
+              <a:lnSpc>
+                <a:spcPct val="100000"/>
+              </a:lnSpc>
+              <a:spcBef>
+                <a:spcPts val="0"/>
+              </a:spcBef>
+              <a:spcAft>
+                <a:spcPts val="0"/>
+              </a:spcAft>
+              <a:buClrTx/>
+              <a:buSzTx/>
+              <a:buFontTx/>
+              <a:buNone/>
+              <a:tabLst/>
+              <a:defRPr/>
+            </a:pPr>
+            <a:r>
+              <a:rPr lang="en-CA" sz="1200" kern="1200" dirty="0">
+                <a:solidFill>
+                  <a:schemeClr val="tx1"/>
+                </a:solidFill>
+                <a:effectLst/>
+                <a:latin typeface="+mn-lt"/>
+                <a:ea typeface="+mn-ea"/>
+                <a:cs typeface="+mn-cs"/>
+              </a:rPr>
+              <a:t>None of these relationships appeared to be linear.</a:t>
             </a:r>
           </a:p>
           <a:p>
@@ -13642,7 +13701,7 @@
           <a:p>
             <a:fld id="{3E52D604-0742-9243-810E-1096192DBA15}" type="datetimeFigureOut">
               <a:rPr lang="en-US" smtClean="0"/>
-              <a:t>4/6/20</a:t>
+              <a:t>4/6/2020</a:t>
             </a:fld>
             <a:endParaRPr lang="en-US"/>
           </a:p>
@@ -13812,7 +13871,7 @@
           <a:p>
             <a:fld id="{3E52D604-0742-9243-810E-1096192DBA15}" type="datetimeFigureOut">
               <a:rPr lang="en-US" smtClean="0"/>
-              <a:t>4/6/20</a:t>
+              <a:t>4/6/2020</a:t>
             </a:fld>
             <a:endParaRPr lang="en-US"/>
           </a:p>
@@ -13992,7 +14051,7 @@
           <a:p>
             <a:fld id="{3E52D604-0742-9243-810E-1096192DBA15}" type="datetimeFigureOut">
               <a:rPr lang="en-US" smtClean="0"/>
-              <a:t>4/6/20</a:t>
+              <a:t>4/6/2020</a:t>
             </a:fld>
             <a:endParaRPr lang="en-US"/>
           </a:p>
@@ -14162,7 +14221,7 @@
           <a:p>
             <a:fld id="{3E52D604-0742-9243-810E-1096192DBA15}" type="datetimeFigureOut">
               <a:rPr lang="en-US" smtClean="0"/>
-              <a:t>4/6/20</a:t>
+              <a:t>4/6/2020</a:t>
             </a:fld>
             <a:endParaRPr lang="en-US"/>
           </a:p>
@@ -14408,7 +14467,7 @@
           <a:p>
             <a:fld id="{3E52D604-0742-9243-810E-1096192DBA15}" type="datetimeFigureOut">
               <a:rPr lang="en-US" smtClean="0"/>
-              <a:t>4/6/20</a:t>
+              <a:t>4/6/2020</a:t>
             </a:fld>
             <a:endParaRPr lang="en-US"/>
           </a:p>
@@ -14640,7 +14699,7 @@
           <a:p>
             <a:fld id="{3E52D604-0742-9243-810E-1096192DBA15}" type="datetimeFigureOut">
               <a:rPr lang="en-US" smtClean="0"/>
-              <a:t>4/6/20</a:t>
+              <a:t>4/6/2020</a:t>
             </a:fld>
             <a:endParaRPr lang="en-US"/>
           </a:p>
@@ -15007,7 +15066,7 @@
           <a:p>
             <a:fld id="{3E52D604-0742-9243-810E-1096192DBA15}" type="datetimeFigureOut">
               <a:rPr lang="en-US" smtClean="0"/>
-              <a:t>4/6/20</a:t>
+              <a:t>4/6/2020</a:t>
             </a:fld>
             <a:endParaRPr lang="en-US"/>
           </a:p>
@@ -15125,7 +15184,7 @@
           <a:p>
             <a:fld id="{3E52D604-0742-9243-810E-1096192DBA15}" type="datetimeFigureOut">
               <a:rPr lang="en-US" smtClean="0"/>
-              <a:t>4/6/20</a:t>
+              <a:t>4/6/2020</a:t>
             </a:fld>
             <a:endParaRPr lang="en-US"/>
           </a:p>
@@ -15220,7 +15279,7 @@
           <a:p>
             <a:fld id="{3E52D604-0742-9243-810E-1096192DBA15}" type="datetimeFigureOut">
               <a:rPr lang="en-US" smtClean="0"/>
-              <a:t>4/6/20</a:t>
+              <a:t>4/6/2020</a:t>
             </a:fld>
             <a:endParaRPr lang="en-US"/>
           </a:p>
@@ -15497,7 +15556,7 @@
           <a:p>
             <a:fld id="{3E52D604-0742-9243-810E-1096192DBA15}" type="datetimeFigureOut">
               <a:rPr lang="en-US" smtClean="0"/>
-              <a:t>4/6/20</a:t>
+              <a:t>4/6/2020</a:t>
             </a:fld>
             <a:endParaRPr lang="en-US"/>
           </a:p>
@@ -15754,7 +15813,7 @@
           <a:p>
             <a:fld id="{3E52D604-0742-9243-810E-1096192DBA15}" type="datetimeFigureOut">
               <a:rPr lang="en-US" smtClean="0"/>
-              <a:t>4/6/20</a:t>
+              <a:t>4/6/2020</a:t>
             </a:fld>
             <a:endParaRPr lang="en-US"/>
           </a:p>
@@ -15967,7 +16026,7 @@
           <a:p>
             <a:fld id="{3E52D604-0742-9243-810E-1096192DBA15}" type="datetimeFigureOut">
               <a:rPr lang="en-US" smtClean="0"/>
-              <a:t>4/6/20</a:t>
+              <a:t>4/6/2020</a:t>
             </a:fld>
             <a:endParaRPr lang="en-US"/>
           </a:p>
@@ -18136,6 +18195,203 @@
 <file path=ppt/slides/slide4.xml><?xml version="1.0" encoding="utf-8"?>
 <p:sld xmlns:a="http://schemas.openxmlformats.org/drawingml/2006/main" xmlns:r="http://schemas.openxmlformats.org/officeDocument/2006/relationships" xmlns:p="http://schemas.openxmlformats.org/presentationml/2006/main">
   <p:cSld>
+    <p:spTree>
+      <p:nvGrpSpPr>
+        <p:cNvPr id="1" name=""/>
+        <p:cNvGrpSpPr/>
+        <p:nvPr/>
+      </p:nvGrpSpPr>
+      <p:grpSpPr>
+        <a:xfrm>
+          <a:off x="0" y="0"/>
+          <a:ext cx="0" cy="0"/>
+          <a:chOff x="0" y="0"/>
+          <a:chExt cx="0" cy="0"/>
+        </a:xfrm>
+      </p:grpSpPr>
+      <p:sp>
+        <p:nvSpPr>
+          <p:cNvPr id="2" name="Title 1">
+            <a:extLst>
+              <a:ext uri="{FF2B5EF4-FFF2-40B4-BE49-F238E27FC236}">
+                <a16:creationId xmlns:a16="http://schemas.microsoft.com/office/drawing/2014/main" id="{3AAFA8B7-F65A-4144-B8CA-2814837B984F}"/>
+              </a:ext>
+            </a:extLst>
+          </p:cNvPr>
+          <p:cNvSpPr>
+            <a:spLocks noGrp="1"/>
+          </p:cNvSpPr>
+          <p:nvPr>
+            <p:ph type="title"/>
+          </p:nvPr>
+        </p:nvSpPr>
+        <p:spPr/>
+        <p:txBody>
+          <a:bodyPr/>
+          <a:lstStyle/>
+          <a:p>
+            <a:r>
+              <a:rPr lang="en-US" dirty="0"/>
+              <a:t>Describing the data</a:t>
+            </a:r>
+          </a:p>
+        </p:txBody>
+      </p:sp>
+      <p:pic>
+        <p:nvPicPr>
+          <p:cNvPr id="23" name="Content Placeholder 22">
+            <a:extLst>
+              <a:ext uri="{FF2B5EF4-FFF2-40B4-BE49-F238E27FC236}">
+                <a16:creationId xmlns:a16="http://schemas.microsoft.com/office/drawing/2014/main" id="{FAA3E23F-58FE-4E91-8F16-9FE74AA196B4}"/>
+              </a:ext>
+            </a:extLst>
+          </p:cNvPr>
+          <p:cNvPicPr>
+            <a:picLocks noGrp="1" noChangeAspect="1"/>
+          </p:cNvPicPr>
+          <p:nvPr>
+            <p:ph idx="1"/>
+          </p:nvPr>
+        </p:nvPicPr>
+        <p:blipFill>
+          <a:blip r:embed="rId3"/>
+          <a:stretch>
+            <a:fillRect/>
+          </a:stretch>
+        </p:blipFill>
+        <p:spPr>
+          <a:xfrm>
+            <a:off x="5992500" y="1452146"/>
+            <a:ext cx="5040001" cy="2520000"/>
+          </a:xfrm>
+          <a:ln w="28575">
+            <a:solidFill>
+              <a:schemeClr val="accent2"/>
+            </a:solidFill>
+          </a:ln>
+        </p:spPr>
+      </p:pic>
+      <p:pic>
+        <p:nvPicPr>
+          <p:cNvPr id="25" name="Picture 24">
+            <a:extLst>
+              <a:ext uri="{FF2B5EF4-FFF2-40B4-BE49-F238E27FC236}">
+                <a16:creationId xmlns:a16="http://schemas.microsoft.com/office/drawing/2014/main" id="{CA093F6E-65ED-45B6-83B9-8B02975B45A5}"/>
+              </a:ext>
+            </a:extLst>
+          </p:cNvPr>
+          <p:cNvPicPr>
+            <a:picLocks noChangeAspect="1"/>
+          </p:cNvPicPr>
+          <p:nvPr/>
+        </p:nvPicPr>
+        <p:blipFill>
+          <a:blip r:embed="rId4"/>
+          <a:stretch>
+            <a:fillRect/>
+          </a:stretch>
+        </p:blipFill>
+        <p:spPr>
+          <a:xfrm>
+            <a:off x="5992500" y="4069192"/>
+            <a:ext cx="5040001" cy="2520000"/>
+          </a:xfrm>
+          <a:prstGeom prst="rect">
+            <a:avLst/>
+          </a:prstGeom>
+          <a:ln w="28575">
+            <a:solidFill>
+              <a:schemeClr val="accent2"/>
+            </a:solidFill>
+          </a:ln>
+        </p:spPr>
+      </p:pic>
+      <p:pic>
+        <p:nvPicPr>
+          <p:cNvPr id="27" name="Picture 26">
+            <a:extLst>
+              <a:ext uri="{FF2B5EF4-FFF2-40B4-BE49-F238E27FC236}">
+                <a16:creationId xmlns:a16="http://schemas.microsoft.com/office/drawing/2014/main" id="{168E52BD-0874-4D1A-85FB-18103AAFBB34}"/>
+              </a:ext>
+            </a:extLst>
+          </p:cNvPr>
+          <p:cNvPicPr>
+            <a:picLocks noChangeAspect="1"/>
+          </p:cNvPicPr>
+          <p:nvPr/>
+        </p:nvPicPr>
+        <p:blipFill>
+          <a:blip r:embed="rId5"/>
+          <a:stretch>
+            <a:fillRect/>
+          </a:stretch>
+        </p:blipFill>
+        <p:spPr>
+          <a:xfrm>
+            <a:off x="838200" y="4069192"/>
+            <a:ext cx="5040001" cy="2520000"/>
+          </a:xfrm>
+          <a:prstGeom prst="rect">
+            <a:avLst/>
+          </a:prstGeom>
+          <a:ln w="28575">
+            <a:solidFill>
+              <a:schemeClr val="accent2"/>
+            </a:solidFill>
+          </a:ln>
+        </p:spPr>
+      </p:pic>
+      <p:pic>
+        <p:nvPicPr>
+          <p:cNvPr id="29" name="Picture 28">
+            <a:extLst>
+              <a:ext uri="{FF2B5EF4-FFF2-40B4-BE49-F238E27FC236}">
+                <a16:creationId xmlns:a16="http://schemas.microsoft.com/office/drawing/2014/main" id="{81388BC4-7696-4EE5-8A07-863C5D70F037}"/>
+              </a:ext>
+            </a:extLst>
+          </p:cNvPr>
+          <p:cNvPicPr>
+            <a:picLocks noChangeAspect="1"/>
+          </p:cNvPicPr>
+          <p:nvPr/>
+        </p:nvPicPr>
+        <p:blipFill>
+          <a:blip r:embed="rId6"/>
+          <a:stretch>
+            <a:fillRect/>
+          </a:stretch>
+        </p:blipFill>
+        <p:spPr>
+          <a:xfrm>
+            <a:off x="838200" y="1452146"/>
+            <a:ext cx="5040001" cy="2520000"/>
+          </a:xfrm>
+          <a:prstGeom prst="rect">
+            <a:avLst/>
+          </a:prstGeom>
+          <a:ln w="28575">
+            <a:solidFill>
+              <a:schemeClr val="accent2"/>
+            </a:solidFill>
+          </a:ln>
+        </p:spPr>
+      </p:pic>
+    </p:spTree>
+    <p:extLst>
+      <p:ext uri="{BB962C8B-B14F-4D97-AF65-F5344CB8AC3E}">
+        <p14:creationId xmlns:p14="http://schemas.microsoft.com/office/powerpoint/2010/main" val="2154362521"/>
+      </p:ext>
+    </p:extLst>
+  </p:cSld>
+  <p:clrMapOvr>
+    <a:masterClrMapping/>
+  </p:clrMapOvr>
+</p:sld>
+</file>
+
+<file path=ppt/slides/slide5.xml><?xml version="1.0" encoding="utf-8"?>
+<p:sld xmlns:a="http://schemas.openxmlformats.org/drawingml/2006/main" xmlns:r="http://schemas.openxmlformats.org/officeDocument/2006/relationships" xmlns:p="http://schemas.openxmlformats.org/presentationml/2006/main">
+  <p:cSld>
     <p:bg>
       <p:bgPr>
         <a:solidFill>
@@ -18233,7 +18489,7 @@
 </p:sld>
 </file>
 
-<file path=ppt/slides/slide5.xml><?xml version="1.0" encoding="utf-8"?>
+<file path=ppt/slides/slide6.xml><?xml version="1.0" encoding="utf-8"?>
 <p:sld xmlns:a="http://schemas.openxmlformats.org/drawingml/2006/main" xmlns:r="http://schemas.openxmlformats.org/officeDocument/2006/relationships" xmlns:p="http://schemas.openxmlformats.org/presentationml/2006/main">
   <p:cSld>
     <p:spTree>
@@ -18273,8 +18529,52 @@
           <a:p>
             <a:r>
               <a:rPr lang="en-US" dirty="0"/>
-              <a:t>AIC results</a:t>
+              <a:t>Results</a:t>
             </a:r>
+          </a:p>
+        </p:txBody>
+      </p:sp>
+      <p:sp>
+        <p:nvSpPr>
+          <p:cNvPr id="10" name="Rectangle 9">
+            <a:extLst>
+              <a:ext uri="{FF2B5EF4-FFF2-40B4-BE49-F238E27FC236}">
+                <a16:creationId xmlns:a16="http://schemas.microsoft.com/office/drawing/2014/main" id="{4F302CCA-1770-4D48-9088-8749DA40875D}"/>
+              </a:ext>
+            </a:extLst>
+          </p:cNvPr>
+          <p:cNvSpPr/>
+          <p:nvPr/>
+        </p:nvSpPr>
+        <p:spPr>
+          <a:xfrm>
+            <a:off x="838200" y="1433253"/>
+            <a:ext cx="10515600" cy="444373"/>
+          </a:xfrm>
+          <a:prstGeom prst="rect">
+            <a:avLst/>
+          </a:prstGeom>
+        </p:spPr>
+        <p:style>
+          <a:lnRef idx="0">
+            <a:schemeClr val="accent2"/>
+          </a:lnRef>
+          <a:fillRef idx="3">
+            <a:schemeClr val="accent2"/>
+          </a:fillRef>
+          <a:effectRef idx="3">
+            <a:schemeClr val="accent2"/>
+          </a:effectRef>
+          <a:fontRef idx="minor">
+            <a:schemeClr val="lt1"/>
+          </a:fontRef>
+        </p:style>
+        <p:txBody>
+          <a:bodyPr rtlCol="0" anchor="ctr"/>
+          <a:lstStyle/>
+          <a:p>
+            <a:pPr algn="ctr"/>
+            <a:endParaRPr lang="en-CA"/>
           </a:p>
         </p:txBody>
       </p:sp>
@@ -18294,46 +18594,548 @@
             <p:ph idx="1"/>
           </p:nvPr>
         </p:nvSpPr>
-        <p:spPr/>
+        <p:spPr>
+          <a:xfrm>
+            <a:off x="838200" y="1433253"/>
+            <a:ext cx="10515600" cy="532026"/>
+          </a:xfrm>
+        </p:spPr>
         <p:txBody>
-          <a:bodyPr/>
+          <a:bodyPr>
+            <a:normAutofit/>
+          </a:bodyPr>
           <a:lstStyle/>
           <a:p>
             <a:pPr marL="0" indent="0">
               <a:buNone/>
             </a:pPr>
             <a:r>
-              <a:rPr lang="en-US" dirty="0"/>
+              <a:rPr lang="en-US" u="sng" dirty="0"/>
+              <a:t>AIC test</a:t>
+            </a:r>
+          </a:p>
+          <a:p>
+            <a:pPr marL="0" indent="0">
+              <a:buNone/>
+            </a:pPr>
+            <a:endParaRPr lang="en-US" dirty="0"/>
+          </a:p>
+        </p:txBody>
+      </p:sp>
+      <p:pic>
+        <p:nvPicPr>
+          <p:cNvPr id="7" name="Picture 6">
+            <a:extLst>
+              <a:ext uri="{FF2B5EF4-FFF2-40B4-BE49-F238E27FC236}">
+                <a16:creationId xmlns:a16="http://schemas.microsoft.com/office/drawing/2014/main" id="{7F4697FF-9A79-48ED-B635-3BE411F897F6}"/>
+              </a:ext>
+            </a:extLst>
+          </p:cNvPr>
+          <p:cNvPicPr>
+            <a:picLocks noChangeAspect="1"/>
+          </p:cNvPicPr>
+          <p:nvPr/>
+        </p:nvPicPr>
+        <p:blipFill>
+          <a:blip r:embed="rId3"/>
+          <a:stretch>
+            <a:fillRect/>
+          </a:stretch>
+        </p:blipFill>
+        <p:spPr>
+          <a:xfrm>
+            <a:off x="2994546" y="3633846"/>
+            <a:ext cx="5718057" cy="2859029"/>
+          </a:xfrm>
+          <a:prstGeom prst="rect">
+            <a:avLst/>
+          </a:prstGeom>
+        </p:spPr>
+      </p:pic>
+      <p:sp>
+        <p:nvSpPr>
+          <p:cNvPr id="11" name="Rectangle 10">
+            <a:extLst>
+              <a:ext uri="{FF2B5EF4-FFF2-40B4-BE49-F238E27FC236}">
+                <a16:creationId xmlns:a16="http://schemas.microsoft.com/office/drawing/2014/main" id="{5588F75F-83C4-437D-88FE-119675221DAA}"/>
+              </a:ext>
+            </a:extLst>
+          </p:cNvPr>
+          <p:cNvSpPr/>
+          <p:nvPr/>
+        </p:nvSpPr>
+        <p:spPr>
+          <a:xfrm>
+            <a:off x="838200" y="2979629"/>
+            <a:ext cx="10515600" cy="444373"/>
+          </a:xfrm>
+          <a:prstGeom prst="rect">
+            <a:avLst/>
+          </a:prstGeom>
+        </p:spPr>
+        <p:style>
+          <a:lnRef idx="0">
+            <a:schemeClr val="accent2"/>
+          </a:lnRef>
+          <a:fillRef idx="3">
+            <a:schemeClr val="accent2"/>
+          </a:fillRef>
+          <a:effectRef idx="3">
+            <a:schemeClr val="accent2"/>
+          </a:effectRef>
+          <a:fontRef idx="minor">
+            <a:schemeClr val="lt1"/>
+          </a:fontRef>
+        </p:style>
+        <p:txBody>
+          <a:bodyPr rtlCol="0" anchor="ctr"/>
+          <a:lstStyle/>
+          <a:p>
+            <a:pPr algn="ctr"/>
+            <a:endParaRPr lang="en-CA"/>
+          </a:p>
+        </p:txBody>
+      </p:sp>
+      <p:sp>
+        <p:nvSpPr>
+          <p:cNvPr id="8" name="Content Placeholder 2">
+            <a:extLst>
+              <a:ext uri="{FF2B5EF4-FFF2-40B4-BE49-F238E27FC236}">
+                <a16:creationId xmlns:a16="http://schemas.microsoft.com/office/drawing/2014/main" id="{01D0B02D-6174-4F44-8854-858D97D8A108}"/>
+              </a:ext>
+            </a:extLst>
+          </p:cNvPr>
+          <p:cNvSpPr txBox="1">
+            <a:spLocks/>
+          </p:cNvSpPr>
+          <p:nvPr/>
+        </p:nvSpPr>
+        <p:spPr>
+          <a:xfrm>
+            <a:off x="838200" y="2016380"/>
+            <a:ext cx="10515600" cy="1071860"/>
+          </a:xfrm>
+          <a:prstGeom prst="rect">
+            <a:avLst/>
+          </a:prstGeom>
+        </p:spPr>
+        <p:txBody>
+          <a:bodyPr vert="horz" lIns="91440" tIns="45720" rIns="91440" bIns="45720" rtlCol="0">
+            <a:normAutofit/>
+          </a:bodyPr>
+          <a:lstStyle>
+            <a:lvl1pPr marL="228600" indent="-228600" algn="l" defTabSz="914400" rtl="0" eaLnBrk="1" latinLnBrk="0" hangingPunct="1">
+              <a:lnSpc>
+                <a:spcPct val="90000"/>
+              </a:lnSpc>
+              <a:spcBef>
+                <a:spcPts val="1000"/>
+              </a:spcBef>
+              <a:buFont typeface="Arial" panose="020B0604020202020204" pitchFamily="34" charset="0"/>
+              <a:buChar char="•"/>
+              <a:defRPr sz="2800" kern="1200">
+                <a:solidFill>
+                  <a:schemeClr val="tx1"/>
+                </a:solidFill>
+                <a:latin typeface="+mn-lt"/>
+                <a:ea typeface="+mn-ea"/>
+                <a:cs typeface="+mn-cs"/>
+              </a:defRPr>
+            </a:lvl1pPr>
+            <a:lvl2pPr marL="685800" indent="-228600" algn="l" defTabSz="914400" rtl="0" eaLnBrk="1" latinLnBrk="0" hangingPunct="1">
+              <a:lnSpc>
+                <a:spcPct val="90000"/>
+              </a:lnSpc>
+              <a:spcBef>
+                <a:spcPts val="500"/>
+              </a:spcBef>
+              <a:buFont typeface="Arial" panose="020B0604020202020204" pitchFamily="34" charset="0"/>
+              <a:buChar char="•"/>
+              <a:defRPr sz="2400" kern="1200">
+                <a:solidFill>
+                  <a:schemeClr val="tx1"/>
+                </a:solidFill>
+                <a:latin typeface="+mn-lt"/>
+                <a:ea typeface="+mn-ea"/>
+                <a:cs typeface="+mn-cs"/>
+              </a:defRPr>
+            </a:lvl2pPr>
+            <a:lvl3pPr marL="1143000" indent="-228600" algn="l" defTabSz="914400" rtl="0" eaLnBrk="1" latinLnBrk="0" hangingPunct="1">
+              <a:lnSpc>
+                <a:spcPct val="90000"/>
+              </a:lnSpc>
+              <a:spcBef>
+                <a:spcPts val="500"/>
+              </a:spcBef>
+              <a:buFont typeface="Arial" panose="020B0604020202020204" pitchFamily="34" charset="0"/>
+              <a:buChar char="•"/>
+              <a:defRPr sz="2000" kern="1200">
+                <a:solidFill>
+                  <a:schemeClr val="tx1"/>
+                </a:solidFill>
+                <a:latin typeface="+mn-lt"/>
+                <a:ea typeface="+mn-ea"/>
+                <a:cs typeface="+mn-cs"/>
+              </a:defRPr>
+            </a:lvl3pPr>
+            <a:lvl4pPr marL="1600200" indent="-228600" algn="l" defTabSz="914400" rtl="0" eaLnBrk="1" latinLnBrk="0" hangingPunct="1">
+              <a:lnSpc>
+                <a:spcPct val="90000"/>
+              </a:lnSpc>
+              <a:spcBef>
+                <a:spcPts val="500"/>
+              </a:spcBef>
+              <a:buFont typeface="Arial" panose="020B0604020202020204" pitchFamily="34" charset="0"/>
+              <a:buChar char="•"/>
+              <a:defRPr sz="1800" kern="1200">
+                <a:solidFill>
+                  <a:schemeClr val="tx1"/>
+                </a:solidFill>
+                <a:latin typeface="+mn-lt"/>
+                <a:ea typeface="+mn-ea"/>
+                <a:cs typeface="+mn-cs"/>
+              </a:defRPr>
+            </a:lvl4pPr>
+            <a:lvl5pPr marL="2057400" indent="-228600" algn="l" defTabSz="914400" rtl="0" eaLnBrk="1" latinLnBrk="0" hangingPunct="1">
+              <a:lnSpc>
+                <a:spcPct val="90000"/>
+              </a:lnSpc>
+              <a:spcBef>
+                <a:spcPts val="500"/>
+              </a:spcBef>
+              <a:buFont typeface="Arial" panose="020B0604020202020204" pitchFamily="34" charset="0"/>
+              <a:buChar char="•"/>
+              <a:defRPr sz="1800" kern="1200">
+                <a:solidFill>
+                  <a:schemeClr val="tx1"/>
+                </a:solidFill>
+                <a:latin typeface="+mn-lt"/>
+                <a:ea typeface="+mn-ea"/>
+                <a:cs typeface="+mn-cs"/>
+              </a:defRPr>
+            </a:lvl5pPr>
+            <a:lvl6pPr marL="2514600" indent="-228600" algn="l" defTabSz="914400" rtl="0" eaLnBrk="1" latinLnBrk="0" hangingPunct="1">
+              <a:lnSpc>
+                <a:spcPct val="90000"/>
+              </a:lnSpc>
+              <a:spcBef>
+                <a:spcPts val="500"/>
+              </a:spcBef>
+              <a:buFont typeface="Arial" panose="020B0604020202020204" pitchFamily="34" charset="0"/>
+              <a:buChar char="•"/>
+              <a:defRPr sz="1800" kern="1200">
+                <a:solidFill>
+                  <a:schemeClr val="tx1"/>
+                </a:solidFill>
+                <a:latin typeface="+mn-lt"/>
+                <a:ea typeface="+mn-ea"/>
+                <a:cs typeface="+mn-cs"/>
+              </a:defRPr>
+            </a:lvl6pPr>
+            <a:lvl7pPr marL="2971800" indent="-228600" algn="l" defTabSz="914400" rtl="0" eaLnBrk="1" latinLnBrk="0" hangingPunct="1">
+              <a:lnSpc>
+                <a:spcPct val="90000"/>
+              </a:lnSpc>
+              <a:spcBef>
+                <a:spcPts val="500"/>
+              </a:spcBef>
+              <a:buFont typeface="Arial" panose="020B0604020202020204" pitchFamily="34" charset="0"/>
+              <a:buChar char="•"/>
+              <a:defRPr sz="1800" kern="1200">
+                <a:solidFill>
+                  <a:schemeClr val="tx1"/>
+                </a:solidFill>
+                <a:latin typeface="+mn-lt"/>
+                <a:ea typeface="+mn-ea"/>
+                <a:cs typeface="+mn-cs"/>
+              </a:defRPr>
+            </a:lvl7pPr>
+            <a:lvl8pPr marL="3429000" indent="-228600" algn="l" defTabSz="914400" rtl="0" eaLnBrk="1" latinLnBrk="0" hangingPunct="1">
+              <a:lnSpc>
+                <a:spcPct val="90000"/>
+              </a:lnSpc>
+              <a:spcBef>
+                <a:spcPts val="500"/>
+              </a:spcBef>
+              <a:buFont typeface="Arial" panose="020B0604020202020204" pitchFamily="34" charset="0"/>
+              <a:buChar char="•"/>
+              <a:defRPr sz="1800" kern="1200">
+                <a:solidFill>
+                  <a:schemeClr val="tx1"/>
+                </a:solidFill>
+                <a:latin typeface="+mn-lt"/>
+                <a:ea typeface="+mn-ea"/>
+                <a:cs typeface="+mn-cs"/>
+              </a:defRPr>
+            </a:lvl8pPr>
+            <a:lvl9pPr marL="3886200" indent="-228600" algn="l" defTabSz="914400" rtl="0" eaLnBrk="1" latinLnBrk="0" hangingPunct="1">
+              <a:lnSpc>
+                <a:spcPct val="90000"/>
+              </a:lnSpc>
+              <a:spcBef>
+                <a:spcPts val="500"/>
+              </a:spcBef>
+              <a:buFont typeface="Arial" panose="020B0604020202020204" pitchFamily="34" charset="0"/>
+              <a:buChar char="•"/>
+              <a:defRPr sz="1800" kern="1200">
+                <a:solidFill>
+                  <a:schemeClr val="tx1"/>
+                </a:solidFill>
+                <a:latin typeface="+mn-lt"/>
+                <a:ea typeface="+mn-ea"/>
+                <a:cs typeface="+mn-cs"/>
+              </a:defRPr>
+            </a:lvl9pPr>
+          </a:lstStyle>
+          <a:p>
+            <a:pPr marL="0" indent="0">
+              <a:buFont typeface="Arial" panose="020B0604020202020204" pitchFamily="34" charset="0"/>
+              <a:buNone/>
+            </a:pPr>
+            <a:r>
+              <a:rPr lang="en-US" sz="2000" dirty="0"/>
               <a:t>Model 11 &lt;- </a:t>
             </a:r>
             <a:r>
-              <a:rPr lang="en-US" dirty="0" err="1"/>
+              <a:rPr lang="en-US" sz="2000" dirty="0" err="1"/>
               <a:t>oto.width</a:t>
             </a:r>
             <a:r>
-              <a:rPr lang="en-US" dirty="0"/>
+              <a:rPr lang="en-US" sz="2000" dirty="0"/>
               <a:t> ~ day of year + longitude + salmon length + random effect (salmon ID)</a:t>
             </a:r>
           </a:p>
           <a:p>
             <a:pPr marL="0" indent="0">
+              <a:buFont typeface="Arial" panose="020B0604020202020204" pitchFamily="34" charset="0"/>
               <a:buNone/>
             </a:pPr>
             <a:r>
-              <a:rPr lang="en-US" dirty="0"/>
+              <a:rPr lang="en-US" sz="2000" dirty="0"/>
               <a:t>Model 6 &lt;- </a:t>
             </a:r>
             <a:r>
-              <a:rPr lang="en-US" dirty="0" err="1"/>
+              <a:rPr lang="en-US" sz="2000" dirty="0" err="1"/>
               <a:t>oto.width</a:t>
             </a:r>
             <a:r>
-              <a:rPr lang="en-US" dirty="0"/>
+              <a:rPr lang="en-US" sz="2000" dirty="0"/>
               <a:t> ~ day of year + longitude + random effect (salmon ID)</a:t>
             </a:r>
           </a:p>
           <a:p>
             <a:pPr marL="0" indent="0">
+              <a:buFont typeface="Arial" panose="020B0604020202020204" pitchFamily="34" charset="0"/>
+              <a:buNone/>
+            </a:pPr>
+            <a:endParaRPr lang="en-US" dirty="0"/>
+          </a:p>
+        </p:txBody>
+      </p:sp>
+      <p:sp>
+        <p:nvSpPr>
+          <p:cNvPr id="9" name="Content Placeholder 2">
+            <a:extLst>
+              <a:ext uri="{FF2B5EF4-FFF2-40B4-BE49-F238E27FC236}">
+                <a16:creationId xmlns:a16="http://schemas.microsoft.com/office/drawing/2014/main" id="{B1622831-ED3F-441C-AE79-B38D5FC8483D}"/>
+              </a:ext>
+            </a:extLst>
+          </p:cNvPr>
+          <p:cNvSpPr txBox="1">
+            <a:spLocks/>
+          </p:cNvSpPr>
+          <p:nvPr/>
+        </p:nvSpPr>
+        <p:spPr>
+          <a:xfrm>
+            <a:off x="838200" y="2914882"/>
+            <a:ext cx="10515600" cy="532026"/>
+          </a:xfrm>
+          <a:prstGeom prst="rect">
+            <a:avLst/>
+          </a:prstGeom>
+        </p:spPr>
+        <p:txBody>
+          <a:bodyPr vert="horz" lIns="91440" tIns="45720" rIns="91440" bIns="45720" rtlCol="0">
+            <a:normAutofit/>
+          </a:bodyPr>
+          <a:lstStyle>
+            <a:lvl1pPr marL="228600" indent="-228600" algn="l" defTabSz="914400" rtl="0" eaLnBrk="1" latinLnBrk="0" hangingPunct="1">
+              <a:lnSpc>
+                <a:spcPct val="90000"/>
+              </a:lnSpc>
+              <a:spcBef>
+                <a:spcPts val="1000"/>
+              </a:spcBef>
+              <a:buFont typeface="Arial" panose="020B0604020202020204" pitchFamily="34" charset="0"/>
+              <a:buChar char="•"/>
+              <a:defRPr sz="2800" kern="1200">
+                <a:solidFill>
+                  <a:schemeClr val="tx1"/>
+                </a:solidFill>
+                <a:latin typeface="+mn-lt"/>
+                <a:ea typeface="+mn-ea"/>
+                <a:cs typeface="+mn-cs"/>
+              </a:defRPr>
+            </a:lvl1pPr>
+            <a:lvl2pPr marL="685800" indent="-228600" algn="l" defTabSz="914400" rtl="0" eaLnBrk="1" latinLnBrk="0" hangingPunct="1">
+              <a:lnSpc>
+                <a:spcPct val="90000"/>
+              </a:lnSpc>
+              <a:spcBef>
+                <a:spcPts val="500"/>
+              </a:spcBef>
+              <a:buFont typeface="Arial" panose="020B0604020202020204" pitchFamily="34" charset="0"/>
+              <a:buChar char="•"/>
+              <a:defRPr sz="2400" kern="1200">
+                <a:solidFill>
+                  <a:schemeClr val="tx1"/>
+                </a:solidFill>
+                <a:latin typeface="+mn-lt"/>
+                <a:ea typeface="+mn-ea"/>
+                <a:cs typeface="+mn-cs"/>
+              </a:defRPr>
+            </a:lvl2pPr>
+            <a:lvl3pPr marL="1143000" indent="-228600" algn="l" defTabSz="914400" rtl="0" eaLnBrk="1" latinLnBrk="0" hangingPunct="1">
+              <a:lnSpc>
+                <a:spcPct val="90000"/>
+              </a:lnSpc>
+              <a:spcBef>
+                <a:spcPts val="500"/>
+              </a:spcBef>
+              <a:buFont typeface="Arial" panose="020B0604020202020204" pitchFamily="34" charset="0"/>
+              <a:buChar char="•"/>
+              <a:defRPr sz="2000" kern="1200">
+                <a:solidFill>
+                  <a:schemeClr val="tx1"/>
+                </a:solidFill>
+                <a:latin typeface="+mn-lt"/>
+                <a:ea typeface="+mn-ea"/>
+                <a:cs typeface="+mn-cs"/>
+              </a:defRPr>
+            </a:lvl3pPr>
+            <a:lvl4pPr marL="1600200" indent="-228600" algn="l" defTabSz="914400" rtl="0" eaLnBrk="1" latinLnBrk="0" hangingPunct="1">
+              <a:lnSpc>
+                <a:spcPct val="90000"/>
+              </a:lnSpc>
+              <a:spcBef>
+                <a:spcPts val="500"/>
+              </a:spcBef>
+              <a:buFont typeface="Arial" panose="020B0604020202020204" pitchFamily="34" charset="0"/>
+              <a:buChar char="•"/>
+              <a:defRPr sz="1800" kern="1200">
+                <a:solidFill>
+                  <a:schemeClr val="tx1"/>
+                </a:solidFill>
+                <a:latin typeface="+mn-lt"/>
+                <a:ea typeface="+mn-ea"/>
+                <a:cs typeface="+mn-cs"/>
+              </a:defRPr>
+            </a:lvl4pPr>
+            <a:lvl5pPr marL="2057400" indent="-228600" algn="l" defTabSz="914400" rtl="0" eaLnBrk="1" latinLnBrk="0" hangingPunct="1">
+              <a:lnSpc>
+                <a:spcPct val="90000"/>
+              </a:lnSpc>
+              <a:spcBef>
+                <a:spcPts val="500"/>
+              </a:spcBef>
+              <a:buFont typeface="Arial" panose="020B0604020202020204" pitchFamily="34" charset="0"/>
+              <a:buChar char="•"/>
+              <a:defRPr sz="1800" kern="1200">
+                <a:solidFill>
+                  <a:schemeClr val="tx1"/>
+                </a:solidFill>
+                <a:latin typeface="+mn-lt"/>
+                <a:ea typeface="+mn-ea"/>
+                <a:cs typeface="+mn-cs"/>
+              </a:defRPr>
+            </a:lvl5pPr>
+            <a:lvl6pPr marL="2514600" indent="-228600" algn="l" defTabSz="914400" rtl="0" eaLnBrk="1" latinLnBrk="0" hangingPunct="1">
+              <a:lnSpc>
+                <a:spcPct val="90000"/>
+              </a:lnSpc>
+              <a:spcBef>
+                <a:spcPts val="500"/>
+              </a:spcBef>
+              <a:buFont typeface="Arial" panose="020B0604020202020204" pitchFamily="34" charset="0"/>
+              <a:buChar char="•"/>
+              <a:defRPr sz="1800" kern="1200">
+                <a:solidFill>
+                  <a:schemeClr val="tx1"/>
+                </a:solidFill>
+                <a:latin typeface="+mn-lt"/>
+                <a:ea typeface="+mn-ea"/>
+                <a:cs typeface="+mn-cs"/>
+              </a:defRPr>
+            </a:lvl6pPr>
+            <a:lvl7pPr marL="2971800" indent="-228600" algn="l" defTabSz="914400" rtl="0" eaLnBrk="1" latinLnBrk="0" hangingPunct="1">
+              <a:lnSpc>
+                <a:spcPct val="90000"/>
+              </a:lnSpc>
+              <a:spcBef>
+                <a:spcPts val="500"/>
+              </a:spcBef>
+              <a:buFont typeface="Arial" panose="020B0604020202020204" pitchFamily="34" charset="0"/>
+              <a:buChar char="•"/>
+              <a:defRPr sz="1800" kern="1200">
+                <a:solidFill>
+                  <a:schemeClr val="tx1"/>
+                </a:solidFill>
+                <a:latin typeface="+mn-lt"/>
+                <a:ea typeface="+mn-ea"/>
+                <a:cs typeface="+mn-cs"/>
+              </a:defRPr>
+            </a:lvl7pPr>
+            <a:lvl8pPr marL="3429000" indent="-228600" algn="l" defTabSz="914400" rtl="0" eaLnBrk="1" latinLnBrk="0" hangingPunct="1">
+              <a:lnSpc>
+                <a:spcPct val="90000"/>
+              </a:lnSpc>
+              <a:spcBef>
+                <a:spcPts val="500"/>
+              </a:spcBef>
+              <a:buFont typeface="Arial" panose="020B0604020202020204" pitchFamily="34" charset="0"/>
+              <a:buChar char="•"/>
+              <a:defRPr sz="1800" kern="1200">
+                <a:solidFill>
+                  <a:schemeClr val="tx1"/>
+                </a:solidFill>
+                <a:latin typeface="+mn-lt"/>
+                <a:ea typeface="+mn-ea"/>
+                <a:cs typeface="+mn-cs"/>
+              </a:defRPr>
+            </a:lvl8pPr>
+            <a:lvl9pPr marL="3886200" indent="-228600" algn="l" defTabSz="914400" rtl="0" eaLnBrk="1" latinLnBrk="0" hangingPunct="1">
+              <a:lnSpc>
+                <a:spcPct val="90000"/>
+              </a:lnSpc>
+              <a:spcBef>
+                <a:spcPts val="500"/>
+              </a:spcBef>
+              <a:buFont typeface="Arial" panose="020B0604020202020204" pitchFamily="34" charset="0"/>
+              <a:buChar char="•"/>
+              <a:defRPr sz="1800" kern="1200">
+                <a:solidFill>
+                  <a:schemeClr val="tx1"/>
+                </a:solidFill>
+                <a:latin typeface="+mn-lt"/>
+                <a:ea typeface="+mn-ea"/>
+                <a:cs typeface="+mn-cs"/>
+              </a:defRPr>
+            </a:lvl9pPr>
+          </a:lstStyle>
+          <a:p>
+            <a:pPr marL="0" indent="0">
+              <a:buFont typeface="Arial" panose="020B0604020202020204" pitchFamily="34" charset="0"/>
+              <a:buNone/>
+            </a:pPr>
+            <a:r>
+              <a:rPr lang="en-US" u="sng" dirty="0"/>
+              <a:t>Coefficient estimates of model: Model 11</a:t>
+            </a:r>
+          </a:p>
+          <a:p>
+            <a:pPr marL="0" indent="0">
+              <a:buFont typeface="Arial" panose="020B0604020202020204" pitchFamily="34" charset="0"/>
               <a:buNone/>
             </a:pPr>
             <a:endParaRPr lang="en-US" dirty="0"/>
@@ -18344,98 +19146,6 @@
     <p:extLst>
       <p:ext uri="{BB962C8B-B14F-4D97-AF65-F5344CB8AC3E}">
         <p14:creationId xmlns:p14="http://schemas.microsoft.com/office/powerpoint/2010/main" val="1698314766"/>
-      </p:ext>
-    </p:extLst>
-  </p:cSld>
-  <p:clrMapOvr>
-    <a:masterClrMapping/>
-  </p:clrMapOvr>
-</p:sld>
-</file>
-
-<file path=ppt/slides/slide6.xml><?xml version="1.0" encoding="utf-8"?>
-<p:sld xmlns:a="http://schemas.openxmlformats.org/drawingml/2006/main" xmlns:r="http://schemas.openxmlformats.org/officeDocument/2006/relationships" xmlns:p="http://schemas.openxmlformats.org/presentationml/2006/main">
-  <p:cSld>
-    <p:spTree>
-      <p:nvGrpSpPr>
-        <p:cNvPr id="1" name=""/>
-        <p:cNvGrpSpPr/>
-        <p:nvPr/>
-      </p:nvGrpSpPr>
-      <p:grpSpPr>
-        <a:xfrm>
-          <a:off x="0" y="0"/>
-          <a:ext cx="0" cy="0"/>
-          <a:chOff x="0" y="0"/>
-          <a:chExt cx="0" cy="0"/>
-        </a:xfrm>
-      </p:grpSpPr>
-      <p:sp>
-        <p:nvSpPr>
-          <p:cNvPr id="2" name="Title 1">
-            <a:extLst>
-              <a:ext uri="{FF2B5EF4-FFF2-40B4-BE49-F238E27FC236}">
-                <a16:creationId xmlns:a16="http://schemas.microsoft.com/office/drawing/2014/main" id="{3AAFA8B7-F65A-4144-B8CA-2814837B984F}"/>
-              </a:ext>
-            </a:extLst>
-          </p:cNvPr>
-          <p:cNvSpPr>
-            <a:spLocks noGrp="1"/>
-          </p:cNvSpPr>
-          <p:nvPr>
-            <p:ph type="title"/>
-          </p:nvPr>
-        </p:nvSpPr>
-        <p:spPr/>
-        <p:txBody>
-          <a:bodyPr/>
-          <a:lstStyle/>
-          <a:p>
-            <a:r>
-              <a:rPr lang="en-US" dirty="0"/>
-              <a:t>Coefficients plot</a:t>
-            </a:r>
-          </a:p>
-        </p:txBody>
-      </p:sp>
-      <p:sp>
-        <p:nvSpPr>
-          <p:cNvPr id="3" name="Content Placeholder 2">
-            <a:extLst>
-              <a:ext uri="{FF2B5EF4-FFF2-40B4-BE49-F238E27FC236}">
-                <a16:creationId xmlns:a16="http://schemas.microsoft.com/office/drawing/2014/main" id="{EF9DCC9C-FAF5-CB4C-830C-27537C7ECA6F}"/>
-              </a:ext>
-            </a:extLst>
-          </p:cNvPr>
-          <p:cNvSpPr>
-            <a:spLocks noGrp="1"/>
-          </p:cNvSpPr>
-          <p:nvPr>
-            <p:ph idx="1"/>
-          </p:nvPr>
-        </p:nvSpPr>
-        <p:spPr/>
-        <p:txBody>
-          <a:bodyPr/>
-          <a:lstStyle/>
-          <a:p>
-            <a:r>
-              <a:rPr lang="en-US" dirty="0"/>
-              <a:t>Model 11</a:t>
-            </a:r>
-          </a:p>
-          <a:p>
-            <a:r>
-              <a:rPr lang="en-US" dirty="0"/>
-              <a:t>Model 6</a:t>
-            </a:r>
-          </a:p>
-        </p:txBody>
-      </p:sp>
-    </p:spTree>
-    <p:extLst>
-      <p:ext uri="{BB962C8B-B14F-4D97-AF65-F5344CB8AC3E}">
-        <p14:creationId xmlns:p14="http://schemas.microsoft.com/office/powerpoint/2010/main" val="2154362521"/>
       </p:ext>
     </p:extLst>
   </p:cSld>
@@ -19610,43 +20320,250 @@
             <p:ph type="title"/>
           </p:nvPr>
         </p:nvSpPr>
-        <p:spPr/>
+        <p:spPr>
+          <a:xfrm>
+            <a:off x="837707" y="252081"/>
+            <a:ext cx="10515600" cy="1325563"/>
+          </a:xfrm>
+        </p:spPr>
         <p:txBody>
           <a:bodyPr/>
           <a:lstStyle/>
           <a:p>
             <a:r>
               <a:rPr lang="en-US" dirty="0"/>
-              <a:t>Model vs. data</a:t>
+              <a:t>Model visualized with data: Model 11</a:t>
             </a:r>
           </a:p>
         </p:txBody>
       </p:sp>
       <p:sp>
         <p:nvSpPr>
-          <p:cNvPr id="3" name="Content Placeholder 2">
+          <p:cNvPr id="10" name="Rectangle: Rounded Corners 9">
             <a:extLst>
               <a:ext uri="{FF2B5EF4-FFF2-40B4-BE49-F238E27FC236}">
-                <a16:creationId xmlns:a16="http://schemas.microsoft.com/office/drawing/2014/main" id="{D033DE1A-8062-0643-90AB-0BD81CBFD405}"/>
+                <a16:creationId xmlns:a16="http://schemas.microsoft.com/office/drawing/2014/main" id="{5174B6B5-E63A-4275-BF91-46423B4B4004}"/>
               </a:ext>
             </a:extLst>
           </p:cNvPr>
-          <p:cNvSpPr>
-            <a:spLocks noGrp="1"/>
-          </p:cNvSpPr>
+          <p:cNvSpPr/>
+          <p:nvPr/>
+        </p:nvSpPr>
+        <p:spPr>
+          <a:xfrm>
+            <a:off x="759904" y="1261422"/>
+            <a:ext cx="10803340" cy="5480571"/>
+          </a:xfrm>
+          <a:prstGeom prst="roundRect">
+            <a:avLst>
+              <a:gd name="adj" fmla="val 4238"/>
+            </a:avLst>
+          </a:prstGeom>
+          <a:solidFill>
+            <a:schemeClr val="accent2"/>
+          </a:solidFill>
+        </p:spPr>
+        <p:style>
+          <a:lnRef idx="2">
+            <a:schemeClr val="accent2"/>
+          </a:lnRef>
+          <a:fillRef idx="1">
+            <a:schemeClr val="lt1"/>
+          </a:fillRef>
+          <a:effectRef idx="0">
+            <a:schemeClr val="accent2"/>
+          </a:effectRef>
+          <a:fontRef idx="minor">
+            <a:schemeClr val="dk1"/>
+          </a:fontRef>
+        </p:style>
+        <p:txBody>
+          <a:bodyPr rtlCol="0" anchor="ctr"/>
+          <a:lstStyle/>
+          <a:p>
+            <a:pPr algn="ctr"/>
+            <a:endParaRPr lang="en-CA"/>
+          </a:p>
+        </p:txBody>
+      </p:sp>
+      <p:pic>
+        <p:nvPicPr>
+          <p:cNvPr id="5" name="Content Placeholder 4">
+            <a:extLst>
+              <a:ext uri="{FF2B5EF4-FFF2-40B4-BE49-F238E27FC236}">
+                <a16:creationId xmlns:a16="http://schemas.microsoft.com/office/drawing/2014/main" id="{6962AFD2-37E0-45F2-ADA2-47CC70CF365A}"/>
+              </a:ext>
+            </a:extLst>
+          </p:cNvPr>
+          <p:cNvPicPr>
+            <a:picLocks noGrp="1" noChangeAspect="1"/>
+          </p:cNvPicPr>
           <p:nvPr>
             <p:ph idx="1"/>
           </p:nvPr>
-        </p:nvSpPr>
-        <p:spPr/>
-        <p:txBody>
-          <a:bodyPr/>
-          <a:lstStyle/>
-          <a:p>
-            <a:endParaRPr lang="en-US" dirty="0"/>
-          </a:p>
-        </p:txBody>
-      </p:sp>
+        </p:nvPicPr>
+        <p:blipFill>
+          <a:blip r:embed="rId3"/>
+          <a:stretch>
+            <a:fillRect/>
+          </a:stretch>
+        </p:blipFill>
+        <p:spPr>
+          <a:xfrm>
+            <a:off x="6310636" y="1431671"/>
+            <a:ext cx="5042671" cy="2520000"/>
+          </a:xfrm>
+          <a:prstGeom prst="rect">
+            <a:avLst/>
+          </a:prstGeom>
+          <a:solidFill>
+            <a:srgbClr val="FFFFFF">
+              <a:shade val="85000"/>
+            </a:srgbClr>
+          </a:solidFill>
+          <a:ln w="88900" cap="sq">
+            <a:solidFill>
+              <a:srgbClr val="FFFFFF"/>
+            </a:solidFill>
+            <a:miter lim="800000"/>
+          </a:ln>
+          <a:effectLst>
+            <a:outerShdw blurRad="55000" dist="18000" dir="5400000" algn="tl" rotWithShape="0">
+              <a:srgbClr val="000000">
+                <a:alpha val="40000"/>
+              </a:srgbClr>
+            </a:outerShdw>
+          </a:effectLst>
+          <a:scene3d>
+            <a:camera prst="orthographicFront"/>
+            <a:lightRig rig="twoPt" dir="t">
+              <a:rot lat="0" lon="0" rev="7200000"/>
+            </a:lightRig>
+          </a:scene3d>
+          <a:sp3d>
+            <a:bevelT w="25400" h="19050"/>
+            <a:contourClr>
+              <a:srgbClr val="FFFFFF"/>
+            </a:contourClr>
+          </a:sp3d>
+        </p:spPr>
+      </p:pic>
+      <p:pic>
+        <p:nvPicPr>
+          <p:cNvPr id="7" name="Picture 6">
+            <a:extLst>
+              <a:ext uri="{FF2B5EF4-FFF2-40B4-BE49-F238E27FC236}">
+                <a16:creationId xmlns:a16="http://schemas.microsoft.com/office/drawing/2014/main" id="{86C3172D-B8CF-46B7-B6FF-EA2A993BF75B}"/>
+              </a:ext>
+            </a:extLst>
+          </p:cNvPr>
+          <p:cNvPicPr>
+            <a:picLocks noChangeAspect="1"/>
+          </p:cNvPicPr>
+          <p:nvPr/>
+        </p:nvPicPr>
+        <p:blipFill>
+          <a:blip r:embed="rId4"/>
+          <a:stretch>
+            <a:fillRect/>
+          </a:stretch>
+        </p:blipFill>
+        <p:spPr>
+          <a:xfrm>
+            <a:off x="981291" y="1431671"/>
+            <a:ext cx="5042671" cy="2520000"/>
+          </a:xfrm>
+          <a:prstGeom prst="rect">
+            <a:avLst/>
+          </a:prstGeom>
+          <a:solidFill>
+            <a:srgbClr val="FFFFFF">
+              <a:shade val="85000"/>
+            </a:srgbClr>
+          </a:solidFill>
+          <a:ln w="88900" cap="sq">
+            <a:noFill/>
+            <a:miter lim="800000"/>
+          </a:ln>
+          <a:effectLst>
+            <a:outerShdw blurRad="55000" dist="18000" dir="5400000" algn="tl" rotWithShape="0">
+              <a:srgbClr val="000000">
+                <a:alpha val="40000"/>
+              </a:srgbClr>
+            </a:outerShdw>
+          </a:effectLst>
+          <a:scene3d>
+            <a:camera prst="orthographicFront"/>
+            <a:lightRig rig="twoPt" dir="t">
+              <a:rot lat="0" lon="0" rev="7200000"/>
+            </a:lightRig>
+          </a:scene3d>
+          <a:sp3d>
+            <a:bevelT w="25400" h="19050"/>
+            <a:contourClr>
+              <a:srgbClr val="FFFFFF"/>
+            </a:contourClr>
+          </a:sp3d>
+        </p:spPr>
+      </p:pic>
+      <p:pic>
+        <p:nvPicPr>
+          <p:cNvPr id="9" name="Picture 8">
+            <a:extLst>
+              <a:ext uri="{FF2B5EF4-FFF2-40B4-BE49-F238E27FC236}">
+                <a16:creationId xmlns:a16="http://schemas.microsoft.com/office/drawing/2014/main" id="{050B8EE8-277E-49F5-A9BF-AFADB9C6BCE3}"/>
+              </a:ext>
+            </a:extLst>
+          </p:cNvPr>
+          <p:cNvPicPr>
+            <a:picLocks noChangeAspect="1"/>
+          </p:cNvPicPr>
+          <p:nvPr/>
+        </p:nvPicPr>
+        <p:blipFill>
+          <a:blip r:embed="rId5"/>
+          <a:stretch>
+            <a:fillRect/>
+          </a:stretch>
+        </p:blipFill>
+        <p:spPr>
+          <a:xfrm>
+            <a:off x="3640239" y="4085919"/>
+            <a:ext cx="5042671" cy="2520000"/>
+          </a:xfrm>
+          <a:prstGeom prst="rect">
+            <a:avLst/>
+          </a:prstGeom>
+          <a:solidFill>
+            <a:srgbClr val="FFFFFF">
+              <a:shade val="85000"/>
+            </a:srgbClr>
+          </a:solidFill>
+          <a:ln w="88900" cap="sq">
+            <a:noFill/>
+            <a:miter lim="800000"/>
+          </a:ln>
+          <a:effectLst>
+            <a:outerShdw blurRad="55000" dist="18000" dir="5400000" algn="tl" rotWithShape="0">
+              <a:srgbClr val="000000">
+                <a:alpha val="40000"/>
+              </a:srgbClr>
+            </a:outerShdw>
+          </a:effectLst>
+          <a:scene3d>
+            <a:camera prst="orthographicFront"/>
+            <a:lightRig rig="twoPt" dir="t">
+              <a:rot lat="0" lon="0" rev="7200000"/>
+            </a:lightRig>
+          </a:scene3d>
+          <a:sp3d>
+            <a:bevelT w="25400" h="19050"/>
+            <a:contourClr>
+              <a:srgbClr val="FFFFFF"/>
+            </a:contourClr>
+          </a:sp3d>
+        </p:spPr>
+      </p:pic>
     </p:spTree>
     <p:extLst>
       <p:ext uri="{BB962C8B-B14F-4D97-AF65-F5344CB8AC3E}">

--- a/ES data project presentation_salmon diet.pptx
+++ b/ES data project presentation_salmon diet.pptx
@@ -5,7 +5,7 @@
     <p:sldMasterId id="2147483936" r:id="rId1"/>
   </p:sldMasterIdLst>
   <p:notesMasterIdLst>
-    <p:notesMasterId r:id="rId13"/>
+    <p:notesMasterId r:id="rId12"/>
   </p:notesMasterIdLst>
   <p:sldIdLst>
     <p:sldId id="256" r:id="rId2"/>
@@ -18,7 +18,6 @@
     <p:sldId id="267" r:id="rId9"/>
     <p:sldId id="266" r:id="rId10"/>
     <p:sldId id="261" r:id="rId11"/>
-    <p:sldId id="264" r:id="rId12"/>
   </p:sldIdLst>
   <p:sldSz cx="12192000" cy="6858000"/>
   <p:notesSz cx="6858000" cy="9144000"/>
@@ -132,7 +131,6 @@
             <p14:sldId id="267"/>
             <p14:sldId id="266"/>
             <p14:sldId id="261"/>
-            <p14:sldId id="264"/>
           </p14:sldIdLst>
         </p14:section>
       </p14:sectionLst>
@@ -3235,11 +3233,11 @@
   </dgm:ptLst>
   <dgm:cxnLst>
     <dgm:cxn modelId="{198E4900-501C-2A46-9FE3-CE4FC21FF13F}" type="presOf" srcId="{8B5945AF-6974-4C42-85DE-6FE5B77CAAD0}" destId="{1B419109-793A-C548-906A-3E4EC6136ECF}" srcOrd="0" destOrd="0" presId="urn:microsoft.com/office/officeart/2016/7/layout/VerticalSolidActionList"/>
+    <dgm:cxn modelId="{29628A50-01D9-4346-8D80-F434D85AC7A9}" srcId="{297A0520-2764-4C8F-9AE0-DB732A67FFED}" destId="{D0560927-EC29-4DAE-A6B8-DB41B3BE44A1}" srcOrd="2" destOrd="0" parTransId="{E9959DDF-DD7E-4CA3-BCBF-624AB268D8CC}" sibTransId="{2D3DF4F7-04B1-4F56-9E9E-0A6B2E1B9B54}"/>
+    <dgm:cxn modelId="{484DF257-622D-8F49-A9E1-5C53BBD6989F}" type="presOf" srcId="{8B3E616F-C7D6-4D3D-8241-73AF0A807405}" destId="{8A7AFA50-C14A-A443-8EA4-D394A74BFAC9}" srcOrd="0" destOrd="0" presId="urn:microsoft.com/office/officeart/2016/7/layout/VerticalSolidActionList"/>
     <dgm:cxn modelId="{10DE1866-6007-4F52-914D-F4842E3BB28B}" srcId="{297A0520-2764-4C8F-9AE0-DB732A67FFED}" destId="{8B5945AF-6974-4C42-85DE-6FE5B77CAAD0}" srcOrd="0" destOrd="0" parTransId="{B1E30F8F-A431-4AC2-9AC6-64ABBF0D16B1}" sibTransId="{145EB648-2E3B-44D3-A0E9-770EA0C1B91C}"/>
     <dgm:cxn modelId="{C7BE2867-9893-3248-B435-5974809AB438}" type="presOf" srcId="{42C608DF-D208-47D0-A4A5-0318AEAA01B3}" destId="{79C994EE-5A2E-8D44-91DC-12CD97F62F4A}" srcOrd="0" destOrd="1" presId="urn:microsoft.com/office/officeart/2016/7/layout/VerticalSolidActionList"/>
     <dgm:cxn modelId="{0916DD6E-0B82-9C49-9EFE-03B57969AC2B}" type="presOf" srcId="{9D259188-6A99-40D5-8EA9-0C64AEB35365}" destId="{BECE8E23-732B-9B45-8B64-11217D7FC135}" srcOrd="0" destOrd="0" presId="urn:microsoft.com/office/officeart/2016/7/layout/VerticalSolidActionList"/>
-    <dgm:cxn modelId="{29628A50-01D9-4346-8D80-F434D85AC7A9}" srcId="{297A0520-2764-4C8F-9AE0-DB732A67FFED}" destId="{D0560927-EC29-4DAE-A6B8-DB41B3BE44A1}" srcOrd="2" destOrd="0" parTransId="{E9959DDF-DD7E-4CA3-BCBF-624AB268D8CC}" sibTransId="{2D3DF4F7-04B1-4F56-9E9E-0A6B2E1B9B54}"/>
-    <dgm:cxn modelId="{484DF257-622D-8F49-A9E1-5C53BBD6989F}" type="presOf" srcId="{8B3E616F-C7D6-4D3D-8241-73AF0A807405}" destId="{8A7AFA50-C14A-A443-8EA4-D394A74BFAC9}" srcOrd="0" destOrd="0" presId="urn:microsoft.com/office/officeart/2016/7/layout/VerticalSolidActionList"/>
     <dgm:cxn modelId="{9DAB7478-DE8F-6E4D-A7E5-F8D2154272C6}" type="presOf" srcId="{09682588-D3C6-4778-981A-D5364B733FD9}" destId="{79C994EE-5A2E-8D44-91DC-12CD97F62F4A}" srcOrd="0" destOrd="0" presId="urn:microsoft.com/office/officeart/2016/7/layout/VerticalSolidActionList"/>
     <dgm:cxn modelId="{EA2AA387-761C-704E-8050-F9E3E79A063F}" type="presOf" srcId="{21DB5743-0C4C-431C-898D-AFE203F0CB13}" destId="{79C994EE-5A2E-8D44-91DC-12CD97F62F4A}" srcOrd="0" destOrd="2" presId="urn:microsoft.com/office/officeart/2016/7/layout/VerticalSolidActionList"/>
     <dgm:cxn modelId="{8FABFF88-744C-4971-BCEF-ACF423B3D9E1}" srcId="{D0560927-EC29-4DAE-A6B8-DB41B3BE44A1}" destId="{09682588-D3C6-4778-981A-D5364B733FD9}" srcOrd="0" destOrd="0" parTransId="{98C43AD8-9C76-4F23-BC62-8D9211286AE1}" sibTransId="{04F41029-6065-4CF6-820A-27500A26B0B5}"/>
@@ -3711,11 +3709,11 @@
     <dgm:cxn modelId="{69AC8839-3401-7545-9C8B-5AD3D7B58070}" type="presOf" srcId="{0A2BFB30-5821-4D71-A0E1-D750127A9613}" destId="{92F8E101-6E38-BE46-94D1-06250D0D8A1A}" srcOrd="1" destOrd="0" presId="urn:microsoft.com/office/officeart/2005/8/layout/hierarchy2"/>
     <dgm:cxn modelId="{38C38D3D-462D-4C53-88D0-DB64F7734256}" srcId="{50CCE8C1-96AF-4331-9A36-5000DBE83E63}" destId="{AD116BD0-3C86-4D3B-A2F8-35B8385FD208}" srcOrd="0" destOrd="0" parTransId="{793DF6B1-4B98-46C5-B892-00F3D730B4E7}" sibTransId="{2807683D-DAD6-47B8-800F-EE6975C69FED}"/>
     <dgm:cxn modelId="{D8A02140-2206-4FAE-9B03-E178B696FB74}" srcId="{0C95A4E1-262D-4E19-ACB7-A38805AED670}" destId="{4DBB116F-3746-43D2-B665-E776645284DF}" srcOrd="1" destOrd="0" parTransId="{91DB206D-EBD3-4F7A-8590-3EC9DF056653}" sibTransId="{22AAB314-9420-49F1-BA8D-35682DEE5FDD}"/>
+    <dgm:cxn modelId="{46CA9D4F-75CC-CB4B-A601-78AB2C844B00}" type="presOf" srcId="{0A2BFB30-5821-4D71-A0E1-D750127A9613}" destId="{DC799E38-EA97-494A-A050-73455285DEEA}" srcOrd="0" destOrd="0" presId="urn:microsoft.com/office/officeart/2005/8/layout/hierarchy2"/>
     <dgm:cxn modelId="{C696AC63-EED7-4A64-8765-6DDCB7B8534B}" srcId="{0C95A4E1-262D-4E19-ACB7-A38805AED670}" destId="{963E4C02-2D06-4D55-828F-964C83EE32E4}" srcOrd="0" destOrd="0" parTransId="{0A2BFB30-5821-4D71-A0E1-D750127A9613}" sibTransId="{E5666B12-3AEC-40EB-8D7B-A1FF7179D77C}"/>
     <dgm:cxn modelId="{AF3B0368-6692-5E49-8FC2-1F1F274A05E7}" type="presOf" srcId="{91DB206D-EBD3-4F7A-8590-3EC9DF056653}" destId="{4FF8A282-69A3-B045-84FF-808D94DCB60E}" srcOrd="0" destOrd="0" presId="urn:microsoft.com/office/officeart/2005/8/layout/hierarchy2"/>
     <dgm:cxn modelId="{CCBBEC6C-D1A5-486D-84BC-78E74D572399}" srcId="{0C95A4E1-262D-4E19-ACB7-A38805AED670}" destId="{D96713FE-930C-4C89-96C9-796B5EDC58FF}" srcOrd="2" destOrd="0" parTransId="{136DADE0-F75D-43AE-A2F9-D3EFE3FFFA6B}" sibTransId="{1795F154-CAB8-4D7C-9A7D-B63A586BFBC8}"/>
     <dgm:cxn modelId="{75F5FE6D-5157-C948-BC23-A3F85FF493B3}" type="presOf" srcId="{D96713FE-930C-4C89-96C9-796B5EDC58FF}" destId="{F1859255-EE4F-D144-9DF4-36F37160FF74}" srcOrd="0" destOrd="0" presId="urn:microsoft.com/office/officeart/2005/8/layout/hierarchy2"/>
-    <dgm:cxn modelId="{46CA9D4F-75CC-CB4B-A601-78AB2C844B00}" type="presOf" srcId="{0A2BFB30-5821-4D71-A0E1-D750127A9613}" destId="{DC799E38-EA97-494A-A050-73455285DEEA}" srcOrd="0" destOrd="0" presId="urn:microsoft.com/office/officeart/2005/8/layout/hierarchy2"/>
     <dgm:cxn modelId="{D4CD3C78-7DB0-CA46-9B8A-9D6517DBEB39}" type="presOf" srcId="{4DBB116F-3746-43D2-B665-E776645284DF}" destId="{1265E470-36B3-2344-B164-D7838CBF6E18}" srcOrd="0" destOrd="0" presId="urn:microsoft.com/office/officeart/2005/8/layout/hierarchy2"/>
     <dgm:cxn modelId="{5ECA1879-6866-C242-A3E2-149452A30613}" type="presOf" srcId="{50CCE8C1-96AF-4331-9A36-5000DBE83E63}" destId="{DA635CDC-CEAB-8D4B-B350-871DE3032519}" srcOrd="0" destOrd="0" presId="urn:microsoft.com/office/officeart/2005/8/layout/hierarchy2"/>
     <dgm:cxn modelId="{F57E878A-5C4F-8A40-8A35-98C190A03B78}" type="presOf" srcId="{136DADE0-F75D-43AE-A2F9-D3EFE3FFFA6B}" destId="{52261F02-7788-4444-B4A2-BCE3A9F71FA1}" srcOrd="0" destOrd="0" presId="urn:microsoft.com/office/officeart/2005/8/layout/hierarchy2"/>
@@ -10348,7 +10346,7 @@
           <a:p>
             <a:fld id="{EE49B232-0CCD-EA45-8373-748F71E32B73}" type="datetimeFigureOut">
               <a:rPr lang="en-US" smtClean="0"/>
-              <a:t>4/6/2020</a:t>
+              <a:t>4/6/20</a:t>
             </a:fld>
             <a:endParaRPr lang="en-US"/>
           </a:p>
@@ -13701,7 +13699,7 @@
           <a:p>
             <a:fld id="{3E52D604-0742-9243-810E-1096192DBA15}" type="datetimeFigureOut">
               <a:rPr lang="en-US" smtClean="0"/>
-              <a:t>4/6/2020</a:t>
+              <a:t>4/6/20</a:t>
             </a:fld>
             <a:endParaRPr lang="en-US"/>
           </a:p>
@@ -13871,7 +13869,7 @@
           <a:p>
             <a:fld id="{3E52D604-0742-9243-810E-1096192DBA15}" type="datetimeFigureOut">
               <a:rPr lang="en-US" smtClean="0"/>
-              <a:t>4/6/2020</a:t>
+              <a:t>4/6/20</a:t>
             </a:fld>
             <a:endParaRPr lang="en-US"/>
           </a:p>
@@ -14051,7 +14049,7 @@
           <a:p>
             <a:fld id="{3E52D604-0742-9243-810E-1096192DBA15}" type="datetimeFigureOut">
               <a:rPr lang="en-US" smtClean="0"/>
-              <a:t>4/6/2020</a:t>
+              <a:t>4/6/20</a:t>
             </a:fld>
             <a:endParaRPr lang="en-US"/>
           </a:p>
@@ -14221,7 +14219,7 @@
           <a:p>
             <a:fld id="{3E52D604-0742-9243-810E-1096192DBA15}" type="datetimeFigureOut">
               <a:rPr lang="en-US" smtClean="0"/>
-              <a:t>4/6/2020</a:t>
+              <a:t>4/6/20</a:t>
             </a:fld>
             <a:endParaRPr lang="en-US"/>
           </a:p>
@@ -14467,7 +14465,7 @@
           <a:p>
             <a:fld id="{3E52D604-0742-9243-810E-1096192DBA15}" type="datetimeFigureOut">
               <a:rPr lang="en-US" smtClean="0"/>
-              <a:t>4/6/2020</a:t>
+              <a:t>4/6/20</a:t>
             </a:fld>
             <a:endParaRPr lang="en-US"/>
           </a:p>
@@ -14699,7 +14697,7 @@
           <a:p>
             <a:fld id="{3E52D604-0742-9243-810E-1096192DBA15}" type="datetimeFigureOut">
               <a:rPr lang="en-US" smtClean="0"/>
-              <a:t>4/6/2020</a:t>
+              <a:t>4/6/20</a:t>
             </a:fld>
             <a:endParaRPr lang="en-US"/>
           </a:p>
@@ -15066,7 +15064,7 @@
           <a:p>
             <a:fld id="{3E52D604-0742-9243-810E-1096192DBA15}" type="datetimeFigureOut">
               <a:rPr lang="en-US" smtClean="0"/>
-              <a:t>4/6/2020</a:t>
+              <a:t>4/6/20</a:t>
             </a:fld>
             <a:endParaRPr lang="en-US"/>
           </a:p>
@@ -15184,7 +15182,7 @@
           <a:p>
             <a:fld id="{3E52D604-0742-9243-810E-1096192DBA15}" type="datetimeFigureOut">
               <a:rPr lang="en-US" smtClean="0"/>
-              <a:t>4/6/2020</a:t>
+              <a:t>4/6/20</a:t>
             </a:fld>
             <a:endParaRPr lang="en-US"/>
           </a:p>
@@ -15279,7 +15277,7 @@
           <a:p>
             <a:fld id="{3E52D604-0742-9243-810E-1096192DBA15}" type="datetimeFigureOut">
               <a:rPr lang="en-US" smtClean="0"/>
-              <a:t>4/6/2020</a:t>
+              <a:t>4/6/20</a:t>
             </a:fld>
             <a:endParaRPr lang="en-US"/>
           </a:p>
@@ -15556,7 +15554,7 @@
           <a:p>
             <a:fld id="{3E52D604-0742-9243-810E-1096192DBA15}" type="datetimeFigureOut">
               <a:rPr lang="en-US" smtClean="0"/>
-              <a:t>4/6/2020</a:t>
+              <a:t>4/6/20</a:t>
             </a:fld>
             <a:endParaRPr lang="en-US"/>
           </a:p>
@@ -15813,7 +15811,7 @@
           <a:p>
             <a:fld id="{3E52D604-0742-9243-810E-1096192DBA15}" type="datetimeFigureOut">
               <a:rPr lang="en-US" smtClean="0"/>
-              <a:t>4/6/2020</a:t>
+              <a:t>4/6/20</a:t>
             </a:fld>
             <a:endParaRPr lang="en-US"/>
           </a:p>
@@ -16026,7 +16024,7 @@
           <a:p>
             <a:fld id="{3E52D604-0742-9243-810E-1096192DBA15}" type="datetimeFigureOut">
               <a:rPr lang="en-US" smtClean="0"/>
-              <a:t>4/6/2020</a:t>
+              <a:t>4/6/20</a:t>
             </a:fld>
             <a:endParaRPr lang="en-US"/>
           </a:p>
@@ -17101,110 +17099,6 @@
     <p:extLst>
       <p:ext uri="{BB962C8B-B14F-4D97-AF65-F5344CB8AC3E}">
         <p14:creationId xmlns:p14="http://schemas.microsoft.com/office/powerpoint/2010/main" val="3638490725"/>
-      </p:ext>
-    </p:extLst>
-  </p:cSld>
-  <p:clrMapOvr>
-    <a:masterClrMapping/>
-  </p:clrMapOvr>
-</p:sld>
-</file>
-
-<file path=ppt/slides/slide11.xml><?xml version="1.0" encoding="utf-8"?>
-<p:sld xmlns:a="http://schemas.openxmlformats.org/drawingml/2006/main" xmlns:r="http://schemas.openxmlformats.org/officeDocument/2006/relationships" xmlns:p="http://schemas.openxmlformats.org/presentationml/2006/main">
-  <p:cSld>
-    <p:spTree>
-      <p:nvGrpSpPr>
-        <p:cNvPr id="1" name=""/>
-        <p:cNvGrpSpPr/>
-        <p:nvPr/>
-      </p:nvGrpSpPr>
-      <p:grpSpPr>
-        <a:xfrm>
-          <a:off x="0" y="0"/>
-          <a:ext cx="0" cy="0"/>
-          <a:chOff x="0" y="0"/>
-          <a:chExt cx="0" cy="0"/>
-        </a:xfrm>
-      </p:grpSpPr>
-      <p:sp>
-        <p:nvSpPr>
-          <p:cNvPr id="2" name="Title 1">
-            <a:extLst>
-              <a:ext uri="{FF2B5EF4-FFF2-40B4-BE49-F238E27FC236}">
-                <a16:creationId xmlns:a16="http://schemas.microsoft.com/office/drawing/2014/main" id="{32F013EC-885D-48FC-97AF-EA861EA43DDB}"/>
-              </a:ext>
-            </a:extLst>
-          </p:cNvPr>
-          <p:cNvSpPr>
-            <a:spLocks noGrp="1"/>
-          </p:cNvSpPr>
-          <p:nvPr>
-            <p:ph type="title"/>
-          </p:nvPr>
-        </p:nvSpPr>
-        <p:spPr/>
-        <p:txBody>
-          <a:bodyPr/>
-          <a:lstStyle/>
-          <a:p>
-            <a:r>
-              <a:rPr lang="en-CA" dirty="0"/>
-              <a:t>Checklist</a:t>
-            </a:r>
-          </a:p>
-        </p:txBody>
-      </p:sp>
-      <p:sp>
-        <p:nvSpPr>
-          <p:cNvPr id="3" name="Content Placeholder 2">
-            <a:extLst>
-              <a:ext uri="{FF2B5EF4-FFF2-40B4-BE49-F238E27FC236}">
-                <a16:creationId xmlns:a16="http://schemas.microsoft.com/office/drawing/2014/main" id="{83895A00-7982-4E95-82C2-C49F273FBD45}"/>
-              </a:ext>
-            </a:extLst>
-          </p:cNvPr>
-          <p:cNvSpPr>
-            <a:spLocks noGrp="1"/>
-          </p:cNvSpPr>
-          <p:nvPr>
-            <p:ph idx="1"/>
-          </p:nvPr>
-        </p:nvSpPr>
-        <p:spPr/>
-        <p:txBody>
-          <a:bodyPr/>
-          <a:lstStyle/>
-          <a:p>
-            <a:r>
-              <a:rPr lang="en-CA" dirty="0"/>
-              <a:t>PDF file</a:t>
-            </a:r>
-          </a:p>
-          <a:p>
-            <a:r>
-              <a:rPr lang="en-CA" dirty="0"/>
-              <a:t>10 slides max</a:t>
-            </a:r>
-          </a:p>
-          <a:p>
-            <a:r>
-              <a:rPr lang="en-CA" dirty="0"/>
-              <a:t>2 slides of plots min</a:t>
-            </a:r>
-          </a:p>
-          <a:p>
-            <a:r>
-              <a:rPr lang="en-CA" dirty="0"/>
-              <a:t>Complete sentences</a:t>
-            </a:r>
-          </a:p>
-        </p:txBody>
-      </p:sp>
-    </p:spTree>
-    <p:extLst>
-      <p:ext uri="{BB962C8B-B14F-4D97-AF65-F5344CB8AC3E}">
-        <p14:creationId xmlns:p14="http://schemas.microsoft.com/office/powerpoint/2010/main" val="1894726509"/>
       </p:ext>
     </p:extLst>
   </p:cSld>
